--- a/230518_DSM5/Forbes_2023_psyarxiv.pptx
+++ b/230518_DSM5/Forbes_2023_psyarxiv.pptx
@@ -5,30 +5,27 @@
     <p:sldMasterId id="2147483648" r:id="rId1"/>
   </p:sldMasterIdLst>
   <p:notesMasterIdLst>
-    <p:notesMasterId r:id="rId23"/>
+    <p:notesMasterId r:id="rId20"/>
   </p:notesMasterIdLst>
   <p:sldIdLst>
     <p:sldId id="273" r:id="rId2"/>
     <p:sldId id="274" r:id="rId3"/>
     <p:sldId id="276" r:id="rId4"/>
     <p:sldId id="275" r:id="rId5"/>
-    <p:sldId id="256" r:id="rId6"/>
-    <p:sldId id="257" r:id="rId7"/>
-    <p:sldId id="258" r:id="rId8"/>
-    <p:sldId id="259" r:id="rId9"/>
-    <p:sldId id="260" r:id="rId10"/>
-    <p:sldId id="261" r:id="rId11"/>
-    <p:sldId id="262" r:id="rId12"/>
-    <p:sldId id="263" r:id="rId13"/>
-    <p:sldId id="264" r:id="rId14"/>
-    <p:sldId id="265" r:id="rId15"/>
-    <p:sldId id="266" r:id="rId16"/>
-    <p:sldId id="267" r:id="rId17"/>
-    <p:sldId id="268" r:id="rId18"/>
-    <p:sldId id="269" r:id="rId19"/>
-    <p:sldId id="270" r:id="rId20"/>
-    <p:sldId id="271" r:id="rId21"/>
-    <p:sldId id="272" r:id="rId22"/>
+    <p:sldId id="277" r:id="rId6"/>
+    <p:sldId id="278" r:id="rId7"/>
+    <p:sldId id="279" r:id="rId8"/>
+    <p:sldId id="280" r:id="rId9"/>
+    <p:sldId id="281" r:id="rId10"/>
+    <p:sldId id="264" r:id="rId11"/>
+    <p:sldId id="265" r:id="rId12"/>
+    <p:sldId id="266" r:id="rId13"/>
+    <p:sldId id="267" r:id="rId14"/>
+    <p:sldId id="268" r:id="rId15"/>
+    <p:sldId id="269" r:id="rId16"/>
+    <p:sldId id="270" r:id="rId17"/>
+    <p:sldId id="271" r:id="rId18"/>
+    <p:sldId id="272" r:id="rId19"/>
   </p:sldIdLst>
   <p:sldSz cx="12192000" cy="6858000"/>
   <p:notesSz cx="6858000" cy="9144000"/>
@@ -228,7 +225,7 @@
           <a:p>
             <a:fld id="{E0AE7F40-4800-4EE0-BD5C-BBB3576030C4}" type="datetimeFigureOut">
               <a:rPr lang="zh-TW" altLang="en-US" smtClean="0"/>
-              <a:t>2023/3/31</a:t>
+              <a:t>2023/4/5</a:t>
             </a:fld>
             <a:endParaRPr lang="zh-TW" altLang="en-US"/>
           </a:p>
@@ -696,6 +693,526 @@
 </p:notes>
 </file>
 
+<file path=ppt/notesSlides/notesSlide2.xml><?xml version="1.0" encoding="utf-8"?>
+<p:notes xmlns:a="http://schemas.openxmlformats.org/drawingml/2006/main" xmlns:r="http://schemas.openxmlformats.org/officeDocument/2006/relationships" xmlns:p="http://schemas.openxmlformats.org/presentationml/2006/main">
+  <p:cSld>
+    <p:spTree>
+      <p:nvGrpSpPr>
+        <p:cNvPr id="1" name=""/>
+        <p:cNvGrpSpPr/>
+        <p:nvPr/>
+      </p:nvGrpSpPr>
+      <p:grpSpPr>
+        <a:xfrm>
+          <a:off x="0" y="0"/>
+          <a:ext cx="0" cy="0"/>
+          <a:chOff x="0" y="0"/>
+          <a:chExt cx="0" cy="0"/>
+        </a:xfrm>
+      </p:grpSpPr>
+      <p:sp>
+        <p:nvSpPr>
+          <p:cNvPr id="2" name="幻灯片图像占位符 1"/>
+          <p:cNvSpPr>
+            <a:spLocks noGrp="1" noRot="1" noChangeAspect="1"/>
+          </p:cNvSpPr>
+          <p:nvPr>
+            <p:ph type="sldImg"/>
+          </p:nvPr>
+        </p:nvSpPr>
+        <p:spPr/>
+      </p:sp>
+      <p:sp>
+        <p:nvSpPr>
+          <p:cNvPr id="3" name="备注占位符 2"/>
+          <p:cNvSpPr>
+            <a:spLocks noGrp="1"/>
+          </p:cNvSpPr>
+          <p:nvPr>
+            <p:ph type="body" idx="1"/>
+          </p:nvPr>
+        </p:nvSpPr>
+        <p:spPr/>
+        <p:txBody>
+          <a:bodyPr/>
+          <a:lstStyle/>
+          <a:p>
+            <a:pPr marL="228600" indent="-228600">
+              <a:buFont typeface="+mj-lt"/>
+              <a:buAutoNum type="arabicPeriod"/>
+            </a:pPr>
+            <a:r>
+              <a:rPr lang="en-US" altLang="zh-TW" dirty="0" err="1" smtClean="0"/>
+              <a:t>Borsboom</a:t>
+            </a:r>
+            <a:r>
+              <a:rPr lang="en-US" altLang="zh-TW" dirty="0" smtClean="0"/>
+              <a:t> D, Cramer AOJ, </a:t>
+            </a:r>
+            <a:r>
+              <a:rPr lang="en-US" altLang="zh-TW" dirty="0" err="1" smtClean="0"/>
+              <a:t>Schmittmann</a:t>
+            </a:r>
+            <a:r>
+              <a:rPr lang="en-US" altLang="zh-TW" dirty="0" smtClean="0"/>
+              <a:t> VD, </a:t>
+            </a:r>
+            <a:r>
+              <a:rPr lang="en-US" altLang="zh-TW" dirty="0" err="1" smtClean="0"/>
+              <a:t>Epskamp</a:t>
+            </a:r>
+            <a:r>
+              <a:rPr lang="en-US" altLang="zh-TW" dirty="0" smtClean="0"/>
+              <a:t> S, </a:t>
+            </a:r>
+            <a:r>
+              <a:rPr lang="en-US" altLang="zh-TW" dirty="0" err="1" smtClean="0"/>
+              <a:t>Waldorp</a:t>
+            </a:r>
+            <a:r>
+              <a:rPr lang="en-US" altLang="zh-TW" dirty="0" smtClean="0"/>
+              <a:t> LJ. The small world of psychopathology. </a:t>
+            </a:r>
+            <a:r>
+              <a:rPr lang="en-US" altLang="zh-TW" dirty="0" err="1" smtClean="0"/>
+              <a:t>PloS</a:t>
+            </a:r>
+            <a:r>
+              <a:rPr lang="en-US" altLang="zh-TW" dirty="0" smtClean="0"/>
+              <a:t> One. 2011; 6. </a:t>
+            </a:r>
+            <a:r>
+              <a:rPr lang="en-US" altLang="zh-TW" dirty="0" err="1" smtClean="0"/>
+              <a:t>doi</a:t>
+            </a:r>
+            <a:r>
+              <a:rPr lang="en-US" altLang="zh-TW" dirty="0" smtClean="0"/>
+              <a:t>: 10.1371/journal.pone.0027407</a:t>
+            </a:r>
+          </a:p>
+          <a:p>
+            <a:pPr marL="228600" indent="-228600">
+              <a:buFont typeface="+mj-lt"/>
+              <a:buAutoNum type="arabicPeriod"/>
+            </a:pPr>
+            <a:r>
+              <a:rPr lang="en-US" altLang="zh-TW" dirty="0" err="1" smtClean="0"/>
+              <a:t>Tio</a:t>
+            </a:r>
+            <a:r>
+              <a:rPr lang="en-US" altLang="zh-TW" dirty="0" smtClean="0"/>
+              <a:t> P, </a:t>
+            </a:r>
+            <a:r>
+              <a:rPr lang="en-US" altLang="zh-TW" dirty="0" err="1" smtClean="0"/>
+              <a:t>Epskamp</a:t>
+            </a:r>
+            <a:r>
+              <a:rPr lang="en-US" altLang="zh-TW" dirty="0" smtClean="0"/>
+              <a:t> S, </a:t>
+            </a:r>
+            <a:r>
+              <a:rPr lang="en-US" altLang="zh-TW" dirty="0" err="1" smtClean="0"/>
+              <a:t>Noordhof</a:t>
+            </a:r>
+            <a:r>
+              <a:rPr lang="en-US" altLang="zh-TW" dirty="0" smtClean="0"/>
+              <a:t> A and </a:t>
+            </a:r>
+            <a:r>
+              <a:rPr lang="en-US" altLang="zh-TW" dirty="0" err="1" smtClean="0"/>
+              <a:t>Borsboom</a:t>
+            </a:r>
+            <a:r>
+              <a:rPr lang="en-US" altLang="zh-TW" dirty="0" smtClean="0"/>
+              <a:t> D. Mapping the manuals of madness: Comparing the ICD-10 and DSM-IV-TR using a network approach. International Journal of Methods In Psychiatric Research. 2016; 25: 267-276. </a:t>
+            </a:r>
+            <a:r>
+              <a:rPr lang="en-US" altLang="zh-TW" dirty="0" err="1" smtClean="0"/>
+              <a:t>doi</a:t>
+            </a:r>
+            <a:r>
+              <a:rPr lang="en-US" altLang="zh-TW" dirty="0" smtClean="0"/>
+              <a:t>: 10.1002/mpr.1503</a:t>
+            </a:r>
+          </a:p>
+          <a:p>
+            <a:endParaRPr lang="zh-TW" altLang="en-US" dirty="0"/>
+          </a:p>
+        </p:txBody>
+      </p:sp>
+      <p:sp>
+        <p:nvSpPr>
+          <p:cNvPr id="4" name="灯片编号占位符 3"/>
+          <p:cNvSpPr>
+            <a:spLocks noGrp="1"/>
+          </p:cNvSpPr>
+          <p:nvPr>
+            <p:ph type="sldNum" sz="quarter" idx="10"/>
+          </p:nvPr>
+        </p:nvSpPr>
+        <p:spPr/>
+        <p:txBody>
+          <a:bodyPr/>
+          <a:lstStyle/>
+          <a:p>
+            <a:fld id="{5BED1A70-94FB-4B8C-B566-753D0875AD3F}" type="slidenum">
+              <a:rPr lang="zh-TW" altLang="en-US" smtClean="0"/>
+              <a:t>5</a:t>
+            </a:fld>
+            <a:endParaRPr lang="zh-TW" altLang="en-US"/>
+          </a:p>
+        </p:txBody>
+      </p:sp>
+    </p:spTree>
+    <p:extLst>
+      <p:ext uri="{BB962C8B-B14F-4D97-AF65-F5344CB8AC3E}">
+        <p14:creationId xmlns:p14="http://schemas.microsoft.com/office/powerpoint/2010/main" val="678343030"/>
+      </p:ext>
+    </p:extLst>
+  </p:cSld>
+  <p:clrMapOvr>
+    <a:masterClrMapping/>
+  </p:clrMapOvr>
+</p:notes>
+</file>
+
+<file path=ppt/notesSlides/notesSlide3.xml><?xml version="1.0" encoding="utf-8"?>
+<p:notes xmlns:a="http://schemas.openxmlformats.org/drawingml/2006/main" xmlns:r="http://schemas.openxmlformats.org/officeDocument/2006/relationships" xmlns:p="http://schemas.openxmlformats.org/presentationml/2006/main">
+  <p:cSld>
+    <p:spTree>
+      <p:nvGrpSpPr>
+        <p:cNvPr id="1" name=""/>
+        <p:cNvGrpSpPr/>
+        <p:nvPr/>
+      </p:nvGrpSpPr>
+      <p:grpSpPr>
+        <a:xfrm>
+          <a:off x="0" y="0"/>
+          <a:ext cx="0" cy="0"/>
+          <a:chOff x="0" y="0"/>
+          <a:chExt cx="0" cy="0"/>
+        </a:xfrm>
+      </p:grpSpPr>
+      <p:sp>
+        <p:nvSpPr>
+          <p:cNvPr id="2" name="幻灯片图像占位符 1"/>
+          <p:cNvSpPr>
+            <a:spLocks noGrp="1" noRot="1" noChangeAspect="1"/>
+          </p:cNvSpPr>
+          <p:nvPr>
+            <p:ph type="sldImg"/>
+          </p:nvPr>
+        </p:nvSpPr>
+        <p:spPr/>
+      </p:sp>
+      <p:sp>
+        <p:nvSpPr>
+          <p:cNvPr id="3" name="备注占位符 2"/>
+          <p:cNvSpPr>
+            <a:spLocks noGrp="1"/>
+          </p:cNvSpPr>
+          <p:nvPr>
+            <p:ph type="body" idx="1"/>
+          </p:nvPr>
+        </p:nvSpPr>
+        <p:spPr/>
+        <p:txBody>
+          <a:bodyPr/>
+          <a:lstStyle/>
+          <a:p>
+            <a:endParaRPr lang="zh-TW" altLang="en-US" dirty="0"/>
+          </a:p>
+        </p:txBody>
+      </p:sp>
+      <p:sp>
+        <p:nvSpPr>
+          <p:cNvPr id="4" name="灯片编号占位符 3"/>
+          <p:cNvSpPr>
+            <a:spLocks noGrp="1"/>
+          </p:cNvSpPr>
+          <p:nvPr>
+            <p:ph type="sldNum" sz="quarter" idx="10"/>
+          </p:nvPr>
+        </p:nvSpPr>
+        <p:spPr/>
+        <p:txBody>
+          <a:bodyPr/>
+          <a:lstStyle/>
+          <a:p>
+            <a:fld id="{5BED1A70-94FB-4B8C-B566-753D0875AD3F}" type="slidenum">
+              <a:rPr lang="zh-TW" altLang="en-US" smtClean="0"/>
+              <a:t>6</a:t>
+            </a:fld>
+            <a:endParaRPr lang="zh-TW" altLang="en-US"/>
+          </a:p>
+        </p:txBody>
+      </p:sp>
+    </p:spTree>
+    <p:extLst>
+      <p:ext uri="{BB962C8B-B14F-4D97-AF65-F5344CB8AC3E}">
+        <p14:creationId xmlns:p14="http://schemas.microsoft.com/office/powerpoint/2010/main" val="3325000451"/>
+      </p:ext>
+    </p:extLst>
+  </p:cSld>
+  <p:clrMapOvr>
+    <a:masterClrMapping/>
+  </p:clrMapOvr>
+</p:notes>
+</file>
+
+<file path=ppt/notesSlides/notesSlide4.xml><?xml version="1.0" encoding="utf-8"?>
+<p:notes xmlns:a="http://schemas.openxmlformats.org/drawingml/2006/main" xmlns:r="http://schemas.openxmlformats.org/officeDocument/2006/relationships" xmlns:p="http://schemas.openxmlformats.org/presentationml/2006/main">
+  <p:cSld>
+    <p:spTree>
+      <p:nvGrpSpPr>
+        <p:cNvPr id="1" name=""/>
+        <p:cNvGrpSpPr/>
+        <p:nvPr/>
+      </p:nvGrpSpPr>
+      <p:grpSpPr>
+        <a:xfrm>
+          <a:off x="0" y="0"/>
+          <a:ext cx="0" cy="0"/>
+          <a:chOff x="0" y="0"/>
+          <a:chExt cx="0" cy="0"/>
+        </a:xfrm>
+      </p:grpSpPr>
+      <p:sp>
+        <p:nvSpPr>
+          <p:cNvPr id="2" name="幻灯片图像占位符 1"/>
+          <p:cNvSpPr>
+            <a:spLocks noGrp="1" noRot="1" noChangeAspect="1"/>
+          </p:cNvSpPr>
+          <p:nvPr>
+            <p:ph type="sldImg"/>
+          </p:nvPr>
+        </p:nvSpPr>
+        <p:spPr/>
+      </p:sp>
+      <p:sp>
+        <p:nvSpPr>
+          <p:cNvPr id="3" name="备注占位符 2"/>
+          <p:cNvSpPr>
+            <a:spLocks noGrp="1"/>
+          </p:cNvSpPr>
+          <p:nvPr>
+            <p:ph type="body" idx="1"/>
+          </p:nvPr>
+        </p:nvSpPr>
+        <p:spPr/>
+        <p:txBody>
+          <a:bodyPr/>
+          <a:lstStyle/>
+          <a:p>
+            <a:endParaRPr lang="zh-TW" altLang="en-US" dirty="0"/>
+          </a:p>
+        </p:txBody>
+      </p:sp>
+      <p:sp>
+        <p:nvSpPr>
+          <p:cNvPr id="4" name="灯片编号占位符 3"/>
+          <p:cNvSpPr>
+            <a:spLocks noGrp="1"/>
+          </p:cNvSpPr>
+          <p:nvPr>
+            <p:ph type="sldNum" sz="quarter" idx="10"/>
+          </p:nvPr>
+        </p:nvSpPr>
+        <p:spPr/>
+        <p:txBody>
+          <a:bodyPr/>
+          <a:lstStyle/>
+          <a:p>
+            <a:fld id="{5BED1A70-94FB-4B8C-B566-753D0875AD3F}" type="slidenum">
+              <a:rPr lang="zh-TW" altLang="en-US" smtClean="0"/>
+              <a:t>7</a:t>
+            </a:fld>
+            <a:endParaRPr lang="zh-TW" altLang="en-US"/>
+          </a:p>
+        </p:txBody>
+      </p:sp>
+    </p:spTree>
+    <p:extLst>
+      <p:ext uri="{BB962C8B-B14F-4D97-AF65-F5344CB8AC3E}">
+        <p14:creationId xmlns:p14="http://schemas.microsoft.com/office/powerpoint/2010/main" val="4038122136"/>
+      </p:ext>
+    </p:extLst>
+  </p:cSld>
+  <p:clrMapOvr>
+    <a:masterClrMapping/>
+  </p:clrMapOvr>
+</p:notes>
+</file>
+
+<file path=ppt/notesSlides/notesSlide5.xml><?xml version="1.0" encoding="utf-8"?>
+<p:notes xmlns:a="http://schemas.openxmlformats.org/drawingml/2006/main" xmlns:r="http://schemas.openxmlformats.org/officeDocument/2006/relationships" xmlns:p="http://schemas.openxmlformats.org/presentationml/2006/main">
+  <p:cSld>
+    <p:spTree>
+      <p:nvGrpSpPr>
+        <p:cNvPr id="1" name=""/>
+        <p:cNvGrpSpPr/>
+        <p:nvPr/>
+      </p:nvGrpSpPr>
+      <p:grpSpPr>
+        <a:xfrm>
+          <a:off x="0" y="0"/>
+          <a:ext cx="0" cy="0"/>
+          <a:chOff x="0" y="0"/>
+          <a:chExt cx="0" cy="0"/>
+        </a:xfrm>
+      </p:grpSpPr>
+      <p:sp>
+        <p:nvSpPr>
+          <p:cNvPr id="2" name="幻灯片图像占位符 1"/>
+          <p:cNvSpPr>
+            <a:spLocks noGrp="1" noRot="1" noChangeAspect="1"/>
+          </p:cNvSpPr>
+          <p:nvPr>
+            <p:ph type="sldImg"/>
+          </p:nvPr>
+        </p:nvSpPr>
+        <p:spPr/>
+      </p:sp>
+      <p:sp>
+        <p:nvSpPr>
+          <p:cNvPr id="3" name="备注占位符 2"/>
+          <p:cNvSpPr>
+            <a:spLocks noGrp="1"/>
+          </p:cNvSpPr>
+          <p:nvPr>
+            <p:ph type="body" idx="1"/>
+          </p:nvPr>
+        </p:nvSpPr>
+        <p:spPr/>
+        <p:txBody>
+          <a:bodyPr/>
+          <a:lstStyle/>
+          <a:p>
+            <a:endParaRPr lang="zh-TW" altLang="en-US" dirty="0"/>
+          </a:p>
+        </p:txBody>
+      </p:sp>
+      <p:sp>
+        <p:nvSpPr>
+          <p:cNvPr id="4" name="灯片编号占位符 3"/>
+          <p:cNvSpPr>
+            <a:spLocks noGrp="1"/>
+          </p:cNvSpPr>
+          <p:nvPr>
+            <p:ph type="sldNum" sz="quarter" idx="10"/>
+          </p:nvPr>
+        </p:nvSpPr>
+        <p:spPr/>
+        <p:txBody>
+          <a:bodyPr/>
+          <a:lstStyle/>
+          <a:p>
+            <a:fld id="{5BED1A70-94FB-4B8C-B566-753D0875AD3F}" type="slidenum">
+              <a:rPr lang="zh-TW" altLang="en-US" smtClean="0"/>
+              <a:t>8</a:t>
+            </a:fld>
+            <a:endParaRPr lang="zh-TW" altLang="en-US"/>
+          </a:p>
+        </p:txBody>
+      </p:sp>
+    </p:spTree>
+    <p:extLst>
+      <p:ext uri="{BB962C8B-B14F-4D97-AF65-F5344CB8AC3E}">
+        <p14:creationId xmlns:p14="http://schemas.microsoft.com/office/powerpoint/2010/main" val="2347035762"/>
+      </p:ext>
+    </p:extLst>
+  </p:cSld>
+  <p:clrMapOvr>
+    <a:masterClrMapping/>
+  </p:clrMapOvr>
+</p:notes>
+</file>
+
+<file path=ppt/notesSlides/notesSlide6.xml><?xml version="1.0" encoding="utf-8"?>
+<p:notes xmlns:a="http://schemas.openxmlformats.org/drawingml/2006/main" xmlns:r="http://schemas.openxmlformats.org/officeDocument/2006/relationships" xmlns:p="http://schemas.openxmlformats.org/presentationml/2006/main">
+  <p:cSld>
+    <p:spTree>
+      <p:nvGrpSpPr>
+        <p:cNvPr id="1" name=""/>
+        <p:cNvGrpSpPr/>
+        <p:nvPr/>
+      </p:nvGrpSpPr>
+      <p:grpSpPr>
+        <a:xfrm>
+          <a:off x="0" y="0"/>
+          <a:ext cx="0" cy="0"/>
+          <a:chOff x="0" y="0"/>
+          <a:chExt cx="0" cy="0"/>
+        </a:xfrm>
+      </p:grpSpPr>
+      <p:sp>
+        <p:nvSpPr>
+          <p:cNvPr id="2" name="幻灯片图像占位符 1"/>
+          <p:cNvSpPr>
+            <a:spLocks noGrp="1" noRot="1" noChangeAspect="1"/>
+          </p:cNvSpPr>
+          <p:nvPr>
+            <p:ph type="sldImg"/>
+          </p:nvPr>
+        </p:nvSpPr>
+        <p:spPr/>
+      </p:sp>
+      <p:sp>
+        <p:nvSpPr>
+          <p:cNvPr id="3" name="备注占位符 2"/>
+          <p:cNvSpPr>
+            <a:spLocks noGrp="1"/>
+          </p:cNvSpPr>
+          <p:nvPr>
+            <p:ph type="body" idx="1"/>
+          </p:nvPr>
+        </p:nvSpPr>
+        <p:spPr/>
+        <p:txBody>
+          <a:bodyPr/>
+          <a:lstStyle/>
+          <a:p>
+            <a:endParaRPr lang="zh-TW" altLang="en-US" dirty="0"/>
+          </a:p>
+        </p:txBody>
+      </p:sp>
+      <p:sp>
+        <p:nvSpPr>
+          <p:cNvPr id="4" name="灯片编号占位符 3"/>
+          <p:cNvSpPr>
+            <a:spLocks noGrp="1"/>
+          </p:cNvSpPr>
+          <p:nvPr>
+            <p:ph type="sldNum" sz="quarter" idx="10"/>
+          </p:nvPr>
+        </p:nvSpPr>
+        <p:spPr/>
+        <p:txBody>
+          <a:bodyPr/>
+          <a:lstStyle/>
+          <a:p>
+            <a:fld id="{5BED1A70-94FB-4B8C-B566-753D0875AD3F}" type="slidenum">
+              <a:rPr lang="zh-TW" altLang="en-US" smtClean="0"/>
+              <a:t>9</a:t>
+            </a:fld>
+            <a:endParaRPr lang="zh-TW" altLang="en-US"/>
+          </a:p>
+        </p:txBody>
+      </p:sp>
+    </p:spTree>
+    <p:extLst>
+      <p:ext uri="{BB962C8B-B14F-4D97-AF65-F5344CB8AC3E}">
+        <p14:creationId xmlns:p14="http://schemas.microsoft.com/office/powerpoint/2010/main" val="2830809007"/>
+      </p:ext>
+    </p:extLst>
+  </p:cSld>
+  <p:clrMapOvr>
+    <a:masterClrMapping/>
+  </p:clrMapOvr>
+</p:notes>
+</file>
+
 <file path=ppt/slideLayouts/slideLayout1.xml><?xml version="1.0" encoding="utf-8"?>
 <p:sldLayout xmlns:a="http://schemas.openxmlformats.org/drawingml/2006/main" xmlns:r="http://schemas.openxmlformats.org/officeDocument/2006/relationships" xmlns:p="http://schemas.openxmlformats.org/presentationml/2006/main" type="title" preserve="1">
   <p:cSld name="标题幻灯片">
@@ -827,7 +1344,7 @@
           <a:p>
             <a:fld id="{C8AC2331-1725-48EA-8E37-91DDC4DD161B}" type="datetimeFigureOut">
               <a:rPr lang="zh-TW" altLang="en-US" smtClean="0"/>
-              <a:t>2023/3/31</a:t>
+              <a:t>2023/4/5</a:t>
             </a:fld>
             <a:endParaRPr lang="zh-TW" altLang="en-US"/>
           </a:p>
@@ -997,7 +1514,7 @@
           <a:p>
             <a:fld id="{C8AC2331-1725-48EA-8E37-91DDC4DD161B}" type="datetimeFigureOut">
               <a:rPr lang="zh-TW" altLang="en-US" smtClean="0"/>
-              <a:t>2023/3/31</a:t>
+              <a:t>2023/4/5</a:t>
             </a:fld>
             <a:endParaRPr lang="zh-TW" altLang="en-US"/>
           </a:p>
@@ -1177,7 +1694,7 @@
           <a:p>
             <a:fld id="{C8AC2331-1725-48EA-8E37-91DDC4DD161B}" type="datetimeFigureOut">
               <a:rPr lang="zh-TW" altLang="en-US" smtClean="0"/>
-              <a:t>2023/3/31</a:t>
+              <a:t>2023/4/5</a:t>
             </a:fld>
             <a:endParaRPr lang="zh-TW" altLang="en-US"/>
           </a:p>
@@ -1347,7 +1864,7 @@
           <a:p>
             <a:fld id="{C8AC2331-1725-48EA-8E37-91DDC4DD161B}" type="datetimeFigureOut">
               <a:rPr lang="zh-TW" altLang="en-US" smtClean="0"/>
-              <a:t>2023/3/31</a:t>
+              <a:t>2023/4/5</a:t>
             </a:fld>
             <a:endParaRPr lang="zh-TW" altLang="en-US"/>
           </a:p>
@@ -1593,7 +2110,7 @@
           <a:p>
             <a:fld id="{C8AC2331-1725-48EA-8E37-91DDC4DD161B}" type="datetimeFigureOut">
               <a:rPr lang="zh-TW" altLang="en-US" smtClean="0"/>
-              <a:t>2023/3/31</a:t>
+              <a:t>2023/4/5</a:t>
             </a:fld>
             <a:endParaRPr lang="zh-TW" altLang="en-US"/>
           </a:p>
@@ -1825,7 +2342,7 @@
           <a:p>
             <a:fld id="{C8AC2331-1725-48EA-8E37-91DDC4DD161B}" type="datetimeFigureOut">
               <a:rPr lang="zh-TW" altLang="en-US" smtClean="0"/>
-              <a:t>2023/3/31</a:t>
+              <a:t>2023/4/5</a:t>
             </a:fld>
             <a:endParaRPr lang="zh-TW" altLang="en-US"/>
           </a:p>
@@ -2192,7 +2709,7 @@
           <a:p>
             <a:fld id="{C8AC2331-1725-48EA-8E37-91DDC4DD161B}" type="datetimeFigureOut">
               <a:rPr lang="zh-TW" altLang="en-US" smtClean="0"/>
-              <a:t>2023/3/31</a:t>
+              <a:t>2023/4/5</a:t>
             </a:fld>
             <a:endParaRPr lang="zh-TW" altLang="en-US"/>
           </a:p>
@@ -2310,7 +2827,7 @@
           <a:p>
             <a:fld id="{C8AC2331-1725-48EA-8E37-91DDC4DD161B}" type="datetimeFigureOut">
               <a:rPr lang="zh-TW" altLang="en-US" smtClean="0"/>
-              <a:t>2023/3/31</a:t>
+              <a:t>2023/4/5</a:t>
             </a:fld>
             <a:endParaRPr lang="zh-TW" altLang="en-US"/>
           </a:p>
@@ -2405,7 +2922,7 @@
           <a:p>
             <a:fld id="{C8AC2331-1725-48EA-8E37-91DDC4DD161B}" type="datetimeFigureOut">
               <a:rPr lang="zh-TW" altLang="en-US" smtClean="0"/>
-              <a:t>2023/3/31</a:t>
+              <a:t>2023/4/5</a:t>
             </a:fld>
             <a:endParaRPr lang="zh-TW" altLang="en-US"/>
           </a:p>
@@ -2682,7 +3199,7 @@
           <a:p>
             <a:fld id="{C8AC2331-1725-48EA-8E37-91DDC4DD161B}" type="datetimeFigureOut">
               <a:rPr lang="zh-TW" altLang="en-US" smtClean="0"/>
-              <a:t>2023/3/31</a:t>
+              <a:t>2023/4/5</a:t>
             </a:fld>
             <a:endParaRPr lang="zh-TW" altLang="en-US"/>
           </a:p>
@@ -2935,7 +3452,7 @@
           <a:p>
             <a:fld id="{C8AC2331-1725-48EA-8E37-91DDC4DD161B}" type="datetimeFigureOut">
               <a:rPr lang="zh-TW" altLang="en-US" smtClean="0"/>
-              <a:t>2023/3/31</a:t>
+              <a:t>2023/4/5</a:t>
             </a:fld>
             <a:endParaRPr lang="zh-TW" altLang="en-US"/>
           </a:p>
@@ -3158,7 +3675,7 @@
           <a:p>
             <a:fld id="{C8AC2331-1725-48EA-8E37-91DDC4DD161B}" type="datetimeFigureOut">
               <a:rPr lang="zh-TW" altLang="en-US" smtClean="0"/>
-              <a:t>2023/3/31</a:t>
+              <a:t>2023/4/5</a:t>
             </a:fld>
             <a:endParaRPr lang="zh-TW" altLang="en-US"/>
           </a:p>
@@ -3856,8 +4373,8 @@
         </p:nvSpPr>
         <p:spPr>
           <a:xfrm>
-            <a:off x="1353207" y="596912"/>
-            <a:ext cx="9485586" cy="1754326"/>
+            <a:off x="646387" y="1305341"/>
+            <a:ext cx="11130454" cy="4247317"/>
           </a:xfrm>
           <a:prstGeom prst="rect">
             <a:avLst/>
@@ -3874,7 +4391,30 @@
                 <a:latin typeface="Calibri" panose="020F0502020204030204" pitchFamily="34" charset="0"/>
                 <a:cs typeface="Times New Roman" panose="02020603050405020304" pitchFamily="18" charset="0"/>
               </a:rPr>
-              <a:t>分析中包括原发性疾病和具有任何独特症状的说明者，而仅提供描述性信息或未引入任何新症状的说明者被排除在外。</a:t>
+              <a:t>除了手动编码过程外，研究人员还使用</a:t>
+            </a:r>
+            <a:r>
+              <a:rPr lang="zh-CN" altLang="zh-TW" b="1" dirty="0">
+                <a:latin typeface="Calibri" panose="020F0502020204030204" pitchFamily="34" charset="0"/>
+                <a:cs typeface="Times New Roman" panose="02020603050405020304" pitchFamily="18" charset="0"/>
+              </a:rPr>
+              <a:t>自然语言处理</a:t>
+            </a:r>
+            <a:r>
+              <a:rPr lang="en-US" altLang="zh-TW" b="1" dirty="0" smtClean="0">
+                <a:effectLst/>
+                <a:latin typeface="Calibri" panose="020F0502020204030204" pitchFamily="34" charset="0"/>
+                <a:ea typeface="宋体" panose="02010600030101010101" pitchFamily="2" charset="-122"/>
+                <a:cs typeface="Times New Roman" panose="02020603050405020304" pitchFamily="18" charset="0"/>
+              </a:rPr>
+              <a:t> (NLP) </a:t>
+            </a:r>
+            <a:r>
+              <a:rPr lang="zh-CN" altLang="zh-TW" dirty="0">
+                <a:latin typeface="Calibri" panose="020F0502020204030204" pitchFamily="34" charset="0"/>
+                <a:cs typeface="Times New Roman" panose="02020603050405020304" pitchFamily="18" charset="0"/>
+              </a:rPr>
+              <a:t>来识别可能遗漏的任何语义匹配。</a:t>
             </a:r>
             <a:r>
               <a:rPr lang="zh-CN" altLang="zh-TW" dirty="0" smtClean="0">
@@ -3891,28 +4431,6 @@
             </a:endParaRPr>
           </a:p>
           <a:p>
-            <a:r>
-              <a:rPr lang="zh-CN" altLang="zh-TW" dirty="0" smtClean="0">
-                <a:latin typeface="Calibri" panose="020F0502020204030204" pitchFamily="34" charset="0"/>
-                <a:cs typeface="Times New Roman" panose="02020603050405020304" pitchFamily="18" charset="0"/>
-              </a:rPr>
-              <a:t>其他</a:t>
-            </a:r>
-            <a:r>
-              <a:rPr lang="zh-CN" altLang="zh-TW" dirty="0">
-                <a:latin typeface="Calibri" panose="020F0502020204030204" pitchFamily="34" charset="0"/>
-                <a:cs typeface="Times New Roman" panose="02020603050405020304" pitchFamily="18" charset="0"/>
-              </a:rPr>
-              <a:t>特定和未特定的疾病通常被排除在外，除非它们引入了新的症状或描述了一种新的综合征。</a:t>
-            </a:r>
-            <a:r>
-              <a:rPr lang="zh-CN" altLang="zh-TW" dirty="0" smtClean="0">
-                <a:effectLst/>
-                <a:ea typeface="Calibri" panose="020F0502020204030204" pitchFamily="34" charset="0"/>
-                <a:cs typeface="Times New Roman" panose="02020603050405020304" pitchFamily="18" charset="0"/>
-              </a:rPr>
-              <a:t> </a:t>
-            </a:r>
             <a:endParaRPr lang="en-US" altLang="zh-CN" dirty="0" smtClean="0">
               <a:effectLst/>
               <a:ea typeface="Calibri" panose="020F0502020204030204" pitchFamily="34" charset="0"/>
@@ -3920,6 +4438,87 @@
             </a:endParaRPr>
           </a:p>
           <a:p>
+            <a:r>
+              <a:rPr lang="zh-CN" altLang="zh-TW" dirty="0" smtClean="0">
+                <a:latin typeface="Calibri" panose="020F0502020204030204" pitchFamily="34" charset="0"/>
+                <a:cs typeface="Times New Roman" panose="02020603050405020304" pitchFamily="18" charset="0"/>
+              </a:rPr>
+              <a:t>他们</a:t>
+            </a:r>
+            <a:r>
+              <a:rPr lang="zh-CN" altLang="zh-TW" dirty="0">
+                <a:latin typeface="Calibri" panose="020F0502020204030204" pitchFamily="34" charset="0"/>
+                <a:cs typeface="Times New Roman" panose="02020603050405020304" pitchFamily="18" charset="0"/>
+              </a:rPr>
+              <a:t>建立了一个计算模型，根据</a:t>
+            </a:r>
+            <a:r>
+              <a:rPr lang="en-US" altLang="zh-TW" dirty="0" smtClean="0">
+                <a:effectLst/>
+                <a:latin typeface="Calibri" panose="020F0502020204030204" pitchFamily="34" charset="0"/>
+                <a:ea typeface="宋体" panose="02010600030101010101" pitchFamily="2" charset="-122"/>
+                <a:cs typeface="Times New Roman" panose="02020603050405020304" pitchFamily="18" charset="0"/>
+              </a:rPr>
+              <a:t> DSM-5 </a:t>
+            </a:r>
+            <a:r>
+              <a:rPr lang="zh-CN" altLang="zh-TW" dirty="0">
+                <a:latin typeface="Calibri" panose="020F0502020204030204" pitchFamily="34" charset="0"/>
+                <a:cs typeface="Times New Roman" panose="02020603050405020304" pitchFamily="18" charset="0"/>
+              </a:rPr>
+              <a:t>中描述的两个症状在语义相似性的高维表示中的位置，确定它们何时具有相同的含义</a:t>
+            </a:r>
+            <a:r>
+              <a:rPr lang="zh-CN" altLang="zh-TW" dirty="0" smtClean="0">
+                <a:latin typeface="Calibri" panose="020F0502020204030204" pitchFamily="34" charset="0"/>
+                <a:cs typeface="Times New Roman" panose="02020603050405020304" pitchFamily="18" charset="0"/>
+              </a:rPr>
+              <a:t>。</a:t>
+            </a:r>
+            <a:endParaRPr lang="en-US" altLang="zh-CN" dirty="0" smtClean="0">
+              <a:latin typeface="Calibri" panose="020F0502020204030204" pitchFamily="34" charset="0"/>
+              <a:cs typeface="Times New Roman" panose="02020603050405020304" pitchFamily="18" charset="0"/>
+            </a:endParaRPr>
+          </a:p>
+          <a:p>
+            <a:endParaRPr lang="en-US" altLang="zh-CN" dirty="0">
+              <a:effectLst/>
+              <a:latin typeface="Calibri" panose="020F0502020204030204" pitchFamily="34" charset="0"/>
+              <a:ea typeface="Calibri" panose="020F0502020204030204" pitchFamily="34" charset="0"/>
+              <a:cs typeface="Times New Roman" panose="02020603050405020304" pitchFamily="18" charset="0"/>
+            </a:endParaRPr>
+          </a:p>
+          <a:p>
+            <a:r>
+              <a:rPr lang="zh-CN" altLang="zh-TW" dirty="0" smtClean="0">
+                <a:effectLst/>
+                <a:ea typeface="Calibri" panose="020F0502020204030204" pitchFamily="34" charset="0"/>
+                <a:cs typeface="Times New Roman" panose="02020603050405020304" pitchFamily="18" charset="0"/>
+              </a:rPr>
+              <a:t> </a:t>
+            </a:r>
+            <a:r>
+              <a:rPr lang="zh-CN" altLang="zh-TW" dirty="0">
+                <a:latin typeface="Calibri" panose="020F0502020204030204" pitchFamily="34" charset="0"/>
+                <a:cs typeface="Times New Roman" panose="02020603050405020304" pitchFamily="18" charset="0"/>
+              </a:rPr>
+              <a:t>在过滤掉相同的症状对后，该模型使用预训练模型对剩余的可能症状对进行评分。</a:t>
+            </a:r>
+            <a:r>
+              <a:rPr lang="zh-CN" altLang="zh-TW" dirty="0" smtClean="0">
+                <a:effectLst/>
+                <a:ea typeface="Calibri" panose="020F0502020204030204" pitchFamily="34" charset="0"/>
+                <a:cs typeface="Times New Roman" panose="02020603050405020304" pitchFamily="18" charset="0"/>
+              </a:rPr>
+              <a:t> </a:t>
+            </a:r>
+            <a:endParaRPr lang="en-US" altLang="zh-CN" dirty="0" smtClean="0">
+              <a:effectLst/>
+              <a:ea typeface="Calibri" panose="020F0502020204030204" pitchFamily="34" charset="0"/>
+              <a:cs typeface="Times New Roman" panose="02020603050405020304" pitchFamily="18" charset="0"/>
+            </a:endParaRPr>
+          </a:p>
+          <a:p>
             <a:endParaRPr lang="en-US" altLang="zh-CN" dirty="0">
               <a:latin typeface="Calibri" panose="020F0502020204030204" pitchFamily="34" charset="0"/>
               <a:cs typeface="Times New Roman" panose="02020603050405020304" pitchFamily="18" charset="0"/>
@@ -3931,7 +4530,68 @@
                 <a:latin typeface="Calibri" panose="020F0502020204030204" pitchFamily="34" charset="0"/>
                 <a:cs typeface="Times New Roman" panose="02020603050405020304" pitchFamily="18" charset="0"/>
               </a:rPr>
-              <a:t>表</a:t>
+              <a:t>然后</a:t>
+            </a:r>
+            <a:r>
+              <a:rPr lang="zh-CN" altLang="zh-TW" dirty="0">
+                <a:latin typeface="Calibri" panose="020F0502020204030204" pitchFamily="34" charset="0"/>
+                <a:cs typeface="Times New Roman" panose="02020603050405020304" pitchFamily="18" charset="0"/>
+              </a:rPr>
+              <a:t>，研究人员使用五重交叉验证框架来评估模型的性能。</a:t>
+            </a:r>
+            <a:r>
+              <a:rPr lang="zh-CN" altLang="zh-TW" dirty="0" smtClean="0">
+                <a:effectLst/>
+                <a:ea typeface="Calibri" panose="020F0502020204030204" pitchFamily="34" charset="0"/>
+                <a:cs typeface="Times New Roman" panose="02020603050405020304" pitchFamily="18" charset="0"/>
+              </a:rPr>
+              <a:t> </a:t>
+            </a:r>
+            <a:endParaRPr lang="en-US" altLang="zh-CN" dirty="0" smtClean="0">
+              <a:effectLst/>
+              <a:ea typeface="Calibri" panose="020F0502020204030204" pitchFamily="34" charset="0"/>
+              <a:cs typeface="Times New Roman" panose="02020603050405020304" pitchFamily="18" charset="0"/>
+            </a:endParaRPr>
+          </a:p>
+          <a:p>
+            <a:r>
+              <a:rPr lang="en-US" altLang="zh-CN" dirty="0" smtClean="0"/>
+              <a:t>	</a:t>
+            </a:r>
+            <a:r>
+              <a:rPr lang="zh-CN" altLang="en-US" dirty="0" smtClean="0"/>
+              <a:t>将</a:t>
+            </a:r>
+            <a:r>
+              <a:rPr lang="zh-CN" altLang="en-US" dirty="0"/>
+              <a:t>数据集划分为五个等分，每次将其中四个作为训练集，一个作为验证集，进行五次模型训练和验证，以评估模型的性能。这种方法可以在保证数据利用率的同时，防止由于特定的数据集分割方式导致评估结果的偏差</a:t>
+            </a:r>
+            <a:r>
+              <a:rPr lang="zh-CN" altLang="en-US" dirty="0" smtClean="0"/>
+              <a:t>。</a:t>
+            </a:r>
+            <a:endParaRPr lang="en-US" altLang="zh-CN" dirty="0" smtClean="0"/>
+          </a:p>
+          <a:p>
+            <a:endParaRPr lang="en-US" altLang="zh-CN" dirty="0">
+              <a:latin typeface="Calibri" panose="020F0502020204030204" pitchFamily="34" charset="0"/>
+              <a:cs typeface="Times New Roman" panose="02020603050405020304" pitchFamily="18" charset="0"/>
+            </a:endParaRPr>
+          </a:p>
+          <a:p>
+            <a:r>
+              <a:rPr lang="zh-CN" altLang="zh-TW" dirty="0" smtClean="0">
+                <a:latin typeface="Calibri" panose="020F0502020204030204" pitchFamily="34" charset="0"/>
+                <a:cs typeface="Times New Roman" panose="02020603050405020304" pitchFamily="18" charset="0"/>
+              </a:rPr>
+              <a:t>两</a:t>
+            </a:r>
+            <a:r>
+              <a:rPr lang="zh-CN" altLang="zh-TW" dirty="0">
+                <a:latin typeface="Calibri" panose="020F0502020204030204" pitchFamily="34" charset="0"/>
+                <a:cs typeface="Times New Roman" panose="02020603050405020304" pitchFamily="18" charset="0"/>
+              </a:rPr>
+              <a:t>位研究人员手动检查了语义相似性得分最高的前</a:t>
             </a:r>
             <a:r>
               <a:rPr lang="en-US" altLang="zh-TW" dirty="0" smtClean="0">
@@ -3940,14 +4600,14 @@
                 <a:ea typeface="宋体" panose="02010600030101010101" pitchFamily="2" charset="-122"/>
                 <a:cs typeface="Times New Roman" panose="02020603050405020304" pitchFamily="18" charset="0"/>
               </a:rPr>
-              <a:t> S1 </a:t>
+              <a:t> 1000 </a:t>
             </a:r>
             <a:r>
               <a:rPr lang="zh-CN" altLang="zh-TW" dirty="0">
                 <a:latin typeface="Calibri" panose="020F0502020204030204" pitchFamily="34" charset="0"/>
                 <a:cs typeface="Times New Roman" panose="02020603050405020304" pitchFamily="18" charset="0"/>
               </a:rPr>
-              <a:t>列出了未包括在分析中的</a:t>
+              <a:t>对是否有其他匹配项，确定了</a:t>
             </a:r>
             <a:r>
               <a:rPr lang="en-US" altLang="zh-TW" dirty="0" smtClean="0">
@@ -3956,14 +4616,49 @@
                 <a:ea typeface="宋体" panose="02010600030101010101" pitchFamily="2" charset="-122"/>
                 <a:cs typeface="Times New Roman" panose="02020603050405020304" pitchFamily="18" charset="0"/>
               </a:rPr>
-              <a:t> 85 </a:t>
+              <a:t> 26 </a:t>
             </a:r>
             <a:r>
               <a:rPr lang="zh-CN" altLang="zh-TW" dirty="0">
                 <a:latin typeface="Calibri" panose="020F0502020204030204" pitchFamily="34" charset="0"/>
                 <a:cs typeface="Times New Roman" panose="02020603050405020304" pitchFamily="18" charset="0"/>
               </a:rPr>
-              <a:t>种原发性疾病，其中</a:t>
+              <a:t>个新的匹配症状对。</a:t>
+            </a:r>
+            <a:r>
+              <a:rPr lang="zh-CN" altLang="zh-TW" dirty="0" smtClean="0">
+                <a:effectLst/>
+                <a:ea typeface="Calibri" panose="020F0502020204030204" pitchFamily="34" charset="0"/>
+                <a:cs typeface="Times New Roman" panose="02020603050405020304" pitchFamily="18" charset="0"/>
+              </a:rPr>
+              <a:t> </a:t>
+            </a:r>
+            <a:endParaRPr lang="en-US" altLang="zh-CN" dirty="0" smtClean="0">
+              <a:effectLst/>
+              <a:ea typeface="Calibri" panose="020F0502020204030204" pitchFamily="34" charset="0"/>
+              <a:cs typeface="Times New Roman" panose="02020603050405020304" pitchFamily="18" charset="0"/>
+            </a:endParaRPr>
+          </a:p>
+          <a:p>
+            <a:endParaRPr lang="en-US" altLang="zh-CN" dirty="0">
+              <a:latin typeface="Calibri" panose="020F0502020204030204" pitchFamily="34" charset="0"/>
+              <a:cs typeface="Times New Roman" panose="02020603050405020304" pitchFamily="18" charset="0"/>
+            </a:endParaRPr>
+          </a:p>
+          <a:p>
+            <a:r>
+              <a:rPr lang="zh-CN" altLang="zh-TW" dirty="0" smtClean="0">
+                <a:latin typeface="Calibri" panose="020F0502020204030204" pitchFamily="34" charset="0"/>
+                <a:cs typeface="Times New Roman" panose="02020603050405020304" pitchFamily="18" charset="0"/>
+              </a:rPr>
+              <a:t>在</a:t>
+            </a:r>
+            <a:r>
+              <a:rPr lang="zh-CN" altLang="zh-TW" dirty="0">
+                <a:latin typeface="Calibri" panose="020F0502020204030204" pitchFamily="34" charset="0"/>
+                <a:cs typeface="Times New Roman" panose="02020603050405020304" pitchFamily="18" charset="0"/>
+              </a:rPr>
+              <a:t>编码的两个阶段结束时，研究人员确定了</a:t>
             </a:r>
             <a:r>
               <a:rPr lang="en-US" altLang="zh-TW" dirty="0" smtClean="0">
@@ -3972,48 +4667,14 @@
                 <a:ea typeface="宋体" panose="02010600030101010101" pitchFamily="2" charset="-122"/>
                 <a:cs typeface="Times New Roman" panose="02020603050405020304" pitchFamily="18" charset="0"/>
               </a:rPr>
-              <a:t> 82 </a:t>
+              <a:t> 3,096 </a:t>
             </a:r>
             <a:r>
               <a:rPr lang="zh-CN" altLang="zh-TW" dirty="0">
                 <a:latin typeface="Calibri" panose="020F0502020204030204" pitchFamily="34" charset="0"/>
                 <a:cs typeface="Times New Roman" panose="02020603050405020304" pitchFamily="18" charset="0"/>
               </a:rPr>
-              <a:t>种没有任何其他症状。</a:t>
-            </a:r>
-            <a:endParaRPr lang="zh-TW" altLang="en-US" dirty="0"/>
-          </a:p>
-        </p:txBody>
-      </p:sp>
-      <p:sp>
-        <p:nvSpPr>
-          <p:cNvPr id="3" name="文本框 2"/>
-          <p:cNvSpPr txBox="1"/>
-          <p:nvPr/>
-        </p:nvSpPr>
-        <p:spPr>
-          <a:xfrm>
-            <a:off x="4330262" y="3909849"/>
-            <a:ext cx="3531476" cy="369332"/>
-          </a:xfrm>
-          <a:prstGeom prst="rect">
-            <a:avLst/>
-          </a:prstGeom>
-          <a:noFill/>
-        </p:spPr>
-        <p:txBody>
-          <a:bodyPr wrap="square" rtlCol="0">
-            <a:spAutoFit/>
-          </a:bodyPr>
-          <a:lstStyle/>
-          <a:p>
-            <a:r>
-              <a:rPr lang="zh-CN" altLang="en-US" dirty="0" smtClean="0"/>
-              <a:t>表</a:t>
-            </a:r>
-            <a:r>
-              <a:rPr lang="en-US" altLang="zh-CN" dirty="0" smtClean="0"/>
-              <a:t>S1</a:t>
+              <a:t>个匹配的症状对。</a:t>
             </a:r>
             <a:endParaRPr lang="zh-TW" altLang="en-US" dirty="0"/>
           </a:p>
@@ -4022,7 +4683,7 @@
     </p:spTree>
     <p:extLst>
       <p:ext uri="{BB962C8B-B14F-4D97-AF65-F5344CB8AC3E}">
-        <p14:creationId xmlns:p14="http://schemas.microsoft.com/office/powerpoint/2010/main" val="844166449"/>
+        <p14:creationId xmlns:p14="http://schemas.microsoft.com/office/powerpoint/2010/main" val="2773035995"/>
       </p:ext>
     </p:extLst>
   </p:cSld>
@@ -4051,14 +4712,44 @@
       </p:grpSpPr>
       <p:sp>
         <p:nvSpPr>
-          <p:cNvPr id="2" name="矩形 1"/>
+          <p:cNvPr id="2" name="文本框 1"/>
+          <p:cNvSpPr txBox="1"/>
+          <p:nvPr/>
+        </p:nvSpPr>
+        <p:spPr>
+          <a:xfrm>
+            <a:off x="394138" y="252248"/>
+            <a:ext cx="1308538" cy="369332"/>
+          </a:xfrm>
+          <a:prstGeom prst="rect">
+            <a:avLst/>
+          </a:prstGeom>
+          <a:noFill/>
+        </p:spPr>
+        <p:txBody>
+          <a:bodyPr wrap="square" rtlCol="0">
+            <a:spAutoFit/>
+          </a:bodyPr>
+          <a:lstStyle/>
+          <a:p>
+            <a:r>
+              <a:rPr lang="zh-CN" altLang="en-US" dirty="0" smtClean="0"/>
+              <a:t>结果</a:t>
+            </a:r>
+            <a:endParaRPr lang="zh-TW" altLang="en-US" dirty="0"/>
+          </a:p>
+        </p:txBody>
+      </p:sp>
+      <p:sp>
+        <p:nvSpPr>
+          <p:cNvPr id="3" name="矩形 2"/>
           <p:cNvSpPr/>
           <p:nvPr/>
         </p:nvSpPr>
         <p:spPr>
           <a:xfrm>
-            <a:off x="1203434" y="1875104"/>
-            <a:ext cx="9785131" cy="2308324"/>
+            <a:off x="333703" y="1058689"/>
+            <a:ext cx="11524593" cy="3416320"/>
           </a:xfrm>
           <a:prstGeom prst="rect">
             <a:avLst/>
@@ -4071,60 +4762,268 @@
           <a:lstStyle/>
           <a:p>
             <a:r>
-              <a:rPr lang="zh-CN" altLang="en-US" b="0" i="0" dirty="0" smtClean="0">
-                <a:effectLst/>
-                <a:latin typeface="Söhne"/>
-              </a:rPr>
-              <a:t>在定义某些诊断症状时存在的模糊或不确定性。</a:t>
-            </a:r>
-            <a:endParaRPr lang="en-US" altLang="zh-CN" b="0" i="0" dirty="0" smtClean="0">
-              <a:effectLst/>
-              <a:latin typeface="Söhne"/>
-            </a:endParaRPr>
-          </a:p>
-          <a:p>
-            <a:r>
-              <a:rPr lang="zh-CN" altLang="en-US" b="0" i="0" dirty="0" smtClean="0">
-                <a:effectLst/>
-                <a:latin typeface="Söhne"/>
-              </a:rPr>
-              <a:t>因为某些诊断标准描述的症状可能很宽泛或抽象，导致具体的症状内容不够明确。</a:t>
-            </a:r>
-            <a:endParaRPr lang="en-US" altLang="zh-CN" b="0" i="0" dirty="0" smtClean="0">
-              <a:effectLst/>
-              <a:latin typeface="Söhne"/>
-            </a:endParaRPr>
-          </a:p>
-          <a:p>
-            <a:endParaRPr lang="en-US" altLang="zh-CN" dirty="0">
-              <a:latin typeface="Söhne"/>
-            </a:endParaRPr>
-          </a:p>
-          <a:p>
-            <a:r>
-              <a:rPr lang="zh-CN" altLang="en-US" b="0" i="0" dirty="0" smtClean="0">
-                <a:effectLst/>
-                <a:latin typeface="Söhne"/>
-              </a:rPr>
-              <a:t>例如，对于“重大认知衰退的证据”这样的标准，它的具体症状内容可能需要进一步细化和明确，因为它的范围很广。</a:t>
-            </a:r>
-            <a:endParaRPr lang="en-US" altLang="zh-CN" b="0" i="0" dirty="0" smtClean="0">
-              <a:effectLst/>
-              <a:latin typeface="Söhne"/>
-            </a:endParaRPr>
-          </a:p>
-          <a:p>
-            <a:endParaRPr lang="en-US" altLang="zh-CN" dirty="0">
-              <a:latin typeface="Söhne"/>
-            </a:endParaRPr>
-          </a:p>
-          <a:p>
-            <a:r>
-              <a:rPr lang="zh-CN" altLang="en-US" b="0" i="0" dirty="0" smtClean="0">
-                <a:effectLst/>
-                <a:latin typeface="Söhne"/>
-              </a:rPr>
-              <a:t>因此，在这个项目中，需要通过参考其他相关的症状内容，以及具体的指标和标准，来确定每个诊断症状的具体内容，以保证分析的一致性。</a:t>
+              <a:rPr lang="zh-CN" altLang="en-US" dirty="0" smtClean="0"/>
+              <a:t>在研究中，作者们对</a:t>
+            </a:r>
+            <a:r>
+              <a:rPr lang="en-US" altLang="zh-CN" dirty="0" smtClean="0"/>
+              <a:t>202</a:t>
+            </a:r>
+            <a:r>
+              <a:rPr lang="zh-CN" altLang="en-US" dirty="0" smtClean="0"/>
+              <a:t>个诊断进行了分析，</a:t>
+            </a:r>
+            <a:endParaRPr lang="en-US" altLang="zh-CN" dirty="0" smtClean="0"/>
+          </a:p>
+          <a:p>
+            <a:r>
+              <a:rPr lang="zh-CN" altLang="en-US" dirty="0" smtClean="0"/>
+              <a:t>其中包括</a:t>
+            </a:r>
+            <a:r>
+              <a:rPr lang="en-US" altLang="zh-CN" dirty="0" smtClean="0"/>
+              <a:t>135</a:t>
+            </a:r>
+            <a:r>
+              <a:rPr lang="zh-CN" altLang="en-US" dirty="0" smtClean="0"/>
+              <a:t>个主要障碍和</a:t>
+            </a:r>
+            <a:r>
+              <a:rPr lang="en-US" altLang="zh-CN" dirty="0" smtClean="0"/>
+              <a:t>763</a:t>
+            </a:r>
+            <a:r>
+              <a:rPr lang="zh-CN" altLang="en-US" dirty="0" smtClean="0"/>
+              <a:t>个带有附加症状的特定障碍或其他指定障碍。</a:t>
+            </a:r>
+            <a:endParaRPr lang="en-US" altLang="zh-CN" dirty="0" smtClean="0"/>
+          </a:p>
+          <a:p>
+            <a:endParaRPr lang="en-US" altLang="zh-CN" dirty="0"/>
+          </a:p>
+          <a:p>
+            <a:r>
+              <a:rPr lang="zh-CN" altLang="en-US" dirty="0" smtClean="0"/>
+              <a:t>他们鉴定了总共</a:t>
+            </a:r>
+            <a:r>
+              <a:rPr lang="en-US" altLang="zh-CN" dirty="0" smtClean="0"/>
+              <a:t>1419</a:t>
+            </a:r>
+            <a:r>
+              <a:rPr lang="zh-CN" altLang="en-US" dirty="0" smtClean="0"/>
+              <a:t>个组成症状，</a:t>
+            </a:r>
+            <a:endParaRPr lang="en-US" altLang="zh-CN" dirty="0" smtClean="0"/>
+          </a:p>
+          <a:p>
+            <a:endParaRPr lang="en-US" altLang="zh-CN" dirty="0"/>
+          </a:p>
+          <a:p>
+            <a:r>
+              <a:rPr lang="zh-CN" altLang="en-US" dirty="0" smtClean="0"/>
+              <a:t>并使用定性和计算机内容重叠分析，确定了</a:t>
+            </a:r>
+            <a:r>
+              <a:rPr lang="en-US" altLang="zh-CN" dirty="0" smtClean="0"/>
+              <a:t>628</a:t>
+            </a:r>
+            <a:r>
+              <a:rPr lang="zh-CN" altLang="en-US" dirty="0" smtClean="0"/>
+              <a:t>个不同的症状。</a:t>
+            </a:r>
+            <a:endParaRPr lang="en-US" altLang="zh-CN" dirty="0" smtClean="0"/>
+          </a:p>
+          <a:p>
+            <a:r>
+              <a:rPr lang="en-US" altLang="zh-CN" dirty="0"/>
+              <a:t>	</a:t>
+            </a:r>
+            <a:r>
+              <a:rPr lang="zh-CN" altLang="en-US" dirty="0" smtClean="0"/>
+              <a:t>在这些不同的症状中，</a:t>
+            </a:r>
+            <a:r>
+              <a:rPr lang="en-US" altLang="zh-CN" dirty="0" smtClean="0"/>
+              <a:t>63.2%</a:t>
+            </a:r>
+            <a:r>
+              <a:rPr lang="zh-CN" altLang="en-US" dirty="0" smtClean="0"/>
+              <a:t>（</a:t>
+            </a:r>
+            <a:r>
+              <a:rPr lang="en-US" altLang="zh-CN" dirty="0" smtClean="0"/>
+              <a:t>397</a:t>
+            </a:r>
+            <a:r>
+              <a:rPr lang="zh-CN" altLang="en-US" dirty="0" smtClean="0"/>
+              <a:t>个）仅在一个诊断中出现。</a:t>
+            </a:r>
+            <a:endParaRPr lang="en-US" altLang="zh-CN" dirty="0" smtClean="0"/>
+          </a:p>
+          <a:p>
+            <a:r>
+              <a:rPr lang="en-US" altLang="zh-CN" dirty="0"/>
+              <a:t>	</a:t>
+            </a:r>
+            <a:r>
+              <a:rPr lang="en-US" altLang="zh-CN" dirty="0" smtClean="0"/>
+              <a:t>231</a:t>
+            </a:r>
+            <a:r>
+              <a:rPr lang="zh-CN" altLang="en-US" dirty="0" smtClean="0"/>
+              <a:t>个非唯一症状则在平均</a:t>
+            </a:r>
+            <a:r>
+              <a:rPr lang="en-US" altLang="zh-CN" dirty="0" smtClean="0"/>
+              <a:t>4.4</a:t>
+            </a:r>
+            <a:r>
+              <a:rPr lang="zh-CN" altLang="en-US" dirty="0" smtClean="0"/>
+              <a:t>次（标准偏差</a:t>
+            </a:r>
+            <a:r>
+              <a:rPr lang="en-US" altLang="zh-CN" dirty="0" smtClean="0"/>
+              <a:t>= 3.4</a:t>
+            </a:r>
+            <a:r>
+              <a:rPr lang="zh-CN" altLang="en-US" dirty="0" smtClean="0"/>
+              <a:t>，中位数</a:t>
+            </a:r>
+            <a:r>
+              <a:rPr lang="en-US" altLang="zh-CN" dirty="0" smtClean="0"/>
+              <a:t>= 3</a:t>
+            </a:r>
+            <a:r>
+              <a:rPr lang="zh-CN" altLang="en-US" dirty="0" smtClean="0"/>
+              <a:t>，范围</a:t>
+            </a:r>
+            <a:r>
+              <a:rPr lang="en-US" altLang="zh-CN" dirty="0" smtClean="0"/>
+              <a:t>= 2-22</a:t>
+            </a:r>
+            <a:r>
+              <a:rPr lang="zh-CN" altLang="en-US" dirty="0" smtClean="0"/>
+              <a:t>）出现，总计</a:t>
+            </a:r>
+            <a:r>
+              <a:rPr lang="en-US" altLang="zh-CN" dirty="0" smtClean="0"/>
+              <a:t>1022</a:t>
+            </a:r>
+            <a:r>
+              <a:rPr lang="zh-CN" altLang="en-US" dirty="0" smtClean="0"/>
+              <a:t>次，并占所有诊断标准中列出的症状的</a:t>
+            </a:r>
+            <a:r>
+              <a:rPr lang="en-US" altLang="zh-CN" dirty="0" smtClean="0"/>
+              <a:t>72.0</a:t>
+            </a:r>
+            <a:r>
+              <a:rPr lang="zh-CN" altLang="en-US" dirty="0" smtClean="0"/>
+              <a:t>％。</a:t>
+            </a:r>
+            <a:endParaRPr lang="en-US" altLang="zh-CN" dirty="0" smtClean="0"/>
+          </a:p>
+          <a:p>
+            <a:r>
+              <a:rPr lang="en-US" altLang="zh-CN" dirty="0"/>
+              <a:t>	</a:t>
+            </a:r>
+            <a:r>
+              <a:rPr lang="zh-CN" altLang="en-US" dirty="0" smtClean="0"/>
+              <a:t>其中有</a:t>
+            </a:r>
+            <a:r>
+              <a:rPr lang="en-US" altLang="zh-CN" dirty="0" smtClean="0"/>
+              <a:t>163</a:t>
+            </a:r>
+            <a:r>
+              <a:rPr lang="zh-CN" altLang="en-US" dirty="0" smtClean="0"/>
+              <a:t>个（</a:t>
+            </a:r>
+            <a:r>
+              <a:rPr lang="en-US" altLang="zh-CN" dirty="0" smtClean="0"/>
+              <a:t>70.6</a:t>
+            </a:r>
+            <a:r>
+              <a:rPr lang="zh-CN" altLang="en-US" dirty="0" smtClean="0"/>
+              <a:t>％）在同一章节内重复，</a:t>
+            </a:r>
+            <a:endParaRPr lang="en-US" altLang="zh-CN" dirty="0" smtClean="0"/>
+          </a:p>
+          <a:p>
+            <a:r>
+              <a:rPr lang="en-US" altLang="zh-CN" dirty="0"/>
+              <a:t>	</a:t>
+            </a:r>
+            <a:r>
+              <a:rPr lang="en-US" altLang="zh-CN" dirty="0" smtClean="0"/>
+              <a:t>155</a:t>
+            </a:r>
+            <a:r>
+              <a:rPr lang="zh-CN" altLang="en-US" dirty="0" smtClean="0"/>
+              <a:t>个（</a:t>
+            </a:r>
+            <a:r>
+              <a:rPr lang="en-US" altLang="zh-CN" dirty="0" smtClean="0"/>
+              <a:t>67.1</a:t>
+            </a:r>
+            <a:r>
+              <a:rPr lang="zh-CN" altLang="en-US" dirty="0" smtClean="0"/>
+              <a:t>％）在多个章节之间重复，</a:t>
+            </a:r>
+            <a:r>
+              <a:rPr lang="en-US" altLang="zh-CN" dirty="0" smtClean="0"/>
+              <a:t>87</a:t>
+            </a:r>
+            <a:r>
+              <a:rPr lang="zh-CN" altLang="en-US" dirty="0" smtClean="0"/>
+              <a:t>个（</a:t>
+            </a:r>
+            <a:r>
+              <a:rPr lang="en-US" altLang="zh-CN" dirty="0" smtClean="0"/>
+              <a:t>37.7</a:t>
+            </a:r>
+            <a:r>
+              <a:rPr lang="zh-CN" altLang="en-US" dirty="0" smtClean="0"/>
+              <a:t>％）同时在章节内和章节之间重复。</a:t>
+            </a:r>
+            <a:endParaRPr lang="en-US" altLang="zh-CN" dirty="0" smtClean="0"/>
+          </a:p>
+          <a:p>
+            <a:endParaRPr lang="en-US" altLang="zh-CN" dirty="0"/>
+          </a:p>
+        </p:txBody>
+      </p:sp>
+      <p:sp>
+        <p:nvSpPr>
+          <p:cNvPr id="4" name="文本框 3"/>
+          <p:cNvSpPr txBox="1"/>
+          <p:nvPr/>
+        </p:nvSpPr>
+        <p:spPr>
+          <a:xfrm>
+            <a:off x="5638800" y="4912118"/>
+            <a:ext cx="914400" cy="369332"/>
+          </a:xfrm>
+          <a:prstGeom prst="rect">
+            <a:avLst/>
+          </a:prstGeom>
+          <a:noFill/>
+        </p:spPr>
+        <p:txBody>
+          <a:bodyPr wrap="square" rtlCol="0">
+            <a:spAutoFit/>
+          </a:bodyPr>
+          <a:lstStyle/>
+          <a:p>
+            <a:r>
+              <a:rPr lang="zh-CN" altLang="en-US" dirty="0" smtClean="0"/>
+              <a:t>图</a:t>
+            </a:r>
+            <a:r>
+              <a:rPr lang="en-US" altLang="zh-CN" dirty="0" smtClean="0"/>
+              <a:t>1</a:t>
             </a:r>
             <a:endParaRPr lang="zh-TW" altLang="en-US" dirty="0"/>
           </a:p>
@@ -4133,7 +5032,7 @@
     </p:spTree>
     <p:extLst>
       <p:ext uri="{BB962C8B-B14F-4D97-AF65-F5344CB8AC3E}">
-        <p14:creationId xmlns:p14="http://schemas.microsoft.com/office/powerpoint/2010/main" val="355914900"/>
+        <p14:creationId xmlns:p14="http://schemas.microsoft.com/office/powerpoint/2010/main" val="2938997783"/>
       </p:ext>
     </p:extLst>
   </p:cSld>
@@ -4162,14 +5061,14 @@
       </p:grpSpPr>
       <p:sp>
         <p:nvSpPr>
-          <p:cNvPr id="2" name="矩形 1"/>
+          <p:cNvPr id="4" name="矩形 3"/>
           <p:cNvSpPr/>
           <p:nvPr/>
         </p:nvSpPr>
         <p:spPr>
           <a:xfrm>
-            <a:off x="1345323" y="1984278"/>
-            <a:ext cx="8807669" cy="3139321"/>
+            <a:off x="1234965" y="735413"/>
+            <a:ext cx="9722069" cy="1754326"/>
           </a:xfrm>
           <a:prstGeom prst="rect">
             <a:avLst/>
@@ -4181,222 +5080,198 @@
           </a:bodyPr>
           <a:lstStyle/>
           <a:p>
-            <a:pPr>
-              <a:spcAft>
-                <a:spcPts val="0"/>
-              </a:spcAft>
-            </a:pPr>
-            <a:r>
-              <a:rPr lang="zh-CN" altLang="en-US" dirty="0"/>
-              <a:t>在收集到症状列表后，研究团队对这些症状进行了内容重叠的编码</a:t>
-            </a:r>
             <a:r>
               <a:rPr lang="zh-CN" altLang="en-US" dirty="0" smtClean="0"/>
-              <a:t>。</a:t>
+              <a:t>图 </a:t>
+            </a:r>
+            <a:r>
+              <a:rPr lang="en-US" altLang="zh-CN" dirty="0" smtClean="0"/>
+              <a:t>2 </a:t>
+            </a:r>
+            <a:r>
+              <a:rPr lang="zh-CN" altLang="en-US" dirty="0" smtClean="0"/>
+              <a:t>说明了 </a:t>
+            </a:r>
+            <a:r>
+              <a:rPr lang="en-US" altLang="zh-CN" dirty="0" smtClean="0"/>
+              <a:t>DSM-5 </a:t>
+            </a:r>
+            <a:r>
+              <a:rPr lang="zh-CN" altLang="en-US" dirty="0" smtClean="0"/>
+              <a:t>中章节内和章节间症状重叠的模式。</a:t>
             </a:r>
             <a:endParaRPr lang="en-US" altLang="zh-CN" dirty="0" smtClean="0"/>
           </a:p>
           <a:p>
-            <a:pPr>
-              <a:spcAft>
-                <a:spcPts val="0"/>
-              </a:spcAft>
-            </a:pPr>
             <a:r>
               <a:rPr lang="zh-CN" altLang="en-US" dirty="0" smtClean="0"/>
-              <a:t>这个</a:t>
-            </a:r>
-            <a:r>
-              <a:rPr lang="zh-CN" altLang="en-US" dirty="0"/>
-              <a:t>过程使用了定性内容编码和自然语言处理（</a:t>
-            </a:r>
-            <a:r>
-              <a:rPr lang="en-US" altLang="zh-CN" dirty="0"/>
-              <a:t>NLP</a:t>
-            </a:r>
-            <a:r>
-              <a:rPr lang="zh-CN" altLang="en-US" dirty="0"/>
-              <a:t>）</a:t>
-            </a:r>
+              <a:t> 它显示了不同诊断之间共有多少症状，以及哪些诊断具有最重叠的症状。</a:t>
+            </a:r>
+            <a:endParaRPr lang="en-US" altLang="zh-CN" dirty="0" smtClean="0"/>
+          </a:p>
+          <a:p>
+            <a:endParaRPr lang="en-US" altLang="zh-CN" dirty="0"/>
+          </a:p>
+          <a:p>
             <a:r>
               <a:rPr lang="zh-CN" altLang="en-US" dirty="0" smtClean="0"/>
-              <a:t>。</a:t>
+              <a:t> 该图分为 </a:t>
+            </a:r>
+            <a:r>
+              <a:rPr lang="en-US" altLang="zh-CN" dirty="0" smtClean="0"/>
+              <a:t>DSM-5 </a:t>
+            </a:r>
+            <a:r>
+              <a:rPr lang="zh-CN" altLang="en-US" dirty="0" smtClean="0"/>
+              <a:t>每一章的部分，各个面板显示每一章的症状和诊断标签。 </a:t>
             </a:r>
             <a:endParaRPr lang="en-US" altLang="zh-CN" dirty="0" smtClean="0"/>
           </a:p>
           <a:p>
-            <a:pPr>
-              <a:spcAft>
-                <a:spcPts val="0"/>
-              </a:spcAft>
-            </a:pPr>
             <a:endParaRPr lang="en-US" altLang="zh-CN" dirty="0"/>
           </a:p>
           <a:p>
-            <a:pPr>
-              <a:spcAft>
-                <a:spcPts val="0"/>
-              </a:spcAft>
-            </a:pPr>
             <a:r>
               <a:rPr lang="zh-CN" altLang="en-US" dirty="0" smtClean="0"/>
-              <a:t>首先</a:t>
-            </a:r>
-            <a:r>
-              <a:rPr lang="zh-CN" altLang="en-US" dirty="0"/>
-              <a:t>，完全相同的症状被确定和编码</a:t>
+              <a:t>表 </a:t>
+            </a:r>
+            <a:r>
+              <a:rPr lang="en-US" altLang="zh-CN" dirty="0" smtClean="0"/>
+              <a:t>1 </a:t>
             </a:r>
             <a:r>
               <a:rPr lang="zh-CN" altLang="en-US" dirty="0" smtClean="0"/>
-              <a:t>。</a:t>
-            </a:r>
-            <a:endParaRPr lang="en-US" altLang="zh-CN" dirty="0" smtClean="0"/>
-          </a:p>
-          <a:p>
-            <a:pPr>
-              <a:spcAft>
-                <a:spcPts val="0"/>
-              </a:spcAft>
-            </a:pPr>
+              <a:t>描述了每章中诊断和症状级别的一些重复模式。</a:t>
+            </a:r>
+            <a:endParaRPr lang="zh-TW" altLang="en-US" dirty="0"/>
+          </a:p>
+        </p:txBody>
+      </p:sp>
+      <p:sp>
+        <p:nvSpPr>
+          <p:cNvPr id="5" name="文本框 4"/>
+          <p:cNvSpPr txBox="1"/>
+          <p:nvPr/>
+        </p:nvSpPr>
+        <p:spPr>
+          <a:xfrm>
+            <a:off x="4645571" y="2743200"/>
+            <a:ext cx="1450428" cy="369332"/>
+          </a:xfrm>
+          <a:prstGeom prst="rect">
+            <a:avLst/>
+          </a:prstGeom>
+          <a:noFill/>
+        </p:spPr>
+        <p:txBody>
+          <a:bodyPr wrap="square" rtlCol="0">
+            <a:spAutoFit/>
+          </a:bodyPr>
+          <a:lstStyle/>
+          <a:p>
             <a:r>
               <a:rPr lang="zh-CN" altLang="en-US" dirty="0" smtClean="0"/>
-              <a:t>然后</a:t>
-            </a:r>
-            <a:r>
-              <a:rPr lang="zh-CN" altLang="en-US" dirty="0"/>
-              <a:t>，研究团队通过三个步骤对概念上的冗余进行了编码</a:t>
-            </a:r>
-            <a:r>
-              <a:rPr lang="zh-CN" altLang="en-US" dirty="0" smtClean="0"/>
-              <a:t>。</a:t>
-            </a:r>
-            <a:endParaRPr lang="en-US" altLang="zh-CN" dirty="0" smtClean="0"/>
-          </a:p>
-          <a:p>
-            <a:pPr>
-              <a:spcAft>
-                <a:spcPts val="0"/>
-              </a:spcAft>
-            </a:pPr>
+              <a:t>图</a:t>
+            </a:r>
             <a:r>
               <a:rPr lang="en-US" altLang="zh-CN" dirty="0" smtClean="0"/>
-              <a:t>	</a:t>
-            </a:r>
-            <a:r>
-              <a:rPr lang="zh-CN" altLang="en-US" dirty="0" smtClean="0"/>
-              <a:t>症状</a:t>
-            </a:r>
-            <a:r>
-              <a:rPr lang="zh-CN" altLang="en-US" dirty="0"/>
-              <a:t>首先被分配到情感、行为、认知和</a:t>
-            </a:r>
-            <a:r>
-              <a:rPr lang="en-US" altLang="zh-CN" dirty="0"/>
-              <a:t>/</a:t>
-            </a:r>
-            <a:r>
-              <a:rPr lang="zh-CN" altLang="en-US" dirty="0"/>
-              <a:t>或身体症状的类别中</a:t>
-            </a:r>
-            <a:r>
-              <a:rPr lang="zh-CN" altLang="en-US" dirty="0" smtClean="0"/>
-              <a:t>，</a:t>
-            </a:r>
-            <a:endParaRPr lang="en-US" altLang="zh-CN" dirty="0" smtClean="0"/>
-          </a:p>
-          <a:p>
-            <a:pPr>
-              <a:spcAft>
-                <a:spcPts val="0"/>
-              </a:spcAft>
-            </a:pPr>
-            <a:r>
-              <a:rPr lang="en-US" altLang="zh-CN" dirty="0"/>
-              <a:t>	</a:t>
-            </a:r>
-            <a:r>
-              <a:rPr lang="zh-CN" altLang="en-US" dirty="0" smtClean="0"/>
-              <a:t>然后</a:t>
-            </a:r>
-            <a:r>
-              <a:rPr lang="zh-CN" altLang="en-US" dirty="0"/>
-              <a:t>分配到子类别中</a:t>
-            </a:r>
-            <a:r>
-              <a:rPr lang="zh-CN" altLang="en-US" dirty="0" smtClean="0"/>
-              <a:t>。</a:t>
-            </a:r>
-            <a:endParaRPr lang="en-US" altLang="zh-CN" dirty="0" smtClean="0"/>
-          </a:p>
-          <a:p>
-            <a:pPr>
-              <a:spcAft>
-                <a:spcPts val="0"/>
-              </a:spcAft>
-            </a:pPr>
-            <a:r>
-              <a:rPr lang="zh-CN" altLang="en-US" dirty="0" smtClean="0"/>
-              <a:t>在</a:t>
-            </a:r>
-            <a:r>
-              <a:rPr lang="zh-CN" altLang="en-US" dirty="0"/>
-              <a:t>每个子类别中，症状被编码以确定它们是否具有冗余性</a:t>
-            </a:r>
-            <a:r>
-              <a:rPr lang="zh-CN" altLang="en-US" dirty="0" smtClean="0"/>
-              <a:t>。</a:t>
-            </a:r>
-            <a:endParaRPr lang="en-US" altLang="zh-CN" dirty="0" smtClean="0"/>
-          </a:p>
-          <a:p>
-            <a:pPr>
-              <a:spcAft>
-                <a:spcPts val="0"/>
-              </a:spcAft>
-            </a:pPr>
-            <a:endParaRPr lang="en-US" altLang="zh-CN" dirty="0"/>
-          </a:p>
-          <a:p>
-            <a:pPr>
-              <a:spcAft>
-                <a:spcPts val="0"/>
-              </a:spcAft>
-            </a:pPr>
-            <a:r>
-              <a:rPr lang="zh-CN" altLang="en-US" dirty="0" smtClean="0"/>
-              <a:t>这个</a:t>
-            </a:r>
-            <a:r>
-              <a:rPr lang="zh-CN" altLang="en-US" dirty="0"/>
-              <a:t>过程在多个阶段中不断重复和完善（研究团队估计整个症状列表被重复筛选了超过</a:t>
-            </a:r>
-            <a:r>
-              <a:rPr lang="en-US" altLang="zh-CN" dirty="0"/>
-              <a:t>90</a:t>
-            </a:r>
-            <a:r>
-              <a:rPr lang="zh-CN" altLang="en-US" dirty="0"/>
-              <a:t>次）。</a:t>
-            </a:r>
-            <a:endParaRPr lang="zh-TW" altLang="zh-TW" kern="100" dirty="0">
-              <a:effectLst/>
-              <a:latin typeface="Calibri" panose="020F0502020204030204" pitchFamily="34" charset="0"/>
-              <a:ea typeface="PMingLiU" panose="02020500000000000000" pitchFamily="18" charset="-120"/>
-              <a:cs typeface="Times New Roman" panose="02020603050405020304" pitchFamily="18" charset="0"/>
-            </a:endParaRPr>
+              <a:t>2</a:t>
+            </a:r>
+            <a:endParaRPr lang="zh-TW" altLang="en-US" dirty="0"/>
+          </a:p>
+        </p:txBody>
+      </p:sp>
+      <p:sp>
+        <p:nvSpPr>
+          <p:cNvPr id="6" name="矩形 5"/>
+          <p:cNvSpPr/>
+          <p:nvPr/>
+        </p:nvSpPr>
+        <p:spPr>
+          <a:xfrm>
+            <a:off x="872358" y="3819859"/>
+            <a:ext cx="10526111" cy="2308324"/>
+          </a:xfrm>
+          <a:prstGeom prst="rect">
+            <a:avLst/>
+          </a:prstGeom>
+        </p:spPr>
+        <p:txBody>
+          <a:bodyPr wrap="square">
+            <a:spAutoFit/>
+          </a:bodyPr>
+          <a:lstStyle/>
+          <a:p>
+            <a:r>
+              <a:rPr lang="zh-TW" altLang="en-US" dirty="0" smtClean="0"/>
+              <a:t>总体而言，图表显示 DSM-5 中不同诊断之间的症状重复程度很高，</a:t>
+            </a:r>
+            <a:endParaRPr lang="en-US" altLang="zh-TW" dirty="0" smtClean="0"/>
+          </a:p>
+          <a:p>
+            <a:endParaRPr lang="en-US" altLang="zh-TW" dirty="0"/>
+          </a:p>
+          <a:p>
+            <a:r>
+              <a:rPr lang="zh-TW" altLang="en-US" dirty="0" smtClean="0"/>
+              <a:t>202 例诊断中有 140 例 (69.3%) 至少有一种症状在另一诊断中重复出现。 </a:t>
+            </a:r>
+            <a:endParaRPr lang="en-US" altLang="zh-TW" dirty="0" smtClean="0"/>
+          </a:p>
+          <a:p>
+            <a:r>
+              <a:rPr lang="zh-TW" altLang="en-US" dirty="0" smtClean="0"/>
+              <a:t>此外，118 个诊断 (58.4%) 在另一章的诊断中至少有一个症状重复。</a:t>
+            </a:r>
+            <a:endParaRPr lang="en-US" altLang="zh-TW" dirty="0" smtClean="0"/>
+          </a:p>
+          <a:p>
+            <a:r>
+              <a:rPr lang="zh-TW" altLang="en-US" dirty="0" smtClean="0"/>
+              <a:t> 此外，75 个诊断 (37.1%) 的每个症状至少在另一个诊断中重复，</a:t>
+            </a:r>
+            <a:endParaRPr lang="en-US" altLang="zh-TW" dirty="0" smtClean="0"/>
+          </a:p>
+          <a:p>
+            <a:r>
+              <a:rPr lang="zh-TW" altLang="en-US" dirty="0" smtClean="0"/>
+              <a:t>47 个 (23.3%) 的每个症状在其他章节中重复。 </a:t>
+            </a:r>
+            <a:endParaRPr lang="en-US" altLang="zh-TW" dirty="0" smtClean="0"/>
+          </a:p>
+          <a:p>
+            <a:r>
+              <a:rPr lang="zh-TW" altLang="en-US" dirty="0" smtClean="0"/>
+              <a:t>另一方面，62 例诊断 (30.7%) 没有症状重叠，这意味着相应的症状在 DSM-5 中仅列出一次。 </a:t>
+            </a:r>
+            <a:endParaRPr lang="en-US" altLang="zh-TW" dirty="0" smtClean="0"/>
+          </a:p>
+          <a:p>
+            <a:r>
+              <a:rPr lang="zh-TW" altLang="en-US" dirty="0" smtClean="0"/>
+              <a:t>值得注意的是，其中 35 项诊断仅包括一种症状。</a:t>
+            </a:r>
+            <a:endParaRPr lang="zh-TW" altLang="en-US" dirty="0"/>
           </a:p>
         </p:txBody>
       </p:sp>
     </p:spTree>
     <p:extLst>
       <p:ext uri="{BB962C8B-B14F-4D97-AF65-F5344CB8AC3E}">
-        <p14:creationId xmlns:p14="http://schemas.microsoft.com/office/powerpoint/2010/main" val="4023053756"/>
+        <p14:creationId xmlns:p14="http://schemas.microsoft.com/office/powerpoint/2010/main" val="4107622837"/>
       </p:ext>
     </p:extLst>
   </p:cSld>
   <p:clrMapOvr>
     <a:masterClrMapping/>
   </p:clrMapOvr>
+  <p:timing>
+    <p:tnLst>
+      <p:par>
+        <p:cTn id="1" dur="indefinite" restart="never" nodeType="tmRoot"/>
+      </p:par>
+    </p:tnLst>
+  </p:timing>
 </p:sld>
 </file>
 
@@ -4425,8 +5300,8 @@
         </p:nvSpPr>
         <p:spPr>
           <a:xfrm>
-            <a:off x="646387" y="1305341"/>
-            <a:ext cx="11130454" cy="4247317"/>
+            <a:off x="1061545" y="1987669"/>
+            <a:ext cx="8586952" cy="2585323"/>
           </a:xfrm>
           <a:prstGeom prst="rect">
             <a:avLst/>
@@ -4439,72 +5314,6 @@
           <a:lstStyle/>
           <a:p>
             <a:r>
-              <a:rPr lang="zh-CN" altLang="zh-TW" dirty="0">
-                <a:latin typeface="Calibri" panose="020F0502020204030204" pitchFamily="34" charset="0"/>
-                <a:cs typeface="Times New Roman" panose="02020603050405020304" pitchFamily="18" charset="0"/>
-              </a:rPr>
-              <a:t>除了手动编码过程外，研究人员还使用</a:t>
-            </a:r>
-            <a:r>
-              <a:rPr lang="zh-CN" altLang="zh-TW" b="1" dirty="0">
-                <a:latin typeface="Calibri" panose="020F0502020204030204" pitchFamily="34" charset="0"/>
-                <a:cs typeface="Times New Roman" panose="02020603050405020304" pitchFamily="18" charset="0"/>
-              </a:rPr>
-              <a:t>自然语言处理</a:t>
-            </a:r>
-            <a:r>
-              <a:rPr lang="en-US" altLang="zh-TW" b="1" dirty="0" smtClean="0">
-                <a:effectLst/>
-                <a:latin typeface="Calibri" panose="020F0502020204030204" pitchFamily="34" charset="0"/>
-                <a:ea typeface="宋体" panose="02010600030101010101" pitchFamily="2" charset="-122"/>
-                <a:cs typeface="Times New Roman" panose="02020603050405020304" pitchFamily="18" charset="0"/>
-              </a:rPr>
-              <a:t> (NLP) </a:t>
-            </a:r>
-            <a:r>
-              <a:rPr lang="zh-CN" altLang="zh-TW" dirty="0">
-                <a:latin typeface="Calibri" panose="020F0502020204030204" pitchFamily="34" charset="0"/>
-                <a:cs typeface="Times New Roman" panose="02020603050405020304" pitchFamily="18" charset="0"/>
-              </a:rPr>
-              <a:t>来识别可能遗漏的任何语义匹配。</a:t>
-            </a:r>
-            <a:r>
-              <a:rPr lang="zh-CN" altLang="zh-TW" dirty="0" smtClean="0">
-                <a:effectLst/>
-                <a:ea typeface="Calibri" panose="020F0502020204030204" pitchFamily="34" charset="0"/>
-                <a:cs typeface="Times New Roman" panose="02020603050405020304" pitchFamily="18" charset="0"/>
-              </a:rPr>
-              <a:t> </a:t>
-            </a:r>
-            <a:endParaRPr lang="en-US" altLang="zh-CN" dirty="0" smtClean="0">
-              <a:effectLst/>
-              <a:ea typeface="Calibri" panose="020F0502020204030204" pitchFamily="34" charset="0"/>
-              <a:cs typeface="Times New Roman" panose="02020603050405020304" pitchFamily="18" charset="0"/>
-            </a:endParaRPr>
-          </a:p>
-          <a:p>
-            <a:endParaRPr lang="en-US" altLang="zh-CN" dirty="0" smtClean="0">
-              <a:effectLst/>
-              <a:ea typeface="Calibri" panose="020F0502020204030204" pitchFamily="34" charset="0"/>
-              <a:cs typeface="Times New Roman" panose="02020603050405020304" pitchFamily="18" charset="0"/>
-            </a:endParaRPr>
-          </a:p>
-          <a:p>
-            <a:r>
-              <a:rPr lang="zh-CN" altLang="zh-TW" dirty="0" smtClean="0">
-                <a:latin typeface="Calibri" panose="020F0502020204030204" pitchFamily="34" charset="0"/>
-                <a:cs typeface="Times New Roman" panose="02020603050405020304" pitchFamily="18" charset="0"/>
-              </a:rPr>
-              <a:t>他们</a:t>
-            </a:r>
-            <a:r>
-              <a:rPr lang="zh-CN" altLang="zh-TW" dirty="0">
-                <a:latin typeface="Calibri" panose="020F0502020204030204" pitchFamily="34" charset="0"/>
-                <a:cs typeface="Times New Roman" panose="02020603050405020304" pitchFamily="18" charset="0"/>
-              </a:rPr>
-              <a:t>建立了一个计算模型，根据</a:t>
-            </a:r>
-            <a:r>
               <a:rPr lang="en-US" altLang="zh-TW" dirty="0" smtClean="0">
                 <a:effectLst/>
                 <a:latin typeface="Calibri" panose="020F0502020204030204" pitchFamily="34" charset="0"/>
@@ -4518,7 +5327,51 @@
                 <a:latin typeface="Calibri" panose="020F0502020204030204" pitchFamily="34" charset="0"/>
                 <a:cs typeface="Times New Roman" panose="02020603050405020304" pitchFamily="18" charset="0"/>
               </a:rPr>
-              <a:t>中描述的两个症状在语义相似性的高维表示中的位置，确定它们何时具有相同的含义</a:t>
+              <a:t>中</a:t>
+            </a:r>
+            <a:r>
+              <a:rPr lang="en-US" altLang="zh-TW" dirty="0" smtClean="0">
+                <a:effectLst/>
+                <a:latin typeface="Calibri" panose="020F0502020204030204" pitchFamily="34" charset="0"/>
+                <a:ea typeface="宋体" panose="02010600030101010101" pitchFamily="2" charset="-122"/>
+                <a:cs typeface="Times New Roman" panose="02020603050405020304" pitchFamily="18" charset="0"/>
+              </a:rPr>
+              <a:t> 202 </a:t>
+            </a:r>
+            <a:r>
+              <a:rPr lang="zh-CN" altLang="zh-TW" dirty="0">
+                <a:latin typeface="Calibri" panose="020F0502020204030204" pitchFamily="34" charset="0"/>
+                <a:cs typeface="Times New Roman" panose="02020603050405020304" pitchFamily="18" charset="0"/>
+              </a:rPr>
+              <a:t>种诊断的症状重叠和重复。</a:t>
+            </a:r>
+            <a:r>
+              <a:rPr lang="zh-CN" altLang="zh-TW" dirty="0" smtClean="0">
+                <a:effectLst/>
+                <a:ea typeface="Calibri" panose="020F0502020204030204" pitchFamily="34" charset="0"/>
+                <a:cs typeface="Times New Roman" panose="02020603050405020304" pitchFamily="18" charset="0"/>
+              </a:rPr>
+              <a:t> </a:t>
+            </a:r>
+            <a:endParaRPr lang="en-US" altLang="zh-CN" dirty="0" smtClean="0">
+              <a:latin typeface="Calibri" panose="020F0502020204030204" pitchFamily="34" charset="0"/>
+              <a:cs typeface="Times New Roman" panose="02020603050405020304" pitchFamily="18" charset="0"/>
+            </a:endParaRPr>
+          </a:p>
+          <a:p>
+            <a:r>
+              <a:rPr lang="zh-CN" altLang="zh-TW" dirty="0" smtClean="0">
+                <a:latin typeface="Calibri" panose="020F0502020204030204" pitchFamily="34" charset="0"/>
+                <a:cs typeface="Times New Roman" panose="02020603050405020304" pitchFamily="18" charset="0"/>
+              </a:rPr>
+              <a:t>虽然</a:t>
+            </a:r>
+            <a:r>
+              <a:rPr lang="zh-CN" altLang="zh-TW" dirty="0">
+                <a:latin typeface="Calibri" panose="020F0502020204030204" pitchFamily="34" charset="0"/>
+                <a:cs typeface="Times New Roman" panose="02020603050405020304" pitchFamily="18" charset="0"/>
+              </a:rPr>
+              <a:t>重复很普遍，但大多数不同的症状都是单一诊断所独有的</a:t>
             </a:r>
             <a:r>
               <a:rPr lang="zh-CN" altLang="zh-TW" dirty="0" smtClean="0">
@@ -4542,6 +5395,14 @@
           </a:p>
           <a:p>
             <a:r>
+              <a:rPr lang="en-US" altLang="zh-CN" dirty="0" smtClean="0">
+                <a:latin typeface="Calibri" panose="020F0502020204030204" pitchFamily="34" charset="0"/>
+                <a:ea typeface="Calibri" panose="020F0502020204030204" pitchFamily="34" charset="0"/>
+                <a:cs typeface="Times New Roman" panose="02020603050405020304" pitchFamily="18" charset="0"/>
+              </a:rPr>
+              <a:t>	</a:t>
+            </a:r>
+            <a:r>
               <a:rPr lang="zh-CN" altLang="zh-TW" dirty="0" smtClean="0">
                 <a:effectLst/>
                 <a:ea typeface="Calibri" panose="020F0502020204030204" pitchFamily="34" charset="0"/>
@@ -4554,7 +5415,7 @@
                 <a:latin typeface="Calibri" panose="020F0502020204030204" pitchFamily="34" charset="0"/>
                 <a:cs typeface="Times New Roman" panose="02020603050405020304" pitchFamily="18" charset="0"/>
               </a:rPr>
-              <a:t>在过滤掉相同的症状对后，该模型使用预训练模型对剩余的可能症状对进行评分。</a:t>
+              <a:t>某些领域，例如双相情感障碍和相关障碍、创伤和压力源相关障碍以及神经认知障碍，在章节内和章节之间有更多的症状重复。</a:t>
             </a:r>
             <a:r>
               <a:rPr lang="zh-CN" altLang="zh-TW" dirty="0" smtClean="0">
@@ -4571,25 +5432,26 @@
             </a:endParaRPr>
           </a:p>
           <a:p>
-            <a:endParaRPr lang="en-US" altLang="zh-CN" dirty="0">
-              <a:latin typeface="Calibri" panose="020F0502020204030204" pitchFamily="34" charset="0"/>
-              <a:cs typeface="Times New Roman" panose="02020603050405020304" pitchFamily="18" charset="0"/>
-            </a:endParaRPr>
-          </a:p>
-          <a:p>
+            <a:r>
+              <a:rPr lang="en-US" altLang="zh-CN" dirty="0">
+                <a:latin typeface="Calibri" panose="020F0502020204030204" pitchFamily="34" charset="0"/>
+                <a:cs typeface="Times New Roman" panose="02020603050405020304" pitchFamily="18" charset="0"/>
+              </a:rPr>
+              <a:t>	</a:t>
+            </a:r>
             <a:r>
               <a:rPr lang="zh-CN" altLang="zh-TW" dirty="0" smtClean="0">
                 <a:latin typeface="Calibri" panose="020F0502020204030204" pitchFamily="34" charset="0"/>
                 <a:cs typeface="Times New Roman" panose="02020603050405020304" pitchFamily="18" charset="0"/>
               </a:rPr>
-              <a:t>然后</a:t>
+              <a:t>相比之下</a:t>
             </a:r>
             <a:r>
               <a:rPr lang="zh-CN" altLang="zh-TW" dirty="0">
                 <a:latin typeface="Calibri" panose="020F0502020204030204" pitchFamily="34" charset="0"/>
                 <a:cs typeface="Times New Roman" panose="02020603050405020304" pitchFamily="18" charset="0"/>
               </a:rPr>
-              <a:t>，研究人员使用五重交叉验证框架来评估模型的性能。</a:t>
+              <a:t>，消除障碍、性别不安和性欲障碍等章节在其他诊断中几乎没有重复的症状。</a:t>
             </a:r>
             <a:r>
               <a:rPr lang="zh-CN" altLang="zh-TW" dirty="0" smtClean="0">
@@ -4606,25 +5468,6 @@
             </a:endParaRPr>
           </a:p>
           <a:p>
-            <a:r>
-              <a:rPr lang="en-US" altLang="zh-CN" dirty="0" smtClean="0"/>
-              <a:t>	</a:t>
-            </a:r>
-            <a:r>
-              <a:rPr lang="zh-CN" altLang="en-US" dirty="0" smtClean="0"/>
-              <a:t>将</a:t>
-            </a:r>
-            <a:r>
-              <a:rPr lang="zh-CN" altLang="en-US" dirty="0"/>
-              <a:t>数据集划分为五个等分，每次将其中四个作为训练集，一个作为验证集，进行五次模型训练和验证，以评估模型的性能。这种方法可以在保证数据利用率的同时，防止由于特定的数据集分割方式导致评估结果的偏差</a:t>
-            </a:r>
-            <a:r>
-              <a:rPr lang="zh-CN" altLang="en-US" dirty="0" smtClean="0"/>
-              <a:t>。</a:t>
-            </a:r>
-            <a:endParaRPr lang="en-US" altLang="zh-CN" dirty="0" smtClean="0"/>
-          </a:p>
-          <a:p>
             <a:endParaRPr lang="en-US" altLang="zh-CN" dirty="0">
               <a:latin typeface="Calibri" panose="020F0502020204030204" pitchFamily="34" charset="0"/>
               <a:cs typeface="Times New Roman" panose="02020603050405020304" pitchFamily="18" charset="0"/>
@@ -4636,14 +5479,14 @@
                 <a:latin typeface="Calibri" panose="020F0502020204030204" pitchFamily="34" charset="0"/>
                 <a:cs typeface="Times New Roman" panose="02020603050405020304" pitchFamily="18" charset="0"/>
               </a:rPr>
-              <a:t>两</a:t>
+              <a:t>总的来说</a:t>
             </a:r>
             <a:r>
               <a:rPr lang="zh-CN" altLang="zh-TW" dirty="0">
                 <a:latin typeface="Calibri" panose="020F0502020204030204" pitchFamily="34" charset="0"/>
                 <a:cs typeface="Times New Roman" panose="02020603050405020304" pitchFamily="18" charset="0"/>
               </a:rPr>
-              <a:t>位研究人员手动检查了语义相似性得分最高的前</a:t>
+              <a:t>，这项研究提供了对</a:t>
             </a:r>
             <a:r>
               <a:rPr lang="en-US" altLang="zh-TW" dirty="0" smtClean="0">
@@ -4652,81 +5495,14 @@
                 <a:ea typeface="宋体" panose="02010600030101010101" pitchFamily="2" charset="-122"/>
                 <a:cs typeface="Times New Roman" panose="02020603050405020304" pitchFamily="18" charset="0"/>
               </a:rPr>
-              <a:t> 1000 </a:t>
+              <a:t> DSM-5 </a:t>
             </a:r>
             <a:r>
               <a:rPr lang="zh-CN" altLang="zh-TW" dirty="0">
                 <a:latin typeface="Calibri" panose="020F0502020204030204" pitchFamily="34" charset="0"/>
                 <a:cs typeface="Times New Roman" panose="02020603050405020304" pitchFamily="18" charset="0"/>
               </a:rPr>
-              <a:t>对是否有其他匹配项，确定了</a:t>
-            </a:r>
-            <a:r>
-              <a:rPr lang="en-US" altLang="zh-TW" dirty="0" smtClean="0">
-                <a:effectLst/>
-                <a:latin typeface="Calibri" panose="020F0502020204030204" pitchFamily="34" charset="0"/>
-                <a:ea typeface="宋体" panose="02010600030101010101" pitchFamily="2" charset="-122"/>
-                <a:cs typeface="Times New Roman" panose="02020603050405020304" pitchFamily="18" charset="0"/>
-              </a:rPr>
-              <a:t> 26 </a:t>
-            </a:r>
-            <a:r>
-              <a:rPr lang="zh-CN" altLang="zh-TW" dirty="0">
-                <a:latin typeface="Calibri" panose="020F0502020204030204" pitchFamily="34" charset="0"/>
-                <a:cs typeface="Times New Roman" panose="02020603050405020304" pitchFamily="18" charset="0"/>
-              </a:rPr>
-              <a:t>个新的匹配症状对。</a:t>
-            </a:r>
-            <a:r>
-              <a:rPr lang="zh-CN" altLang="zh-TW" dirty="0" smtClean="0">
-                <a:effectLst/>
-                <a:ea typeface="Calibri" panose="020F0502020204030204" pitchFamily="34" charset="0"/>
-                <a:cs typeface="Times New Roman" panose="02020603050405020304" pitchFamily="18" charset="0"/>
-              </a:rPr>
-              <a:t> </a:t>
-            </a:r>
-            <a:endParaRPr lang="en-US" altLang="zh-CN" dirty="0" smtClean="0">
-              <a:effectLst/>
-              <a:ea typeface="Calibri" panose="020F0502020204030204" pitchFamily="34" charset="0"/>
-              <a:cs typeface="Times New Roman" panose="02020603050405020304" pitchFamily="18" charset="0"/>
-            </a:endParaRPr>
-          </a:p>
-          <a:p>
-            <a:endParaRPr lang="en-US" altLang="zh-CN" dirty="0">
-              <a:latin typeface="Calibri" panose="020F0502020204030204" pitchFamily="34" charset="0"/>
-              <a:cs typeface="Times New Roman" panose="02020603050405020304" pitchFamily="18" charset="0"/>
-            </a:endParaRPr>
-          </a:p>
-          <a:p>
-            <a:r>
-              <a:rPr lang="zh-CN" altLang="zh-TW" dirty="0" smtClean="0">
-                <a:latin typeface="Calibri" panose="020F0502020204030204" pitchFamily="34" charset="0"/>
-                <a:cs typeface="Times New Roman" panose="02020603050405020304" pitchFamily="18" charset="0"/>
-              </a:rPr>
-              <a:t>在</a:t>
-            </a:r>
-            <a:r>
-              <a:rPr lang="zh-CN" altLang="zh-TW" dirty="0">
-                <a:latin typeface="Calibri" panose="020F0502020204030204" pitchFamily="34" charset="0"/>
-                <a:cs typeface="Times New Roman" panose="02020603050405020304" pitchFamily="18" charset="0"/>
-              </a:rPr>
-              <a:t>编码的两个阶段结束时，研究人员确定了</a:t>
-            </a:r>
-            <a:r>
-              <a:rPr lang="en-US" altLang="zh-TW" dirty="0" smtClean="0">
-                <a:effectLst/>
-                <a:latin typeface="Calibri" panose="020F0502020204030204" pitchFamily="34" charset="0"/>
-                <a:ea typeface="宋体" panose="02010600030101010101" pitchFamily="2" charset="-122"/>
-                <a:cs typeface="Times New Roman" panose="02020603050405020304" pitchFamily="18" charset="0"/>
-              </a:rPr>
-              <a:t> 3,096 </a:t>
-            </a:r>
-            <a:r>
-              <a:rPr lang="zh-CN" altLang="zh-TW" dirty="0">
-                <a:latin typeface="Calibri" panose="020F0502020204030204" pitchFamily="34" charset="0"/>
-                <a:cs typeface="Times New Roman" panose="02020603050405020304" pitchFamily="18" charset="0"/>
-              </a:rPr>
-              <a:t>个匹配的症状对。</a:t>
+              <a:t>诊断标准的结构和组织的见解。</a:t>
             </a:r>
             <a:endParaRPr lang="zh-TW" altLang="en-US" dirty="0"/>
           </a:p>
@@ -4735,7 +5511,7 @@
     </p:spTree>
     <p:extLst>
       <p:ext uri="{BB962C8B-B14F-4D97-AF65-F5344CB8AC3E}">
-        <p14:creationId xmlns:p14="http://schemas.microsoft.com/office/powerpoint/2010/main" val="2773035995"/>
+        <p14:creationId xmlns:p14="http://schemas.microsoft.com/office/powerpoint/2010/main" val="1987596642"/>
       </p:ext>
     </p:extLst>
   </p:cSld>
@@ -4764,14 +5540,61 @@
       </p:grpSpPr>
       <p:sp>
         <p:nvSpPr>
-          <p:cNvPr id="2" name="文本框 1"/>
+          <p:cNvPr id="2" name="矩形 1"/>
+          <p:cNvSpPr/>
+          <p:nvPr/>
+        </p:nvSpPr>
+        <p:spPr>
+          <a:xfrm>
+            <a:off x="3048000" y="2551837"/>
+            <a:ext cx="6096000" cy="2031325"/>
+          </a:xfrm>
+          <a:prstGeom prst="rect">
+            <a:avLst/>
+          </a:prstGeom>
+        </p:spPr>
+        <p:txBody>
+          <a:bodyPr>
+            <a:spAutoFit/>
+          </a:bodyPr>
+          <a:lstStyle/>
+          <a:p>
+            <a:r>
+              <a:rPr lang="zh-TW" altLang="en-US" dirty="0" smtClean="0"/>
+              <a:t>该研究确定了 202 项诊断和总共 1,419 种组成症状，并发现大多数不同的症状都是单一诊断所特有的。</a:t>
+            </a:r>
+            <a:endParaRPr lang="en-US" altLang="zh-TW" dirty="0" smtClean="0"/>
+          </a:p>
+          <a:p>
+            <a:endParaRPr lang="en-US" altLang="zh-TW" dirty="0"/>
+          </a:p>
+          <a:p>
+            <a:r>
+              <a:rPr lang="zh-TW" altLang="en-US" dirty="0" smtClean="0"/>
+              <a:t> 但是，某些章节在其他章节中重复出现的症状多于其他章节。 该研究还检查了哪些症状表现出</a:t>
+            </a:r>
+            <a:r>
+              <a:rPr lang="zh-TW" altLang="en-US" b="1" dirty="0" smtClean="0"/>
+              <a:t>最大的非特异性</a:t>
+            </a:r>
+            <a:r>
+              <a:rPr lang="zh-TW" altLang="en-US" dirty="0" smtClean="0"/>
+              <a:t>，并发现 DSM-5 中重复频率最高且跨越大多数章节的症状是重度抑郁症的症状。</a:t>
+            </a:r>
+            <a:endParaRPr lang="zh-TW" altLang="en-US" dirty="0"/>
+          </a:p>
+        </p:txBody>
+      </p:sp>
+      <p:sp>
+        <p:nvSpPr>
+          <p:cNvPr id="3" name="文本框 2"/>
           <p:cNvSpPr txBox="1"/>
           <p:nvPr/>
         </p:nvSpPr>
         <p:spPr>
           <a:xfrm>
-            <a:off x="394138" y="252248"/>
-            <a:ext cx="1308538" cy="369332"/>
+            <a:off x="3058510" y="5360276"/>
+            <a:ext cx="4950373" cy="369332"/>
           </a:xfrm>
           <a:prstGeom prst="rect">
             <a:avLst/>
@@ -4786,296 +5609,19 @@
           <a:p>
             <a:r>
               <a:rPr lang="zh-CN" altLang="en-US" dirty="0" smtClean="0"/>
-              <a:t>结果</a:t>
-            </a:r>
-            <a:endParaRPr lang="zh-TW" altLang="en-US" dirty="0"/>
-          </a:p>
-        </p:txBody>
-      </p:sp>
-      <p:sp>
-        <p:nvSpPr>
-          <p:cNvPr id="3" name="矩形 2"/>
-          <p:cNvSpPr/>
-          <p:nvPr/>
-        </p:nvSpPr>
-        <p:spPr>
-          <a:xfrm>
-            <a:off x="333703" y="1058689"/>
-            <a:ext cx="11524593" cy="3416320"/>
-          </a:xfrm>
-          <a:prstGeom prst="rect">
-            <a:avLst/>
-          </a:prstGeom>
-        </p:spPr>
-        <p:txBody>
-          <a:bodyPr wrap="square">
-            <a:spAutoFit/>
-          </a:bodyPr>
-          <a:lstStyle/>
-          <a:p>
-            <a:r>
-              <a:rPr lang="zh-CN" altLang="en-US" dirty="0" smtClean="0"/>
-              <a:t>在研究中，作者们对</a:t>
+              <a:t>表</a:t>
             </a:r>
             <a:r>
               <a:rPr lang="en-US" altLang="zh-CN" dirty="0" smtClean="0"/>
-              <a:t>202</a:t>
-            </a:r>
-            <a:r>
-              <a:rPr lang="zh-CN" altLang="en-US" dirty="0" smtClean="0"/>
-              <a:t>个诊断进行了分析，</a:t>
-            </a:r>
-            <a:endParaRPr lang="en-US" altLang="zh-CN" dirty="0" smtClean="0"/>
-          </a:p>
-          <a:p>
-            <a:r>
-              <a:rPr lang="zh-CN" altLang="en-US" dirty="0" smtClean="0"/>
-              <a:t>其中包括</a:t>
-            </a:r>
-            <a:r>
-              <a:rPr lang="en-US" altLang="zh-CN" dirty="0" smtClean="0"/>
-              <a:t>135</a:t>
-            </a:r>
-            <a:r>
-              <a:rPr lang="zh-CN" altLang="en-US" dirty="0" smtClean="0"/>
-              <a:t>个主要障碍和</a:t>
-            </a:r>
-            <a:r>
-              <a:rPr lang="en-US" altLang="zh-CN" dirty="0" smtClean="0"/>
-              <a:t>763</a:t>
-            </a:r>
-            <a:r>
-              <a:rPr lang="zh-CN" altLang="en-US" dirty="0" smtClean="0"/>
-              <a:t>个带有附加症状的特定障碍或其他指定障碍。</a:t>
-            </a:r>
-            <a:endParaRPr lang="en-US" altLang="zh-CN" dirty="0" smtClean="0"/>
-          </a:p>
-          <a:p>
-            <a:endParaRPr lang="en-US" altLang="zh-CN" dirty="0"/>
-          </a:p>
-          <a:p>
-            <a:r>
-              <a:rPr lang="zh-CN" altLang="en-US" dirty="0" smtClean="0"/>
-              <a:t>他们鉴定了总共</a:t>
-            </a:r>
-            <a:r>
-              <a:rPr lang="en-US" altLang="zh-CN" dirty="0" smtClean="0"/>
-              <a:t>1419</a:t>
-            </a:r>
-            <a:r>
-              <a:rPr lang="zh-CN" altLang="en-US" dirty="0" smtClean="0"/>
-              <a:t>个组成症状，</a:t>
-            </a:r>
-            <a:endParaRPr lang="en-US" altLang="zh-CN" dirty="0" smtClean="0"/>
-          </a:p>
-          <a:p>
-            <a:endParaRPr lang="en-US" altLang="zh-CN" dirty="0"/>
-          </a:p>
-          <a:p>
-            <a:r>
-              <a:rPr lang="zh-CN" altLang="en-US" dirty="0" smtClean="0"/>
-              <a:t>并使用定性和计算机内容重叠分析，确定了</a:t>
-            </a:r>
-            <a:r>
-              <a:rPr lang="en-US" altLang="zh-CN" dirty="0" smtClean="0"/>
-              <a:t>628</a:t>
-            </a:r>
-            <a:r>
-              <a:rPr lang="zh-CN" altLang="en-US" dirty="0" smtClean="0"/>
-              <a:t>个不同的症状。</a:t>
-            </a:r>
-            <a:endParaRPr lang="en-US" altLang="zh-CN" dirty="0" smtClean="0"/>
-          </a:p>
-          <a:p>
-            <a:r>
-              <a:rPr lang="en-US" altLang="zh-CN" dirty="0"/>
-              <a:t>	</a:t>
-            </a:r>
-            <a:r>
-              <a:rPr lang="zh-CN" altLang="en-US" dirty="0" smtClean="0"/>
-              <a:t>在这些不同的症状中，</a:t>
-            </a:r>
-            <a:r>
-              <a:rPr lang="en-US" altLang="zh-CN" dirty="0" smtClean="0"/>
-              <a:t>63.2%</a:t>
-            </a:r>
-            <a:r>
-              <a:rPr lang="zh-CN" altLang="en-US" dirty="0" smtClean="0"/>
-              <a:t>（</a:t>
-            </a:r>
-            <a:r>
-              <a:rPr lang="en-US" altLang="zh-CN" dirty="0" smtClean="0"/>
-              <a:t>397</a:t>
-            </a:r>
-            <a:r>
-              <a:rPr lang="zh-CN" altLang="en-US" dirty="0" smtClean="0"/>
-              <a:t>个）仅在一个诊断中出现。</a:t>
-            </a:r>
-            <a:endParaRPr lang="en-US" altLang="zh-CN" dirty="0" smtClean="0"/>
-          </a:p>
-          <a:p>
-            <a:r>
-              <a:rPr lang="en-US" altLang="zh-CN" dirty="0"/>
-              <a:t>	</a:t>
-            </a:r>
-            <a:r>
-              <a:rPr lang="en-US" altLang="zh-CN" dirty="0" smtClean="0"/>
-              <a:t>231</a:t>
-            </a:r>
-            <a:r>
-              <a:rPr lang="zh-CN" altLang="en-US" dirty="0" smtClean="0"/>
-              <a:t>个非唯一症状则在平均</a:t>
-            </a:r>
-            <a:r>
-              <a:rPr lang="en-US" altLang="zh-CN" dirty="0" smtClean="0"/>
-              <a:t>4.4</a:t>
-            </a:r>
-            <a:r>
-              <a:rPr lang="zh-CN" altLang="en-US" dirty="0" smtClean="0"/>
-              <a:t>次（标准偏差</a:t>
-            </a:r>
-            <a:r>
-              <a:rPr lang="en-US" altLang="zh-CN" dirty="0" smtClean="0"/>
-              <a:t>= 3.4</a:t>
-            </a:r>
-            <a:r>
-              <a:rPr lang="zh-CN" altLang="en-US" dirty="0" smtClean="0"/>
-              <a:t>，中位数</a:t>
-            </a:r>
-            <a:r>
-              <a:rPr lang="en-US" altLang="zh-CN" dirty="0" smtClean="0"/>
-              <a:t>= 3</a:t>
-            </a:r>
-            <a:r>
-              <a:rPr lang="zh-CN" altLang="en-US" dirty="0" smtClean="0"/>
-              <a:t>，范围</a:t>
-            </a:r>
-            <a:r>
-              <a:rPr lang="en-US" altLang="zh-CN" dirty="0" smtClean="0"/>
-              <a:t>= 2-22</a:t>
-            </a:r>
-            <a:r>
-              <a:rPr lang="zh-CN" altLang="en-US" dirty="0" smtClean="0"/>
-              <a:t>）出现，总计</a:t>
-            </a:r>
-            <a:r>
-              <a:rPr lang="en-US" altLang="zh-CN" dirty="0" smtClean="0"/>
-              <a:t>1022</a:t>
-            </a:r>
-            <a:r>
-              <a:rPr lang="zh-CN" altLang="en-US" dirty="0" smtClean="0"/>
-              <a:t>次，并占所有诊断标准中列出的症状的</a:t>
-            </a:r>
-            <a:r>
-              <a:rPr lang="en-US" altLang="zh-CN" dirty="0" smtClean="0"/>
-              <a:t>72.0</a:t>
-            </a:r>
-            <a:r>
-              <a:rPr lang="zh-CN" altLang="en-US" dirty="0" smtClean="0"/>
-              <a:t>％。</a:t>
-            </a:r>
-            <a:endParaRPr lang="en-US" altLang="zh-CN" dirty="0" smtClean="0"/>
-          </a:p>
-          <a:p>
-            <a:r>
-              <a:rPr lang="en-US" altLang="zh-CN" dirty="0"/>
-              <a:t>	</a:t>
-            </a:r>
-            <a:r>
-              <a:rPr lang="zh-CN" altLang="en-US" dirty="0" smtClean="0"/>
-              <a:t>其中有</a:t>
-            </a:r>
-            <a:r>
-              <a:rPr lang="en-US" altLang="zh-CN" dirty="0" smtClean="0"/>
-              <a:t>163</a:t>
-            </a:r>
-            <a:r>
-              <a:rPr lang="zh-CN" altLang="en-US" dirty="0" smtClean="0"/>
-              <a:t>个（</a:t>
-            </a:r>
-            <a:r>
-              <a:rPr lang="en-US" altLang="zh-CN" dirty="0" smtClean="0"/>
-              <a:t>70.6</a:t>
-            </a:r>
-            <a:r>
-              <a:rPr lang="zh-CN" altLang="en-US" dirty="0" smtClean="0"/>
-              <a:t>％）在同一章节内重复，</a:t>
-            </a:r>
-            <a:endParaRPr lang="en-US" altLang="zh-CN" dirty="0" smtClean="0"/>
-          </a:p>
-          <a:p>
-            <a:r>
-              <a:rPr lang="en-US" altLang="zh-CN" dirty="0"/>
-              <a:t>	</a:t>
-            </a:r>
-            <a:r>
-              <a:rPr lang="en-US" altLang="zh-CN" dirty="0" smtClean="0"/>
-              <a:t>155</a:t>
-            </a:r>
-            <a:r>
-              <a:rPr lang="zh-CN" altLang="en-US" dirty="0" smtClean="0"/>
-              <a:t>个（</a:t>
-            </a:r>
-            <a:r>
-              <a:rPr lang="en-US" altLang="zh-CN" dirty="0" smtClean="0"/>
-              <a:t>67.1</a:t>
-            </a:r>
-            <a:r>
-              <a:rPr lang="zh-CN" altLang="en-US" dirty="0" smtClean="0"/>
-              <a:t>％）在多个章节之间重复，</a:t>
-            </a:r>
-            <a:r>
-              <a:rPr lang="en-US" altLang="zh-CN" dirty="0" smtClean="0"/>
-              <a:t>87</a:t>
-            </a:r>
-            <a:r>
-              <a:rPr lang="zh-CN" altLang="en-US" dirty="0" smtClean="0"/>
-              <a:t>个（</a:t>
-            </a:r>
-            <a:r>
-              <a:rPr lang="en-US" altLang="zh-CN" dirty="0" smtClean="0"/>
-              <a:t>37.7</a:t>
-            </a:r>
-            <a:r>
-              <a:rPr lang="zh-CN" altLang="en-US" dirty="0" smtClean="0"/>
-              <a:t>％）同时在章节内和章节之间重复。</a:t>
-            </a:r>
-            <a:endParaRPr lang="en-US" altLang="zh-CN" dirty="0" smtClean="0"/>
-          </a:p>
-          <a:p>
-            <a:endParaRPr lang="en-US" altLang="zh-CN" dirty="0"/>
-          </a:p>
-        </p:txBody>
-      </p:sp>
-      <p:sp>
-        <p:nvSpPr>
-          <p:cNvPr id="4" name="文本框 3"/>
-          <p:cNvSpPr txBox="1"/>
-          <p:nvPr/>
-        </p:nvSpPr>
-        <p:spPr>
-          <a:xfrm>
-            <a:off x="5638800" y="4912118"/>
-            <a:ext cx="914400" cy="369332"/>
-          </a:xfrm>
-          <a:prstGeom prst="rect">
-            <a:avLst/>
-          </a:prstGeom>
-          <a:noFill/>
-        </p:spPr>
-        <p:txBody>
-          <a:bodyPr wrap="square" rtlCol="0">
-            <a:spAutoFit/>
-          </a:bodyPr>
-          <a:lstStyle/>
-          <a:p>
+              <a:t>2 </a:t>
+            </a:r>
             <a:r>
               <a:rPr lang="zh-CN" altLang="en-US" dirty="0" smtClean="0"/>
               <a:t>图</a:t>
             </a:r>
             <a:r>
               <a:rPr lang="en-US" altLang="zh-CN" dirty="0" smtClean="0"/>
-              <a:t>1</a:t>
+              <a:t>3</a:t>
             </a:r>
             <a:endParaRPr lang="zh-TW" altLang="en-US" dirty="0"/>
           </a:p>
@@ -5084,7 +5630,7 @@
     </p:spTree>
     <p:extLst>
       <p:ext uri="{BB962C8B-B14F-4D97-AF65-F5344CB8AC3E}">
-        <p14:creationId xmlns:p14="http://schemas.microsoft.com/office/powerpoint/2010/main" val="2938997783"/>
+        <p14:creationId xmlns:p14="http://schemas.microsoft.com/office/powerpoint/2010/main" val="990406258"/>
       </p:ext>
     </p:extLst>
   </p:cSld>
@@ -5113,102 +5659,14 @@
       </p:grpSpPr>
       <p:sp>
         <p:nvSpPr>
-          <p:cNvPr id="4" name="矩形 3"/>
-          <p:cNvSpPr/>
+          <p:cNvPr id="2" name="文本框 1"/>
+          <p:cNvSpPr txBox="1"/>
           <p:nvPr/>
         </p:nvSpPr>
         <p:spPr>
           <a:xfrm>
-            <a:off x="1234965" y="735413"/>
-            <a:ext cx="9722069" cy="1754326"/>
-          </a:xfrm>
-          <a:prstGeom prst="rect">
-            <a:avLst/>
-          </a:prstGeom>
-        </p:spPr>
-        <p:txBody>
-          <a:bodyPr wrap="square">
-            <a:spAutoFit/>
-          </a:bodyPr>
-          <a:lstStyle/>
-          <a:p>
-            <a:r>
-              <a:rPr lang="zh-CN" altLang="en-US" dirty="0" smtClean="0"/>
-              <a:t>图 </a:t>
-            </a:r>
-            <a:r>
-              <a:rPr lang="en-US" altLang="zh-CN" dirty="0" smtClean="0"/>
-              <a:t>2 </a:t>
-            </a:r>
-            <a:r>
-              <a:rPr lang="zh-CN" altLang="en-US" dirty="0" smtClean="0"/>
-              <a:t>说明了 </a:t>
-            </a:r>
-            <a:r>
-              <a:rPr lang="en-US" altLang="zh-CN" dirty="0" smtClean="0"/>
-              <a:t>DSM-5 </a:t>
-            </a:r>
-            <a:r>
-              <a:rPr lang="zh-CN" altLang="en-US" dirty="0" smtClean="0"/>
-              <a:t>中章节内和章节间症状重叠的模式。</a:t>
-            </a:r>
-            <a:endParaRPr lang="en-US" altLang="zh-CN" dirty="0" smtClean="0"/>
-          </a:p>
-          <a:p>
-            <a:r>
-              <a:rPr lang="zh-CN" altLang="en-US" dirty="0" smtClean="0"/>
-              <a:t> 它显示了不同诊断之间共有多少症状，以及哪些诊断具有最重叠的症状。</a:t>
-            </a:r>
-            <a:endParaRPr lang="en-US" altLang="zh-CN" dirty="0" smtClean="0"/>
-          </a:p>
-          <a:p>
-            <a:endParaRPr lang="en-US" altLang="zh-CN" dirty="0"/>
-          </a:p>
-          <a:p>
-            <a:r>
-              <a:rPr lang="zh-CN" altLang="en-US" dirty="0" smtClean="0"/>
-              <a:t> 该图分为 </a:t>
-            </a:r>
-            <a:r>
-              <a:rPr lang="en-US" altLang="zh-CN" dirty="0" smtClean="0"/>
-              <a:t>DSM-5 </a:t>
-            </a:r>
-            <a:r>
-              <a:rPr lang="zh-CN" altLang="en-US" dirty="0" smtClean="0"/>
-              <a:t>每一章的部分，各个面板显示每一章的症状和诊断标签。 </a:t>
-            </a:r>
-            <a:endParaRPr lang="en-US" altLang="zh-CN" dirty="0" smtClean="0"/>
-          </a:p>
-          <a:p>
-            <a:endParaRPr lang="en-US" altLang="zh-CN" dirty="0"/>
-          </a:p>
-          <a:p>
-            <a:r>
-              <a:rPr lang="zh-CN" altLang="en-US" dirty="0" smtClean="0"/>
-              <a:t>表 </a:t>
-            </a:r>
-            <a:r>
-              <a:rPr lang="en-US" altLang="zh-CN" dirty="0" smtClean="0"/>
-              <a:t>1 </a:t>
-            </a:r>
-            <a:r>
-              <a:rPr lang="zh-CN" altLang="en-US" dirty="0" smtClean="0"/>
-              <a:t>描述了每章中诊断和症状级别的一些重复模式。</a:t>
-            </a:r>
-            <a:endParaRPr lang="zh-TW" altLang="en-US" dirty="0"/>
-          </a:p>
-        </p:txBody>
-      </p:sp>
-      <p:sp>
-        <p:nvSpPr>
-          <p:cNvPr id="5" name="文本框 4"/>
-          <p:cNvSpPr txBox="1"/>
-          <p:nvPr/>
-        </p:nvSpPr>
-        <p:spPr>
-          <a:xfrm>
-            <a:off x="4645571" y="2743200"/>
-            <a:ext cx="1450428" cy="369332"/>
+            <a:off x="157655" y="173421"/>
+            <a:ext cx="2107324" cy="369332"/>
           </a:xfrm>
           <a:prstGeom prst="rect">
             <a:avLst/>
@@ -5223,11 +5681,7 @@
           <a:p>
             <a:r>
               <a:rPr lang="zh-CN" altLang="en-US" dirty="0" smtClean="0"/>
-              <a:t>图</a:t>
-            </a:r>
-            <a:r>
-              <a:rPr lang="en-US" altLang="zh-CN" dirty="0" smtClean="0"/>
-              <a:t>2</a:t>
+              <a:t>讨论</a:t>
             </a:r>
             <a:endParaRPr lang="zh-TW" altLang="en-US" dirty="0"/>
           </a:p>
@@ -5235,14 +5689,14 @@
       </p:sp>
       <p:sp>
         <p:nvSpPr>
-          <p:cNvPr id="6" name="矩形 5"/>
+          <p:cNvPr id="3" name="矩形 2"/>
           <p:cNvSpPr/>
           <p:nvPr/>
         </p:nvSpPr>
         <p:spPr>
           <a:xfrm>
-            <a:off x="872358" y="3819859"/>
-            <a:ext cx="10526111" cy="2308324"/>
+            <a:off x="1211316" y="1397675"/>
+            <a:ext cx="9761483" cy="2308324"/>
           </a:xfrm>
           <a:prstGeom prst="rect">
             <a:avLst/>
@@ -5254,76 +5708,155 @@
           </a:bodyPr>
           <a:lstStyle/>
           <a:p>
-            <a:r>
-              <a:rPr lang="zh-TW" altLang="en-US" dirty="0" smtClean="0"/>
-              <a:t>总体而言，图表显示 DSM-5 中不同诊断之间的症状重复程度很高，</a:t>
-            </a:r>
-            <a:endParaRPr lang="en-US" altLang="zh-TW" dirty="0" smtClean="0"/>
-          </a:p>
-          <a:p>
-            <a:endParaRPr lang="en-US" altLang="zh-TW" dirty="0"/>
-          </a:p>
-          <a:p>
-            <a:r>
-              <a:rPr lang="zh-TW" altLang="en-US" dirty="0" smtClean="0"/>
-              <a:t>202 例诊断中有 140 例 (69.3%) 至少有一种症状在另一诊断中重复出现。 </a:t>
-            </a:r>
-            <a:endParaRPr lang="en-US" altLang="zh-TW" dirty="0" smtClean="0"/>
-          </a:p>
-          <a:p>
-            <a:r>
-              <a:rPr lang="zh-TW" altLang="en-US" dirty="0" smtClean="0"/>
-              <a:t>此外，118 个诊断 (58.4%) 在另一章的诊断中至少有一个症状重复。</a:t>
-            </a:r>
-            <a:endParaRPr lang="en-US" altLang="zh-TW" dirty="0" smtClean="0"/>
-          </a:p>
-          <a:p>
-            <a:r>
-              <a:rPr lang="zh-TW" altLang="en-US" dirty="0" smtClean="0"/>
-              <a:t> 此外，75 个诊断 (37.1%) 的每个症状至少在另一个诊断中重复，</a:t>
-            </a:r>
-            <a:endParaRPr lang="en-US" altLang="zh-TW" dirty="0" smtClean="0"/>
-          </a:p>
-          <a:p>
-            <a:r>
-              <a:rPr lang="zh-TW" altLang="en-US" dirty="0" smtClean="0"/>
-              <a:t>47 个 (23.3%) 的每个症状在其他章节中重复。 </a:t>
-            </a:r>
-            <a:endParaRPr lang="en-US" altLang="zh-TW" dirty="0" smtClean="0"/>
-          </a:p>
-          <a:p>
-            <a:r>
-              <a:rPr lang="zh-TW" altLang="en-US" dirty="0" smtClean="0"/>
-              <a:t>另一方面，62 例诊断 (30.7%) 没有症状重叠，这意味着相应的症状在 DSM-5 中仅列出一次。 </a:t>
-            </a:r>
-            <a:endParaRPr lang="en-US" altLang="zh-TW" dirty="0" smtClean="0"/>
-          </a:p>
-          <a:p>
-            <a:r>
-              <a:rPr lang="zh-TW" altLang="en-US" dirty="0" smtClean="0"/>
-              <a:t>值得注意的是，其中 35 项诊断仅包括一种症状。</a:t>
-            </a:r>
-            <a:endParaRPr lang="zh-TW" altLang="en-US" dirty="0"/>
+            <a:pPr>
+              <a:spcAft>
+                <a:spcPts val="0"/>
+              </a:spcAft>
+            </a:pPr>
+            <a:r>
+              <a:rPr lang="zh-CN" altLang="zh-TW" kern="100" dirty="0">
+                <a:latin typeface="Calibri" panose="020F0502020204030204" pitchFamily="34" charset="0"/>
+                <a:cs typeface="Times New Roman" panose="02020603050405020304" pitchFamily="18" charset="0"/>
+              </a:rPr>
+              <a:t>抑郁症章节中症状的高水平重复可能反映了诊断和理解抑郁症状的复杂性</a:t>
+            </a:r>
+            <a:r>
+              <a:rPr lang="zh-CN" altLang="zh-TW" kern="100" dirty="0" smtClean="0">
+                <a:latin typeface="Calibri" panose="020F0502020204030204" pitchFamily="34" charset="0"/>
+                <a:cs typeface="Times New Roman" panose="02020603050405020304" pitchFamily="18" charset="0"/>
+              </a:rPr>
+              <a:t>。</a:t>
+            </a:r>
+            <a:endParaRPr lang="en-US" altLang="zh-CN" kern="100" dirty="0" smtClean="0">
+              <a:latin typeface="Calibri" panose="020F0502020204030204" pitchFamily="34" charset="0"/>
+              <a:cs typeface="Times New Roman" panose="02020603050405020304" pitchFamily="18" charset="0"/>
+            </a:endParaRPr>
+          </a:p>
+          <a:p>
+            <a:pPr>
+              <a:spcAft>
+                <a:spcPts val="0"/>
+              </a:spcAft>
+            </a:pPr>
+            <a:r>
+              <a:rPr lang="en-US" altLang="zh-CN" kern="100" dirty="0">
+                <a:latin typeface="Calibri" panose="020F0502020204030204" pitchFamily="34" charset="0"/>
+                <a:cs typeface="Times New Roman" panose="02020603050405020304" pitchFamily="18" charset="0"/>
+              </a:rPr>
+              <a:t>	</a:t>
+            </a:r>
+            <a:r>
+              <a:rPr lang="zh-CN" altLang="zh-TW" kern="100" dirty="0" smtClean="0">
+                <a:latin typeface="Calibri" panose="020F0502020204030204" pitchFamily="34" charset="0"/>
+                <a:cs typeface="Times New Roman" panose="02020603050405020304" pitchFamily="18" charset="0"/>
+              </a:rPr>
+              <a:t> </a:t>
+            </a:r>
+            <a:r>
+              <a:rPr lang="zh-CN" altLang="zh-TW" kern="100" dirty="0">
+                <a:latin typeface="Calibri" panose="020F0502020204030204" pitchFamily="34" charset="0"/>
+                <a:cs typeface="Times New Roman" panose="02020603050405020304" pitchFamily="18" charset="0"/>
+              </a:rPr>
+              <a:t>例如，重度抑郁症和持续性抑郁症（心境恶劣）之间的区别是基于症状的持续时间和持久性，而不是独特的症状。 </a:t>
+            </a:r>
+            <a:endParaRPr lang="en-US" altLang="zh-CN" kern="100" dirty="0" smtClean="0">
+              <a:latin typeface="Calibri" panose="020F0502020204030204" pitchFamily="34" charset="0"/>
+              <a:cs typeface="Times New Roman" panose="02020603050405020304" pitchFamily="18" charset="0"/>
+            </a:endParaRPr>
+          </a:p>
+          <a:p>
+            <a:pPr>
+              <a:spcAft>
+                <a:spcPts val="0"/>
+              </a:spcAft>
+            </a:pPr>
+            <a:endParaRPr lang="en-US" altLang="zh-CN" kern="100" dirty="0">
+              <a:latin typeface="Calibri" panose="020F0502020204030204" pitchFamily="34" charset="0"/>
+              <a:cs typeface="Times New Roman" panose="02020603050405020304" pitchFamily="18" charset="0"/>
+            </a:endParaRPr>
+          </a:p>
+          <a:p>
+            <a:pPr>
+              <a:spcAft>
+                <a:spcPts val="0"/>
+              </a:spcAft>
+            </a:pPr>
+            <a:r>
+              <a:rPr lang="zh-CN" altLang="zh-TW" kern="100" dirty="0" smtClean="0">
+                <a:latin typeface="Calibri" panose="020F0502020204030204" pitchFamily="34" charset="0"/>
+                <a:cs typeface="Times New Roman" panose="02020603050405020304" pitchFamily="18" charset="0"/>
+              </a:rPr>
+              <a:t>此外</a:t>
+            </a:r>
+            <a:r>
+              <a:rPr lang="zh-CN" altLang="zh-TW" kern="100" dirty="0">
+                <a:latin typeface="Calibri" panose="020F0502020204030204" pitchFamily="34" charset="0"/>
+                <a:cs typeface="Times New Roman" panose="02020603050405020304" pitchFamily="18" charset="0"/>
+              </a:rPr>
+              <a:t>，抑郁症状与其他疾病的症状之间可能存在显着重叠，例如焦虑症、躯体症状和相关疾病以及神经认知障碍</a:t>
+            </a:r>
+            <a:r>
+              <a:rPr lang="zh-CN" altLang="zh-TW" kern="100" dirty="0" smtClean="0">
+                <a:latin typeface="Calibri" panose="020F0502020204030204" pitchFamily="34" charset="0"/>
+                <a:cs typeface="Times New Roman" panose="02020603050405020304" pitchFamily="18" charset="0"/>
+              </a:rPr>
+              <a:t>。</a:t>
+            </a:r>
+            <a:endParaRPr lang="en-US" altLang="zh-CN" kern="100" dirty="0" smtClean="0">
+              <a:latin typeface="Calibri" panose="020F0502020204030204" pitchFamily="34" charset="0"/>
+              <a:cs typeface="Times New Roman" panose="02020603050405020304" pitchFamily="18" charset="0"/>
+            </a:endParaRPr>
+          </a:p>
+          <a:p>
+            <a:pPr>
+              <a:spcAft>
+                <a:spcPts val="0"/>
+              </a:spcAft>
+            </a:pPr>
+            <a:endParaRPr lang="en-US" altLang="zh-CN" kern="100" dirty="0">
+              <a:latin typeface="Calibri" panose="020F0502020204030204" pitchFamily="34" charset="0"/>
+              <a:cs typeface="Times New Roman" panose="02020603050405020304" pitchFamily="18" charset="0"/>
+            </a:endParaRPr>
+          </a:p>
+          <a:p>
+            <a:pPr>
+              <a:spcAft>
+                <a:spcPts val="0"/>
+              </a:spcAft>
+            </a:pPr>
+            <a:r>
+              <a:rPr lang="zh-CN" altLang="zh-TW" kern="100" dirty="0" smtClean="0">
+                <a:latin typeface="Calibri" panose="020F0502020204030204" pitchFamily="34" charset="0"/>
+                <a:cs typeface="Times New Roman" panose="02020603050405020304" pitchFamily="18" charset="0"/>
+              </a:rPr>
+              <a:t> </a:t>
+            </a:r>
+            <a:r>
+              <a:rPr lang="zh-CN" altLang="zh-TW" kern="100" dirty="0">
+                <a:latin typeface="Calibri" panose="020F0502020204030204" pitchFamily="34" charset="0"/>
+                <a:cs typeface="Times New Roman" panose="02020603050405020304" pitchFamily="18" charset="0"/>
+              </a:rPr>
+              <a:t>因此，抑郁症章节中症状的高水平重复可能反映了准确诊断和治疗抑郁症的挑战。</a:t>
+            </a:r>
+            <a:endParaRPr lang="zh-TW" altLang="zh-TW" kern="100" dirty="0">
+              <a:effectLst/>
+              <a:latin typeface="Calibri" panose="020F0502020204030204" pitchFamily="34" charset="0"/>
+              <a:ea typeface="PMingLiU" panose="02020500000000000000" pitchFamily="18" charset="-120"/>
+              <a:cs typeface="Times New Roman" panose="02020603050405020304" pitchFamily="18" charset="0"/>
+            </a:endParaRPr>
           </a:p>
         </p:txBody>
       </p:sp>
     </p:spTree>
     <p:extLst>
       <p:ext uri="{BB962C8B-B14F-4D97-AF65-F5344CB8AC3E}">
-        <p14:creationId xmlns:p14="http://schemas.microsoft.com/office/powerpoint/2010/main" val="4107622837"/>
+        <p14:creationId xmlns:p14="http://schemas.microsoft.com/office/powerpoint/2010/main" val="880999260"/>
       </p:ext>
     </p:extLst>
   </p:cSld>
   <p:clrMapOvr>
     <a:masterClrMapping/>
   </p:clrMapOvr>
-  <p:timing>
-    <p:tnLst>
-      <p:par>
-        <p:cTn id="1" dur="indefinite" restart="never" nodeType="tmRoot"/>
-      </p:par>
-    </p:tnLst>
-  </p:timing>
 </p:sld>
 </file>
 
@@ -5352,8 +5885,8 @@
         </p:nvSpPr>
         <p:spPr>
           <a:xfrm>
-            <a:off x="1061545" y="1987669"/>
-            <a:ext cx="8586952" cy="2585323"/>
+            <a:off x="1140372" y="896457"/>
+            <a:ext cx="9911255" cy="2308324"/>
           </a:xfrm>
           <a:prstGeom prst="rect">
             <a:avLst/>
@@ -5366,44 +5899,18 @@
           <a:lstStyle/>
           <a:p>
             <a:r>
-              <a:rPr lang="en-US" altLang="zh-TW" dirty="0" smtClean="0">
-                <a:effectLst/>
-                <a:latin typeface="Calibri" panose="020F0502020204030204" pitchFamily="34" charset="0"/>
-                <a:ea typeface="宋体" panose="02010600030101010101" pitchFamily="2" charset="-122"/>
-                <a:cs typeface="Times New Roman" panose="02020603050405020304" pitchFamily="18" charset="0"/>
-              </a:rPr>
-              <a:t> DSM-5 </a:t>
-            </a:r>
-            <a:r>
               <a:rPr lang="zh-CN" altLang="zh-TW" dirty="0">
                 <a:latin typeface="Calibri" panose="020F0502020204030204" pitchFamily="34" charset="0"/>
                 <a:cs typeface="Times New Roman" panose="02020603050405020304" pitchFamily="18" charset="0"/>
               </a:rPr>
-              <a:t>中</a:t>
-            </a:r>
-            <a:r>
-              <a:rPr lang="en-US" altLang="zh-TW" dirty="0" smtClean="0">
-                <a:effectLst/>
+              <a:t>重复通常是有意的</a:t>
+            </a:r>
+            <a:r>
+              <a:rPr lang="zh-CN" altLang="zh-TW" dirty="0" smtClean="0">
                 <a:latin typeface="Calibri" panose="020F0502020204030204" pitchFamily="34" charset="0"/>
-                <a:ea typeface="宋体" panose="02010600030101010101" pitchFamily="2" charset="-122"/>
-                <a:cs typeface="Times New Roman" panose="02020603050405020304" pitchFamily="18" charset="0"/>
-              </a:rPr>
-              <a:t> 202 </a:t>
-            </a:r>
-            <a:r>
-              <a:rPr lang="zh-CN" altLang="zh-TW" dirty="0">
-                <a:latin typeface="Calibri" panose="020F0502020204030204" pitchFamily="34" charset="0"/>
-                <a:cs typeface="Times New Roman" panose="02020603050405020304" pitchFamily="18" charset="0"/>
-              </a:rPr>
-              <a:t>种诊断的症状重叠和重复。</a:t>
-            </a:r>
-            <a:r>
-              <a:rPr lang="zh-CN" altLang="zh-TW" dirty="0" smtClean="0">
-                <a:effectLst/>
-                <a:ea typeface="Calibri" panose="020F0502020204030204" pitchFamily="34" charset="0"/>
-                <a:cs typeface="Times New Roman" panose="02020603050405020304" pitchFamily="18" charset="0"/>
-              </a:rPr>
-              <a:t> </a:t>
+                <a:cs typeface="Times New Roman" panose="02020603050405020304" pitchFamily="18" charset="0"/>
+              </a:rPr>
+              <a:t>，</a:t>
             </a:r>
             <a:endParaRPr lang="en-US" altLang="zh-CN" dirty="0" smtClean="0">
               <a:latin typeface="Calibri" panose="020F0502020204030204" pitchFamily="34" charset="0"/>
@@ -5412,25 +5919,32 @@
           </a:p>
           <a:p>
             <a:r>
+              <a:rPr lang="en-US" altLang="zh-CN" dirty="0">
+                <a:latin typeface="Calibri" panose="020F0502020204030204" pitchFamily="34" charset="0"/>
+                <a:cs typeface="Times New Roman" panose="02020603050405020304" pitchFamily="18" charset="0"/>
+              </a:rPr>
+              <a:t>	</a:t>
+            </a:r>
+            <a:r>
               <a:rPr lang="zh-CN" altLang="zh-TW" dirty="0" smtClean="0">
                 <a:latin typeface="Calibri" panose="020F0502020204030204" pitchFamily="34" charset="0"/>
                 <a:cs typeface="Times New Roman" panose="02020603050405020304" pitchFamily="18" charset="0"/>
               </a:rPr>
-              <a:t>虽然</a:t>
+              <a:t>反映</a:t>
             </a:r>
             <a:r>
               <a:rPr lang="zh-CN" altLang="zh-TW" dirty="0">
                 <a:latin typeface="Calibri" panose="020F0502020204030204" pitchFamily="34" charset="0"/>
                 <a:cs typeface="Times New Roman" panose="02020603050405020304" pitchFamily="18" charset="0"/>
               </a:rPr>
-              <a:t>重复很普遍，但大多数不同的症状都是单一诊断所独有的</a:t>
+              <a:t>了章节内疾病的共同特征</a:t>
             </a:r>
             <a:r>
               <a:rPr lang="zh-CN" altLang="zh-TW" dirty="0" smtClean="0">
                 <a:latin typeface="Calibri" panose="020F0502020204030204" pitchFamily="34" charset="0"/>
                 <a:cs typeface="Times New Roman" panose="02020603050405020304" pitchFamily="18" charset="0"/>
               </a:rPr>
-              <a:t>。</a:t>
+              <a:t>，</a:t>
             </a:r>
             <a:endParaRPr lang="en-US" altLang="zh-CN" dirty="0" smtClean="0">
               <a:latin typeface="Calibri" panose="020F0502020204030204" pitchFamily="34" charset="0"/>
@@ -5438,36 +5952,26 @@
             </a:endParaRPr>
           </a:p>
           <a:p>
-            <a:endParaRPr lang="en-US" altLang="zh-CN" dirty="0">
-              <a:effectLst/>
-              <a:latin typeface="Calibri" panose="020F0502020204030204" pitchFamily="34" charset="0"/>
-              <a:ea typeface="Calibri" panose="020F0502020204030204" pitchFamily="34" charset="0"/>
-              <a:cs typeface="Times New Roman" panose="02020603050405020304" pitchFamily="18" charset="0"/>
-            </a:endParaRPr>
-          </a:p>
-          <a:p>
-            <a:r>
-              <a:rPr lang="en-US" altLang="zh-CN" dirty="0" smtClean="0">
+            <a:r>
+              <a:rPr lang="en-US" altLang="zh-CN" dirty="0">
                 <a:latin typeface="Calibri" panose="020F0502020204030204" pitchFamily="34" charset="0"/>
-                <a:ea typeface="Calibri" panose="020F0502020204030204" pitchFamily="34" charset="0"/>
                 <a:cs typeface="Times New Roman" panose="02020603050405020304" pitchFamily="18" charset="0"/>
               </a:rPr>
               <a:t>	</a:t>
             </a:r>
             <a:r>
               <a:rPr lang="zh-CN" altLang="zh-TW" dirty="0" smtClean="0">
-                <a:effectLst/>
-                <a:ea typeface="Calibri" panose="020F0502020204030204" pitchFamily="34" charset="0"/>
-                <a:cs typeface="Times New Roman" panose="02020603050405020304" pitchFamily="18" charset="0"/>
-              </a:rPr>
-              <a:t> </a:t>
+                <a:latin typeface="Calibri" panose="020F0502020204030204" pitchFamily="34" charset="0"/>
+                <a:cs typeface="Times New Roman" panose="02020603050405020304" pitchFamily="18" charset="0"/>
+              </a:rPr>
+              <a:t>例如</a:t>
             </a:r>
             <a:r>
               <a:rPr lang="zh-CN" altLang="zh-TW" dirty="0">
                 <a:latin typeface="Calibri" panose="020F0502020204030204" pitchFamily="34" charset="0"/>
                 <a:cs typeface="Times New Roman" panose="02020603050405020304" pitchFamily="18" charset="0"/>
               </a:rPr>
-              <a:t>某些领域，例如双相情感障碍和相关障碍、创伤和压力源相关障碍以及神经认知障碍，在章节内和章节之间有更多的症状重复。</a:t>
+              <a:t>相似的核心症状或共同的潜在机制。</a:t>
             </a:r>
             <a:r>
               <a:rPr lang="zh-CN" altLang="zh-TW" dirty="0" smtClean="0">
@@ -5484,42 +5988,6 @@
             </a:endParaRPr>
           </a:p>
           <a:p>
-            <a:r>
-              <a:rPr lang="en-US" altLang="zh-CN" dirty="0">
-                <a:latin typeface="Calibri" panose="020F0502020204030204" pitchFamily="34" charset="0"/>
-                <a:cs typeface="Times New Roman" panose="02020603050405020304" pitchFamily="18" charset="0"/>
-              </a:rPr>
-              <a:t>	</a:t>
-            </a:r>
-            <a:r>
-              <a:rPr lang="zh-CN" altLang="zh-TW" dirty="0" smtClean="0">
-                <a:latin typeface="Calibri" panose="020F0502020204030204" pitchFamily="34" charset="0"/>
-                <a:cs typeface="Times New Roman" panose="02020603050405020304" pitchFamily="18" charset="0"/>
-              </a:rPr>
-              <a:t>相比之下</a:t>
-            </a:r>
-            <a:r>
-              <a:rPr lang="zh-CN" altLang="zh-TW" dirty="0">
-                <a:latin typeface="Calibri" panose="020F0502020204030204" pitchFamily="34" charset="0"/>
-                <a:cs typeface="Times New Roman" panose="02020603050405020304" pitchFamily="18" charset="0"/>
-              </a:rPr>
-              <a:t>，消除障碍、性别不安和性欲障碍等章节在其他诊断中几乎没有重复的症状。</a:t>
-            </a:r>
-            <a:r>
-              <a:rPr lang="zh-CN" altLang="zh-TW" dirty="0" smtClean="0">
-                <a:effectLst/>
-                <a:ea typeface="Calibri" panose="020F0502020204030204" pitchFamily="34" charset="0"/>
-                <a:cs typeface="Times New Roman" panose="02020603050405020304" pitchFamily="18" charset="0"/>
-              </a:rPr>
-              <a:t> </a:t>
-            </a:r>
-            <a:endParaRPr lang="en-US" altLang="zh-CN" dirty="0" smtClean="0">
-              <a:effectLst/>
-              <a:ea typeface="Calibri" panose="020F0502020204030204" pitchFamily="34" charset="0"/>
-              <a:cs typeface="Times New Roman" panose="02020603050405020304" pitchFamily="18" charset="0"/>
-            </a:endParaRPr>
-          </a:p>
-          <a:p>
             <a:endParaRPr lang="en-US" altLang="zh-CN" dirty="0">
               <a:latin typeface="Calibri" panose="020F0502020204030204" pitchFamily="34" charset="0"/>
               <a:cs typeface="Times New Roman" panose="02020603050405020304" pitchFamily="18" charset="0"/>
@@ -5531,14 +5999,85 @@
                 <a:latin typeface="Calibri" panose="020F0502020204030204" pitchFamily="34" charset="0"/>
                 <a:cs typeface="Times New Roman" panose="02020603050405020304" pitchFamily="18" charset="0"/>
               </a:rPr>
-              <a:t>总的来说</a:t>
+              <a:t>然而</a:t>
             </a:r>
             <a:r>
               <a:rPr lang="zh-CN" altLang="zh-TW" dirty="0">
                 <a:latin typeface="Calibri" panose="020F0502020204030204" pitchFamily="34" charset="0"/>
                 <a:cs typeface="Times New Roman" panose="02020603050405020304" pitchFamily="18" charset="0"/>
               </a:rPr>
-              <a:t>，这项研究提供了对</a:t>
+              <a:t>，各章中症状的大量重复表明</a:t>
+            </a:r>
+            <a:r>
+              <a:rPr lang="zh-CN" altLang="zh-TW" dirty="0" smtClean="0">
+                <a:latin typeface="Calibri" panose="020F0502020204030204" pitchFamily="34" charset="0"/>
+                <a:cs typeface="Times New Roman" panose="02020603050405020304" pitchFamily="18" charset="0"/>
+              </a:rPr>
+              <a:t>，</a:t>
+            </a:r>
+            <a:endParaRPr lang="en-US" altLang="zh-CN" dirty="0" smtClean="0">
+              <a:latin typeface="Calibri" panose="020F0502020204030204" pitchFamily="34" charset="0"/>
+              <a:cs typeface="Times New Roman" panose="02020603050405020304" pitchFamily="18" charset="0"/>
+            </a:endParaRPr>
+          </a:p>
+          <a:p>
+            <a:r>
+              <a:rPr lang="en-US" altLang="zh-CN" dirty="0">
+                <a:latin typeface="Calibri" panose="020F0502020204030204" pitchFamily="34" charset="0"/>
+                <a:cs typeface="Times New Roman" panose="02020603050405020304" pitchFamily="18" charset="0"/>
+              </a:rPr>
+              <a:t>	</a:t>
+            </a:r>
+            <a:r>
+              <a:rPr lang="zh-CN" altLang="zh-TW" dirty="0" smtClean="0">
+                <a:latin typeface="Calibri" panose="020F0502020204030204" pitchFamily="34" charset="0"/>
+                <a:cs typeface="Times New Roman" panose="02020603050405020304" pitchFamily="18" charset="0"/>
+              </a:rPr>
+              <a:t>不同</a:t>
+            </a:r>
+            <a:r>
+              <a:rPr lang="zh-CN" altLang="zh-TW" dirty="0">
+                <a:latin typeface="Calibri" panose="020F0502020204030204" pitchFamily="34" charset="0"/>
+                <a:cs typeface="Times New Roman" panose="02020603050405020304" pitchFamily="18" charset="0"/>
+              </a:rPr>
+              <a:t>类别的精神病理学之间可能存在一些重叠和缺乏明确的界限</a:t>
+            </a:r>
+            <a:r>
+              <a:rPr lang="zh-CN" altLang="zh-TW" dirty="0" smtClean="0">
+                <a:latin typeface="Calibri" panose="020F0502020204030204" pitchFamily="34" charset="0"/>
+                <a:cs typeface="Times New Roman" panose="02020603050405020304" pitchFamily="18" charset="0"/>
+              </a:rPr>
+              <a:t>。</a:t>
+            </a:r>
+            <a:endParaRPr lang="en-US" altLang="zh-CN" dirty="0" smtClean="0">
+              <a:latin typeface="Calibri" panose="020F0502020204030204" pitchFamily="34" charset="0"/>
+              <a:cs typeface="Times New Roman" panose="02020603050405020304" pitchFamily="18" charset="0"/>
+            </a:endParaRPr>
+          </a:p>
+          <a:p>
+            <a:r>
+              <a:rPr lang="en-US" altLang="zh-CN" dirty="0">
+                <a:effectLst/>
+                <a:latin typeface="Calibri" panose="020F0502020204030204" pitchFamily="34" charset="0"/>
+                <a:ea typeface="Calibri" panose="020F0502020204030204" pitchFamily="34" charset="0"/>
+                <a:cs typeface="Times New Roman" panose="02020603050405020304" pitchFamily="18" charset="0"/>
+              </a:rPr>
+              <a:t>	</a:t>
+            </a:r>
+            <a:r>
+              <a:rPr lang="zh-CN" altLang="zh-TW" dirty="0" smtClean="0">
+                <a:effectLst/>
+                <a:ea typeface="Calibri" panose="020F0502020204030204" pitchFamily="34" charset="0"/>
+                <a:cs typeface="Times New Roman" panose="02020603050405020304" pitchFamily="18" charset="0"/>
+              </a:rPr>
+              <a:t> </a:t>
+            </a:r>
+            <a:r>
+              <a:rPr lang="zh-CN" altLang="zh-TW" dirty="0">
+                <a:latin typeface="Calibri" panose="020F0502020204030204" pitchFamily="34" charset="0"/>
+                <a:cs typeface="Times New Roman" panose="02020603050405020304" pitchFamily="18" charset="0"/>
+              </a:rPr>
+              <a:t>这可能是由于</a:t>
             </a:r>
             <a:r>
               <a:rPr lang="en-US" altLang="zh-TW" dirty="0" smtClean="0">
@@ -5554,7 +6093,7 @@
                 <a:latin typeface="Calibri" panose="020F0502020204030204" pitchFamily="34" charset="0"/>
                 <a:cs typeface="Times New Roman" panose="02020603050405020304" pitchFamily="18" charset="0"/>
               </a:rPr>
-              <a:t>诊断标准的结构和组织的见解。</a:t>
+              <a:t>中不同章节之间缺乏协调或一致性，并强调需要继续完善和改进精神障碍的分类。</a:t>
             </a:r>
             <a:endParaRPr lang="zh-TW" altLang="en-US" dirty="0"/>
           </a:p>
@@ -5563,7 +6102,7 @@
     </p:spTree>
     <p:extLst>
       <p:ext uri="{BB962C8B-B14F-4D97-AF65-F5344CB8AC3E}">
-        <p14:creationId xmlns:p14="http://schemas.microsoft.com/office/powerpoint/2010/main" val="1987596642"/>
+        <p14:creationId xmlns:p14="http://schemas.microsoft.com/office/powerpoint/2010/main" val="2333006914"/>
       </p:ext>
     </p:extLst>
   </p:cSld>
@@ -5598,82 +6137,265 @@
         </p:nvSpPr>
         <p:spPr>
           <a:xfrm>
-            <a:off x="3048000" y="2551837"/>
-            <a:ext cx="6096000" cy="2031325"/>
+            <a:off x="620109" y="3116006"/>
+            <a:ext cx="10809889" cy="1754326"/>
           </a:xfrm>
           <a:prstGeom prst="rect">
             <a:avLst/>
           </a:prstGeom>
         </p:spPr>
         <p:txBody>
-          <a:bodyPr>
+          <a:bodyPr wrap="square">
             <a:spAutoFit/>
           </a:bodyPr>
           <a:lstStyle/>
           <a:p>
-            <a:r>
-              <a:rPr lang="zh-TW" altLang="en-US" dirty="0" smtClean="0"/>
-              <a:t>该研究确定了 202 项诊断和总共 1,419 种组成症状，并发现大多数不同的症状都是单一诊断所特有的。</a:t>
-            </a:r>
-            <a:endParaRPr lang="en-US" altLang="zh-TW" dirty="0" smtClean="0"/>
-          </a:p>
-          <a:p>
-            <a:endParaRPr lang="en-US" altLang="zh-TW" dirty="0"/>
-          </a:p>
-          <a:p>
-            <a:r>
-              <a:rPr lang="zh-TW" altLang="en-US" dirty="0" smtClean="0"/>
-              <a:t> 但是，某些章节在其他章节中重复出现的症状多于其他章节。 该研究还检查了哪些症状表现出</a:t>
-            </a:r>
-            <a:r>
-              <a:rPr lang="zh-TW" altLang="en-US" b="1" dirty="0" smtClean="0"/>
-              <a:t>最大的非特异性</a:t>
-            </a:r>
-            <a:r>
-              <a:rPr lang="zh-TW" altLang="en-US" dirty="0" smtClean="0"/>
-              <a:t>，并发现 DSM-5 中重复频率最高且跨越大多数章节的症状是重度抑郁症的症状。</a:t>
-            </a:r>
-            <a:endParaRPr lang="zh-TW" altLang="en-US" dirty="0"/>
-          </a:p>
-        </p:txBody>
-      </p:sp>
-      <p:sp>
-        <p:nvSpPr>
-          <p:cNvPr id="3" name="文本框 2"/>
-          <p:cNvSpPr txBox="1"/>
+            <a:pPr>
+              <a:spcAft>
+                <a:spcPts val="0"/>
+              </a:spcAft>
+            </a:pPr>
+            <a:r>
+              <a:rPr lang="en-US" altLang="zh-TW" kern="100" dirty="0" smtClean="0">
+                <a:effectLst/>
+                <a:latin typeface="Calibri" panose="020F0502020204030204" pitchFamily="34" charset="0"/>
+                <a:ea typeface="宋体" panose="02010600030101010101" pitchFamily="2" charset="-122"/>
+                <a:cs typeface="Times New Roman" panose="02020603050405020304" pitchFamily="18" charset="0"/>
+              </a:rPr>
+              <a:t>MDD </a:t>
+            </a:r>
+            <a:r>
+              <a:rPr lang="zh-CN" altLang="zh-TW" kern="100" dirty="0">
+                <a:latin typeface="Calibri" panose="020F0502020204030204" pitchFamily="34" charset="0"/>
+                <a:cs typeface="Times New Roman" panose="02020603050405020304" pitchFamily="18" charset="0"/>
+              </a:rPr>
+              <a:t>的症状似乎是最不具体的，并且在大多数章节中重复出现</a:t>
+            </a:r>
+            <a:r>
+              <a:rPr lang="zh-CN" altLang="zh-TW" kern="100" dirty="0" smtClean="0">
+                <a:latin typeface="Calibri" panose="020F0502020204030204" pitchFamily="34" charset="0"/>
+                <a:cs typeface="Times New Roman" panose="02020603050405020304" pitchFamily="18" charset="0"/>
+              </a:rPr>
+              <a:t>，</a:t>
+            </a:r>
+            <a:endParaRPr lang="en-US" altLang="zh-CN" kern="100" dirty="0" smtClean="0">
+              <a:latin typeface="Calibri" panose="020F0502020204030204" pitchFamily="34" charset="0"/>
+              <a:cs typeface="Times New Roman" panose="02020603050405020304" pitchFamily="18" charset="0"/>
+            </a:endParaRPr>
+          </a:p>
+          <a:p>
+            <a:pPr>
+              <a:spcAft>
+                <a:spcPts val="0"/>
+              </a:spcAft>
+            </a:pPr>
+            <a:endParaRPr lang="en-US" altLang="zh-CN" kern="100" dirty="0">
+              <a:latin typeface="Calibri" panose="020F0502020204030204" pitchFamily="34" charset="0"/>
+              <a:cs typeface="Times New Roman" panose="02020603050405020304" pitchFamily="18" charset="0"/>
+            </a:endParaRPr>
+          </a:p>
+          <a:p>
+            <a:pPr>
+              <a:spcAft>
+                <a:spcPts val="0"/>
+              </a:spcAft>
+            </a:pPr>
+            <a:r>
+              <a:rPr lang="zh-CN" altLang="zh-TW" kern="100" dirty="0" smtClean="0">
+                <a:latin typeface="Calibri" panose="020F0502020204030204" pitchFamily="34" charset="0"/>
+                <a:cs typeface="Times New Roman" panose="02020603050405020304" pitchFamily="18" charset="0"/>
+              </a:rPr>
+              <a:t>这</a:t>
+            </a:r>
+            <a:r>
+              <a:rPr lang="zh-CN" altLang="zh-TW" kern="100" dirty="0">
+                <a:latin typeface="Calibri" panose="020F0502020204030204" pitchFamily="34" charset="0"/>
+                <a:cs typeface="Times New Roman" panose="02020603050405020304" pitchFamily="18" charset="0"/>
+              </a:rPr>
+              <a:t>引发了对将</a:t>
+            </a:r>
+            <a:r>
+              <a:rPr lang="en-US" altLang="zh-TW" kern="100" dirty="0" smtClean="0">
+                <a:effectLst/>
+                <a:latin typeface="Calibri" panose="020F0502020204030204" pitchFamily="34" charset="0"/>
+                <a:ea typeface="宋体" panose="02010600030101010101" pitchFamily="2" charset="-122"/>
+                <a:cs typeface="Times New Roman" panose="02020603050405020304" pitchFamily="18" charset="0"/>
+              </a:rPr>
+              <a:t> MDD </a:t>
+            </a:r>
+            <a:r>
+              <a:rPr lang="zh-CN" altLang="zh-TW" kern="100" dirty="0">
+                <a:latin typeface="Calibri" panose="020F0502020204030204" pitchFamily="34" charset="0"/>
+                <a:cs typeface="Times New Roman" panose="02020603050405020304" pitchFamily="18" charset="0"/>
+              </a:rPr>
+              <a:t>作为单一结构进行研究的有效性的质疑。 </a:t>
+            </a:r>
+            <a:endParaRPr lang="en-US" altLang="zh-CN" kern="100" dirty="0" smtClean="0">
+              <a:latin typeface="Calibri" panose="020F0502020204030204" pitchFamily="34" charset="0"/>
+              <a:cs typeface="Times New Roman" panose="02020603050405020304" pitchFamily="18" charset="0"/>
+            </a:endParaRPr>
+          </a:p>
+          <a:p>
+            <a:pPr>
+              <a:spcAft>
+                <a:spcPts val="0"/>
+              </a:spcAft>
+            </a:pPr>
+            <a:endParaRPr lang="en-US" altLang="zh-CN" kern="100" dirty="0">
+              <a:latin typeface="Calibri" panose="020F0502020204030204" pitchFamily="34" charset="0"/>
+              <a:cs typeface="Times New Roman" panose="02020603050405020304" pitchFamily="18" charset="0"/>
+            </a:endParaRPr>
+          </a:p>
+          <a:p>
+            <a:pPr>
+              <a:spcAft>
+                <a:spcPts val="0"/>
+              </a:spcAft>
+            </a:pPr>
+            <a:r>
+              <a:rPr lang="zh-CN" altLang="zh-TW" kern="100" dirty="0" smtClean="0">
+                <a:latin typeface="Calibri" panose="020F0502020204030204" pitchFamily="34" charset="0"/>
+                <a:cs typeface="Times New Roman" panose="02020603050405020304" pitchFamily="18" charset="0"/>
+              </a:rPr>
+              <a:t>重要</a:t>
+            </a:r>
+            <a:r>
+              <a:rPr lang="zh-CN" altLang="zh-TW" kern="100" dirty="0">
+                <a:latin typeface="Calibri" panose="020F0502020204030204" pitchFamily="34" charset="0"/>
+                <a:cs typeface="Times New Roman" panose="02020603050405020304" pitchFamily="18" charset="0"/>
+              </a:rPr>
+              <a:t>的是要注意，该研究的结果是基于对</a:t>
+            </a:r>
+            <a:r>
+              <a:rPr lang="en-US" altLang="zh-TW" kern="100" dirty="0" smtClean="0">
+                <a:effectLst/>
+                <a:latin typeface="Calibri" panose="020F0502020204030204" pitchFamily="34" charset="0"/>
+                <a:ea typeface="宋体" panose="02010600030101010101" pitchFamily="2" charset="-122"/>
+                <a:cs typeface="Times New Roman" panose="02020603050405020304" pitchFamily="18" charset="0"/>
+              </a:rPr>
+              <a:t> DSM-5 </a:t>
+            </a:r>
+            <a:r>
+              <a:rPr lang="zh-CN" altLang="zh-TW" kern="100" dirty="0">
+                <a:latin typeface="Calibri" panose="020F0502020204030204" pitchFamily="34" charset="0"/>
+                <a:cs typeface="Times New Roman" panose="02020603050405020304" pitchFamily="18" charset="0"/>
+              </a:rPr>
+              <a:t>的描述性分析，并且在确定症状重叠时会受到主观决定的影响。</a:t>
+            </a:r>
+            <a:endParaRPr lang="zh-TW" altLang="zh-TW" kern="100" dirty="0">
+              <a:effectLst/>
+              <a:latin typeface="Calibri" panose="020F0502020204030204" pitchFamily="34" charset="0"/>
+              <a:ea typeface="PMingLiU" panose="02020500000000000000" pitchFamily="18" charset="-120"/>
+              <a:cs typeface="Times New Roman" panose="02020603050405020304" pitchFamily="18" charset="0"/>
+            </a:endParaRPr>
+          </a:p>
+        </p:txBody>
+      </p:sp>
+      <p:sp>
+        <p:nvSpPr>
+          <p:cNvPr id="3" name="矩形 2"/>
+          <p:cNvSpPr/>
           <p:nvPr/>
         </p:nvSpPr>
         <p:spPr>
           <a:xfrm>
-            <a:off x="3058510" y="5360276"/>
-            <a:ext cx="4950373" cy="369332"/>
+            <a:off x="620109" y="1000035"/>
+            <a:ext cx="9722069" cy="1200329"/>
           </a:xfrm>
           <a:prstGeom prst="rect">
             <a:avLst/>
           </a:prstGeom>
-          <a:noFill/>
         </p:spPr>
         <p:txBody>
-          <a:bodyPr wrap="square" rtlCol="0">
+          <a:bodyPr wrap="square">
             <a:spAutoFit/>
           </a:bodyPr>
           <a:lstStyle/>
           <a:p>
             <a:r>
-              <a:rPr lang="zh-CN" altLang="en-US" dirty="0" smtClean="0"/>
-              <a:t>表</a:t>
-            </a:r>
-            <a:r>
-              <a:rPr lang="en-US" altLang="zh-CN" dirty="0" smtClean="0"/>
-              <a:t>2 </a:t>
-            </a:r>
-            <a:r>
-              <a:rPr lang="zh-CN" altLang="en-US" dirty="0" smtClean="0"/>
-              <a:t>图</a:t>
-            </a:r>
-            <a:r>
-              <a:rPr lang="en-US" altLang="zh-CN" dirty="0" smtClean="0"/>
-              <a:t>3</a:t>
+              <a:rPr lang="zh-CN" altLang="zh-TW" dirty="0">
+                <a:latin typeface="Calibri" panose="020F0502020204030204" pitchFamily="34" charset="0"/>
+                <a:cs typeface="Times New Roman" panose="02020603050405020304" pitchFamily="18" charset="0"/>
+              </a:rPr>
+              <a:t>该研究发现</a:t>
+            </a:r>
+            <a:r>
+              <a:rPr lang="en-US" altLang="zh-TW" dirty="0" smtClean="0">
+                <a:effectLst/>
+                <a:latin typeface="Calibri" panose="020F0502020204030204" pitchFamily="34" charset="0"/>
+                <a:ea typeface="宋体" panose="02010600030101010101" pitchFamily="2" charset="-122"/>
+                <a:cs typeface="Times New Roman" panose="02020603050405020304" pitchFamily="18" charset="0"/>
+              </a:rPr>
+              <a:t> DSM-5 </a:t>
+            </a:r>
+            <a:r>
+              <a:rPr lang="zh-CN" altLang="zh-TW" dirty="0">
+                <a:latin typeface="Calibri" panose="020F0502020204030204" pitchFamily="34" charset="0"/>
+                <a:cs typeface="Times New Roman" panose="02020603050405020304" pitchFamily="18" charset="0"/>
+              </a:rPr>
+              <a:t>中存在重复症状，无论是在章节内还是章节之间</a:t>
+            </a:r>
+            <a:r>
+              <a:rPr lang="zh-CN" altLang="zh-TW" dirty="0" smtClean="0">
+                <a:latin typeface="Calibri" panose="020F0502020204030204" pitchFamily="34" charset="0"/>
+                <a:cs typeface="Times New Roman" panose="02020603050405020304" pitchFamily="18" charset="0"/>
+              </a:rPr>
+              <a:t>。</a:t>
+            </a:r>
+            <a:endParaRPr lang="en-US" altLang="zh-CN" dirty="0" smtClean="0">
+              <a:latin typeface="Calibri" panose="020F0502020204030204" pitchFamily="34" charset="0"/>
+              <a:cs typeface="Times New Roman" panose="02020603050405020304" pitchFamily="18" charset="0"/>
+            </a:endParaRPr>
+          </a:p>
+          <a:p>
+            <a:endParaRPr lang="en-US" altLang="zh-CN" dirty="0">
+              <a:effectLst/>
+              <a:latin typeface="Calibri" panose="020F0502020204030204" pitchFamily="34" charset="0"/>
+              <a:ea typeface="Calibri" panose="020F0502020204030204" pitchFamily="34" charset="0"/>
+              <a:cs typeface="Times New Roman" panose="02020603050405020304" pitchFamily="18" charset="0"/>
+            </a:endParaRPr>
+          </a:p>
+          <a:p>
+            <a:r>
+              <a:rPr lang="zh-CN" altLang="zh-TW" dirty="0" smtClean="0">
+                <a:latin typeface="Calibri" panose="020F0502020204030204" pitchFamily="34" charset="0"/>
+                <a:cs typeface="Times New Roman" panose="02020603050405020304" pitchFamily="18" charset="0"/>
+              </a:rPr>
+              <a:t>章节</a:t>
+            </a:r>
+            <a:r>
+              <a:rPr lang="zh-CN" altLang="zh-TW" dirty="0">
+                <a:latin typeface="Calibri" panose="020F0502020204030204" pitchFamily="34" charset="0"/>
+                <a:cs typeface="Times New Roman" panose="02020603050405020304" pitchFamily="18" charset="0"/>
+              </a:rPr>
+              <a:t>内的重复似乎更有目的性，反映了所描述疾病的性质</a:t>
+            </a:r>
+            <a:r>
+              <a:rPr lang="zh-CN" altLang="zh-TW" dirty="0" smtClean="0">
+                <a:latin typeface="Calibri" panose="020F0502020204030204" pitchFamily="34" charset="0"/>
+                <a:cs typeface="Times New Roman" panose="02020603050405020304" pitchFamily="18" charset="0"/>
+              </a:rPr>
+              <a:t>，</a:t>
+            </a:r>
+            <a:endParaRPr lang="en-US" altLang="zh-CN" dirty="0" smtClean="0">
+              <a:latin typeface="Calibri" panose="020F0502020204030204" pitchFamily="34" charset="0"/>
+              <a:cs typeface="Times New Roman" panose="02020603050405020304" pitchFamily="18" charset="0"/>
+            </a:endParaRPr>
+          </a:p>
+          <a:p>
+            <a:r>
+              <a:rPr lang="zh-CN" altLang="zh-TW" dirty="0" smtClean="0">
+                <a:latin typeface="Calibri" panose="020F0502020204030204" pitchFamily="34" charset="0"/>
+                <a:cs typeface="Times New Roman" panose="02020603050405020304" pitchFamily="18" charset="0"/>
+              </a:rPr>
+              <a:t>章节</a:t>
+            </a:r>
+            <a:r>
+              <a:rPr lang="zh-CN" altLang="zh-TW" dirty="0">
+                <a:latin typeface="Calibri" panose="020F0502020204030204" pitchFamily="34" charset="0"/>
+                <a:cs typeface="Times New Roman" panose="02020603050405020304" pitchFamily="18" charset="0"/>
+              </a:rPr>
+              <a:t>间的重复似乎目的性较小，反映出诊断之间缺乏明确的界限</a:t>
             </a:r>
             <a:endParaRPr lang="zh-TW" altLang="en-US" dirty="0"/>
           </a:p>
@@ -5682,7 +6404,7 @@
     </p:spTree>
     <p:extLst>
       <p:ext uri="{BB962C8B-B14F-4D97-AF65-F5344CB8AC3E}">
-        <p14:creationId xmlns:p14="http://schemas.microsoft.com/office/powerpoint/2010/main" val="990406258"/>
+        <p14:creationId xmlns:p14="http://schemas.microsoft.com/office/powerpoint/2010/main" val="2286519300"/>
       </p:ext>
     </p:extLst>
   </p:cSld>
@@ -5711,44 +6433,14 @@
       </p:grpSpPr>
       <p:sp>
         <p:nvSpPr>
-          <p:cNvPr id="2" name="文本框 1"/>
-          <p:cNvSpPr txBox="1"/>
+          <p:cNvPr id="2" name="矩形 1"/>
+          <p:cNvSpPr/>
           <p:nvPr/>
         </p:nvSpPr>
         <p:spPr>
           <a:xfrm>
-            <a:off x="157655" y="173421"/>
-            <a:ext cx="2107324" cy="369332"/>
-          </a:xfrm>
-          <a:prstGeom prst="rect">
-            <a:avLst/>
-          </a:prstGeom>
-          <a:noFill/>
-        </p:spPr>
-        <p:txBody>
-          <a:bodyPr wrap="square" rtlCol="0">
-            <a:spAutoFit/>
-          </a:bodyPr>
-          <a:lstStyle/>
-          <a:p>
-            <a:r>
-              <a:rPr lang="zh-CN" altLang="en-US" dirty="0" smtClean="0"/>
-              <a:t>讨论</a:t>
-            </a:r>
-            <a:endParaRPr lang="zh-TW" altLang="en-US" dirty="0"/>
-          </a:p>
-        </p:txBody>
-      </p:sp>
-      <p:sp>
-        <p:nvSpPr>
-          <p:cNvPr id="3" name="矩形 2"/>
-          <p:cNvSpPr/>
-          <p:nvPr/>
-        </p:nvSpPr>
-        <p:spPr>
-          <a:xfrm>
-            <a:off x="1211316" y="1397675"/>
-            <a:ext cx="9761483" cy="2308324"/>
+            <a:off x="793531" y="1387393"/>
+            <a:ext cx="10857186" cy="646331"/>
           </a:xfrm>
           <a:prstGeom prst="rect">
             <a:avLst/>
@@ -5760,6 +6452,70 @@
           </a:bodyPr>
           <a:lstStyle/>
           <a:p>
+            <a:r>
+              <a:rPr lang="zh-CN" altLang="zh-TW" smtClean="0">
+                <a:latin typeface="Calibri" panose="020F0502020204030204" pitchFamily="34" charset="0"/>
+                <a:cs typeface="Times New Roman" panose="02020603050405020304" pitchFamily="18" charset="0"/>
+              </a:rPr>
+              <a:t>本文讨论了</a:t>
+            </a:r>
+            <a:r>
+              <a:rPr lang="en-US" altLang="zh-TW" smtClean="0">
+                <a:effectLst/>
+                <a:latin typeface="Calibri" panose="020F0502020204030204" pitchFamily="34" charset="0"/>
+                <a:ea typeface="宋体" panose="02010600030101010101" pitchFamily="2" charset="-122"/>
+                <a:cs typeface="Times New Roman" panose="02020603050405020304" pitchFamily="18" charset="0"/>
+              </a:rPr>
+              <a:t> DSM-5 </a:t>
+            </a:r>
+            <a:r>
+              <a:rPr lang="zh-CN" altLang="zh-TW" smtClean="0">
+                <a:latin typeface="Calibri" panose="020F0502020204030204" pitchFamily="34" charset="0"/>
+                <a:cs typeface="Times New Roman" panose="02020603050405020304" pitchFamily="18" charset="0"/>
+              </a:rPr>
+              <a:t>诊断类别内和跨诊断类别的症状重复问题，特别关注整个手册中重度抑郁症</a:t>
+            </a:r>
+            <a:r>
+              <a:rPr lang="en-US" altLang="zh-TW" smtClean="0">
+                <a:effectLst/>
+                <a:latin typeface="Calibri" panose="020F0502020204030204" pitchFamily="34" charset="0"/>
+                <a:ea typeface="宋体" panose="02010600030101010101" pitchFamily="2" charset="-122"/>
+                <a:cs typeface="Times New Roman" panose="02020603050405020304" pitchFamily="18" charset="0"/>
+              </a:rPr>
+              <a:t> (MDD) </a:t>
+            </a:r>
+            <a:r>
+              <a:rPr lang="zh-CN" altLang="zh-TW" smtClean="0">
+                <a:latin typeface="Calibri" panose="020F0502020204030204" pitchFamily="34" charset="0"/>
+                <a:cs typeface="Times New Roman" panose="02020603050405020304" pitchFamily="18" charset="0"/>
+              </a:rPr>
+              <a:t>症状的普遍性</a:t>
+            </a:r>
+            <a:endParaRPr lang="zh-TW" altLang="en-US" dirty="0"/>
+          </a:p>
+        </p:txBody>
+      </p:sp>
+      <p:sp>
+        <p:nvSpPr>
+          <p:cNvPr id="3" name="矩形 2"/>
+          <p:cNvSpPr/>
+          <p:nvPr/>
+        </p:nvSpPr>
+        <p:spPr>
+          <a:xfrm>
+            <a:off x="793531" y="2637445"/>
+            <a:ext cx="10857186" cy="2031325"/>
+          </a:xfrm>
+          <a:prstGeom prst="rect">
+            <a:avLst/>
+          </a:prstGeom>
+        </p:spPr>
+        <p:txBody>
+          <a:bodyPr wrap="square">
+            <a:spAutoFit/>
+          </a:bodyPr>
+          <a:lstStyle/>
+          <a:p>
             <a:pPr>
               <a:spcAft>
                 <a:spcPts val="0"/>
@@ -5770,7 +6526,23 @@
                 <a:latin typeface="Calibri" panose="020F0502020204030204" pitchFamily="34" charset="0"/>
                 <a:cs typeface="Times New Roman" panose="02020603050405020304" pitchFamily="18" charset="0"/>
               </a:rPr>
-              <a:t>抑郁症章节中症状的高水平重复可能反映了诊断和理解抑郁症状的复杂性</a:t>
+              <a:t>作者认为，</a:t>
+            </a:r>
+            <a:r>
+              <a:rPr lang="en-US" altLang="zh-TW" kern="100" dirty="0" smtClean="0">
+                <a:effectLst/>
+                <a:latin typeface="Calibri" panose="020F0502020204030204" pitchFamily="34" charset="0"/>
+                <a:ea typeface="宋体" panose="02010600030101010101" pitchFamily="2" charset="-122"/>
+                <a:cs typeface="Times New Roman" panose="02020603050405020304" pitchFamily="18" charset="0"/>
+              </a:rPr>
+              <a:t>MDD </a:t>
+            </a:r>
+            <a:r>
+              <a:rPr lang="zh-CN" altLang="zh-TW" kern="100" dirty="0">
+                <a:latin typeface="Calibri" panose="020F0502020204030204" pitchFamily="34" charset="0"/>
+                <a:cs typeface="Times New Roman" panose="02020603050405020304" pitchFamily="18" charset="0"/>
+              </a:rPr>
+              <a:t>症状的非特异性可能反映了对压力的更普遍的心理反应，而不是与特定原因、机制或治疗需求相对应的连贯综合症</a:t>
             </a:r>
             <a:r>
               <a:rPr lang="zh-CN" altLang="zh-TW" kern="100" dirty="0" smtClean="0">
@@ -5778,38 +6550,6 @@
                 <a:cs typeface="Times New Roman" panose="02020603050405020304" pitchFamily="18" charset="0"/>
               </a:rPr>
               <a:t>。</a:t>
-            </a:r>
-            <a:endParaRPr lang="en-US" altLang="zh-CN" kern="100" dirty="0" smtClean="0">
-              <a:latin typeface="Calibri" panose="020F0502020204030204" pitchFamily="34" charset="0"/>
-              <a:cs typeface="Times New Roman" panose="02020603050405020304" pitchFamily="18" charset="0"/>
-            </a:endParaRPr>
-          </a:p>
-          <a:p>
-            <a:pPr>
-              <a:spcAft>
-                <a:spcPts val="0"/>
-              </a:spcAft>
-            </a:pPr>
-            <a:r>
-              <a:rPr lang="en-US" altLang="zh-CN" kern="100" dirty="0">
-                <a:latin typeface="Calibri" panose="020F0502020204030204" pitchFamily="34" charset="0"/>
-                <a:cs typeface="Times New Roman" panose="02020603050405020304" pitchFamily="18" charset="0"/>
-              </a:rPr>
-              <a:t>	</a:t>
-            </a:r>
-            <a:r>
-              <a:rPr lang="zh-CN" altLang="zh-TW" kern="100" dirty="0" smtClean="0">
-                <a:latin typeface="Calibri" panose="020F0502020204030204" pitchFamily="34" charset="0"/>
-                <a:cs typeface="Times New Roman" panose="02020603050405020304" pitchFamily="18" charset="0"/>
-              </a:rPr>
-              <a:t> </a:t>
-            </a:r>
-            <a:r>
-              <a:rPr lang="zh-CN" altLang="zh-TW" kern="100" dirty="0">
-                <a:latin typeface="Calibri" panose="020F0502020204030204" pitchFamily="34" charset="0"/>
-                <a:cs typeface="Times New Roman" panose="02020603050405020304" pitchFamily="18" charset="0"/>
-              </a:rPr>
-              <a:t>例如，重度抑郁症和持续性抑郁症（心境恶劣）之间的区别是基于症状的持续时间和持久性，而不是独特的症状。 </a:t>
             </a:r>
             <a:endParaRPr lang="en-US" altLang="zh-CN" kern="100" dirty="0" smtClean="0">
               <a:latin typeface="Calibri" panose="020F0502020204030204" pitchFamily="34" charset="0"/>
@@ -5838,21 +6578,30 @@
                 <a:latin typeface="Calibri" panose="020F0502020204030204" pitchFamily="34" charset="0"/>
                 <a:cs typeface="Times New Roman" panose="02020603050405020304" pitchFamily="18" charset="0"/>
               </a:rPr>
-              <a:t>此外</a:t>
+              <a:t> </a:t>
             </a:r>
             <a:r>
               <a:rPr lang="zh-CN" altLang="zh-TW" kern="100" dirty="0">
                 <a:latin typeface="Calibri" panose="020F0502020204030204" pitchFamily="34" charset="0"/>
                 <a:cs typeface="Times New Roman" panose="02020603050405020304" pitchFamily="18" charset="0"/>
               </a:rPr>
-              <a:t>，抑郁症状与其他疾病的症状之间可能存在显着重叠，例如焦虑症、躯体症状和相关疾病以及神经认知障碍</a:t>
-            </a:r>
-            <a:r>
-              <a:rPr lang="zh-CN" altLang="zh-TW" kern="100" dirty="0" smtClean="0">
+              <a:t>这可能导致将其他诊断中的症状错误归因于</a:t>
+            </a:r>
+            <a:r>
+              <a:rPr lang="en-US" altLang="zh-TW" kern="100" dirty="0" smtClean="0">
+                <a:effectLst/>
                 <a:latin typeface="Calibri" panose="020F0502020204030204" pitchFamily="34" charset="0"/>
-                <a:cs typeface="Times New Roman" panose="02020603050405020304" pitchFamily="18" charset="0"/>
-              </a:rPr>
-              <a:t>。</a:t>
+                <a:ea typeface="宋体" panose="02010600030101010101" pitchFamily="2" charset="-122"/>
+                <a:cs typeface="Times New Roman" panose="02020603050405020304" pitchFamily="18" charset="0"/>
+              </a:rPr>
+              <a:t> MDD</a:t>
+            </a:r>
+            <a:r>
+              <a:rPr lang="zh-CN" altLang="zh-TW" kern="100" dirty="0">
+                <a:latin typeface="Calibri" panose="020F0502020204030204" pitchFamily="34" charset="0"/>
+                <a:cs typeface="Times New Roman" panose="02020603050405020304" pitchFamily="18" charset="0"/>
+              </a:rPr>
+              <a:t>，反之亦然，并增加合并症的发生率。 </a:t>
             </a:r>
             <a:endParaRPr lang="en-US" altLang="zh-CN" kern="100" dirty="0" smtClean="0">
               <a:latin typeface="Calibri" panose="020F0502020204030204" pitchFamily="34" charset="0"/>
@@ -5881,14 +6630,23 @@
                 <a:latin typeface="Calibri" panose="020F0502020204030204" pitchFamily="34" charset="0"/>
                 <a:cs typeface="Times New Roman" panose="02020603050405020304" pitchFamily="18" charset="0"/>
               </a:rPr>
-              <a:t> </a:t>
+              <a:t>作者</a:t>
             </a:r>
             <a:r>
               <a:rPr lang="zh-CN" altLang="zh-TW" kern="100" dirty="0">
                 <a:latin typeface="Calibri" panose="020F0502020204030204" pitchFamily="34" charset="0"/>
                 <a:cs typeface="Times New Roman" panose="02020603050405020304" pitchFamily="18" charset="0"/>
               </a:rPr>
-              <a:t>因此，抑郁症章节中症状的高水平重复可能反映了准确诊断和治疗抑郁症的挑战。</a:t>
+              <a:t>呼吁进行更多的实证研究，以确定症状协变模式是否反映了观察到的（非）特异性，并确定可以为精神病理学诊断和分类的研究、实践和重新概念化提供更好框架的交叉症状或集群</a:t>
+            </a:r>
+            <a:r>
+              <a:rPr lang="en-US" altLang="zh-TW" kern="100" dirty="0" smtClean="0">
+                <a:effectLst/>
+                <a:latin typeface="Calibri" panose="020F0502020204030204" pitchFamily="34" charset="0"/>
+                <a:ea typeface="宋体" panose="02010600030101010101" pitchFamily="2" charset="-122"/>
+                <a:cs typeface="Times New Roman" panose="02020603050405020304" pitchFamily="18" charset="0"/>
+              </a:rPr>
+              <a:t> .</a:t>
             </a:r>
             <a:endParaRPr lang="zh-TW" altLang="zh-TW" kern="100" dirty="0">
               <a:effectLst/>
@@ -5902,259 +6660,7 @@
     </p:spTree>
     <p:extLst>
       <p:ext uri="{BB962C8B-B14F-4D97-AF65-F5344CB8AC3E}">
-        <p14:creationId xmlns:p14="http://schemas.microsoft.com/office/powerpoint/2010/main" val="880999260"/>
-      </p:ext>
-    </p:extLst>
-  </p:cSld>
-  <p:clrMapOvr>
-    <a:masterClrMapping/>
-  </p:clrMapOvr>
-</p:sld>
-</file>
-
-<file path=ppt/slides/slide19.xml><?xml version="1.0" encoding="utf-8"?>
-<p:sld xmlns:a="http://schemas.openxmlformats.org/drawingml/2006/main" xmlns:r="http://schemas.openxmlformats.org/officeDocument/2006/relationships" xmlns:p="http://schemas.openxmlformats.org/presentationml/2006/main">
-  <p:cSld>
-    <p:spTree>
-      <p:nvGrpSpPr>
-        <p:cNvPr id="1" name=""/>
-        <p:cNvGrpSpPr/>
-        <p:nvPr/>
-      </p:nvGrpSpPr>
-      <p:grpSpPr>
-        <a:xfrm>
-          <a:off x="0" y="0"/>
-          <a:ext cx="0" cy="0"/>
-          <a:chOff x="0" y="0"/>
-          <a:chExt cx="0" cy="0"/>
-        </a:xfrm>
-      </p:grpSpPr>
-      <p:sp>
-        <p:nvSpPr>
-          <p:cNvPr id="2" name="矩形 1"/>
-          <p:cNvSpPr/>
-          <p:nvPr/>
-        </p:nvSpPr>
-        <p:spPr>
-          <a:xfrm>
-            <a:off x="1140372" y="896457"/>
-            <a:ext cx="9911255" cy="2308324"/>
-          </a:xfrm>
-          <a:prstGeom prst="rect">
-            <a:avLst/>
-          </a:prstGeom>
-        </p:spPr>
-        <p:txBody>
-          <a:bodyPr wrap="square">
-            <a:spAutoFit/>
-          </a:bodyPr>
-          <a:lstStyle/>
-          <a:p>
-            <a:r>
-              <a:rPr lang="zh-CN" altLang="zh-TW" dirty="0">
-                <a:latin typeface="Calibri" panose="020F0502020204030204" pitchFamily="34" charset="0"/>
-                <a:cs typeface="Times New Roman" panose="02020603050405020304" pitchFamily="18" charset="0"/>
-              </a:rPr>
-              <a:t>重复通常是有意的</a:t>
-            </a:r>
-            <a:r>
-              <a:rPr lang="zh-CN" altLang="zh-TW" dirty="0" smtClean="0">
-                <a:latin typeface="Calibri" panose="020F0502020204030204" pitchFamily="34" charset="0"/>
-                <a:cs typeface="Times New Roman" panose="02020603050405020304" pitchFamily="18" charset="0"/>
-              </a:rPr>
-              <a:t>，</a:t>
-            </a:r>
-            <a:endParaRPr lang="en-US" altLang="zh-CN" dirty="0" smtClean="0">
-              <a:latin typeface="Calibri" panose="020F0502020204030204" pitchFamily="34" charset="0"/>
-              <a:cs typeface="Times New Roman" panose="02020603050405020304" pitchFamily="18" charset="0"/>
-            </a:endParaRPr>
-          </a:p>
-          <a:p>
-            <a:r>
-              <a:rPr lang="en-US" altLang="zh-CN" dirty="0">
-                <a:latin typeface="Calibri" panose="020F0502020204030204" pitchFamily="34" charset="0"/>
-                <a:cs typeface="Times New Roman" panose="02020603050405020304" pitchFamily="18" charset="0"/>
-              </a:rPr>
-              <a:t>	</a:t>
-            </a:r>
-            <a:r>
-              <a:rPr lang="zh-CN" altLang="zh-TW" dirty="0" smtClean="0">
-                <a:latin typeface="Calibri" panose="020F0502020204030204" pitchFamily="34" charset="0"/>
-                <a:cs typeface="Times New Roman" panose="02020603050405020304" pitchFamily="18" charset="0"/>
-              </a:rPr>
-              <a:t>反映</a:t>
-            </a:r>
-            <a:r>
-              <a:rPr lang="zh-CN" altLang="zh-TW" dirty="0">
-                <a:latin typeface="Calibri" panose="020F0502020204030204" pitchFamily="34" charset="0"/>
-                <a:cs typeface="Times New Roman" panose="02020603050405020304" pitchFamily="18" charset="0"/>
-              </a:rPr>
-              <a:t>了章节内疾病的共同特征</a:t>
-            </a:r>
-            <a:r>
-              <a:rPr lang="zh-CN" altLang="zh-TW" dirty="0" smtClean="0">
-                <a:latin typeface="Calibri" panose="020F0502020204030204" pitchFamily="34" charset="0"/>
-                <a:cs typeface="Times New Roman" panose="02020603050405020304" pitchFamily="18" charset="0"/>
-              </a:rPr>
-              <a:t>，</a:t>
-            </a:r>
-            <a:endParaRPr lang="en-US" altLang="zh-CN" dirty="0" smtClean="0">
-              <a:latin typeface="Calibri" panose="020F0502020204030204" pitchFamily="34" charset="0"/>
-              <a:cs typeface="Times New Roman" panose="02020603050405020304" pitchFamily="18" charset="0"/>
-            </a:endParaRPr>
-          </a:p>
-          <a:p>
-            <a:r>
-              <a:rPr lang="en-US" altLang="zh-CN" dirty="0">
-                <a:latin typeface="Calibri" panose="020F0502020204030204" pitchFamily="34" charset="0"/>
-                <a:cs typeface="Times New Roman" panose="02020603050405020304" pitchFamily="18" charset="0"/>
-              </a:rPr>
-              <a:t>	</a:t>
-            </a:r>
-            <a:r>
-              <a:rPr lang="zh-CN" altLang="zh-TW" dirty="0" smtClean="0">
-                <a:latin typeface="Calibri" panose="020F0502020204030204" pitchFamily="34" charset="0"/>
-                <a:cs typeface="Times New Roman" panose="02020603050405020304" pitchFamily="18" charset="0"/>
-              </a:rPr>
-              <a:t>例如</a:t>
-            </a:r>
-            <a:r>
-              <a:rPr lang="zh-CN" altLang="zh-TW" dirty="0">
-                <a:latin typeface="Calibri" panose="020F0502020204030204" pitchFamily="34" charset="0"/>
-                <a:cs typeface="Times New Roman" panose="02020603050405020304" pitchFamily="18" charset="0"/>
-              </a:rPr>
-              <a:t>相似的核心症状或共同的潜在机制。</a:t>
-            </a:r>
-            <a:r>
-              <a:rPr lang="zh-CN" altLang="zh-TW" dirty="0" smtClean="0">
-                <a:effectLst/>
-                <a:ea typeface="Calibri" panose="020F0502020204030204" pitchFamily="34" charset="0"/>
-                <a:cs typeface="Times New Roman" panose="02020603050405020304" pitchFamily="18" charset="0"/>
-              </a:rPr>
-              <a:t> </a:t>
-            </a:r>
-            <a:endParaRPr lang="en-US" altLang="zh-CN" dirty="0" smtClean="0">
-              <a:effectLst/>
-              <a:ea typeface="Calibri" panose="020F0502020204030204" pitchFamily="34" charset="0"/>
-              <a:cs typeface="Times New Roman" panose="02020603050405020304" pitchFamily="18" charset="0"/>
-            </a:endParaRPr>
-          </a:p>
-          <a:p>
-            <a:endParaRPr lang="en-US" altLang="zh-CN" dirty="0">
-              <a:latin typeface="Calibri" panose="020F0502020204030204" pitchFamily="34" charset="0"/>
-              <a:cs typeface="Times New Roman" panose="02020603050405020304" pitchFamily="18" charset="0"/>
-            </a:endParaRPr>
-          </a:p>
-          <a:p>
-            <a:r>
-              <a:rPr lang="zh-CN" altLang="zh-TW" dirty="0" smtClean="0">
-                <a:latin typeface="Calibri" panose="020F0502020204030204" pitchFamily="34" charset="0"/>
-                <a:cs typeface="Times New Roman" panose="02020603050405020304" pitchFamily="18" charset="0"/>
-              </a:rPr>
-              <a:t>然而</a:t>
-            </a:r>
-            <a:r>
-              <a:rPr lang="zh-CN" altLang="zh-TW" dirty="0">
-                <a:latin typeface="Calibri" panose="020F0502020204030204" pitchFamily="34" charset="0"/>
-                <a:cs typeface="Times New Roman" panose="02020603050405020304" pitchFamily="18" charset="0"/>
-              </a:rPr>
-              <a:t>，各章中症状的大量重复表明</a:t>
-            </a:r>
-            <a:r>
-              <a:rPr lang="zh-CN" altLang="zh-TW" dirty="0" smtClean="0">
-                <a:latin typeface="Calibri" panose="020F0502020204030204" pitchFamily="34" charset="0"/>
-                <a:cs typeface="Times New Roman" panose="02020603050405020304" pitchFamily="18" charset="0"/>
-              </a:rPr>
-              <a:t>，</a:t>
-            </a:r>
-            <a:endParaRPr lang="en-US" altLang="zh-CN" dirty="0" smtClean="0">
-              <a:latin typeface="Calibri" panose="020F0502020204030204" pitchFamily="34" charset="0"/>
-              <a:cs typeface="Times New Roman" panose="02020603050405020304" pitchFamily="18" charset="0"/>
-            </a:endParaRPr>
-          </a:p>
-          <a:p>
-            <a:r>
-              <a:rPr lang="en-US" altLang="zh-CN" dirty="0">
-                <a:latin typeface="Calibri" panose="020F0502020204030204" pitchFamily="34" charset="0"/>
-                <a:cs typeface="Times New Roman" panose="02020603050405020304" pitchFamily="18" charset="0"/>
-              </a:rPr>
-              <a:t>	</a:t>
-            </a:r>
-            <a:r>
-              <a:rPr lang="zh-CN" altLang="zh-TW" dirty="0" smtClean="0">
-                <a:latin typeface="Calibri" panose="020F0502020204030204" pitchFamily="34" charset="0"/>
-                <a:cs typeface="Times New Roman" panose="02020603050405020304" pitchFamily="18" charset="0"/>
-              </a:rPr>
-              <a:t>不同</a:t>
-            </a:r>
-            <a:r>
-              <a:rPr lang="zh-CN" altLang="zh-TW" dirty="0">
-                <a:latin typeface="Calibri" panose="020F0502020204030204" pitchFamily="34" charset="0"/>
-                <a:cs typeface="Times New Roman" panose="02020603050405020304" pitchFamily="18" charset="0"/>
-              </a:rPr>
-              <a:t>类别的精神病理学之间可能存在一些重叠和缺乏明确的界限</a:t>
-            </a:r>
-            <a:r>
-              <a:rPr lang="zh-CN" altLang="zh-TW" dirty="0" smtClean="0">
-                <a:latin typeface="Calibri" panose="020F0502020204030204" pitchFamily="34" charset="0"/>
-                <a:cs typeface="Times New Roman" panose="02020603050405020304" pitchFamily="18" charset="0"/>
-              </a:rPr>
-              <a:t>。</a:t>
-            </a:r>
-            <a:endParaRPr lang="en-US" altLang="zh-CN" dirty="0" smtClean="0">
-              <a:latin typeface="Calibri" panose="020F0502020204030204" pitchFamily="34" charset="0"/>
-              <a:cs typeface="Times New Roman" panose="02020603050405020304" pitchFamily="18" charset="0"/>
-            </a:endParaRPr>
-          </a:p>
-          <a:p>
-            <a:r>
-              <a:rPr lang="en-US" altLang="zh-CN" dirty="0">
-                <a:effectLst/>
-                <a:latin typeface="Calibri" panose="020F0502020204030204" pitchFamily="34" charset="0"/>
-                <a:ea typeface="Calibri" panose="020F0502020204030204" pitchFamily="34" charset="0"/>
-                <a:cs typeface="Times New Roman" panose="02020603050405020304" pitchFamily="18" charset="0"/>
-              </a:rPr>
-              <a:t>	</a:t>
-            </a:r>
-            <a:r>
-              <a:rPr lang="zh-CN" altLang="zh-TW" dirty="0" smtClean="0">
-                <a:effectLst/>
-                <a:ea typeface="Calibri" panose="020F0502020204030204" pitchFamily="34" charset="0"/>
-                <a:cs typeface="Times New Roman" panose="02020603050405020304" pitchFamily="18" charset="0"/>
-              </a:rPr>
-              <a:t> </a:t>
-            </a:r>
-            <a:r>
-              <a:rPr lang="zh-CN" altLang="zh-TW" dirty="0">
-                <a:latin typeface="Calibri" panose="020F0502020204030204" pitchFamily="34" charset="0"/>
-                <a:cs typeface="Times New Roman" panose="02020603050405020304" pitchFamily="18" charset="0"/>
-              </a:rPr>
-              <a:t>这可能是由于</a:t>
-            </a:r>
-            <a:r>
-              <a:rPr lang="en-US" altLang="zh-TW" dirty="0" smtClean="0">
-                <a:effectLst/>
-                <a:latin typeface="Calibri" panose="020F0502020204030204" pitchFamily="34" charset="0"/>
-                <a:ea typeface="宋体" panose="02010600030101010101" pitchFamily="2" charset="-122"/>
-                <a:cs typeface="Times New Roman" panose="02020603050405020304" pitchFamily="18" charset="0"/>
-              </a:rPr>
-              <a:t> DSM-5 </a:t>
-            </a:r>
-            <a:r>
-              <a:rPr lang="zh-CN" altLang="zh-TW" dirty="0">
-                <a:latin typeface="Calibri" panose="020F0502020204030204" pitchFamily="34" charset="0"/>
-                <a:cs typeface="Times New Roman" panose="02020603050405020304" pitchFamily="18" charset="0"/>
-              </a:rPr>
-              <a:t>中不同章节之间缺乏协调或一致性，并强调需要继续完善和改进精神障碍的分类。</a:t>
-            </a:r>
-            <a:endParaRPr lang="zh-TW" altLang="en-US" dirty="0"/>
-          </a:p>
-        </p:txBody>
-      </p:sp>
-    </p:spTree>
-    <p:extLst>
-      <p:ext uri="{BB962C8B-B14F-4D97-AF65-F5344CB8AC3E}">
-        <p14:creationId xmlns:p14="http://schemas.microsoft.com/office/powerpoint/2010/main" val="2333006914"/>
+        <p14:creationId xmlns:p14="http://schemas.microsoft.com/office/powerpoint/2010/main" val="2093691416"/>
       </p:ext>
     </p:extLst>
   </p:cSld>
@@ -6388,15 +6894,7 @@
                 <a:ea typeface="楷体" panose="02010609060101010101" pitchFamily="49" charset="-122"/>
                 <a:cs typeface="Times New Roman" panose="02020603050405020304" pitchFamily="18" charset="0"/>
               </a:rPr>
-              <a:t>。如果我们</a:t>
-            </a:r>
-            <a:r>
-              <a:rPr lang="zh-CN" altLang="en-US" dirty="0" smtClean="0">
-                <a:latin typeface="楷体" panose="02010609060101010101" pitchFamily="49" charset="-122"/>
-                <a:ea typeface="楷体" panose="02010609060101010101" pitchFamily="49" charset="-122"/>
-                <a:cs typeface="Times New Roman" panose="02020603050405020304" pitchFamily="18" charset="0"/>
-              </a:rPr>
-              <a:t>孤立地研究某个诊断类别</a:t>
+              <a:t>。如果我们孤立地研究某个诊断类别</a:t>
             </a:r>
             <a:endParaRPr lang="en-US" altLang="zh-CN" dirty="0" smtClean="0">
               <a:latin typeface="楷体" panose="02010609060101010101" pitchFamily="49" charset="-122"/>
@@ -6638,564 +7136,6 @@
 </p:sld>
 </file>
 
-<file path=ppt/slides/slide20.xml><?xml version="1.0" encoding="utf-8"?>
-<p:sld xmlns:a="http://schemas.openxmlformats.org/drawingml/2006/main" xmlns:r="http://schemas.openxmlformats.org/officeDocument/2006/relationships" xmlns:p="http://schemas.openxmlformats.org/presentationml/2006/main">
-  <p:cSld>
-    <p:spTree>
-      <p:nvGrpSpPr>
-        <p:cNvPr id="1" name=""/>
-        <p:cNvGrpSpPr/>
-        <p:nvPr/>
-      </p:nvGrpSpPr>
-      <p:grpSpPr>
-        <a:xfrm>
-          <a:off x="0" y="0"/>
-          <a:ext cx="0" cy="0"/>
-          <a:chOff x="0" y="0"/>
-          <a:chExt cx="0" cy="0"/>
-        </a:xfrm>
-      </p:grpSpPr>
-      <p:sp>
-        <p:nvSpPr>
-          <p:cNvPr id="2" name="矩形 1"/>
-          <p:cNvSpPr/>
-          <p:nvPr/>
-        </p:nvSpPr>
-        <p:spPr>
-          <a:xfrm>
-            <a:off x="620109" y="3116006"/>
-            <a:ext cx="10809889" cy="1754326"/>
-          </a:xfrm>
-          <a:prstGeom prst="rect">
-            <a:avLst/>
-          </a:prstGeom>
-        </p:spPr>
-        <p:txBody>
-          <a:bodyPr wrap="square">
-            <a:spAutoFit/>
-          </a:bodyPr>
-          <a:lstStyle/>
-          <a:p>
-            <a:pPr>
-              <a:spcAft>
-                <a:spcPts val="0"/>
-              </a:spcAft>
-            </a:pPr>
-            <a:r>
-              <a:rPr lang="en-US" altLang="zh-TW" kern="100" dirty="0" smtClean="0">
-                <a:effectLst/>
-                <a:latin typeface="Calibri" panose="020F0502020204030204" pitchFamily="34" charset="0"/>
-                <a:ea typeface="宋体" panose="02010600030101010101" pitchFamily="2" charset="-122"/>
-                <a:cs typeface="Times New Roman" panose="02020603050405020304" pitchFamily="18" charset="0"/>
-              </a:rPr>
-              <a:t>MDD </a:t>
-            </a:r>
-            <a:r>
-              <a:rPr lang="zh-CN" altLang="zh-TW" kern="100" dirty="0">
-                <a:latin typeface="Calibri" panose="020F0502020204030204" pitchFamily="34" charset="0"/>
-                <a:cs typeface="Times New Roman" panose="02020603050405020304" pitchFamily="18" charset="0"/>
-              </a:rPr>
-              <a:t>的症状似乎是最不具体的，并且在大多数章节中重复出现</a:t>
-            </a:r>
-            <a:r>
-              <a:rPr lang="zh-CN" altLang="zh-TW" kern="100" dirty="0" smtClean="0">
-                <a:latin typeface="Calibri" panose="020F0502020204030204" pitchFamily="34" charset="0"/>
-                <a:cs typeface="Times New Roman" panose="02020603050405020304" pitchFamily="18" charset="0"/>
-              </a:rPr>
-              <a:t>，</a:t>
-            </a:r>
-            <a:endParaRPr lang="en-US" altLang="zh-CN" kern="100" dirty="0" smtClean="0">
-              <a:latin typeface="Calibri" panose="020F0502020204030204" pitchFamily="34" charset="0"/>
-              <a:cs typeface="Times New Roman" panose="02020603050405020304" pitchFamily="18" charset="0"/>
-            </a:endParaRPr>
-          </a:p>
-          <a:p>
-            <a:pPr>
-              <a:spcAft>
-                <a:spcPts val="0"/>
-              </a:spcAft>
-            </a:pPr>
-            <a:endParaRPr lang="en-US" altLang="zh-CN" kern="100" dirty="0">
-              <a:latin typeface="Calibri" panose="020F0502020204030204" pitchFamily="34" charset="0"/>
-              <a:cs typeface="Times New Roman" panose="02020603050405020304" pitchFamily="18" charset="0"/>
-            </a:endParaRPr>
-          </a:p>
-          <a:p>
-            <a:pPr>
-              <a:spcAft>
-                <a:spcPts val="0"/>
-              </a:spcAft>
-            </a:pPr>
-            <a:r>
-              <a:rPr lang="zh-CN" altLang="zh-TW" kern="100" dirty="0" smtClean="0">
-                <a:latin typeface="Calibri" panose="020F0502020204030204" pitchFamily="34" charset="0"/>
-                <a:cs typeface="Times New Roman" panose="02020603050405020304" pitchFamily="18" charset="0"/>
-              </a:rPr>
-              <a:t>这</a:t>
-            </a:r>
-            <a:r>
-              <a:rPr lang="zh-CN" altLang="zh-TW" kern="100" dirty="0">
-                <a:latin typeface="Calibri" panose="020F0502020204030204" pitchFamily="34" charset="0"/>
-                <a:cs typeface="Times New Roman" panose="02020603050405020304" pitchFamily="18" charset="0"/>
-              </a:rPr>
-              <a:t>引发了对将</a:t>
-            </a:r>
-            <a:r>
-              <a:rPr lang="en-US" altLang="zh-TW" kern="100" dirty="0" smtClean="0">
-                <a:effectLst/>
-                <a:latin typeface="Calibri" panose="020F0502020204030204" pitchFamily="34" charset="0"/>
-                <a:ea typeface="宋体" panose="02010600030101010101" pitchFamily="2" charset="-122"/>
-                <a:cs typeface="Times New Roman" panose="02020603050405020304" pitchFamily="18" charset="0"/>
-              </a:rPr>
-              <a:t> MDD </a:t>
-            </a:r>
-            <a:r>
-              <a:rPr lang="zh-CN" altLang="zh-TW" kern="100" dirty="0">
-                <a:latin typeface="Calibri" panose="020F0502020204030204" pitchFamily="34" charset="0"/>
-                <a:cs typeface="Times New Roman" panose="02020603050405020304" pitchFamily="18" charset="0"/>
-              </a:rPr>
-              <a:t>作为单一结构进行研究的有效性的质疑。 </a:t>
-            </a:r>
-            <a:endParaRPr lang="en-US" altLang="zh-CN" kern="100" dirty="0" smtClean="0">
-              <a:latin typeface="Calibri" panose="020F0502020204030204" pitchFamily="34" charset="0"/>
-              <a:cs typeface="Times New Roman" panose="02020603050405020304" pitchFamily="18" charset="0"/>
-            </a:endParaRPr>
-          </a:p>
-          <a:p>
-            <a:pPr>
-              <a:spcAft>
-                <a:spcPts val="0"/>
-              </a:spcAft>
-            </a:pPr>
-            <a:endParaRPr lang="en-US" altLang="zh-CN" kern="100" dirty="0">
-              <a:latin typeface="Calibri" panose="020F0502020204030204" pitchFamily="34" charset="0"/>
-              <a:cs typeface="Times New Roman" panose="02020603050405020304" pitchFamily="18" charset="0"/>
-            </a:endParaRPr>
-          </a:p>
-          <a:p>
-            <a:pPr>
-              <a:spcAft>
-                <a:spcPts val="0"/>
-              </a:spcAft>
-            </a:pPr>
-            <a:r>
-              <a:rPr lang="zh-CN" altLang="zh-TW" kern="100" dirty="0" smtClean="0">
-                <a:latin typeface="Calibri" panose="020F0502020204030204" pitchFamily="34" charset="0"/>
-                <a:cs typeface="Times New Roman" panose="02020603050405020304" pitchFamily="18" charset="0"/>
-              </a:rPr>
-              <a:t>重要</a:t>
-            </a:r>
-            <a:r>
-              <a:rPr lang="zh-CN" altLang="zh-TW" kern="100" dirty="0">
-                <a:latin typeface="Calibri" panose="020F0502020204030204" pitchFamily="34" charset="0"/>
-                <a:cs typeface="Times New Roman" panose="02020603050405020304" pitchFamily="18" charset="0"/>
-              </a:rPr>
-              <a:t>的是要注意，该研究的结果是基于对</a:t>
-            </a:r>
-            <a:r>
-              <a:rPr lang="en-US" altLang="zh-TW" kern="100" dirty="0" smtClean="0">
-                <a:effectLst/>
-                <a:latin typeface="Calibri" panose="020F0502020204030204" pitchFamily="34" charset="0"/>
-                <a:ea typeface="宋体" panose="02010600030101010101" pitchFamily="2" charset="-122"/>
-                <a:cs typeface="Times New Roman" panose="02020603050405020304" pitchFamily="18" charset="0"/>
-              </a:rPr>
-              <a:t> DSM-5 </a:t>
-            </a:r>
-            <a:r>
-              <a:rPr lang="zh-CN" altLang="zh-TW" kern="100" dirty="0">
-                <a:latin typeface="Calibri" panose="020F0502020204030204" pitchFamily="34" charset="0"/>
-                <a:cs typeface="Times New Roman" panose="02020603050405020304" pitchFamily="18" charset="0"/>
-              </a:rPr>
-              <a:t>的描述性分析，并且在确定症状重叠时会受到主观决定的影响。</a:t>
-            </a:r>
-            <a:endParaRPr lang="zh-TW" altLang="zh-TW" kern="100" dirty="0">
-              <a:effectLst/>
-              <a:latin typeface="Calibri" panose="020F0502020204030204" pitchFamily="34" charset="0"/>
-              <a:ea typeface="PMingLiU" panose="02020500000000000000" pitchFamily="18" charset="-120"/>
-              <a:cs typeface="Times New Roman" panose="02020603050405020304" pitchFamily="18" charset="0"/>
-            </a:endParaRPr>
-          </a:p>
-        </p:txBody>
-      </p:sp>
-      <p:sp>
-        <p:nvSpPr>
-          <p:cNvPr id="3" name="矩形 2"/>
-          <p:cNvSpPr/>
-          <p:nvPr/>
-        </p:nvSpPr>
-        <p:spPr>
-          <a:xfrm>
-            <a:off x="620109" y="1000035"/>
-            <a:ext cx="9722069" cy="1200329"/>
-          </a:xfrm>
-          <a:prstGeom prst="rect">
-            <a:avLst/>
-          </a:prstGeom>
-        </p:spPr>
-        <p:txBody>
-          <a:bodyPr wrap="square">
-            <a:spAutoFit/>
-          </a:bodyPr>
-          <a:lstStyle/>
-          <a:p>
-            <a:r>
-              <a:rPr lang="zh-CN" altLang="zh-TW" dirty="0">
-                <a:latin typeface="Calibri" panose="020F0502020204030204" pitchFamily="34" charset="0"/>
-                <a:cs typeface="Times New Roman" panose="02020603050405020304" pitchFamily="18" charset="0"/>
-              </a:rPr>
-              <a:t>该研究发现</a:t>
-            </a:r>
-            <a:r>
-              <a:rPr lang="en-US" altLang="zh-TW" dirty="0" smtClean="0">
-                <a:effectLst/>
-                <a:latin typeface="Calibri" panose="020F0502020204030204" pitchFamily="34" charset="0"/>
-                <a:ea typeface="宋体" panose="02010600030101010101" pitchFamily="2" charset="-122"/>
-                <a:cs typeface="Times New Roman" panose="02020603050405020304" pitchFamily="18" charset="0"/>
-              </a:rPr>
-              <a:t> DSM-5 </a:t>
-            </a:r>
-            <a:r>
-              <a:rPr lang="zh-CN" altLang="zh-TW" dirty="0">
-                <a:latin typeface="Calibri" panose="020F0502020204030204" pitchFamily="34" charset="0"/>
-                <a:cs typeface="Times New Roman" panose="02020603050405020304" pitchFamily="18" charset="0"/>
-              </a:rPr>
-              <a:t>中存在重复症状，无论是在章节内还是章节之间</a:t>
-            </a:r>
-            <a:r>
-              <a:rPr lang="zh-CN" altLang="zh-TW" dirty="0" smtClean="0">
-                <a:latin typeface="Calibri" panose="020F0502020204030204" pitchFamily="34" charset="0"/>
-                <a:cs typeface="Times New Roman" panose="02020603050405020304" pitchFamily="18" charset="0"/>
-              </a:rPr>
-              <a:t>。</a:t>
-            </a:r>
-            <a:endParaRPr lang="en-US" altLang="zh-CN" dirty="0" smtClean="0">
-              <a:latin typeface="Calibri" panose="020F0502020204030204" pitchFamily="34" charset="0"/>
-              <a:cs typeface="Times New Roman" panose="02020603050405020304" pitchFamily="18" charset="0"/>
-            </a:endParaRPr>
-          </a:p>
-          <a:p>
-            <a:endParaRPr lang="en-US" altLang="zh-CN" dirty="0">
-              <a:effectLst/>
-              <a:latin typeface="Calibri" panose="020F0502020204030204" pitchFamily="34" charset="0"/>
-              <a:ea typeface="Calibri" panose="020F0502020204030204" pitchFamily="34" charset="0"/>
-              <a:cs typeface="Times New Roman" panose="02020603050405020304" pitchFamily="18" charset="0"/>
-            </a:endParaRPr>
-          </a:p>
-          <a:p>
-            <a:r>
-              <a:rPr lang="zh-CN" altLang="zh-TW" dirty="0" smtClean="0">
-                <a:latin typeface="Calibri" panose="020F0502020204030204" pitchFamily="34" charset="0"/>
-                <a:cs typeface="Times New Roman" panose="02020603050405020304" pitchFamily="18" charset="0"/>
-              </a:rPr>
-              <a:t>章节</a:t>
-            </a:r>
-            <a:r>
-              <a:rPr lang="zh-CN" altLang="zh-TW" dirty="0">
-                <a:latin typeface="Calibri" panose="020F0502020204030204" pitchFamily="34" charset="0"/>
-                <a:cs typeface="Times New Roman" panose="02020603050405020304" pitchFamily="18" charset="0"/>
-              </a:rPr>
-              <a:t>内的重复似乎更有目的性，反映了所描述疾病的性质</a:t>
-            </a:r>
-            <a:r>
-              <a:rPr lang="zh-CN" altLang="zh-TW" dirty="0" smtClean="0">
-                <a:latin typeface="Calibri" panose="020F0502020204030204" pitchFamily="34" charset="0"/>
-                <a:cs typeface="Times New Roman" panose="02020603050405020304" pitchFamily="18" charset="0"/>
-              </a:rPr>
-              <a:t>，</a:t>
-            </a:r>
-            <a:endParaRPr lang="en-US" altLang="zh-CN" dirty="0" smtClean="0">
-              <a:latin typeface="Calibri" panose="020F0502020204030204" pitchFamily="34" charset="0"/>
-              <a:cs typeface="Times New Roman" panose="02020603050405020304" pitchFamily="18" charset="0"/>
-            </a:endParaRPr>
-          </a:p>
-          <a:p>
-            <a:r>
-              <a:rPr lang="zh-CN" altLang="zh-TW" dirty="0" smtClean="0">
-                <a:latin typeface="Calibri" panose="020F0502020204030204" pitchFamily="34" charset="0"/>
-                <a:cs typeface="Times New Roman" panose="02020603050405020304" pitchFamily="18" charset="0"/>
-              </a:rPr>
-              <a:t>章节</a:t>
-            </a:r>
-            <a:r>
-              <a:rPr lang="zh-CN" altLang="zh-TW" dirty="0">
-                <a:latin typeface="Calibri" panose="020F0502020204030204" pitchFamily="34" charset="0"/>
-                <a:cs typeface="Times New Roman" panose="02020603050405020304" pitchFamily="18" charset="0"/>
-              </a:rPr>
-              <a:t>间的重复似乎目的性较小，反映出诊断之间缺乏明确的界限</a:t>
-            </a:r>
-            <a:endParaRPr lang="zh-TW" altLang="en-US" dirty="0"/>
-          </a:p>
-        </p:txBody>
-      </p:sp>
-    </p:spTree>
-    <p:extLst>
-      <p:ext uri="{BB962C8B-B14F-4D97-AF65-F5344CB8AC3E}">
-        <p14:creationId xmlns:p14="http://schemas.microsoft.com/office/powerpoint/2010/main" val="2286519300"/>
-      </p:ext>
-    </p:extLst>
-  </p:cSld>
-  <p:clrMapOvr>
-    <a:masterClrMapping/>
-  </p:clrMapOvr>
-</p:sld>
-</file>
-
-<file path=ppt/slides/slide21.xml><?xml version="1.0" encoding="utf-8"?>
-<p:sld xmlns:a="http://schemas.openxmlformats.org/drawingml/2006/main" xmlns:r="http://schemas.openxmlformats.org/officeDocument/2006/relationships" xmlns:p="http://schemas.openxmlformats.org/presentationml/2006/main">
-  <p:cSld>
-    <p:spTree>
-      <p:nvGrpSpPr>
-        <p:cNvPr id="1" name=""/>
-        <p:cNvGrpSpPr/>
-        <p:nvPr/>
-      </p:nvGrpSpPr>
-      <p:grpSpPr>
-        <a:xfrm>
-          <a:off x="0" y="0"/>
-          <a:ext cx="0" cy="0"/>
-          <a:chOff x="0" y="0"/>
-          <a:chExt cx="0" cy="0"/>
-        </a:xfrm>
-      </p:grpSpPr>
-      <p:sp>
-        <p:nvSpPr>
-          <p:cNvPr id="2" name="矩形 1"/>
-          <p:cNvSpPr/>
-          <p:nvPr/>
-        </p:nvSpPr>
-        <p:spPr>
-          <a:xfrm>
-            <a:off x="793531" y="1387393"/>
-            <a:ext cx="10857186" cy="646331"/>
-          </a:xfrm>
-          <a:prstGeom prst="rect">
-            <a:avLst/>
-          </a:prstGeom>
-        </p:spPr>
-        <p:txBody>
-          <a:bodyPr wrap="square">
-            <a:spAutoFit/>
-          </a:bodyPr>
-          <a:lstStyle/>
-          <a:p>
-            <a:r>
-              <a:rPr lang="zh-CN" altLang="zh-TW" smtClean="0">
-                <a:latin typeface="Calibri" panose="020F0502020204030204" pitchFamily="34" charset="0"/>
-                <a:cs typeface="Times New Roman" panose="02020603050405020304" pitchFamily="18" charset="0"/>
-              </a:rPr>
-              <a:t>本文讨论了</a:t>
-            </a:r>
-            <a:r>
-              <a:rPr lang="en-US" altLang="zh-TW" smtClean="0">
-                <a:effectLst/>
-                <a:latin typeface="Calibri" panose="020F0502020204030204" pitchFamily="34" charset="0"/>
-                <a:ea typeface="宋体" panose="02010600030101010101" pitchFamily="2" charset="-122"/>
-                <a:cs typeface="Times New Roman" panose="02020603050405020304" pitchFamily="18" charset="0"/>
-              </a:rPr>
-              <a:t> DSM-5 </a:t>
-            </a:r>
-            <a:r>
-              <a:rPr lang="zh-CN" altLang="zh-TW" smtClean="0">
-                <a:latin typeface="Calibri" panose="020F0502020204030204" pitchFamily="34" charset="0"/>
-                <a:cs typeface="Times New Roman" panose="02020603050405020304" pitchFamily="18" charset="0"/>
-              </a:rPr>
-              <a:t>诊断类别内和跨诊断类别的症状重复问题，特别关注整个手册中重度抑郁症</a:t>
-            </a:r>
-            <a:r>
-              <a:rPr lang="en-US" altLang="zh-TW" smtClean="0">
-                <a:effectLst/>
-                <a:latin typeface="Calibri" panose="020F0502020204030204" pitchFamily="34" charset="0"/>
-                <a:ea typeface="宋体" panose="02010600030101010101" pitchFamily="2" charset="-122"/>
-                <a:cs typeface="Times New Roman" panose="02020603050405020304" pitchFamily="18" charset="0"/>
-              </a:rPr>
-              <a:t> (MDD) </a:t>
-            </a:r>
-            <a:r>
-              <a:rPr lang="zh-CN" altLang="zh-TW" smtClean="0">
-                <a:latin typeface="Calibri" panose="020F0502020204030204" pitchFamily="34" charset="0"/>
-                <a:cs typeface="Times New Roman" panose="02020603050405020304" pitchFamily="18" charset="0"/>
-              </a:rPr>
-              <a:t>症状的普遍性</a:t>
-            </a:r>
-            <a:endParaRPr lang="zh-TW" altLang="en-US" dirty="0"/>
-          </a:p>
-        </p:txBody>
-      </p:sp>
-      <p:sp>
-        <p:nvSpPr>
-          <p:cNvPr id="3" name="矩形 2"/>
-          <p:cNvSpPr/>
-          <p:nvPr/>
-        </p:nvSpPr>
-        <p:spPr>
-          <a:xfrm>
-            <a:off x="793531" y="2637445"/>
-            <a:ext cx="10857186" cy="2031325"/>
-          </a:xfrm>
-          <a:prstGeom prst="rect">
-            <a:avLst/>
-          </a:prstGeom>
-        </p:spPr>
-        <p:txBody>
-          <a:bodyPr wrap="square">
-            <a:spAutoFit/>
-          </a:bodyPr>
-          <a:lstStyle/>
-          <a:p>
-            <a:pPr>
-              <a:spcAft>
-                <a:spcPts val="0"/>
-              </a:spcAft>
-            </a:pPr>
-            <a:r>
-              <a:rPr lang="zh-CN" altLang="zh-TW" kern="100" dirty="0">
-                <a:latin typeface="Calibri" panose="020F0502020204030204" pitchFamily="34" charset="0"/>
-                <a:cs typeface="Times New Roman" panose="02020603050405020304" pitchFamily="18" charset="0"/>
-              </a:rPr>
-              <a:t>作者认为，</a:t>
-            </a:r>
-            <a:r>
-              <a:rPr lang="en-US" altLang="zh-TW" kern="100" dirty="0" smtClean="0">
-                <a:effectLst/>
-                <a:latin typeface="Calibri" panose="020F0502020204030204" pitchFamily="34" charset="0"/>
-                <a:ea typeface="宋体" panose="02010600030101010101" pitchFamily="2" charset="-122"/>
-                <a:cs typeface="Times New Roman" panose="02020603050405020304" pitchFamily="18" charset="0"/>
-              </a:rPr>
-              <a:t>MDD </a:t>
-            </a:r>
-            <a:r>
-              <a:rPr lang="zh-CN" altLang="zh-TW" kern="100" dirty="0">
-                <a:latin typeface="Calibri" panose="020F0502020204030204" pitchFamily="34" charset="0"/>
-                <a:cs typeface="Times New Roman" panose="02020603050405020304" pitchFamily="18" charset="0"/>
-              </a:rPr>
-              <a:t>症状的非特异性可能反映了对压力的更普遍的心理反应，而不是与特定原因、机制或治疗需求相对应的连贯综合症</a:t>
-            </a:r>
-            <a:r>
-              <a:rPr lang="zh-CN" altLang="zh-TW" kern="100" dirty="0" smtClean="0">
-                <a:latin typeface="Calibri" panose="020F0502020204030204" pitchFamily="34" charset="0"/>
-                <a:cs typeface="Times New Roman" panose="02020603050405020304" pitchFamily="18" charset="0"/>
-              </a:rPr>
-              <a:t>。</a:t>
-            </a:r>
-            <a:endParaRPr lang="en-US" altLang="zh-CN" kern="100" dirty="0" smtClean="0">
-              <a:latin typeface="Calibri" panose="020F0502020204030204" pitchFamily="34" charset="0"/>
-              <a:cs typeface="Times New Roman" panose="02020603050405020304" pitchFamily="18" charset="0"/>
-            </a:endParaRPr>
-          </a:p>
-          <a:p>
-            <a:pPr>
-              <a:spcAft>
-                <a:spcPts val="0"/>
-              </a:spcAft>
-            </a:pPr>
-            <a:endParaRPr lang="en-US" altLang="zh-CN" kern="100" dirty="0">
-              <a:latin typeface="Calibri" panose="020F0502020204030204" pitchFamily="34" charset="0"/>
-              <a:cs typeface="Times New Roman" panose="02020603050405020304" pitchFamily="18" charset="0"/>
-            </a:endParaRPr>
-          </a:p>
-          <a:p>
-            <a:pPr>
-              <a:spcAft>
-                <a:spcPts val="0"/>
-              </a:spcAft>
-            </a:pPr>
-            <a:r>
-              <a:rPr lang="zh-CN" altLang="zh-TW" kern="100" dirty="0" smtClean="0">
-                <a:latin typeface="Calibri" panose="020F0502020204030204" pitchFamily="34" charset="0"/>
-                <a:cs typeface="Times New Roman" panose="02020603050405020304" pitchFamily="18" charset="0"/>
-              </a:rPr>
-              <a:t> </a:t>
-            </a:r>
-            <a:r>
-              <a:rPr lang="zh-CN" altLang="zh-TW" kern="100" dirty="0">
-                <a:latin typeface="Calibri" panose="020F0502020204030204" pitchFamily="34" charset="0"/>
-                <a:cs typeface="Times New Roman" panose="02020603050405020304" pitchFamily="18" charset="0"/>
-              </a:rPr>
-              <a:t>这可能导致将其他诊断中的症状错误归因于</a:t>
-            </a:r>
-            <a:r>
-              <a:rPr lang="en-US" altLang="zh-TW" kern="100" dirty="0" smtClean="0">
-                <a:effectLst/>
-                <a:latin typeface="Calibri" panose="020F0502020204030204" pitchFamily="34" charset="0"/>
-                <a:ea typeface="宋体" panose="02010600030101010101" pitchFamily="2" charset="-122"/>
-                <a:cs typeface="Times New Roman" panose="02020603050405020304" pitchFamily="18" charset="0"/>
-              </a:rPr>
-              <a:t> MDD</a:t>
-            </a:r>
-            <a:r>
-              <a:rPr lang="zh-CN" altLang="zh-TW" kern="100" dirty="0">
-                <a:latin typeface="Calibri" panose="020F0502020204030204" pitchFamily="34" charset="0"/>
-                <a:cs typeface="Times New Roman" panose="02020603050405020304" pitchFamily="18" charset="0"/>
-              </a:rPr>
-              <a:t>，反之亦然，并增加合并症的发生率。 </a:t>
-            </a:r>
-            <a:endParaRPr lang="en-US" altLang="zh-CN" kern="100" dirty="0" smtClean="0">
-              <a:latin typeface="Calibri" panose="020F0502020204030204" pitchFamily="34" charset="0"/>
-              <a:cs typeface="Times New Roman" panose="02020603050405020304" pitchFamily="18" charset="0"/>
-            </a:endParaRPr>
-          </a:p>
-          <a:p>
-            <a:pPr>
-              <a:spcAft>
-                <a:spcPts val="0"/>
-              </a:spcAft>
-            </a:pPr>
-            <a:endParaRPr lang="en-US" altLang="zh-CN" kern="100" dirty="0">
-              <a:latin typeface="Calibri" panose="020F0502020204030204" pitchFamily="34" charset="0"/>
-              <a:cs typeface="Times New Roman" panose="02020603050405020304" pitchFamily="18" charset="0"/>
-            </a:endParaRPr>
-          </a:p>
-          <a:p>
-            <a:pPr>
-              <a:spcAft>
-                <a:spcPts val="0"/>
-              </a:spcAft>
-            </a:pPr>
-            <a:r>
-              <a:rPr lang="zh-CN" altLang="zh-TW" kern="100" dirty="0" smtClean="0">
-                <a:latin typeface="Calibri" panose="020F0502020204030204" pitchFamily="34" charset="0"/>
-                <a:cs typeface="Times New Roman" panose="02020603050405020304" pitchFamily="18" charset="0"/>
-              </a:rPr>
-              <a:t>作者</a:t>
-            </a:r>
-            <a:r>
-              <a:rPr lang="zh-CN" altLang="zh-TW" kern="100" dirty="0">
-                <a:latin typeface="Calibri" panose="020F0502020204030204" pitchFamily="34" charset="0"/>
-                <a:cs typeface="Times New Roman" panose="02020603050405020304" pitchFamily="18" charset="0"/>
-              </a:rPr>
-              <a:t>呼吁进行更多的实证研究，以确定症状协变模式是否反映了观察到的（非）特异性，并确定可以为精神病理学诊断和分类的研究、实践和重新概念化提供更好框架的交叉症状或集群</a:t>
-            </a:r>
-            <a:r>
-              <a:rPr lang="en-US" altLang="zh-TW" kern="100" dirty="0" smtClean="0">
-                <a:effectLst/>
-                <a:latin typeface="Calibri" panose="020F0502020204030204" pitchFamily="34" charset="0"/>
-                <a:ea typeface="宋体" panose="02010600030101010101" pitchFamily="2" charset="-122"/>
-                <a:cs typeface="Times New Roman" panose="02020603050405020304" pitchFamily="18" charset="0"/>
-              </a:rPr>
-              <a:t> .</a:t>
-            </a:r>
-            <a:endParaRPr lang="zh-TW" altLang="zh-TW" kern="100" dirty="0">
-              <a:effectLst/>
-              <a:latin typeface="Calibri" panose="020F0502020204030204" pitchFamily="34" charset="0"/>
-              <a:ea typeface="PMingLiU" panose="02020500000000000000" pitchFamily="18" charset="-120"/>
-              <a:cs typeface="Times New Roman" panose="02020603050405020304" pitchFamily="18" charset="0"/>
-            </a:endParaRPr>
-          </a:p>
-        </p:txBody>
-      </p:sp>
-    </p:spTree>
-    <p:extLst>
-      <p:ext uri="{BB962C8B-B14F-4D97-AF65-F5344CB8AC3E}">
-        <p14:creationId xmlns:p14="http://schemas.microsoft.com/office/powerpoint/2010/main" val="2093691416"/>
-      </p:ext>
-    </p:extLst>
-  </p:cSld>
-  <p:clrMapOvr>
-    <a:masterClrMapping/>
-  </p:clrMapOvr>
-</p:sld>
-</file>
-
 <file path=ppt/slides/slide3.xml><?xml version="1.0" encoding="utf-8"?>
 <p:sld xmlns:a="http://schemas.openxmlformats.org/drawingml/2006/main" xmlns:r="http://schemas.openxmlformats.org/officeDocument/2006/relationships" xmlns:p="http://schemas.openxmlformats.org/presentationml/2006/main">
   <p:cSld>
@@ -7678,7 +7618,39 @@
                 <a:ea typeface="楷体" panose="02010609060101010101" pitchFamily="49" charset="-122"/>
                 <a:cs typeface="Times New Roman" panose="02020603050405020304" pitchFamily="18" charset="0"/>
               </a:rPr>
-              <a:t>症状是否仅仅是由于疾病之间的共病性或相关性导致的，还是它们确实在某些疾病中具有特定的、独立的表现方式。</a:t>
+              <a:t>症状是否仅仅是由于疾病之间的共病性或相关性导致的，还是它们确实在某些疾病中</a:t>
+            </a:r>
+            <a:r>
+              <a:rPr lang="zh-CN" altLang="en-US" kern="100" dirty="0" smtClean="0">
+                <a:latin typeface="楷体" panose="02010609060101010101" pitchFamily="49" charset="-122"/>
+                <a:ea typeface="楷体" panose="02010609060101010101" pitchFamily="49" charset="-122"/>
+                <a:cs typeface="Times New Roman" panose="02020603050405020304" pitchFamily="18" charset="0"/>
+              </a:rPr>
+              <a:t>具有</a:t>
+            </a:r>
+            <a:r>
+              <a:rPr lang="zh-CN" altLang="en-US" kern="100" dirty="0" smtClean="0">
+                <a:latin typeface="楷体" panose="02010609060101010101" pitchFamily="49" charset="-122"/>
+                <a:ea typeface="楷体" panose="02010609060101010101" pitchFamily="49" charset="-122"/>
+                <a:cs typeface="Times New Roman" panose="02020603050405020304" pitchFamily="18" charset="0"/>
+              </a:rPr>
+              <a:t>特别的</a:t>
+            </a:r>
+            <a:r>
+              <a:rPr lang="zh-CN" altLang="en-US" kern="100" dirty="0" smtClean="0">
+                <a:latin typeface="楷体" panose="02010609060101010101" pitchFamily="49" charset="-122"/>
+                <a:ea typeface="楷体" panose="02010609060101010101" pitchFamily="49" charset="-122"/>
+                <a:cs typeface="Times New Roman" panose="02020603050405020304" pitchFamily="18" charset="0"/>
+              </a:rPr>
+              <a:t>表现</a:t>
+            </a:r>
+            <a:r>
+              <a:rPr lang="zh-CN" altLang="en-US" kern="100" dirty="0" smtClean="0">
+                <a:latin typeface="楷体" panose="02010609060101010101" pitchFamily="49" charset="-122"/>
+                <a:ea typeface="楷体" panose="02010609060101010101" pitchFamily="49" charset="-122"/>
+                <a:cs typeface="Times New Roman" panose="02020603050405020304" pitchFamily="18" charset="0"/>
+              </a:rPr>
+              <a:t>方式。</a:t>
             </a:r>
             <a:endParaRPr lang="en-US" altLang="zh-CN" kern="100" dirty="0" smtClean="0">
               <a:latin typeface="楷体" panose="02010609060101010101" pitchFamily="49" charset="-122"/>
@@ -7707,20 +7679,92 @@
               <a:buChar char="n"/>
             </a:pPr>
             <a:r>
-              <a:rPr lang="zh-CN" altLang="zh-TW" kern="100" dirty="0" smtClean="0">
-                <a:latin typeface="楷体" panose="02010609060101010101" pitchFamily="49" charset="-122"/>
-                <a:ea typeface="楷体" panose="02010609060101010101" pitchFamily="49" charset="-122"/>
-                <a:cs typeface="Times New Roman" panose="02020603050405020304" pitchFamily="18" charset="0"/>
-              </a:rPr>
-              <a:t>这些</a:t>
-            </a:r>
-            <a:r>
-              <a:rPr lang="zh-CN" altLang="zh-TW" kern="100" dirty="0">
-                <a:latin typeface="楷体" panose="02010609060101010101" pitchFamily="49" charset="-122"/>
-                <a:ea typeface="楷体" panose="02010609060101010101" pitchFamily="49" charset="-122"/>
-                <a:cs typeface="Times New Roman" panose="02020603050405020304" pitchFamily="18" charset="0"/>
-              </a:rPr>
-              <a:t>研究侧重于疾病水平的重叠和合并症，其中诊断中症状的大量重叠使得个体更有可能满足多重诊断的标准。</a:t>
+              <a:rPr lang="zh-CN" altLang="en-US" kern="100" dirty="0">
+                <a:latin typeface="楷体" panose="02010609060101010101" pitchFamily="49" charset="-122"/>
+                <a:ea typeface="楷体" panose="02010609060101010101" pitchFamily="49" charset="-122"/>
+                <a:cs typeface="Times New Roman" panose="02020603050405020304" pitchFamily="18" charset="0"/>
+              </a:rPr>
+              <a:t>这些研究</a:t>
+            </a:r>
+            <a:r>
+              <a:rPr lang="zh-CN" altLang="en-US" kern="100" dirty="0" smtClean="0">
+                <a:latin typeface="楷体" panose="02010609060101010101" pitchFamily="49" charset="-122"/>
+                <a:ea typeface="楷体" panose="02010609060101010101" pitchFamily="49" charset="-122"/>
+                <a:cs typeface="Times New Roman" panose="02020603050405020304" pitchFamily="18" charset="0"/>
+              </a:rPr>
+              <a:t>中都基于</a:t>
+            </a:r>
+            <a:r>
+              <a:rPr lang="zh-CN" altLang="en-US" kern="100" dirty="0">
+                <a:latin typeface="楷体" panose="02010609060101010101" pitchFamily="49" charset="-122"/>
+                <a:ea typeface="楷体" panose="02010609060101010101" pitchFamily="49" charset="-122"/>
+                <a:cs typeface="Times New Roman" panose="02020603050405020304" pitchFamily="18" charset="0"/>
+              </a:rPr>
+              <a:t>这样一种</a:t>
+            </a:r>
+            <a:r>
+              <a:rPr lang="zh-CN" altLang="en-US" kern="100" dirty="0" smtClean="0">
+                <a:latin typeface="楷体" panose="02010609060101010101" pitchFamily="49" charset="-122"/>
+                <a:ea typeface="楷体" panose="02010609060101010101" pitchFamily="49" charset="-122"/>
+                <a:cs typeface="Times New Roman" panose="02020603050405020304" pitchFamily="18" charset="0"/>
+              </a:rPr>
+              <a:t>观点</a:t>
+            </a:r>
+            <a:r>
+              <a:rPr lang="en-US" altLang="zh-CN" kern="100" dirty="0" smtClean="0">
+                <a:latin typeface="楷体" panose="02010609060101010101" pitchFamily="49" charset="-122"/>
+                <a:ea typeface="楷体" panose="02010609060101010101" pitchFamily="49" charset="-122"/>
+                <a:cs typeface="Times New Roman" panose="02020603050405020304" pitchFamily="18" charset="0"/>
+              </a:rPr>
+              <a:t>——</a:t>
+            </a:r>
+            <a:r>
+              <a:rPr lang="zh-CN" altLang="en-US" kern="100" dirty="0" smtClean="0">
+                <a:latin typeface="楷体" panose="02010609060101010101" pitchFamily="49" charset="-122"/>
+                <a:ea typeface="楷体" panose="02010609060101010101" pitchFamily="49" charset="-122"/>
+                <a:cs typeface="Times New Roman" panose="02020603050405020304" pitchFamily="18" charset="0"/>
+              </a:rPr>
+              <a:t>重</a:t>
+            </a:r>
+            <a:r>
+              <a:rPr lang="zh-CN" altLang="en-US" kern="100" dirty="0">
+                <a:latin typeface="楷体" panose="02010609060101010101" pitchFamily="49" charset="-122"/>
+                <a:ea typeface="楷体" panose="02010609060101010101" pitchFamily="49" charset="-122"/>
+                <a:cs typeface="Times New Roman" panose="02020603050405020304" pitchFamily="18" charset="0"/>
+              </a:rPr>
+              <a:t>度抑郁症和广泛性焦虑症之间的症状有相当大的</a:t>
+            </a:r>
+            <a:r>
+              <a:rPr lang="zh-CN" altLang="en-US" kern="100" dirty="0" smtClean="0">
+                <a:latin typeface="楷体" panose="02010609060101010101" pitchFamily="49" charset="-122"/>
+                <a:ea typeface="楷体" panose="02010609060101010101" pitchFamily="49" charset="-122"/>
+                <a:cs typeface="Times New Roman" panose="02020603050405020304" pitchFamily="18" charset="0"/>
+              </a:rPr>
+              <a:t>重叠。这</a:t>
+            </a:r>
+            <a:r>
+              <a:rPr lang="zh-CN" altLang="en-US" kern="100" dirty="0">
+                <a:latin typeface="楷体" panose="02010609060101010101" pitchFamily="49" charset="-122"/>
+                <a:ea typeface="楷体" panose="02010609060101010101" pitchFamily="49" charset="-122"/>
+                <a:cs typeface="Times New Roman" panose="02020603050405020304" pitchFamily="18" charset="0"/>
+              </a:rPr>
+              <a:t>使得</a:t>
+            </a:r>
+            <a:r>
+              <a:rPr lang="zh-CN" altLang="en-US" kern="100" dirty="0" smtClean="0">
+                <a:latin typeface="楷体" panose="02010609060101010101" pitchFamily="49" charset="-122"/>
+                <a:ea typeface="楷体" panose="02010609060101010101" pitchFamily="49" charset="-122"/>
+                <a:cs typeface="Times New Roman" panose="02020603050405020304" pitchFamily="18" charset="0"/>
+              </a:rPr>
+              <a:t>一个人有</a:t>
+            </a:r>
+            <a:r>
+              <a:rPr lang="zh-CN" altLang="en-US" kern="100" dirty="0">
+                <a:latin typeface="楷体" panose="02010609060101010101" pitchFamily="49" charset="-122"/>
+                <a:ea typeface="楷体" panose="02010609060101010101" pitchFamily="49" charset="-122"/>
+                <a:cs typeface="Times New Roman" panose="02020603050405020304" pitchFamily="18" charset="0"/>
+              </a:rPr>
+              <a:t>可能同时满足这两种诊断的标准。</a:t>
             </a:r>
             <a:endParaRPr lang="zh-TW" altLang="zh-TW" kern="100" dirty="0">
               <a:effectLst/>
@@ -7884,7 +7928,416 @@
       </p:sp>
       <p:sp>
         <p:nvSpPr>
-          <p:cNvPr id="5" name="矩形 4"/>
+          <p:cNvPr id="6" name="矩形 5"/>
+          <p:cNvSpPr/>
+          <p:nvPr/>
+        </p:nvSpPr>
+        <p:spPr>
+          <a:xfrm>
+            <a:off x="527304" y="2413337"/>
+            <a:ext cx="8071945" cy="2031325"/>
+          </a:xfrm>
+          <a:prstGeom prst="rect">
+            <a:avLst/>
+          </a:prstGeom>
+        </p:spPr>
+        <p:txBody>
+          <a:bodyPr wrap="square">
+            <a:spAutoFit/>
+          </a:bodyPr>
+          <a:lstStyle/>
+          <a:p>
+            <a:pPr marL="285750" indent="-285750">
+              <a:buFont typeface="Wingdings" panose="05000000000000000000" pitchFamily="2" charset="2"/>
+              <a:buChar char="n"/>
+            </a:pPr>
+            <a:r>
+              <a:rPr lang="zh-CN" altLang="zh-TW" dirty="0">
+                <a:latin typeface="楷体" panose="02010609060101010101" pitchFamily="49" charset="-122"/>
+                <a:ea typeface="楷体" panose="02010609060101010101" pitchFamily="49" charset="-122"/>
+                <a:cs typeface="Times New Roman" panose="02020603050405020304" pitchFamily="18" charset="0"/>
+              </a:rPr>
+              <a:t>与以往的研究相比，本研究采用描述性方法</a:t>
+            </a:r>
+            <a:r>
+              <a:rPr lang="zh-CN" altLang="zh-TW" dirty="0" smtClean="0">
+                <a:latin typeface="楷体" panose="02010609060101010101" pitchFamily="49" charset="-122"/>
+                <a:ea typeface="楷体" panose="02010609060101010101" pitchFamily="49" charset="-122"/>
+                <a:cs typeface="Times New Roman" panose="02020603050405020304" pitchFamily="18" charset="0"/>
+              </a:rPr>
+              <a:t>来</a:t>
+            </a:r>
+            <a:r>
+              <a:rPr lang="zh-CN" altLang="en-US" dirty="0" smtClean="0">
+                <a:latin typeface="楷体" panose="02010609060101010101" pitchFamily="49" charset="-122"/>
+                <a:ea typeface="楷体" panose="02010609060101010101" pitchFamily="49" charset="-122"/>
+                <a:cs typeface="Times New Roman" panose="02020603050405020304" pitchFamily="18" charset="0"/>
+              </a:rPr>
+              <a:t>解决</a:t>
+            </a:r>
+            <a:r>
+              <a:rPr lang="zh-CN" altLang="zh-TW" dirty="0" smtClean="0">
+                <a:latin typeface="楷体" panose="02010609060101010101" pitchFamily="49" charset="-122"/>
+                <a:ea typeface="楷体" panose="02010609060101010101" pitchFamily="49" charset="-122"/>
+                <a:cs typeface="Times New Roman" panose="02020603050405020304" pitchFamily="18" charset="0"/>
+              </a:rPr>
+              <a:t>五</a:t>
+            </a:r>
+            <a:r>
+              <a:rPr lang="zh-CN" altLang="zh-TW" dirty="0">
+                <a:latin typeface="楷体" panose="02010609060101010101" pitchFamily="49" charset="-122"/>
+                <a:ea typeface="楷体" panose="02010609060101010101" pitchFamily="49" charset="-122"/>
+                <a:cs typeface="Times New Roman" panose="02020603050405020304" pitchFamily="18" charset="0"/>
+              </a:rPr>
+              <a:t>个研究问题</a:t>
+            </a:r>
+            <a:r>
+              <a:rPr lang="zh-CN" altLang="zh-TW" dirty="0" smtClean="0">
+                <a:latin typeface="楷体" panose="02010609060101010101" pitchFamily="49" charset="-122"/>
+                <a:ea typeface="楷体" panose="02010609060101010101" pitchFamily="49" charset="-122"/>
+                <a:cs typeface="Times New Roman" panose="02020603050405020304" pitchFamily="18" charset="0"/>
+              </a:rPr>
+              <a:t>。</a:t>
+            </a:r>
+            <a:endParaRPr lang="en-US" altLang="zh-CN" dirty="0" smtClean="0">
+              <a:latin typeface="楷体" panose="02010609060101010101" pitchFamily="49" charset="-122"/>
+              <a:ea typeface="楷体" panose="02010609060101010101" pitchFamily="49" charset="-122"/>
+              <a:cs typeface="Times New Roman" panose="02020603050405020304" pitchFamily="18" charset="0"/>
+            </a:endParaRPr>
+          </a:p>
+          <a:p>
+            <a:endParaRPr lang="en-US" altLang="zh-CN" dirty="0">
+              <a:effectLst/>
+              <a:latin typeface="楷体" panose="02010609060101010101" pitchFamily="49" charset="-122"/>
+              <a:ea typeface="楷体" panose="02010609060101010101" pitchFamily="49" charset="-122"/>
+              <a:cs typeface="Times New Roman" panose="02020603050405020304" pitchFamily="18" charset="0"/>
+            </a:endParaRPr>
+          </a:p>
+          <a:p>
+            <a:pPr marL="800100" lvl="1" indent="-342900">
+              <a:buFont typeface="+mj-lt"/>
+              <a:buAutoNum type="arabicPeriod"/>
+            </a:pPr>
+            <a:r>
+              <a:rPr lang="zh-CN" altLang="zh-TW" dirty="0" smtClean="0">
+                <a:latin typeface="楷体" panose="02010609060101010101" pitchFamily="49" charset="-122"/>
+                <a:ea typeface="楷体" panose="02010609060101010101" pitchFamily="49" charset="-122"/>
+                <a:cs typeface="Times New Roman" panose="02020603050405020304" pitchFamily="18" charset="0"/>
+              </a:rPr>
+              <a:t>有</a:t>
+            </a:r>
+            <a:r>
+              <a:rPr lang="zh-CN" altLang="zh-TW" dirty="0">
+                <a:latin typeface="楷体" panose="02010609060101010101" pitchFamily="49" charset="-122"/>
+                <a:ea typeface="楷体" panose="02010609060101010101" pitchFamily="49" charset="-122"/>
+                <a:cs typeface="Times New Roman" panose="02020603050405020304" pitchFamily="18" charset="0"/>
+              </a:rPr>
+              <a:t>多少不同的症状构成了</a:t>
+            </a:r>
+            <a:r>
+              <a:rPr lang="en-US" altLang="zh-TW" dirty="0" smtClean="0">
+                <a:effectLst/>
+                <a:latin typeface="楷体" panose="02010609060101010101" pitchFamily="49" charset="-122"/>
+                <a:ea typeface="楷体" panose="02010609060101010101" pitchFamily="49" charset="-122"/>
+                <a:cs typeface="Times New Roman" panose="02020603050405020304" pitchFamily="18" charset="0"/>
+              </a:rPr>
+              <a:t> DSM-5 </a:t>
+            </a:r>
+            <a:r>
+              <a:rPr lang="zh-CN" altLang="zh-TW" dirty="0">
+                <a:latin typeface="楷体" panose="02010609060101010101" pitchFamily="49" charset="-122"/>
+                <a:ea typeface="楷体" panose="02010609060101010101" pitchFamily="49" charset="-122"/>
+                <a:cs typeface="Times New Roman" panose="02020603050405020304" pitchFamily="18" charset="0"/>
+              </a:rPr>
+              <a:t>中定义的数百个</a:t>
+            </a:r>
+            <a:r>
+              <a:rPr lang="zh-CN" altLang="zh-TW" dirty="0" smtClean="0">
+                <a:latin typeface="楷体" panose="02010609060101010101" pitchFamily="49" charset="-122"/>
+                <a:ea typeface="楷体" panose="02010609060101010101" pitchFamily="49" charset="-122"/>
+                <a:cs typeface="Times New Roman" panose="02020603050405020304" pitchFamily="18" charset="0"/>
+              </a:rPr>
+              <a:t>诊断</a:t>
+            </a:r>
+            <a:r>
+              <a:rPr lang="zh-CN" altLang="en-US" dirty="0" smtClean="0">
+                <a:latin typeface="楷体" panose="02010609060101010101" pitchFamily="49" charset="-122"/>
+                <a:ea typeface="楷体" panose="02010609060101010101" pitchFamily="49" charset="-122"/>
+                <a:cs typeface="Times New Roman" panose="02020603050405020304" pitchFamily="18" charset="0"/>
+              </a:rPr>
+              <a:t>标准</a:t>
+            </a:r>
+            <a:r>
+              <a:rPr lang="zh-CN" altLang="zh-TW" dirty="0" smtClean="0">
+                <a:latin typeface="楷体" panose="02010609060101010101" pitchFamily="49" charset="-122"/>
+                <a:ea typeface="楷体" panose="02010609060101010101" pitchFamily="49" charset="-122"/>
+                <a:cs typeface="Times New Roman" panose="02020603050405020304" pitchFamily="18" charset="0"/>
+              </a:rPr>
+              <a:t>，</a:t>
+            </a:r>
+            <a:endParaRPr lang="en-US" altLang="zh-CN" dirty="0" smtClean="0">
+              <a:latin typeface="楷体" panose="02010609060101010101" pitchFamily="49" charset="-122"/>
+              <a:ea typeface="楷体" panose="02010609060101010101" pitchFamily="49" charset="-122"/>
+              <a:cs typeface="Times New Roman" panose="02020603050405020304" pitchFamily="18" charset="0"/>
+            </a:endParaRPr>
+          </a:p>
+          <a:p>
+            <a:pPr marL="800100" lvl="1" indent="-342900">
+              <a:buFont typeface="+mj-lt"/>
+              <a:buAutoNum type="arabicPeriod"/>
+            </a:pPr>
+            <a:r>
+              <a:rPr lang="zh-CN" altLang="zh-TW" dirty="0" smtClean="0">
+                <a:latin typeface="楷体" panose="02010609060101010101" pitchFamily="49" charset="-122"/>
+                <a:ea typeface="楷体" panose="02010609060101010101" pitchFamily="49" charset="-122"/>
+                <a:cs typeface="Times New Roman" panose="02020603050405020304" pitchFamily="18" charset="0"/>
+              </a:rPr>
+              <a:t>这些</a:t>
+            </a:r>
+            <a:r>
+              <a:rPr lang="zh-CN" altLang="zh-TW" dirty="0">
+                <a:latin typeface="楷体" panose="02010609060101010101" pitchFamily="49" charset="-122"/>
+                <a:ea typeface="楷体" panose="02010609060101010101" pitchFamily="49" charset="-122"/>
+                <a:cs typeface="Times New Roman" panose="02020603050405020304" pitchFamily="18" charset="0"/>
+              </a:rPr>
+              <a:t>症状</a:t>
+            </a:r>
+            <a:r>
+              <a:rPr lang="zh-CN" altLang="zh-TW" dirty="0" smtClean="0">
+                <a:latin typeface="楷体" panose="02010609060101010101" pitchFamily="49" charset="-122"/>
+                <a:ea typeface="楷体" panose="02010609060101010101" pitchFamily="49" charset="-122"/>
+                <a:cs typeface="Times New Roman" panose="02020603050405020304" pitchFamily="18" charset="0"/>
+              </a:rPr>
+              <a:t>在</a:t>
+            </a:r>
+            <a:r>
+              <a:rPr lang="zh-CN" altLang="en-US" dirty="0" smtClean="0">
+                <a:latin typeface="楷体" panose="02010609060101010101" pitchFamily="49" charset="-122"/>
+                <a:ea typeface="楷体" panose="02010609060101010101" pitchFamily="49" charset="-122"/>
+                <a:cs typeface="Times New Roman" panose="02020603050405020304" pitchFamily="18" charset="0"/>
+              </a:rPr>
+              <a:t>各个</a:t>
+            </a:r>
+            <a:r>
+              <a:rPr lang="zh-CN" altLang="zh-TW" dirty="0" smtClean="0">
+                <a:latin typeface="楷体" panose="02010609060101010101" pitchFamily="49" charset="-122"/>
+                <a:ea typeface="楷体" panose="02010609060101010101" pitchFamily="49" charset="-122"/>
+                <a:cs typeface="Times New Roman" panose="02020603050405020304" pitchFamily="18" charset="0"/>
+              </a:rPr>
+              <a:t>诊断或</a:t>
+            </a:r>
+            <a:r>
+              <a:rPr lang="zh-CN" altLang="en-US" dirty="0" smtClean="0">
+                <a:latin typeface="楷体" panose="02010609060101010101" pitchFamily="49" charset="-122"/>
+                <a:ea typeface="楷体" panose="02010609060101010101" pitchFamily="49" charset="-122"/>
+                <a:cs typeface="Times New Roman" panose="02020603050405020304" pitchFamily="18" charset="0"/>
+              </a:rPr>
+              <a:t>各个</a:t>
+            </a:r>
+            <a:r>
+              <a:rPr lang="zh-CN" altLang="zh-TW" dirty="0" smtClean="0">
+                <a:latin typeface="楷体" panose="02010609060101010101" pitchFamily="49" charset="-122"/>
+                <a:ea typeface="楷体" panose="02010609060101010101" pitchFamily="49" charset="-122"/>
+                <a:cs typeface="Times New Roman" panose="02020603050405020304" pitchFamily="18" charset="0"/>
+              </a:rPr>
+              <a:t>章节</a:t>
+            </a:r>
+            <a:r>
+              <a:rPr lang="zh-CN" altLang="zh-TW" dirty="0">
+                <a:latin typeface="楷体" panose="02010609060101010101" pitchFamily="49" charset="-122"/>
+                <a:ea typeface="楷体" panose="02010609060101010101" pitchFamily="49" charset="-122"/>
+                <a:cs typeface="Times New Roman" panose="02020603050405020304" pitchFamily="18" charset="0"/>
+              </a:rPr>
+              <a:t>中重复的比例有多大</a:t>
+            </a:r>
+            <a:r>
+              <a:rPr lang="zh-CN" altLang="zh-TW" dirty="0" smtClean="0">
+                <a:latin typeface="楷体" panose="02010609060101010101" pitchFamily="49" charset="-122"/>
+                <a:ea typeface="楷体" panose="02010609060101010101" pitchFamily="49" charset="-122"/>
+                <a:cs typeface="Times New Roman" panose="02020603050405020304" pitchFamily="18" charset="0"/>
+              </a:rPr>
+              <a:t>，</a:t>
+            </a:r>
+            <a:endParaRPr lang="en-US" altLang="zh-CN" dirty="0" smtClean="0">
+              <a:latin typeface="楷体" panose="02010609060101010101" pitchFamily="49" charset="-122"/>
+              <a:ea typeface="楷体" panose="02010609060101010101" pitchFamily="49" charset="-122"/>
+              <a:cs typeface="Times New Roman" panose="02020603050405020304" pitchFamily="18" charset="0"/>
+            </a:endParaRPr>
+          </a:p>
+          <a:p>
+            <a:pPr marL="800100" lvl="1" indent="-342900">
+              <a:buFont typeface="+mj-lt"/>
+              <a:buAutoNum type="arabicPeriod"/>
+            </a:pPr>
+            <a:r>
+              <a:rPr lang="zh-CN" altLang="zh-TW" dirty="0" smtClean="0">
+                <a:latin typeface="楷体" panose="02010609060101010101" pitchFamily="49" charset="-122"/>
+                <a:ea typeface="楷体" panose="02010609060101010101" pitchFamily="49" charset="-122"/>
+                <a:cs typeface="Times New Roman" panose="02020603050405020304" pitchFamily="18" charset="0"/>
+              </a:rPr>
+              <a:t>不同</a:t>
+            </a:r>
+            <a:r>
+              <a:rPr lang="zh-CN" altLang="zh-TW" dirty="0">
+                <a:latin typeface="楷体" panose="02010609060101010101" pitchFamily="49" charset="-122"/>
+                <a:ea typeface="楷体" panose="02010609060101010101" pitchFamily="49" charset="-122"/>
+                <a:cs typeface="Times New Roman" panose="02020603050405020304" pitchFamily="18" charset="0"/>
+              </a:rPr>
+              <a:t>章节内和不同章节</a:t>
+            </a:r>
+            <a:r>
+              <a:rPr lang="zh-CN" altLang="zh-TW" dirty="0" smtClean="0">
+                <a:latin typeface="楷体" panose="02010609060101010101" pitchFamily="49" charset="-122"/>
+                <a:ea typeface="楷体" panose="02010609060101010101" pitchFamily="49" charset="-122"/>
+                <a:cs typeface="Times New Roman" panose="02020603050405020304" pitchFamily="18" charset="0"/>
+              </a:rPr>
+              <a:t>之间</a:t>
+            </a:r>
+            <a:r>
+              <a:rPr lang="zh-CN" altLang="en-US" dirty="0" smtClean="0">
+                <a:latin typeface="楷体" panose="02010609060101010101" pitchFamily="49" charset="-122"/>
+                <a:ea typeface="楷体" panose="02010609060101010101" pitchFamily="49" charset="-122"/>
+                <a:cs typeface="Times New Roman" panose="02020603050405020304" pitchFamily="18" charset="0"/>
+              </a:rPr>
+              <a:t>，</a:t>
+            </a:r>
+            <a:r>
+              <a:rPr lang="zh-CN" altLang="zh-TW" dirty="0" smtClean="0">
+                <a:latin typeface="楷体" panose="02010609060101010101" pitchFamily="49" charset="-122"/>
+                <a:ea typeface="楷体" panose="02010609060101010101" pitchFamily="49" charset="-122"/>
+                <a:cs typeface="Times New Roman" panose="02020603050405020304" pitchFamily="18" charset="0"/>
+              </a:rPr>
+              <a:t>诊断</a:t>
+            </a:r>
+            <a:r>
+              <a:rPr lang="zh-CN" altLang="en-US" dirty="0" smtClean="0">
+                <a:latin typeface="楷体" panose="02010609060101010101" pitchFamily="49" charset="-122"/>
+                <a:ea typeface="楷体" panose="02010609060101010101" pitchFamily="49" charset="-122"/>
+                <a:cs typeface="Times New Roman" panose="02020603050405020304" pitchFamily="18" charset="0"/>
+              </a:rPr>
+              <a:t>标准</a:t>
+            </a:r>
+            <a:r>
+              <a:rPr lang="zh-CN" altLang="zh-TW" dirty="0" smtClean="0">
+                <a:latin typeface="楷体" panose="02010609060101010101" pitchFamily="49" charset="-122"/>
+                <a:ea typeface="楷体" panose="02010609060101010101" pitchFamily="49" charset="-122"/>
+                <a:cs typeface="Times New Roman" panose="02020603050405020304" pitchFamily="18" charset="0"/>
+              </a:rPr>
+              <a:t>之间</a:t>
+            </a:r>
+            <a:r>
+              <a:rPr lang="zh-CN" altLang="zh-TW" dirty="0">
+                <a:latin typeface="楷体" panose="02010609060101010101" pitchFamily="49" charset="-122"/>
+                <a:ea typeface="楷体" panose="02010609060101010101" pitchFamily="49" charset="-122"/>
+                <a:cs typeface="Times New Roman" panose="02020603050405020304" pitchFamily="18" charset="0"/>
+              </a:rPr>
+              <a:t>的症状重叠有哪些明显</a:t>
+            </a:r>
+            <a:r>
+              <a:rPr lang="zh-CN" altLang="zh-TW" dirty="0" smtClean="0">
+                <a:latin typeface="楷体" panose="02010609060101010101" pitchFamily="49" charset="-122"/>
+                <a:ea typeface="楷体" panose="02010609060101010101" pitchFamily="49" charset="-122"/>
+                <a:cs typeface="Times New Roman" panose="02020603050405020304" pitchFamily="18" charset="0"/>
+              </a:rPr>
+              <a:t>模式</a:t>
+            </a:r>
+            <a:endParaRPr lang="en-US" altLang="zh-CN" dirty="0" smtClean="0">
+              <a:latin typeface="楷体" panose="02010609060101010101" pitchFamily="49" charset="-122"/>
+              <a:ea typeface="楷体" panose="02010609060101010101" pitchFamily="49" charset="-122"/>
+              <a:cs typeface="Times New Roman" panose="02020603050405020304" pitchFamily="18" charset="0"/>
+            </a:endParaRPr>
+          </a:p>
+          <a:p>
+            <a:pPr marL="800100" lvl="1" indent="-342900">
+              <a:buFont typeface="+mj-lt"/>
+              <a:buAutoNum type="arabicPeriod"/>
+            </a:pPr>
+            <a:r>
+              <a:rPr lang="zh-CN" altLang="zh-TW" dirty="0" smtClean="0">
+                <a:latin typeface="楷体" panose="02010609060101010101" pitchFamily="49" charset="-122"/>
+                <a:ea typeface="楷体" panose="02010609060101010101" pitchFamily="49" charset="-122"/>
+                <a:cs typeface="Times New Roman" panose="02020603050405020304" pitchFamily="18" charset="0"/>
+              </a:rPr>
+              <a:t>是否有一些章节</a:t>
+            </a:r>
+            <a:r>
+              <a:rPr lang="zh-CN" altLang="zh-TW" dirty="0">
+                <a:latin typeface="楷体" panose="02010609060101010101" pitchFamily="49" charset="-122"/>
+                <a:ea typeface="楷体" panose="02010609060101010101" pitchFamily="49" charset="-122"/>
+                <a:cs typeface="Times New Roman" panose="02020603050405020304" pitchFamily="18" charset="0"/>
+              </a:rPr>
+              <a:t>比其他章节更容易出现</a:t>
+            </a:r>
+            <a:r>
+              <a:rPr lang="zh-CN" altLang="zh-TW" dirty="0" smtClean="0">
+                <a:latin typeface="楷体" panose="02010609060101010101" pitchFamily="49" charset="-122"/>
+                <a:ea typeface="楷体" panose="02010609060101010101" pitchFamily="49" charset="-122"/>
+                <a:cs typeface="Times New Roman" panose="02020603050405020304" pitchFamily="18" charset="0"/>
+              </a:rPr>
+              <a:t>症状</a:t>
+            </a:r>
+            <a:r>
+              <a:rPr lang="zh-CN" altLang="en-US" dirty="0" smtClean="0">
+                <a:latin typeface="楷体" panose="02010609060101010101" pitchFamily="49" charset="-122"/>
+                <a:ea typeface="楷体" panose="02010609060101010101" pitchFamily="49" charset="-122"/>
+                <a:cs typeface="Times New Roman" panose="02020603050405020304" pitchFamily="18" charset="0"/>
+              </a:rPr>
+              <a:t>的</a:t>
+            </a:r>
+            <a:r>
+              <a:rPr lang="zh-CN" altLang="zh-TW" dirty="0" smtClean="0">
+                <a:latin typeface="楷体" panose="02010609060101010101" pitchFamily="49" charset="-122"/>
+                <a:ea typeface="楷体" panose="02010609060101010101" pitchFamily="49" charset="-122"/>
+                <a:cs typeface="Times New Roman" panose="02020603050405020304" pitchFamily="18" charset="0"/>
+              </a:rPr>
+              <a:t>重复</a:t>
+            </a:r>
+            <a:r>
+              <a:rPr lang="zh-CN" altLang="zh-TW" dirty="0" smtClean="0">
+                <a:latin typeface="楷体" panose="02010609060101010101" pitchFamily="49" charset="-122"/>
+                <a:ea typeface="楷体" panose="02010609060101010101" pitchFamily="49" charset="-122"/>
+                <a:cs typeface="Times New Roman" panose="02020603050405020304" pitchFamily="18" charset="0"/>
+              </a:rPr>
+              <a:t>，</a:t>
+            </a:r>
+            <a:endParaRPr lang="en-US" altLang="zh-CN" dirty="0" smtClean="0">
+              <a:latin typeface="楷体" panose="02010609060101010101" pitchFamily="49" charset="-122"/>
+              <a:ea typeface="楷体" panose="02010609060101010101" pitchFamily="49" charset="-122"/>
+              <a:cs typeface="Times New Roman" panose="02020603050405020304" pitchFamily="18" charset="0"/>
+            </a:endParaRPr>
+          </a:p>
+          <a:p>
+            <a:pPr marL="800100" lvl="1" indent="-342900">
+              <a:buFont typeface="+mj-lt"/>
+              <a:buAutoNum type="arabicPeriod"/>
+            </a:pPr>
+            <a:r>
+              <a:rPr lang="zh-CN" altLang="zh-TW" dirty="0" smtClean="0">
+                <a:latin typeface="楷体" panose="02010609060101010101" pitchFamily="49" charset="-122"/>
+                <a:ea typeface="楷体" panose="02010609060101010101" pitchFamily="49" charset="-122"/>
+                <a:cs typeface="Times New Roman" panose="02020603050405020304" pitchFamily="18" charset="0"/>
+              </a:rPr>
+              <a:t>哪些症状</a:t>
+            </a:r>
+            <a:r>
+              <a:rPr lang="zh-CN" altLang="en-US" dirty="0" smtClean="0">
+                <a:latin typeface="楷体" panose="02010609060101010101" pitchFamily="49" charset="-122"/>
+                <a:ea typeface="楷体" panose="02010609060101010101" pitchFamily="49" charset="-122"/>
+                <a:cs typeface="Times New Roman" panose="02020603050405020304" pitchFamily="18" charset="0"/>
+              </a:rPr>
+              <a:t>最容易被重复</a:t>
+            </a:r>
+            <a:endParaRPr lang="en-US" altLang="zh-CN" dirty="0">
+              <a:latin typeface="楷体" panose="02010609060101010101" pitchFamily="49" charset="-122"/>
+              <a:ea typeface="楷体" panose="02010609060101010101" pitchFamily="49" charset="-122"/>
+              <a:cs typeface="Times New Roman" panose="02020603050405020304" pitchFamily="18" charset="0"/>
+            </a:endParaRPr>
+          </a:p>
+        </p:txBody>
+      </p:sp>
+      <p:sp>
+        <p:nvSpPr>
+          <p:cNvPr id="7" name="矩形 6"/>
           <p:cNvSpPr/>
           <p:nvPr/>
         </p:nvSpPr>
@@ -7932,8 +8385,17 @@
           <a:bodyPr rtlCol="0" anchor="ctr"/>
           <a:lstStyle/>
           <a:p>
-            <a:pPr algn="ctr"/>
-            <a:endParaRPr lang="zh-TW" altLang="en-US"/>
+            <a:r>
+              <a:rPr lang="en-US" altLang="zh-CN" sz="3600" b="1" dirty="0" smtClean="0">
+                <a:latin typeface="Times New Roman" panose="02020603050405020304" pitchFamily="18" charset="0"/>
+                <a:cs typeface="Times New Roman" panose="02020603050405020304" pitchFamily="18" charset="0"/>
+              </a:rPr>
+              <a:t>Introduction </a:t>
+            </a:r>
+            <a:endParaRPr lang="zh-TW" altLang="en-US" sz="3600" b="1" dirty="0">
+              <a:latin typeface="Times New Roman" panose="02020603050405020304" pitchFamily="18" charset="0"/>
+              <a:cs typeface="Times New Roman" panose="02020603050405020304" pitchFamily="18" charset="0"/>
+            </a:endParaRPr>
           </a:p>
         </p:txBody>
       </p:sp>
@@ -7974,210 +8436,720 @@
           <a:chExt cx="0" cy="0"/>
         </a:xfrm>
       </p:grpSpPr>
-      <p:pic>
-        <p:nvPicPr>
-          <p:cNvPr id="5" name="图片 4"/>
-          <p:cNvPicPr>
-            <a:picLocks noChangeAspect="1"/>
-          </p:cNvPicPr>
+      <p:sp>
+        <p:nvSpPr>
+          <p:cNvPr id="4" name="矩形 3"/>
+          <p:cNvSpPr/>
           <p:nvPr/>
-        </p:nvPicPr>
-        <p:blipFill>
-          <a:blip r:embed="rId2"/>
-          <a:stretch>
-            <a:fillRect/>
-          </a:stretch>
-        </p:blipFill>
+        </p:nvSpPr>
         <p:spPr>
           <a:xfrm>
-            <a:off x="8876590" y="1170011"/>
-            <a:ext cx="2275780" cy="3597900"/>
+            <a:off x="8979408" y="0"/>
+            <a:ext cx="3212592" cy="6858000"/>
+          </a:xfrm>
+          <a:prstGeom prst="rect">
+            <a:avLst/>
+          </a:prstGeom>
+          <a:gradFill flip="none" rotWithShape="1">
+            <a:gsLst>
+              <a:gs pos="0">
+                <a:srgbClr val="005B70"/>
+              </a:gs>
+              <a:gs pos="100000">
+                <a:srgbClr val="74AA9C"/>
+              </a:gs>
+            </a:gsLst>
+            <a:lin ang="2700000" scaled="1"/>
+            <a:tileRect/>
+          </a:gradFill>
+          <a:ln>
+            <a:noFill/>
+          </a:ln>
+        </p:spPr>
+        <p:style>
+          <a:lnRef idx="2">
+            <a:schemeClr val="accent1">
+              <a:shade val="50000"/>
+            </a:schemeClr>
+          </a:lnRef>
+          <a:fillRef idx="1">
+            <a:schemeClr val="accent1"/>
+          </a:fillRef>
+          <a:effectRef idx="0">
+            <a:schemeClr val="accent1"/>
+          </a:effectRef>
+          <a:fontRef idx="minor">
+            <a:schemeClr val="lt1"/>
+          </a:fontRef>
+        </p:style>
+        <p:txBody>
+          <a:bodyPr rtlCol="0" anchor="ctr"/>
+          <a:lstStyle/>
+          <a:p>
+            <a:pPr algn="ctr"/>
+            <a:r>
+              <a:rPr lang="en-US" altLang="zh-TW" sz="6000" dirty="0" smtClean="0"/>
+              <a:t>DSM - 5</a:t>
+            </a:r>
+            <a:endParaRPr lang="zh-TW" altLang="en-US" sz="6000" dirty="0"/>
+          </a:p>
+        </p:txBody>
+      </p:sp>
+      <p:sp>
+        <p:nvSpPr>
+          <p:cNvPr id="9" name="矩形 8"/>
+          <p:cNvSpPr/>
+          <p:nvPr/>
+        </p:nvSpPr>
+        <p:spPr>
+          <a:xfrm>
+            <a:off x="0" y="6291072"/>
+            <a:ext cx="1054608" cy="566928"/>
+          </a:xfrm>
+          <a:prstGeom prst="rect">
+            <a:avLst/>
+          </a:prstGeom>
+          <a:gradFill flip="none" rotWithShape="1">
+            <a:gsLst>
+              <a:gs pos="0">
+                <a:srgbClr val="005B70"/>
+              </a:gs>
+              <a:gs pos="100000">
+                <a:srgbClr val="74AA9C"/>
+              </a:gs>
+            </a:gsLst>
+            <a:lin ang="2700000" scaled="1"/>
+            <a:tileRect/>
+          </a:gradFill>
+          <a:ln>
+            <a:noFill/>
+          </a:ln>
+        </p:spPr>
+        <p:style>
+          <a:lnRef idx="2">
+            <a:schemeClr val="accent1">
+              <a:shade val="50000"/>
+            </a:schemeClr>
+          </a:lnRef>
+          <a:fillRef idx="1">
+            <a:schemeClr val="accent1"/>
+          </a:fillRef>
+          <a:effectRef idx="0">
+            <a:schemeClr val="accent1"/>
+          </a:effectRef>
+          <a:fontRef idx="minor">
+            <a:schemeClr val="lt1"/>
+          </a:fontRef>
+        </p:style>
+        <p:txBody>
+          <a:bodyPr rtlCol="0" anchor="ctr"/>
+          <a:lstStyle/>
+          <a:p>
+            <a:pPr algn="ctr"/>
+            <a:endParaRPr lang="zh-TW" altLang="en-US"/>
+          </a:p>
+        </p:txBody>
+      </p:sp>
+      <p:sp>
+        <p:nvSpPr>
+          <p:cNvPr id="7" name="矩形 6"/>
+          <p:cNvSpPr/>
+          <p:nvPr/>
+        </p:nvSpPr>
+        <p:spPr>
+          <a:xfrm>
+            <a:off x="0" y="0"/>
+            <a:ext cx="3941064" cy="566928"/>
+          </a:xfrm>
+          <a:prstGeom prst="rect">
+            <a:avLst/>
+          </a:prstGeom>
+          <a:gradFill flip="none" rotWithShape="1">
+            <a:gsLst>
+              <a:gs pos="0">
+                <a:srgbClr val="005B70"/>
+              </a:gs>
+              <a:gs pos="100000">
+                <a:srgbClr val="74AA9C"/>
+              </a:gs>
+            </a:gsLst>
+            <a:lin ang="2700000" scaled="1"/>
+            <a:tileRect/>
+          </a:gradFill>
+          <a:ln>
+            <a:noFill/>
+          </a:ln>
+        </p:spPr>
+        <p:style>
+          <a:lnRef idx="2">
+            <a:schemeClr val="accent1">
+              <a:shade val="50000"/>
+            </a:schemeClr>
+          </a:lnRef>
+          <a:fillRef idx="1">
+            <a:schemeClr val="accent1"/>
+          </a:fillRef>
+          <a:effectRef idx="0">
+            <a:schemeClr val="accent1"/>
+          </a:effectRef>
+          <a:fontRef idx="minor">
+            <a:schemeClr val="lt1"/>
+          </a:fontRef>
+        </p:style>
+        <p:txBody>
+          <a:bodyPr rtlCol="0" anchor="ctr"/>
+          <a:lstStyle/>
+          <a:p>
+            <a:r>
+              <a:rPr lang="en-US" altLang="zh-CN" sz="3600" b="1" dirty="0" smtClean="0">
+                <a:latin typeface="Times New Roman" panose="02020603050405020304" pitchFamily="18" charset="0"/>
+                <a:cs typeface="Times New Roman" panose="02020603050405020304" pitchFamily="18" charset="0"/>
+              </a:rPr>
+              <a:t>Method</a:t>
+            </a:r>
+            <a:endParaRPr lang="zh-TW" altLang="en-US" sz="3600" b="1" dirty="0">
+              <a:latin typeface="Times New Roman" panose="02020603050405020304" pitchFamily="18" charset="0"/>
+              <a:cs typeface="Times New Roman" panose="02020603050405020304" pitchFamily="18" charset="0"/>
+            </a:endParaRPr>
+          </a:p>
+        </p:txBody>
+      </p:sp>
+      <p:sp>
+        <p:nvSpPr>
+          <p:cNvPr id="8" name="矩形 7"/>
+          <p:cNvSpPr/>
+          <p:nvPr/>
+        </p:nvSpPr>
+        <p:spPr>
+          <a:xfrm>
+            <a:off x="653428" y="1332637"/>
+            <a:ext cx="7500812" cy="4524315"/>
           </a:xfrm>
           <a:prstGeom prst="rect">
             <a:avLst/>
           </a:prstGeom>
         </p:spPr>
-      </p:pic>
-      <p:sp>
-        <p:nvSpPr>
-          <p:cNvPr id="6" name="矩形 5"/>
-          <p:cNvSpPr/>
-          <p:nvPr/>
-        </p:nvSpPr>
-        <p:spPr>
-          <a:xfrm>
-            <a:off x="932949" y="4119320"/>
-            <a:ext cx="2356735" cy="369332"/>
-          </a:xfrm>
-          <a:prstGeom prst="rect">
-            <a:avLst/>
-          </a:prstGeom>
-        </p:spPr>
-        <p:txBody>
-          <a:bodyPr wrap="none">
-            <a:spAutoFit/>
-          </a:bodyPr>
-          <a:lstStyle/>
-          <a:p>
-            <a:r>
-              <a:rPr lang="en-US" altLang="zh-TW" dirty="0" smtClean="0">
-                <a:effectLst/>
-                <a:latin typeface="Calibri" panose="020F0502020204030204" pitchFamily="34" charset="0"/>
-                <a:ea typeface="PMingLiU" panose="02020500000000000000" pitchFamily="18" charset="-120"/>
-                <a:cs typeface="Times New Roman" panose="02020603050405020304" pitchFamily="18" charset="0"/>
-              </a:rPr>
-              <a:t>202 diagnoses of adult </a:t>
-            </a:r>
-            <a:endParaRPr lang="zh-TW" altLang="en-US" dirty="0"/>
-          </a:p>
-        </p:txBody>
-      </p:sp>
-      <p:sp>
-        <p:nvSpPr>
-          <p:cNvPr id="7" name="矩形 6"/>
-          <p:cNvSpPr/>
-          <p:nvPr/>
-        </p:nvSpPr>
-        <p:spPr>
-          <a:xfrm>
-            <a:off x="2496957" y="5323122"/>
-            <a:ext cx="7198085" cy="1200329"/>
-          </a:xfrm>
-          <a:prstGeom prst="rect">
-            <a:avLst/>
-          </a:prstGeom>
-        </p:spPr>
         <p:txBody>
           <a:bodyPr wrap="square">
             <a:spAutoFit/>
           </a:bodyPr>
           <a:lstStyle/>
           <a:p>
-            <a:r>
-              <a:rPr lang="en-US" altLang="zh-TW" dirty="0"/>
-              <a:t>Through both qualitative content coding and natural language processing, </a:t>
-            </a:r>
-            <a:endParaRPr lang="en-US" altLang="zh-TW" dirty="0" smtClean="0"/>
-          </a:p>
-          <a:p>
-            <a:r>
-              <a:rPr lang="en-US" altLang="zh-TW" dirty="0" smtClean="0"/>
-              <a:t>identified </a:t>
-            </a:r>
-            <a:r>
-              <a:rPr lang="en-US" altLang="zh-TW" dirty="0"/>
-              <a:t>628 distinct </a:t>
-            </a:r>
-            <a:r>
-              <a:rPr lang="en-US" altLang="zh-TW" dirty="0" smtClean="0"/>
-              <a:t>symptoms </a:t>
-            </a:r>
-            <a:r>
-              <a:rPr lang="en-US" altLang="zh-CN" dirty="0" smtClean="0"/>
-              <a:t>in </a:t>
-            </a:r>
-            <a:r>
-              <a:rPr lang="en-US" altLang="zh-TW" dirty="0" smtClean="0">
-                <a:effectLst/>
-                <a:latin typeface="Calibri" panose="020F0502020204030204" pitchFamily="34" charset="0"/>
-                <a:ea typeface="PMingLiU" panose="02020500000000000000" pitchFamily="18" charset="-120"/>
-                <a:cs typeface="Times New Roman" panose="02020603050405020304" pitchFamily="18" charset="0"/>
-              </a:rPr>
-              <a:t>1,419 symptoms </a:t>
-            </a:r>
-            <a:endParaRPr lang="en-US" altLang="zh-TW" dirty="0" smtClean="0"/>
-          </a:p>
-          <a:p>
-            <a:r>
-              <a:rPr lang="en-US" altLang="zh-TW" dirty="0" smtClean="0"/>
-              <a:t>397 </a:t>
-            </a:r>
-            <a:r>
-              <a:rPr lang="en-US" altLang="zh-TW" dirty="0"/>
-              <a:t>symptoms unique to a single diagnosis </a:t>
-            </a:r>
-          </a:p>
-          <a:p>
-            <a:r>
-              <a:rPr lang="en-US" altLang="zh-TW" dirty="0" smtClean="0"/>
-              <a:t>231 </a:t>
-            </a:r>
-            <a:r>
-              <a:rPr lang="en-US" altLang="zh-TW" dirty="0"/>
-              <a:t>symptoms repeated across multiple diagnoses.</a:t>
-            </a:r>
-            <a:endParaRPr lang="zh-TW" altLang="en-US" dirty="0"/>
-          </a:p>
-        </p:txBody>
-      </p:sp>
-      <p:sp>
-        <p:nvSpPr>
-          <p:cNvPr id="9" name="矩形 8"/>
-          <p:cNvSpPr/>
-          <p:nvPr/>
-        </p:nvSpPr>
-        <p:spPr>
-          <a:xfrm>
-            <a:off x="4576425" y="800679"/>
-            <a:ext cx="2629246" cy="369332"/>
-          </a:xfrm>
-          <a:prstGeom prst="rect">
-            <a:avLst/>
-          </a:prstGeom>
-        </p:spPr>
-        <p:txBody>
-          <a:bodyPr wrap="none">
-            <a:spAutoFit/>
-          </a:bodyPr>
-          <a:lstStyle/>
-          <a:p>
-            <a:r>
-              <a:rPr lang="en-US" altLang="zh-TW" dirty="0" smtClean="0">
-                <a:effectLst/>
-                <a:latin typeface="Calibri" panose="020F0502020204030204" pitchFamily="34" charset="0"/>
-                <a:ea typeface="PMingLiU" panose="02020500000000000000" pitchFamily="18" charset="-120"/>
-                <a:cs typeface="Times New Roman" panose="02020603050405020304" pitchFamily="18" charset="0"/>
-              </a:rPr>
-              <a:t>in Section II of the DSM-5.</a:t>
-            </a:r>
-            <a:endParaRPr lang="zh-TW" altLang="en-US" dirty="0"/>
-          </a:p>
-        </p:txBody>
-      </p:sp>
-      <p:sp>
-        <p:nvSpPr>
-          <p:cNvPr id="10" name="文本框 9"/>
-          <p:cNvSpPr txBox="1"/>
-          <p:nvPr/>
-        </p:nvSpPr>
-        <p:spPr>
-          <a:xfrm>
-            <a:off x="268014" y="236483"/>
-            <a:ext cx="1450427" cy="369332"/>
-          </a:xfrm>
-          <a:prstGeom prst="rect">
-            <a:avLst/>
-          </a:prstGeom>
-          <a:noFill/>
-        </p:spPr>
-        <p:txBody>
-          <a:bodyPr wrap="square" rtlCol="0">
-            <a:spAutoFit/>
-          </a:bodyPr>
-          <a:lstStyle/>
-          <a:p>
-            <a:r>
-              <a:rPr lang="zh-CN" altLang="en-US" dirty="0"/>
-              <a:t>摘要</a:t>
-            </a:r>
-            <a:endParaRPr lang="zh-TW" altLang="en-US" dirty="0"/>
+            <a:pPr marL="285750" indent="-285750">
+              <a:buFont typeface="Wingdings" panose="05000000000000000000" pitchFamily="2" charset="2"/>
+              <a:buChar char="n"/>
+            </a:pPr>
+            <a:r>
+              <a:rPr lang="zh-CN" altLang="en-US" kern="100" dirty="0" smtClean="0">
+                <a:latin typeface="Times New Roman" panose="02020603050405020304" pitchFamily="18" charset="0"/>
+                <a:ea typeface="楷体" panose="02010609060101010101" pitchFamily="49" charset="-122"/>
+                <a:cs typeface="Times New Roman" panose="02020603050405020304" pitchFamily="18" charset="0"/>
+              </a:rPr>
+              <a:t>基于 </a:t>
+            </a:r>
+            <a:r>
+              <a:rPr lang="en-US" altLang="zh-TW" kern="100" dirty="0" err="1" smtClean="0">
+                <a:latin typeface="Times New Roman" panose="02020603050405020304" pitchFamily="18" charset="0"/>
+                <a:ea typeface="楷体" panose="02010609060101010101" pitchFamily="49" charset="-122"/>
+                <a:cs typeface="Times New Roman" panose="02020603050405020304" pitchFamily="18" charset="0"/>
+              </a:rPr>
+              <a:t>Borsboom</a:t>
+            </a:r>
+            <a:r>
+              <a:rPr lang="en-US" altLang="zh-TW" kern="100" dirty="0" smtClean="0">
+                <a:latin typeface="Times New Roman" panose="02020603050405020304" pitchFamily="18" charset="0"/>
+                <a:ea typeface="楷体" panose="02010609060101010101" pitchFamily="49" charset="-122"/>
+                <a:cs typeface="Times New Roman" panose="02020603050405020304" pitchFamily="18" charset="0"/>
+              </a:rPr>
+              <a:t> </a:t>
+            </a:r>
+            <a:r>
+              <a:rPr lang="en-US" altLang="zh-CN" kern="100" dirty="0">
+                <a:latin typeface="Times New Roman" panose="02020603050405020304" pitchFamily="18" charset="0"/>
+                <a:ea typeface="楷体" panose="02010609060101010101" pitchFamily="49" charset="-122"/>
+                <a:cs typeface="Times New Roman" panose="02020603050405020304" pitchFamily="18" charset="0"/>
+              </a:rPr>
+              <a:t>et </a:t>
+            </a:r>
+            <a:r>
+              <a:rPr lang="en-US" altLang="zh-CN" kern="100" dirty="0" smtClean="0">
+                <a:latin typeface="Times New Roman" panose="02020603050405020304" pitchFamily="18" charset="0"/>
+                <a:ea typeface="楷体" panose="02010609060101010101" pitchFamily="49" charset="-122"/>
+                <a:cs typeface="Times New Roman" panose="02020603050405020304" pitchFamily="18" charset="0"/>
+              </a:rPr>
+              <a:t>al. (2011) and </a:t>
+            </a:r>
+            <a:r>
+              <a:rPr lang="en-US" altLang="zh-TW" kern="100" dirty="0" err="1">
+                <a:latin typeface="Times New Roman" panose="02020603050405020304" pitchFamily="18" charset="0"/>
+                <a:ea typeface="楷体" panose="02010609060101010101" pitchFamily="49" charset="-122"/>
+                <a:cs typeface="Times New Roman" panose="02020603050405020304" pitchFamily="18" charset="0"/>
+              </a:rPr>
+              <a:t>Tio</a:t>
+            </a:r>
+            <a:r>
+              <a:rPr lang="en-US" altLang="zh-TW" kern="100" dirty="0">
+                <a:latin typeface="Times New Roman" panose="02020603050405020304" pitchFamily="18" charset="0"/>
+                <a:ea typeface="楷体" panose="02010609060101010101" pitchFamily="49" charset="-122"/>
+                <a:cs typeface="Times New Roman" panose="02020603050405020304" pitchFamily="18" charset="0"/>
+              </a:rPr>
+              <a:t> </a:t>
+            </a:r>
+            <a:r>
+              <a:rPr lang="en-US" altLang="zh-CN" kern="100" dirty="0">
+                <a:latin typeface="Times New Roman" panose="02020603050405020304" pitchFamily="18" charset="0"/>
+                <a:ea typeface="楷体" panose="02010609060101010101" pitchFamily="49" charset="-122"/>
+                <a:cs typeface="Times New Roman" panose="02020603050405020304" pitchFamily="18" charset="0"/>
+              </a:rPr>
+              <a:t>et </a:t>
+            </a:r>
+            <a:r>
+              <a:rPr lang="en-US" altLang="zh-CN" kern="100" dirty="0" smtClean="0">
+                <a:latin typeface="Times New Roman" panose="02020603050405020304" pitchFamily="18" charset="0"/>
+                <a:ea typeface="楷体" panose="02010609060101010101" pitchFamily="49" charset="-122"/>
+                <a:cs typeface="Times New Roman" panose="02020603050405020304" pitchFamily="18" charset="0"/>
+              </a:rPr>
+              <a:t>al. (2016</a:t>
+            </a:r>
+            <a:r>
+              <a:rPr lang="en-US" altLang="zh-CN" kern="100" dirty="0">
+                <a:latin typeface="Times New Roman" panose="02020603050405020304" pitchFamily="18" charset="0"/>
+                <a:ea typeface="楷体" panose="02010609060101010101" pitchFamily="49" charset="-122"/>
+                <a:cs typeface="Times New Roman" panose="02020603050405020304" pitchFamily="18" charset="0"/>
+              </a:rPr>
+              <a:t>) </a:t>
+            </a:r>
+            <a:r>
+              <a:rPr lang="zh-CN" altLang="en-US" kern="100" dirty="0" smtClean="0">
+                <a:latin typeface="Times New Roman" panose="02020603050405020304" pitchFamily="18" charset="0"/>
+                <a:ea typeface="楷体" panose="02010609060101010101" pitchFamily="49" charset="-122"/>
+                <a:cs typeface="Times New Roman" panose="02020603050405020304" pitchFamily="18" charset="0"/>
+              </a:rPr>
+              <a:t>的方法</a:t>
+            </a:r>
+            <a:r>
+              <a:rPr lang="zh-CN" altLang="en-US" kern="100" dirty="0" smtClean="0">
+                <a:latin typeface="Times New Roman" panose="02020603050405020304" pitchFamily="18" charset="0"/>
+                <a:ea typeface="楷体" panose="02010609060101010101" pitchFamily="49" charset="-122"/>
+                <a:cs typeface="Times New Roman" panose="02020603050405020304" pitchFamily="18" charset="0"/>
+              </a:rPr>
+              <a:t>将</a:t>
+            </a:r>
+            <a:r>
+              <a:rPr lang="en-US" altLang="zh-TW" kern="100" dirty="0" smtClean="0">
+                <a:latin typeface="Times New Roman" panose="02020603050405020304" pitchFamily="18" charset="0"/>
+                <a:ea typeface="楷体" panose="02010609060101010101" pitchFamily="49" charset="-122"/>
+                <a:cs typeface="Times New Roman" panose="02020603050405020304" pitchFamily="18" charset="0"/>
+              </a:rPr>
+              <a:t>DSM-5 </a:t>
+            </a:r>
+            <a:r>
+              <a:rPr lang="zh-CN" altLang="zh-TW" kern="100" dirty="0">
+                <a:latin typeface="Times New Roman" panose="02020603050405020304" pitchFamily="18" charset="0"/>
+                <a:ea typeface="楷体" panose="02010609060101010101" pitchFamily="49" charset="-122"/>
+                <a:cs typeface="Times New Roman" panose="02020603050405020304" pitchFamily="18" charset="0"/>
+              </a:rPr>
+              <a:t>第</a:t>
+            </a:r>
+            <a:r>
+              <a:rPr lang="en-US" altLang="zh-TW" kern="100" dirty="0">
+                <a:latin typeface="Times New Roman" panose="02020603050405020304" pitchFamily="18" charset="0"/>
+                <a:ea typeface="楷体" panose="02010609060101010101" pitchFamily="49" charset="-122"/>
+                <a:cs typeface="Times New Roman" panose="02020603050405020304" pitchFamily="18" charset="0"/>
+              </a:rPr>
+              <a:t> II </a:t>
+            </a:r>
+            <a:r>
+              <a:rPr lang="zh-CN" altLang="zh-TW" kern="100" dirty="0">
+                <a:latin typeface="Times New Roman" panose="02020603050405020304" pitchFamily="18" charset="0"/>
+                <a:ea typeface="楷体" panose="02010609060101010101" pitchFamily="49" charset="-122"/>
+                <a:cs typeface="Times New Roman" panose="02020603050405020304" pitchFamily="18" charset="0"/>
+              </a:rPr>
+              <a:t>部分第</a:t>
+            </a:r>
+            <a:r>
+              <a:rPr lang="en-US" altLang="zh-TW" kern="100" dirty="0">
+                <a:latin typeface="Times New Roman" panose="02020603050405020304" pitchFamily="18" charset="0"/>
+                <a:ea typeface="楷体" panose="02010609060101010101" pitchFamily="49" charset="-122"/>
+                <a:cs typeface="Times New Roman" panose="02020603050405020304" pitchFamily="18" charset="0"/>
+              </a:rPr>
+              <a:t> 1-19 </a:t>
+            </a:r>
+            <a:r>
+              <a:rPr lang="zh-CN" altLang="zh-TW" kern="100" dirty="0">
+                <a:latin typeface="Times New Roman" panose="02020603050405020304" pitchFamily="18" charset="0"/>
+                <a:ea typeface="楷体" panose="02010609060101010101" pitchFamily="49" charset="-122"/>
+                <a:cs typeface="Times New Roman" panose="02020603050405020304" pitchFamily="18" charset="0"/>
+              </a:rPr>
+              <a:t>章中所有</a:t>
+            </a:r>
+            <a:r>
+              <a:rPr lang="zh-CN" altLang="en-US" kern="100" dirty="0" smtClean="0">
+                <a:latin typeface="Times New Roman" panose="02020603050405020304" pitchFamily="18" charset="0"/>
+                <a:ea typeface="楷体" panose="02010609060101010101" pitchFamily="49" charset="-122"/>
+                <a:cs typeface="Times New Roman" panose="02020603050405020304" pitchFamily="18" charset="0"/>
+              </a:rPr>
+              <a:t>诊断的特异性诊断标准按照以下规则</a:t>
+            </a:r>
+            <a:r>
+              <a:rPr lang="zh-CN" altLang="en-US" kern="100" dirty="0" smtClean="0">
+                <a:latin typeface="Times New Roman" panose="02020603050405020304" pitchFamily="18" charset="0"/>
+                <a:ea typeface="楷体" panose="02010609060101010101" pitchFamily="49" charset="-122"/>
+                <a:cs typeface="Times New Roman" panose="02020603050405020304" pitchFamily="18" charset="0"/>
+              </a:rPr>
+              <a:t>简化</a:t>
+            </a:r>
+            <a:r>
+              <a:rPr lang="zh-CN" altLang="en-US" kern="100" dirty="0">
+                <a:latin typeface="Times New Roman" panose="02020603050405020304" pitchFamily="18" charset="0"/>
+                <a:ea typeface="楷体" panose="02010609060101010101" pitchFamily="49" charset="-122"/>
+                <a:cs typeface="Times New Roman" panose="02020603050405020304" pitchFamily="18" charset="0"/>
+              </a:rPr>
+              <a:t>为</a:t>
+            </a:r>
+            <a:r>
+              <a:rPr lang="zh-CN" altLang="zh-TW" kern="100" dirty="0" smtClean="0">
+                <a:latin typeface="Times New Roman" panose="02020603050405020304" pitchFamily="18" charset="0"/>
+                <a:ea typeface="楷体" panose="02010609060101010101" pitchFamily="49" charset="-122"/>
+                <a:cs typeface="Times New Roman" panose="02020603050405020304" pitchFamily="18" charset="0"/>
+              </a:rPr>
+              <a:t>其</a:t>
+            </a:r>
+            <a:r>
+              <a:rPr lang="zh-CN" altLang="zh-TW" kern="100" dirty="0">
+                <a:latin typeface="Times New Roman" panose="02020603050405020304" pitchFamily="18" charset="0"/>
+                <a:ea typeface="楷体" panose="02010609060101010101" pitchFamily="49" charset="-122"/>
+                <a:cs typeface="Times New Roman" panose="02020603050405020304" pitchFamily="18" charset="0"/>
+              </a:rPr>
+              <a:t>核心</a:t>
+            </a:r>
+            <a:r>
+              <a:rPr lang="zh-CN" altLang="zh-TW" kern="100" dirty="0" smtClean="0">
+                <a:latin typeface="Times New Roman" panose="02020603050405020304" pitchFamily="18" charset="0"/>
+                <a:ea typeface="楷体" panose="02010609060101010101" pitchFamily="49" charset="-122"/>
+                <a:cs typeface="Times New Roman" panose="02020603050405020304" pitchFamily="18" charset="0"/>
+              </a:rPr>
+              <a:t>症状</a:t>
+            </a:r>
+            <a:endParaRPr lang="en-US" altLang="zh-CN" kern="100" dirty="0" smtClean="0">
+              <a:latin typeface="Times New Roman" panose="02020603050405020304" pitchFamily="18" charset="0"/>
+              <a:ea typeface="楷体" panose="02010609060101010101" pitchFamily="49" charset="-122"/>
+              <a:cs typeface="Times New Roman" panose="02020603050405020304" pitchFamily="18" charset="0"/>
+            </a:endParaRPr>
+          </a:p>
+          <a:p>
+            <a:pPr>
+              <a:spcAft>
+                <a:spcPts val="0"/>
+              </a:spcAft>
+            </a:pPr>
+            <a:endParaRPr lang="en-US" altLang="zh-CN" kern="100" dirty="0" smtClean="0">
+              <a:latin typeface="Times New Roman" panose="02020603050405020304" pitchFamily="18" charset="0"/>
+              <a:ea typeface="楷体" panose="02010609060101010101" pitchFamily="49" charset="-122"/>
+              <a:cs typeface="Times New Roman" panose="02020603050405020304" pitchFamily="18" charset="0"/>
+            </a:endParaRPr>
+          </a:p>
+          <a:p>
+            <a:pPr marL="800100" lvl="1" indent="-342900">
+              <a:buFont typeface="+mj-lt"/>
+              <a:buAutoNum type="arabicPeriod"/>
+            </a:pPr>
+            <a:r>
+              <a:rPr lang="zh-CN" altLang="zh-TW" dirty="0">
+                <a:ea typeface="楷体" panose="02010609060101010101" pitchFamily="49" charset="-122"/>
+              </a:rPr>
+              <a:t>只包括与成人心理病理学相关的症状</a:t>
+            </a:r>
+            <a:endParaRPr lang="en-US" altLang="zh-CN" dirty="0">
+              <a:ea typeface="楷体" panose="02010609060101010101" pitchFamily="49" charset="-122"/>
+            </a:endParaRPr>
+          </a:p>
+          <a:p>
+            <a:pPr marL="800100" lvl="1" indent="-342900">
+              <a:buFont typeface="+mj-lt"/>
+              <a:buAutoNum type="arabicPeriod"/>
+            </a:pPr>
+            <a:r>
+              <a:rPr lang="zh-CN" altLang="zh-TW" dirty="0" smtClean="0">
+                <a:ea typeface="楷体" panose="02010609060101010101" pitchFamily="49" charset="-122"/>
+              </a:rPr>
+              <a:t>包含</a:t>
+            </a:r>
+            <a:r>
+              <a:rPr lang="zh-CN" altLang="zh-TW" dirty="0">
+                <a:ea typeface="楷体" panose="02010609060101010101" pitchFamily="49" charset="-122"/>
+              </a:rPr>
+              <a:t>“或”的诊断标准被分成单独的症状</a:t>
+            </a:r>
+            <a:r>
+              <a:rPr lang="zh-CN" altLang="zh-TW" dirty="0" smtClean="0">
+                <a:ea typeface="楷体" panose="02010609060101010101" pitchFamily="49" charset="-122"/>
+              </a:rPr>
+              <a:t>，</a:t>
+            </a:r>
+            <a:endParaRPr lang="en-US" altLang="zh-CN" dirty="0" smtClean="0">
+              <a:ea typeface="楷体" panose="02010609060101010101" pitchFamily="49" charset="-122"/>
+            </a:endParaRPr>
+          </a:p>
+          <a:p>
+            <a:pPr marL="800100" lvl="1" indent="-342900">
+              <a:buFont typeface="+mj-lt"/>
+              <a:buAutoNum type="arabicPeriod"/>
+            </a:pPr>
+            <a:r>
+              <a:rPr lang="zh-CN" altLang="zh-TW" dirty="0" smtClean="0">
+                <a:ea typeface="楷体" panose="02010609060101010101" pitchFamily="49" charset="-122"/>
+              </a:rPr>
+              <a:t>将症状</a:t>
+            </a:r>
+            <a:r>
+              <a:rPr lang="zh-CN" altLang="en-US" dirty="0" smtClean="0">
+                <a:ea typeface="楷体" panose="02010609060101010101" pitchFamily="49" charset="-122"/>
+              </a:rPr>
+              <a:t>的</a:t>
+            </a:r>
+            <a:r>
+              <a:rPr lang="zh-CN" altLang="zh-TW" dirty="0" smtClean="0">
+                <a:ea typeface="楷体" panose="02010609060101010101" pitchFamily="49" charset="-122"/>
+              </a:rPr>
+              <a:t>原因</a:t>
+            </a:r>
+            <a:r>
+              <a:rPr lang="zh-CN" altLang="zh-TW" dirty="0">
+                <a:ea typeface="楷体" panose="02010609060101010101" pitchFamily="49" charset="-122"/>
+              </a:rPr>
+              <a:t>和后果分开</a:t>
+            </a:r>
+            <a:r>
+              <a:rPr lang="zh-CN" altLang="zh-TW" dirty="0" smtClean="0">
+                <a:ea typeface="楷体" panose="02010609060101010101" pitchFamily="49" charset="-122"/>
+              </a:rPr>
+              <a:t>，</a:t>
+            </a:r>
+            <a:endParaRPr lang="en-US" altLang="zh-CN" dirty="0" smtClean="0">
+              <a:ea typeface="楷体" panose="02010609060101010101" pitchFamily="49" charset="-122"/>
+            </a:endParaRPr>
+          </a:p>
+          <a:p>
+            <a:pPr marL="800100" lvl="1" indent="-342900">
+              <a:buFont typeface="+mj-lt"/>
+              <a:buAutoNum type="arabicPeriod"/>
+            </a:pPr>
+            <a:r>
+              <a:rPr lang="zh-CN" altLang="zh-TW" dirty="0" smtClean="0">
+                <a:ea typeface="楷体" panose="02010609060101010101" pitchFamily="49" charset="-122"/>
+              </a:rPr>
+              <a:t>将</a:t>
+            </a:r>
+            <a:r>
+              <a:rPr lang="zh-CN" altLang="zh-TW" dirty="0">
+                <a:ea typeface="楷体" panose="02010609060101010101" pitchFamily="49" charset="-122"/>
+              </a:rPr>
+              <a:t>与症状发生时间、持续时间、频率和严重程度有关的描述性信息</a:t>
+            </a:r>
+            <a:r>
+              <a:rPr lang="zh-CN" altLang="zh-TW" dirty="0" smtClean="0">
+                <a:ea typeface="楷体" panose="02010609060101010101" pitchFamily="49" charset="-122"/>
+              </a:rPr>
+              <a:t>排除</a:t>
+            </a:r>
+            <a:endParaRPr lang="en-US" altLang="zh-CN" kern="100" dirty="0">
+              <a:latin typeface="Times New Roman" panose="02020603050405020304" pitchFamily="18" charset="0"/>
+              <a:ea typeface="楷体" panose="02010609060101010101" pitchFamily="49" charset="-122"/>
+              <a:cs typeface="Times New Roman" panose="02020603050405020304" pitchFamily="18" charset="0"/>
+            </a:endParaRPr>
+          </a:p>
+          <a:p>
+            <a:pPr marL="800100" lvl="1" indent="-342900">
+              <a:buFont typeface="+mj-lt"/>
+              <a:buAutoNum type="arabicPeriod"/>
+            </a:pPr>
+            <a:r>
+              <a:rPr lang="zh-CN" altLang="en-US" dirty="0">
+                <a:ea typeface="楷体" panose="02010609060101010101" pitchFamily="49" charset="-122"/>
+              </a:rPr>
+              <a:t>对于每一章中列出的疾病，只列出一次相关</a:t>
+            </a:r>
+            <a:r>
+              <a:rPr lang="zh-CN" altLang="en-US" dirty="0" smtClean="0">
+                <a:ea typeface="楷体" panose="02010609060101010101" pitchFamily="49" charset="-122"/>
+              </a:rPr>
+              <a:t>的</a:t>
+            </a:r>
+            <a:r>
+              <a:rPr lang="zh-CN" altLang="en-US" dirty="0">
+                <a:ea typeface="楷体" panose="02010609060101010101" pitchFamily="49" charset="-122"/>
+              </a:rPr>
+              <a:t>特殊症状</a:t>
+            </a:r>
+            <a:r>
+              <a:rPr lang="zh-CN" altLang="en-US" dirty="0" smtClean="0">
+                <a:ea typeface="楷体" panose="02010609060101010101" pitchFamily="49" charset="-122"/>
+              </a:rPr>
+              <a:t>（附加症状）</a:t>
+            </a:r>
+            <a:endParaRPr lang="en-US" altLang="zh-CN" dirty="0" smtClean="0">
+              <a:ea typeface="楷体" panose="02010609060101010101" pitchFamily="49" charset="-122"/>
+            </a:endParaRPr>
+          </a:p>
+          <a:p>
+            <a:pPr marL="1257300" lvl="2" indent="-342900">
+              <a:buFont typeface="Wingdings" panose="05000000000000000000" pitchFamily="2" charset="2"/>
+              <a:buChar char="ü"/>
+            </a:pPr>
+            <a:r>
+              <a:rPr lang="zh-CN" altLang="en-US" dirty="0" smtClean="0">
+                <a:ea typeface="楷体" panose="02010609060101010101" pitchFamily="49" charset="-122"/>
+              </a:rPr>
+              <a:t>避免</a:t>
+            </a:r>
+            <a:r>
+              <a:rPr lang="zh-CN" altLang="en-US" dirty="0">
+                <a:ea typeface="楷体" panose="02010609060101010101" pitchFamily="49" charset="-122"/>
+              </a:rPr>
+              <a:t>了这些症状在多个疾病中的重复</a:t>
+            </a:r>
+            <a:r>
+              <a:rPr lang="zh-CN" altLang="en-US" dirty="0" smtClean="0">
+                <a:ea typeface="楷体" panose="02010609060101010101" pitchFamily="49" charset="-122"/>
+              </a:rPr>
+              <a:t>出现</a:t>
+            </a:r>
+            <a:endParaRPr lang="en-US" altLang="zh-CN" dirty="0" smtClean="0">
+              <a:ea typeface="楷体" panose="02010609060101010101" pitchFamily="49" charset="-122"/>
+            </a:endParaRPr>
+          </a:p>
+          <a:p>
+            <a:pPr marL="800100" lvl="1" indent="-342900">
+              <a:buFont typeface="+mj-lt"/>
+              <a:buAutoNum type="arabicPeriod"/>
+            </a:pPr>
+            <a:r>
+              <a:rPr lang="zh-CN" altLang="en-US" dirty="0" smtClean="0">
+                <a:ea typeface="楷体" panose="02010609060101010101" pitchFamily="49" charset="-122"/>
+              </a:rPr>
+              <a:t>如果特殊症状</a:t>
+            </a:r>
+            <a:r>
+              <a:rPr lang="zh-CN" altLang="en-US" kern="100" dirty="0" smtClean="0">
+                <a:latin typeface="Times New Roman" panose="02020603050405020304" pitchFamily="18" charset="0"/>
+                <a:ea typeface="楷体" panose="02010609060101010101" pitchFamily="49" charset="-122"/>
+                <a:cs typeface="Times New Roman" panose="02020603050405020304" pitchFamily="18" charset="0"/>
+              </a:rPr>
+              <a:t>指定了新</a:t>
+            </a:r>
+            <a:r>
+              <a:rPr lang="zh-CN" altLang="en-US" kern="100" dirty="0">
+                <a:latin typeface="Times New Roman" panose="02020603050405020304" pitchFamily="18" charset="0"/>
+                <a:ea typeface="楷体" panose="02010609060101010101" pitchFamily="49" charset="-122"/>
+                <a:cs typeface="Times New Roman" panose="02020603050405020304" pitchFamily="18" charset="0"/>
+              </a:rPr>
+              <a:t>的症状或描述新的综合征</a:t>
+            </a:r>
+            <a:r>
+              <a:rPr lang="zh-CN" altLang="en-US" kern="100" dirty="0" smtClean="0">
+                <a:latin typeface="Times New Roman" panose="02020603050405020304" pitchFamily="18" charset="0"/>
+                <a:ea typeface="楷体" panose="02010609060101010101" pitchFamily="49" charset="-122"/>
+                <a:cs typeface="Times New Roman" panose="02020603050405020304" pitchFamily="18" charset="0"/>
+              </a:rPr>
+              <a:t>时会被视为</a:t>
+            </a:r>
+            <a:r>
+              <a:rPr lang="zh-CN" altLang="en-US" kern="100" dirty="0">
+                <a:latin typeface="Times New Roman" panose="02020603050405020304" pitchFamily="18" charset="0"/>
+                <a:ea typeface="楷体" panose="02010609060101010101" pitchFamily="49" charset="-122"/>
+                <a:cs typeface="Times New Roman" panose="02020603050405020304" pitchFamily="18" charset="0"/>
+              </a:rPr>
+              <a:t>独立的</a:t>
+            </a:r>
+            <a:r>
+              <a:rPr lang="zh-CN" altLang="en-US" kern="100" dirty="0" smtClean="0">
+                <a:latin typeface="Times New Roman" panose="02020603050405020304" pitchFamily="18" charset="0"/>
+                <a:ea typeface="楷体" panose="02010609060101010101" pitchFamily="49" charset="-122"/>
+                <a:cs typeface="Times New Roman" panose="02020603050405020304" pitchFamily="18" charset="0"/>
+              </a:rPr>
+              <a:t>诊断标准，</a:t>
+            </a:r>
+            <a:r>
+              <a:rPr lang="zh-CN" altLang="en-US" kern="100" dirty="0">
+                <a:latin typeface="Times New Roman" panose="02020603050405020304" pitchFamily="18" charset="0"/>
+                <a:ea typeface="楷体" panose="02010609060101010101" pitchFamily="49" charset="-122"/>
+                <a:cs typeface="Times New Roman" panose="02020603050405020304" pitchFamily="18" charset="0"/>
+              </a:rPr>
+              <a:t>而不是与相关疾病</a:t>
+            </a:r>
+            <a:r>
+              <a:rPr lang="zh-CN" altLang="en-US" kern="100" dirty="0" smtClean="0">
+                <a:latin typeface="Times New Roman" panose="02020603050405020304" pitchFamily="18" charset="0"/>
+                <a:ea typeface="楷体" panose="02010609060101010101" pitchFamily="49" charset="-122"/>
+                <a:cs typeface="Times New Roman" panose="02020603050405020304" pitchFamily="18" charset="0"/>
+              </a:rPr>
+              <a:t>的诊断标准</a:t>
+            </a:r>
+            <a:r>
+              <a:rPr lang="zh-CN" altLang="en-US" kern="100" dirty="0">
+                <a:latin typeface="Times New Roman" panose="02020603050405020304" pitchFamily="18" charset="0"/>
+                <a:ea typeface="楷体" panose="02010609060101010101" pitchFamily="49" charset="-122"/>
+                <a:cs typeface="Times New Roman" panose="02020603050405020304" pitchFamily="18" charset="0"/>
+              </a:rPr>
+              <a:t>合并</a:t>
+            </a:r>
+            <a:r>
+              <a:rPr lang="zh-CN" altLang="en-US" kern="100" dirty="0" smtClean="0">
+                <a:latin typeface="Times New Roman" panose="02020603050405020304" pitchFamily="18" charset="0"/>
+                <a:ea typeface="楷体" panose="02010609060101010101" pitchFamily="49" charset="-122"/>
+                <a:cs typeface="Times New Roman" panose="02020603050405020304" pitchFamily="18" charset="0"/>
+              </a:rPr>
+              <a:t>。</a:t>
+            </a:r>
+            <a:endParaRPr lang="en-US" altLang="zh-CN" kern="100" dirty="0" smtClean="0">
+              <a:latin typeface="Times New Roman" panose="02020603050405020304" pitchFamily="18" charset="0"/>
+              <a:ea typeface="楷体" panose="02010609060101010101" pitchFamily="49" charset="-122"/>
+              <a:cs typeface="Times New Roman" panose="02020603050405020304" pitchFamily="18" charset="0"/>
+            </a:endParaRPr>
+          </a:p>
+          <a:p>
+            <a:pPr marL="1200150" lvl="2" indent="-285750">
+              <a:buFont typeface="Wingdings" panose="05000000000000000000" pitchFamily="2" charset="2"/>
+              <a:buChar char="ü"/>
+            </a:pPr>
+            <a:r>
+              <a:rPr lang="zh-CN" altLang="en-US" kern="100" dirty="0" smtClean="0">
+                <a:latin typeface="Times New Roman" panose="02020603050405020304" pitchFamily="18" charset="0"/>
+                <a:ea typeface="楷体" panose="02010609060101010101" pitchFamily="49" charset="-122"/>
+                <a:cs typeface="Times New Roman" panose="02020603050405020304" pitchFamily="18" charset="0"/>
+              </a:rPr>
+              <a:t>如果只是指定了疾病的原因、背景、共病症状、子集</a:t>
+            </a:r>
+            <a:r>
+              <a:rPr lang="en-US" altLang="zh-CN" kern="100" dirty="0" smtClean="0">
+                <a:latin typeface="Times New Roman" panose="02020603050405020304" pitchFamily="18" charset="0"/>
+                <a:ea typeface="楷体" panose="02010609060101010101" pitchFamily="49" charset="-122"/>
+                <a:cs typeface="Times New Roman" panose="02020603050405020304" pitchFamily="18" charset="0"/>
+              </a:rPr>
+              <a:t>/</a:t>
+            </a:r>
+            <a:r>
+              <a:rPr lang="zh-CN" altLang="en-US" kern="100" dirty="0" smtClean="0">
+                <a:latin typeface="Times New Roman" panose="02020603050405020304" pitchFamily="18" charset="0"/>
+                <a:ea typeface="楷体" panose="02010609060101010101" pitchFamily="49" charset="-122"/>
+                <a:cs typeface="Times New Roman" panose="02020603050405020304" pitchFamily="18" charset="0"/>
+              </a:rPr>
+              <a:t>混合症状等内容，则不会被认为是独立的诊断标准。</a:t>
+            </a:r>
+            <a:endParaRPr lang="zh-TW" altLang="zh-TW" kern="100" dirty="0">
+              <a:effectLst/>
+              <a:latin typeface="Times New Roman" panose="02020603050405020304" pitchFamily="18" charset="0"/>
+              <a:ea typeface="楷体" panose="02010609060101010101" pitchFamily="49" charset="-122"/>
+              <a:cs typeface="Times New Roman" panose="02020603050405020304" pitchFamily="18" charset="0"/>
+            </a:endParaRPr>
           </a:p>
         </p:txBody>
       </p:sp>
     </p:spTree>
     <p:extLst>
       <p:ext uri="{BB962C8B-B14F-4D97-AF65-F5344CB8AC3E}">
-        <p14:creationId xmlns:p14="http://schemas.microsoft.com/office/powerpoint/2010/main" val="1518536304"/>
+        <p14:creationId xmlns:p14="http://schemas.microsoft.com/office/powerpoint/2010/main" val="2853888374"/>
       </p:ext>
     </p:extLst>
   </p:cSld>
@@ -8213,14 +9185,192 @@
       </p:grpSpPr>
       <p:sp>
         <p:nvSpPr>
-          <p:cNvPr id="3" name="矩形 2"/>
+          <p:cNvPr id="4" name="矩形 3"/>
           <p:cNvSpPr/>
           <p:nvPr/>
         </p:nvSpPr>
         <p:spPr>
           <a:xfrm>
-            <a:off x="283780" y="1219059"/>
-            <a:ext cx="11098923" cy="369332"/>
+            <a:off x="8979408" y="0"/>
+            <a:ext cx="3212592" cy="6858000"/>
+          </a:xfrm>
+          <a:prstGeom prst="rect">
+            <a:avLst/>
+          </a:prstGeom>
+          <a:gradFill flip="none" rotWithShape="1">
+            <a:gsLst>
+              <a:gs pos="0">
+                <a:srgbClr val="005B70"/>
+              </a:gs>
+              <a:gs pos="100000">
+                <a:srgbClr val="74AA9C"/>
+              </a:gs>
+            </a:gsLst>
+            <a:lin ang="2700000" scaled="1"/>
+            <a:tileRect/>
+          </a:gradFill>
+          <a:ln>
+            <a:noFill/>
+          </a:ln>
+        </p:spPr>
+        <p:style>
+          <a:lnRef idx="2">
+            <a:schemeClr val="accent1">
+              <a:shade val="50000"/>
+            </a:schemeClr>
+          </a:lnRef>
+          <a:fillRef idx="1">
+            <a:schemeClr val="accent1"/>
+          </a:fillRef>
+          <a:effectRef idx="0">
+            <a:schemeClr val="accent1"/>
+          </a:effectRef>
+          <a:fontRef idx="minor">
+            <a:schemeClr val="lt1"/>
+          </a:fontRef>
+        </p:style>
+        <p:txBody>
+          <a:bodyPr rtlCol="0" anchor="ctr"/>
+          <a:lstStyle/>
+          <a:p>
+            <a:pPr algn="ctr"/>
+            <a:r>
+              <a:rPr lang="en-US" altLang="zh-TW" sz="6000" dirty="0" smtClean="0"/>
+              <a:t>DSM - 5</a:t>
+            </a:r>
+            <a:endParaRPr lang="zh-TW" altLang="en-US" sz="6000" dirty="0"/>
+          </a:p>
+        </p:txBody>
+      </p:sp>
+      <p:sp>
+        <p:nvSpPr>
+          <p:cNvPr id="9" name="矩形 8"/>
+          <p:cNvSpPr/>
+          <p:nvPr/>
+        </p:nvSpPr>
+        <p:spPr>
+          <a:xfrm>
+            <a:off x="0" y="6291072"/>
+            <a:ext cx="1054608" cy="566928"/>
+          </a:xfrm>
+          <a:prstGeom prst="rect">
+            <a:avLst/>
+          </a:prstGeom>
+          <a:gradFill flip="none" rotWithShape="1">
+            <a:gsLst>
+              <a:gs pos="0">
+                <a:srgbClr val="005B70"/>
+              </a:gs>
+              <a:gs pos="100000">
+                <a:srgbClr val="74AA9C"/>
+              </a:gs>
+            </a:gsLst>
+            <a:lin ang="2700000" scaled="1"/>
+            <a:tileRect/>
+          </a:gradFill>
+          <a:ln>
+            <a:noFill/>
+          </a:ln>
+        </p:spPr>
+        <p:style>
+          <a:lnRef idx="2">
+            <a:schemeClr val="accent1">
+              <a:shade val="50000"/>
+            </a:schemeClr>
+          </a:lnRef>
+          <a:fillRef idx="1">
+            <a:schemeClr val="accent1"/>
+          </a:fillRef>
+          <a:effectRef idx="0">
+            <a:schemeClr val="accent1"/>
+          </a:effectRef>
+          <a:fontRef idx="minor">
+            <a:schemeClr val="lt1"/>
+          </a:fontRef>
+        </p:style>
+        <p:txBody>
+          <a:bodyPr rtlCol="0" anchor="ctr"/>
+          <a:lstStyle/>
+          <a:p>
+            <a:pPr algn="ctr"/>
+            <a:endParaRPr lang="zh-TW" altLang="en-US"/>
+          </a:p>
+        </p:txBody>
+      </p:sp>
+      <p:sp>
+        <p:nvSpPr>
+          <p:cNvPr id="7" name="矩形 6"/>
+          <p:cNvSpPr/>
+          <p:nvPr/>
+        </p:nvSpPr>
+        <p:spPr>
+          <a:xfrm>
+            <a:off x="0" y="0"/>
+            <a:ext cx="3941064" cy="566928"/>
+          </a:xfrm>
+          <a:prstGeom prst="rect">
+            <a:avLst/>
+          </a:prstGeom>
+          <a:gradFill flip="none" rotWithShape="1">
+            <a:gsLst>
+              <a:gs pos="0">
+                <a:srgbClr val="005B70"/>
+              </a:gs>
+              <a:gs pos="100000">
+                <a:srgbClr val="74AA9C"/>
+              </a:gs>
+            </a:gsLst>
+            <a:lin ang="2700000" scaled="1"/>
+            <a:tileRect/>
+          </a:gradFill>
+          <a:ln>
+            <a:noFill/>
+          </a:ln>
+        </p:spPr>
+        <p:style>
+          <a:lnRef idx="2">
+            <a:schemeClr val="accent1">
+              <a:shade val="50000"/>
+            </a:schemeClr>
+          </a:lnRef>
+          <a:fillRef idx="1">
+            <a:schemeClr val="accent1"/>
+          </a:fillRef>
+          <a:effectRef idx="0">
+            <a:schemeClr val="accent1"/>
+          </a:effectRef>
+          <a:fontRef idx="minor">
+            <a:schemeClr val="lt1"/>
+          </a:fontRef>
+        </p:style>
+        <p:txBody>
+          <a:bodyPr rtlCol="0" anchor="ctr"/>
+          <a:lstStyle/>
+          <a:p>
+            <a:r>
+              <a:rPr lang="en-US" altLang="zh-CN" sz="3600" b="1" dirty="0" smtClean="0">
+                <a:latin typeface="Times New Roman" panose="02020603050405020304" pitchFamily="18" charset="0"/>
+                <a:cs typeface="Times New Roman" panose="02020603050405020304" pitchFamily="18" charset="0"/>
+              </a:rPr>
+              <a:t>Method</a:t>
+            </a:r>
+            <a:endParaRPr lang="zh-TW" altLang="en-US" sz="3600" b="1" dirty="0">
+              <a:latin typeface="Times New Roman" panose="02020603050405020304" pitchFamily="18" charset="0"/>
+              <a:cs typeface="Times New Roman" panose="02020603050405020304" pitchFamily="18" charset="0"/>
+            </a:endParaRPr>
+          </a:p>
+        </p:txBody>
+      </p:sp>
+      <p:sp>
+        <p:nvSpPr>
+          <p:cNvPr id="8" name="矩形 7"/>
+          <p:cNvSpPr/>
+          <p:nvPr/>
+        </p:nvSpPr>
+        <p:spPr>
+          <a:xfrm>
+            <a:off x="537499" y="901712"/>
+            <a:ext cx="7500812" cy="646331"/>
           </a:xfrm>
           <a:prstGeom prst="rect">
             <a:avLst/>
@@ -8232,179 +9382,132 @@
           </a:bodyPr>
           <a:lstStyle/>
           <a:p>
+            <a:pPr marL="285750" indent="-285750">
+              <a:buFont typeface="Wingdings" panose="05000000000000000000" pitchFamily="2" charset="2"/>
+              <a:buChar char="n"/>
+            </a:pPr>
+            <a:r>
+              <a:rPr lang="zh-CN" altLang="en-US" dirty="0" smtClean="0">
+                <a:latin typeface="楷体" panose="02010609060101010101" pitchFamily="49" charset="-122"/>
+                <a:ea typeface="楷体" panose="02010609060101010101" pitchFamily="49" charset="-122"/>
+              </a:rPr>
+              <a:t>未满足以上规则的疾病将不会被纳入分析，一共有</a:t>
+            </a:r>
+            <a:r>
+              <a:rPr lang="en-US" altLang="zh-CN" dirty="0" smtClean="0">
+                <a:latin typeface="楷体" panose="02010609060101010101" pitchFamily="49" charset="-122"/>
+                <a:ea typeface="楷体" panose="02010609060101010101" pitchFamily="49" charset="-122"/>
+              </a:rPr>
+              <a:t>85</a:t>
+            </a:r>
+            <a:r>
+              <a:rPr lang="zh-CN" altLang="en-US" dirty="0" smtClean="0">
+                <a:latin typeface="楷体" panose="02010609060101010101" pitchFamily="49" charset="-122"/>
+                <a:ea typeface="楷体" panose="02010609060101010101" pitchFamily="49" charset="-122"/>
+              </a:rPr>
+              <a:t>个，</a:t>
+            </a:r>
             <a:r>
               <a:rPr lang="zh-CN" altLang="zh-TW" dirty="0" smtClean="0">
-                <a:latin typeface="Calibri" panose="020F0502020204030204" pitchFamily="34" charset="0"/>
-                <a:cs typeface="Times New Roman" panose="02020603050405020304" pitchFamily="18" charset="0"/>
-              </a:rPr>
-              <a:t>由于诊断类别内的异质性和诊断之间的重叠症状，传统的精神障碍诊断系统（例如</a:t>
-            </a:r>
-            <a:r>
-              <a:rPr lang="en-US" altLang="zh-TW" dirty="0" smtClean="0">
-                <a:effectLst/>
-                <a:latin typeface="Calibri" panose="020F0502020204030204" pitchFamily="34" charset="0"/>
-                <a:ea typeface="宋体" panose="02010600030101010101" pitchFamily="2" charset="-122"/>
-                <a:cs typeface="Times New Roman" panose="02020603050405020304" pitchFamily="18" charset="0"/>
-              </a:rPr>
-              <a:t> DSM</a:t>
+                <a:latin typeface="楷体" panose="02010609060101010101" pitchFamily="49" charset="-122"/>
+                <a:ea typeface="楷体" panose="02010609060101010101" pitchFamily="49" charset="-122"/>
+              </a:rPr>
+              <a:t>其中</a:t>
+            </a:r>
+            <a:r>
+              <a:rPr lang="en-US" altLang="zh-TW" dirty="0">
+                <a:latin typeface="楷体" panose="02010609060101010101" pitchFamily="49" charset="-122"/>
+                <a:ea typeface="楷体" panose="02010609060101010101" pitchFamily="49" charset="-122"/>
+              </a:rPr>
+              <a:t>82</a:t>
+            </a:r>
+            <a:r>
+              <a:rPr lang="zh-CN" altLang="zh-TW" dirty="0">
+                <a:latin typeface="楷体" panose="02010609060101010101" pitchFamily="49" charset="-122"/>
+                <a:ea typeface="楷体" panose="02010609060101010101" pitchFamily="49" charset="-122"/>
+              </a:rPr>
+              <a:t>个未列出</a:t>
             </a:r>
             <a:r>
               <a:rPr lang="zh-CN" altLang="zh-TW" dirty="0" smtClean="0">
-                <a:latin typeface="Calibri" panose="020F0502020204030204" pitchFamily="34" charset="0"/>
-                <a:cs typeface="Times New Roman" panose="02020603050405020304" pitchFamily="18" charset="0"/>
-              </a:rPr>
-              <a:t>）存在局限性</a:t>
-            </a:r>
-            <a:endParaRPr lang="zh-TW" altLang="en-US" dirty="0"/>
-          </a:p>
-        </p:txBody>
-      </p:sp>
-      <p:sp>
-        <p:nvSpPr>
-          <p:cNvPr id="4" name="矩形 3"/>
-          <p:cNvSpPr/>
+                <a:latin typeface="楷体" panose="02010609060101010101" pitchFamily="49" charset="-122"/>
+                <a:ea typeface="楷体" panose="02010609060101010101" pitchFamily="49" charset="-122"/>
+              </a:rPr>
+              <a:t>任何</a:t>
+            </a:r>
+            <a:r>
+              <a:rPr lang="zh-CN" altLang="en-US" dirty="0" smtClean="0">
+                <a:latin typeface="楷体" panose="02010609060101010101" pitchFamily="49" charset="-122"/>
+                <a:ea typeface="楷体" panose="02010609060101010101" pitchFamily="49" charset="-122"/>
+              </a:rPr>
+              <a:t>特殊症状（附加症状）</a:t>
+            </a:r>
+            <a:r>
+              <a:rPr lang="zh-CN" altLang="zh-TW" dirty="0" smtClean="0">
+                <a:latin typeface="楷体" panose="02010609060101010101" pitchFamily="49" charset="-122"/>
+                <a:ea typeface="楷体" panose="02010609060101010101" pitchFamily="49" charset="-122"/>
+              </a:rPr>
+              <a:t>。</a:t>
+            </a:r>
+            <a:endParaRPr lang="zh-TW" altLang="zh-TW" dirty="0">
+              <a:latin typeface="楷体" panose="02010609060101010101" pitchFamily="49" charset="-122"/>
+              <a:ea typeface="楷体" panose="02010609060101010101" pitchFamily="49" charset="-122"/>
+            </a:endParaRPr>
+          </a:p>
+        </p:txBody>
+      </p:sp>
+      <p:pic>
+        <p:nvPicPr>
+          <p:cNvPr id="2" name="图片 1"/>
+          <p:cNvPicPr>
+            <a:picLocks noChangeAspect="1"/>
+          </p:cNvPicPr>
           <p:nvPr/>
-        </p:nvSpPr>
+        </p:nvPicPr>
+        <p:blipFill>
+          <a:blip r:embed="rId3"/>
+          <a:stretch>
+            <a:fillRect/>
+          </a:stretch>
+        </p:blipFill>
         <p:spPr>
           <a:xfrm>
-            <a:off x="1298027" y="1891891"/>
-            <a:ext cx="9690539" cy="369332"/>
+            <a:off x="1133284" y="1729819"/>
+            <a:ext cx="2934344" cy="4379476"/>
           </a:xfrm>
           <a:prstGeom prst="rect">
             <a:avLst/>
           </a:prstGeom>
         </p:spPr>
-        <p:txBody>
-          <a:bodyPr wrap="square">
-            <a:spAutoFit/>
-          </a:bodyPr>
-          <a:lstStyle/>
-          <a:p>
-            <a:r>
-              <a:rPr lang="zh-CN" altLang="zh-TW" dirty="0">
-                <a:latin typeface="Calibri" panose="020F0502020204030204" pitchFamily="34" charset="0"/>
-                <a:cs typeface="Times New Roman" panose="02020603050405020304" pitchFamily="18" charset="0"/>
-              </a:rPr>
-              <a:t>研究个别诊断结构可能会掩盖特定于一种症状或紧密结合综合征的原因、治疗效果和结果</a:t>
-            </a:r>
-            <a:endParaRPr lang="zh-TW" altLang="en-US" dirty="0"/>
-          </a:p>
-        </p:txBody>
-      </p:sp>
-      <p:sp>
-        <p:nvSpPr>
-          <p:cNvPr id="5" name="矩形 4"/>
-          <p:cNvSpPr/>
+      </p:pic>
+      <p:pic>
+        <p:nvPicPr>
+          <p:cNvPr id="3" name="图片 2"/>
+          <p:cNvPicPr>
+            <a:picLocks noChangeAspect="1"/>
+          </p:cNvPicPr>
           <p:nvPr/>
-        </p:nvSpPr>
+        </p:nvPicPr>
+        <p:blipFill>
+          <a:blip r:embed="rId4"/>
+          <a:stretch>
+            <a:fillRect/>
+          </a:stretch>
+        </p:blipFill>
         <p:spPr>
           <a:xfrm>
-            <a:off x="1298027" y="2498891"/>
-            <a:ext cx="9564413" cy="369332"/>
+            <a:off x="4638239" y="1729819"/>
+            <a:ext cx="2915522" cy="4398580"/>
           </a:xfrm>
           <a:prstGeom prst="rect">
             <a:avLst/>
           </a:prstGeom>
         </p:spPr>
-        <p:txBody>
-          <a:bodyPr wrap="square">
-            <a:spAutoFit/>
-          </a:bodyPr>
-          <a:lstStyle/>
-          <a:p>
-            <a:r>
-              <a:rPr lang="zh-CN" altLang="zh-TW" dirty="0">
-                <a:latin typeface="Calibri" panose="020F0502020204030204" pitchFamily="34" charset="0"/>
-                <a:cs typeface="Times New Roman" panose="02020603050405020304" pitchFamily="18" charset="0"/>
-              </a:rPr>
-              <a:t>一次研究一种诊断会导致失去识别与跨越多种疾病的症状或综合征相关的机制的机会</a:t>
-            </a:r>
-            <a:endParaRPr lang="zh-TW" altLang="en-US" dirty="0"/>
-          </a:p>
-        </p:txBody>
-      </p:sp>
-      <p:sp>
-        <p:nvSpPr>
-          <p:cNvPr id="6" name="矩形 5"/>
-          <p:cNvSpPr/>
-          <p:nvPr/>
-        </p:nvSpPr>
-        <p:spPr>
-          <a:xfrm>
-            <a:off x="283780" y="3429000"/>
-            <a:ext cx="11477296" cy="646331"/>
-          </a:xfrm>
-          <a:prstGeom prst="rect">
-            <a:avLst/>
-          </a:prstGeom>
-        </p:spPr>
-        <p:txBody>
-          <a:bodyPr wrap="square">
-            <a:spAutoFit/>
-          </a:bodyPr>
-          <a:lstStyle/>
-          <a:p>
-            <a:r>
-              <a:rPr lang="zh-CN" altLang="zh-TW" dirty="0">
-                <a:latin typeface="Calibri" panose="020F0502020204030204" pitchFamily="34" charset="0"/>
-                <a:cs typeface="Times New Roman" panose="02020603050405020304" pitchFamily="18" charset="0"/>
-              </a:rPr>
-              <a:t>描述</a:t>
-            </a:r>
-            <a:r>
-              <a:rPr lang="en-US" altLang="zh-TW" dirty="0" smtClean="0">
-                <a:effectLst/>
-                <a:latin typeface="Calibri" panose="020F0502020204030204" pitchFamily="34" charset="0"/>
-                <a:ea typeface="宋体" panose="02010600030101010101" pitchFamily="2" charset="-122"/>
-                <a:cs typeface="Times New Roman" panose="02020603050405020304" pitchFamily="18" charset="0"/>
-              </a:rPr>
-              <a:t> DSM-5 </a:t>
-            </a:r>
-            <a:r>
-              <a:rPr lang="zh-CN" altLang="zh-TW" dirty="0">
-                <a:latin typeface="Calibri" panose="020F0502020204030204" pitchFamily="34" charset="0"/>
-                <a:cs typeface="Times New Roman" panose="02020603050405020304" pitchFamily="18" charset="0"/>
-              </a:rPr>
-              <a:t>症状水平结构中的重叠模式并了解它们的范围可以为区分综合征和相关机制具有高特异性或低特异性的症状提供新的见解</a:t>
-            </a:r>
-            <a:endParaRPr lang="zh-TW" altLang="en-US" dirty="0"/>
-          </a:p>
-        </p:txBody>
-      </p:sp>
-      <p:sp>
-        <p:nvSpPr>
-          <p:cNvPr id="7" name="文本框 6"/>
-          <p:cNvSpPr txBox="1"/>
-          <p:nvPr/>
-        </p:nvSpPr>
-        <p:spPr>
-          <a:xfrm>
-            <a:off x="283780" y="268014"/>
-            <a:ext cx="1592317" cy="369332"/>
-          </a:xfrm>
-          <a:prstGeom prst="rect">
-            <a:avLst/>
-          </a:prstGeom>
-          <a:noFill/>
-        </p:spPr>
-        <p:txBody>
-          <a:bodyPr wrap="square" rtlCol="0">
-            <a:spAutoFit/>
-          </a:bodyPr>
-          <a:lstStyle/>
-          <a:p>
-            <a:r>
-              <a:rPr lang="zh-CN" altLang="en-US" dirty="0" smtClean="0"/>
-              <a:t>前言</a:t>
-            </a:r>
-            <a:endParaRPr lang="zh-TW" altLang="en-US" dirty="0"/>
-          </a:p>
-        </p:txBody>
-      </p:sp>
+      </p:pic>
     </p:spTree>
     <p:extLst>
       <p:ext uri="{BB962C8B-B14F-4D97-AF65-F5344CB8AC3E}">
-        <p14:creationId xmlns:p14="http://schemas.microsoft.com/office/powerpoint/2010/main" val="949753983"/>
+        <p14:creationId xmlns:p14="http://schemas.microsoft.com/office/powerpoint/2010/main" val="1373057462"/>
       </p:ext>
     </p:extLst>
   </p:cSld>
@@ -8440,14 +9543,192 @@
       </p:grpSpPr>
       <p:sp>
         <p:nvSpPr>
-          <p:cNvPr id="2" name="矩形 1"/>
+          <p:cNvPr id="4" name="矩形 3"/>
           <p:cNvSpPr/>
           <p:nvPr/>
         </p:nvSpPr>
         <p:spPr>
           <a:xfrm>
-            <a:off x="982717" y="1439266"/>
-            <a:ext cx="9438289" cy="2862322"/>
+            <a:off x="8979408" y="0"/>
+            <a:ext cx="3212592" cy="6858000"/>
+          </a:xfrm>
+          <a:prstGeom prst="rect">
+            <a:avLst/>
+          </a:prstGeom>
+          <a:gradFill flip="none" rotWithShape="1">
+            <a:gsLst>
+              <a:gs pos="0">
+                <a:srgbClr val="005B70"/>
+              </a:gs>
+              <a:gs pos="100000">
+                <a:srgbClr val="74AA9C"/>
+              </a:gs>
+            </a:gsLst>
+            <a:lin ang="2700000" scaled="1"/>
+            <a:tileRect/>
+          </a:gradFill>
+          <a:ln>
+            <a:noFill/>
+          </a:ln>
+        </p:spPr>
+        <p:style>
+          <a:lnRef idx="2">
+            <a:schemeClr val="accent1">
+              <a:shade val="50000"/>
+            </a:schemeClr>
+          </a:lnRef>
+          <a:fillRef idx="1">
+            <a:schemeClr val="accent1"/>
+          </a:fillRef>
+          <a:effectRef idx="0">
+            <a:schemeClr val="accent1"/>
+          </a:effectRef>
+          <a:fontRef idx="minor">
+            <a:schemeClr val="lt1"/>
+          </a:fontRef>
+        </p:style>
+        <p:txBody>
+          <a:bodyPr rtlCol="0" anchor="ctr"/>
+          <a:lstStyle/>
+          <a:p>
+            <a:pPr algn="ctr"/>
+            <a:r>
+              <a:rPr lang="en-US" altLang="zh-TW" sz="6000" dirty="0" smtClean="0"/>
+              <a:t>DSM - 5</a:t>
+            </a:r>
+            <a:endParaRPr lang="zh-TW" altLang="en-US" sz="6000" dirty="0"/>
+          </a:p>
+        </p:txBody>
+      </p:sp>
+      <p:sp>
+        <p:nvSpPr>
+          <p:cNvPr id="9" name="矩形 8"/>
+          <p:cNvSpPr/>
+          <p:nvPr/>
+        </p:nvSpPr>
+        <p:spPr>
+          <a:xfrm>
+            <a:off x="0" y="6291072"/>
+            <a:ext cx="1054608" cy="566928"/>
+          </a:xfrm>
+          <a:prstGeom prst="rect">
+            <a:avLst/>
+          </a:prstGeom>
+          <a:gradFill flip="none" rotWithShape="1">
+            <a:gsLst>
+              <a:gs pos="0">
+                <a:srgbClr val="005B70"/>
+              </a:gs>
+              <a:gs pos="100000">
+                <a:srgbClr val="74AA9C"/>
+              </a:gs>
+            </a:gsLst>
+            <a:lin ang="2700000" scaled="1"/>
+            <a:tileRect/>
+          </a:gradFill>
+          <a:ln>
+            <a:noFill/>
+          </a:ln>
+        </p:spPr>
+        <p:style>
+          <a:lnRef idx="2">
+            <a:schemeClr val="accent1">
+              <a:shade val="50000"/>
+            </a:schemeClr>
+          </a:lnRef>
+          <a:fillRef idx="1">
+            <a:schemeClr val="accent1"/>
+          </a:fillRef>
+          <a:effectRef idx="0">
+            <a:schemeClr val="accent1"/>
+          </a:effectRef>
+          <a:fontRef idx="minor">
+            <a:schemeClr val="lt1"/>
+          </a:fontRef>
+        </p:style>
+        <p:txBody>
+          <a:bodyPr rtlCol="0" anchor="ctr"/>
+          <a:lstStyle/>
+          <a:p>
+            <a:pPr algn="ctr"/>
+            <a:endParaRPr lang="zh-TW" altLang="en-US"/>
+          </a:p>
+        </p:txBody>
+      </p:sp>
+      <p:sp>
+        <p:nvSpPr>
+          <p:cNvPr id="7" name="矩形 6"/>
+          <p:cNvSpPr/>
+          <p:nvPr/>
+        </p:nvSpPr>
+        <p:spPr>
+          <a:xfrm>
+            <a:off x="0" y="0"/>
+            <a:ext cx="3941064" cy="566928"/>
+          </a:xfrm>
+          <a:prstGeom prst="rect">
+            <a:avLst/>
+          </a:prstGeom>
+          <a:gradFill flip="none" rotWithShape="1">
+            <a:gsLst>
+              <a:gs pos="0">
+                <a:srgbClr val="005B70"/>
+              </a:gs>
+              <a:gs pos="100000">
+                <a:srgbClr val="74AA9C"/>
+              </a:gs>
+            </a:gsLst>
+            <a:lin ang="2700000" scaled="1"/>
+            <a:tileRect/>
+          </a:gradFill>
+          <a:ln>
+            <a:noFill/>
+          </a:ln>
+        </p:spPr>
+        <p:style>
+          <a:lnRef idx="2">
+            <a:schemeClr val="accent1">
+              <a:shade val="50000"/>
+            </a:schemeClr>
+          </a:lnRef>
+          <a:fillRef idx="1">
+            <a:schemeClr val="accent1"/>
+          </a:fillRef>
+          <a:effectRef idx="0">
+            <a:schemeClr val="accent1"/>
+          </a:effectRef>
+          <a:fontRef idx="minor">
+            <a:schemeClr val="lt1"/>
+          </a:fontRef>
+        </p:style>
+        <p:txBody>
+          <a:bodyPr rtlCol="0" anchor="ctr"/>
+          <a:lstStyle/>
+          <a:p>
+            <a:r>
+              <a:rPr lang="en-US" altLang="zh-CN" sz="3600" b="1" dirty="0" smtClean="0">
+                <a:latin typeface="Times New Roman" panose="02020603050405020304" pitchFamily="18" charset="0"/>
+                <a:cs typeface="Times New Roman" panose="02020603050405020304" pitchFamily="18" charset="0"/>
+              </a:rPr>
+              <a:t>Method</a:t>
+            </a:r>
+            <a:endParaRPr lang="zh-TW" altLang="en-US" sz="3600" b="1" dirty="0">
+              <a:latin typeface="Times New Roman" panose="02020603050405020304" pitchFamily="18" charset="0"/>
+              <a:cs typeface="Times New Roman" panose="02020603050405020304" pitchFamily="18" charset="0"/>
+            </a:endParaRPr>
+          </a:p>
+        </p:txBody>
+      </p:sp>
+      <p:sp>
+        <p:nvSpPr>
+          <p:cNvPr id="10" name="矩形 9"/>
+          <p:cNvSpPr/>
+          <p:nvPr/>
+        </p:nvSpPr>
+        <p:spPr>
+          <a:xfrm>
+            <a:off x="825061" y="1582340"/>
+            <a:ext cx="7267903" cy="3693319"/>
           </a:xfrm>
           <a:prstGeom prst="rect">
             <a:avLst/>
@@ -8459,284 +9740,297 @@
           </a:bodyPr>
           <a:lstStyle/>
           <a:p>
-            <a:pPr>
-              <a:spcAft>
-                <a:spcPts val="0"/>
-              </a:spcAft>
+            <a:pPr marL="285750" indent="-285750">
+              <a:buFont typeface="Wingdings" panose="05000000000000000000" pitchFamily="2" charset="2"/>
+              <a:buChar char="n"/>
             </a:pPr>
             <a:r>
-              <a:rPr lang="zh-CN" altLang="zh-TW" kern="100" dirty="0">
-                <a:latin typeface="Calibri" panose="020F0502020204030204" pitchFamily="34" charset="0"/>
-                <a:cs typeface="Times New Roman" panose="02020603050405020304" pitchFamily="18" charset="0"/>
-              </a:rPr>
-              <a:t>以前的研究已经检查了传统诊断系统的描述性症状水平结构，并侧重于了解诊断之间的合并症。 </a:t>
-            </a:r>
-            <a:endParaRPr lang="en-US" altLang="zh-CN" kern="100" dirty="0" smtClean="0">
-              <a:latin typeface="Calibri" panose="020F0502020204030204" pitchFamily="34" charset="0"/>
-              <a:cs typeface="Times New Roman" panose="02020603050405020304" pitchFamily="18" charset="0"/>
+              <a:rPr lang="zh-CN" altLang="en-US" b="0" i="0" dirty="0" smtClean="0">
+                <a:effectLst/>
+                <a:latin typeface="楷体" panose="02010609060101010101" pitchFamily="49" charset="-122"/>
+                <a:ea typeface="楷体" panose="02010609060101010101" pitchFamily="49" charset="-122"/>
+              </a:rPr>
+              <a:t>在定义某些</a:t>
+            </a:r>
+            <a:r>
+              <a:rPr lang="zh-CN" altLang="en-US" b="0" i="0" dirty="0" smtClean="0">
+                <a:effectLst/>
+                <a:latin typeface="楷体" panose="02010609060101010101" pitchFamily="49" charset="-122"/>
+                <a:ea typeface="楷体" panose="02010609060101010101" pitchFamily="49" charset="-122"/>
+              </a:rPr>
+              <a:t>诊断标准时</a:t>
+            </a:r>
+            <a:r>
+              <a:rPr lang="zh-CN" altLang="en-US" b="0" i="0" dirty="0" smtClean="0">
+                <a:effectLst/>
+                <a:latin typeface="楷体" panose="02010609060101010101" pitchFamily="49" charset="-122"/>
+                <a:ea typeface="楷体" panose="02010609060101010101" pitchFamily="49" charset="-122"/>
+              </a:rPr>
+              <a:t>存在的模糊或不确定性</a:t>
+            </a:r>
+            <a:r>
+              <a:rPr lang="zh-CN" altLang="en-US" b="0" i="0" dirty="0" smtClean="0">
+                <a:effectLst/>
+                <a:latin typeface="楷体" panose="02010609060101010101" pitchFamily="49" charset="-122"/>
+                <a:ea typeface="楷体" panose="02010609060101010101" pitchFamily="49" charset="-122"/>
+              </a:rPr>
+              <a:t>。因为</a:t>
+            </a:r>
+            <a:r>
+              <a:rPr lang="zh-CN" altLang="en-US" b="0" i="0" dirty="0" smtClean="0">
+                <a:effectLst/>
+                <a:latin typeface="楷体" panose="02010609060101010101" pitchFamily="49" charset="-122"/>
+                <a:ea typeface="楷体" panose="02010609060101010101" pitchFamily="49" charset="-122"/>
+              </a:rPr>
+              <a:t>某些诊断标准描述的症状可能很宽泛</a:t>
+            </a:r>
+            <a:r>
+              <a:rPr lang="zh-CN" altLang="en-US" b="0" i="0" dirty="0" smtClean="0">
+                <a:effectLst/>
+                <a:latin typeface="楷体" panose="02010609060101010101" pitchFamily="49" charset="-122"/>
+                <a:ea typeface="楷体" panose="02010609060101010101" pitchFamily="49" charset="-122"/>
+              </a:rPr>
+              <a:t>或狠抽象</a:t>
+            </a:r>
+            <a:r>
+              <a:rPr lang="zh-CN" altLang="en-US" b="0" i="0" dirty="0" smtClean="0">
+                <a:effectLst/>
+                <a:latin typeface="楷体" panose="02010609060101010101" pitchFamily="49" charset="-122"/>
+                <a:ea typeface="楷体" panose="02010609060101010101" pitchFamily="49" charset="-122"/>
+              </a:rPr>
+              <a:t>，</a:t>
+            </a:r>
+            <a:r>
+              <a:rPr lang="zh-CN" altLang="en-US" dirty="0">
+                <a:latin typeface="楷体" panose="02010609060101010101" pitchFamily="49" charset="-122"/>
+                <a:ea typeface="楷体" panose="02010609060101010101" pitchFamily="49" charset="-122"/>
+              </a:rPr>
+              <a:t>导致症状的</a:t>
+            </a:r>
+            <a:r>
+              <a:rPr lang="zh-CN" altLang="en-US" dirty="0" smtClean="0">
+                <a:latin typeface="楷体" panose="02010609060101010101" pitchFamily="49" charset="-122"/>
+                <a:ea typeface="楷体" panose="02010609060101010101" pitchFamily="49" charset="-122"/>
+              </a:rPr>
+              <a:t>具体内容</a:t>
+            </a:r>
+            <a:r>
+              <a:rPr lang="zh-CN" altLang="en-US" b="0" i="0" dirty="0" smtClean="0">
+                <a:effectLst/>
+                <a:latin typeface="楷体" panose="02010609060101010101" pitchFamily="49" charset="-122"/>
+                <a:ea typeface="楷体" panose="02010609060101010101" pitchFamily="49" charset="-122"/>
+              </a:rPr>
+              <a:t>不够明确。</a:t>
+            </a:r>
+            <a:endParaRPr lang="en-US" altLang="zh-CN" b="0" i="0" dirty="0" smtClean="0">
+              <a:effectLst/>
+              <a:latin typeface="楷体" panose="02010609060101010101" pitchFamily="49" charset="-122"/>
+              <a:ea typeface="楷体" panose="02010609060101010101" pitchFamily="49" charset="-122"/>
             </a:endParaRPr>
           </a:p>
           <a:p>
-            <a:pPr>
-              <a:spcAft>
-                <a:spcPts val="0"/>
-              </a:spcAft>
+            <a:endParaRPr lang="en-US" altLang="zh-CN" dirty="0">
+              <a:latin typeface="楷体" panose="02010609060101010101" pitchFamily="49" charset="-122"/>
+              <a:ea typeface="楷体" panose="02010609060101010101" pitchFamily="49" charset="-122"/>
+            </a:endParaRPr>
+          </a:p>
+          <a:p>
+            <a:pPr marL="742950" lvl="1" indent="-285750">
+              <a:buFont typeface="Wingdings" panose="05000000000000000000" pitchFamily="2" charset="2"/>
+              <a:buChar char="ü"/>
             </a:pPr>
-            <a:endParaRPr lang="en-US" altLang="zh-CN" kern="100" dirty="0">
-              <a:latin typeface="Calibri" panose="020F0502020204030204" pitchFamily="34" charset="0"/>
-              <a:cs typeface="Times New Roman" panose="02020603050405020304" pitchFamily="18" charset="0"/>
+            <a:r>
+              <a:rPr lang="zh-CN" altLang="en-US" dirty="0">
+                <a:latin typeface="楷体" panose="02010609060101010101" pitchFamily="49" charset="-122"/>
+                <a:ea typeface="楷体" panose="02010609060101010101" pitchFamily="49" charset="-122"/>
+              </a:rPr>
+              <a:t>例如，对于神经认知障碍这一</a:t>
+            </a:r>
+            <a:r>
+              <a:rPr lang="zh-CN" altLang="en-US" dirty="0" smtClean="0">
+                <a:latin typeface="楷体" panose="02010609060101010101" pitchFamily="49" charset="-122"/>
+                <a:ea typeface="楷体" panose="02010609060101010101" pitchFamily="49" charset="-122"/>
+              </a:rPr>
+              <a:t>疾病，其中一个症状是</a:t>
+            </a:r>
+            <a:r>
+              <a:rPr lang="zh-CN" altLang="en-US" b="0" i="0" dirty="0" smtClean="0">
+                <a:effectLst/>
+                <a:latin typeface="楷体" panose="02010609060101010101" pitchFamily="49" charset="-122"/>
+                <a:ea typeface="楷体" panose="02010609060101010101" pitchFamily="49" charset="-122"/>
+              </a:rPr>
+              <a:t>“重大认知衰退”，但对于什么是“重大的”认知衰退，却没有给出具体的定义</a:t>
+            </a:r>
+            <a:endParaRPr lang="en-US" altLang="zh-CN" b="0" i="0" dirty="0" smtClean="0">
+              <a:effectLst/>
+              <a:latin typeface="楷体" panose="02010609060101010101" pitchFamily="49" charset="-122"/>
+              <a:ea typeface="楷体" panose="02010609060101010101" pitchFamily="49" charset="-122"/>
             </a:endParaRPr>
           </a:p>
           <a:p>
-            <a:pPr>
-              <a:spcAft>
-                <a:spcPts val="0"/>
-              </a:spcAft>
+            <a:endParaRPr lang="en-US" altLang="zh-CN" dirty="0">
+              <a:latin typeface="楷体" panose="02010609060101010101" pitchFamily="49" charset="-122"/>
+              <a:ea typeface="楷体" panose="02010609060101010101" pitchFamily="49" charset="-122"/>
+            </a:endParaRPr>
+          </a:p>
+          <a:p>
+            <a:pPr marL="285750" indent="-285750">
+              <a:buFont typeface="Wingdings" panose="05000000000000000000" pitchFamily="2" charset="2"/>
+              <a:buChar char="n"/>
             </a:pPr>
             <a:r>
-              <a:rPr lang="en-US" altLang="zh-CN" kern="100" dirty="0" smtClean="0">
-                <a:latin typeface="Calibri" panose="020F0502020204030204" pitchFamily="34" charset="0"/>
-                <a:cs typeface="Times New Roman" panose="02020603050405020304" pitchFamily="18" charset="0"/>
-              </a:rPr>
-              <a:t>	</a:t>
-            </a:r>
-            <a:r>
-              <a:rPr lang="zh-CN" altLang="zh-TW" kern="100" dirty="0" smtClean="0">
-                <a:latin typeface="Calibri" panose="020F0502020204030204" pitchFamily="34" charset="0"/>
-                <a:cs typeface="Times New Roman" panose="02020603050405020304" pitchFamily="18" charset="0"/>
-              </a:rPr>
-              <a:t>例如</a:t>
-            </a:r>
-            <a:r>
-              <a:rPr lang="zh-CN" altLang="zh-TW" kern="100" dirty="0">
-                <a:latin typeface="Calibri" panose="020F0502020204030204" pitchFamily="34" charset="0"/>
-                <a:cs typeface="Times New Roman" panose="02020603050405020304" pitchFamily="18" charset="0"/>
-              </a:rPr>
-              <a:t>，</a:t>
-            </a:r>
-            <a:r>
-              <a:rPr lang="en-US" altLang="zh-TW" kern="100" dirty="0" err="1" smtClean="0">
+              <a:rPr lang="zh-CN" altLang="en-US" b="0" i="0" dirty="0" smtClean="0">
                 <a:effectLst/>
-                <a:latin typeface="Calibri" panose="020F0502020204030204" pitchFamily="34" charset="0"/>
-                <a:ea typeface="宋体" panose="02010600030101010101" pitchFamily="2" charset="-122"/>
-                <a:cs typeface="Times New Roman" panose="02020603050405020304" pitchFamily="18" charset="0"/>
-              </a:rPr>
-              <a:t>Borsboom</a:t>
-            </a:r>
-            <a:r>
-              <a:rPr lang="en-US" altLang="zh-TW" kern="100" dirty="0" smtClean="0">
+                <a:latin typeface="楷体" panose="02010609060101010101" pitchFamily="49" charset="-122"/>
+                <a:ea typeface="楷体" panose="02010609060101010101" pitchFamily="49" charset="-122"/>
+              </a:rPr>
+              <a:t>因此，在这个项目中</a:t>
+            </a:r>
+            <a:r>
+              <a:rPr lang="zh-CN" altLang="en-US" b="0" i="0" dirty="0" smtClean="0">
                 <a:effectLst/>
-                <a:latin typeface="Calibri" panose="020F0502020204030204" pitchFamily="34" charset="0"/>
-                <a:ea typeface="宋体" panose="02010600030101010101" pitchFamily="2" charset="-122"/>
-                <a:cs typeface="Times New Roman" panose="02020603050405020304" pitchFamily="18" charset="0"/>
-              </a:rPr>
-              <a:t> </a:t>
-            </a:r>
-            <a:r>
-              <a:rPr lang="zh-CN" altLang="zh-TW" kern="100" dirty="0">
-                <a:latin typeface="Calibri" panose="020F0502020204030204" pitchFamily="34" charset="0"/>
-                <a:cs typeface="Times New Roman" panose="02020603050405020304" pitchFamily="18" charset="0"/>
-              </a:rPr>
-              <a:t>等人。 在</a:t>
-            </a:r>
-            <a:r>
-              <a:rPr lang="en-US" altLang="zh-TW" kern="100" dirty="0" smtClean="0">
+                <a:latin typeface="楷体" panose="02010609060101010101" pitchFamily="49" charset="-122"/>
+                <a:ea typeface="楷体" panose="02010609060101010101" pitchFamily="49" charset="-122"/>
+              </a:rPr>
+              <a:t>，我们需要</a:t>
+            </a:r>
+            <a:r>
+              <a:rPr lang="zh-CN" altLang="en-US" b="0" i="0" dirty="0" smtClean="0">
                 <a:effectLst/>
-                <a:latin typeface="Calibri" panose="020F0502020204030204" pitchFamily="34" charset="0"/>
-                <a:ea typeface="宋体" panose="02010600030101010101" pitchFamily="2" charset="-122"/>
-                <a:cs typeface="Times New Roman" panose="02020603050405020304" pitchFamily="18" charset="0"/>
-              </a:rPr>
-              <a:t> DSM-IV-TR </a:t>
-            </a:r>
-            <a:r>
-              <a:rPr lang="zh-CN" altLang="zh-TW" kern="100" dirty="0">
-                <a:latin typeface="Calibri" panose="020F0502020204030204" pitchFamily="34" charset="0"/>
-                <a:cs typeface="Times New Roman" panose="02020603050405020304" pitchFamily="18" charset="0"/>
-              </a:rPr>
-              <a:t>中生成了症状水平重叠网络</a:t>
-            </a:r>
-            <a:r>
-              <a:rPr lang="zh-CN" altLang="zh-TW" kern="100" dirty="0" smtClean="0">
-                <a:latin typeface="Calibri" panose="020F0502020204030204" pitchFamily="34" charset="0"/>
-                <a:cs typeface="Times New Roman" panose="02020603050405020304" pitchFamily="18" charset="0"/>
-              </a:rPr>
-              <a:t>，</a:t>
-            </a:r>
-            <a:endParaRPr lang="en-US" altLang="zh-CN" kern="100" dirty="0" smtClean="0">
-              <a:latin typeface="Calibri" panose="020F0502020204030204" pitchFamily="34" charset="0"/>
-              <a:cs typeface="Times New Roman" panose="02020603050405020304" pitchFamily="18" charset="0"/>
+                <a:latin typeface="楷体" panose="02010609060101010101" pitchFamily="49" charset="-122"/>
+                <a:ea typeface="楷体" panose="02010609060101010101" pitchFamily="49" charset="-122"/>
+              </a:rPr>
+              <a:t>通过参考其他相关的</a:t>
+            </a:r>
+            <a:r>
+              <a:rPr lang="zh-CN" altLang="en-US" b="0" i="0" dirty="0" smtClean="0">
+                <a:effectLst/>
+                <a:latin typeface="楷体" panose="02010609060101010101" pitchFamily="49" charset="-122"/>
+                <a:ea typeface="楷体" panose="02010609060101010101" pitchFamily="49" charset="-122"/>
+              </a:rPr>
+              <a:t>症状，以及其具体的诊断标准，</a:t>
+            </a:r>
+            <a:r>
+              <a:rPr lang="zh-CN" altLang="en-US" b="0" i="0" dirty="0" smtClean="0">
+                <a:effectLst/>
+                <a:latin typeface="楷体" panose="02010609060101010101" pitchFamily="49" charset="-122"/>
+                <a:ea typeface="楷体" panose="02010609060101010101" pitchFamily="49" charset="-122"/>
+              </a:rPr>
+              <a:t>来</a:t>
+            </a:r>
+            <a:r>
+              <a:rPr lang="zh-CN" altLang="en-US" b="0" i="0" dirty="0" smtClean="0">
+                <a:effectLst/>
+                <a:latin typeface="楷体" panose="02010609060101010101" pitchFamily="49" charset="-122"/>
+                <a:ea typeface="楷体" panose="02010609060101010101" pitchFamily="49" charset="-122"/>
+              </a:rPr>
+              <a:t>确定某个诊断标准的</a:t>
+            </a:r>
+            <a:r>
+              <a:rPr lang="zh-CN" altLang="en-US" b="0" i="0" dirty="0" smtClean="0">
+                <a:effectLst/>
+                <a:latin typeface="楷体" panose="02010609060101010101" pitchFamily="49" charset="-122"/>
+                <a:ea typeface="楷体" panose="02010609060101010101" pitchFamily="49" charset="-122"/>
+              </a:rPr>
+              <a:t>具体内容，以保证分析的一致性</a:t>
+            </a:r>
+            <a:r>
+              <a:rPr lang="zh-CN" altLang="en-US" b="0" i="0" dirty="0" smtClean="0">
+                <a:effectLst/>
+                <a:latin typeface="楷体" panose="02010609060101010101" pitchFamily="49" charset="-122"/>
+                <a:ea typeface="楷体" panose="02010609060101010101" pitchFamily="49" charset="-122"/>
+              </a:rPr>
+              <a:t>。</a:t>
+            </a:r>
+            <a:endParaRPr lang="en-US" altLang="zh-CN" b="0" i="0" dirty="0" smtClean="0">
+              <a:effectLst/>
+              <a:latin typeface="楷体" panose="02010609060101010101" pitchFamily="49" charset="-122"/>
+              <a:ea typeface="楷体" panose="02010609060101010101" pitchFamily="49" charset="-122"/>
             </a:endParaRPr>
           </a:p>
           <a:p>
-            <a:pPr>
-              <a:spcAft>
-                <a:spcPts val="0"/>
-              </a:spcAft>
+            <a:pPr marL="285750" indent="-285750">
+              <a:buFont typeface="Wingdings" panose="05000000000000000000" pitchFamily="2" charset="2"/>
+              <a:buChar char="n"/>
             </a:pPr>
-            <a:r>
-              <a:rPr lang="en-US" altLang="zh-CN" kern="100" dirty="0">
-                <a:latin typeface="Calibri" panose="020F0502020204030204" pitchFamily="34" charset="0"/>
-                <a:cs typeface="Times New Roman" panose="02020603050405020304" pitchFamily="18" charset="0"/>
-              </a:rPr>
-              <a:t>	</a:t>
-            </a:r>
-            <a:r>
-              <a:rPr lang="zh-CN" altLang="zh-TW" kern="100" dirty="0" smtClean="0">
-                <a:latin typeface="Calibri" panose="020F0502020204030204" pitchFamily="34" charset="0"/>
-                <a:cs typeface="Times New Roman" panose="02020603050405020304" pitchFamily="18" charset="0"/>
-              </a:rPr>
-              <a:t>而</a:t>
-            </a:r>
-            <a:r>
-              <a:rPr lang="en-US" altLang="zh-TW" kern="100" dirty="0" smtClean="0">
-                <a:effectLst/>
-                <a:latin typeface="Calibri" panose="020F0502020204030204" pitchFamily="34" charset="0"/>
-                <a:ea typeface="宋体" panose="02010600030101010101" pitchFamily="2" charset="-122"/>
-                <a:cs typeface="Times New Roman" panose="02020603050405020304" pitchFamily="18" charset="0"/>
-              </a:rPr>
-              <a:t> </a:t>
-            </a:r>
-            <a:r>
-              <a:rPr lang="en-US" altLang="zh-TW" kern="100" dirty="0" err="1" smtClean="0">
-                <a:effectLst/>
-                <a:latin typeface="Calibri" panose="020F0502020204030204" pitchFamily="34" charset="0"/>
-                <a:ea typeface="宋体" panose="02010600030101010101" pitchFamily="2" charset="-122"/>
-                <a:cs typeface="Times New Roman" panose="02020603050405020304" pitchFamily="18" charset="0"/>
-              </a:rPr>
-              <a:t>Tio</a:t>
-            </a:r>
-            <a:r>
-              <a:rPr lang="en-US" altLang="zh-TW" kern="100" dirty="0" smtClean="0">
-                <a:effectLst/>
-                <a:latin typeface="Calibri" panose="020F0502020204030204" pitchFamily="34" charset="0"/>
-                <a:ea typeface="宋体" panose="02010600030101010101" pitchFamily="2" charset="-122"/>
-                <a:cs typeface="Times New Roman" panose="02020603050405020304" pitchFamily="18" charset="0"/>
-              </a:rPr>
-              <a:t> </a:t>
-            </a:r>
-            <a:r>
-              <a:rPr lang="zh-CN" altLang="zh-TW" kern="100" dirty="0">
-                <a:latin typeface="Calibri" panose="020F0502020204030204" pitchFamily="34" charset="0"/>
-                <a:cs typeface="Times New Roman" panose="02020603050405020304" pitchFamily="18" charset="0"/>
-              </a:rPr>
-              <a:t>等人。 使用相同的方法检查</a:t>
-            </a:r>
-            <a:r>
-              <a:rPr lang="en-US" altLang="zh-TW" kern="100" dirty="0" smtClean="0">
-                <a:effectLst/>
-                <a:latin typeface="Calibri" panose="020F0502020204030204" pitchFamily="34" charset="0"/>
-                <a:ea typeface="宋体" panose="02010600030101010101" pitchFamily="2" charset="-122"/>
-                <a:cs typeface="Times New Roman" panose="02020603050405020304" pitchFamily="18" charset="0"/>
-              </a:rPr>
-              <a:t> ICD-10 </a:t>
-            </a:r>
-            <a:r>
-              <a:rPr lang="zh-CN" altLang="zh-TW" kern="100" dirty="0">
-                <a:latin typeface="Calibri" panose="020F0502020204030204" pitchFamily="34" charset="0"/>
-                <a:cs typeface="Times New Roman" panose="02020603050405020304" pitchFamily="18" charset="0"/>
-              </a:rPr>
-              <a:t>中症状水平重叠的网络</a:t>
-            </a:r>
-            <a:r>
-              <a:rPr lang="zh-CN" altLang="zh-TW" kern="100" dirty="0" smtClean="0">
-                <a:latin typeface="Calibri" panose="020F0502020204030204" pitchFamily="34" charset="0"/>
-                <a:cs typeface="Times New Roman" panose="02020603050405020304" pitchFamily="18" charset="0"/>
+            <a:endParaRPr lang="en-US" altLang="zh-CN" dirty="0" smtClean="0">
+              <a:latin typeface="楷体" panose="02010609060101010101" pitchFamily="49" charset="-122"/>
+              <a:ea typeface="楷体" panose="02010609060101010101" pitchFamily="49" charset="-122"/>
+            </a:endParaRPr>
+          </a:p>
+          <a:p>
+            <a:pPr marL="285750" indent="-285750">
+              <a:buFont typeface="Wingdings" panose="05000000000000000000" pitchFamily="2" charset="2"/>
+              <a:buChar char="n"/>
+            </a:pPr>
+            <a:r>
+              <a:rPr lang="zh-CN" altLang="en-US" dirty="0" smtClean="0">
+                <a:latin typeface="楷体" panose="02010609060101010101" pitchFamily="49" charset="-122"/>
+                <a:ea typeface="楷体" panose="02010609060101010101" pitchFamily="49" charset="-122"/>
+              </a:rPr>
+              <a:t>总的来说，本研究将使用</a:t>
+            </a:r>
+            <a:r>
+              <a:rPr lang="zh-CN" altLang="en-US" b="1" dirty="0" smtClean="0">
+                <a:latin typeface="楷体" panose="02010609060101010101" pitchFamily="49" charset="-122"/>
+                <a:ea typeface="楷体" panose="02010609060101010101" pitchFamily="49" charset="-122"/>
+              </a:rPr>
+              <a:t>定性</a:t>
+            </a:r>
+            <a:r>
+              <a:rPr lang="zh-CN" altLang="en-US" b="1" dirty="0">
+                <a:latin typeface="楷体" panose="02010609060101010101" pitchFamily="49" charset="-122"/>
+                <a:ea typeface="楷体" panose="02010609060101010101" pitchFamily="49" charset="-122"/>
+              </a:rPr>
+              <a:t>内容</a:t>
+            </a:r>
+            <a:r>
+              <a:rPr lang="zh-CN" altLang="en-US" b="1" dirty="0" smtClean="0">
+                <a:latin typeface="楷体" panose="02010609060101010101" pitchFamily="49" charset="-122"/>
+                <a:ea typeface="楷体" panose="02010609060101010101" pitchFamily="49" charset="-122"/>
+              </a:rPr>
+              <a:t>编码和</a:t>
+            </a:r>
+            <a:r>
+              <a:rPr lang="zh-CN" altLang="zh-TW" b="1" dirty="0">
+                <a:latin typeface="楷体" panose="02010609060101010101" pitchFamily="49" charset="-122"/>
+                <a:ea typeface="楷体" panose="02010609060101010101" pitchFamily="49" charset="-122"/>
+                <a:cs typeface="Times New Roman" panose="02020603050405020304" pitchFamily="18" charset="0"/>
+              </a:rPr>
+              <a:t>自然语言处理</a:t>
+            </a:r>
+            <a:r>
+              <a:rPr lang="en-US" altLang="zh-TW" b="1" dirty="0">
+                <a:latin typeface="楷体" panose="02010609060101010101" pitchFamily="49" charset="-122"/>
+                <a:ea typeface="楷体" panose="02010609060101010101" pitchFamily="49" charset="-122"/>
+                <a:cs typeface="Times New Roman" panose="02020603050405020304" pitchFamily="18" charset="0"/>
+              </a:rPr>
+              <a:t> (NLP)</a:t>
+            </a:r>
+            <a:r>
+              <a:rPr lang="zh-CN" altLang="en-US" dirty="0" smtClean="0">
+                <a:latin typeface="楷体" panose="02010609060101010101" pitchFamily="49" charset="-122"/>
+                <a:ea typeface="楷体" panose="02010609060101010101" pitchFamily="49" charset="-122"/>
+              </a:rPr>
+              <a:t>对</a:t>
+            </a:r>
+            <a:r>
+              <a:rPr lang="zh-CN" altLang="en-US" dirty="0">
+                <a:latin typeface="楷体" panose="02010609060101010101" pitchFamily="49" charset="-122"/>
+                <a:ea typeface="楷体" panose="02010609060101010101" pitchFamily="49" charset="-122"/>
+              </a:rPr>
+              <a:t>核心症状进行了内容重叠的检验</a:t>
+            </a:r>
+            <a:r>
+              <a:rPr lang="zh-CN" altLang="en-US" dirty="0" smtClean="0">
+                <a:latin typeface="楷体" panose="02010609060101010101" pitchFamily="49" charset="-122"/>
+                <a:ea typeface="楷体" panose="02010609060101010101" pitchFamily="49" charset="-122"/>
               </a:rPr>
               <a:t>。</a:t>
             </a:r>
-            <a:endParaRPr lang="en-US" altLang="zh-CN" kern="100" dirty="0" smtClean="0">
-              <a:latin typeface="Calibri" panose="020F0502020204030204" pitchFamily="34" charset="0"/>
-              <a:cs typeface="Times New Roman" panose="02020603050405020304" pitchFamily="18" charset="0"/>
-            </a:endParaRPr>
-          </a:p>
-          <a:p>
-            <a:pPr>
-              <a:spcAft>
-                <a:spcPts val="0"/>
-              </a:spcAft>
-            </a:pPr>
-            <a:r>
-              <a:rPr lang="en-US" altLang="zh-TW" kern="100" dirty="0">
-                <a:effectLst/>
-                <a:latin typeface="Calibri" panose="020F0502020204030204" pitchFamily="34" charset="0"/>
-                <a:ea typeface="宋体" panose="02010600030101010101" pitchFamily="2" charset="-122"/>
-                <a:cs typeface="Times New Roman" panose="02020603050405020304" pitchFamily="18" charset="0"/>
-              </a:rPr>
-              <a:t>	</a:t>
-            </a:r>
-            <a:r>
-              <a:rPr lang="en-US" altLang="zh-TW" kern="100" dirty="0" smtClean="0">
-                <a:effectLst/>
-                <a:latin typeface="Calibri" panose="020F0502020204030204" pitchFamily="34" charset="0"/>
-                <a:ea typeface="宋体" panose="02010600030101010101" pitchFamily="2" charset="-122"/>
-                <a:cs typeface="Times New Roman" panose="02020603050405020304" pitchFamily="18" charset="0"/>
-              </a:rPr>
-              <a:t> Forbes </a:t>
-            </a:r>
-            <a:r>
-              <a:rPr lang="zh-CN" altLang="zh-TW" kern="100" dirty="0">
-                <a:latin typeface="Calibri" panose="020F0502020204030204" pitchFamily="34" charset="0"/>
-                <a:cs typeface="Times New Roman" panose="02020603050405020304" pitchFamily="18" charset="0"/>
-              </a:rPr>
-              <a:t>检查了</a:t>
-            </a:r>
-            <a:r>
-              <a:rPr lang="en-US" altLang="zh-TW" kern="100" dirty="0" smtClean="0">
-                <a:effectLst/>
-                <a:latin typeface="Calibri" panose="020F0502020204030204" pitchFamily="34" charset="0"/>
-                <a:ea typeface="宋体" panose="02010600030101010101" pitchFamily="2" charset="-122"/>
-                <a:cs typeface="Times New Roman" panose="02020603050405020304" pitchFamily="18" charset="0"/>
-              </a:rPr>
-              <a:t> DSM-5 </a:t>
-            </a:r>
-            <a:r>
-              <a:rPr lang="zh-CN" altLang="zh-TW" kern="100" dirty="0">
-                <a:latin typeface="Calibri" panose="020F0502020204030204" pitchFamily="34" charset="0"/>
-                <a:cs typeface="Times New Roman" panose="02020603050405020304" pitchFamily="18" charset="0"/>
-              </a:rPr>
-              <a:t>疾病子集中症状的重复是否可能会根据疾病协变或合并症的模式人为地强化维度。 </a:t>
-            </a:r>
-            <a:endParaRPr lang="en-US" altLang="zh-CN" kern="100" dirty="0" smtClean="0">
-              <a:latin typeface="Calibri" panose="020F0502020204030204" pitchFamily="34" charset="0"/>
-              <a:cs typeface="Times New Roman" panose="02020603050405020304" pitchFamily="18" charset="0"/>
-            </a:endParaRPr>
-          </a:p>
-          <a:p>
-            <a:pPr>
-              <a:spcAft>
-                <a:spcPts val="0"/>
-              </a:spcAft>
-            </a:pPr>
-            <a:endParaRPr lang="en-US" altLang="zh-CN" kern="100" dirty="0">
-              <a:latin typeface="Calibri" panose="020F0502020204030204" pitchFamily="34" charset="0"/>
-              <a:cs typeface="Times New Roman" panose="02020603050405020304" pitchFamily="18" charset="0"/>
-            </a:endParaRPr>
-          </a:p>
-          <a:p>
-            <a:pPr>
-              <a:spcAft>
-                <a:spcPts val="0"/>
-              </a:spcAft>
-            </a:pPr>
-            <a:r>
-              <a:rPr lang="zh-CN" altLang="zh-TW" kern="100" dirty="0" smtClean="0">
-                <a:latin typeface="Calibri" panose="020F0502020204030204" pitchFamily="34" charset="0"/>
-                <a:cs typeface="Times New Roman" panose="02020603050405020304" pitchFamily="18" charset="0"/>
-              </a:rPr>
-              <a:t>这些</a:t>
-            </a:r>
-            <a:r>
-              <a:rPr lang="zh-CN" altLang="zh-TW" kern="100" dirty="0">
-                <a:latin typeface="Calibri" panose="020F0502020204030204" pitchFamily="34" charset="0"/>
-                <a:cs typeface="Times New Roman" panose="02020603050405020304" pitchFamily="18" charset="0"/>
-              </a:rPr>
-              <a:t>研究侧重于疾病水平的重叠和合并症，其中诊断中症状的大量重叠使得个体更有可能满足多重诊断的标准。</a:t>
-            </a:r>
-            <a:endParaRPr lang="zh-TW" altLang="zh-TW" kern="100" dirty="0">
-              <a:effectLst/>
-              <a:latin typeface="Calibri" panose="020F0502020204030204" pitchFamily="34" charset="0"/>
-              <a:ea typeface="PMingLiU" panose="02020500000000000000" pitchFamily="18" charset="-120"/>
-              <a:cs typeface="Times New Roman" panose="02020603050405020304" pitchFamily="18" charset="0"/>
+            <a:endParaRPr lang="en-US" altLang="zh-CN" dirty="0">
+              <a:latin typeface="楷体" panose="02010609060101010101" pitchFamily="49" charset="-122"/>
+              <a:ea typeface="楷体" panose="02010609060101010101" pitchFamily="49" charset="-122"/>
             </a:endParaRPr>
           </a:p>
         </p:txBody>
@@ -8744,7 +10038,7 @@
     </p:spTree>
     <p:extLst>
       <p:ext uri="{BB962C8B-B14F-4D97-AF65-F5344CB8AC3E}">
-        <p14:creationId xmlns:p14="http://schemas.microsoft.com/office/powerpoint/2010/main" val="3420646677"/>
+        <p14:creationId xmlns:p14="http://schemas.microsoft.com/office/powerpoint/2010/main" val="2706239750"/>
       </p:ext>
     </p:extLst>
   </p:cSld>
@@ -8780,14 +10074,192 @@
       </p:grpSpPr>
       <p:sp>
         <p:nvSpPr>
-          <p:cNvPr id="2" name="矩形 1"/>
+          <p:cNvPr id="4" name="矩形 3"/>
           <p:cNvSpPr/>
           <p:nvPr/>
         </p:nvSpPr>
         <p:spPr>
           <a:xfrm>
-            <a:off x="903889" y="1016988"/>
-            <a:ext cx="9769366" cy="2585323"/>
+            <a:off x="8979408" y="0"/>
+            <a:ext cx="3212592" cy="6858000"/>
+          </a:xfrm>
+          <a:prstGeom prst="rect">
+            <a:avLst/>
+          </a:prstGeom>
+          <a:gradFill flip="none" rotWithShape="1">
+            <a:gsLst>
+              <a:gs pos="0">
+                <a:srgbClr val="005B70"/>
+              </a:gs>
+              <a:gs pos="100000">
+                <a:srgbClr val="74AA9C"/>
+              </a:gs>
+            </a:gsLst>
+            <a:lin ang="2700000" scaled="1"/>
+            <a:tileRect/>
+          </a:gradFill>
+          <a:ln>
+            <a:noFill/>
+          </a:ln>
+        </p:spPr>
+        <p:style>
+          <a:lnRef idx="2">
+            <a:schemeClr val="accent1">
+              <a:shade val="50000"/>
+            </a:schemeClr>
+          </a:lnRef>
+          <a:fillRef idx="1">
+            <a:schemeClr val="accent1"/>
+          </a:fillRef>
+          <a:effectRef idx="0">
+            <a:schemeClr val="accent1"/>
+          </a:effectRef>
+          <a:fontRef idx="minor">
+            <a:schemeClr val="lt1"/>
+          </a:fontRef>
+        </p:style>
+        <p:txBody>
+          <a:bodyPr rtlCol="0" anchor="ctr"/>
+          <a:lstStyle/>
+          <a:p>
+            <a:pPr algn="ctr"/>
+            <a:r>
+              <a:rPr lang="en-US" altLang="zh-TW" sz="6000" dirty="0" smtClean="0"/>
+              <a:t>DSM - 5</a:t>
+            </a:r>
+            <a:endParaRPr lang="zh-TW" altLang="en-US" sz="6000" dirty="0"/>
+          </a:p>
+        </p:txBody>
+      </p:sp>
+      <p:sp>
+        <p:nvSpPr>
+          <p:cNvPr id="9" name="矩形 8"/>
+          <p:cNvSpPr/>
+          <p:nvPr/>
+        </p:nvSpPr>
+        <p:spPr>
+          <a:xfrm>
+            <a:off x="0" y="6291072"/>
+            <a:ext cx="1054608" cy="566928"/>
+          </a:xfrm>
+          <a:prstGeom prst="rect">
+            <a:avLst/>
+          </a:prstGeom>
+          <a:gradFill flip="none" rotWithShape="1">
+            <a:gsLst>
+              <a:gs pos="0">
+                <a:srgbClr val="005B70"/>
+              </a:gs>
+              <a:gs pos="100000">
+                <a:srgbClr val="74AA9C"/>
+              </a:gs>
+            </a:gsLst>
+            <a:lin ang="2700000" scaled="1"/>
+            <a:tileRect/>
+          </a:gradFill>
+          <a:ln>
+            <a:noFill/>
+          </a:ln>
+        </p:spPr>
+        <p:style>
+          <a:lnRef idx="2">
+            <a:schemeClr val="accent1">
+              <a:shade val="50000"/>
+            </a:schemeClr>
+          </a:lnRef>
+          <a:fillRef idx="1">
+            <a:schemeClr val="accent1"/>
+          </a:fillRef>
+          <a:effectRef idx="0">
+            <a:schemeClr val="accent1"/>
+          </a:effectRef>
+          <a:fontRef idx="minor">
+            <a:schemeClr val="lt1"/>
+          </a:fontRef>
+        </p:style>
+        <p:txBody>
+          <a:bodyPr rtlCol="0" anchor="ctr"/>
+          <a:lstStyle/>
+          <a:p>
+            <a:pPr algn="ctr"/>
+            <a:endParaRPr lang="zh-TW" altLang="en-US"/>
+          </a:p>
+        </p:txBody>
+      </p:sp>
+      <p:sp>
+        <p:nvSpPr>
+          <p:cNvPr id="7" name="矩形 6"/>
+          <p:cNvSpPr/>
+          <p:nvPr/>
+        </p:nvSpPr>
+        <p:spPr>
+          <a:xfrm>
+            <a:off x="0" y="0"/>
+            <a:ext cx="3941064" cy="566928"/>
+          </a:xfrm>
+          <a:prstGeom prst="rect">
+            <a:avLst/>
+          </a:prstGeom>
+          <a:gradFill flip="none" rotWithShape="1">
+            <a:gsLst>
+              <a:gs pos="0">
+                <a:srgbClr val="005B70"/>
+              </a:gs>
+              <a:gs pos="100000">
+                <a:srgbClr val="74AA9C"/>
+              </a:gs>
+            </a:gsLst>
+            <a:lin ang="2700000" scaled="1"/>
+            <a:tileRect/>
+          </a:gradFill>
+          <a:ln>
+            <a:noFill/>
+          </a:ln>
+        </p:spPr>
+        <p:style>
+          <a:lnRef idx="2">
+            <a:schemeClr val="accent1">
+              <a:shade val="50000"/>
+            </a:schemeClr>
+          </a:lnRef>
+          <a:fillRef idx="1">
+            <a:schemeClr val="accent1"/>
+          </a:fillRef>
+          <a:effectRef idx="0">
+            <a:schemeClr val="accent1"/>
+          </a:effectRef>
+          <a:fontRef idx="minor">
+            <a:schemeClr val="lt1"/>
+          </a:fontRef>
+        </p:style>
+        <p:txBody>
+          <a:bodyPr rtlCol="0" anchor="ctr"/>
+          <a:lstStyle/>
+          <a:p>
+            <a:r>
+              <a:rPr lang="en-US" altLang="zh-CN" sz="3600" b="1" dirty="0" smtClean="0">
+                <a:latin typeface="Times New Roman" panose="02020603050405020304" pitchFamily="18" charset="0"/>
+                <a:cs typeface="Times New Roman" panose="02020603050405020304" pitchFamily="18" charset="0"/>
+              </a:rPr>
+              <a:t>Method</a:t>
+            </a:r>
+            <a:endParaRPr lang="zh-TW" altLang="en-US" sz="3600" b="1" dirty="0">
+              <a:latin typeface="Times New Roman" panose="02020603050405020304" pitchFamily="18" charset="0"/>
+              <a:cs typeface="Times New Roman" panose="02020603050405020304" pitchFamily="18" charset="0"/>
+            </a:endParaRPr>
+          </a:p>
+        </p:txBody>
+      </p:sp>
+      <p:sp>
+        <p:nvSpPr>
+          <p:cNvPr id="3" name="矩形 2"/>
+          <p:cNvSpPr/>
+          <p:nvPr/>
+        </p:nvSpPr>
+        <p:spPr>
+          <a:xfrm>
+            <a:off x="527304" y="1443841"/>
+            <a:ext cx="7754848" cy="3970318"/>
           </a:xfrm>
           <a:prstGeom prst="rect">
             <a:avLst/>
@@ -8799,283 +10271,389 @@
           </a:bodyPr>
           <a:lstStyle/>
           <a:p>
-            <a:r>
-              <a:rPr lang="zh-CN" altLang="zh-TW" dirty="0">
-                <a:latin typeface="Calibri" panose="020F0502020204030204" pitchFamily="34" charset="0"/>
-                <a:cs typeface="Times New Roman" panose="02020603050405020304" pitchFamily="18" charset="0"/>
-              </a:rPr>
-              <a:t>与以往的研究相比，本研究采用描述性方法来理清精神病理学的要素并解决五个研究问题</a:t>
-            </a:r>
-            <a:r>
-              <a:rPr lang="zh-CN" altLang="zh-TW" dirty="0" smtClean="0">
-                <a:latin typeface="Calibri" panose="020F0502020204030204" pitchFamily="34" charset="0"/>
-                <a:cs typeface="Times New Roman" panose="02020603050405020304" pitchFamily="18" charset="0"/>
+            <a:pPr marL="285750" indent="-285750">
+              <a:buFont typeface="Wingdings" panose="05000000000000000000" pitchFamily="2" charset="2"/>
+              <a:buChar char="n"/>
+            </a:pPr>
+            <a:r>
+              <a:rPr lang="zh-CN" altLang="en-US" dirty="0" smtClean="0">
+                <a:latin typeface="楷体" panose="02010609060101010101" pitchFamily="49" charset="-122"/>
+                <a:ea typeface="楷体" panose="02010609060101010101" pitchFamily="49" charset="-122"/>
+              </a:rPr>
+              <a:t>用</a:t>
+            </a:r>
+            <a:r>
+              <a:rPr lang="zh-CN" altLang="en-US" b="1" dirty="0" smtClean="0">
+                <a:latin typeface="楷体" panose="02010609060101010101" pitchFamily="49" charset="-122"/>
+                <a:ea typeface="楷体" panose="02010609060101010101" pitchFamily="49" charset="-122"/>
+              </a:rPr>
+              <a:t>定性</a:t>
+            </a:r>
+            <a:r>
+              <a:rPr lang="zh-CN" altLang="en-US" b="1" dirty="0">
+                <a:latin typeface="楷体" panose="02010609060101010101" pitchFamily="49" charset="-122"/>
+                <a:ea typeface="楷体" panose="02010609060101010101" pitchFamily="49" charset="-122"/>
+              </a:rPr>
+              <a:t>内容</a:t>
+            </a:r>
+            <a:r>
+              <a:rPr lang="zh-CN" altLang="en-US" b="1" dirty="0" smtClean="0">
+                <a:latin typeface="楷体" panose="02010609060101010101" pitchFamily="49" charset="-122"/>
+                <a:ea typeface="楷体" panose="02010609060101010101" pitchFamily="49" charset="-122"/>
+              </a:rPr>
+              <a:t>编码</a:t>
+            </a:r>
+            <a:r>
+              <a:rPr lang="zh-CN" altLang="en-US" dirty="0" smtClean="0">
+                <a:latin typeface="楷体" panose="02010609060101010101" pitchFamily="49" charset="-122"/>
+                <a:ea typeface="楷体" panose="02010609060101010101" pitchFamily="49" charset="-122"/>
+              </a:rPr>
+              <a:t>对核心症状</a:t>
+            </a:r>
+            <a:r>
+              <a:rPr lang="zh-CN" altLang="en-US" dirty="0">
+                <a:latin typeface="楷体" panose="02010609060101010101" pitchFamily="49" charset="-122"/>
+                <a:ea typeface="楷体" panose="02010609060101010101" pitchFamily="49" charset="-122"/>
+              </a:rPr>
+              <a:t>进行了内容重叠</a:t>
+            </a:r>
+            <a:r>
+              <a:rPr lang="zh-CN" altLang="en-US" dirty="0" smtClean="0">
+                <a:latin typeface="楷体" panose="02010609060101010101" pitchFamily="49" charset="-122"/>
+                <a:ea typeface="楷体" panose="02010609060101010101" pitchFamily="49" charset="-122"/>
+              </a:rPr>
+              <a:t>的检验。</a:t>
+            </a:r>
+            <a:endParaRPr lang="en-US" altLang="zh-CN" dirty="0" smtClean="0">
+              <a:latin typeface="楷体" panose="02010609060101010101" pitchFamily="49" charset="-122"/>
+              <a:ea typeface="楷体" panose="02010609060101010101" pitchFamily="49" charset="-122"/>
+            </a:endParaRPr>
+          </a:p>
+          <a:p>
+            <a:endParaRPr lang="en-US" altLang="zh-CN" dirty="0">
+              <a:latin typeface="楷体" panose="02010609060101010101" pitchFamily="49" charset="-122"/>
+              <a:ea typeface="楷体" panose="02010609060101010101" pitchFamily="49" charset="-122"/>
+            </a:endParaRPr>
+          </a:p>
+          <a:p>
+            <a:pPr marL="800100" lvl="1" indent="-342900">
+              <a:buFont typeface="+mj-lt"/>
+              <a:buAutoNum type="arabicPeriod"/>
+            </a:pPr>
+            <a:r>
+              <a:rPr lang="zh-CN" altLang="en-US" dirty="0" smtClean="0">
+                <a:latin typeface="楷体" panose="02010609060101010101" pitchFamily="49" charset="-122"/>
+                <a:ea typeface="楷体" panose="02010609060101010101" pitchFamily="49" charset="-122"/>
+              </a:rPr>
+              <a:t>相同</a:t>
+            </a:r>
+            <a:r>
+              <a:rPr lang="zh-CN" altLang="en-US" dirty="0">
+                <a:latin typeface="楷体" panose="02010609060101010101" pitchFamily="49" charset="-122"/>
+                <a:ea typeface="楷体" panose="02010609060101010101" pitchFamily="49" charset="-122"/>
+              </a:rPr>
+              <a:t>的症状被识别并标记为相同</a:t>
+            </a:r>
+            <a:r>
+              <a:rPr lang="zh-CN" altLang="en-US" dirty="0" smtClean="0">
+                <a:latin typeface="楷体" panose="02010609060101010101" pitchFamily="49" charset="-122"/>
+                <a:ea typeface="楷体" panose="02010609060101010101" pitchFamily="49" charset="-122"/>
               </a:rPr>
               <a:t>。</a:t>
             </a:r>
             <a:endParaRPr lang="en-US" altLang="zh-CN" dirty="0" smtClean="0">
-              <a:latin typeface="Calibri" panose="020F0502020204030204" pitchFamily="34" charset="0"/>
-              <a:cs typeface="Times New Roman" panose="02020603050405020304" pitchFamily="18" charset="0"/>
+              <a:latin typeface="楷体" panose="02010609060101010101" pitchFamily="49" charset="-122"/>
+              <a:ea typeface="楷体" panose="02010609060101010101" pitchFamily="49" charset="-122"/>
             </a:endParaRPr>
           </a:p>
           <a:p>
+            <a:pPr marL="800100" lvl="1" indent="-342900">
+              <a:buFont typeface="+mj-lt"/>
+              <a:buAutoNum type="arabicPeriod"/>
+            </a:pPr>
+            <a:r>
+              <a:rPr lang="zh-CN" altLang="en-US" dirty="0" smtClean="0">
+                <a:latin typeface="楷体" panose="02010609060101010101" pitchFamily="49" charset="-122"/>
+                <a:ea typeface="楷体" panose="02010609060101010101" pitchFamily="49" charset="-122"/>
+              </a:rPr>
+              <a:t>四名成员对这些概念进行以下步骤</a:t>
+            </a:r>
+            <a:endParaRPr lang="en-US" altLang="zh-CN" dirty="0" smtClean="0">
+              <a:latin typeface="楷体" panose="02010609060101010101" pitchFamily="49" charset="-122"/>
+              <a:ea typeface="楷体" panose="02010609060101010101" pitchFamily="49" charset="-122"/>
+            </a:endParaRPr>
+          </a:p>
+          <a:p>
+            <a:pPr marL="800100" lvl="1" indent="-342900">
+              <a:buFont typeface="+mj-lt"/>
+              <a:buAutoNum type="arabicPeriod"/>
+            </a:pPr>
             <a:endParaRPr lang="en-US" altLang="zh-CN" dirty="0">
-              <a:effectLst/>
-              <a:latin typeface="Calibri" panose="020F0502020204030204" pitchFamily="34" charset="0"/>
-              <a:ea typeface="Calibri" panose="020F0502020204030204" pitchFamily="34" charset="0"/>
-              <a:cs typeface="Times New Roman" panose="02020603050405020304" pitchFamily="18" charset="0"/>
+              <a:latin typeface="楷体" panose="02010609060101010101" pitchFamily="49" charset="-122"/>
+              <a:ea typeface="楷体" panose="02010609060101010101" pitchFamily="49" charset="-122"/>
             </a:endParaRPr>
           </a:p>
           <a:p>
+            <a:pPr marL="1257300" lvl="2" indent="-342900">
+              <a:buFont typeface="+mj-lt"/>
+              <a:buAutoNum type="alphaLcParenR"/>
+            </a:pPr>
+            <a:r>
+              <a:rPr lang="zh-CN" altLang="en-US" dirty="0" smtClean="0">
+                <a:latin typeface="楷体" panose="02010609060101010101" pitchFamily="49" charset="-122"/>
+                <a:ea typeface="楷体" panose="02010609060101010101" pitchFamily="49" charset="-122"/>
+              </a:rPr>
+              <a:t>首先</a:t>
+            </a:r>
+            <a:r>
+              <a:rPr lang="zh-CN" altLang="en-US" dirty="0">
+                <a:latin typeface="楷体" panose="02010609060101010101" pitchFamily="49" charset="-122"/>
+                <a:ea typeface="楷体" panose="02010609060101010101" pitchFamily="49" charset="-122"/>
+              </a:rPr>
+              <a:t>，将症状分配到情感、行为、</a:t>
+            </a:r>
+            <a:r>
+              <a:rPr lang="zh-CN" altLang="en-US" dirty="0" smtClean="0">
+                <a:latin typeface="楷体" panose="02010609060101010101" pitchFamily="49" charset="-122"/>
+                <a:ea typeface="楷体" panose="02010609060101010101" pitchFamily="49" charset="-122"/>
+              </a:rPr>
+              <a:t>认知或身体症状中，</a:t>
+            </a:r>
+            <a:endParaRPr lang="en-US" altLang="zh-CN" dirty="0" smtClean="0">
+              <a:latin typeface="楷体" panose="02010609060101010101" pitchFamily="49" charset="-122"/>
+              <a:ea typeface="楷体" panose="02010609060101010101" pitchFamily="49" charset="-122"/>
+            </a:endParaRPr>
+          </a:p>
+          <a:p>
+            <a:pPr marL="1257300" lvl="2" indent="-342900">
+              <a:buFont typeface="+mj-lt"/>
+              <a:buAutoNum type="alphaLcParenR"/>
+            </a:pPr>
+            <a:r>
+              <a:rPr lang="zh-CN" altLang="en-US" dirty="0" smtClean="0">
+                <a:latin typeface="楷体" panose="02010609060101010101" pitchFamily="49" charset="-122"/>
+                <a:ea typeface="楷体" panose="02010609060101010101" pitchFamily="49" charset="-122"/>
+              </a:rPr>
+              <a:t>然后，再</a:t>
+            </a:r>
+            <a:r>
+              <a:rPr lang="zh-CN" altLang="en-US" dirty="0">
+                <a:latin typeface="楷体" panose="02010609060101010101" pitchFamily="49" charset="-122"/>
+                <a:ea typeface="楷体" panose="02010609060101010101" pitchFamily="49" charset="-122"/>
+              </a:rPr>
+              <a:t>将</a:t>
+            </a:r>
+            <a:r>
+              <a:rPr lang="zh-CN" altLang="en-US" dirty="0" smtClean="0">
+                <a:latin typeface="楷体" panose="02010609060101010101" pitchFamily="49" charset="-122"/>
+                <a:ea typeface="楷体" panose="02010609060101010101" pitchFamily="49" charset="-122"/>
+              </a:rPr>
+              <a:t>症状细分为</a:t>
+            </a:r>
+            <a:r>
+              <a:rPr lang="zh-CN" altLang="en-US" dirty="0">
+                <a:latin typeface="楷体" panose="02010609060101010101" pitchFamily="49" charset="-122"/>
+                <a:ea typeface="楷体" panose="02010609060101010101" pitchFamily="49" charset="-122"/>
+              </a:rPr>
+              <a:t>子</a:t>
+            </a:r>
+            <a:r>
+              <a:rPr lang="zh-CN" altLang="en-US" dirty="0" smtClean="0">
+                <a:latin typeface="楷体" panose="02010609060101010101" pitchFamily="49" charset="-122"/>
+                <a:ea typeface="楷体" panose="02010609060101010101" pitchFamily="49" charset="-122"/>
+              </a:rPr>
+              <a:t>类别</a:t>
+            </a:r>
+            <a:endParaRPr lang="en-US" altLang="zh-CN" dirty="0" smtClean="0">
+              <a:latin typeface="楷体" panose="02010609060101010101" pitchFamily="49" charset="-122"/>
+              <a:ea typeface="楷体" panose="02010609060101010101" pitchFamily="49" charset="-122"/>
+            </a:endParaRPr>
+          </a:p>
+          <a:p>
+            <a:pPr marL="1714500" lvl="3" indent="-342900">
+              <a:buFont typeface="Wingdings" panose="05000000000000000000" pitchFamily="2" charset="2"/>
+              <a:buChar char="ü"/>
+            </a:pPr>
+            <a:r>
+              <a:rPr lang="zh-CN" altLang="en-US" dirty="0" smtClean="0">
+                <a:latin typeface="楷体" panose="02010609060101010101" pitchFamily="49" charset="-122"/>
+                <a:ea typeface="楷体" panose="02010609060101010101" pitchFamily="49" charset="-122"/>
+              </a:rPr>
+              <a:t>例如</a:t>
+            </a:r>
+            <a:r>
+              <a:rPr lang="zh-CN" altLang="en-US" dirty="0">
+                <a:latin typeface="楷体" panose="02010609060101010101" pitchFamily="49" charset="-122"/>
+                <a:ea typeface="楷体" panose="02010609060101010101" pitchFamily="49" charset="-122"/>
+              </a:rPr>
+              <a:t>，情感症状编码为</a:t>
+            </a:r>
+            <a:r>
+              <a:rPr lang="zh-CN" altLang="en-US" i="1" dirty="0">
+                <a:latin typeface="楷体" panose="02010609060101010101" pitchFamily="49" charset="-122"/>
+                <a:ea typeface="楷体" panose="02010609060101010101" pitchFamily="49" charset="-122"/>
+              </a:rPr>
+              <a:t>低情绪、高情绪、波动情绪、焦虑情绪、愤怒情绪和受限制的</a:t>
+            </a:r>
+            <a:r>
+              <a:rPr lang="zh-CN" altLang="en-US" i="1" dirty="0" smtClean="0">
+                <a:latin typeface="楷体" panose="02010609060101010101" pitchFamily="49" charset="-122"/>
+                <a:ea typeface="楷体" panose="02010609060101010101" pitchFamily="49" charset="-122"/>
+              </a:rPr>
+              <a:t>情感</a:t>
+            </a:r>
+            <a:endParaRPr lang="en-US" altLang="zh-CN" i="1" dirty="0" smtClean="0">
+              <a:latin typeface="楷体" panose="02010609060101010101" pitchFamily="49" charset="-122"/>
+              <a:ea typeface="楷体" panose="02010609060101010101" pitchFamily="49" charset="-122"/>
+            </a:endParaRPr>
+          </a:p>
+          <a:p>
+            <a:pPr marL="1257300" lvl="2" indent="-342900">
+              <a:buFont typeface="+mj-lt"/>
+              <a:buAutoNum type="alphaLcParenR"/>
+            </a:pPr>
+            <a:r>
+              <a:rPr lang="zh-CN" altLang="en-US" dirty="0" smtClean="0">
+                <a:latin typeface="楷体" panose="02010609060101010101" pitchFamily="49" charset="-122"/>
+                <a:ea typeface="楷体" panose="02010609060101010101" pitchFamily="49" charset="-122"/>
+              </a:rPr>
+              <a:t>最后，在</a:t>
+            </a:r>
+            <a:r>
+              <a:rPr lang="zh-CN" altLang="en-US" dirty="0">
+                <a:latin typeface="楷体" panose="02010609060101010101" pitchFamily="49" charset="-122"/>
+                <a:ea typeface="楷体" panose="02010609060101010101" pitchFamily="49" charset="-122"/>
+              </a:rPr>
+              <a:t>每个子类别中对症状</a:t>
+            </a:r>
+            <a:r>
+              <a:rPr lang="zh-CN" altLang="en-US" dirty="0" smtClean="0">
+                <a:latin typeface="楷体" panose="02010609060101010101" pitchFamily="49" charset="-122"/>
+                <a:ea typeface="楷体" panose="02010609060101010101" pitchFamily="49" charset="-122"/>
+              </a:rPr>
+              <a:t>进行内容重叠的编码</a:t>
+            </a:r>
+            <a:r>
+              <a:rPr lang="zh-CN" altLang="en-US" dirty="0">
+                <a:latin typeface="楷体" panose="02010609060101010101" pitchFamily="49" charset="-122"/>
+                <a:ea typeface="楷体" panose="02010609060101010101" pitchFamily="49" charset="-122"/>
+              </a:rPr>
+              <a:t>。</a:t>
+            </a:r>
+            <a:r>
+              <a:rPr lang="zh-CN" altLang="en-US" dirty="0" smtClean="0">
+                <a:latin typeface="楷体" panose="02010609060101010101" pitchFamily="49" charset="-122"/>
+                <a:ea typeface="楷体" panose="02010609060101010101" pitchFamily="49" charset="-122"/>
+              </a:rPr>
+              <a:t>即根据</a:t>
+            </a:r>
+            <a:r>
+              <a:rPr lang="zh-CN" altLang="en-US" dirty="0">
+                <a:latin typeface="楷体" panose="02010609060101010101" pitchFamily="49" charset="-122"/>
+                <a:ea typeface="楷体" panose="02010609060101010101" pitchFamily="49" charset="-122"/>
+              </a:rPr>
+              <a:t>一个启发式规则</a:t>
+            </a:r>
+            <a:r>
+              <a:rPr lang="zh-CN" altLang="en-US" dirty="0" smtClean="0">
+                <a:latin typeface="楷体" panose="02010609060101010101" pitchFamily="49" charset="-122"/>
+                <a:ea typeface="楷体" panose="02010609060101010101" pitchFamily="49" charset="-122"/>
+              </a:rPr>
+              <a:t>，检验是否多个症状代表同样的主观体验</a:t>
+            </a:r>
+            <a:endParaRPr lang="en-US" altLang="zh-CN" dirty="0" smtClean="0">
+              <a:latin typeface="楷体" panose="02010609060101010101" pitchFamily="49" charset="-122"/>
+              <a:ea typeface="楷体" panose="02010609060101010101" pitchFamily="49" charset="-122"/>
+            </a:endParaRPr>
+          </a:p>
+          <a:p>
+            <a:pPr marL="1657350" lvl="3" indent="-285750">
+              <a:buFont typeface="Wingdings" panose="05000000000000000000" pitchFamily="2" charset="2"/>
+              <a:buChar char="ü"/>
+            </a:pPr>
+            <a:r>
+              <a:rPr lang="zh-CN" altLang="en-US" dirty="0" smtClean="0">
+                <a:latin typeface="楷体" panose="02010609060101010101" pitchFamily="49" charset="-122"/>
+                <a:ea typeface="楷体" panose="02010609060101010101" pitchFamily="49" charset="-122"/>
+              </a:rPr>
+              <a:t>例如，抑郁</a:t>
+            </a:r>
+            <a:r>
+              <a:rPr lang="zh-CN" altLang="en-US" dirty="0">
+                <a:latin typeface="楷体" panose="02010609060101010101" pitchFamily="49" charset="-122"/>
+                <a:ea typeface="楷体" panose="02010609060101010101" pitchFamily="49" charset="-122"/>
+              </a:rPr>
+              <a:t>情绪与低</a:t>
+            </a:r>
+            <a:r>
+              <a:rPr lang="zh-CN" altLang="en-US" dirty="0" smtClean="0">
+                <a:latin typeface="楷体" panose="02010609060101010101" pitchFamily="49" charset="-122"/>
+                <a:ea typeface="楷体" panose="02010609060101010101" pitchFamily="49" charset="-122"/>
+              </a:rPr>
+              <a:t>情绪被认为是</a:t>
+            </a:r>
+            <a:r>
+              <a:rPr lang="zh-CN" altLang="en-US" dirty="0">
+                <a:latin typeface="楷体" panose="02010609060101010101" pitchFamily="49" charset="-122"/>
+                <a:ea typeface="楷体" panose="02010609060101010101" pitchFamily="49" charset="-122"/>
+              </a:rPr>
+              <a:t>同样的</a:t>
+            </a:r>
+            <a:r>
+              <a:rPr lang="zh-CN" altLang="en-US" dirty="0" smtClean="0">
+                <a:latin typeface="楷体" panose="02010609060101010101" pitchFamily="49" charset="-122"/>
+                <a:ea typeface="楷体" panose="02010609060101010101" pitchFamily="49" charset="-122"/>
+              </a:rPr>
+              <a:t>主观体验</a:t>
+            </a:r>
+            <a:endParaRPr lang="en-US" altLang="zh-CN" dirty="0" smtClean="0">
+              <a:latin typeface="楷体" panose="02010609060101010101" pitchFamily="49" charset="-122"/>
+              <a:ea typeface="楷体" panose="02010609060101010101" pitchFamily="49" charset="-122"/>
+            </a:endParaRPr>
+          </a:p>
+          <a:p>
+            <a:endParaRPr lang="en-US" altLang="zh-CN" dirty="0">
+              <a:latin typeface="楷体" panose="02010609060101010101" pitchFamily="49" charset="-122"/>
+              <a:ea typeface="楷体" panose="02010609060101010101" pitchFamily="49" charset="-122"/>
+            </a:endParaRPr>
+          </a:p>
+          <a:p>
+            <a:pPr marL="285750" indent="-285750">
+              <a:buFont typeface="Wingdings" panose="05000000000000000000" pitchFamily="2" charset="2"/>
+              <a:buChar char="n"/>
+            </a:pPr>
+            <a:r>
+              <a:rPr lang="zh-CN" altLang="en-US" dirty="0" smtClean="0">
+                <a:latin typeface="楷体" panose="02010609060101010101" pitchFamily="49" charset="-122"/>
+                <a:ea typeface="楷体" panose="02010609060101010101" pitchFamily="49" charset="-122"/>
+              </a:rPr>
+              <a:t>整个过程被重复了超过</a:t>
+            </a:r>
             <a:r>
               <a:rPr lang="en-US" altLang="zh-CN" dirty="0" smtClean="0">
-                <a:latin typeface="Calibri" panose="020F0502020204030204" pitchFamily="34" charset="0"/>
-                <a:ea typeface="Calibri" panose="020F0502020204030204" pitchFamily="34" charset="0"/>
-                <a:cs typeface="Times New Roman" panose="02020603050405020304" pitchFamily="18" charset="0"/>
-              </a:rPr>
-              <a:t>	</a:t>
-            </a:r>
-            <a:r>
-              <a:rPr lang="zh-CN" altLang="zh-TW" dirty="0" smtClean="0">
-                <a:effectLst/>
-                <a:ea typeface="Calibri" panose="020F0502020204030204" pitchFamily="34" charset="0"/>
-                <a:cs typeface="Times New Roman" panose="02020603050405020304" pitchFamily="18" charset="0"/>
-              </a:rPr>
-              <a:t> </a:t>
-            </a:r>
-            <a:r>
-              <a:rPr lang="zh-CN" altLang="zh-TW" dirty="0">
-                <a:latin typeface="Calibri" panose="020F0502020204030204" pitchFamily="34" charset="0"/>
-                <a:cs typeface="Times New Roman" panose="02020603050405020304" pitchFamily="18" charset="0"/>
-              </a:rPr>
-              <a:t>这些问题包括有多少不同的症状构成了</a:t>
-            </a:r>
-            <a:r>
-              <a:rPr lang="en-US" altLang="zh-TW" dirty="0" smtClean="0">
-                <a:effectLst/>
-                <a:latin typeface="Calibri" panose="020F0502020204030204" pitchFamily="34" charset="0"/>
-                <a:ea typeface="宋体" panose="02010600030101010101" pitchFamily="2" charset="-122"/>
-                <a:cs typeface="Times New Roman" panose="02020603050405020304" pitchFamily="18" charset="0"/>
-              </a:rPr>
-              <a:t> DSM-5 </a:t>
-            </a:r>
-            <a:r>
-              <a:rPr lang="zh-CN" altLang="zh-TW" dirty="0">
-                <a:latin typeface="Calibri" panose="020F0502020204030204" pitchFamily="34" charset="0"/>
-                <a:cs typeface="Times New Roman" panose="02020603050405020304" pitchFamily="18" charset="0"/>
-              </a:rPr>
-              <a:t>中定义的数百个诊断</a:t>
-            </a:r>
-            <a:r>
-              <a:rPr lang="zh-CN" altLang="zh-TW" dirty="0" smtClean="0">
-                <a:latin typeface="Calibri" panose="020F0502020204030204" pitchFamily="34" charset="0"/>
-                <a:cs typeface="Times New Roman" panose="02020603050405020304" pitchFamily="18" charset="0"/>
-              </a:rPr>
-              <a:t>，</a:t>
-            </a:r>
-            <a:endParaRPr lang="en-US" altLang="zh-CN" dirty="0" smtClean="0">
-              <a:latin typeface="Calibri" panose="020F0502020204030204" pitchFamily="34" charset="0"/>
-              <a:cs typeface="Times New Roman" panose="02020603050405020304" pitchFamily="18" charset="0"/>
+                <a:latin typeface="楷体" panose="02010609060101010101" pitchFamily="49" charset="-122"/>
+                <a:ea typeface="楷体" panose="02010609060101010101" pitchFamily="49" charset="-122"/>
+              </a:rPr>
+              <a:t>90</a:t>
+            </a:r>
+            <a:r>
+              <a:rPr lang="zh-CN" altLang="en-US" dirty="0" smtClean="0">
+                <a:latin typeface="楷体" panose="02010609060101010101" pitchFamily="49" charset="-122"/>
+                <a:ea typeface="楷体" panose="02010609060101010101" pitchFamily="49" charset="-122"/>
+              </a:rPr>
+              <a:t>次</a:t>
+            </a:r>
+            <a:endParaRPr lang="zh-TW" altLang="en-US" dirty="0">
+              <a:latin typeface="楷体" panose="02010609060101010101" pitchFamily="49" charset="-122"/>
+              <a:ea typeface="楷体" panose="02010609060101010101" pitchFamily="49" charset="-122"/>
             </a:endParaRPr>
-          </a:p>
-          <a:p>
-            <a:r>
-              <a:rPr lang="en-US" altLang="zh-CN" dirty="0">
-                <a:latin typeface="Calibri" panose="020F0502020204030204" pitchFamily="34" charset="0"/>
-                <a:cs typeface="Times New Roman" panose="02020603050405020304" pitchFamily="18" charset="0"/>
-              </a:rPr>
-              <a:t>	</a:t>
-            </a:r>
-            <a:r>
-              <a:rPr lang="zh-CN" altLang="zh-TW" dirty="0" smtClean="0">
-                <a:latin typeface="Calibri" panose="020F0502020204030204" pitchFamily="34" charset="0"/>
-                <a:cs typeface="Times New Roman" panose="02020603050405020304" pitchFamily="18" charset="0"/>
-              </a:rPr>
-              <a:t>这些</a:t>
-            </a:r>
-            <a:r>
-              <a:rPr lang="zh-CN" altLang="zh-TW" dirty="0">
-                <a:latin typeface="Calibri" panose="020F0502020204030204" pitchFamily="34" charset="0"/>
-                <a:cs typeface="Times New Roman" panose="02020603050405020304" pitchFamily="18" charset="0"/>
-              </a:rPr>
-              <a:t>症状在多个诊断和</a:t>
-            </a:r>
-            <a:r>
-              <a:rPr lang="en-US" altLang="zh-TW" dirty="0" smtClean="0">
-                <a:effectLst/>
-                <a:latin typeface="Calibri" panose="020F0502020204030204" pitchFamily="34" charset="0"/>
-                <a:ea typeface="宋体" panose="02010600030101010101" pitchFamily="2" charset="-122"/>
-                <a:cs typeface="Times New Roman" panose="02020603050405020304" pitchFamily="18" charset="0"/>
-              </a:rPr>
-              <a:t>/</a:t>
-            </a:r>
-            <a:r>
-              <a:rPr lang="zh-CN" altLang="zh-TW" dirty="0">
-                <a:latin typeface="Calibri" panose="020F0502020204030204" pitchFamily="34" charset="0"/>
-                <a:cs typeface="Times New Roman" panose="02020603050405020304" pitchFamily="18" charset="0"/>
-              </a:rPr>
-              <a:t>或章节中重复的比例有多大</a:t>
-            </a:r>
-            <a:r>
-              <a:rPr lang="zh-CN" altLang="zh-TW" dirty="0" smtClean="0">
-                <a:latin typeface="Calibri" panose="020F0502020204030204" pitchFamily="34" charset="0"/>
-                <a:cs typeface="Times New Roman" panose="02020603050405020304" pitchFamily="18" charset="0"/>
-              </a:rPr>
-              <a:t>，</a:t>
-            </a:r>
-            <a:endParaRPr lang="en-US" altLang="zh-CN" dirty="0" smtClean="0">
-              <a:latin typeface="Calibri" panose="020F0502020204030204" pitchFamily="34" charset="0"/>
-              <a:cs typeface="Times New Roman" panose="02020603050405020304" pitchFamily="18" charset="0"/>
-            </a:endParaRPr>
-          </a:p>
-          <a:p>
-            <a:r>
-              <a:rPr lang="en-US" altLang="zh-CN" dirty="0">
-                <a:latin typeface="Calibri" panose="020F0502020204030204" pitchFamily="34" charset="0"/>
-                <a:cs typeface="Times New Roman" panose="02020603050405020304" pitchFamily="18" charset="0"/>
-              </a:rPr>
-              <a:t>	</a:t>
-            </a:r>
-            <a:r>
-              <a:rPr lang="zh-CN" altLang="zh-TW" dirty="0" smtClean="0">
-                <a:latin typeface="Calibri" panose="020F0502020204030204" pitchFamily="34" charset="0"/>
-                <a:cs typeface="Times New Roman" panose="02020603050405020304" pitchFamily="18" charset="0"/>
-              </a:rPr>
-              <a:t>不同</a:t>
-            </a:r>
-            <a:r>
-              <a:rPr lang="zh-CN" altLang="zh-TW" dirty="0">
-                <a:latin typeface="Calibri" panose="020F0502020204030204" pitchFamily="34" charset="0"/>
-                <a:cs typeface="Times New Roman" panose="02020603050405020304" pitchFamily="18" charset="0"/>
-              </a:rPr>
-              <a:t>章节内和不同章节之间诊断之间的症状重叠有哪些明显模式</a:t>
-            </a:r>
-            <a:r>
-              <a:rPr lang="zh-CN" altLang="zh-TW" dirty="0" smtClean="0">
-                <a:latin typeface="Calibri" panose="020F0502020204030204" pitchFamily="34" charset="0"/>
-                <a:cs typeface="Times New Roman" panose="02020603050405020304" pitchFamily="18" charset="0"/>
-              </a:rPr>
-              <a:t>，</a:t>
-            </a:r>
-            <a:endParaRPr lang="en-US" altLang="zh-CN" dirty="0" smtClean="0">
-              <a:latin typeface="Calibri" panose="020F0502020204030204" pitchFamily="34" charset="0"/>
-              <a:cs typeface="Times New Roman" panose="02020603050405020304" pitchFamily="18" charset="0"/>
-            </a:endParaRPr>
-          </a:p>
-          <a:p>
-            <a:r>
-              <a:rPr lang="en-US" altLang="zh-CN" dirty="0">
-                <a:latin typeface="Calibri" panose="020F0502020204030204" pitchFamily="34" charset="0"/>
-                <a:cs typeface="Times New Roman" panose="02020603050405020304" pitchFamily="18" charset="0"/>
-              </a:rPr>
-              <a:t>	</a:t>
-            </a:r>
-            <a:r>
-              <a:rPr lang="zh-CN" altLang="zh-TW" dirty="0" smtClean="0">
-                <a:latin typeface="Calibri" panose="020F0502020204030204" pitchFamily="34" charset="0"/>
-                <a:cs typeface="Times New Roman" panose="02020603050405020304" pitchFamily="18" charset="0"/>
-              </a:rPr>
-              <a:t>是否</a:t>
-            </a:r>
-            <a:r>
-              <a:rPr lang="zh-CN" altLang="zh-TW" dirty="0">
-                <a:latin typeface="Calibri" panose="020F0502020204030204" pitchFamily="34" charset="0"/>
-                <a:cs typeface="Times New Roman" panose="02020603050405020304" pitchFamily="18" charset="0"/>
-              </a:rPr>
-              <a:t>有一些</a:t>
-            </a:r>
-            <a:r>
-              <a:rPr lang="zh-CN" altLang="zh-TW" dirty="0" smtClean="0">
-                <a:effectLst/>
-                <a:ea typeface="Calibri" panose="020F0502020204030204" pitchFamily="34" charset="0"/>
-                <a:cs typeface="Times New Roman" panose="02020603050405020304" pitchFamily="18" charset="0"/>
-              </a:rPr>
-              <a:t> </a:t>
-            </a:r>
-            <a:r>
-              <a:rPr lang="zh-CN" altLang="zh-TW" dirty="0">
-                <a:latin typeface="Calibri" panose="020F0502020204030204" pitchFamily="34" charset="0"/>
-                <a:cs typeface="Times New Roman" panose="02020603050405020304" pitchFamily="18" charset="0"/>
-              </a:rPr>
-              <a:t>精神病理学的章节比其他章节更容易出现症状重复</a:t>
-            </a:r>
-            <a:r>
-              <a:rPr lang="zh-CN" altLang="zh-TW" dirty="0" smtClean="0">
-                <a:latin typeface="Calibri" panose="020F0502020204030204" pitchFamily="34" charset="0"/>
-                <a:cs typeface="Times New Roman" panose="02020603050405020304" pitchFamily="18" charset="0"/>
-              </a:rPr>
-              <a:t>，</a:t>
-            </a:r>
-            <a:endParaRPr lang="en-US" altLang="zh-CN" dirty="0" smtClean="0">
-              <a:latin typeface="Calibri" panose="020F0502020204030204" pitchFamily="34" charset="0"/>
-              <a:cs typeface="Times New Roman" panose="02020603050405020304" pitchFamily="18" charset="0"/>
-            </a:endParaRPr>
-          </a:p>
-          <a:p>
-            <a:r>
-              <a:rPr lang="en-US" altLang="zh-CN" dirty="0">
-                <a:latin typeface="Calibri" panose="020F0502020204030204" pitchFamily="34" charset="0"/>
-                <a:cs typeface="Times New Roman" panose="02020603050405020304" pitchFamily="18" charset="0"/>
-              </a:rPr>
-              <a:t>	</a:t>
-            </a:r>
-            <a:r>
-              <a:rPr lang="zh-CN" altLang="zh-TW" dirty="0" smtClean="0">
-                <a:latin typeface="Calibri" panose="020F0502020204030204" pitchFamily="34" charset="0"/>
-                <a:cs typeface="Times New Roman" panose="02020603050405020304" pitchFamily="18" charset="0"/>
-              </a:rPr>
-              <a:t>最后</a:t>
-            </a:r>
-            <a:r>
-              <a:rPr lang="zh-CN" altLang="zh-TW" dirty="0">
-                <a:latin typeface="Calibri" panose="020F0502020204030204" pitchFamily="34" charset="0"/>
-                <a:cs typeface="Times New Roman" panose="02020603050405020304" pitchFamily="18" charset="0"/>
-              </a:rPr>
-              <a:t>，哪些症状显示出最大的非特异性，作为精神病理学不同表现的指标。</a:t>
-            </a:r>
-            <a:r>
-              <a:rPr lang="zh-CN" altLang="zh-TW" dirty="0" smtClean="0">
-                <a:effectLst/>
-                <a:ea typeface="Calibri" panose="020F0502020204030204" pitchFamily="34" charset="0"/>
-                <a:cs typeface="Times New Roman" panose="02020603050405020304" pitchFamily="18" charset="0"/>
-              </a:rPr>
-              <a:t> </a:t>
-            </a:r>
-            <a:endParaRPr lang="en-US" altLang="zh-CN" dirty="0" smtClean="0">
-              <a:effectLst/>
-              <a:ea typeface="Calibri" panose="020F0502020204030204" pitchFamily="34" charset="0"/>
-              <a:cs typeface="Times New Roman" panose="02020603050405020304" pitchFamily="18" charset="0"/>
-            </a:endParaRPr>
-          </a:p>
-          <a:p>
-            <a:endParaRPr lang="en-US" altLang="zh-CN" dirty="0">
-              <a:latin typeface="Calibri" panose="020F0502020204030204" pitchFamily="34" charset="0"/>
-              <a:cs typeface="Times New Roman" panose="02020603050405020304" pitchFamily="18" charset="0"/>
-            </a:endParaRPr>
-          </a:p>
-          <a:p>
-            <a:r>
-              <a:rPr lang="zh-CN" altLang="zh-TW" dirty="0" smtClean="0">
-                <a:latin typeface="Calibri" panose="020F0502020204030204" pitchFamily="34" charset="0"/>
-                <a:cs typeface="Times New Roman" panose="02020603050405020304" pitchFamily="18" charset="0"/>
-              </a:rPr>
-              <a:t>该</a:t>
-            </a:r>
-            <a:r>
-              <a:rPr lang="zh-CN" altLang="zh-TW" dirty="0">
-                <a:latin typeface="Calibri" panose="020F0502020204030204" pitchFamily="34" charset="0"/>
-                <a:cs typeface="Times New Roman" panose="02020603050405020304" pitchFamily="18" charset="0"/>
-              </a:rPr>
-              <a:t>研究旨在揭示这些模式，以表征该领域数十年来研究的结构中的异质性和同质性</a:t>
-            </a:r>
-            <a:endParaRPr lang="zh-TW" altLang="en-US" dirty="0"/>
           </a:p>
         </p:txBody>
       </p:sp>
     </p:spTree>
     <p:extLst>
       <p:ext uri="{BB962C8B-B14F-4D97-AF65-F5344CB8AC3E}">
-        <p14:creationId xmlns:p14="http://schemas.microsoft.com/office/powerpoint/2010/main" val="843215495"/>
+        <p14:creationId xmlns:p14="http://schemas.microsoft.com/office/powerpoint/2010/main" val="1225622550"/>
       </p:ext>
     </p:extLst>
   </p:cSld>
@@ -9111,44 +10689,192 @@
       </p:grpSpPr>
       <p:sp>
         <p:nvSpPr>
-          <p:cNvPr id="2" name="文本框 1"/>
-          <p:cNvSpPr txBox="1"/>
+          <p:cNvPr id="4" name="矩形 3"/>
+          <p:cNvSpPr/>
           <p:nvPr/>
         </p:nvSpPr>
         <p:spPr>
           <a:xfrm>
-            <a:off x="189186" y="220717"/>
-            <a:ext cx="2081048" cy="369332"/>
+            <a:off x="8979408" y="0"/>
+            <a:ext cx="3212592" cy="6858000"/>
           </a:xfrm>
           <a:prstGeom prst="rect">
             <a:avLst/>
           </a:prstGeom>
-          <a:noFill/>
+          <a:gradFill flip="none" rotWithShape="1">
+            <a:gsLst>
+              <a:gs pos="0">
+                <a:srgbClr val="005B70"/>
+              </a:gs>
+              <a:gs pos="100000">
+                <a:srgbClr val="74AA9C"/>
+              </a:gs>
+            </a:gsLst>
+            <a:lin ang="2700000" scaled="1"/>
+            <a:tileRect/>
+          </a:gradFill>
+          <a:ln>
+            <a:noFill/>
+          </a:ln>
         </p:spPr>
-        <p:txBody>
-          <a:bodyPr wrap="square" rtlCol="0">
-            <a:spAutoFit/>
-          </a:bodyPr>
+        <p:style>
+          <a:lnRef idx="2">
+            <a:schemeClr val="accent1">
+              <a:shade val="50000"/>
+            </a:schemeClr>
+          </a:lnRef>
+          <a:fillRef idx="1">
+            <a:schemeClr val="accent1"/>
+          </a:fillRef>
+          <a:effectRef idx="0">
+            <a:schemeClr val="accent1"/>
+          </a:effectRef>
+          <a:fontRef idx="minor">
+            <a:schemeClr val="lt1"/>
+          </a:fontRef>
+        </p:style>
+        <p:txBody>
+          <a:bodyPr rtlCol="0" anchor="ctr"/>
           <a:lstStyle/>
           <a:p>
-            <a:r>
-              <a:rPr lang="zh-CN" altLang="en-US" dirty="0" smtClean="0"/>
-              <a:t>方法</a:t>
-            </a:r>
-            <a:endParaRPr lang="zh-TW" altLang="en-US" dirty="0"/>
-          </a:p>
-        </p:txBody>
-      </p:sp>
-      <p:sp>
-        <p:nvSpPr>
-          <p:cNvPr id="3" name="矩形 2"/>
+            <a:pPr algn="ctr"/>
+            <a:r>
+              <a:rPr lang="en-US" altLang="zh-TW" sz="6000" dirty="0" smtClean="0"/>
+              <a:t>DSM - 5</a:t>
+            </a:r>
+            <a:endParaRPr lang="zh-TW" altLang="en-US" sz="6000" dirty="0"/>
+          </a:p>
+        </p:txBody>
+      </p:sp>
+      <p:sp>
+        <p:nvSpPr>
+          <p:cNvPr id="9" name="矩形 8"/>
           <p:cNvSpPr/>
           <p:nvPr/>
         </p:nvSpPr>
         <p:spPr>
           <a:xfrm>
-            <a:off x="1345323" y="1795092"/>
-            <a:ext cx="8933793" cy="2585323"/>
+            <a:off x="0" y="6291072"/>
+            <a:ext cx="1054608" cy="566928"/>
+          </a:xfrm>
+          <a:prstGeom prst="rect">
+            <a:avLst/>
+          </a:prstGeom>
+          <a:gradFill flip="none" rotWithShape="1">
+            <a:gsLst>
+              <a:gs pos="0">
+                <a:srgbClr val="005B70"/>
+              </a:gs>
+              <a:gs pos="100000">
+                <a:srgbClr val="74AA9C"/>
+              </a:gs>
+            </a:gsLst>
+            <a:lin ang="2700000" scaled="1"/>
+            <a:tileRect/>
+          </a:gradFill>
+          <a:ln>
+            <a:noFill/>
+          </a:ln>
+        </p:spPr>
+        <p:style>
+          <a:lnRef idx="2">
+            <a:schemeClr val="accent1">
+              <a:shade val="50000"/>
+            </a:schemeClr>
+          </a:lnRef>
+          <a:fillRef idx="1">
+            <a:schemeClr val="accent1"/>
+          </a:fillRef>
+          <a:effectRef idx="0">
+            <a:schemeClr val="accent1"/>
+          </a:effectRef>
+          <a:fontRef idx="minor">
+            <a:schemeClr val="lt1"/>
+          </a:fontRef>
+        </p:style>
+        <p:txBody>
+          <a:bodyPr rtlCol="0" anchor="ctr"/>
+          <a:lstStyle/>
+          <a:p>
+            <a:pPr algn="ctr"/>
+            <a:endParaRPr lang="zh-TW" altLang="en-US"/>
+          </a:p>
+        </p:txBody>
+      </p:sp>
+      <p:sp>
+        <p:nvSpPr>
+          <p:cNvPr id="7" name="矩形 6"/>
+          <p:cNvSpPr/>
+          <p:nvPr/>
+        </p:nvSpPr>
+        <p:spPr>
+          <a:xfrm>
+            <a:off x="0" y="0"/>
+            <a:ext cx="3941064" cy="566928"/>
+          </a:xfrm>
+          <a:prstGeom prst="rect">
+            <a:avLst/>
+          </a:prstGeom>
+          <a:gradFill flip="none" rotWithShape="1">
+            <a:gsLst>
+              <a:gs pos="0">
+                <a:srgbClr val="005B70"/>
+              </a:gs>
+              <a:gs pos="100000">
+                <a:srgbClr val="74AA9C"/>
+              </a:gs>
+            </a:gsLst>
+            <a:lin ang="2700000" scaled="1"/>
+            <a:tileRect/>
+          </a:gradFill>
+          <a:ln>
+            <a:noFill/>
+          </a:ln>
+        </p:spPr>
+        <p:style>
+          <a:lnRef idx="2">
+            <a:schemeClr val="accent1">
+              <a:shade val="50000"/>
+            </a:schemeClr>
+          </a:lnRef>
+          <a:fillRef idx="1">
+            <a:schemeClr val="accent1"/>
+          </a:fillRef>
+          <a:effectRef idx="0">
+            <a:schemeClr val="accent1"/>
+          </a:effectRef>
+          <a:fontRef idx="minor">
+            <a:schemeClr val="lt1"/>
+          </a:fontRef>
+        </p:style>
+        <p:txBody>
+          <a:bodyPr rtlCol="0" anchor="ctr"/>
+          <a:lstStyle/>
+          <a:p>
+            <a:r>
+              <a:rPr lang="en-US" altLang="zh-CN" sz="3600" b="1" dirty="0" smtClean="0">
+                <a:latin typeface="Times New Roman" panose="02020603050405020304" pitchFamily="18" charset="0"/>
+                <a:cs typeface="Times New Roman" panose="02020603050405020304" pitchFamily="18" charset="0"/>
+              </a:rPr>
+              <a:t>Method</a:t>
+            </a:r>
+            <a:endParaRPr lang="zh-TW" altLang="en-US" sz="3600" b="1" dirty="0">
+              <a:latin typeface="Times New Roman" panose="02020603050405020304" pitchFamily="18" charset="0"/>
+              <a:cs typeface="Times New Roman" panose="02020603050405020304" pitchFamily="18" charset="0"/>
+            </a:endParaRPr>
+          </a:p>
+        </p:txBody>
+      </p:sp>
+      <p:sp>
+        <p:nvSpPr>
+          <p:cNvPr id="6" name="矩形 5"/>
+          <p:cNvSpPr/>
+          <p:nvPr/>
+        </p:nvSpPr>
+        <p:spPr>
+          <a:xfrm>
+            <a:off x="740981" y="1582340"/>
+            <a:ext cx="7320454" cy="3693319"/>
           </a:xfrm>
           <a:prstGeom prst="rect">
             <a:avLst/>
@@ -9160,224 +10886,533 @@
           </a:bodyPr>
           <a:lstStyle/>
           <a:p>
-            <a:pPr>
-              <a:spcAft>
-                <a:spcPts val="0"/>
-              </a:spcAft>
+            <a:pPr marL="285750" indent="-285750">
+              <a:buFont typeface="Wingdings" panose="05000000000000000000" pitchFamily="2" charset="2"/>
+              <a:buChar char="n"/>
             </a:pPr>
             <a:r>
-              <a:rPr lang="zh-CN" altLang="zh-TW" kern="100" dirty="0">
-                <a:latin typeface="Calibri" panose="020F0502020204030204" pitchFamily="34" charset="0"/>
-                <a:cs typeface="Times New Roman" panose="02020603050405020304" pitchFamily="18" charset="0"/>
-              </a:rPr>
-              <a:t>确定</a:t>
-            </a:r>
-            <a:r>
-              <a:rPr lang="en-US" altLang="zh-TW" kern="100" dirty="0" smtClean="0">
+              <a:rPr lang="zh-CN" altLang="en-US" dirty="0" smtClean="0">
+                <a:latin typeface="楷体" panose="02010609060101010101" pitchFamily="49" charset="-122"/>
+                <a:ea typeface="楷体" panose="02010609060101010101" pitchFamily="49" charset="-122"/>
+                <a:cs typeface="Times New Roman" panose="02020603050405020304" pitchFamily="18" charset="0"/>
+              </a:rPr>
+              <a:t>用</a:t>
+            </a:r>
+            <a:r>
+              <a:rPr lang="zh-CN" altLang="zh-TW" b="1" dirty="0" smtClean="0">
+                <a:latin typeface="楷体" panose="02010609060101010101" pitchFamily="49" charset="-122"/>
+                <a:ea typeface="楷体" panose="02010609060101010101" pitchFamily="49" charset="-122"/>
+                <a:cs typeface="Times New Roman" panose="02020603050405020304" pitchFamily="18" charset="0"/>
+              </a:rPr>
+              <a:t>自然语言处理</a:t>
+            </a:r>
+            <a:r>
+              <a:rPr lang="en-US" altLang="zh-TW" b="1" dirty="0" smtClean="0">
                 <a:effectLst/>
-                <a:latin typeface="Calibri" panose="020F0502020204030204" pitchFamily="34" charset="0"/>
-                <a:ea typeface="宋体" panose="02010600030101010101" pitchFamily="2" charset="-122"/>
-                <a:cs typeface="Times New Roman" panose="02020603050405020304" pitchFamily="18" charset="0"/>
-              </a:rPr>
-              <a:t> DSM-5 </a:t>
-            </a:r>
-            <a:r>
-              <a:rPr lang="zh-CN" altLang="zh-TW" kern="100" dirty="0">
-                <a:latin typeface="Calibri" panose="020F0502020204030204" pitchFamily="34" charset="0"/>
-                <a:cs typeface="Times New Roman" panose="02020603050405020304" pitchFamily="18" charset="0"/>
-              </a:rPr>
-              <a:t>第</a:t>
-            </a:r>
-            <a:r>
-              <a:rPr lang="en-US" altLang="zh-TW" kern="100" dirty="0" smtClean="0">
+                <a:latin typeface="楷体" panose="02010609060101010101" pitchFamily="49" charset="-122"/>
+                <a:ea typeface="楷体" panose="02010609060101010101" pitchFamily="49" charset="-122"/>
+                <a:cs typeface="Times New Roman" panose="02020603050405020304" pitchFamily="18" charset="0"/>
+              </a:rPr>
+              <a:t> </a:t>
+            </a:r>
+            <a:r>
+              <a:rPr lang="en-US" altLang="zh-TW" b="1" dirty="0" smtClean="0">
                 <a:effectLst/>
-                <a:latin typeface="Calibri" panose="020F0502020204030204" pitchFamily="34" charset="0"/>
-                <a:ea typeface="宋体" panose="02010600030101010101" pitchFamily="2" charset="-122"/>
-                <a:cs typeface="Times New Roman" panose="02020603050405020304" pitchFamily="18" charset="0"/>
-              </a:rPr>
-              <a:t> II </a:t>
-            </a:r>
-            <a:r>
-              <a:rPr lang="zh-CN" altLang="zh-TW" kern="100" dirty="0">
-                <a:latin typeface="Calibri" panose="020F0502020204030204" pitchFamily="34" charset="0"/>
-                <a:cs typeface="Times New Roman" panose="02020603050405020304" pitchFamily="18" charset="0"/>
-              </a:rPr>
-              <a:t>部分第</a:t>
-            </a:r>
-            <a:r>
-              <a:rPr lang="en-US" altLang="zh-TW" kern="100" dirty="0" smtClean="0">
+                <a:latin typeface="楷体" panose="02010609060101010101" pitchFamily="49" charset="-122"/>
+                <a:ea typeface="楷体" panose="02010609060101010101" pitchFamily="49" charset="-122"/>
+                <a:cs typeface="Times New Roman" panose="02020603050405020304" pitchFamily="18" charset="0"/>
+              </a:rPr>
+              <a:t>(NLP) </a:t>
+            </a:r>
+            <a:r>
+              <a:rPr lang="zh-CN" altLang="zh-TW" dirty="0">
+                <a:latin typeface="楷体" panose="02010609060101010101" pitchFamily="49" charset="-122"/>
+                <a:ea typeface="楷体" panose="02010609060101010101" pitchFamily="49" charset="-122"/>
+                <a:cs typeface="Times New Roman" panose="02020603050405020304" pitchFamily="18" charset="0"/>
+              </a:rPr>
+              <a:t>来识别可能遗漏的任何语义匹配。</a:t>
+            </a:r>
+            <a:r>
+              <a:rPr lang="zh-CN" altLang="zh-TW" dirty="0" smtClean="0">
                 <a:effectLst/>
-                <a:latin typeface="Calibri" panose="020F0502020204030204" pitchFamily="34" charset="0"/>
-                <a:ea typeface="宋体" panose="02010600030101010101" pitchFamily="2" charset="-122"/>
-                <a:cs typeface="Times New Roman" panose="02020603050405020304" pitchFamily="18" charset="0"/>
-              </a:rPr>
-              <a:t> 1-19 </a:t>
-            </a:r>
-            <a:r>
-              <a:rPr lang="zh-CN" altLang="zh-TW" kern="100" dirty="0">
-                <a:latin typeface="Calibri" panose="020F0502020204030204" pitchFamily="34" charset="0"/>
-                <a:cs typeface="Times New Roman" panose="02020603050405020304" pitchFamily="18" charset="0"/>
-              </a:rPr>
-              <a:t>章中诊断的核心症状。 </a:t>
-            </a:r>
-            <a:endParaRPr lang="en-US" altLang="zh-CN" kern="100" dirty="0" smtClean="0">
-              <a:latin typeface="Calibri" panose="020F0502020204030204" pitchFamily="34" charset="0"/>
+                <a:latin typeface="楷体" panose="02010609060101010101" pitchFamily="49" charset="-122"/>
+                <a:ea typeface="楷体" panose="02010609060101010101" pitchFamily="49" charset="-122"/>
+                <a:cs typeface="Times New Roman" panose="02020603050405020304" pitchFamily="18" charset="0"/>
+              </a:rPr>
+              <a:t> </a:t>
+            </a:r>
+            <a:endParaRPr lang="en-US" altLang="zh-CN" dirty="0" smtClean="0">
+              <a:effectLst/>
+              <a:latin typeface="楷体" panose="02010609060101010101" pitchFamily="49" charset="-122"/>
+              <a:ea typeface="楷体" panose="02010609060101010101" pitchFamily="49" charset="-122"/>
               <a:cs typeface="Times New Roman" panose="02020603050405020304" pitchFamily="18" charset="0"/>
             </a:endParaRPr>
           </a:p>
           <a:p>
-            <a:pPr>
-              <a:spcAft>
-                <a:spcPts val="0"/>
-              </a:spcAft>
-            </a:pPr>
-            <a:endParaRPr lang="en-US" altLang="zh-CN" kern="100" dirty="0">
-              <a:latin typeface="Calibri" panose="020F0502020204030204" pitchFamily="34" charset="0"/>
+            <a:endParaRPr lang="en-US" altLang="zh-CN" dirty="0" smtClean="0">
+              <a:effectLst/>
+              <a:latin typeface="楷体" panose="02010609060101010101" pitchFamily="49" charset="-122"/>
+              <a:ea typeface="楷体" panose="02010609060101010101" pitchFamily="49" charset="-122"/>
               <a:cs typeface="Times New Roman" panose="02020603050405020304" pitchFamily="18" charset="0"/>
             </a:endParaRPr>
           </a:p>
           <a:p>
-            <a:pPr>
-              <a:spcAft>
-                <a:spcPts val="0"/>
-              </a:spcAft>
+            <a:pPr marL="800100" lvl="1" indent="-342900">
+              <a:buFont typeface="+mj-lt"/>
+              <a:buAutoNum type="arabicPeriod"/>
             </a:pPr>
             <a:r>
-              <a:rPr lang="zh-CN" altLang="zh-TW" kern="100" dirty="0" smtClean="0">
-                <a:latin typeface="Calibri" panose="020F0502020204030204" pitchFamily="34" charset="0"/>
-                <a:cs typeface="Times New Roman" panose="02020603050405020304" pitchFamily="18" charset="0"/>
-              </a:rPr>
-              <a:t>其中</a:t>
-            </a:r>
-            <a:r>
-              <a:rPr lang="zh-CN" altLang="zh-TW" kern="100" dirty="0">
-                <a:latin typeface="Calibri" panose="020F0502020204030204" pitchFamily="34" charset="0"/>
-                <a:cs typeface="Times New Roman" panose="02020603050405020304" pitchFamily="18" charset="0"/>
-              </a:rPr>
-              <a:t>所有诊断的诊断标准都减少到其核心症状。 </a:t>
-            </a:r>
-            <a:endParaRPr lang="en-US" altLang="zh-CN" kern="100" dirty="0" smtClean="0">
-              <a:latin typeface="Calibri" panose="020F0502020204030204" pitchFamily="34" charset="0"/>
+              <a:rPr lang="zh-CN" altLang="zh-TW" dirty="0" smtClean="0">
+                <a:latin typeface="楷体" panose="02010609060101010101" pitchFamily="49" charset="-122"/>
+                <a:ea typeface="楷体" panose="02010609060101010101" pitchFamily="49" charset="-122"/>
+                <a:cs typeface="Times New Roman" panose="02020603050405020304" pitchFamily="18" charset="0"/>
+              </a:rPr>
+              <a:t>建立一</a:t>
+            </a:r>
+            <a:r>
+              <a:rPr lang="zh-CN" altLang="zh-TW" dirty="0">
+                <a:latin typeface="楷体" panose="02010609060101010101" pitchFamily="49" charset="-122"/>
+                <a:ea typeface="楷体" panose="02010609060101010101" pitchFamily="49" charset="-122"/>
+                <a:cs typeface="Times New Roman" panose="02020603050405020304" pitchFamily="18" charset="0"/>
+              </a:rPr>
+              <a:t>个计算模型</a:t>
+            </a:r>
+            <a:r>
+              <a:rPr lang="zh-CN" altLang="zh-TW" dirty="0" smtClean="0">
+                <a:latin typeface="楷体" panose="02010609060101010101" pitchFamily="49" charset="-122"/>
+                <a:ea typeface="楷体" panose="02010609060101010101" pitchFamily="49" charset="-122"/>
+                <a:cs typeface="Times New Roman" panose="02020603050405020304" pitchFamily="18" charset="0"/>
+              </a:rPr>
+              <a:t>，</a:t>
+            </a:r>
+            <a:r>
+              <a:rPr lang="zh-CN" altLang="en-US" dirty="0" smtClean="0">
+                <a:latin typeface="楷体" panose="02010609060101010101" pitchFamily="49" charset="-122"/>
+                <a:ea typeface="楷体" panose="02010609060101010101" pitchFamily="49" charset="-122"/>
+                <a:cs typeface="Times New Roman" panose="02020603050405020304" pitchFamily="18" charset="0"/>
+              </a:rPr>
+              <a:t>来评估</a:t>
+            </a:r>
+            <a:r>
+              <a:rPr lang="zh-CN" altLang="zh-TW" dirty="0" smtClean="0">
+                <a:latin typeface="楷体" panose="02010609060101010101" pitchFamily="49" charset="-122"/>
+                <a:ea typeface="楷体" panose="02010609060101010101" pitchFamily="49" charset="-122"/>
+                <a:cs typeface="Times New Roman" panose="02020603050405020304" pitchFamily="18" charset="0"/>
+              </a:rPr>
+              <a:t>两</a:t>
+            </a:r>
+            <a:r>
+              <a:rPr lang="zh-CN" altLang="zh-TW" dirty="0">
+                <a:latin typeface="楷体" panose="02010609060101010101" pitchFamily="49" charset="-122"/>
+                <a:ea typeface="楷体" panose="02010609060101010101" pitchFamily="49" charset="-122"/>
+                <a:cs typeface="Times New Roman" panose="02020603050405020304" pitchFamily="18" charset="0"/>
+              </a:rPr>
+              <a:t>个症状</a:t>
+            </a:r>
+            <a:r>
+              <a:rPr lang="zh-CN" altLang="zh-TW" dirty="0" smtClean="0">
+                <a:latin typeface="楷体" panose="02010609060101010101" pitchFamily="49" charset="-122"/>
+                <a:ea typeface="楷体" panose="02010609060101010101" pitchFamily="49" charset="-122"/>
+                <a:cs typeface="Times New Roman" panose="02020603050405020304" pitchFamily="18" charset="0"/>
+              </a:rPr>
+              <a:t>在语义相似性</a:t>
+            </a:r>
+            <a:r>
+              <a:rPr lang="zh-CN" altLang="en-US" dirty="0" smtClean="0">
+                <a:latin typeface="楷体" panose="02010609060101010101" pitchFamily="49" charset="-122"/>
+                <a:ea typeface="楷体" panose="02010609060101010101" pitchFamily="49" charset="-122"/>
+                <a:cs typeface="Times New Roman" panose="02020603050405020304" pitchFamily="18" charset="0"/>
+              </a:rPr>
+              <a:t>中的相对</a:t>
+            </a:r>
+            <a:r>
+              <a:rPr lang="zh-CN" altLang="en-US" dirty="0" smtClean="0">
+                <a:latin typeface="楷体" panose="02010609060101010101" pitchFamily="49" charset="-122"/>
+                <a:ea typeface="楷体" panose="02010609060101010101" pitchFamily="49" charset="-122"/>
+                <a:cs typeface="Times New Roman" panose="02020603050405020304" pitchFamily="18" charset="0"/>
+              </a:rPr>
+              <a:t>距离</a:t>
+            </a:r>
+            <a:r>
+              <a:rPr lang="zh-CN" altLang="zh-TW" dirty="0" smtClean="0">
+                <a:latin typeface="楷体" panose="02010609060101010101" pitchFamily="49" charset="-122"/>
+                <a:ea typeface="楷体" panose="02010609060101010101" pitchFamily="49" charset="-122"/>
+                <a:cs typeface="Times New Roman" panose="02020603050405020304" pitchFamily="18" charset="0"/>
+              </a:rPr>
+              <a:t>，</a:t>
+            </a:r>
+            <a:r>
+              <a:rPr lang="zh-CN" altLang="zh-TW" dirty="0">
+                <a:latin typeface="楷体" panose="02010609060101010101" pitchFamily="49" charset="-122"/>
+                <a:ea typeface="楷体" panose="02010609060101010101" pitchFamily="49" charset="-122"/>
+                <a:cs typeface="Times New Roman" panose="02020603050405020304" pitchFamily="18" charset="0"/>
+              </a:rPr>
+              <a:t>确定它们何时具有相同的含义</a:t>
+            </a:r>
+            <a:r>
+              <a:rPr lang="zh-CN" altLang="zh-TW" dirty="0" smtClean="0">
+                <a:latin typeface="楷体" panose="02010609060101010101" pitchFamily="49" charset="-122"/>
+                <a:ea typeface="楷体" panose="02010609060101010101" pitchFamily="49" charset="-122"/>
+                <a:cs typeface="Times New Roman" panose="02020603050405020304" pitchFamily="18" charset="0"/>
+              </a:rPr>
+              <a:t>。</a:t>
+            </a:r>
+            <a:endParaRPr lang="en-US" altLang="zh-CN" dirty="0">
+              <a:effectLst/>
+              <a:latin typeface="楷体" panose="02010609060101010101" pitchFamily="49" charset="-122"/>
+              <a:ea typeface="楷体" panose="02010609060101010101" pitchFamily="49" charset="-122"/>
               <a:cs typeface="Times New Roman" panose="02020603050405020304" pitchFamily="18" charset="0"/>
             </a:endParaRPr>
           </a:p>
           <a:p>
-            <a:pPr>
-              <a:spcAft>
-                <a:spcPts val="0"/>
-              </a:spcAft>
+            <a:pPr marL="800100" lvl="1" indent="-342900">
+              <a:buFont typeface="+mj-lt"/>
+              <a:buAutoNum type="arabicPeriod"/>
             </a:pPr>
             <a:r>
-              <a:rPr lang="zh-CN" altLang="zh-TW" kern="100" dirty="0" smtClean="0">
-                <a:latin typeface="Calibri" panose="020F0502020204030204" pitchFamily="34" charset="0"/>
-                <a:cs typeface="Times New Roman" panose="02020603050405020304" pitchFamily="18" charset="0"/>
-              </a:rPr>
-              <a:t>分离</a:t>
-            </a:r>
-            <a:r>
-              <a:rPr lang="zh-CN" altLang="zh-TW" kern="100" dirty="0">
-                <a:latin typeface="Calibri" panose="020F0502020204030204" pitchFamily="34" charset="0"/>
-                <a:cs typeface="Times New Roman" panose="02020603050405020304" pitchFamily="18" charset="0"/>
-              </a:rPr>
-              <a:t>标准被分成单独的症状</a:t>
-            </a:r>
-            <a:r>
-              <a:rPr lang="zh-CN" altLang="zh-TW" kern="100" dirty="0" smtClean="0">
-                <a:latin typeface="Calibri" panose="020F0502020204030204" pitchFamily="34" charset="0"/>
+              <a:rPr lang="zh-CN" altLang="zh-TW" dirty="0" smtClean="0">
+                <a:latin typeface="楷体" panose="02010609060101010101" pitchFamily="49" charset="-122"/>
+                <a:ea typeface="楷体" panose="02010609060101010101" pitchFamily="49" charset="-122"/>
+                <a:cs typeface="Times New Roman" panose="02020603050405020304" pitchFamily="18" charset="0"/>
+              </a:rPr>
+              <a:t>过滤掉</a:t>
+            </a:r>
+            <a:r>
+              <a:rPr lang="zh-CN" altLang="en-US" dirty="0" smtClean="0">
+                <a:latin typeface="楷体" panose="02010609060101010101" pitchFamily="49" charset="-122"/>
+                <a:ea typeface="楷体" panose="02010609060101010101" pitchFamily="49" charset="-122"/>
+                <a:cs typeface="Times New Roman" panose="02020603050405020304" pitchFamily="18" charset="0"/>
+              </a:rPr>
+              <a:t>已经被认为是</a:t>
+            </a:r>
+            <a:r>
+              <a:rPr lang="zh-CN" altLang="zh-TW" dirty="0" smtClean="0">
+                <a:latin typeface="楷体" panose="02010609060101010101" pitchFamily="49" charset="-122"/>
+                <a:ea typeface="楷体" panose="02010609060101010101" pitchFamily="49" charset="-122"/>
+                <a:cs typeface="Times New Roman" panose="02020603050405020304" pitchFamily="18" charset="0"/>
+              </a:rPr>
+              <a:t>相同的</a:t>
+            </a:r>
+            <a:r>
+              <a:rPr lang="zh-CN" altLang="en-US" dirty="0" smtClean="0">
+                <a:latin typeface="楷体" panose="02010609060101010101" pitchFamily="49" charset="-122"/>
+                <a:ea typeface="楷体" panose="02010609060101010101" pitchFamily="49" charset="-122"/>
+                <a:cs typeface="Times New Roman" panose="02020603050405020304" pitchFamily="18" charset="0"/>
+              </a:rPr>
+              <a:t>“</a:t>
+            </a:r>
+            <a:r>
+              <a:rPr lang="zh-CN" altLang="zh-TW" dirty="0" smtClean="0">
+                <a:latin typeface="楷体" panose="02010609060101010101" pitchFamily="49" charset="-122"/>
+                <a:ea typeface="楷体" panose="02010609060101010101" pitchFamily="49" charset="-122"/>
+                <a:cs typeface="Times New Roman" panose="02020603050405020304" pitchFamily="18" charset="0"/>
+              </a:rPr>
+              <a:t>症状</a:t>
+            </a:r>
+            <a:r>
+              <a:rPr lang="zh-CN" altLang="en-US" dirty="0" smtClean="0">
+                <a:latin typeface="楷体" panose="02010609060101010101" pitchFamily="49" charset="-122"/>
+                <a:ea typeface="楷体" panose="02010609060101010101" pitchFamily="49" charset="-122"/>
+                <a:cs typeface="Times New Roman" panose="02020603050405020304" pitchFamily="18" charset="0"/>
+              </a:rPr>
+              <a:t>对”后</a:t>
+            </a:r>
+            <a:r>
+              <a:rPr lang="zh-CN" altLang="zh-TW" dirty="0" smtClean="0">
+                <a:latin typeface="楷体" panose="02010609060101010101" pitchFamily="49" charset="-122"/>
+                <a:ea typeface="楷体" panose="02010609060101010101" pitchFamily="49" charset="-122"/>
                 <a:cs typeface="Times New Roman" panose="02020603050405020304" pitchFamily="18" charset="0"/>
               </a:rPr>
               <a:t>，</a:t>
             </a:r>
-            <a:endParaRPr lang="en-US" altLang="zh-CN" kern="100" dirty="0" smtClean="0">
-              <a:latin typeface="Calibri" panose="020F0502020204030204" pitchFamily="34" charset="0"/>
+            <a:r>
+              <a:rPr lang="zh-CN" altLang="en-US" dirty="0" smtClean="0">
+                <a:latin typeface="楷体" panose="02010609060101010101" pitchFamily="49" charset="-122"/>
+                <a:ea typeface="楷体" panose="02010609060101010101" pitchFamily="49" charset="-122"/>
+                <a:cs typeface="Times New Roman" panose="02020603050405020304" pitchFamily="18" charset="0"/>
+              </a:rPr>
+              <a:t>使用</a:t>
+            </a:r>
+            <a:r>
+              <a:rPr lang="zh-CN" altLang="zh-TW" dirty="0" smtClean="0">
+                <a:latin typeface="楷体" panose="02010609060101010101" pitchFamily="49" charset="-122"/>
+                <a:ea typeface="楷体" panose="02010609060101010101" pitchFamily="49" charset="-122"/>
+                <a:cs typeface="Times New Roman" panose="02020603050405020304" pitchFamily="18" charset="0"/>
+              </a:rPr>
+              <a:t>该模型</a:t>
+            </a:r>
+            <a:r>
+              <a:rPr lang="zh-CN" altLang="en-US" dirty="0" smtClean="0">
+                <a:latin typeface="楷体" panose="02010609060101010101" pitchFamily="49" charset="-122"/>
+                <a:ea typeface="楷体" panose="02010609060101010101" pitchFamily="49" charset="-122"/>
+                <a:cs typeface="Times New Roman" panose="02020603050405020304" pitchFamily="18" charset="0"/>
+              </a:rPr>
+              <a:t>的</a:t>
+            </a:r>
+            <a:r>
+              <a:rPr lang="zh-CN" altLang="zh-TW" dirty="0" smtClean="0">
+                <a:latin typeface="楷体" panose="02010609060101010101" pitchFamily="49" charset="-122"/>
+                <a:ea typeface="楷体" panose="02010609060101010101" pitchFamily="49" charset="-122"/>
+                <a:cs typeface="Times New Roman" panose="02020603050405020304" pitchFamily="18" charset="0"/>
+              </a:rPr>
+              <a:t>预</a:t>
+            </a:r>
+            <a:r>
+              <a:rPr lang="zh-CN" altLang="zh-TW" dirty="0">
+                <a:latin typeface="楷体" panose="02010609060101010101" pitchFamily="49" charset="-122"/>
+                <a:ea typeface="楷体" panose="02010609060101010101" pitchFamily="49" charset="-122"/>
+                <a:cs typeface="Times New Roman" panose="02020603050405020304" pitchFamily="18" charset="0"/>
+              </a:rPr>
+              <a:t>训练模型对剩余的</a:t>
+            </a:r>
+            <a:r>
+              <a:rPr lang="zh-CN" altLang="zh-TW" dirty="0" smtClean="0">
+                <a:latin typeface="楷体" panose="02010609060101010101" pitchFamily="49" charset="-122"/>
+                <a:ea typeface="楷体" panose="02010609060101010101" pitchFamily="49" charset="-122"/>
+                <a:cs typeface="Times New Roman" panose="02020603050405020304" pitchFamily="18" charset="0"/>
+              </a:rPr>
+              <a:t>可能</a:t>
+            </a:r>
+            <a:r>
+              <a:rPr lang="zh-CN" altLang="en-US" dirty="0" smtClean="0">
+                <a:latin typeface="楷体" panose="02010609060101010101" pitchFamily="49" charset="-122"/>
+                <a:ea typeface="楷体" panose="02010609060101010101" pitchFamily="49" charset="-122"/>
+                <a:cs typeface="Times New Roman" panose="02020603050405020304" pitchFamily="18" charset="0"/>
+              </a:rPr>
+              <a:t>“</a:t>
+            </a:r>
+            <a:r>
+              <a:rPr lang="zh-CN" altLang="zh-TW" dirty="0" smtClean="0">
+                <a:latin typeface="楷体" panose="02010609060101010101" pitchFamily="49" charset="-122"/>
+                <a:ea typeface="楷体" panose="02010609060101010101" pitchFamily="49" charset="-122"/>
+                <a:cs typeface="Times New Roman" panose="02020603050405020304" pitchFamily="18" charset="0"/>
+              </a:rPr>
+              <a:t>症状对</a:t>
+            </a:r>
+            <a:r>
+              <a:rPr lang="zh-CN" altLang="en-US" dirty="0" smtClean="0">
+                <a:latin typeface="楷体" panose="02010609060101010101" pitchFamily="49" charset="-122"/>
+                <a:ea typeface="楷体" panose="02010609060101010101" pitchFamily="49" charset="-122"/>
+                <a:cs typeface="Times New Roman" panose="02020603050405020304" pitchFamily="18" charset="0"/>
+              </a:rPr>
+              <a:t>”</a:t>
+            </a:r>
+            <a:r>
+              <a:rPr lang="zh-CN" altLang="zh-TW" dirty="0" smtClean="0">
+                <a:latin typeface="楷体" panose="02010609060101010101" pitchFamily="49" charset="-122"/>
+                <a:ea typeface="楷体" panose="02010609060101010101" pitchFamily="49" charset="-122"/>
+                <a:cs typeface="Times New Roman" panose="02020603050405020304" pitchFamily="18" charset="0"/>
+              </a:rPr>
+              <a:t>进行</a:t>
+            </a:r>
+            <a:r>
+              <a:rPr lang="zh-CN" altLang="zh-TW" dirty="0">
+                <a:latin typeface="楷体" panose="02010609060101010101" pitchFamily="49" charset="-122"/>
+                <a:ea typeface="楷体" panose="02010609060101010101" pitchFamily="49" charset="-122"/>
+                <a:cs typeface="Times New Roman" panose="02020603050405020304" pitchFamily="18" charset="0"/>
+              </a:rPr>
+              <a:t>评分。</a:t>
+            </a:r>
+            <a:r>
+              <a:rPr lang="zh-CN" altLang="zh-TW" dirty="0" smtClean="0">
+                <a:effectLst/>
+                <a:latin typeface="楷体" panose="02010609060101010101" pitchFamily="49" charset="-122"/>
+                <a:ea typeface="楷体" panose="02010609060101010101" pitchFamily="49" charset="-122"/>
+                <a:cs typeface="Times New Roman" panose="02020603050405020304" pitchFamily="18" charset="0"/>
+              </a:rPr>
+              <a:t> </a:t>
+            </a:r>
+            <a:endParaRPr lang="en-US" altLang="zh-CN" dirty="0">
+              <a:latin typeface="楷体" panose="02010609060101010101" pitchFamily="49" charset="-122"/>
+              <a:ea typeface="楷体" panose="02010609060101010101" pitchFamily="49" charset="-122"/>
               <a:cs typeface="Times New Roman" panose="02020603050405020304" pitchFamily="18" charset="0"/>
             </a:endParaRPr>
           </a:p>
           <a:p>
-            <a:pPr>
-              <a:spcAft>
-                <a:spcPts val="0"/>
-              </a:spcAft>
+            <a:pPr marL="800100" lvl="1" indent="-342900">
+              <a:buFont typeface="+mj-lt"/>
+              <a:buAutoNum type="arabicPeriod"/>
             </a:pPr>
             <a:r>
-              <a:rPr lang="zh-CN" altLang="zh-TW" kern="100" dirty="0" smtClean="0">
-                <a:latin typeface="Calibri" panose="020F0502020204030204" pitchFamily="34" charset="0"/>
-                <a:cs typeface="Times New Roman" panose="02020603050405020304" pitchFamily="18" charset="0"/>
-              </a:rPr>
-              <a:t>仅</a:t>
-            </a:r>
-            <a:r>
-              <a:rPr lang="zh-CN" altLang="zh-TW" kern="100" dirty="0">
-                <a:latin typeface="Calibri" panose="020F0502020204030204" pitchFamily="34" charset="0"/>
-                <a:cs typeface="Times New Roman" panose="02020603050405020304" pitchFamily="18" charset="0"/>
-              </a:rPr>
-              <a:t>包括与成人精神病理学相关的症状</a:t>
-            </a:r>
-            <a:r>
-              <a:rPr lang="zh-CN" altLang="zh-TW" kern="100" dirty="0" smtClean="0">
-                <a:latin typeface="Calibri" panose="020F0502020204030204" pitchFamily="34" charset="0"/>
-                <a:cs typeface="Times New Roman" panose="02020603050405020304" pitchFamily="18" charset="0"/>
-              </a:rPr>
-              <a:t>。</a:t>
-            </a:r>
-            <a:endParaRPr lang="en-US" altLang="zh-CN" kern="100" dirty="0" smtClean="0">
-              <a:latin typeface="Calibri" panose="020F0502020204030204" pitchFamily="34" charset="0"/>
+              <a:rPr lang="zh-CN" altLang="zh-TW" dirty="0" smtClean="0">
+                <a:latin typeface="楷体" panose="02010609060101010101" pitchFamily="49" charset="-122"/>
+                <a:ea typeface="楷体" panose="02010609060101010101" pitchFamily="49" charset="-122"/>
+                <a:cs typeface="Times New Roman" panose="02020603050405020304" pitchFamily="18" charset="0"/>
+              </a:rPr>
+              <a:t>使用</a:t>
+            </a:r>
+            <a:r>
+              <a:rPr lang="zh-CN" altLang="zh-TW" dirty="0">
+                <a:latin typeface="楷体" panose="02010609060101010101" pitchFamily="49" charset="-122"/>
+                <a:ea typeface="楷体" panose="02010609060101010101" pitchFamily="49" charset="-122"/>
+                <a:cs typeface="Times New Roman" panose="02020603050405020304" pitchFamily="18" charset="0"/>
+              </a:rPr>
+              <a:t>五重交叉验证框架来评估模型的性能。</a:t>
+            </a:r>
+            <a:r>
+              <a:rPr lang="zh-CN" altLang="zh-TW" dirty="0" smtClean="0">
+                <a:effectLst/>
+                <a:latin typeface="楷体" panose="02010609060101010101" pitchFamily="49" charset="-122"/>
+                <a:ea typeface="楷体" panose="02010609060101010101" pitchFamily="49" charset="-122"/>
+                <a:cs typeface="Times New Roman" panose="02020603050405020304" pitchFamily="18" charset="0"/>
+              </a:rPr>
+              <a:t> </a:t>
+            </a:r>
+            <a:endParaRPr lang="en-US" altLang="zh-CN" dirty="0" smtClean="0">
+              <a:effectLst/>
+              <a:latin typeface="楷体" panose="02010609060101010101" pitchFamily="49" charset="-122"/>
+              <a:ea typeface="楷体" panose="02010609060101010101" pitchFamily="49" charset="-122"/>
               <a:cs typeface="Times New Roman" panose="02020603050405020304" pitchFamily="18" charset="0"/>
             </a:endParaRPr>
           </a:p>
           <a:p>
-            <a:pPr>
-              <a:spcAft>
-                <a:spcPts val="0"/>
-              </a:spcAft>
+            <a:pPr marL="1200150" lvl="2" indent="-285750">
+              <a:buFont typeface="Wingdings" panose="05000000000000000000" pitchFamily="2" charset="2"/>
+              <a:buChar char="ü"/>
             </a:pPr>
             <a:r>
-              <a:rPr lang="zh-CN" altLang="zh-TW" kern="100" dirty="0" smtClean="0">
-                <a:latin typeface="Calibri" panose="020F0502020204030204" pitchFamily="34" charset="0"/>
-                <a:cs typeface="Times New Roman" panose="02020603050405020304" pitchFamily="18" charset="0"/>
-              </a:rPr>
-              <a:t> </a:t>
-            </a:r>
-            <a:r>
-              <a:rPr lang="zh-CN" altLang="zh-TW" kern="100" dirty="0">
-                <a:latin typeface="Calibri" panose="020F0502020204030204" pitchFamily="34" charset="0"/>
-                <a:cs typeface="Times New Roman" panose="02020603050405020304" pitchFamily="18" charset="0"/>
-              </a:rPr>
-              <a:t>将症状与其原因和后果以及有关症状发作、持续时间、频率和严重程度的描述性信息分开。 </a:t>
-            </a:r>
-            <a:endParaRPr lang="en-US" altLang="zh-CN" kern="100" dirty="0" smtClean="0">
-              <a:latin typeface="Calibri" panose="020F0502020204030204" pitchFamily="34" charset="0"/>
+              <a:rPr lang="zh-CN" altLang="en-US" i="1" dirty="0" smtClean="0">
+                <a:latin typeface="楷体" panose="02010609060101010101" pitchFamily="49" charset="-122"/>
+                <a:ea typeface="楷体" panose="02010609060101010101" pitchFamily="49" charset="-122"/>
+              </a:rPr>
+              <a:t>将</a:t>
+            </a:r>
+            <a:r>
+              <a:rPr lang="zh-CN" altLang="en-US" i="1" dirty="0">
+                <a:latin typeface="楷体" panose="02010609060101010101" pitchFamily="49" charset="-122"/>
+                <a:ea typeface="楷体" panose="02010609060101010101" pitchFamily="49" charset="-122"/>
+              </a:rPr>
+              <a:t>数据集划分为五个等分，每次将其中四个作为训练集，一个作为验证集，进行五次模型训练和验证，以评估模型的</a:t>
+            </a:r>
+            <a:r>
+              <a:rPr lang="zh-CN" altLang="en-US" i="1" dirty="0" smtClean="0">
+                <a:latin typeface="楷体" panose="02010609060101010101" pitchFamily="49" charset="-122"/>
+                <a:ea typeface="楷体" panose="02010609060101010101" pitchFamily="49" charset="-122"/>
+              </a:rPr>
+              <a:t>性能</a:t>
+            </a:r>
+            <a:endParaRPr lang="en-US" altLang="zh-CN" i="1" dirty="0" smtClean="0">
+              <a:latin typeface="楷体" panose="02010609060101010101" pitchFamily="49" charset="-122"/>
+              <a:ea typeface="楷体" panose="02010609060101010101" pitchFamily="49" charset="-122"/>
               <a:cs typeface="Times New Roman" panose="02020603050405020304" pitchFamily="18" charset="0"/>
             </a:endParaRPr>
           </a:p>
           <a:p>
-            <a:pPr>
-              <a:spcAft>
-                <a:spcPts val="0"/>
-              </a:spcAft>
+            <a:pPr marL="800100" lvl="1" indent="-342900">
+              <a:buFont typeface="+mj-lt"/>
+              <a:buAutoNum type="arabicPeriod"/>
             </a:pPr>
-            <a:endParaRPr lang="en-US" altLang="zh-CN" kern="100" dirty="0">
-              <a:latin typeface="Calibri" panose="020F0502020204030204" pitchFamily="34" charset="0"/>
-              <a:cs typeface="Times New Roman" panose="02020603050405020304" pitchFamily="18" charset="0"/>
-            </a:endParaRPr>
-          </a:p>
-          <a:p>
-            <a:pPr>
-              <a:spcAft>
-                <a:spcPts val="0"/>
-              </a:spcAft>
-            </a:pPr>
-            <a:r>
-              <a:rPr lang="zh-CN" altLang="en-US" kern="100" dirty="0" smtClean="0">
-                <a:latin typeface="Calibri" panose="020F0502020204030204" pitchFamily="34" charset="0"/>
-                <a:cs typeface="Times New Roman" panose="02020603050405020304" pitchFamily="18" charset="0"/>
-              </a:rPr>
-              <a:t>每个症状在一个病症的诊断标准下只出现一次</a:t>
-            </a:r>
-            <a:endParaRPr lang="zh-TW" altLang="zh-TW" kern="100" dirty="0">
+            <a:r>
+              <a:rPr lang="zh-CN" altLang="zh-TW" dirty="0" smtClean="0">
+                <a:latin typeface="楷体" panose="02010609060101010101" pitchFamily="49" charset="-122"/>
+                <a:ea typeface="楷体" panose="02010609060101010101" pitchFamily="49" charset="-122"/>
+                <a:cs typeface="Times New Roman" panose="02020603050405020304" pitchFamily="18" charset="0"/>
+              </a:rPr>
+              <a:t>两位研究人员手动检查了语义相似性得分最高的前</a:t>
+            </a:r>
+            <a:r>
+              <a:rPr lang="en-US" altLang="zh-TW" dirty="0" smtClean="0">
+                <a:effectLst/>
+                <a:latin typeface="楷体" panose="02010609060101010101" pitchFamily="49" charset="-122"/>
+                <a:ea typeface="楷体" panose="02010609060101010101" pitchFamily="49" charset="-122"/>
+                <a:cs typeface="Times New Roman" panose="02020603050405020304" pitchFamily="18" charset="0"/>
+              </a:rPr>
+              <a:t> 1000 </a:t>
+            </a:r>
+            <a:r>
+              <a:rPr lang="zh-CN" altLang="zh-TW" dirty="0" smtClean="0">
+                <a:latin typeface="楷体" panose="02010609060101010101" pitchFamily="49" charset="-122"/>
+                <a:ea typeface="楷体" panose="02010609060101010101" pitchFamily="49" charset="-122"/>
+                <a:cs typeface="Times New Roman" panose="02020603050405020304" pitchFamily="18" charset="0"/>
+              </a:rPr>
+              <a:t>对</a:t>
+            </a:r>
+            <a:r>
+              <a:rPr lang="zh-CN" altLang="en-US" dirty="0" smtClean="0">
+                <a:latin typeface="楷体" panose="02010609060101010101" pitchFamily="49" charset="-122"/>
+                <a:ea typeface="楷体" panose="02010609060101010101" pitchFamily="49" charset="-122"/>
+                <a:cs typeface="Times New Roman" panose="02020603050405020304" pitchFamily="18" charset="0"/>
+              </a:rPr>
+              <a:t>症状</a:t>
+            </a:r>
+            <a:r>
+              <a:rPr lang="zh-CN" altLang="zh-TW" dirty="0" smtClean="0">
+                <a:latin typeface="楷体" panose="02010609060101010101" pitchFamily="49" charset="-122"/>
+                <a:ea typeface="楷体" panose="02010609060101010101" pitchFamily="49" charset="-122"/>
+                <a:cs typeface="Times New Roman" panose="02020603050405020304" pitchFamily="18" charset="0"/>
+              </a:rPr>
+              <a:t>是否有其他匹配项，</a:t>
+            </a:r>
+            <a:r>
+              <a:rPr lang="zh-CN" altLang="en-US" dirty="0" smtClean="0">
+                <a:latin typeface="楷体" panose="02010609060101010101" pitchFamily="49" charset="-122"/>
+                <a:ea typeface="楷体" panose="02010609060101010101" pitchFamily="49" charset="-122"/>
+                <a:cs typeface="Times New Roman" panose="02020603050405020304" pitchFamily="18" charset="0"/>
+              </a:rPr>
+              <a:t>最终</a:t>
+            </a:r>
+            <a:r>
+              <a:rPr lang="zh-CN" altLang="zh-TW" dirty="0" smtClean="0">
+                <a:latin typeface="楷体" panose="02010609060101010101" pitchFamily="49" charset="-122"/>
+                <a:ea typeface="楷体" panose="02010609060101010101" pitchFamily="49" charset="-122"/>
+                <a:cs typeface="Times New Roman" panose="02020603050405020304" pitchFamily="18" charset="0"/>
+              </a:rPr>
+              <a:t>确定了</a:t>
+            </a:r>
+            <a:r>
+              <a:rPr lang="en-US" altLang="zh-TW" dirty="0" smtClean="0">
+                <a:effectLst/>
+                <a:latin typeface="楷体" panose="02010609060101010101" pitchFamily="49" charset="-122"/>
+                <a:ea typeface="楷体" panose="02010609060101010101" pitchFamily="49" charset="-122"/>
+                <a:cs typeface="Times New Roman" panose="02020603050405020304" pitchFamily="18" charset="0"/>
+              </a:rPr>
+              <a:t> 26 </a:t>
+            </a:r>
+            <a:r>
+              <a:rPr lang="zh-CN" altLang="zh-TW" dirty="0" smtClean="0">
+                <a:latin typeface="楷体" panose="02010609060101010101" pitchFamily="49" charset="-122"/>
+                <a:ea typeface="楷体" panose="02010609060101010101" pitchFamily="49" charset="-122"/>
+                <a:cs typeface="Times New Roman" panose="02020603050405020304" pitchFamily="18" charset="0"/>
+              </a:rPr>
+              <a:t>个新的匹配症状对</a:t>
+            </a:r>
+            <a:r>
+              <a:rPr lang="zh-CN" altLang="en-US" dirty="0" smtClean="0">
+                <a:latin typeface="楷体" panose="02010609060101010101" pitchFamily="49" charset="-122"/>
+                <a:ea typeface="楷体" panose="02010609060101010101" pitchFamily="49" charset="-122"/>
+                <a:cs typeface="Times New Roman" panose="02020603050405020304" pitchFamily="18" charset="0"/>
+              </a:rPr>
+              <a:t>，一共</a:t>
+            </a:r>
+            <a:r>
+              <a:rPr lang="en-US" altLang="zh-TW" dirty="0">
+                <a:latin typeface="楷体" panose="02010609060101010101" pitchFamily="49" charset="-122"/>
+                <a:ea typeface="楷体" panose="02010609060101010101" pitchFamily="49" charset="-122"/>
+                <a:cs typeface="Times New Roman" panose="02020603050405020304" pitchFamily="18" charset="0"/>
+              </a:rPr>
+              <a:t>3,096 </a:t>
+            </a:r>
+            <a:r>
+              <a:rPr lang="zh-CN" altLang="zh-TW" dirty="0">
+                <a:latin typeface="楷体" panose="02010609060101010101" pitchFamily="49" charset="-122"/>
+                <a:ea typeface="楷体" panose="02010609060101010101" pitchFamily="49" charset="-122"/>
+                <a:cs typeface="Times New Roman" panose="02020603050405020304" pitchFamily="18" charset="0"/>
+              </a:rPr>
+              <a:t>个匹配的症状对。</a:t>
+            </a:r>
+            <a:r>
+              <a:rPr lang="zh-CN" altLang="zh-TW" dirty="0" smtClean="0">
+                <a:effectLst/>
+                <a:latin typeface="楷体" panose="02010609060101010101" pitchFamily="49" charset="-122"/>
+                <a:ea typeface="楷体" panose="02010609060101010101" pitchFamily="49" charset="-122"/>
+                <a:cs typeface="Times New Roman" panose="02020603050405020304" pitchFamily="18" charset="0"/>
+              </a:rPr>
+              <a:t> </a:t>
+            </a:r>
+            <a:endParaRPr lang="en-US" altLang="zh-CN" dirty="0" smtClean="0">
               <a:effectLst/>
-              <a:latin typeface="Calibri" panose="020F0502020204030204" pitchFamily="34" charset="0"/>
-              <a:ea typeface="PMingLiU" panose="02020500000000000000" pitchFamily="18" charset="-120"/>
+              <a:latin typeface="楷体" panose="02010609060101010101" pitchFamily="49" charset="-122"/>
+              <a:ea typeface="楷体" panose="02010609060101010101" pitchFamily="49" charset="-122"/>
               <a:cs typeface="Times New Roman" panose="02020603050405020304" pitchFamily="18" charset="0"/>
             </a:endParaRPr>
           </a:p>
@@ -9386,13 +11421,20 @@
     </p:spTree>
     <p:extLst>
       <p:ext uri="{BB962C8B-B14F-4D97-AF65-F5344CB8AC3E}">
-        <p14:creationId xmlns:p14="http://schemas.microsoft.com/office/powerpoint/2010/main" val="2631676458"/>
+        <p14:creationId xmlns:p14="http://schemas.microsoft.com/office/powerpoint/2010/main" val="2038681159"/>
       </p:ext>
     </p:extLst>
   </p:cSld>
   <p:clrMapOvr>
     <a:masterClrMapping/>
   </p:clrMapOvr>
+  <p:timing>
+    <p:tnLst>
+      <p:par>
+        <p:cTn id="1" dur="indefinite" restart="never" nodeType="tmRoot"/>
+      </p:par>
+    </p:tnLst>
+  </p:timing>
 </p:sld>
 </file>
 

--- a/230518_DSM5/Forbes_2023_psyarxiv.pptx
+++ b/230518_DSM5/Forbes_2023_psyarxiv.pptx
@@ -5,7 +5,7 @@
     <p:sldMasterId id="2147483648" r:id="rId1"/>
   </p:sldMasterIdLst>
   <p:notesMasterIdLst>
-    <p:notesMasterId r:id="rId20"/>
+    <p:notesMasterId r:id="rId28"/>
   </p:notesMasterIdLst>
   <p:sldIdLst>
     <p:sldId id="273" r:id="rId2"/>
@@ -17,15 +17,23 @@
     <p:sldId id="279" r:id="rId8"/>
     <p:sldId id="280" r:id="rId9"/>
     <p:sldId id="281" r:id="rId10"/>
-    <p:sldId id="264" r:id="rId11"/>
-    <p:sldId id="265" r:id="rId12"/>
-    <p:sldId id="266" r:id="rId13"/>
-    <p:sldId id="267" r:id="rId14"/>
-    <p:sldId id="268" r:id="rId15"/>
-    <p:sldId id="269" r:id="rId16"/>
-    <p:sldId id="270" r:id="rId17"/>
-    <p:sldId id="271" r:id="rId18"/>
-    <p:sldId id="272" r:id="rId19"/>
+    <p:sldId id="282" r:id="rId11"/>
+    <p:sldId id="293" r:id="rId12"/>
+    <p:sldId id="283" r:id="rId13"/>
+    <p:sldId id="285" r:id="rId14"/>
+    <p:sldId id="286" r:id="rId15"/>
+    <p:sldId id="287" r:id="rId16"/>
+    <p:sldId id="288" r:id="rId17"/>
+    <p:sldId id="289" r:id="rId18"/>
+    <p:sldId id="290" r:id="rId19"/>
+    <p:sldId id="291" r:id="rId20"/>
+    <p:sldId id="292" r:id="rId21"/>
+    <p:sldId id="267" r:id="rId22"/>
+    <p:sldId id="268" r:id="rId23"/>
+    <p:sldId id="269" r:id="rId24"/>
+    <p:sldId id="270" r:id="rId25"/>
+    <p:sldId id="271" r:id="rId26"/>
+    <p:sldId id="272" r:id="rId27"/>
   </p:sldIdLst>
   <p:sldSz cx="12192000" cy="6858000"/>
   <p:notesSz cx="6858000" cy="9144000"/>
@@ -225,7 +233,7 @@
           <a:p>
             <a:fld id="{E0AE7F40-4800-4EE0-BD5C-BBB3576030C4}" type="datetimeFigureOut">
               <a:rPr lang="zh-TW" altLang="en-US" smtClean="0"/>
-              <a:t>2023/4/5</a:t>
+              <a:t>2023/4/8</a:t>
             </a:fld>
             <a:endParaRPr lang="zh-TW" altLang="en-US"/>
           </a:p>
@@ -693,6 +701,883 @@
 </p:notes>
 </file>
 
+<file path=ppt/notesSlides/notesSlide10.xml><?xml version="1.0" encoding="utf-8"?>
+<p:notes xmlns:a="http://schemas.openxmlformats.org/drawingml/2006/main" xmlns:r="http://schemas.openxmlformats.org/officeDocument/2006/relationships" xmlns:p="http://schemas.openxmlformats.org/presentationml/2006/main">
+  <p:cSld>
+    <p:spTree>
+      <p:nvGrpSpPr>
+        <p:cNvPr id="1" name=""/>
+        <p:cNvGrpSpPr/>
+        <p:nvPr/>
+      </p:nvGrpSpPr>
+      <p:grpSpPr>
+        <a:xfrm>
+          <a:off x="0" y="0"/>
+          <a:ext cx="0" cy="0"/>
+          <a:chOff x="0" y="0"/>
+          <a:chExt cx="0" cy="0"/>
+        </a:xfrm>
+      </p:grpSpPr>
+      <p:sp>
+        <p:nvSpPr>
+          <p:cNvPr id="2" name="幻灯片图像占位符 1"/>
+          <p:cNvSpPr>
+            <a:spLocks noGrp="1" noRot="1" noChangeAspect="1"/>
+          </p:cNvSpPr>
+          <p:nvPr>
+            <p:ph type="sldImg"/>
+          </p:nvPr>
+        </p:nvSpPr>
+        <p:spPr/>
+      </p:sp>
+      <p:sp>
+        <p:nvSpPr>
+          <p:cNvPr id="3" name="备注占位符 2"/>
+          <p:cNvSpPr>
+            <a:spLocks noGrp="1"/>
+          </p:cNvSpPr>
+          <p:nvPr>
+            <p:ph type="body" idx="1"/>
+          </p:nvPr>
+        </p:nvSpPr>
+        <p:spPr/>
+        <p:txBody>
+          <a:bodyPr/>
+          <a:lstStyle/>
+          <a:p>
+            <a:r>
+              <a:rPr lang="zh-CN" altLang="en-US" smtClean="0"/>
+              <a:t>每一同心圆代表一个诊断标准，不同的同心圆用不同深浅的颜色标注</a:t>
+            </a:r>
+            <a:endParaRPr lang="en-US" altLang="zh-CN" smtClean="0"/>
+          </a:p>
+          <a:p>
+            <a:endParaRPr lang="en-US" altLang="zh-CN" smtClean="0"/>
+          </a:p>
+          <a:p>
+            <a:r>
+              <a:rPr lang="zh-CN" altLang="en-US" smtClean="0"/>
+              <a:t>整个图代表一类疾病的诊断标准</a:t>
+            </a:r>
+            <a:endParaRPr lang="en-US" altLang="zh-CN" smtClean="0"/>
+          </a:p>
+          <a:p>
+            <a:endParaRPr lang="en-US" altLang="zh-TW" smtClean="0"/>
+          </a:p>
+          <a:p>
+            <a:r>
+              <a:rPr lang="zh-CN" altLang="en-US" smtClean="0"/>
+              <a:t>每一条线代表一个症状</a:t>
+            </a:r>
+            <a:endParaRPr lang="en-US" altLang="zh-CN" smtClean="0"/>
+          </a:p>
+          <a:p>
+            <a:endParaRPr lang="en-US" altLang="zh-TW" smtClean="0"/>
+          </a:p>
+          <a:p>
+            <a:r>
+              <a:rPr lang="zh-CN" altLang="en-US" smtClean="0"/>
+              <a:t>如果一个症状在多个诊断标准上出现，那么当一条线穿越多个同心圆时，交点处就会被标为实心</a:t>
+            </a:r>
+            <a:endParaRPr lang="en-US" altLang="zh-CN" smtClean="0"/>
+          </a:p>
+          <a:p>
+            <a:r>
+              <a:rPr lang="zh-CN" altLang="en-US" smtClean="0"/>
+              <a:t>如果一个症状只在一个诊断标准上出现，那么当这条线穿越多个同心圆时，只有一个交点会出现一个圆圈，并且是空心圆。</a:t>
+            </a:r>
+            <a:endParaRPr lang="zh-TW" altLang="en-US" dirty="0"/>
+          </a:p>
+        </p:txBody>
+      </p:sp>
+      <p:sp>
+        <p:nvSpPr>
+          <p:cNvPr id="4" name="灯片编号占位符 3"/>
+          <p:cNvSpPr>
+            <a:spLocks noGrp="1"/>
+          </p:cNvSpPr>
+          <p:nvPr>
+            <p:ph type="sldNum" sz="quarter" idx="10"/>
+          </p:nvPr>
+        </p:nvSpPr>
+        <p:spPr/>
+        <p:txBody>
+          <a:bodyPr/>
+          <a:lstStyle/>
+          <a:p>
+            <a:fld id="{5BED1A70-94FB-4B8C-B566-753D0875AD3F}" type="slidenum">
+              <a:rPr lang="zh-TW" altLang="en-US" smtClean="0"/>
+              <a:t>13</a:t>
+            </a:fld>
+            <a:endParaRPr lang="zh-TW" altLang="en-US"/>
+          </a:p>
+        </p:txBody>
+      </p:sp>
+    </p:spTree>
+    <p:extLst>
+      <p:ext uri="{BB962C8B-B14F-4D97-AF65-F5344CB8AC3E}">
+        <p14:creationId xmlns:p14="http://schemas.microsoft.com/office/powerpoint/2010/main" val="1963807523"/>
+      </p:ext>
+    </p:extLst>
+  </p:cSld>
+  <p:clrMapOvr>
+    <a:masterClrMapping/>
+  </p:clrMapOvr>
+</p:notes>
+</file>
+
+<file path=ppt/notesSlides/notesSlide11.xml><?xml version="1.0" encoding="utf-8"?>
+<p:notes xmlns:a="http://schemas.openxmlformats.org/drawingml/2006/main" xmlns:r="http://schemas.openxmlformats.org/officeDocument/2006/relationships" xmlns:p="http://schemas.openxmlformats.org/presentationml/2006/main">
+  <p:cSld>
+    <p:spTree>
+      <p:nvGrpSpPr>
+        <p:cNvPr id="1" name=""/>
+        <p:cNvGrpSpPr/>
+        <p:nvPr/>
+      </p:nvGrpSpPr>
+      <p:grpSpPr>
+        <a:xfrm>
+          <a:off x="0" y="0"/>
+          <a:ext cx="0" cy="0"/>
+          <a:chOff x="0" y="0"/>
+          <a:chExt cx="0" cy="0"/>
+        </a:xfrm>
+      </p:grpSpPr>
+      <p:sp>
+        <p:nvSpPr>
+          <p:cNvPr id="2" name="幻灯片图像占位符 1"/>
+          <p:cNvSpPr>
+            <a:spLocks noGrp="1" noRot="1" noChangeAspect="1"/>
+          </p:cNvSpPr>
+          <p:nvPr>
+            <p:ph type="sldImg"/>
+          </p:nvPr>
+        </p:nvSpPr>
+        <p:spPr/>
+      </p:sp>
+      <p:sp>
+        <p:nvSpPr>
+          <p:cNvPr id="3" name="备注占位符 2"/>
+          <p:cNvSpPr>
+            <a:spLocks noGrp="1"/>
+          </p:cNvSpPr>
+          <p:nvPr>
+            <p:ph type="body" idx="1"/>
+          </p:nvPr>
+        </p:nvSpPr>
+        <p:spPr/>
+        <p:txBody>
+          <a:bodyPr/>
+          <a:lstStyle/>
+          <a:p>
+            <a:r>
+              <a:rPr lang="zh-CN" altLang="en-US" smtClean="0"/>
+              <a:t>每一同心圆代表一个诊断标准，不同的同心圆用不同深浅的颜色标注</a:t>
+            </a:r>
+            <a:endParaRPr lang="en-US" altLang="zh-CN" smtClean="0"/>
+          </a:p>
+          <a:p>
+            <a:endParaRPr lang="en-US" altLang="zh-CN" smtClean="0"/>
+          </a:p>
+          <a:p>
+            <a:r>
+              <a:rPr lang="zh-CN" altLang="en-US" smtClean="0"/>
+              <a:t>整个图代表一类疾病的诊断标准</a:t>
+            </a:r>
+            <a:endParaRPr lang="en-US" altLang="zh-CN" smtClean="0"/>
+          </a:p>
+          <a:p>
+            <a:endParaRPr lang="en-US" altLang="zh-TW" smtClean="0"/>
+          </a:p>
+          <a:p>
+            <a:r>
+              <a:rPr lang="zh-CN" altLang="en-US" smtClean="0"/>
+              <a:t>每一条线代表一个症状</a:t>
+            </a:r>
+            <a:endParaRPr lang="en-US" altLang="zh-CN" smtClean="0"/>
+          </a:p>
+          <a:p>
+            <a:endParaRPr lang="en-US" altLang="zh-TW" smtClean="0"/>
+          </a:p>
+          <a:p>
+            <a:r>
+              <a:rPr lang="zh-CN" altLang="en-US" smtClean="0"/>
+              <a:t>如果一个症状在多个诊断标准上出现，那么当一条线穿越多个同心圆时，交点处就会被标为实心</a:t>
+            </a:r>
+            <a:endParaRPr lang="en-US" altLang="zh-CN" smtClean="0"/>
+          </a:p>
+          <a:p>
+            <a:r>
+              <a:rPr lang="zh-CN" altLang="en-US" smtClean="0"/>
+              <a:t>如果一个症状只在一个诊断标准上出现，那么当这条线穿越多个同心圆时，只有一个交点会出现一个圆圈，并且是空心圆。</a:t>
+            </a:r>
+            <a:endParaRPr lang="zh-TW" altLang="en-US" dirty="0"/>
+          </a:p>
+        </p:txBody>
+      </p:sp>
+      <p:sp>
+        <p:nvSpPr>
+          <p:cNvPr id="4" name="灯片编号占位符 3"/>
+          <p:cNvSpPr>
+            <a:spLocks noGrp="1"/>
+          </p:cNvSpPr>
+          <p:nvPr>
+            <p:ph type="sldNum" sz="quarter" idx="10"/>
+          </p:nvPr>
+        </p:nvSpPr>
+        <p:spPr/>
+        <p:txBody>
+          <a:bodyPr/>
+          <a:lstStyle/>
+          <a:p>
+            <a:fld id="{5BED1A70-94FB-4B8C-B566-753D0875AD3F}" type="slidenum">
+              <a:rPr lang="zh-TW" altLang="en-US" smtClean="0"/>
+              <a:t>14</a:t>
+            </a:fld>
+            <a:endParaRPr lang="zh-TW" altLang="en-US"/>
+          </a:p>
+        </p:txBody>
+      </p:sp>
+    </p:spTree>
+    <p:extLst>
+      <p:ext uri="{BB962C8B-B14F-4D97-AF65-F5344CB8AC3E}">
+        <p14:creationId xmlns:p14="http://schemas.microsoft.com/office/powerpoint/2010/main" val="465298106"/>
+      </p:ext>
+    </p:extLst>
+  </p:cSld>
+  <p:clrMapOvr>
+    <a:masterClrMapping/>
+  </p:clrMapOvr>
+</p:notes>
+</file>
+
+<file path=ppt/notesSlides/notesSlide12.xml><?xml version="1.0" encoding="utf-8"?>
+<p:notes xmlns:a="http://schemas.openxmlformats.org/drawingml/2006/main" xmlns:r="http://schemas.openxmlformats.org/officeDocument/2006/relationships" xmlns:p="http://schemas.openxmlformats.org/presentationml/2006/main">
+  <p:cSld>
+    <p:spTree>
+      <p:nvGrpSpPr>
+        <p:cNvPr id="1" name=""/>
+        <p:cNvGrpSpPr/>
+        <p:nvPr/>
+      </p:nvGrpSpPr>
+      <p:grpSpPr>
+        <a:xfrm>
+          <a:off x="0" y="0"/>
+          <a:ext cx="0" cy="0"/>
+          <a:chOff x="0" y="0"/>
+          <a:chExt cx="0" cy="0"/>
+        </a:xfrm>
+      </p:grpSpPr>
+      <p:sp>
+        <p:nvSpPr>
+          <p:cNvPr id="2" name="幻灯片图像占位符 1"/>
+          <p:cNvSpPr>
+            <a:spLocks noGrp="1" noRot="1" noChangeAspect="1"/>
+          </p:cNvSpPr>
+          <p:nvPr>
+            <p:ph type="sldImg"/>
+          </p:nvPr>
+        </p:nvSpPr>
+        <p:spPr/>
+      </p:sp>
+      <p:sp>
+        <p:nvSpPr>
+          <p:cNvPr id="3" name="备注占位符 2"/>
+          <p:cNvSpPr>
+            <a:spLocks noGrp="1"/>
+          </p:cNvSpPr>
+          <p:nvPr>
+            <p:ph type="body" idx="1"/>
+          </p:nvPr>
+        </p:nvSpPr>
+        <p:spPr/>
+        <p:txBody>
+          <a:bodyPr/>
+          <a:lstStyle/>
+          <a:p>
+            <a:r>
+              <a:rPr lang="zh-CN" altLang="en-US" smtClean="0"/>
+              <a:t>每一同心圆代表一个诊断标准，不同的同心圆用不同深浅的颜色标注</a:t>
+            </a:r>
+            <a:endParaRPr lang="en-US" altLang="zh-CN" smtClean="0"/>
+          </a:p>
+          <a:p>
+            <a:endParaRPr lang="en-US" altLang="zh-CN" smtClean="0"/>
+          </a:p>
+          <a:p>
+            <a:r>
+              <a:rPr lang="zh-CN" altLang="en-US" smtClean="0"/>
+              <a:t>整个图代表一类疾病的诊断标准</a:t>
+            </a:r>
+            <a:endParaRPr lang="en-US" altLang="zh-CN" smtClean="0"/>
+          </a:p>
+          <a:p>
+            <a:endParaRPr lang="en-US" altLang="zh-TW" smtClean="0"/>
+          </a:p>
+          <a:p>
+            <a:r>
+              <a:rPr lang="zh-CN" altLang="en-US" smtClean="0"/>
+              <a:t>每一条线代表一个症状</a:t>
+            </a:r>
+            <a:endParaRPr lang="en-US" altLang="zh-CN" smtClean="0"/>
+          </a:p>
+          <a:p>
+            <a:endParaRPr lang="en-US" altLang="zh-TW" smtClean="0"/>
+          </a:p>
+          <a:p>
+            <a:r>
+              <a:rPr lang="zh-CN" altLang="en-US" smtClean="0"/>
+              <a:t>如果一个症状在多个诊断标准上出现，那么当一条线穿越多个同心圆时，交点处就会被标为实心</a:t>
+            </a:r>
+            <a:endParaRPr lang="en-US" altLang="zh-CN" smtClean="0"/>
+          </a:p>
+          <a:p>
+            <a:r>
+              <a:rPr lang="zh-CN" altLang="en-US" smtClean="0"/>
+              <a:t>如果一个症状只在一个诊断标准上出现，那么当这条线穿越多个同心圆时，只有一个交点会出现一个圆圈，并且是空心圆。</a:t>
+            </a:r>
+            <a:endParaRPr lang="zh-TW" altLang="en-US" dirty="0"/>
+          </a:p>
+        </p:txBody>
+      </p:sp>
+      <p:sp>
+        <p:nvSpPr>
+          <p:cNvPr id="4" name="灯片编号占位符 3"/>
+          <p:cNvSpPr>
+            <a:spLocks noGrp="1"/>
+          </p:cNvSpPr>
+          <p:nvPr>
+            <p:ph type="sldNum" sz="quarter" idx="10"/>
+          </p:nvPr>
+        </p:nvSpPr>
+        <p:spPr/>
+        <p:txBody>
+          <a:bodyPr/>
+          <a:lstStyle/>
+          <a:p>
+            <a:fld id="{5BED1A70-94FB-4B8C-B566-753D0875AD3F}" type="slidenum">
+              <a:rPr lang="zh-TW" altLang="en-US" smtClean="0"/>
+              <a:t>15</a:t>
+            </a:fld>
+            <a:endParaRPr lang="zh-TW" altLang="en-US"/>
+          </a:p>
+        </p:txBody>
+      </p:sp>
+    </p:spTree>
+    <p:extLst>
+      <p:ext uri="{BB962C8B-B14F-4D97-AF65-F5344CB8AC3E}">
+        <p14:creationId xmlns:p14="http://schemas.microsoft.com/office/powerpoint/2010/main" val="4140884488"/>
+      </p:ext>
+    </p:extLst>
+  </p:cSld>
+  <p:clrMapOvr>
+    <a:masterClrMapping/>
+  </p:clrMapOvr>
+</p:notes>
+</file>
+
+<file path=ppt/notesSlides/notesSlide13.xml><?xml version="1.0" encoding="utf-8"?>
+<p:notes xmlns:a="http://schemas.openxmlformats.org/drawingml/2006/main" xmlns:r="http://schemas.openxmlformats.org/officeDocument/2006/relationships" xmlns:p="http://schemas.openxmlformats.org/presentationml/2006/main">
+  <p:cSld>
+    <p:spTree>
+      <p:nvGrpSpPr>
+        <p:cNvPr id="1" name=""/>
+        <p:cNvGrpSpPr/>
+        <p:nvPr/>
+      </p:nvGrpSpPr>
+      <p:grpSpPr>
+        <a:xfrm>
+          <a:off x="0" y="0"/>
+          <a:ext cx="0" cy="0"/>
+          <a:chOff x="0" y="0"/>
+          <a:chExt cx="0" cy="0"/>
+        </a:xfrm>
+      </p:grpSpPr>
+      <p:sp>
+        <p:nvSpPr>
+          <p:cNvPr id="2" name="幻灯片图像占位符 1"/>
+          <p:cNvSpPr>
+            <a:spLocks noGrp="1" noRot="1" noChangeAspect="1"/>
+          </p:cNvSpPr>
+          <p:nvPr>
+            <p:ph type="sldImg"/>
+          </p:nvPr>
+        </p:nvSpPr>
+        <p:spPr/>
+      </p:sp>
+      <p:sp>
+        <p:nvSpPr>
+          <p:cNvPr id="3" name="备注占位符 2"/>
+          <p:cNvSpPr>
+            <a:spLocks noGrp="1"/>
+          </p:cNvSpPr>
+          <p:nvPr>
+            <p:ph type="body" idx="1"/>
+          </p:nvPr>
+        </p:nvSpPr>
+        <p:spPr/>
+        <p:txBody>
+          <a:bodyPr/>
+          <a:lstStyle/>
+          <a:p>
+            <a:r>
+              <a:rPr lang="zh-CN" altLang="en-US" smtClean="0"/>
+              <a:t>每一同心圆代表一个诊断标准，不同的同心圆用不同深浅的颜色标注</a:t>
+            </a:r>
+            <a:endParaRPr lang="en-US" altLang="zh-CN" smtClean="0"/>
+          </a:p>
+          <a:p>
+            <a:endParaRPr lang="en-US" altLang="zh-CN" smtClean="0"/>
+          </a:p>
+          <a:p>
+            <a:r>
+              <a:rPr lang="zh-CN" altLang="en-US" smtClean="0"/>
+              <a:t>整个图代表一类疾病的诊断标准</a:t>
+            </a:r>
+            <a:endParaRPr lang="en-US" altLang="zh-CN" smtClean="0"/>
+          </a:p>
+          <a:p>
+            <a:endParaRPr lang="en-US" altLang="zh-TW" smtClean="0"/>
+          </a:p>
+          <a:p>
+            <a:r>
+              <a:rPr lang="zh-CN" altLang="en-US" smtClean="0"/>
+              <a:t>每一条线代表一个症状</a:t>
+            </a:r>
+            <a:endParaRPr lang="en-US" altLang="zh-CN" smtClean="0"/>
+          </a:p>
+          <a:p>
+            <a:endParaRPr lang="en-US" altLang="zh-TW" smtClean="0"/>
+          </a:p>
+          <a:p>
+            <a:r>
+              <a:rPr lang="zh-CN" altLang="en-US" smtClean="0"/>
+              <a:t>如果一个症状在多个诊断标准上出现，那么当一条线穿越多个同心圆时，交点处就会被标为实心</a:t>
+            </a:r>
+            <a:endParaRPr lang="en-US" altLang="zh-CN" smtClean="0"/>
+          </a:p>
+          <a:p>
+            <a:r>
+              <a:rPr lang="zh-CN" altLang="en-US" smtClean="0"/>
+              <a:t>如果一个症状只在一个诊断标准上出现，那么当这条线穿越多个同心圆时，只有一个交点会出现一个圆圈，并且是空心圆。</a:t>
+            </a:r>
+            <a:endParaRPr lang="zh-TW" altLang="en-US" dirty="0"/>
+          </a:p>
+        </p:txBody>
+      </p:sp>
+      <p:sp>
+        <p:nvSpPr>
+          <p:cNvPr id="4" name="灯片编号占位符 3"/>
+          <p:cNvSpPr>
+            <a:spLocks noGrp="1"/>
+          </p:cNvSpPr>
+          <p:nvPr>
+            <p:ph type="sldNum" sz="quarter" idx="10"/>
+          </p:nvPr>
+        </p:nvSpPr>
+        <p:spPr/>
+        <p:txBody>
+          <a:bodyPr/>
+          <a:lstStyle/>
+          <a:p>
+            <a:fld id="{5BED1A70-94FB-4B8C-B566-753D0875AD3F}" type="slidenum">
+              <a:rPr lang="zh-TW" altLang="en-US" smtClean="0"/>
+              <a:t>16</a:t>
+            </a:fld>
+            <a:endParaRPr lang="zh-TW" altLang="en-US"/>
+          </a:p>
+        </p:txBody>
+      </p:sp>
+    </p:spTree>
+    <p:extLst>
+      <p:ext uri="{BB962C8B-B14F-4D97-AF65-F5344CB8AC3E}">
+        <p14:creationId xmlns:p14="http://schemas.microsoft.com/office/powerpoint/2010/main" val="3653311716"/>
+      </p:ext>
+    </p:extLst>
+  </p:cSld>
+  <p:clrMapOvr>
+    <a:masterClrMapping/>
+  </p:clrMapOvr>
+</p:notes>
+</file>
+
+<file path=ppt/notesSlides/notesSlide14.xml><?xml version="1.0" encoding="utf-8"?>
+<p:notes xmlns:a="http://schemas.openxmlformats.org/drawingml/2006/main" xmlns:r="http://schemas.openxmlformats.org/officeDocument/2006/relationships" xmlns:p="http://schemas.openxmlformats.org/presentationml/2006/main">
+  <p:cSld>
+    <p:spTree>
+      <p:nvGrpSpPr>
+        <p:cNvPr id="1" name=""/>
+        <p:cNvGrpSpPr/>
+        <p:nvPr/>
+      </p:nvGrpSpPr>
+      <p:grpSpPr>
+        <a:xfrm>
+          <a:off x="0" y="0"/>
+          <a:ext cx="0" cy="0"/>
+          <a:chOff x="0" y="0"/>
+          <a:chExt cx="0" cy="0"/>
+        </a:xfrm>
+      </p:grpSpPr>
+      <p:sp>
+        <p:nvSpPr>
+          <p:cNvPr id="2" name="幻灯片图像占位符 1"/>
+          <p:cNvSpPr>
+            <a:spLocks noGrp="1" noRot="1" noChangeAspect="1"/>
+          </p:cNvSpPr>
+          <p:nvPr>
+            <p:ph type="sldImg"/>
+          </p:nvPr>
+        </p:nvSpPr>
+        <p:spPr/>
+      </p:sp>
+      <p:sp>
+        <p:nvSpPr>
+          <p:cNvPr id="3" name="备注占位符 2"/>
+          <p:cNvSpPr>
+            <a:spLocks noGrp="1"/>
+          </p:cNvSpPr>
+          <p:nvPr>
+            <p:ph type="body" idx="1"/>
+          </p:nvPr>
+        </p:nvSpPr>
+        <p:spPr/>
+        <p:txBody>
+          <a:bodyPr/>
+          <a:lstStyle/>
+          <a:p>
+            <a:r>
+              <a:rPr lang="zh-CN" altLang="en-US" smtClean="0"/>
+              <a:t>每一同心圆代表一个诊断标准，不同的同心圆用不同深浅的颜色标注</a:t>
+            </a:r>
+            <a:endParaRPr lang="en-US" altLang="zh-CN" smtClean="0"/>
+          </a:p>
+          <a:p>
+            <a:endParaRPr lang="en-US" altLang="zh-CN" smtClean="0"/>
+          </a:p>
+          <a:p>
+            <a:r>
+              <a:rPr lang="zh-CN" altLang="en-US" smtClean="0"/>
+              <a:t>整个图代表一类疾病的诊断标准</a:t>
+            </a:r>
+            <a:endParaRPr lang="en-US" altLang="zh-CN" smtClean="0"/>
+          </a:p>
+          <a:p>
+            <a:endParaRPr lang="en-US" altLang="zh-TW" smtClean="0"/>
+          </a:p>
+          <a:p>
+            <a:r>
+              <a:rPr lang="zh-CN" altLang="en-US" smtClean="0"/>
+              <a:t>每一条线代表一个症状</a:t>
+            </a:r>
+            <a:endParaRPr lang="en-US" altLang="zh-CN" smtClean="0"/>
+          </a:p>
+          <a:p>
+            <a:endParaRPr lang="en-US" altLang="zh-TW" smtClean="0"/>
+          </a:p>
+          <a:p>
+            <a:r>
+              <a:rPr lang="zh-CN" altLang="en-US" smtClean="0"/>
+              <a:t>如果一个症状在多个诊断标准上出现，那么当一条线穿越多个同心圆时，交点处就会被标为实心</a:t>
+            </a:r>
+            <a:endParaRPr lang="en-US" altLang="zh-CN" smtClean="0"/>
+          </a:p>
+          <a:p>
+            <a:r>
+              <a:rPr lang="zh-CN" altLang="en-US" smtClean="0"/>
+              <a:t>如果一个症状只在一个诊断标准上出现，那么当这条线穿越多个同心圆时，只有一个交点会出现一个圆圈，并且是空心圆。</a:t>
+            </a:r>
+            <a:endParaRPr lang="zh-TW" altLang="en-US" dirty="0"/>
+          </a:p>
+        </p:txBody>
+      </p:sp>
+      <p:sp>
+        <p:nvSpPr>
+          <p:cNvPr id="4" name="灯片编号占位符 3"/>
+          <p:cNvSpPr>
+            <a:spLocks noGrp="1"/>
+          </p:cNvSpPr>
+          <p:nvPr>
+            <p:ph type="sldNum" sz="quarter" idx="10"/>
+          </p:nvPr>
+        </p:nvSpPr>
+        <p:spPr/>
+        <p:txBody>
+          <a:bodyPr/>
+          <a:lstStyle/>
+          <a:p>
+            <a:fld id="{5BED1A70-94FB-4B8C-B566-753D0875AD3F}" type="slidenum">
+              <a:rPr lang="zh-TW" altLang="en-US" smtClean="0"/>
+              <a:t>17</a:t>
+            </a:fld>
+            <a:endParaRPr lang="zh-TW" altLang="en-US"/>
+          </a:p>
+        </p:txBody>
+      </p:sp>
+    </p:spTree>
+    <p:extLst>
+      <p:ext uri="{BB962C8B-B14F-4D97-AF65-F5344CB8AC3E}">
+        <p14:creationId xmlns:p14="http://schemas.microsoft.com/office/powerpoint/2010/main" val="3745655641"/>
+      </p:ext>
+    </p:extLst>
+  </p:cSld>
+  <p:clrMapOvr>
+    <a:masterClrMapping/>
+  </p:clrMapOvr>
+</p:notes>
+</file>
+
+<file path=ppt/notesSlides/notesSlide15.xml><?xml version="1.0" encoding="utf-8"?>
+<p:notes xmlns:a="http://schemas.openxmlformats.org/drawingml/2006/main" xmlns:r="http://schemas.openxmlformats.org/officeDocument/2006/relationships" xmlns:p="http://schemas.openxmlformats.org/presentationml/2006/main">
+  <p:cSld>
+    <p:spTree>
+      <p:nvGrpSpPr>
+        <p:cNvPr id="1" name=""/>
+        <p:cNvGrpSpPr/>
+        <p:nvPr/>
+      </p:nvGrpSpPr>
+      <p:grpSpPr>
+        <a:xfrm>
+          <a:off x="0" y="0"/>
+          <a:ext cx="0" cy="0"/>
+          <a:chOff x="0" y="0"/>
+          <a:chExt cx="0" cy="0"/>
+        </a:xfrm>
+      </p:grpSpPr>
+      <p:sp>
+        <p:nvSpPr>
+          <p:cNvPr id="2" name="幻灯片图像占位符 1"/>
+          <p:cNvSpPr>
+            <a:spLocks noGrp="1" noRot="1" noChangeAspect="1"/>
+          </p:cNvSpPr>
+          <p:nvPr>
+            <p:ph type="sldImg"/>
+          </p:nvPr>
+        </p:nvSpPr>
+        <p:spPr/>
+      </p:sp>
+      <p:sp>
+        <p:nvSpPr>
+          <p:cNvPr id="3" name="备注占位符 2"/>
+          <p:cNvSpPr>
+            <a:spLocks noGrp="1"/>
+          </p:cNvSpPr>
+          <p:nvPr>
+            <p:ph type="body" idx="1"/>
+          </p:nvPr>
+        </p:nvSpPr>
+        <p:spPr/>
+        <p:txBody>
+          <a:bodyPr/>
+          <a:lstStyle/>
+          <a:p>
+            <a:endParaRPr lang="zh-TW" altLang="en-US" dirty="0"/>
+          </a:p>
+        </p:txBody>
+      </p:sp>
+      <p:sp>
+        <p:nvSpPr>
+          <p:cNvPr id="4" name="灯片编号占位符 3"/>
+          <p:cNvSpPr>
+            <a:spLocks noGrp="1"/>
+          </p:cNvSpPr>
+          <p:nvPr>
+            <p:ph type="sldNum" sz="quarter" idx="10"/>
+          </p:nvPr>
+        </p:nvSpPr>
+        <p:spPr/>
+        <p:txBody>
+          <a:bodyPr/>
+          <a:lstStyle/>
+          <a:p>
+            <a:fld id="{5BED1A70-94FB-4B8C-B566-753D0875AD3F}" type="slidenum">
+              <a:rPr lang="zh-TW" altLang="en-US" smtClean="0"/>
+              <a:t>18</a:t>
+            </a:fld>
+            <a:endParaRPr lang="zh-TW" altLang="en-US"/>
+          </a:p>
+        </p:txBody>
+      </p:sp>
+    </p:spTree>
+    <p:extLst>
+      <p:ext uri="{BB962C8B-B14F-4D97-AF65-F5344CB8AC3E}">
+        <p14:creationId xmlns:p14="http://schemas.microsoft.com/office/powerpoint/2010/main" val="2341741137"/>
+      </p:ext>
+    </p:extLst>
+  </p:cSld>
+  <p:clrMapOvr>
+    <a:masterClrMapping/>
+  </p:clrMapOvr>
+</p:notes>
+</file>
+
+<file path=ppt/notesSlides/notesSlide16.xml><?xml version="1.0" encoding="utf-8"?>
+<p:notes xmlns:a="http://schemas.openxmlformats.org/drawingml/2006/main" xmlns:r="http://schemas.openxmlformats.org/officeDocument/2006/relationships" xmlns:p="http://schemas.openxmlformats.org/presentationml/2006/main">
+  <p:cSld>
+    <p:spTree>
+      <p:nvGrpSpPr>
+        <p:cNvPr id="1" name=""/>
+        <p:cNvGrpSpPr/>
+        <p:nvPr/>
+      </p:nvGrpSpPr>
+      <p:grpSpPr>
+        <a:xfrm>
+          <a:off x="0" y="0"/>
+          <a:ext cx="0" cy="0"/>
+          <a:chOff x="0" y="0"/>
+          <a:chExt cx="0" cy="0"/>
+        </a:xfrm>
+      </p:grpSpPr>
+      <p:sp>
+        <p:nvSpPr>
+          <p:cNvPr id="2" name="幻灯片图像占位符 1"/>
+          <p:cNvSpPr>
+            <a:spLocks noGrp="1" noRot="1" noChangeAspect="1"/>
+          </p:cNvSpPr>
+          <p:nvPr>
+            <p:ph type="sldImg"/>
+          </p:nvPr>
+        </p:nvSpPr>
+        <p:spPr/>
+      </p:sp>
+      <p:sp>
+        <p:nvSpPr>
+          <p:cNvPr id="3" name="备注占位符 2"/>
+          <p:cNvSpPr>
+            <a:spLocks noGrp="1"/>
+          </p:cNvSpPr>
+          <p:nvPr>
+            <p:ph type="body" idx="1"/>
+          </p:nvPr>
+        </p:nvSpPr>
+        <p:spPr/>
+        <p:txBody>
+          <a:bodyPr/>
+          <a:lstStyle/>
+          <a:p>
+            <a:endParaRPr lang="zh-TW" altLang="en-US" dirty="0"/>
+          </a:p>
+        </p:txBody>
+      </p:sp>
+      <p:sp>
+        <p:nvSpPr>
+          <p:cNvPr id="4" name="灯片编号占位符 3"/>
+          <p:cNvSpPr>
+            <a:spLocks noGrp="1"/>
+          </p:cNvSpPr>
+          <p:nvPr>
+            <p:ph type="sldNum" sz="quarter" idx="10"/>
+          </p:nvPr>
+        </p:nvSpPr>
+        <p:spPr/>
+        <p:txBody>
+          <a:bodyPr/>
+          <a:lstStyle/>
+          <a:p>
+            <a:fld id="{5BED1A70-94FB-4B8C-B566-753D0875AD3F}" type="slidenum">
+              <a:rPr lang="zh-TW" altLang="en-US" smtClean="0"/>
+              <a:t>19</a:t>
+            </a:fld>
+            <a:endParaRPr lang="zh-TW" altLang="en-US"/>
+          </a:p>
+        </p:txBody>
+      </p:sp>
+    </p:spTree>
+    <p:extLst>
+      <p:ext uri="{BB962C8B-B14F-4D97-AF65-F5344CB8AC3E}">
+        <p14:creationId xmlns:p14="http://schemas.microsoft.com/office/powerpoint/2010/main" val="950950501"/>
+      </p:ext>
+    </p:extLst>
+  </p:cSld>
+  <p:clrMapOvr>
+    <a:masterClrMapping/>
+  </p:clrMapOvr>
+</p:notes>
+</file>
+
+<file path=ppt/notesSlides/notesSlide17.xml><?xml version="1.0" encoding="utf-8"?>
+<p:notes xmlns:a="http://schemas.openxmlformats.org/drawingml/2006/main" xmlns:r="http://schemas.openxmlformats.org/officeDocument/2006/relationships" xmlns:p="http://schemas.openxmlformats.org/presentationml/2006/main">
+  <p:cSld>
+    <p:spTree>
+      <p:nvGrpSpPr>
+        <p:cNvPr id="1" name=""/>
+        <p:cNvGrpSpPr/>
+        <p:nvPr/>
+      </p:nvGrpSpPr>
+      <p:grpSpPr>
+        <a:xfrm>
+          <a:off x="0" y="0"/>
+          <a:ext cx="0" cy="0"/>
+          <a:chOff x="0" y="0"/>
+          <a:chExt cx="0" cy="0"/>
+        </a:xfrm>
+      </p:grpSpPr>
+      <p:sp>
+        <p:nvSpPr>
+          <p:cNvPr id="2" name="幻灯片图像占位符 1"/>
+          <p:cNvSpPr>
+            <a:spLocks noGrp="1" noRot="1" noChangeAspect="1"/>
+          </p:cNvSpPr>
+          <p:nvPr>
+            <p:ph type="sldImg"/>
+          </p:nvPr>
+        </p:nvSpPr>
+        <p:spPr/>
+      </p:sp>
+      <p:sp>
+        <p:nvSpPr>
+          <p:cNvPr id="3" name="备注占位符 2"/>
+          <p:cNvSpPr>
+            <a:spLocks noGrp="1"/>
+          </p:cNvSpPr>
+          <p:nvPr>
+            <p:ph type="body" idx="1"/>
+          </p:nvPr>
+        </p:nvSpPr>
+        <p:spPr/>
+        <p:txBody>
+          <a:bodyPr/>
+          <a:lstStyle/>
+          <a:p>
+            <a:endParaRPr lang="zh-TW" altLang="en-US" dirty="0"/>
+          </a:p>
+        </p:txBody>
+      </p:sp>
+      <p:sp>
+        <p:nvSpPr>
+          <p:cNvPr id="4" name="灯片编号占位符 3"/>
+          <p:cNvSpPr>
+            <a:spLocks noGrp="1"/>
+          </p:cNvSpPr>
+          <p:nvPr>
+            <p:ph type="sldNum" sz="quarter" idx="10"/>
+          </p:nvPr>
+        </p:nvSpPr>
+        <p:spPr/>
+        <p:txBody>
+          <a:bodyPr/>
+          <a:lstStyle/>
+          <a:p>
+            <a:fld id="{5BED1A70-94FB-4B8C-B566-753D0875AD3F}" type="slidenum">
+              <a:rPr lang="zh-TW" altLang="en-US" smtClean="0"/>
+              <a:t>20</a:t>
+            </a:fld>
+            <a:endParaRPr lang="zh-TW" altLang="en-US"/>
+          </a:p>
+        </p:txBody>
+      </p:sp>
+    </p:spTree>
+    <p:extLst>
+      <p:ext uri="{BB962C8B-B14F-4D97-AF65-F5344CB8AC3E}">
+        <p14:creationId xmlns:p14="http://schemas.microsoft.com/office/powerpoint/2010/main" val="945306524"/>
+      </p:ext>
+    </p:extLst>
+  </p:cSld>
+  <p:clrMapOvr>
+    <a:masterClrMapping/>
+  </p:clrMapOvr>
+</p:notes>
+</file>
+
 <file path=ppt/notesSlides/notesSlide2.xml><?xml version="1.0" encoding="utf-8"?>
 <p:notes xmlns:a="http://schemas.openxmlformats.org/drawingml/2006/main" xmlns:r="http://schemas.openxmlformats.org/officeDocument/2006/relationships" xmlns:p="http://schemas.openxmlformats.org/presentationml/2006/main">
   <p:cSld>
@@ -1204,6 +2089,258 @@
     <p:extLst>
       <p:ext uri="{BB962C8B-B14F-4D97-AF65-F5344CB8AC3E}">
         <p14:creationId xmlns:p14="http://schemas.microsoft.com/office/powerpoint/2010/main" val="2830809007"/>
+      </p:ext>
+    </p:extLst>
+  </p:cSld>
+  <p:clrMapOvr>
+    <a:masterClrMapping/>
+  </p:clrMapOvr>
+</p:notes>
+</file>
+
+<file path=ppt/notesSlides/notesSlide7.xml><?xml version="1.0" encoding="utf-8"?>
+<p:notes xmlns:a="http://schemas.openxmlformats.org/drawingml/2006/main" xmlns:r="http://schemas.openxmlformats.org/officeDocument/2006/relationships" xmlns:p="http://schemas.openxmlformats.org/presentationml/2006/main">
+  <p:cSld>
+    <p:spTree>
+      <p:nvGrpSpPr>
+        <p:cNvPr id="1" name=""/>
+        <p:cNvGrpSpPr/>
+        <p:nvPr/>
+      </p:nvGrpSpPr>
+      <p:grpSpPr>
+        <a:xfrm>
+          <a:off x="0" y="0"/>
+          <a:ext cx="0" cy="0"/>
+          <a:chOff x="0" y="0"/>
+          <a:chExt cx="0" cy="0"/>
+        </a:xfrm>
+      </p:grpSpPr>
+      <p:sp>
+        <p:nvSpPr>
+          <p:cNvPr id="2" name="幻灯片图像占位符 1"/>
+          <p:cNvSpPr>
+            <a:spLocks noGrp="1" noRot="1" noChangeAspect="1"/>
+          </p:cNvSpPr>
+          <p:nvPr>
+            <p:ph type="sldImg"/>
+          </p:nvPr>
+        </p:nvSpPr>
+        <p:spPr/>
+      </p:sp>
+      <p:sp>
+        <p:nvSpPr>
+          <p:cNvPr id="3" name="备注占位符 2"/>
+          <p:cNvSpPr>
+            <a:spLocks noGrp="1"/>
+          </p:cNvSpPr>
+          <p:nvPr>
+            <p:ph type="body" idx="1"/>
+          </p:nvPr>
+        </p:nvSpPr>
+        <p:spPr/>
+        <p:txBody>
+          <a:bodyPr/>
+          <a:lstStyle/>
+          <a:p>
+            <a:endParaRPr lang="zh-TW" altLang="en-US" dirty="0"/>
+          </a:p>
+        </p:txBody>
+      </p:sp>
+      <p:sp>
+        <p:nvSpPr>
+          <p:cNvPr id="4" name="灯片编号占位符 3"/>
+          <p:cNvSpPr>
+            <a:spLocks noGrp="1"/>
+          </p:cNvSpPr>
+          <p:nvPr>
+            <p:ph type="sldNum" sz="quarter" idx="10"/>
+          </p:nvPr>
+        </p:nvSpPr>
+        <p:spPr/>
+        <p:txBody>
+          <a:bodyPr/>
+          <a:lstStyle/>
+          <a:p>
+            <a:fld id="{5BED1A70-94FB-4B8C-B566-753D0875AD3F}" type="slidenum">
+              <a:rPr lang="zh-TW" altLang="en-US" smtClean="0"/>
+              <a:t>10</a:t>
+            </a:fld>
+            <a:endParaRPr lang="zh-TW" altLang="en-US"/>
+          </a:p>
+        </p:txBody>
+      </p:sp>
+    </p:spTree>
+    <p:extLst>
+      <p:ext uri="{BB962C8B-B14F-4D97-AF65-F5344CB8AC3E}">
+        <p14:creationId xmlns:p14="http://schemas.microsoft.com/office/powerpoint/2010/main" val="2307357591"/>
+      </p:ext>
+    </p:extLst>
+  </p:cSld>
+  <p:clrMapOvr>
+    <a:masterClrMapping/>
+  </p:clrMapOvr>
+</p:notes>
+</file>
+
+<file path=ppt/notesSlides/notesSlide8.xml><?xml version="1.0" encoding="utf-8"?>
+<p:notes xmlns:a="http://schemas.openxmlformats.org/drawingml/2006/main" xmlns:r="http://schemas.openxmlformats.org/officeDocument/2006/relationships" xmlns:p="http://schemas.openxmlformats.org/presentationml/2006/main">
+  <p:cSld>
+    <p:spTree>
+      <p:nvGrpSpPr>
+        <p:cNvPr id="1" name=""/>
+        <p:cNvGrpSpPr/>
+        <p:nvPr/>
+      </p:nvGrpSpPr>
+      <p:grpSpPr>
+        <a:xfrm>
+          <a:off x="0" y="0"/>
+          <a:ext cx="0" cy="0"/>
+          <a:chOff x="0" y="0"/>
+          <a:chExt cx="0" cy="0"/>
+        </a:xfrm>
+      </p:grpSpPr>
+      <p:sp>
+        <p:nvSpPr>
+          <p:cNvPr id="2" name="幻灯片图像占位符 1"/>
+          <p:cNvSpPr>
+            <a:spLocks noGrp="1" noRot="1" noChangeAspect="1"/>
+          </p:cNvSpPr>
+          <p:nvPr>
+            <p:ph type="sldImg"/>
+          </p:nvPr>
+        </p:nvSpPr>
+        <p:spPr/>
+      </p:sp>
+      <p:sp>
+        <p:nvSpPr>
+          <p:cNvPr id="3" name="备注占位符 2"/>
+          <p:cNvSpPr>
+            <a:spLocks noGrp="1"/>
+          </p:cNvSpPr>
+          <p:nvPr>
+            <p:ph type="body" idx="1"/>
+          </p:nvPr>
+        </p:nvSpPr>
+        <p:spPr/>
+        <p:txBody>
+          <a:bodyPr/>
+          <a:lstStyle/>
+          <a:p>
+            <a:endParaRPr lang="zh-TW" altLang="en-US" dirty="0"/>
+          </a:p>
+        </p:txBody>
+      </p:sp>
+      <p:sp>
+        <p:nvSpPr>
+          <p:cNvPr id="4" name="灯片编号占位符 3"/>
+          <p:cNvSpPr>
+            <a:spLocks noGrp="1"/>
+          </p:cNvSpPr>
+          <p:nvPr>
+            <p:ph type="sldNum" sz="quarter" idx="10"/>
+          </p:nvPr>
+        </p:nvSpPr>
+        <p:spPr/>
+        <p:txBody>
+          <a:bodyPr/>
+          <a:lstStyle/>
+          <a:p>
+            <a:fld id="{5BED1A70-94FB-4B8C-B566-753D0875AD3F}" type="slidenum">
+              <a:rPr lang="zh-TW" altLang="en-US" smtClean="0"/>
+              <a:t>11</a:t>
+            </a:fld>
+            <a:endParaRPr lang="zh-TW" altLang="en-US"/>
+          </a:p>
+        </p:txBody>
+      </p:sp>
+    </p:spTree>
+    <p:extLst>
+      <p:ext uri="{BB962C8B-B14F-4D97-AF65-F5344CB8AC3E}">
+        <p14:creationId xmlns:p14="http://schemas.microsoft.com/office/powerpoint/2010/main" val="727905857"/>
+      </p:ext>
+    </p:extLst>
+  </p:cSld>
+  <p:clrMapOvr>
+    <a:masterClrMapping/>
+  </p:clrMapOvr>
+</p:notes>
+</file>
+
+<file path=ppt/notesSlides/notesSlide9.xml><?xml version="1.0" encoding="utf-8"?>
+<p:notes xmlns:a="http://schemas.openxmlformats.org/drawingml/2006/main" xmlns:r="http://schemas.openxmlformats.org/officeDocument/2006/relationships" xmlns:p="http://schemas.openxmlformats.org/presentationml/2006/main">
+  <p:cSld>
+    <p:spTree>
+      <p:nvGrpSpPr>
+        <p:cNvPr id="1" name=""/>
+        <p:cNvGrpSpPr/>
+        <p:nvPr/>
+      </p:nvGrpSpPr>
+      <p:grpSpPr>
+        <a:xfrm>
+          <a:off x="0" y="0"/>
+          <a:ext cx="0" cy="0"/>
+          <a:chOff x="0" y="0"/>
+          <a:chExt cx="0" cy="0"/>
+        </a:xfrm>
+      </p:grpSpPr>
+      <p:sp>
+        <p:nvSpPr>
+          <p:cNvPr id="2" name="幻灯片图像占位符 1"/>
+          <p:cNvSpPr>
+            <a:spLocks noGrp="1" noRot="1" noChangeAspect="1"/>
+          </p:cNvSpPr>
+          <p:nvPr>
+            <p:ph type="sldImg"/>
+          </p:nvPr>
+        </p:nvSpPr>
+        <p:spPr/>
+      </p:sp>
+      <p:sp>
+        <p:nvSpPr>
+          <p:cNvPr id="3" name="备注占位符 2"/>
+          <p:cNvSpPr>
+            <a:spLocks noGrp="1"/>
+          </p:cNvSpPr>
+          <p:nvPr>
+            <p:ph type="body" idx="1"/>
+          </p:nvPr>
+        </p:nvSpPr>
+        <p:spPr/>
+        <p:txBody>
+          <a:bodyPr/>
+          <a:lstStyle/>
+          <a:p>
+            <a:endParaRPr lang="zh-TW" altLang="en-US" dirty="0"/>
+          </a:p>
+        </p:txBody>
+      </p:sp>
+      <p:sp>
+        <p:nvSpPr>
+          <p:cNvPr id="4" name="灯片编号占位符 3"/>
+          <p:cNvSpPr>
+            <a:spLocks noGrp="1"/>
+          </p:cNvSpPr>
+          <p:nvPr>
+            <p:ph type="sldNum" sz="quarter" idx="10"/>
+          </p:nvPr>
+        </p:nvSpPr>
+        <p:spPr/>
+        <p:txBody>
+          <a:bodyPr/>
+          <a:lstStyle/>
+          <a:p>
+            <a:fld id="{5BED1A70-94FB-4B8C-B566-753D0875AD3F}" type="slidenum">
+              <a:rPr lang="zh-TW" altLang="en-US" smtClean="0"/>
+              <a:t>12</a:t>
+            </a:fld>
+            <a:endParaRPr lang="zh-TW" altLang="en-US"/>
+          </a:p>
+        </p:txBody>
+      </p:sp>
+    </p:spTree>
+    <p:extLst>
+      <p:ext uri="{BB962C8B-B14F-4D97-AF65-F5344CB8AC3E}">
+        <p14:creationId xmlns:p14="http://schemas.microsoft.com/office/powerpoint/2010/main" val="867063789"/>
       </p:ext>
     </p:extLst>
   </p:cSld>
@@ -1344,7 +2481,7 @@
           <a:p>
             <a:fld id="{C8AC2331-1725-48EA-8E37-91DDC4DD161B}" type="datetimeFigureOut">
               <a:rPr lang="zh-TW" altLang="en-US" smtClean="0"/>
-              <a:t>2023/4/5</a:t>
+              <a:t>2023/4/8</a:t>
             </a:fld>
             <a:endParaRPr lang="zh-TW" altLang="en-US"/>
           </a:p>
@@ -1514,7 +2651,7 @@
           <a:p>
             <a:fld id="{C8AC2331-1725-48EA-8E37-91DDC4DD161B}" type="datetimeFigureOut">
               <a:rPr lang="zh-TW" altLang="en-US" smtClean="0"/>
-              <a:t>2023/4/5</a:t>
+              <a:t>2023/4/8</a:t>
             </a:fld>
             <a:endParaRPr lang="zh-TW" altLang="en-US"/>
           </a:p>
@@ -1694,7 +2831,7 @@
           <a:p>
             <a:fld id="{C8AC2331-1725-48EA-8E37-91DDC4DD161B}" type="datetimeFigureOut">
               <a:rPr lang="zh-TW" altLang="en-US" smtClean="0"/>
-              <a:t>2023/4/5</a:t>
+              <a:t>2023/4/8</a:t>
             </a:fld>
             <a:endParaRPr lang="zh-TW" altLang="en-US"/>
           </a:p>
@@ -1864,7 +3001,7 @@
           <a:p>
             <a:fld id="{C8AC2331-1725-48EA-8E37-91DDC4DD161B}" type="datetimeFigureOut">
               <a:rPr lang="zh-TW" altLang="en-US" smtClean="0"/>
-              <a:t>2023/4/5</a:t>
+              <a:t>2023/4/8</a:t>
             </a:fld>
             <a:endParaRPr lang="zh-TW" altLang="en-US"/>
           </a:p>
@@ -2110,7 +3247,7 @@
           <a:p>
             <a:fld id="{C8AC2331-1725-48EA-8E37-91DDC4DD161B}" type="datetimeFigureOut">
               <a:rPr lang="zh-TW" altLang="en-US" smtClean="0"/>
-              <a:t>2023/4/5</a:t>
+              <a:t>2023/4/8</a:t>
             </a:fld>
             <a:endParaRPr lang="zh-TW" altLang="en-US"/>
           </a:p>
@@ -2342,7 +3479,7 @@
           <a:p>
             <a:fld id="{C8AC2331-1725-48EA-8E37-91DDC4DD161B}" type="datetimeFigureOut">
               <a:rPr lang="zh-TW" altLang="en-US" smtClean="0"/>
-              <a:t>2023/4/5</a:t>
+              <a:t>2023/4/8</a:t>
             </a:fld>
             <a:endParaRPr lang="zh-TW" altLang="en-US"/>
           </a:p>
@@ -2709,7 +3846,7 @@
           <a:p>
             <a:fld id="{C8AC2331-1725-48EA-8E37-91DDC4DD161B}" type="datetimeFigureOut">
               <a:rPr lang="zh-TW" altLang="en-US" smtClean="0"/>
-              <a:t>2023/4/5</a:t>
+              <a:t>2023/4/8</a:t>
             </a:fld>
             <a:endParaRPr lang="zh-TW" altLang="en-US"/>
           </a:p>
@@ -2827,7 +3964,7 @@
           <a:p>
             <a:fld id="{C8AC2331-1725-48EA-8E37-91DDC4DD161B}" type="datetimeFigureOut">
               <a:rPr lang="zh-TW" altLang="en-US" smtClean="0"/>
-              <a:t>2023/4/5</a:t>
+              <a:t>2023/4/8</a:t>
             </a:fld>
             <a:endParaRPr lang="zh-TW" altLang="en-US"/>
           </a:p>
@@ -2922,7 +4059,7 @@
           <a:p>
             <a:fld id="{C8AC2331-1725-48EA-8E37-91DDC4DD161B}" type="datetimeFigureOut">
               <a:rPr lang="zh-TW" altLang="en-US" smtClean="0"/>
-              <a:t>2023/4/5</a:t>
+              <a:t>2023/4/8</a:t>
             </a:fld>
             <a:endParaRPr lang="zh-TW" altLang="en-US"/>
           </a:p>
@@ -3199,7 +4336,7 @@
           <a:p>
             <a:fld id="{C8AC2331-1725-48EA-8E37-91DDC4DD161B}" type="datetimeFigureOut">
               <a:rPr lang="zh-TW" altLang="en-US" smtClean="0"/>
-              <a:t>2023/4/5</a:t>
+              <a:t>2023/4/8</a:t>
             </a:fld>
             <a:endParaRPr lang="zh-TW" altLang="en-US"/>
           </a:p>
@@ -3452,7 +4589,7 @@
           <a:p>
             <a:fld id="{C8AC2331-1725-48EA-8E37-91DDC4DD161B}" type="datetimeFigureOut">
               <a:rPr lang="zh-TW" altLang="en-US" smtClean="0"/>
-              <a:t>2023/4/5</a:t>
+              <a:t>2023/4/8</a:t>
             </a:fld>
             <a:endParaRPr lang="zh-TW" altLang="en-US"/>
           </a:p>
@@ -3675,7 +4812,7 @@
           <a:p>
             <a:fld id="{C8AC2331-1725-48EA-8E37-91DDC4DD161B}" type="datetimeFigureOut">
               <a:rPr lang="zh-TW" altLang="en-US" smtClean="0"/>
-              <a:t>2023/4/5</a:t>
+              <a:t>2023/4/8</a:t>
             </a:fld>
             <a:endParaRPr lang="zh-TW" altLang="en-US"/>
           </a:p>
@@ -4367,329 +5504,435 @@
       </p:grpSpPr>
       <p:sp>
         <p:nvSpPr>
-          <p:cNvPr id="2" name="矩形 1"/>
+          <p:cNvPr id="8" name="矩形 7"/>
           <p:cNvSpPr/>
           <p:nvPr/>
         </p:nvSpPr>
         <p:spPr>
           <a:xfrm>
-            <a:off x="646387" y="1305341"/>
-            <a:ext cx="11130454" cy="4247317"/>
+            <a:off x="0" y="0"/>
+            <a:ext cx="8979408" cy="6858000"/>
           </a:xfrm>
           <a:prstGeom prst="rect">
             <a:avLst/>
           </a:prstGeom>
+          <a:solidFill>
+            <a:schemeClr val="bg1">
+              <a:alpha val="50196"/>
+            </a:schemeClr>
+          </a:solidFill>
+          <a:ln>
+            <a:noFill/>
+          </a:ln>
         </p:spPr>
-        <p:txBody>
-          <a:bodyPr wrap="square">
+        <p:style>
+          <a:lnRef idx="2">
+            <a:schemeClr val="accent1">
+              <a:shade val="50000"/>
+            </a:schemeClr>
+          </a:lnRef>
+          <a:fillRef idx="1">
+            <a:schemeClr val="accent1"/>
+          </a:fillRef>
+          <a:effectRef idx="0">
+            <a:schemeClr val="accent1"/>
+          </a:effectRef>
+          <a:fontRef idx="minor">
+            <a:schemeClr val="lt1"/>
+          </a:fontRef>
+        </p:style>
+        <p:txBody>
+          <a:bodyPr rtlCol="0" anchor="ctr"/>
+          <a:lstStyle/>
+          <a:p>
+            <a:pPr algn="ctr"/>
+            <a:endParaRPr lang="zh-CN" altLang="en-US"/>
+          </a:p>
+        </p:txBody>
+      </p:sp>
+      <p:sp>
+        <p:nvSpPr>
+          <p:cNvPr id="4" name="矩形 3"/>
+          <p:cNvSpPr/>
+          <p:nvPr/>
+        </p:nvSpPr>
+        <p:spPr>
+          <a:xfrm>
+            <a:off x="8979408" y="0"/>
+            <a:ext cx="3212592" cy="6858000"/>
+          </a:xfrm>
+          <a:prstGeom prst="rect">
+            <a:avLst/>
+          </a:prstGeom>
+          <a:gradFill flip="none" rotWithShape="1">
+            <a:gsLst>
+              <a:gs pos="0">
+                <a:srgbClr val="005B70"/>
+              </a:gs>
+              <a:gs pos="100000">
+                <a:srgbClr val="74AA9C"/>
+              </a:gs>
+            </a:gsLst>
+            <a:lin ang="2700000" scaled="1"/>
+            <a:tileRect/>
+          </a:gradFill>
+          <a:ln>
+            <a:noFill/>
+          </a:ln>
+        </p:spPr>
+        <p:style>
+          <a:lnRef idx="2">
+            <a:schemeClr val="accent1">
+              <a:shade val="50000"/>
+            </a:schemeClr>
+          </a:lnRef>
+          <a:fillRef idx="1">
+            <a:schemeClr val="accent1"/>
+          </a:fillRef>
+          <a:effectRef idx="0">
+            <a:schemeClr val="accent1"/>
+          </a:effectRef>
+          <a:fontRef idx="minor">
+            <a:schemeClr val="lt1"/>
+          </a:fontRef>
+        </p:style>
+        <p:txBody>
+          <a:bodyPr rtlCol="0" anchor="ctr"/>
+          <a:lstStyle/>
+          <a:p>
+            <a:pPr algn="ctr"/>
+            <a:r>
+              <a:rPr lang="en-US" altLang="zh-TW" sz="6000" dirty="0" smtClean="0"/>
+              <a:t>DSM - 5</a:t>
+            </a:r>
+            <a:endParaRPr lang="zh-TW" altLang="en-US" sz="6000" dirty="0"/>
+          </a:p>
+        </p:txBody>
+      </p:sp>
+      <p:sp>
+        <p:nvSpPr>
+          <p:cNvPr id="9" name="矩形 8"/>
+          <p:cNvSpPr/>
+          <p:nvPr/>
+        </p:nvSpPr>
+        <p:spPr>
+          <a:xfrm>
+            <a:off x="0" y="6291072"/>
+            <a:ext cx="1054608" cy="566928"/>
+          </a:xfrm>
+          <a:prstGeom prst="rect">
+            <a:avLst/>
+          </a:prstGeom>
+          <a:gradFill flip="none" rotWithShape="1">
+            <a:gsLst>
+              <a:gs pos="0">
+                <a:srgbClr val="005B70"/>
+              </a:gs>
+              <a:gs pos="100000">
+                <a:srgbClr val="74AA9C"/>
+              </a:gs>
+            </a:gsLst>
+            <a:lin ang="2700000" scaled="1"/>
+            <a:tileRect/>
+          </a:gradFill>
+          <a:ln>
+            <a:noFill/>
+          </a:ln>
+        </p:spPr>
+        <p:style>
+          <a:lnRef idx="2">
+            <a:schemeClr val="accent1">
+              <a:shade val="50000"/>
+            </a:schemeClr>
+          </a:lnRef>
+          <a:fillRef idx="1">
+            <a:schemeClr val="accent1"/>
+          </a:fillRef>
+          <a:effectRef idx="0">
+            <a:schemeClr val="accent1"/>
+          </a:effectRef>
+          <a:fontRef idx="minor">
+            <a:schemeClr val="lt1"/>
+          </a:fontRef>
+        </p:style>
+        <p:txBody>
+          <a:bodyPr rtlCol="0" anchor="ctr"/>
+          <a:lstStyle/>
+          <a:p>
+            <a:pPr algn="ctr"/>
+            <a:endParaRPr lang="zh-TW" altLang="en-US"/>
+          </a:p>
+        </p:txBody>
+      </p:sp>
+      <p:sp>
+        <p:nvSpPr>
+          <p:cNvPr id="7" name="矩形 6"/>
+          <p:cNvSpPr/>
+          <p:nvPr/>
+        </p:nvSpPr>
+        <p:spPr>
+          <a:xfrm>
+            <a:off x="0" y="0"/>
+            <a:ext cx="3941064" cy="566928"/>
+          </a:xfrm>
+          <a:prstGeom prst="rect">
+            <a:avLst/>
+          </a:prstGeom>
+          <a:gradFill flip="none" rotWithShape="1">
+            <a:gsLst>
+              <a:gs pos="0">
+                <a:srgbClr val="005B70"/>
+              </a:gs>
+              <a:gs pos="100000">
+                <a:srgbClr val="74AA9C"/>
+              </a:gs>
+            </a:gsLst>
+            <a:lin ang="2700000" scaled="1"/>
+            <a:tileRect/>
+          </a:gradFill>
+          <a:ln>
+            <a:noFill/>
+          </a:ln>
+        </p:spPr>
+        <p:style>
+          <a:lnRef idx="2">
+            <a:schemeClr val="accent1">
+              <a:shade val="50000"/>
+            </a:schemeClr>
+          </a:lnRef>
+          <a:fillRef idx="1">
+            <a:schemeClr val="accent1"/>
+          </a:fillRef>
+          <a:effectRef idx="0">
+            <a:schemeClr val="accent1"/>
+          </a:effectRef>
+          <a:fontRef idx="minor">
+            <a:schemeClr val="lt1"/>
+          </a:fontRef>
+        </p:style>
+        <p:txBody>
+          <a:bodyPr rtlCol="0" anchor="ctr"/>
+          <a:lstStyle/>
+          <a:p>
+            <a:r>
+              <a:rPr lang="en-US" altLang="zh-CN" sz="3600" b="1" smtClean="0">
+                <a:latin typeface="Times New Roman" panose="02020603050405020304" pitchFamily="18" charset="0"/>
+                <a:cs typeface="Times New Roman" panose="02020603050405020304" pitchFamily="18" charset="0"/>
+              </a:rPr>
+              <a:t>Note</a:t>
+            </a:r>
+            <a:endParaRPr lang="zh-TW" altLang="en-US" sz="3600" b="1" dirty="0">
+              <a:latin typeface="Times New Roman" panose="02020603050405020304" pitchFamily="18" charset="0"/>
+              <a:cs typeface="Times New Roman" panose="02020603050405020304" pitchFamily="18" charset="0"/>
+            </a:endParaRPr>
+          </a:p>
+        </p:txBody>
+      </p:sp>
+      <p:sp>
+        <p:nvSpPr>
+          <p:cNvPr id="5" name="文本框 4"/>
+          <p:cNvSpPr txBox="1"/>
+          <p:nvPr/>
+        </p:nvSpPr>
+        <p:spPr>
+          <a:xfrm>
+            <a:off x="527304" y="1028343"/>
+            <a:ext cx="7515738" cy="4801314"/>
+          </a:xfrm>
+          <a:prstGeom prst="rect">
+            <a:avLst/>
+          </a:prstGeom>
+          <a:noFill/>
+        </p:spPr>
+        <p:txBody>
+          <a:bodyPr wrap="square" rtlCol="0">
             <a:spAutoFit/>
           </a:bodyPr>
           <a:lstStyle/>
           <a:p>
-            <a:r>
-              <a:rPr lang="zh-CN" altLang="zh-TW" dirty="0">
-                <a:latin typeface="Calibri" panose="020F0502020204030204" pitchFamily="34" charset="0"/>
-                <a:cs typeface="Times New Roman" panose="02020603050405020304" pitchFamily="18" charset="0"/>
-              </a:rPr>
-              <a:t>除了手动编码过程外，研究人员还使用</a:t>
-            </a:r>
-            <a:r>
-              <a:rPr lang="zh-CN" altLang="zh-TW" b="1" dirty="0">
-                <a:latin typeface="Calibri" panose="020F0502020204030204" pitchFamily="34" charset="0"/>
-                <a:cs typeface="Times New Roman" panose="02020603050405020304" pitchFamily="18" charset="0"/>
-              </a:rPr>
-              <a:t>自然语言处理</a:t>
-            </a:r>
-            <a:r>
-              <a:rPr lang="en-US" altLang="zh-TW" b="1" dirty="0" smtClean="0">
-                <a:effectLst/>
-                <a:latin typeface="Calibri" panose="020F0502020204030204" pitchFamily="34" charset="0"/>
-                <a:ea typeface="宋体" panose="02010600030101010101" pitchFamily="2" charset="-122"/>
-                <a:cs typeface="Times New Roman" panose="02020603050405020304" pitchFamily="18" charset="0"/>
-              </a:rPr>
-              <a:t> (NLP) </a:t>
-            </a:r>
-            <a:r>
-              <a:rPr lang="zh-CN" altLang="zh-TW" dirty="0">
-                <a:latin typeface="Calibri" panose="020F0502020204030204" pitchFamily="34" charset="0"/>
-                <a:cs typeface="Times New Roman" panose="02020603050405020304" pitchFamily="18" charset="0"/>
-              </a:rPr>
-              <a:t>来识别可能遗漏的任何语义匹配。</a:t>
-            </a:r>
-            <a:r>
-              <a:rPr lang="zh-CN" altLang="zh-TW" dirty="0" smtClean="0">
-                <a:effectLst/>
-                <a:ea typeface="Calibri" panose="020F0502020204030204" pitchFamily="34" charset="0"/>
-                <a:cs typeface="Times New Roman" panose="02020603050405020304" pitchFamily="18" charset="0"/>
-              </a:rPr>
+            <a:pPr marL="342900" indent="-342900">
+              <a:buFont typeface="+mj-lt"/>
+              <a:buAutoNum type="arabicPeriod"/>
+            </a:pPr>
+            <a:r>
+              <a:rPr lang="en-US" altLang="zh-CN"/>
+              <a:t>Diagnosis</a:t>
+            </a:r>
+            <a:r>
+              <a:rPr lang="zh-CN" altLang="en-US"/>
+              <a:t>（诊断）：诊断是对一个人身体或精神健康问题的判断和确定，以确定适当的治疗方式和管理方法。</a:t>
+            </a:r>
+          </a:p>
+          <a:p>
+            <a:pPr marL="342900" indent="-342900">
+              <a:buFont typeface="+mj-lt"/>
+              <a:buAutoNum type="arabicPeriod"/>
+            </a:pPr>
+            <a:r>
+              <a:rPr lang="en-US" altLang="zh-CN"/>
+              <a:t>Diagnostic system</a:t>
+            </a:r>
+            <a:r>
+              <a:rPr lang="zh-CN" altLang="en-US"/>
+              <a:t>（诊断系统）：诊断系统是一种用于分类和描述各种健康问题的标准化方法，以便医生和其他医疗保健专业人员能够共享信息并进行沟通。例如，</a:t>
+            </a:r>
+            <a:r>
+              <a:rPr lang="en-US" altLang="zh-CN"/>
+              <a:t>DSM-5</a:t>
+            </a:r>
+            <a:r>
+              <a:rPr lang="zh-CN" altLang="en-US"/>
+              <a:t>和</a:t>
+            </a:r>
+            <a:r>
+              <a:rPr lang="en-US" altLang="zh-CN"/>
+              <a:t>ICD-11</a:t>
+            </a:r>
+            <a:r>
+              <a:rPr lang="zh-CN" altLang="en-US"/>
+              <a:t>是两个常见的诊断系统。</a:t>
+            </a:r>
+          </a:p>
+          <a:p>
+            <a:pPr marL="342900" indent="-342900">
+              <a:buFont typeface="+mj-lt"/>
+              <a:buAutoNum type="arabicPeriod"/>
+            </a:pPr>
+            <a:r>
+              <a:rPr lang="en-US" altLang="zh-CN"/>
+              <a:t>Diagnostic category</a:t>
+            </a:r>
+            <a:r>
+              <a:rPr lang="zh-CN" altLang="en-US"/>
+              <a:t>（诊断类别）：诊断类别是诊断系统中的一个分类，用于描述某种健康问题的共同特征和症状。例如，</a:t>
+            </a:r>
+            <a:r>
+              <a:rPr lang="en-US" altLang="zh-CN"/>
+              <a:t>DSM-5</a:t>
+            </a:r>
+            <a:r>
+              <a:rPr lang="zh-CN" altLang="en-US"/>
+              <a:t>的抑郁症、广泛性焦虑症和精神分裂症就是不同的诊断类别。</a:t>
+            </a:r>
+          </a:p>
+          <a:p>
+            <a:pPr marL="342900" indent="-342900">
+              <a:buFont typeface="+mj-lt"/>
+              <a:buAutoNum type="arabicPeriod"/>
+            </a:pPr>
+            <a:r>
+              <a:rPr lang="en-US" altLang="zh-CN"/>
+              <a:t>Diagnostic Criteria</a:t>
+            </a:r>
+            <a:r>
+              <a:rPr lang="zh-CN" altLang="en-US"/>
+              <a:t>（诊断标准）</a:t>
+            </a:r>
+            <a:r>
+              <a:rPr lang="en-US" altLang="zh-CN"/>
               <a:t> </a:t>
             </a:r>
-            <a:endParaRPr lang="en-US" altLang="zh-CN" dirty="0" smtClean="0">
-              <a:effectLst/>
-              <a:ea typeface="Calibri" panose="020F0502020204030204" pitchFamily="34" charset="0"/>
-              <a:cs typeface="Times New Roman" panose="02020603050405020304" pitchFamily="18" charset="0"/>
-            </a:endParaRPr>
-          </a:p>
-          <a:p>
-            <a:endParaRPr lang="en-US" altLang="zh-CN" dirty="0" smtClean="0">
-              <a:effectLst/>
-              <a:ea typeface="Calibri" panose="020F0502020204030204" pitchFamily="34" charset="0"/>
-              <a:cs typeface="Times New Roman" panose="02020603050405020304" pitchFamily="18" charset="0"/>
-            </a:endParaRPr>
-          </a:p>
-          <a:p>
-            <a:r>
-              <a:rPr lang="zh-CN" altLang="zh-TW" dirty="0" smtClean="0">
-                <a:latin typeface="Calibri" panose="020F0502020204030204" pitchFamily="34" charset="0"/>
-                <a:cs typeface="Times New Roman" panose="02020603050405020304" pitchFamily="18" charset="0"/>
-              </a:rPr>
-              <a:t>他们</a:t>
-            </a:r>
-            <a:r>
-              <a:rPr lang="zh-CN" altLang="zh-TW" dirty="0">
-                <a:latin typeface="Calibri" panose="020F0502020204030204" pitchFamily="34" charset="0"/>
-                <a:cs typeface="Times New Roman" panose="02020603050405020304" pitchFamily="18" charset="0"/>
-              </a:rPr>
-              <a:t>建立了一个计算模型，根据</a:t>
-            </a:r>
-            <a:r>
-              <a:rPr lang="en-US" altLang="zh-TW" dirty="0" smtClean="0">
-                <a:effectLst/>
-                <a:latin typeface="Calibri" panose="020F0502020204030204" pitchFamily="34" charset="0"/>
-                <a:ea typeface="宋体" panose="02010600030101010101" pitchFamily="2" charset="-122"/>
-                <a:cs typeface="Times New Roman" panose="02020603050405020304" pitchFamily="18" charset="0"/>
-              </a:rPr>
-              <a:t> DSM-5 </a:t>
-            </a:r>
-            <a:r>
-              <a:rPr lang="zh-CN" altLang="zh-TW" dirty="0">
-                <a:latin typeface="Calibri" panose="020F0502020204030204" pitchFamily="34" charset="0"/>
-                <a:cs typeface="Times New Roman" panose="02020603050405020304" pitchFamily="18" charset="0"/>
-              </a:rPr>
-              <a:t>中描述的两个症状在语义相似性的高维表示中的位置，确定它们何时具有相同的含义</a:t>
-            </a:r>
-            <a:r>
-              <a:rPr lang="zh-CN" altLang="zh-TW" dirty="0" smtClean="0">
-                <a:latin typeface="Calibri" panose="020F0502020204030204" pitchFamily="34" charset="0"/>
-                <a:cs typeface="Times New Roman" panose="02020603050405020304" pitchFamily="18" charset="0"/>
-              </a:rPr>
+            <a:r>
+              <a:rPr lang="zh-CN" altLang="en-US"/>
+              <a:t>是指必须满足一组症状或标准才能确定特定诊断的一套标准</a:t>
+            </a:r>
+          </a:p>
+          <a:p>
+            <a:pPr marL="342900" indent="-342900">
+              <a:buFont typeface="+mj-lt"/>
+              <a:buAutoNum type="arabicPeriod"/>
+            </a:pPr>
+            <a:r>
+              <a:rPr lang="en-US" altLang="zh-CN" smtClean="0"/>
+              <a:t>Symptoms</a:t>
+            </a:r>
+            <a:r>
+              <a:rPr lang="zh-CN" altLang="en-US"/>
+              <a:t>（症状）：症状是指患者感觉到的身体或精神上的不适或异常表现，如头痛、恶心、失眠、情绪低落等等，这些症状是判断和诊断健康问题的基础。在诊断系统中，每个诊断类别通常都有一组与之相关联的症状描述，用于帮助医生或其他医疗保健专业人员</a:t>
+            </a:r>
+            <a:r>
+              <a:rPr lang="zh-CN" altLang="en-US"/>
+              <a:t>进行</a:t>
+            </a:r>
+            <a:r>
+              <a:rPr lang="zh-CN" altLang="en-US" smtClean="0"/>
+              <a:t>诊断</a:t>
+            </a:r>
+            <a:endParaRPr lang="en-US" altLang="zh-CN" smtClean="0"/>
+          </a:p>
+          <a:p>
+            <a:pPr marL="342900" indent="-342900">
+              <a:buFont typeface="+mj-lt"/>
+              <a:buAutoNum type="arabicPeriod"/>
+            </a:pPr>
+            <a:r>
+              <a:rPr lang="en-US" altLang="zh-CN" smtClean="0"/>
+              <a:t>Constituent Symptoms</a:t>
+            </a:r>
+            <a:r>
+              <a:rPr lang="zh-CN" altLang="en-US" smtClean="0"/>
+              <a:t>（组成症状）</a:t>
+            </a:r>
+            <a:r>
+              <a:rPr lang="en-US" altLang="zh-CN" smtClean="0"/>
+              <a:t> </a:t>
+            </a:r>
+            <a:r>
+              <a:rPr lang="zh-CN" altLang="en-US"/>
+              <a:t>指的是组成诊断或诊断标准的个别</a:t>
+            </a:r>
+            <a:r>
+              <a:rPr lang="zh-CN" altLang="en-US"/>
+              <a:t>症状</a:t>
+            </a:r>
+            <a:r>
+              <a:rPr lang="zh-CN" altLang="en-US" smtClean="0"/>
               <a:t>。</a:t>
             </a:r>
-            <a:endParaRPr lang="en-US" altLang="zh-CN" dirty="0" smtClean="0">
-              <a:latin typeface="Calibri" panose="020F0502020204030204" pitchFamily="34" charset="0"/>
-              <a:cs typeface="Times New Roman" panose="02020603050405020304" pitchFamily="18" charset="0"/>
-            </a:endParaRPr>
-          </a:p>
-          <a:p>
-            <a:endParaRPr lang="en-US" altLang="zh-CN" dirty="0">
-              <a:effectLst/>
-              <a:latin typeface="Calibri" panose="020F0502020204030204" pitchFamily="34" charset="0"/>
-              <a:ea typeface="Calibri" panose="020F0502020204030204" pitchFamily="34" charset="0"/>
-              <a:cs typeface="Times New Roman" panose="02020603050405020304" pitchFamily="18" charset="0"/>
-            </a:endParaRPr>
-          </a:p>
-          <a:p>
-            <a:r>
-              <a:rPr lang="zh-CN" altLang="zh-TW" dirty="0" smtClean="0">
-                <a:effectLst/>
-                <a:ea typeface="Calibri" panose="020F0502020204030204" pitchFamily="34" charset="0"/>
-                <a:cs typeface="Times New Roman" panose="02020603050405020304" pitchFamily="18" charset="0"/>
-              </a:rPr>
-              <a:t> </a:t>
-            </a:r>
-            <a:r>
-              <a:rPr lang="zh-CN" altLang="zh-TW" dirty="0">
-                <a:latin typeface="Calibri" panose="020F0502020204030204" pitchFamily="34" charset="0"/>
-                <a:cs typeface="Times New Roman" panose="02020603050405020304" pitchFamily="18" charset="0"/>
-              </a:rPr>
-              <a:t>在过滤掉相同的症状对后，该模型使用预训练模型对剩余的可能症状对进行评分。</a:t>
-            </a:r>
-            <a:r>
-              <a:rPr lang="zh-CN" altLang="zh-TW" dirty="0" smtClean="0">
-                <a:effectLst/>
-                <a:ea typeface="Calibri" panose="020F0502020204030204" pitchFamily="34" charset="0"/>
-                <a:cs typeface="Times New Roman" panose="02020603050405020304" pitchFamily="18" charset="0"/>
-              </a:rPr>
-              <a:t> </a:t>
-            </a:r>
-            <a:endParaRPr lang="en-US" altLang="zh-CN" dirty="0" smtClean="0">
-              <a:effectLst/>
-              <a:ea typeface="Calibri" panose="020F0502020204030204" pitchFamily="34" charset="0"/>
-              <a:cs typeface="Times New Roman" panose="02020603050405020304" pitchFamily="18" charset="0"/>
-            </a:endParaRPr>
-          </a:p>
-          <a:p>
-            <a:endParaRPr lang="en-US" altLang="zh-CN" dirty="0">
-              <a:latin typeface="Calibri" panose="020F0502020204030204" pitchFamily="34" charset="0"/>
-              <a:cs typeface="Times New Roman" panose="02020603050405020304" pitchFamily="18" charset="0"/>
-            </a:endParaRPr>
-          </a:p>
-          <a:p>
-            <a:r>
-              <a:rPr lang="zh-CN" altLang="zh-TW" dirty="0" smtClean="0">
-                <a:latin typeface="Calibri" panose="020F0502020204030204" pitchFamily="34" charset="0"/>
-                <a:cs typeface="Times New Roman" panose="02020603050405020304" pitchFamily="18" charset="0"/>
-              </a:rPr>
-              <a:t>然后</a:t>
-            </a:r>
-            <a:r>
-              <a:rPr lang="zh-CN" altLang="zh-TW" dirty="0">
-                <a:latin typeface="Calibri" panose="020F0502020204030204" pitchFamily="34" charset="0"/>
-                <a:cs typeface="Times New Roman" panose="02020603050405020304" pitchFamily="18" charset="0"/>
-              </a:rPr>
-              <a:t>，研究人员使用五重交叉验证框架来评估模型的性能。</a:t>
-            </a:r>
-            <a:r>
-              <a:rPr lang="zh-CN" altLang="zh-TW" dirty="0" smtClean="0">
-                <a:effectLst/>
-                <a:ea typeface="Calibri" panose="020F0502020204030204" pitchFamily="34" charset="0"/>
-                <a:cs typeface="Times New Roman" panose="02020603050405020304" pitchFamily="18" charset="0"/>
-              </a:rPr>
-              <a:t> </a:t>
-            </a:r>
-            <a:endParaRPr lang="en-US" altLang="zh-CN" dirty="0" smtClean="0">
-              <a:effectLst/>
-              <a:ea typeface="Calibri" panose="020F0502020204030204" pitchFamily="34" charset="0"/>
-              <a:cs typeface="Times New Roman" panose="02020603050405020304" pitchFamily="18" charset="0"/>
-            </a:endParaRPr>
-          </a:p>
-          <a:p>
-            <a:r>
-              <a:rPr lang="en-US" altLang="zh-CN" dirty="0" smtClean="0"/>
-              <a:t>	</a:t>
-            </a:r>
-            <a:r>
-              <a:rPr lang="zh-CN" altLang="en-US" dirty="0" smtClean="0"/>
-              <a:t>将</a:t>
-            </a:r>
-            <a:r>
-              <a:rPr lang="zh-CN" altLang="en-US" dirty="0"/>
-              <a:t>数据集划分为五个等分，每次将其中四个作为训练集，一个作为验证集，进行五次模型训练和验证，以评估模型的性能。这种方法可以在保证数据利用率的同时，防止由于特定的数据集分割方式导致评估结果的偏差</a:t>
-            </a:r>
-            <a:r>
-              <a:rPr lang="zh-CN" altLang="en-US" dirty="0" smtClean="0"/>
-              <a:t>。</a:t>
-            </a:r>
-            <a:endParaRPr lang="en-US" altLang="zh-CN" dirty="0" smtClean="0"/>
-          </a:p>
-          <a:p>
-            <a:endParaRPr lang="en-US" altLang="zh-CN" dirty="0">
-              <a:latin typeface="Calibri" panose="020F0502020204030204" pitchFamily="34" charset="0"/>
-              <a:cs typeface="Times New Roman" panose="02020603050405020304" pitchFamily="18" charset="0"/>
-            </a:endParaRPr>
-          </a:p>
-          <a:p>
-            <a:r>
-              <a:rPr lang="zh-CN" altLang="zh-TW" dirty="0" smtClean="0">
-                <a:latin typeface="Calibri" panose="020F0502020204030204" pitchFamily="34" charset="0"/>
-                <a:cs typeface="Times New Roman" panose="02020603050405020304" pitchFamily="18" charset="0"/>
-              </a:rPr>
-              <a:t>两</a:t>
-            </a:r>
-            <a:r>
-              <a:rPr lang="zh-CN" altLang="zh-TW" dirty="0">
-                <a:latin typeface="Calibri" panose="020F0502020204030204" pitchFamily="34" charset="0"/>
-                <a:cs typeface="Times New Roman" panose="02020603050405020304" pitchFamily="18" charset="0"/>
-              </a:rPr>
-              <a:t>位研究人员手动检查了语义相似性得分最高的前</a:t>
-            </a:r>
-            <a:r>
-              <a:rPr lang="en-US" altLang="zh-TW" dirty="0" smtClean="0">
-                <a:effectLst/>
-                <a:latin typeface="Calibri" panose="020F0502020204030204" pitchFamily="34" charset="0"/>
-                <a:ea typeface="宋体" panose="02010600030101010101" pitchFamily="2" charset="-122"/>
-                <a:cs typeface="Times New Roman" panose="02020603050405020304" pitchFamily="18" charset="0"/>
-              </a:rPr>
-              <a:t> 1000 </a:t>
-            </a:r>
-            <a:r>
-              <a:rPr lang="zh-CN" altLang="zh-TW" dirty="0">
-                <a:latin typeface="Calibri" panose="020F0502020204030204" pitchFamily="34" charset="0"/>
-                <a:cs typeface="Times New Roman" panose="02020603050405020304" pitchFamily="18" charset="0"/>
-              </a:rPr>
-              <a:t>对是否有其他匹配项，确定了</a:t>
-            </a:r>
-            <a:r>
-              <a:rPr lang="en-US" altLang="zh-TW" dirty="0" smtClean="0">
-                <a:effectLst/>
-                <a:latin typeface="Calibri" panose="020F0502020204030204" pitchFamily="34" charset="0"/>
-                <a:ea typeface="宋体" panose="02010600030101010101" pitchFamily="2" charset="-122"/>
-                <a:cs typeface="Times New Roman" panose="02020603050405020304" pitchFamily="18" charset="0"/>
-              </a:rPr>
-              <a:t> 26 </a:t>
-            </a:r>
-            <a:r>
-              <a:rPr lang="zh-CN" altLang="zh-TW" dirty="0">
-                <a:latin typeface="Calibri" panose="020F0502020204030204" pitchFamily="34" charset="0"/>
-                <a:cs typeface="Times New Roman" panose="02020603050405020304" pitchFamily="18" charset="0"/>
-              </a:rPr>
-              <a:t>个新的匹配症状对。</a:t>
-            </a:r>
-            <a:r>
-              <a:rPr lang="zh-CN" altLang="zh-TW" dirty="0" smtClean="0">
-                <a:effectLst/>
-                <a:ea typeface="Calibri" panose="020F0502020204030204" pitchFamily="34" charset="0"/>
-                <a:cs typeface="Times New Roman" panose="02020603050405020304" pitchFamily="18" charset="0"/>
-              </a:rPr>
-              <a:t> </a:t>
-            </a:r>
-            <a:endParaRPr lang="en-US" altLang="zh-CN" dirty="0" smtClean="0">
-              <a:effectLst/>
-              <a:ea typeface="Calibri" panose="020F0502020204030204" pitchFamily="34" charset="0"/>
-              <a:cs typeface="Times New Roman" panose="02020603050405020304" pitchFamily="18" charset="0"/>
-            </a:endParaRPr>
-          </a:p>
-          <a:p>
-            <a:endParaRPr lang="en-US" altLang="zh-CN" dirty="0">
-              <a:latin typeface="Calibri" panose="020F0502020204030204" pitchFamily="34" charset="0"/>
-              <a:cs typeface="Times New Roman" panose="02020603050405020304" pitchFamily="18" charset="0"/>
-            </a:endParaRPr>
-          </a:p>
-          <a:p>
-            <a:r>
-              <a:rPr lang="zh-CN" altLang="zh-TW" dirty="0" smtClean="0">
-                <a:latin typeface="Calibri" panose="020F0502020204030204" pitchFamily="34" charset="0"/>
-                <a:cs typeface="Times New Roman" panose="02020603050405020304" pitchFamily="18" charset="0"/>
-              </a:rPr>
-              <a:t>在</a:t>
-            </a:r>
-            <a:r>
-              <a:rPr lang="zh-CN" altLang="zh-TW" dirty="0">
-                <a:latin typeface="Calibri" panose="020F0502020204030204" pitchFamily="34" charset="0"/>
-                <a:cs typeface="Times New Roman" panose="02020603050405020304" pitchFamily="18" charset="0"/>
-              </a:rPr>
-              <a:t>编码的两个阶段结束时，研究人员确定了</a:t>
-            </a:r>
-            <a:r>
-              <a:rPr lang="en-US" altLang="zh-TW" dirty="0" smtClean="0">
-                <a:effectLst/>
-                <a:latin typeface="Calibri" panose="020F0502020204030204" pitchFamily="34" charset="0"/>
-                <a:ea typeface="宋体" panose="02010600030101010101" pitchFamily="2" charset="-122"/>
-                <a:cs typeface="Times New Roman" panose="02020603050405020304" pitchFamily="18" charset="0"/>
-              </a:rPr>
-              <a:t> 3,096 </a:t>
-            </a:r>
-            <a:r>
-              <a:rPr lang="zh-CN" altLang="zh-TW" dirty="0">
-                <a:latin typeface="Calibri" panose="020F0502020204030204" pitchFamily="34" charset="0"/>
-                <a:cs typeface="Times New Roman" panose="02020603050405020304" pitchFamily="18" charset="0"/>
-              </a:rPr>
-              <a:t>个匹配的症状对。</a:t>
-            </a:r>
-            <a:endParaRPr lang="zh-TW" altLang="en-US" dirty="0"/>
+            <a:endParaRPr lang="en-US" altLang="zh-CN" smtClean="0"/>
+          </a:p>
+          <a:p>
+            <a:pPr marL="342900" indent="-342900">
+              <a:buFont typeface="+mj-lt"/>
+              <a:buAutoNum type="arabicPeriod"/>
+            </a:pPr>
+            <a:r>
+              <a:rPr lang="en-US" altLang="zh-CN" smtClean="0"/>
+              <a:t>Core Symptoms</a:t>
+            </a:r>
+            <a:r>
+              <a:rPr lang="zh-CN" altLang="en-US" smtClean="0"/>
+              <a:t>（核心症状）是</a:t>
+            </a:r>
+            <a:r>
+              <a:rPr lang="zh-CN" altLang="en-US"/>
+              <a:t>指诊断中必要的基本症状</a:t>
+            </a:r>
+            <a:r>
+              <a:rPr lang="zh-CN" altLang="en-US"/>
+              <a:t>。 </a:t>
+            </a:r>
+            <a:endParaRPr lang="en-US" altLang="zh-CN" smtClean="0"/>
           </a:p>
         </p:txBody>
       </p:sp>
     </p:spTree>
     <p:extLst>
       <p:ext uri="{BB962C8B-B14F-4D97-AF65-F5344CB8AC3E}">
-        <p14:creationId xmlns:p14="http://schemas.microsoft.com/office/powerpoint/2010/main" val="2773035995"/>
+        <p14:creationId xmlns:p14="http://schemas.microsoft.com/office/powerpoint/2010/main" val="1832327807"/>
       </p:ext>
     </p:extLst>
   </p:cSld>
   <p:clrMapOvr>
     <a:masterClrMapping/>
   </p:clrMapOvr>
+  <p:timing>
+    <p:tnLst>
+      <p:par>
+        <p:cTn id="1" dur="indefinite" restart="never" nodeType="tmRoot"/>
+      </p:par>
+    </p:tnLst>
+  </p:timing>
 </p:sld>
 </file>
 
@@ -4712,14 +5955,384 @@
       </p:grpSpPr>
       <p:sp>
         <p:nvSpPr>
-          <p:cNvPr id="2" name="文本框 1"/>
+          <p:cNvPr id="8" name="矩形 7"/>
+          <p:cNvSpPr/>
+          <p:nvPr/>
+        </p:nvSpPr>
+        <p:spPr>
+          <a:xfrm>
+            <a:off x="0" y="0"/>
+            <a:ext cx="8979408" cy="6858000"/>
+          </a:xfrm>
+          <a:prstGeom prst="rect">
+            <a:avLst/>
+          </a:prstGeom>
+          <a:solidFill>
+            <a:schemeClr val="bg1">
+              <a:alpha val="50196"/>
+            </a:schemeClr>
+          </a:solidFill>
+          <a:ln>
+            <a:noFill/>
+          </a:ln>
+        </p:spPr>
+        <p:style>
+          <a:lnRef idx="2">
+            <a:schemeClr val="accent1">
+              <a:shade val="50000"/>
+            </a:schemeClr>
+          </a:lnRef>
+          <a:fillRef idx="1">
+            <a:schemeClr val="accent1"/>
+          </a:fillRef>
+          <a:effectRef idx="0">
+            <a:schemeClr val="accent1"/>
+          </a:effectRef>
+          <a:fontRef idx="minor">
+            <a:schemeClr val="lt1"/>
+          </a:fontRef>
+        </p:style>
+        <p:txBody>
+          <a:bodyPr rtlCol="0" anchor="ctr"/>
+          <a:lstStyle/>
+          <a:p>
+            <a:pPr algn="ctr"/>
+            <a:endParaRPr lang="zh-CN" altLang="en-US"/>
+          </a:p>
+        </p:txBody>
+      </p:sp>
+      <p:sp>
+        <p:nvSpPr>
+          <p:cNvPr id="4" name="矩形 3"/>
+          <p:cNvSpPr/>
+          <p:nvPr/>
+        </p:nvSpPr>
+        <p:spPr>
+          <a:xfrm>
+            <a:off x="8979408" y="0"/>
+            <a:ext cx="3212592" cy="6858000"/>
+          </a:xfrm>
+          <a:prstGeom prst="rect">
+            <a:avLst/>
+          </a:prstGeom>
+          <a:gradFill flip="none" rotWithShape="1">
+            <a:gsLst>
+              <a:gs pos="0">
+                <a:srgbClr val="005B70"/>
+              </a:gs>
+              <a:gs pos="100000">
+                <a:srgbClr val="74AA9C"/>
+              </a:gs>
+            </a:gsLst>
+            <a:lin ang="2700000" scaled="1"/>
+            <a:tileRect/>
+          </a:gradFill>
+          <a:ln>
+            <a:noFill/>
+          </a:ln>
+        </p:spPr>
+        <p:style>
+          <a:lnRef idx="2">
+            <a:schemeClr val="accent1">
+              <a:shade val="50000"/>
+            </a:schemeClr>
+          </a:lnRef>
+          <a:fillRef idx="1">
+            <a:schemeClr val="accent1"/>
+          </a:fillRef>
+          <a:effectRef idx="0">
+            <a:schemeClr val="accent1"/>
+          </a:effectRef>
+          <a:fontRef idx="minor">
+            <a:schemeClr val="lt1"/>
+          </a:fontRef>
+        </p:style>
+        <p:txBody>
+          <a:bodyPr rtlCol="0" anchor="ctr"/>
+          <a:lstStyle/>
+          <a:p>
+            <a:pPr algn="ctr"/>
+            <a:r>
+              <a:rPr lang="en-US" altLang="zh-TW" sz="6000" dirty="0" smtClean="0"/>
+              <a:t>DSM - 5</a:t>
+            </a:r>
+            <a:endParaRPr lang="zh-TW" altLang="en-US" sz="6000" dirty="0"/>
+          </a:p>
+        </p:txBody>
+      </p:sp>
+      <p:sp>
+        <p:nvSpPr>
+          <p:cNvPr id="9" name="矩形 8"/>
+          <p:cNvSpPr/>
+          <p:nvPr/>
+        </p:nvSpPr>
+        <p:spPr>
+          <a:xfrm>
+            <a:off x="0" y="6291072"/>
+            <a:ext cx="1054608" cy="566928"/>
+          </a:xfrm>
+          <a:prstGeom prst="rect">
+            <a:avLst/>
+          </a:prstGeom>
+          <a:gradFill flip="none" rotWithShape="1">
+            <a:gsLst>
+              <a:gs pos="0">
+                <a:srgbClr val="005B70"/>
+              </a:gs>
+              <a:gs pos="100000">
+                <a:srgbClr val="74AA9C"/>
+              </a:gs>
+            </a:gsLst>
+            <a:lin ang="2700000" scaled="1"/>
+            <a:tileRect/>
+          </a:gradFill>
+          <a:ln>
+            <a:noFill/>
+          </a:ln>
+        </p:spPr>
+        <p:style>
+          <a:lnRef idx="2">
+            <a:schemeClr val="accent1">
+              <a:shade val="50000"/>
+            </a:schemeClr>
+          </a:lnRef>
+          <a:fillRef idx="1">
+            <a:schemeClr val="accent1"/>
+          </a:fillRef>
+          <a:effectRef idx="0">
+            <a:schemeClr val="accent1"/>
+          </a:effectRef>
+          <a:fontRef idx="minor">
+            <a:schemeClr val="lt1"/>
+          </a:fontRef>
+        </p:style>
+        <p:txBody>
+          <a:bodyPr rtlCol="0" anchor="ctr"/>
+          <a:lstStyle/>
+          <a:p>
+            <a:pPr algn="ctr"/>
+            <a:endParaRPr lang="zh-TW" altLang="en-US"/>
+          </a:p>
+        </p:txBody>
+      </p:sp>
+      <p:sp>
+        <p:nvSpPr>
+          <p:cNvPr id="7" name="矩形 6"/>
+          <p:cNvSpPr/>
+          <p:nvPr/>
+        </p:nvSpPr>
+        <p:spPr>
+          <a:xfrm>
+            <a:off x="0" y="0"/>
+            <a:ext cx="3941064" cy="566928"/>
+          </a:xfrm>
+          <a:prstGeom prst="rect">
+            <a:avLst/>
+          </a:prstGeom>
+          <a:gradFill flip="none" rotWithShape="1">
+            <a:gsLst>
+              <a:gs pos="0">
+                <a:srgbClr val="005B70"/>
+              </a:gs>
+              <a:gs pos="100000">
+                <a:srgbClr val="74AA9C"/>
+              </a:gs>
+            </a:gsLst>
+            <a:lin ang="2700000" scaled="1"/>
+            <a:tileRect/>
+          </a:gradFill>
+          <a:ln>
+            <a:noFill/>
+          </a:ln>
+        </p:spPr>
+        <p:style>
+          <a:lnRef idx="2">
+            <a:schemeClr val="accent1">
+              <a:shade val="50000"/>
+            </a:schemeClr>
+          </a:lnRef>
+          <a:fillRef idx="1">
+            <a:schemeClr val="accent1"/>
+          </a:fillRef>
+          <a:effectRef idx="0">
+            <a:schemeClr val="accent1"/>
+          </a:effectRef>
+          <a:fontRef idx="minor">
+            <a:schemeClr val="lt1"/>
+          </a:fontRef>
+        </p:style>
+        <p:txBody>
+          <a:bodyPr rtlCol="0" anchor="ctr"/>
+          <a:lstStyle/>
+          <a:p>
+            <a:r>
+              <a:rPr lang="en-US" altLang="zh-CN" sz="3600" b="1" smtClean="0">
+                <a:latin typeface="Times New Roman" panose="02020603050405020304" pitchFamily="18" charset="0"/>
+                <a:cs typeface="Times New Roman" panose="02020603050405020304" pitchFamily="18" charset="0"/>
+              </a:rPr>
+              <a:t>Result</a:t>
+            </a:r>
+            <a:endParaRPr lang="zh-TW" altLang="en-US" sz="3600" b="1" dirty="0">
+              <a:latin typeface="Times New Roman" panose="02020603050405020304" pitchFamily="18" charset="0"/>
+              <a:cs typeface="Times New Roman" panose="02020603050405020304" pitchFamily="18" charset="0"/>
+            </a:endParaRPr>
+          </a:p>
+        </p:txBody>
+      </p:sp>
+      <p:sp>
+        <p:nvSpPr>
+          <p:cNvPr id="6" name="矩形 5"/>
+          <p:cNvSpPr/>
+          <p:nvPr/>
+        </p:nvSpPr>
+        <p:spPr>
+          <a:xfrm>
+            <a:off x="211992" y="2551837"/>
+            <a:ext cx="3203344" cy="1754326"/>
+          </a:xfrm>
+          <a:prstGeom prst="rect">
+            <a:avLst/>
+          </a:prstGeom>
+        </p:spPr>
+        <p:txBody>
+          <a:bodyPr wrap="square">
+            <a:spAutoFit/>
+          </a:bodyPr>
+          <a:lstStyle/>
+          <a:p>
+            <a:pPr marL="285750" indent="-285750">
+              <a:buFont typeface="Wingdings" panose="05000000000000000000" pitchFamily="2" charset="2"/>
+              <a:buChar char="n"/>
+            </a:pPr>
+            <a:r>
+              <a:rPr lang="zh-CN" altLang="en-US" smtClean="0"/>
+              <a:t>在</a:t>
+            </a:r>
+            <a:r>
+              <a:rPr lang="en-US" altLang="zh-CN" smtClean="0"/>
+              <a:t>628</a:t>
+            </a:r>
+            <a:r>
+              <a:rPr lang="zh-CN" altLang="en-US" smtClean="0"/>
+              <a:t>种不同的症状中</a:t>
+            </a:r>
+            <a:endParaRPr lang="en-US" altLang="zh-CN" smtClean="0"/>
+          </a:p>
+          <a:p>
+            <a:pPr marL="285750" indent="-285750">
+              <a:buFont typeface="Wingdings" panose="05000000000000000000" pitchFamily="2" charset="2"/>
+              <a:buChar char="p"/>
+            </a:pPr>
+            <a:r>
+              <a:rPr lang="en-US" altLang="zh-CN" smtClean="0"/>
+              <a:t>397(63.2%)</a:t>
+            </a:r>
+            <a:r>
+              <a:rPr lang="zh-CN" altLang="en-US" smtClean="0"/>
+              <a:t>种单一症状</a:t>
+            </a:r>
+            <a:endParaRPr lang="en-US" altLang="zh-CN" smtClean="0"/>
+          </a:p>
+          <a:p>
+            <a:pPr marL="285750" indent="-285750">
+              <a:buFont typeface="Wingdings" panose="05000000000000000000" pitchFamily="2" charset="2"/>
+              <a:buChar char="p"/>
+            </a:pPr>
+            <a:r>
+              <a:rPr lang="en-US" altLang="zh-CN" smtClean="0"/>
+              <a:t>231(36.8%)</a:t>
+            </a:r>
+            <a:r>
+              <a:rPr lang="zh-CN" altLang="en-US" smtClean="0"/>
+              <a:t>种非单一症状</a:t>
+            </a:r>
+            <a:endParaRPr lang="en-US" altLang="zh-CN"/>
+          </a:p>
+          <a:p>
+            <a:pPr marL="285750" indent="-285750">
+              <a:buFont typeface="Wingdings" panose="05000000000000000000" pitchFamily="2" charset="2"/>
+              <a:buChar char="ü"/>
+            </a:pPr>
+            <a:r>
+              <a:rPr lang="zh-CN" altLang="en-US" smtClean="0"/>
+              <a:t>非单一症状一共出现</a:t>
+            </a:r>
+            <a:r>
+              <a:rPr lang="zh-CN" altLang="en-US"/>
+              <a:t>了</a:t>
+            </a:r>
+            <a:r>
+              <a:rPr lang="en-US" altLang="zh-CN"/>
+              <a:t>1022</a:t>
+            </a:r>
+            <a:r>
+              <a:rPr lang="zh-CN" altLang="en-US"/>
+              <a:t>次</a:t>
+            </a:r>
+            <a:r>
+              <a:rPr lang="zh-CN" altLang="en-US" smtClean="0"/>
+              <a:t>，占</a:t>
+            </a:r>
+            <a:r>
+              <a:rPr lang="zh-CN" altLang="en-US"/>
+              <a:t>所有诊断标准中列出的症状的</a:t>
+            </a:r>
+            <a:r>
+              <a:rPr lang="en-US" altLang="zh-CN"/>
+              <a:t>72.0</a:t>
+            </a:r>
+            <a:r>
+              <a:rPr lang="en-US" altLang="zh-CN" smtClean="0"/>
+              <a:t>%</a:t>
+            </a:r>
+          </a:p>
+        </p:txBody>
+      </p:sp>
+      <p:pic>
+        <p:nvPicPr>
+          <p:cNvPr id="2" name="图片 1"/>
+          <p:cNvPicPr>
+            <a:picLocks noChangeAspect="1"/>
+          </p:cNvPicPr>
+          <p:nvPr/>
+        </p:nvPicPr>
+        <p:blipFill>
+          <a:blip r:embed="rId3">
+            <a:clrChange>
+              <a:clrFrom>
+                <a:srgbClr val="FFFFFF"/>
+              </a:clrFrom>
+              <a:clrTo>
+                <a:srgbClr val="FFFFFF">
+                  <a:alpha val="0"/>
+                </a:srgbClr>
+              </a:clrTo>
+            </a:clrChange>
+          </a:blip>
+          <a:stretch>
+            <a:fillRect/>
+          </a:stretch>
+        </p:blipFill>
+        <p:spPr>
+          <a:xfrm>
+            <a:off x="3218985" y="772509"/>
+            <a:ext cx="5619646" cy="5312982"/>
+          </a:xfrm>
+          <a:prstGeom prst="rect">
+            <a:avLst/>
+          </a:prstGeom>
+        </p:spPr>
+      </p:pic>
+      <p:sp>
+        <p:nvSpPr>
+          <p:cNvPr id="3" name="文本框 2"/>
           <p:cNvSpPr txBox="1"/>
           <p:nvPr/>
         </p:nvSpPr>
         <p:spPr>
           <a:xfrm>
-            <a:off x="394138" y="252248"/>
-            <a:ext cx="1308538" cy="369332"/>
+            <a:off x="1054608" y="1328550"/>
+            <a:ext cx="930166" cy="830997"/>
           </a:xfrm>
           <a:prstGeom prst="rect">
             <a:avLst/>
@@ -4733,312 +6346,29 @@
           <a:lstStyle/>
           <a:p>
             <a:r>
-              <a:rPr lang="zh-CN" altLang="en-US" dirty="0" smtClean="0"/>
-              <a:t>结果</a:t>
-            </a:r>
-            <a:endParaRPr lang="zh-TW" altLang="en-US" dirty="0"/>
-          </a:p>
-        </p:txBody>
-      </p:sp>
-      <p:sp>
-        <p:nvSpPr>
-          <p:cNvPr id="3" name="矩形 2"/>
-          <p:cNvSpPr/>
-          <p:nvPr/>
-        </p:nvSpPr>
-        <p:spPr>
-          <a:xfrm>
-            <a:off x="333703" y="1058689"/>
-            <a:ext cx="11524593" cy="3416320"/>
-          </a:xfrm>
-          <a:prstGeom prst="rect">
-            <a:avLst/>
-          </a:prstGeom>
-        </p:spPr>
-        <p:txBody>
-          <a:bodyPr wrap="square">
-            <a:spAutoFit/>
-          </a:bodyPr>
-          <a:lstStyle/>
-          <a:p>
-            <a:r>
-              <a:rPr lang="zh-CN" altLang="en-US" dirty="0" smtClean="0"/>
-              <a:t>在研究中，作者们对</a:t>
-            </a:r>
-            <a:r>
-              <a:rPr lang="en-US" altLang="zh-CN" dirty="0" smtClean="0"/>
-              <a:t>202</a:t>
-            </a:r>
-            <a:r>
-              <a:rPr lang="zh-CN" altLang="en-US" dirty="0" smtClean="0"/>
-              <a:t>个诊断进行了分析，</a:t>
-            </a:r>
-            <a:endParaRPr lang="en-US" altLang="zh-CN" dirty="0" smtClean="0"/>
-          </a:p>
-          <a:p>
-            <a:r>
-              <a:rPr lang="zh-CN" altLang="en-US" dirty="0" smtClean="0"/>
-              <a:t>其中包括</a:t>
-            </a:r>
-            <a:r>
-              <a:rPr lang="en-US" altLang="zh-CN" dirty="0" smtClean="0"/>
-              <a:t>135</a:t>
-            </a:r>
-            <a:r>
-              <a:rPr lang="zh-CN" altLang="en-US" dirty="0" smtClean="0"/>
-              <a:t>个主要障碍和</a:t>
-            </a:r>
-            <a:r>
-              <a:rPr lang="en-US" altLang="zh-CN" dirty="0" smtClean="0"/>
-              <a:t>763</a:t>
-            </a:r>
-            <a:r>
-              <a:rPr lang="zh-CN" altLang="en-US" dirty="0" smtClean="0"/>
-              <a:t>个带有附加症状的特定障碍或其他指定障碍。</a:t>
-            </a:r>
-            <a:endParaRPr lang="en-US" altLang="zh-CN" dirty="0" smtClean="0"/>
-          </a:p>
-          <a:p>
-            <a:endParaRPr lang="en-US" altLang="zh-CN" dirty="0"/>
-          </a:p>
-          <a:p>
-            <a:r>
-              <a:rPr lang="zh-CN" altLang="en-US" dirty="0" smtClean="0"/>
-              <a:t>他们鉴定了总共</a:t>
-            </a:r>
-            <a:r>
-              <a:rPr lang="en-US" altLang="zh-CN" dirty="0" smtClean="0"/>
-              <a:t>1419</a:t>
-            </a:r>
-            <a:r>
-              <a:rPr lang="zh-CN" altLang="en-US" dirty="0" smtClean="0"/>
-              <a:t>个组成症状，</a:t>
-            </a:r>
-            <a:endParaRPr lang="en-US" altLang="zh-CN" dirty="0" smtClean="0"/>
-          </a:p>
-          <a:p>
-            <a:endParaRPr lang="en-US" altLang="zh-CN" dirty="0"/>
-          </a:p>
-          <a:p>
-            <a:r>
-              <a:rPr lang="zh-CN" altLang="en-US" dirty="0" smtClean="0"/>
-              <a:t>并使用定性和计算机内容重叠分析，确定了</a:t>
-            </a:r>
-            <a:r>
-              <a:rPr lang="en-US" altLang="zh-CN" dirty="0" smtClean="0"/>
-              <a:t>628</a:t>
-            </a:r>
-            <a:r>
-              <a:rPr lang="zh-CN" altLang="en-US" dirty="0" smtClean="0"/>
-              <a:t>个不同的症状。</a:t>
-            </a:r>
-            <a:endParaRPr lang="en-US" altLang="zh-CN" dirty="0" smtClean="0"/>
-          </a:p>
-          <a:p>
-            <a:r>
-              <a:rPr lang="en-US" altLang="zh-CN" dirty="0"/>
-              <a:t>	</a:t>
-            </a:r>
-            <a:r>
-              <a:rPr lang="zh-CN" altLang="en-US" dirty="0" smtClean="0"/>
-              <a:t>在这些不同的症状中，</a:t>
-            </a:r>
-            <a:r>
-              <a:rPr lang="en-US" altLang="zh-CN" dirty="0" smtClean="0"/>
-              <a:t>63.2%</a:t>
-            </a:r>
-            <a:r>
-              <a:rPr lang="zh-CN" altLang="en-US" dirty="0" smtClean="0"/>
-              <a:t>（</a:t>
-            </a:r>
-            <a:r>
-              <a:rPr lang="en-US" altLang="zh-CN" dirty="0" smtClean="0"/>
-              <a:t>397</a:t>
-            </a:r>
-            <a:r>
-              <a:rPr lang="zh-CN" altLang="en-US" dirty="0" smtClean="0"/>
-              <a:t>个）仅在一个诊断中出现。</a:t>
-            </a:r>
-            <a:endParaRPr lang="en-US" altLang="zh-CN" dirty="0" smtClean="0"/>
-          </a:p>
-          <a:p>
-            <a:r>
-              <a:rPr lang="en-US" altLang="zh-CN" dirty="0"/>
-              <a:t>	</a:t>
-            </a:r>
-            <a:r>
-              <a:rPr lang="en-US" altLang="zh-CN" dirty="0" smtClean="0"/>
-              <a:t>231</a:t>
-            </a:r>
-            <a:r>
-              <a:rPr lang="zh-CN" altLang="en-US" dirty="0" smtClean="0"/>
-              <a:t>个非唯一症状则在平均</a:t>
-            </a:r>
-            <a:r>
-              <a:rPr lang="en-US" altLang="zh-CN" dirty="0" smtClean="0"/>
-              <a:t>4.4</a:t>
-            </a:r>
-            <a:r>
-              <a:rPr lang="zh-CN" altLang="en-US" dirty="0" smtClean="0"/>
-              <a:t>次（标准偏差</a:t>
-            </a:r>
-            <a:r>
-              <a:rPr lang="en-US" altLang="zh-CN" dirty="0" smtClean="0"/>
-              <a:t>= 3.4</a:t>
-            </a:r>
-            <a:r>
-              <a:rPr lang="zh-CN" altLang="en-US" dirty="0" smtClean="0"/>
-              <a:t>，中位数</a:t>
-            </a:r>
-            <a:r>
-              <a:rPr lang="en-US" altLang="zh-CN" dirty="0" smtClean="0"/>
-              <a:t>= 3</a:t>
-            </a:r>
-            <a:r>
-              <a:rPr lang="zh-CN" altLang="en-US" dirty="0" smtClean="0"/>
-              <a:t>，范围</a:t>
-            </a:r>
-            <a:r>
-              <a:rPr lang="en-US" altLang="zh-CN" dirty="0" smtClean="0"/>
-              <a:t>= 2-22</a:t>
-            </a:r>
-            <a:r>
-              <a:rPr lang="zh-CN" altLang="en-US" dirty="0" smtClean="0"/>
-              <a:t>）出现，总计</a:t>
-            </a:r>
-            <a:r>
-              <a:rPr lang="en-US" altLang="zh-CN" dirty="0" smtClean="0"/>
-              <a:t>1022</a:t>
-            </a:r>
-            <a:r>
-              <a:rPr lang="zh-CN" altLang="en-US" dirty="0" smtClean="0"/>
-              <a:t>次，并占所有诊断标准中列出的症状的</a:t>
-            </a:r>
-            <a:r>
-              <a:rPr lang="en-US" altLang="zh-CN" dirty="0" smtClean="0"/>
-              <a:t>72.0</a:t>
-            </a:r>
-            <a:r>
-              <a:rPr lang="zh-CN" altLang="en-US" dirty="0" smtClean="0"/>
-              <a:t>％。</a:t>
-            </a:r>
-            <a:endParaRPr lang="en-US" altLang="zh-CN" dirty="0" smtClean="0"/>
-          </a:p>
-          <a:p>
-            <a:r>
-              <a:rPr lang="en-US" altLang="zh-CN" dirty="0"/>
-              <a:t>	</a:t>
-            </a:r>
-            <a:r>
-              <a:rPr lang="zh-CN" altLang="en-US" dirty="0" smtClean="0"/>
-              <a:t>其中有</a:t>
-            </a:r>
-            <a:r>
-              <a:rPr lang="en-US" altLang="zh-CN" dirty="0" smtClean="0"/>
-              <a:t>163</a:t>
-            </a:r>
-            <a:r>
-              <a:rPr lang="zh-CN" altLang="en-US" dirty="0" smtClean="0"/>
-              <a:t>个（</a:t>
-            </a:r>
-            <a:r>
-              <a:rPr lang="en-US" altLang="zh-CN" dirty="0" smtClean="0"/>
-              <a:t>70.6</a:t>
-            </a:r>
-            <a:r>
-              <a:rPr lang="zh-CN" altLang="en-US" dirty="0" smtClean="0"/>
-              <a:t>％）在同一章节内重复，</a:t>
-            </a:r>
-            <a:endParaRPr lang="en-US" altLang="zh-CN" dirty="0" smtClean="0"/>
-          </a:p>
-          <a:p>
-            <a:r>
-              <a:rPr lang="en-US" altLang="zh-CN" dirty="0"/>
-              <a:t>	</a:t>
-            </a:r>
-            <a:r>
-              <a:rPr lang="en-US" altLang="zh-CN" dirty="0" smtClean="0"/>
-              <a:t>155</a:t>
-            </a:r>
-            <a:r>
-              <a:rPr lang="zh-CN" altLang="en-US" dirty="0" smtClean="0"/>
-              <a:t>个（</a:t>
-            </a:r>
-            <a:r>
-              <a:rPr lang="en-US" altLang="zh-CN" dirty="0" smtClean="0"/>
-              <a:t>67.1</a:t>
-            </a:r>
-            <a:r>
-              <a:rPr lang="zh-CN" altLang="en-US" dirty="0" smtClean="0"/>
-              <a:t>％）在多个章节之间重复，</a:t>
-            </a:r>
-            <a:r>
-              <a:rPr lang="en-US" altLang="zh-CN" dirty="0" smtClean="0"/>
-              <a:t>87</a:t>
-            </a:r>
-            <a:r>
-              <a:rPr lang="zh-CN" altLang="en-US" dirty="0" smtClean="0"/>
-              <a:t>个（</a:t>
-            </a:r>
-            <a:r>
-              <a:rPr lang="en-US" altLang="zh-CN" dirty="0" smtClean="0"/>
-              <a:t>37.7</a:t>
-            </a:r>
-            <a:r>
-              <a:rPr lang="zh-CN" altLang="en-US" dirty="0" smtClean="0"/>
-              <a:t>％）同时在章节内和章节之间重复。</a:t>
-            </a:r>
-            <a:endParaRPr lang="en-US" altLang="zh-CN" dirty="0" smtClean="0"/>
-          </a:p>
-          <a:p>
-            <a:endParaRPr lang="en-US" altLang="zh-CN" dirty="0"/>
-          </a:p>
-        </p:txBody>
-      </p:sp>
-      <p:sp>
-        <p:nvSpPr>
-          <p:cNvPr id="4" name="文本框 3"/>
-          <p:cNvSpPr txBox="1"/>
-          <p:nvPr/>
-        </p:nvSpPr>
-        <p:spPr>
-          <a:xfrm>
-            <a:off x="5638800" y="4912118"/>
-            <a:ext cx="914400" cy="369332"/>
-          </a:xfrm>
-          <a:prstGeom prst="rect">
-            <a:avLst/>
-          </a:prstGeom>
-          <a:noFill/>
-        </p:spPr>
-        <p:txBody>
-          <a:bodyPr wrap="square" rtlCol="0">
-            <a:spAutoFit/>
-          </a:bodyPr>
-          <a:lstStyle/>
-          <a:p>
-            <a:r>
-              <a:rPr lang="zh-CN" altLang="en-US" dirty="0" smtClean="0"/>
-              <a:t>图</a:t>
-            </a:r>
-            <a:r>
-              <a:rPr lang="en-US" altLang="zh-CN" dirty="0" smtClean="0"/>
-              <a:t>1</a:t>
-            </a:r>
-            <a:endParaRPr lang="zh-TW" altLang="en-US" dirty="0"/>
+              <a:rPr lang="zh-CN" altLang="en-US" sz="2400" b="1"/>
+              <a:t>总的来看</a:t>
+            </a:r>
           </a:p>
         </p:txBody>
       </p:sp>
     </p:spTree>
     <p:extLst>
       <p:ext uri="{BB962C8B-B14F-4D97-AF65-F5344CB8AC3E}">
-        <p14:creationId xmlns:p14="http://schemas.microsoft.com/office/powerpoint/2010/main" val="2938997783"/>
+        <p14:creationId xmlns:p14="http://schemas.microsoft.com/office/powerpoint/2010/main" val="2821778139"/>
       </p:ext>
     </p:extLst>
   </p:cSld>
   <p:clrMapOvr>
     <a:masterClrMapping/>
   </p:clrMapOvr>
+  <p:timing>
+    <p:tnLst>
+      <p:par>
+        <p:cTn id="1" dur="indefinite" restart="never" nodeType="tmRoot"/>
+      </p:par>
+    </p:tnLst>
+  </p:timing>
 </p:sld>
 </file>
 
@@ -5061,14 +6391,240 @@
       </p:grpSpPr>
       <p:sp>
         <p:nvSpPr>
+          <p:cNvPr id="11" name="矩形 10"/>
+          <p:cNvSpPr/>
+          <p:nvPr/>
+        </p:nvSpPr>
+        <p:spPr>
+          <a:xfrm>
+            <a:off x="0" y="0"/>
+            <a:ext cx="8979408" cy="6858000"/>
+          </a:xfrm>
+          <a:prstGeom prst="rect">
+            <a:avLst/>
+          </a:prstGeom>
+          <a:solidFill>
+            <a:schemeClr val="bg1">
+              <a:alpha val="50196"/>
+            </a:schemeClr>
+          </a:solidFill>
+          <a:ln>
+            <a:noFill/>
+          </a:ln>
+        </p:spPr>
+        <p:style>
+          <a:lnRef idx="2">
+            <a:schemeClr val="accent1">
+              <a:shade val="50000"/>
+            </a:schemeClr>
+          </a:lnRef>
+          <a:fillRef idx="1">
+            <a:schemeClr val="accent1"/>
+          </a:fillRef>
+          <a:effectRef idx="0">
+            <a:schemeClr val="accent1"/>
+          </a:effectRef>
+          <a:fontRef idx="minor">
+            <a:schemeClr val="lt1"/>
+          </a:fontRef>
+        </p:style>
+        <p:txBody>
+          <a:bodyPr rtlCol="0" anchor="ctr"/>
+          <a:lstStyle/>
+          <a:p>
+            <a:pPr algn="ctr"/>
+            <a:endParaRPr lang="zh-CN" altLang="en-US"/>
+          </a:p>
+        </p:txBody>
+      </p:sp>
+      <p:sp>
+        <p:nvSpPr>
           <p:cNvPr id="4" name="矩形 3"/>
           <p:cNvSpPr/>
           <p:nvPr/>
         </p:nvSpPr>
         <p:spPr>
           <a:xfrm>
-            <a:off x="1234965" y="735413"/>
-            <a:ext cx="9722069" cy="1754326"/>
+            <a:off x="8979408" y="0"/>
+            <a:ext cx="3212592" cy="6858000"/>
+          </a:xfrm>
+          <a:prstGeom prst="rect">
+            <a:avLst/>
+          </a:prstGeom>
+          <a:gradFill flip="none" rotWithShape="1">
+            <a:gsLst>
+              <a:gs pos="0">
+                <a:srgbClr val="005B70"/>
+              </a:gs>
+              <a:gs pos="100000">
+                <a:srgbClr val="74AA9C"/>
+              </a:gs>
+            </a:gsLst>
+            <a:lin ang="2700000" scaled="1"/>
+            <a:tileRect/>
+          </a:gradFill>
+          <a:ln>
+            <a:noFill/>
+          </a:ln>
+        </p:spPr>
+        <p:style>
+          <a:lnRef idx="2">
+            <a:schemeClr val="accent1">
+              <a:shade val="50000"/>
+            </a:schemeClr>
+          </a:lnRef>
+          <a:fillRef idx="1">
+            <a:schemeClr val="accent1"/>
+          </a:fillRef>
+          <a:effectRef idx="0">
+            <a:schemeClr val="accent1"/>
+          </a:effectRef>
+          <a:fontRef idx="minor">
+            <a:schemeClr val="lt1"/>
+          </a:fontRef>
+        </p:style>
+        <p:txBody>
+          <a:bodyPr rtlCol="0" anchor="ctr"/>
+          <a:lstStyle/>
+          <a:p>
+            <a:pPr algn="ctr"/>
+            <a:r>
+              <a:rPr lang="en-US" altLang="zh-TW" sz="6000" dirty="0" smtClean="0"/>
+              <a:t>DSM - 5</a:t>
+            </a:r>
+            <a:endParaRPr lang="zh-TW" altLang="en-US" sz="6000" dirty="0"/>
+          </a:p>
+        </p:txBody>
+      </p:sp>
+      <p:sp>
+        <p:nvSpPr>
+          <p:cNvPr id="9" name="矩形 8"/>
+          <p:cNvSpPr/>
+          <p:nvPr/>
+        </p:nvSpPr>
+        <p:spPr>
+          <a:xfrm>
+            <a:off x="0" y="6291072"/>
+            <a:ext cx="1054608" cy="566928"/>
+          </a:xfrm>
+          <a:prstGeom prst="rect">
+            <a:avLst/>
+          </a:prstGeom>
+          <a:gradFill flip="none" rotWithShape="1">
+            <a:gsLst>
+              <a:gs pos="0">
+                <a:srgbClr val="005B70"/>
+              </a:gs>
+              <a:gs pos="100000">
+                <a:srgbClr val="74AA9C"/>
+              </a:gs>
+            </a:gsLst>
+            <a:lin ang="2700000" scaled="1"/>
+            <a:tileRect/>
+          </a:gradFill>
+          <a:ln>
+            <a:noFill/>
+          </a:ln>
+        </p:spPr>
+        <p:style>
+          <a:lnRef idx="2">
+            <a:schemeClr val="accent1">
+              <a:shade val="50000"/>
+            </a:schemeClr>
+          </a:lnRef>
+          <a:fillRef idx="1">
+            <a:schemeClr val="accent1"/>
+          </a:fillRef>
+          <a:effectRef idx="0">
+            <a:schemeClr val="accent1"/>
+          </a:effectRef>
+          <a:fontRef idx="minor">
+            <a:schemeClr val="lt1"/>
+          </a:fontRef>
+        </p:style>
+        <p:txBody>
+          <a:bodyPr rtlCol="0" anchor="ctr"/>
+          <a:lstStyle/>
+          <a:p>
+            <a:pPr algn="ctr"/>
+            <a:endParaRPr lang="zh-TW" altLang="en-US"/>
+          </a:p>
+        </p:txBody>
+      </p:sp>
+      <p:sp>
+        <p:nvSpPr>
+          <p:cNvPr id="7" name="矩形 6"/>
+          <p:cNvSpPr/>
+          <p:nvPr/>
+        </p:nvSpPr>
+        <p:spPr>
+          <a:xfrm>
+            <a:off x="0" y="0"/>
+            <a:ext cx="3941064" cy="566928"/>
+          </a:xfrm>
+          <a:prstGeom prst="rect">
+            <a:avLst/>
+          </a:prstGeom>
+          <a:gradFill flip="none" rotWithShape="1">
+            <a:gsLst>
+              <a:gs pos="0">
+                <a:srgbClr val="005B70"/>
+              </a:gs>
+              <a:gs pos="100000">
+                <a:srgbClr val="74AA9C"/>
+              </a:gs>
+            </a:gsLst>
+            <a:lin ang="2700000" scaled="1"/>
+            <a:tileRect/>
+          </a:gradFill>
+          <a:ln>
+            <a:noFill/>
+          </a:ln>
+        </p:spPr>
+        <p:style>
+          <a:lnRef idx="2">
+            <a:schemeClr val="accent1">
+              <a:shade val="50000"/>
+            </a:schemeClr>
+          </a:lnRef>
+          <a:fillRef idx="1">
+            <a:schemeClr val="accent1"/>
+          </a:fillRef>
+          <a:effectRef idx="0">
+            <a:schemeClr val="accent1"/>
+          </a:effectRef>
+          <a:fontRef idx="minor">
+            <a:schemeClr val="lt1"/>
+          </a:fontRef>
+        </p:style>
+        <p:txBody>
+          <a:bodyPr rtlCol="0" anchor="ctr"/>
+          <a:lstStyle/>
+          <a:p>
+            <a:r>
+              <a:rPr lang="en-US" altLang="zh-CN" sz="3600" b="1" smtClean="0">
+                <a:latin typeface="Times New Roman" panose="02020603050405020304" pitchFamily="18" charset="0"/>
+                <a:cs typeface="Times New Roman" panose="02020603050405020304" pitchFamily="18" charset="0"/>
+              </a:rPr>
+              <a:t>Result</a:t>
+            </a:r>
+            <a:endParaRPr lang="zh-TW" altLang="en-US" sz="3600" b="1" dirty="0">
+              <a:latin typeface="Times New Roman" panose="02020603050405020304" pitchFamily="18" charset="0"/>
+              <a:cs typeface="Times New Roman" panose="02020603050405020304" pitchFamily="18" charset="0"/>
+            </a:endParaRPr>
+          </a:p>
+        </p:txBody>
+      </p:sp>
+      <p:sp>
+        <p:nvSpPr>
+          <p:cNvPr id="6" name="矩形 5"/>
+          <p:cNvSpPr/>
+          <p:nvPr/>
+        </p:nvSpPr>
+        <p:spPr>
+          <a:xfrm>
+            <a:off x="240393" y="2413337"/>
+            <a:ext cx="3023070" cy="2031325"/>
           </a:xfrm>
           <a:prstGeom prst="rect">
             <a:avLst/>
@@ -5080,83 +6636,185 @@
           </a:bodyPr>
           <a:lstStyle/>
           <a:p>
-            <a:r>
-              <a:rPr lang="zh-CN" altLang="en-US" dirty="0" smtClean="0"/>
-              <a:t>图 </a:t>
-            </a:r>
-            <a:r>
-              <a:rPr lang="en-US" altLang="zh-CN" dirty="0" smtClean="0"/>
-              <a:t>2 </a:t>
-            </a:r>
-            <a:r>
-              <a:rPr lang="zh-CN" altLang="en-US" dirty="0" smtClean="0"/>
-              <a:t>说明了 </a:t>
-            </a:r>
-            <a:r>
-              <a:rPr lang="en-US" altLang="zh-CN" dirty="0" smtClean="0"/>
-              <a:t>DSM-5 </a:t>
-            </a:r>
-            <a:r>
-              <a:rPr lang="zh-CN" altLang="en-US" dirty="0" smtClean="0"/>
-              <a:t>中章节内和章节间症状重叠的模式。</a:t>
-            </a:r>
-            <a:endParaRPr lang="en-US" altLang="zh-CN" dirty="0" smtClean="0"/>
-          </a:p>
-          <a:p>
-            <a:r>
-              <a:rPr lang="zh-CN" altLang="en-US" dirty="0" smtClean="0"/>
-              <a:t> 它显示了不同诊断之间共有多少症状，以及哪些诊断具有最重叠的症状。</a:t>
-            </a:r>
-            <a:endParaRPr lang="en-US" altLang="zh-CN" dirty="0" smtClean="0"/>
-          </a:p>
-          <a:p>
-            <a:endParaRPr lang="en-US" altLang="zh-CN" dirty="0"/>
-          </a:p>
-          <a:p>
-            <a:r>
-              <a:rPr lang="zh-CN" altLang="en-US" dirty="0" smtClean="0"/>
-              <a:t> 该图分为 </a:t>
-            </a:r>
-            <a:r>
-              <a:rPr lang="en-US" altLang="zh-CN" dirty="0" smtClean="0"/>
-              <a:t>DSM-5 </a:t>
-            </a:r>
-            <a:r>
-              <a:rPr lang="zh-CN" altLang="en-US" dirty="0" smtClean="0"/>
-              <a:t>每一章的部分，各个面板显示每一章的症状和诊断标签。 </a:t>
-            </a:r>
-            <a:endParaRPr lang="en-US" altLang="zh-CN" dirty="0" smtClean="0"/>
-          </a:p>
-          <a:p>
-            <a:endParaRPr lang="en-US" altLang="zh-CN" dirty="0"/>
-          </a:p>
-          <a:p>
-            <a:r>
-              <a:rPr lang="zh-CN" altLang="en-US" dirty="0" smtClean="0"/>
-              <a:t>表 </a:t>
-            </a:r>
-            <a:r>
-              <a:rPr lang="en-US" altLang="zh-CN" dirty="0" smtClean="0"/>
-              <a:t>1 </a:t>
-            </a:r>
-            <a:r>
-              <a:rPr lang="zh-CN" altLang="en-US" dirty="0" smtClean="0"/>
-              <a:t>描述了每章中诊断和症状级别的一些重复模式。</a:t>
-            </a:r>
-            <a:endParaRPr lang="zh-TW" altLang="en-US" dirty="0"/>
-          </a:p>
-        </p:txBody>
-      </p:sp>
-      <p:sp>
-        <p:nvSpPr>
-          <p:cNvPr id="5" name="文本框 4"/>
+            <a:pPr marL="285750" indent="-285750">
+              <a:buFont typeface="Wingdings" panose="05000000000000000000" pitchFamily="2" charset="2"/>
+              <a:buChar char="n"/>
+            </a:pPr>
+            <a:r>
+              <a:rPr lang="zh-CN" altLang="en-US" smtClean="0"/>
+              <a:t>非单一症状的内容重叠</a:t>
+            </a:r>
+            <a:endParaRPr lang="en-US" altLang="zh-CN" smtClean="0"/>
+          </a:p>
+          <a:p>
+            <a:pPr marL="285750" indent="-285750">
+              <a:buFont typeface="Wingdings" panose="05000000000000000000" pitchFamily="2" charset="2"/>
+              <a:buChar char="ü"/>
+            </a:pPr>
+            <a:r>
+              <a:rPr lang="en-US" altLang="zh-CN" smtClean="0"/>
+              <a:t>163</a:t>
+            </a:r>
+            <a:r>
+              <a:rPr lang="zh-CN" altLang="en-US" smtClean="0"/>
+              <a:t>种</a:t>
+            </a:r>
+            <a:r>
+              <a:rPr lang="en-US" altLang="zh-CN" smtClean="0"/>
+              <a:t>(70.6%</a:t>
+            </a:r>
+            <a:r>
+              <a:rPr lang="en-US" altLang="zh-CN"/>
+              <a:t>)</a:t>
+            </a:r>
+            <a:r>
+              <a:rPr lang="zh-CN" altLang="en-US" smtClean="0"/>
+              <a:t>在</a:t>
+            </a:r>
+            <a:r>
+              <a:rPr lang="zh-CN" altLang="en-US"/>
+              <a:t>同一章节内</a:t>
+            </a:r>
+            <a:r>
+              <a:rPr lang="zh-CN" altLang="en-US"/>
+              <a:t>重复</a:t>
+            </a:r>
+            <a:r>
+              <a:rPr lang="zh-CN" altLang="en-US" smtClean="0"/>
+              <a:t>出现</a:t>
+            </a:r>
+            <a:endParaRPr lang="en-US" altLang="zh-CN"/>
+          </a:p>
+          <a:p>
+            <a:pPr marL="285750" indent="-285750">
+              <a:buFont typeface="Wingdings" panose="05000000000000000000" pitchFamily="2" charset="2"/>
+              <a:buChar char="ü"/>
+            </a:pPr>
+            <a:r>
+              <a:rPr lang="en-US" altLang="zh-CN" smtClean="0"/>
+              <a:t>155</a:t>
+            </a:r>
+            <a:r>
+              <a:rPr lang="zh-CN" altLang="en-US" smtClean="0"/>
+              <a:t>种</a:t>
+            </a:r>
+            <a:r>
+              <a:rPr lang="en-US" altLang="zh-CN" smtClean="0"/>
+              <a:t>(67.1%</a:t>
+            </a:r>
+            <a:r>
+              <a:rPr lang="en-US" altLang="zh-CN"/>
+              <a:t>)</a:t>
+            </a:r>
+            <a:r>
+              <a:rPr lang="zh-CN" altLang="en-US" smtClean="0"/>
+              <a:t>在</a:t>
+            </a:r>
+            <a:r>
+              <a:rPr lang="zh-CN" altLang="en-US"/>
+              <a:t>多个章节之间</a:t>
+            </a:r>
+            <a:r>
+              <a:rPr lang="zh-CN" altLang="en-US"/>
+              <a:t>重复</a:t>
+            </a:r>
+            <a:r>
+              <a:rPr lang="zh-CN" altLang="en-US" smtClean="0"/>
+              <a:t>出现</a:t>
+            </a:r>
+            <a:endParaRPr lang="en-US" altLang="zh-CN" smtClean="0"/>
+          </a:p>
+          <a:p>
+            <a:pPr marL="285750" indent="-285750">
+              <a:buFont typeface="Wingdings" panose="05000000000000000000" pitchFamily="2" charset="2"/>
+              <a:buChar char="ü"/>
+            </a:pPr>
+            <a:r>
+              <a:rPr lang="en-US" altLang="zh-CN" smtClean="0"/>
+              <a:t>87</a:t>
+            </a:r>
+            <a:r>
+              <a:rPr lang="zh-CN" altLang="en-US" smtClean="0"/>
+              <a:t>种</a:t>
+            </a:r>
+            <a:r>
+              <a:rPr lang="en-US" altLang="zh-CN" smtClean="0"/>
+              <a:t>(37.7%</a:t>
+            </a:r>
+            <a:r>
+              <a:rPr lang="en-US" altLang="zh-CN"/>
+              <a:t>)</a:t>
+            </a:r>
+            <a:r>
+              <a:rPr lang="zh-CN" altLang="en-US" smtClean="0"/>
+              <a:t>在</a:t>
+            </a:r>
+            <a:r>
+              <a:rPr lang="zh-CN" altLang="en-US"/>
+              <a:t>章节内和章节间都</a:t>
+            </a:r>
+            <a:r>
+              <a:rPr lang="zh-CN" altLang="en-US"/>
+              <a:t>重复</a:t>
+            </a:r>
+            <a:r>
+              <a:rPr lang="zh-CN" altLang="en-US" smtClean="0"/>
+              <a:t>出现</a:t>
+            </a:r>
+            <a:endParaRPr lang="en-US" altLang="zh-CN" dirty="0" smtClean="0">
+              <a:effectLst/>
+              <a:latin typeface="楷体" panose="02010609060101010101" pitchFamily="49" charset="-122"/>
+              <a:ea typeface="楷体" panose="02010609060101010101" pitchFamily="49" charset="-122"/>
+              <a:cs typeface="Times New Roman" panose="02020603050405020304" pitchFamily="18" charset="0"/>
+            </a:endParaRPr>
+          </a:p>
+        </p:txBody>
+      </p:sp>
+      <p:pic>
+        <p:nvPicPr>
+          <p:cNvPr id="8" name="图片 7"/>
+          <p:cNvPicPr>
+            <a:picLocks noChangeAspect="1"/>
+          </p:cNvPicPr>
+          <p:nvPr/>
+        </p:nvPicPr>
+        <p:blipFill>
+          <a:blip r:embed="rId3">
+            <a:clrChange>
+              <a:clrFrom>
+                <a:srgbClr val="FFFFFF"/>
+              </a:clrFrom>
+              <a:clrTo>
+                <a:srgbClr val="FFFFFF">
+                  <a:alpha val="0"/>
+                </a:srgbClr>
+              </a:clrTo>
+            </a:clrChange>
+          </a:blip>
+          <a:stretch>
+            <a:fillRect/>
+          </a:stretch>
+        </p:blipFill>
+        <p:spPr>
+          <a:xfrm>
+            <a:off x="3378452" y="835701"/>
+            <a:ext cx="5485966" cy="5186598"/>
+          </a:xfrm>
+          <a:prstGeom prst="rect">
+            <a:avLst/>
+          </a:prstGeom>
+        </p:spPr>
+      </p:pic>
+      <p:sp>
+        <p:nvSpPr>
+          <p:cNvPr id="12" name="文本框 11"/>
           <p:cNvSpPr txBox="1"/>
           <p:nvPr/>
         </p:nvSpPr>
         <p:spPr>
           <a:xfrm>
-            <a:off x="4645571" y="2743200"/>
-            <a:ext cx="1450428" cy="369332"/>
+            <a:off x="1054608" y="1328550"/>
+            <a:ext cx="930166" cy="830997"/>
           </a:xfrm>
           <a:prstGeom prst="rect">
             <a:avLst/>
@@ -5170,95 +6828,16 @@
           <a:lstStyle/>
           <a:p>
             <a:r>
-              <a:rPr lang="zh-CN" altLang="en-US" dirty="0" smtClean="0"/>
-              <a:t>图</a:t>
-            </a:r>
-            <a:r>
-              <a:rPr lang="en-US" altLang="zh-CN" dirty="0" smtClean="0"/>
-              <a:t>2</a:t>
-            </a:r>
-            <a:endParaRPr lang="zh-TW" altLang="en-US" dirty="0"/>
-          </a:p>
-        </p:txBody>
-      </p:sp>
-      <p:sp>
-        <p:nvSpPr>
-          <p:cNvPr id="6" name="矩形 5"/>
-          <p:cNvSpPr/>
-          <p:nvPr/>
-        </p:nvSpPr>
-        <p:spPr>
-          <a:xfrm>
-            <a:off x="872358" y="3819859"/>
-            <a:ext cx="10526111" cy="2308324"/>
-          </a:xfrm>
-          <a:prstGeom prst="rect">
-            <a:avLst/>
-          </a:prstGeom>
-        </p:spPr>
-        <p:txBody>
-          <a:bodyPr wrap="square">
-            <a:spAutoFit/>
-          </a:bodyPr>
-          <a:lstStyle/>
-          <a:p>
-            <a:r>
-              <a:rPr lang="zh-TW" altLang="en-US" dirty="0" smtClean="0"/>
-              <a:t>总体而言，图表显示 DSM-5 中不同诊断之间的症状重复程度很高，</a:t>
-            </a:r>
-            <a:endParaRPr lang="en-US" altLang="zh-TW" dirty="0" smtClean="0"/>
-          </a:p>
-          <a:p>
-            <a:endParaRPr lang="en-US" altLang="zh-TW" dirty="0"/>
-          </a:p>
-          <a:p>
-            <a:r>
-              <a:rPr lang="zh-TW" altLang="en-US" dirty="0" smtClean="0"/>
-              <a:t>202 例诊断中有 140 例 (69.3%) 至少有一种症状在另一诊断中重复出现。 </a:t>
-            </a:r>
-            <a:endParaRPr lang="en-US" altLang="zh-TW" dirty="0" smtClean="0"/>
-          </a:p>
-          <a:p>
-            <a:r>
-              <a:rPr lang="zh-TW" altLang="en-US" dirty="0" smtClean="0"/>
-              <a:t>此外，118 个诊断 (58.4%) 在另一章的诊断中至少有一个症状重复。</a:t>
-            </a:r>
-            <a:endParaRPr lang="en-US" altLang="zh-TW" dirty="0" smtClean="0"/>
-          </a:p>
-          <a:p>
-            <a:r>
-              <a:rPr lang="zh-TW" altLang="en-US" dirty="0" smtClean="0"/>
-              <a:t> 此外，75 个诊断 (37.1%) 的每个症状至少在另一个诊断中重复，</a:t>
-            </a:r>
-            <a:endParaRPr lang="en-US" altLang="zh-TW" dirty="0" smtClean="0"/>
-          </a:p>
-          <a:p>
-            <a:r>
-              <a:rPr lang="zh-TW" altLang="en-US" dirty="0" smtClean="0"/>
-              <a:t>47 个 (23.3%) 的每个症状在其他章节中重复。 </a:t>
-            </a:r>
-            <a:endParaRPr lang="en-US" altLang="zh-TW" dirty="0" smtClean="0"/>
-          </a:p>
-          <a:p>
-            <a:r>
-              <a:rPr lang="zh-TW" altLang="en-US" dirty="0" smtClean="0"/>
-              <a:t>另一方面，62 例诊断 (30.7%) 没有症状重叠，这意味着相应的症状在 DSM-5 中仅列出一次。 </a:t>
-            </a:r>
-            <a:endParaRPr lang="en-US" altLang="zh-TW" dirty="0" smtClean="0"/>
-          </a:p>
-          <a:p>
-            <a:r>
-              <a:rPr lang="zh-TW" altLang="en-US" dirty="0" smtClean="0"/>
-              <a:t>值得注意的是，其中 35 项诊断仅包括一种症状。</a:t>
-            </a:r>
-            <a:endParaRPr lang="zh-TW" altLang="en-US" dirty="0"/>
+              <a:rPr lang="zh-CN" altLang="en-US" sz="2400" b="1"/>
+              <a:t>总的来看</a:t>
+            </a:r>
           </a:p>
         </p:txBody>
       </p:sp>
     </p:spTree>
     <p:extLst>
       <p:ext uri="{BB962C8B-B14F-4D97-AF65-F5344CB8AC3E}">
-        <p14:creationId xmlns:p14="http://schemas.microsoft.com/office/powerpoint/2010/main" val="4107622837"/>
+        <p14:creationId xmlns:p14="http://schemas.microsoft.com/office/powerpoint/2010/main" val="4080793784"/>
       </p:ext>
     </p:extLst>
   </p:cSld>
@@ -5294,14 +6873,241 @@
       </p:grpSpPr>
       <p:sp>
         <p:nvSpPr>
-          <p:cNvPr id="2" name="矩形 1"/>
+          <p:cNvPr id="5" name="矩形 4"/>
           <p:cNvSpPr/>
           <p:nvPr/>
         </p:nvSpPr>
         <p:spPr>
           <a:xfrm>
-            <a:off x="1061545" y="1987669"/>
-            <a:ext cx="8586952" cy="2585323"/>
+            <a:off x="0" y="0"/>
+            <a:ext cx="8979408" cy="6858000"/>
+          </a:xfrm>
+          <a:prstGeom prst="rect">
+            <a:avLst/>
+          </a:prstGeom>
+          <a:solidFill>
+            <a:srgbClr val="FFFFFF">
+              <a:alpha val="50196"/>
+            </a:srgbClr>
+          </a:solidFill>
+          <a:ln>
+            <a:noFill/>
+          </a:ln>
+          <a:effectLst/>
+        </p:spPr>
+        <p:style>
+          <a:lnRef idx="2">
+            <a:schemeClr val="accent1">
+              <a:shade val="50000"/>
+            </a:schemeClr>
+          </a:lnRef>
+          <a:fillRef idx="1">
+            <a:schemeClr val="accent1"/>
+          </a:fillRef>
+          <a:effectRef idx="0">
+            <a:schemeClr val="accent1"/>
+          </a:effectRef>
+          <a:fontRef idx="minor">
+            <a:schemeClr val="lt1"/>
+          </a:fontRef>
+        </p:style>
+        <p:txBody>
+          <a:bodyPr rtlCol="0" anchor="ctr"/>
+          <a:lstStyle/>
+          <a:p>
+            <a:pPr algn="ctr"/>
+            <a:endParaRPr lang="zh-CN" altLang="en-US"/>
+          </a:p>
+        </p:txBody>
+      </p:sp>
+      <p:sp>
+        <p:nvSpPr>
+          <p:cNvPr id="4" name="矩形 3"/>
+          <p:cNvSpPr/>
+          <p:nvPr/>
+        </p:nvSpPr>
+        <p:spPr>
+          <a:xfrm>
+            <a:off x="8979408" y="0"/>
+            <a:ext cx="3212592" cy="6858000"/>
+          </a:xfrm>
+          <a:prstGeom prst="rect">
+            <a:avLst/>
+          </a:prstGeom>
+          <a:gradFill flip="none" rotWithShape="1">
+            <a:gsLst>
+              <a:gs pos="0">
+                <a:srgbClr val="005B70"/>
+              </a:gs>
+              <a:gs pos="100000">
+                <a:srgbClr val="74AA9C"/>
+              </a:gs>
+            </a:gsLst>
+            <a:lin ang="2700000" scaled="1"/>
+            <a:tileRect/>
+          </a:gradFill>
+          <a:ln>
+            <a:noFill/>
+          </a:ln>
+        </p:spPr>
+        <p:style>
+          <a:lnRef idx="2">
+            <a:schemeClr val="accent1">
+              <a:shade val="50000"/>
+            </a:schemeClr>
+          </a:lnRef>
+          <a:fillRef idx="1">
+            <a:schemeClr val="accent1"/>
+          </a:fillRef>
+          <a:effectRef idx="0">
+            <a:schemeClr val="accent1"/>
+          </a:effectRef>
+          <a:fontRef idx="minor">
+            <a:schemeClr val="lt1"/>
+          </a:fontRef>
+        </p:style>
+        <p:txBody>
+          <a:bodyPr rtlCol="0" anchor="ctr"/>
+          <a:lstStyle/>
+          <a:p>
+            <a:pPr algn="ctr"/>
+            <a:r>
+              <a:rPr lang="en-US" altLang="zh-TW" sz="6000" dirty="0" smtClean="0"/>
+              <a:t>DSM - 5</a:t>
+            </a:r>
+            <a:endParaRPr lang="zh-TW" altLang="en-US" sz="6000" dirty="0"/>
+          </a:p>
+        </p:txBody>
+      </p:sp>
+      <p:sp>
+        <p:nvSpPr>
+          <p:cNvPr id="9" name="矩形 8"/>
+          <p:cNvSpPr/>
+          <p:nvPr/>
+        </p:nvSpPr>
+        <p:spPr>
+          <a:xfrm>
+            <a:off x="0" y="6291072"/>
+            <a:ext cx="1054608" cy="566928"/>
+          </a:xfrm>
+          <a:prstGeom prst="rect">
+            <a:avLst/>
+          </a:prstGeom>
+          <a:gradFill flip="none" rotWithShape="1">
+            <a:gsLst>
+              <a:gs pos="0">
+                <a:srgbClr val="005B70"/>
+              </a:gs>
+              <a:gs pos="100000">
+                <a:srgbClr val="74AA9C"/>
+              </a:gs>
+            </a:gsLst>
+            <a:lin ang="2700000" scaled="1"/>
+            <a:tileRect/>
+          </a:gradFill>
+          <a:ln>
+            <a:noFill/>
+          </a:ln>
+        </p:spPr>
+        <p:style>
+          <a:lnRef idx="2">
+            <a:schemeClr val="accent1">
+              <a:shade val="50000"/>
+            </a:schemeClr>
+          </a:lnRef>
+          <a:fillRef idx="1">
+            <a:schemeClr val="accent1"/>
+          </a:fillRef>
+          <a:effectRef idx="0">
+            <a:schemeClr val="accent1"/>
+          </a:effectRef>
+          <a:fontRef idx="minor">
+            <a:schemeClr val="lt1"/>
+          </a:fontRef>
+        </p:style>
+        <p:txBody>
+          <a:bodyPr rtlCol="0" anchor="ctr"/>
+          <a:lstStyle/>
+          <a:p>
+            <a:pPr algn="ctr"/>
+            <a:endParaRPr lang="zh-TW" altLang="en-US"/>
+          </a:p>
+        </p:txBody>
+      </p:sp>
+      <p:sp>
+        <p:nvSpPr>
+          <p:cNvPr id="7" name="矩形 6"/>
+          <p:cNvSpPr/>
+          <p:nvPr/>
+        </p:nvSpPr>
+        <p:spPr>
+          <a:xfrm>
+            <a:off x="0" y="0"/>
+            <a:ext cx="3941064" cy="566928"/>
+          </a:xfrm>
+          <a:prstGeom prst="rect">
+            <a:avLst/>
+          </a:prstGeom>
+          <a:gradFill flip="none" rotWithShape="1">
+            <a:gsLst>
+              <a:gs pos="0">
+                <a:srgbClr val="005B70"/>
+              </a:gs>
+              <a:gs pos="100000">
+                <a:srgbClr val="74AA9C"/>
+              </a:gs>
+            </a:gsLst>
+            <a:lin ang="2700000" scaled="1"/>
+            <a:tileRect/>
+          </a:gradFill>
+          <a:ln>
+            <a:noFill/>
+          </a:ln>
+        </p:spPr>
+        <p:style>
+          <a:lnRef idx="2">
+            <a:schemeClr val="accent1">
+              <a:shade val="50000"/>
+            </a:schemeClr>
+          </a:lnRef>
+          <a:fillRef idx="1">
+            <a:schemeClr val="accent1"/>
+          </a:fillRef>
+          <a:effectRef idx="0">
+            <a:schemeClr val="accent1"/>
+          </a:effectRef>
+          <a:fontRef idx="minor">
+            <a:schemeClr val="lt1"/>
+          </a:fontRef>
+        </p:style>
+        <p:txBody>
+          <a:bodyPr rtlCol="0" anchor="ctr"/>
+          <a:lstStyle/>
+          <a:p>
+            <a:r>
+              <a:rPr lang="en-US" altLang="zh-CN" sz="3600" b="1" smtClean="0">
+                <a:latin typeface="Times New Roman" panose="02020603050405020304" pitchFamily="18" charset="0"/>
+                <a:cs typeface="Times New Roman" panose="02020603050405020304" pitchFamily="18" charset="0"/>
+              </a:rPr>
+              <a:t>Result</a:t>
+            </a:r>
+            <a:endParaRPr lang="zh-TW" altLang="en-US" sz="3600" b="1" dirty="0">
+              <a:latin typeface="Times New Roman" panose="02020603050405020304" pitchFamily="18" charset="0"/>
+              <a:cs typeface="Times New Roman" panose="02020603050405020304" pitchFamily="18" charset="0"/>
+            </a:endParaRPr>
+          </a:p>
+        </p:txBody>
+      </p:sp>
+      <p:sp>
+        <p:nvSpPr>
+          <p:cNvPr id="6" name="矩形 5"/>
+          <p:cNvSpPr/>
+          <p:nvPr/>
+        </p:nvSpPr>
+        <p:spPr>
+          <a:xfrm>
+            <a:off x="1228922" y="6389870"/>
+            <a:ext cx="7576172" cy="369332"/>
           </a:xfrm>
           <a:prstGeom prst="rect">
             <a:avLst/>
@@ -5313,211 +7119,128 @@
           </a:bodyPr>
           <a:lstStyle/>
           <a:p>
-            <a:r>
-              <a:rPr lang="en-US" altLang="zh-TW" dirty="0" smtClean="0">
-                <a:effectLst/>
-                <a:latin typeface="Calibri" panose="020F0502020204030204" pitchFamily="34" charset="0"/>
-                <a:ea typeface="宋体" panose="02010600030101010101" pitchFamily="2" charset="-122"/>
-                <a:cs typeface="Times New Roman" panose="02020603050405020304" pitchFamily="18" charset="0"/>
-              </a:rPr>
-              <a:t> DSM-5 </a:t>
-            </a:r>
-            <a:r>
-              <a:rPr lang="zh-CN" altLang="zh-TW" dirty="0">
-                <a:latin typeface="Calibri" panose="020F0502020204030204" pitchFamily="34" charset="0"/>
-                <a:cs typeface="Times New Roman" panose="02020603050405020304" pitchFamily="18" charset="0"/>
-              </a:rPr>
-              <a:t>中</a:t>
-            </a:r>
-            <a:r>
-              <a:rPr lang="en-US" altLang="zh-TW" dirty="0" smtClean="0">
-                <a:effectLst/>
-                <a:latin typeface="Calibri" panose="020F0502020204030204" pitchFamily="34" charset="0"/>
-                <a:ea typeface="宋体" panose="02010600030101010101" pitchFamily="2" charset="-122"/>
-                <a:cs typeface="Times New Roman" panose="02020603050405020304" pitchFamily="18" charset="0"/>
-              </a:rPr>
-              <a:t> 202 </a:t>
-            </a:r>
-            <a:r>
-              <a:rPr lang="zh-CN" altLang="zh-TW" dirty="0">
-                <a:latin typeface="Calibri" panose="020F0502020204030204" pitchFamily="34" charset="0"/>
-                <a:cs typeface="Times New Roman" panose="02020603050405020304" pitchFamily="18" charset="0"/>
-              </a:rPr>
-              <a:t>种诊断的症状重叠和重复。</a:t>
-            </a:r>
-            <a:r>
-              <a:rPr lang="zh-CN" altLang="zh-TW" dirty="0" smtClean="0">
-                <a:effectLst/>
-                <a:ea typeface="Calibri" panose="020F0502020204030204" pitchFamily="34" charset="0"/>
-                <a:cs typeface="Times New Roman" panose="02020603050405020304" pitchFamily="18" charset="0"/>
-              </a:rPr>
-              <a:t> </a:t>
-            </a:r>
-            <a:endParaRPr lang="en-US" altLang="zh-CN" dirty="0" smtClean="0">
-              <a:latin typeface="Calibri" panose="020F0502020204030204" pitchFamily="34" charset="0"/>
-              <a:cs typeface="Times New Roman" panose="02020603050405020304" pitchFamily="18" charset="0"/>
-            </a:endParaRPr>
-          </a:p>
-          <a:p>
-            <a:r>
-              <a:rPr lang="zh-CN" altLang="zh-TW" dirty="0" smtClean="0">
-                <a:latin typeface="Calibri" panose="020F0502020204030204" pitchFamily="34" charset="0"/>
-                <a:cs typeface="Times New Roman" panose="02020603050405020304" pitchFamily="18" charset="0"/>
-              </a:rPr>
-              <a:t>虽然</a:t>
-            </a:r>
-            <a:r>
-              <a:rPr lang="zh-CN" altLang="zh-TW" dirty="0">
-                <a:latin typeface="Calibri" panose="020F0502020204030204" pitchFamily="34" charset="0"/>
-                <a:cs typeface="Times New Roman" panose="02020603050405020304" pitchFamily="18" charset="0"/>
-              </a:rPr>
-              <a:t>重复很普遍，但大多数不同的症状都是单一诊断所独有的</a:t>
-            </a:r>
-            <a:r>
-              <a:rPr lang="zh-CN" altLang="zh-TW" dirty="0" smtClean="0">
-                <a:latin typeface="Calibri" panose="020F0502020204030204" pitchFamily="34" charset="0"/>
-                <a:cs typeface="Times New Roman" panose="02020603050405020304" pitchFamily="18" charset="0"/>
-              </a:rPr>
-              <a:t>。</a:t>
-            </a:r>
-            <a:endParaRPr lang="en-US" altLang="zh-CN" dirty="0" smtClean="0">
-              <a:latin typeface="Calibri" panose="020F0502020204030204" pitchFamily="34" charset="0"/>
-              <a:cs typeface="Times New Roman" panose="02020603050405020304" pitchFamily="18" charset="0"/>
-            </a:endParaRPr>
-          </a:p>
-          <a:p>
-            <a:endParaRPr lang="en-US" altLang="zh-CN" dirty="0">
-              <a:effectLst/>
-              <a:latin typeface="Calibri" panose="020F0502020204030204" pitchFamily="34" charset="0"/>
-              <a:ea typeface="Calibri" panose="020F0502020204030204" pitchFamily="34" charset="0"/>
-              <a:cs typeface="Times New Roman" panose="02020603050405020304" pitchFamily="18" charset="0"/>
-            </a:endParaRPr>
-          </a:p>
-          <a:p>
-            <a:r>
-              <a:rPr lang="en-US" altLang="zh-CN" dirty="0" smtClean="0">
-                <a:latin typeface="Calibri" panose="020F0502020204030204" pitchFamily="34" charset="0"/>
-                <a:ea typeface="Calibri" panose="020F0502020204030204" pitchFamily="34" charset="0"/>
-                <a:cs typeface="Times New Roman" panose="02020603050405020304" pitchFamily="18" charset="0"/>
-              </a:rPr>
-              <a:t>	</a:t>
-            </a:r>
-            <a:r>
-              <a:rPr lang="zh-CN" altLang="zh-TW" dirty="0" smtClean="0">
-                <a:effectLst/>
-                <a:ea typeface="Calibri" panose="020F0502020204030204" pitchFamily="34" charset="0"/>
-                <a:cs typeface="Times New Roman" panose="02020603050405020304" pitchFamily="18" charset="0"/>
-              </a:rPr>
-              <a:t> </a:t>
-            </a:r>
-            <a:r>
-              <a:rPr lang="zh-CN" altLang="zh-TW" dirty="0">
-                <a:latin typeface="Calibri" panose="020F0502020204030204" pitchFamily="34" charset="0"/>
-                <a:cs typeface="Times New Roman" panose="02020603050405020304" pitchFamily="18" charset="0"/>
-              </a:rPr>
-              <a:t>某些领域，例如双相情感障碍和相关障碍、创伤和压力源相关障碍以及神经认知障碍，在章节内和章节之间有更多的症状重复。</a:t>
-            </a:r>
-            <a:r>
-              <a:rPr lang="zh-CN" altLang="zh-TW" dirty="0" smtClean="0">
-                <a:effectLst/>
-                <a:ea typeface="Calibri" panose="020F0502020204030204" pitchFamily="34" charset="0"/>
-                <a:cs typeface="Times New Roman" panose="02020603050405020304" pitchFamily="18" charset="0"/>
-              </a:rPr>
-              <a:t> </a:t>
-            </a:r>
-            <a:endParaRPr lang="en-US" altLang="zh-CN" dirty="0" smtClean="0">
-              <a:effectLst/>
-              <a:ea typeface="Calibri" panose="020F0502020204030204" pitchFamily="34" charset="0"/>
-              <a:cs typeface="Times New Roman" panose="02020603050405020304" pitchFamily="18" charset="0"/>
-            </a:endParaRPr>
-          </a:p>
-          <a:p>
-            <a:r>
-              <a:rPr lang="en-US" altLang="zh-CN" dirty="0">
-                <a:latin typeface="Calibri" panose="020F0502020204030204" pitchFamily="34" charset="0"/>
-                <a:cs typeface="Times New Roman" panose="02020603050405020304" pitchFamily="18" charset="0"/>
-              </a:rPr>
-              <a:t>	</a:t>
-            </a:r>
-            <a:r>
-              <a:rPr lang="zh-CN" altLang="zh-TW" dirty="0" smtClean="0">
-                <a:latin typeface="Calibri" panose="020F0502020204030204" pitchFamily="34" charset="0"/>
-                <a:cs typeface="Times New Roman" panose="02020603050405020304" pitchFamily="18" charset="0"/>
-              </a:rPr>
-              <a:t>相比之下</a:t>
-            </a:r>
-            <a:r>
-              <a:rPr lang="zh-CN" altLang="zh-TW" dirty="0">
-                <a:latin typeface="Calibri" panose="020F0502020204030204" pitchFamily="34" charset="0"/>
-                <a:cs typeface="Times New Roman" panose="02020603050405020304" pitchFamily="18" charset="0"/>
-              </a:rPr>
-              <a:t>，消除障碍、性别不安和性欲障碍等章节在其他诊断中几乎没有重复的症状。</a:t>
-            </a:r>
-            <a:r>
-              <a:rPr lang="zh-CN" altLang="zh-TW" dirty="0" smtClean="0">
-                <a:effectLst/>
-                <a:ea typeface="Calibri" panose="020F0502020204030204" pitchFamily="34" charset="0"/>
-                <a:cs typeface="Times New Roman" panose="02020603050405020304" pitchFamily="18" charset="0"/>
-              </a:rPr>
-              <a:t> </a:t>
-            </a:r>
-            <a:endParaRPr lang="en-US" altLang="zh-CN" dirty="0" smtClean="0">
-              <a:effectLst/>
-              <a:ea typeface="Calibri" panose="020F0502020204030204" pitchFamily="34" charset="0"/>
-              <a:cs typeface="Times New Roman" panose="02020603050405020304" pitchFamily="18" charset="0"/>
-            </a:endParaRPr>
-          </a:p>
-          <a:p>
-            <a:endParaRPr lang="en-US" altLang="zh-CN" dirty="0">
-              <a:latin typeface="Calibri" panose="020F0502020204030204" pitchFamily="34" charset="0"/>
-              <a:cs typeface="Times New Roman" panose="02020603050405020304" pitchFamily="18" charset="0"/>
-            </a:endParaRPr>
-          </a:p>
-          <a:p>
-            <a:r>
-              <a:rPr lang="zh-CN" altLang="zh-TW" dirty="0" smtClean="0">
-                <a:latin typeface="Calibri" panose="020F0502020204030204" pitchFamily="34" charset="0"/>
-                <a:cs typeface="Times New Roman" panose="02020603050405020304" pitchFamily="18" charset="0"/>
-              </a:rPr>
-              <a:t>总的来说</a:t>
-            </a:r>
-            <a:r>
-              <a:rPr lang="zh-CN" altLang="zh-TW" dirty="0">
-                <a:latin typeface="Calibri" panose="020F0502020204030204" pitchFamily="34" charset="0"/>
-                <a:cs typeface="Times New Roman" panose="02020603050405020304" pitchFamily="18" charset="0"/>
-              </a:rPr>
-              <a:t>，这项研究提供了对</a:t>
-            </a:r>
-            <a:r>
-              <a:rPr lang="en-US" altLang="zh-TW" dirty="0" smtClean="0">
-                <a:effectLst/>
-                <a:latin typeface="Calibri" panose="020F0502020204030204" pitchFamily="34" charset="0"/>
-                <a:ea typeface="宋体" panose="02010600030101010101" pitchFamily="2" charset="-122"/>
-                <a:cs typeface="Times New Roman" panose="02020603050405020304" pitchFamily="18" charset="0"/>
-              </a:rPr>
-              <a:t> DSM-5 </a:t>
-            </a:r>
-            <a:r>
-              <a:rPr lang="zh-CN" altLang="zh-TW" dirty="0">
-                <a:latin typeface="Calibri" panose="020F0502020204030204" pitchFamily="34" charset="0"/>
-                <a:cs typeface="Times New Roman" panose="02020603050405020304" pitchFamily="18" charset="0"/>
-              </a:rPr>
-              <a:t>诊断标准的结构和组织的见解。</a:t>
-            </a:r>
-            <a:endParaRPr lang="zh-TW" altLang="en-US" dirty="0"/>
+            <a:pPr marL="285750" indent="-285750">
+              <a:buFont typeface="Wingdings" panose="05000000000000000000" pitchFamily="2" charset="2"/>
+              <a:buChar char="n"/>
+            </a:pPr>
+            <a:r>
+              <a:rPr lang="en-US" altLang="zh-CN" smtClean="0"/>
+              <a:t>140</a:t>
+            </a:r>
+            <a:r>
+              <a:rPr lang="zh-CN" altLang="en-US" smtClean="0"/>
+              <a:t>个</a:t>
+            </a:r>
+            <a:r>
+              <a:rPr lang="zh-CN" altLang="en-US"/>
+              <a:t>诊断标准</a:t>
+            </a:r>
+            <a:r>
+              <a:rPr lang="zh-CN" altLang="en-US" smtClean="0"/>
+              <a:t>（</a:t>
+            </a:r>
+            <a:r>
+              <a:rPr lang="en-US" altLang="zh-CN"/>
+              <a:t>69.3%</a:t>
+            </a:r>
+            <a:r>
+              <a:rPr lang="zh-CN" altLang="en-US"/>
+              <a:t>）至少有一个症状在另一个诊断中</a:t>
+            </a:r>
+            <a:r>
+              <a:rPr lang="zh-CN" altLang="en-US"/>
+              <a:t>重复</a:t>
+            </a:r>
+            <a:r>
+              <a:rPr lang="zh-CN" altLang="en-US" smtClean="0"/>
+              <a:t>出现</a:t>
+            </a:r>
+            <a:endParaRPr lang="en-US" altLang="zh-CN" smtClean="0"/>
+          </a:p>
+        </p:txBody>
+      </p:sp>
+      <p:pic>
+        <p:nvPicPr>
+          <p:cNvPr id="3" name="图片 2"/>
+          <p:cNvPicPr>
+            <a:picLocks noChangeAspect="1"/>
+          </p:cNvPicPr>
+          <p:nvPr/>
+        </p:nvPicPr>
+        <p:blipFill>
+          <a:blip r:embed="rId3">
+            <a:clrChange>
+              <a:clrFrom>
+                <a:srgbClr val="FFFFFF"/>
+              </a:clrFrom>
+              <a:clrTo>
+                <a:srgbClr val="FFFFFF">
+                  <a:alpha val="0"/>
+                </a:srgbClr>
+              </a:clrTo>
+            </a:clrChange>
+          </a:blip>
+          <a:stretch>
+            <a:fillRect/>
+          </a:stretch>
+        </p:blipFill>
+        <p:spPr>
+          <a:xfrm>
+            <a:off x="542464" y="845631"/>
+            <a:ext cx="7894480" cy="5166738"/>
+          </a:xfrm>
+          <a:prstGeom prst="rect">
+            <a:avLst/>
+          </a:prstGeom>
+        </p:spPr>
+      </p:pic>
+      <p:sp>
+        <p:nvSpPr>
+          <p:cNvPr id="10" name="文本框 9"/>
+          <p:cNvSpPr txBox="1"/>
+          <p:nvPr/>
+        </p:nvSpPr>
+        <p:spPr>
+          <a:xfrm>
+            <a:off x="6148552" y="566928"/>
+            <a:ext cx="2288392" cy="830997"/>
+          </a:xfrm>
+          <a:prstGeom prst="rect">
+            <a:avLst/>
+          </a:prstGeom>
+          <a:noFill/>
+        </p:spPr>
+        <p:txBody>
+          <a:bodyPr wrap="square" rtlCol="0">
+            <a:spAutoFit/>
+          </a:bodyPr>
+          <a:lstStyle/>
+          <a:p>
+            <a:r>
+              <a:rPr lang="zh-CN" altLang="en-US" sz="2400" b="1" smtClean="0"/>
+              <a:t>对每一类诊断标准来看</a:t>
+            </a:r>
+            <a:endParaRPr lang="zh-CN" altLang="en-US" sz="2400" b="1"/>
           </a:p>
         </p:txBody>
       </p:sp>
     </p:spTree>
     <p:extLst>
       <p:ext uri="{BB962C8B-B14F-4D97-AF65-F5344CB8AC3E}">
-        <p14:creationId xmlns:p14="http://schemas.microsoft.com/office/powerpoint/2010/main" val="1987596642"/>
+        <p14:creationId xmlns:p14="http://schemas.microsoft.com/office/powerpoint/2010/main" val="3230285716"/>
       </p:ext>
     </p:extLst>
   </p:cSld>
   <p:clrMapOvr>
     <a:masterClrMapping/>
   </p:clrMapOvr>
+  <p:timing>
+    <p:tnLst>
+      <p:par>
+        <p:cTn id="1" dur="indefinite" restart="never" nodeType="tmRoot"/>
+      </p:par>
+    </p:tnLst>
+  </p:timing>
 </p:sld>
 </file>
 
@@ -5540,103 +7263,327 @@
       </p:grpSpPr>
       <p:sp>
         <p:nvSpPr>
-          <p:cNvPr id="2" name="矩形 1"/>
+          <p:cNvPr id="8" name="矩形 7"/>
           <p:cNvSpPr/>
           <p:nvPr/>
         </p:nvSpPr>
         <p:spPr>
           <a:xfrm>
-            <a:off x="3048000" y="2551837"/>
-            <a:ext cx="6096000" cy="2031325"/>
+            <a:off x="0" y="0"/>
+            <a:ext cx="8979408" cy="6858000"/>
+          </a:xfrm>
+          <a:prstGeom prst="rect">
+            <a:avLst/>
+          </a:prstGeom>
+          <a:solidFill>
+            <a:schemeClr val="bg1">
+              <a:alpha val="50196"/>
+            </a:schemeClr>
+          </a:solidFill>
+          <a:ln>
+            <a:noFill/>
+          </a:ln>
+        </p:spPr>
+        <p:style>
+          <a:lnRef idx="2">
+            <a:schemeClr val="accent1">
+              <a:shade val="50000"/>
+            </a:schemeClr>
+          </a:lnRef>
+          <a:fillRef idx="1">
+            <a:schemeClr val="accent1"/>
+          </a:fillRef>
+          <a:effectRef idx="0">
+            <a:schemeClr val="accent1"/>
+          </a:effectRef>
+          <a:fontRef idx="minor">
+            <a:schemeClr val="lt1"/>
+          </a:fontRef>
+        </p:style>
+        <p:txBody>
+          <a:bodyPr rtlCol="0" anchor="ctr"/>
+          <a:lstStyle/>
+          <a:p>
+            <a:pPr algn="ctr"/>
+            <a:endParaRPr lang="zh-CN" altLang="en-US"/>
+          </a:p>
+        </p:txBody>
+      </p:sp>
+      <p:sp>
+        <p:nvSpPr>
+          <p:cNvPr id="4" name="矩形 3"/>
+          <p:cNvSpPr/>
+          <p:nvPr/>
+        </p:nvSpPr>
+        <p:spPr>
+          <a:xfrm>
+            <a:off x="8979408" y="0"/>
+            <a:ext cx="3212592" cy="6858000"/>
+          </a:xfrm>
+          <a:prstGeom prst="rect">
+            <a:avLst/>
+          </a:prstGeom>
+          <a:gradFill flip="none" rotWithShape="1">
+            <a:gsLst>
+              <a:gs pos="0">
+                <a:srgbClr val="005B70"/>
+              </a:gs>
+              <a:gs pos="100000">
+                <a:srgbClr val="74AA9C"/>
+              </a:gs>
+            </a:gsLst>
+            <a:lin ang="2700000" scaled="1"/>
+            <a:tileRect/>
+          </a:gradFill>
+          <a:ln>
+            <a:noFill/>
+          </a:ln>
+        </p:spPr>
+        <p:style>
+          <a:lnRef idx="2">
+            <a:schemeClr val="accent1">
+              <a:shade val="50000"/>
+            </a:schemeClr>
+          </a:lnRef>
+          <a:fillRef idx="1">
+            <a:schemeClr val="accent1"/>
+          </a:fillRef>
+          <a:effectRef idx="0">
+            <a:schemeClr val="accent1"/>
+          </a:effectRef>
+          <a:fontRef idx="minor">
+            <a:schemeClr val="lt1"/>
+          </a:fontRef>
+        </p:style>
+        <p:txBody>
+          <a:bodyPr rtlCol="0" anchor="ctr"/>
+          <a:lstStyle/>
+          <a:p>
+            <a:pPr algn="ctr"/>
+            <a:r>
+              <a:rPr lang="en-US" altLang="zh-TW" sz="6000" dirty="0" smtClean="0"/>
+              <a:t>DSM - 5</a:t>
+            </a:r>
+            <a:endParaRPr lang="zh-TW" altLang="en-US" sz="6000" dirty="0"/>
+          </a:p>
+        </p:txBody>
+      </p:sp>
+      <p:sp>
+        <p:nvSpPr>
+          <p:cNvPr id="9" name="矩形 8"/>
+          <p:cNvSpPr/>
+          <p:nvPr/>
+        </p:nvSpPr>
+        <p:spPr>
+          <a:xfrm>
+            <a:off x="0" y="6291072"/>
+            <a:ext cx="1054608" cy="566928"/>
+          </a:xfrm>
+          <a:prstGeom prst="rect">
+            <a:avLst/>
+          </a:prstGeom>
+          <a:gradFill flip="none" rotWithShape="1">
+            <a:gsLst>
+              <a:gs pos="0">
+                <a:srgbClr val="005B70"/>
+              </a:gs>
+              <a:gs pos="100000">
+                <a:srgbClr val="74AA9C"/>
+              </a:gs>
+            </a:gsLst>
+            <a:lin ang="2700000" scaled="1"/>
+            <a:tileRect/>
+          </a:gradFill>
+          <a:ln>
+            <a:noFill/>
+          </a:ln>
+        </p:spPr>
+        <p:style>
+          <a:lnRef idx="2">
+            <a:schemeClr val="accent1">
+              <a:shade val="50000"/>
+            </a:schemeClr>
+          </a:lnRef>
+          <a:fillRef idx="1">
+            <a:schemeClr val="accent1"/>
+          </a:fillRef>
+          <a:effectRef idx="0">
+            <a:schemeClr val="accent1"/>
+          </a:effectRef>
+          <a:fontRef idx="minor">
+            <a:schemeClr val="lt1"/>
+          </a:fontRef>
+        </p:style>
+        <p:txBody>
+          <a:bodyPr rtlCol="0" anchor="ctr"/>
+          <a:lstStyle/>
+          <a:p>
+            <a:pPr algn="ctr"/>
+            <a:endParaRPr lang="zh-TW" altLang="en-US"/>
+          </a:p>
+        </p:txBody>
+      </p:sp>
+      <p:sp>
+        <p:nvSpPr>
+          <p:cNvPr id="7" name="矩形 6"/>
+          <p:cNvSpPr/>
+          <p:nvPr/>
+        </p:nvSpPr>
+        <p:spPr>
+          <a:xfrm>
+            <a:off x="0" y="0"/>
+            <a:ext cx="3941064" cy="566928"/>
+          </a:xfrm>
+          <a:prstGeom prst="rect">
+            <a:avLst/>
+          </a:prstGeom>
+          <a:gradFill flip="none" rotWithShape="1">
+            <a:gsLst>
+              <a:gs pos="0">
+                <a:srgbClr val="005B70"/>
+              </a:gs>
+              <a:gs pos="100000">
+                <a:srgbClr val="74AA9C"/>
+              </a:gs>
+            </a:gsLst>
+            <a:lin ang="2700000" scaled="1"/>
+            <a:tileRect/>
+          </a:gradFill>
+          <a:ln>
+            <a:noFill/>
+          </a:ln>
+        </p:spPr>
+        <p:style>
+          <a:lnRef idx="2">
+            <a:schemeClr val="accent1">
+              <a:shade val="50000"/>
+            </a:schemeClr>
+          </a:lnRef>
+          <a:fillRef idx="1">
+            <a:schemeClr val="accent1"/>
+          </a:fillRef>
+          <a:effectRef idx="0">
+            <a:schemeClr val="accent1"/>
+          </a:effectRef>
+          <a:fontRef idx="minor">
+            <a:schemeClr val="lt1"/>
+          </a:fontRef>
+        </p:style>
+        <p:txBody>
+          <a:bodyPr rtlCol="0" anchor="ctr"/>
+          <a:lstStyle/>
+          <a:p>
+            <a:r>
+              <a:rPr lang="en-US" altLang="zh-CN" sz="3600" b="1" smtClean="0">
+                <a:latin typeface="Times New Roman" panose="02020603050405020304" pitchFamily="18" charset="0"/>
+                <a:cs typeface="Times New Roman" panose="02020603050405020304" pitchFamily="18" charset="0"/>
+              </a:rPr>
+              <a:t>Result</a:t>
+            </a:r>
+            <a:endParaRPr lang="zh-TW" altLang="en-US" sz="3600" b="1" dirty="0">
+              <a:latin typeface="Times New Roman" panose="02020603050405020304" pitchFamily="18" charset="0"/>
+              <a:cs typeface="Times New Roman" panose="02020603050405020304" pitchFamily="18" charset="0"/>
+            </a:endParaRPr>
+          </a:p>
+        </p:txBody>
+      </p:sp>
+      <p:sp>
+        <p:nvSpPr>
+          <p:cNvPr id="6" name="矩形 5"/>
+          <p:cNvSpPr/>
+          <p:nvPr/>
+        </p:nvSpPr>
+        <p:spPr>
+          <a:xfrm>
+            <a:off x="1580125" y="6370713"/>
+            <a:ext cx="6873766" cy="369332"/>
           </a:xfrm>
           <a:prstGeom prst="rect">
             <a:avLst/>
           </a:prstGeom>
         </p:spPr>
         <p:txBody>
-          <a:bodyPr>
+          <a:bodyPr wrap="square">
             <a:spAutoFit/>
           </a:bodyPr>
           <a:lstStyle/>
           <a:p>
-            <a:r>
-              <a:rPr lang="zh-TW" altLang="en-US" dirty="0" smtClean="0"/>
-              <a:t>该研究确定了 202 项诊断和总共 1,419 种组成症状，并发现大多数不同的症状都是单一诊断所特有的。</a:t>
-            </a:r>
-            <a:endParaRPr lang="en-US" altLang="zh-TW" dirty="0" smtClean="0"/>
-          </a:p>
-          <a:p>
-            <a:endParaRPr lang="en-US" altLang="zh-TW" dirty="0"/>
-          </a:p>
-          <a:p>
-            <a:r>
-              <a:rPr lang="zh-TW" altLang="en-US" dirty="0" smtClean="0"/>
-              <a:t> 但是，某些章节在其他章节中重复出现的症状多于其他章节。 该研究还检查了哪些症状表现出</a:t>
-            </a:r>
-            <a:r>
-              <a:rPr lang="zh-TW" altLang="en-US" b="1" dirty="0" smtClean="0"/>
-              <a:t>最大的非特异性</a:t>
-            </a:r>
-            <a:r>
-              <a:rPr lang="zh-TW" altLang="en-US" dirty="0" smtClean="0"/>
-              <a:t>，并发现 DSM-5 中重复频率最高且跨越大多数章节的症状是重度抑郁症的症状。</a:t>
-            </a:r>
-            <a:endParaRPr lang="zh-TW" altLang="en-US" dirty="0"/>
-          </a:p>
-        </p:txBody>
-      </p:sp>
-      <p:sp>
-        <p:nvSpPr>
-          <p:cNvPr id="3" name="文本框 2"/>
-          <p:cNvSpPr txBox="1"/>
+            <a:pPr marL="285750" indent="-285750">
+              <a:buFont typeface="Wingdings" panose="05000000000000000000" pitchFamily="2" charset="2"/>
+              <a:buChar char="n"/>
+            </a:pPr>
+            <a:r>
+              <a:rPr lang="en-US" altLang="zh-CN" smtClean="0"/>
+              <a:t>118</a:t>
+            </a:r>
+            <a:r>
+              <a:rPr lang="zh-CN" altLang="en-US"/>
+              <a:t>个诊断标准（</a:t>
+            </a:r>
+            <a:r>
+              <a:rPr lang="en-US" altLang="zh-CN"/>
+              <a:t>58.4%</a:t>
+            </a:r>
+            <a:r>
+              <a:rPr lang="zh-CN" altLang="en-US"/>
+              <a:t>）在另一个章节的诊断中重复出现</a:t>
+            </a:r>
+            <a:endParaRPr lang="en-US" altLang="zh-CN"/>
+          </a:p>
+        </p:txBody>
+      </p:sp>
+      <p:pic>
+        <p:nvPicPr>
+          <p:cNvPr id="5" name="图片 4"/>
+          <p:cNvPicPr>
+            <a:picLocks noChangeAspect="1"/>
+          </p:cNvPicPr>
           <p:nvPr/>
-        </p:nvSpPr>
+        </p:nvPicPr>
+        <p:blipFill>
+          <a:blip r:embed="rId3">
+            <a:clrChange>
+              <a:clrFrom>
+                <a:srgbClr val="FFFFFF"/>
+              </a:clrFrom>
+              <a:clrTo>
+                <a:srgbClr val="FFFFFF">
+                  <a:alpha val="0"/>
+                </a:srgbClr>
+              </a:clrTo>
+            </a:clrChange>
+          </a:blip>
+          <a:stretch>
+            <a:fillRect/>
+          </a:stretch>
+        </p:blipFill>
         <p:spPr>
           <a:xfrm>
-            <a:off x="3058510" y="5360276"/>
-            <a:ext cx="4950373" cy="369332"/>
+            <a:off x="571384" y="614481"/>
+            <a:ext cx="7836640" cy="5543170"/>
           </a:xfrm>
           <a:prstGeom prst="rect">
             <a:avLst/>
           </a:prstGeom>
-          <a:noFill/>
         </p:spPr>
-        <p:txBody>
-          <a:bodyPr wrap="square" rtlCol="0">
-            <a:spAutoFit/>
-          </a:bodyPr>
-          <a:lstStyle/>
-          <a:p>
-            <a:r>
-              <a:rPr lang="zh-CN" altLang="en-US" dirty="0" smtClean="0"/>
-              <a:t>表</a:t>
-            </a:r>
-            <a:r>
-              <a:rPr lang="en-US" altLang="zh-CN" dirty="0" smtClean="0"/>
-              <a:t>2 </a:t>
-            </a:r>
-            <a:r>
-              <a:rPr lang="zh-CN" altLang="en-US" dirty="0" smtClean="0"/>
-              <a:t>图</a:t>
-            </a:r>
-            <a:r>
-              <a:rPr lang="en-US" altLang="zh-CN" dirty="0" smtClean="0"/>
-              <a:t>3</a:t>
-            </a:r>
-            <a:endParaRPr lang="zh-TW" altLang="en-US" dirty="0"/>
-          </a:p>
-        </p:txBody>
-      </p:sp>
+      </p:pic>
     </p:spTree>
     <p:extLst>
       <p:ext uri="{BB962C8B-B14F-4D97-AF65-F5344CB8AC3E}">
-        <p14:creationId xmlns:p14="http://schemas.microsoft.com/office/powerpoint/2010/main" val="990406258"/>
+        <p14:creationId xmlns:p14="http://schemas.microsoft.com/office/powerpoint/2010/main" val="3661957217"/>
       </p:ext>
     </p:extLst>
   </p:cSld>
   <p:clrMapOvr>
     <a:masterClrMapping/>
   </p:clrMapOvr>
+  <p:timing>
+    <p:tnLst>
+      <p:par>
+        <p:cTn id="1" dur="indefinite" restart="never" nodeType="tmRoot"/>
+      </p:par>
+    </p:tnLst>
+  </p:timing>
 </p:sld>
 </file>
 
@@ -5659,44 +7606,240 @@
       </p:grpSpPr>
       <p:sp>
         <p:nvSpPr>
-          <p:cNvPr id="2" name="文本框 1"/>
-          <p:cNvSpPr txBox="1"/>
+          <p:cNvPr id="10" name="矩形 9"/>
+          <p:cNvSpPr/>
           <p:nvPr/>
         </p:nvSpPr>
         <p:spPr>
           <a:xfrm>
-            <a:off x="157655" y="173421"/>
-            <a:ext cx="2107324" cy="369332"/>
+            <a:off x="0" y="0"/>
+            <a:ext cx="8979408" cy="6858000"/>
           </a:xfrm>
           <a:prstGeom prst="rect">
             <a:avLst/>
           </a:prstGeom>
-          <a:noFill/>
+          <a:solidFill>
+            <a:schemeClr val="bg1">
+              <a:alpha val="50196"/>
+            </a:schemeClr>
+          </a:solidFill>
+          <a:ln>
+            <a:noFill/>
+          </a:ln>
         </p:spPr>
-        <p:txBody>
-          <a:bodyPr wrap="square" rtlCol="0">
-            <a:spAutoFit/>
-          </a:bodyPr>
-          <a:lstStyle/>
-          <a:p>
-            <a:r>
-              <a:rPr lang="zh-CN" altLang="en-US" dirty="0" smtClean="0"/>
-              <a:t>讨论</a:t>
-            </a:r>
-            <a:endParaRPr lang="zh-TW" altLang="en-US" dirty="0"/>
-          </a:p>
-        </p:txBody>
-      </p:sp>
-      <p:sp>
-        <p:nvSpPr>
-          <p:cNvPr id="3" name="矩形 2"/>
+        <p:style>
+          <a:lnRef idx="2">
+            <a:schemeClr val="accent1">
+              <a:shade val="50000"/>
+            </a:schemeClr>
+          </a:lnRef>
+          <a:fillRef idx="1">
+            <a:schemeClr val="accent1"/>
+          </a:fillRef>
+          <a:effectRef idx="0">
+            <a:schemeClr val="accent1"/>
+          </a:effectRef>
+          <a:fontRef idx="minor">
+            <a:schemeClr val="lt1"/>
+          </a:fontRef>
+        </p:style>
+        <p:txBody>
+          <a:bodyPr rtlCol="0" anchor="ctr"/>
+          <a:lstStyle/>
+          <a:p>
+            <a:pPr algn="ctr"/>
+            <a:endParaRPr lang="zh-CN" altLang="en-US"/>
+          </a:p>
+        </p:txBody>
+      </p:sp>
+      <p:sp>
+        <p:nvSpPr>
+          <p:cNvPr id="4" name="矩形 3"/>
           <p:cNvSpPr/>
           <p:nvPr/>
         </p:nvSpPr>
         <p:spPr>
           <a:xfrm>
-            <a:off x="1211316" y="1397675"/>
-            <a:ext cx="9761483" cy="2308324"/>
+            <a:off x="8979408" y="0"/>
+            <a:ext cx="3212592" cy="6858000"/>
+          </a:xfrm>
+          <a:prstGeom prst="rect">
+            <a:avLst/>
+          </a:prstGeom>
+          <a:gradFill flip="none" rotWithShape="1">
+            <a:gsLst>
+              <a:gs pos="0">
+                <a:srgbClr val="005B70"/>
+              </a:gs>
+              <a:gs pos="100000">
+                <a:srgbClr val="74AA9C"/>
+              </a:gs>
+            </a:gsLst>
+            <a:lin ang="2700000" scaled="1"/>
+            <a:tileRect/>
+          </a:gradFill>
+          <a:ln>
+            <a:noFill/>
+          </a:ln>
+        </p:spPr>
+        <p:style>
+          <a:lnRef idx="2">
+            <a:schemeClr val="accent1">
+              <a:shade val="50000"/>
+            </a:schemeClr>
+          </a:lnRef>
+          <a:fillRef idx="1">
+            <a:schemeClr val="accent1"/>
+          </a:fillRef>
+          <a:effectRef idx="0">
+            <a:schemeClr val="accent1"/>
+          </a:effectRef>
+          <a:fontRef idx="minor">
+            <a:schemeClr val="lt1"/>
+          </a:fontRef>
+        </p:style>
+        <p:txBody>
+          <a:bodyPr rtlCol="0" anchor="ctr"/>
+          <a:lstStyle/>
+          <a:p>
+            <a:pPr algn="ctr"/>
+            <a:r>
+              <a:rPr lang="en-US" altLang="zh-TW" sz="6000" dirty="0" smtClean="0"/>
+              <a:t>DSM - 5</a:t>
+            </a:r>
+            <a:endParaRPr lang="zh-TW" altLang="en-US" sz="6000" dirty="0"/>
+          </a:p>
+        </p:txBody>
+      </p:sp>
+      <p:sp>
+        <p:nvSpPr>
+          <p:cNvPr id="9" name="矩形 8"/>
+          <p:cNvSpPr/>
+          <p:nvPr/>
+        </p:nvSpPr>
+        <p:spPr>
+          <a:xfrm>
+            <a:off x="0" y="6291072"/>
+            <a:ext cx="1054608" cy="566928"/>
+          </a:xfrm>
+          <a:prstGeom prst="rect">
+            <a:avLst/>
+          </a:prstGeom>
+          <a:gradFill flip="none" rotWithShape="1">
+            <a:gsLst>
+              <a:gs pos="0">
+                <a:srgbClr val="005B70"/>
+              </a:gs>
+              <a:gs pos="100000">
+                <a:srgbClr val="74AA9C"/>
+              </a:gs>
+            </a:gsLst>
+            <a:lin ang="2700000" scaled="1"/>
+            <a:tileRect/>
+          </a:gradFill>
+          <a:ln>
+            <a:noFill/>
+          </a:ln>
+        </p:spPr>
+        <p:style>
+          <a:lnRef idx="2">
+            <a:schemeClr val="accent1">
+              <a:shade val="50000"/>
+            </a:schemeClr>
+          </a:lnRef>
+          <a:fillRef idx="1">
+            <a:schemeClr val="accent1"/>
+          </a:fillRef>
+          <a:effectRef idx="0">
+            <a:schemeClr val="accent1"/>
+          </a:effectRef>
+          <a:fontRef idx="minor">
+            <a:schemeClr val="lt1"/>
+          </a:fontRef>
+        </p:style>
+        <p:txBody>
+          <a:bodyPr rtlCol="0" anchor="ctr"/>
+          <a:lstStyle/>
+          <a:p>
+            <a:pPr algn="ctr"/>
+            <a:endParaRPr lang="zh-TW" altLang="en-US"/>
+          </a:p>
+        </p:txBody>
+      </p:sp>
+      <p:sp>
+        <p:nvSpPr>
+          <p:cNvPr id="7" name="矩形 6"/>
+          <p:cNvSpPr/>
+          <p:nvPr/>
+        </p:nvSpPr>
+        <p:spPr>
+          <a:xfrm>
+            <a:off x="0" y="0"/>
+            <a:ext cx="3941064" cy="566928"/>
+          </a:xfrm>
+          <a:prstGeom prst="rect">
+            <a:avLst/>
+          </a:prstGeom>
+          <a:gradFill flip="none" rotWithShape="1">
+            <a:gsLst>
+              <a:gs pos="0">
+                <a:srgbClr val="005B70"/>
+              </a:gs>
+              <a:gs pos="100000">
+                <a:srgbClr val="74AA9C"/>
+              </a:gs>
+            </a:gsLst>
+            <a:lin ang="2700000" scaled="1"/>
+            <a:tileRect/>
+          </a:gradFill>
+          <a:ln>
+            <a:noFill/>
+          </a:ln>
+        </p:spPr>
+        <p:style>
+          <a:lnRef idx="2">
+            <a:schemeClr val="accent1">
+              <a:shade val="50000"/>
+            </a:schemeClr>
+          </a:lnRef>
+          <a:fillRef idx="1">
+            <a:schemeClr val="accent1"/>
+          </a:fillRef>
+          <a:effectRef idx="0">
+            <a:schemeClr val="accent1"/>
+          </a:effectRef>
+          <a:fontRef idx="minor">
+            <a:schemeClr val="lt1"/>
+          </a:fontRef>
+        </p:style>
+        <p:txBody>
+          <a:bodyPr rtlCol="0" anchor="ctr"/>
+          <a:lstStyle/>
+          <a:p>
+            <a:r>
+              <a:rPr lang="en-US" altLang="zh-CN" sz="3600" b="1" smtClean="0">
+                <a:latin typeface="Times New Roman" panose="02020603050405020304" pitchFamily="18" charset="0"/>
+                <a:cs typeface="Times New Roman" panose="02020603050405020304" pitchFamily="18" charset="0"/>
+              </a:rPr>
+              <a:t>Result</a:t>
+            </a:r>
+            <a:endParaRPr lang="zh-TW" altLang="en-US" sz="3600" b="1" dirty="0">
+              <a:latin typeface="Times New Roman" panose="02020603050405020304" pitchFamily="18" charset="0"/>
+              <a:cs typeface="Times New Roman" panose="02020603050405020304" pitchFamily="18" charset="0"/>
+            </a:endParaRPr>
+          </a:p>
+        </p:txBody>
+      </p:sp>
+      <p:sp>
+        <p:nvSpPr>
+          <p:cNvPr id="6" name="矩形 5"/>
+          <p:cNvSpPr/>
+          <p:nvPr/>
+        </p:nvSpPr>
+        <p:spPr>
+          <a:xfrm>
+            <a:off x="1228922" y="6389870"/>
+            <a:ext cx="7576172" cy="369332"/>
           </a:xfrm>
           <a:prstGeom prst="rect">
             <a:avLst/>
@@ -5708,155 +7851,81 @@
           </a:bodyPr>
           <a:lstStyle/>
           <a:p>
-            <a:pPr>
-              <a:spcAft>
-                <a:spcPts val="0"/>
-              </a:spcAft>
+            <a:pPr marL="285750" indent="-285750">
+              <a:buFont typeface="Wingdings" panose="05000000000000000000" pitchFamily="2" charset="2"/>
+              <a:buChar char="n"/>
             </a:pPr>
             <a:r>
-              <a:rPr lang="zh-CN" altLang="zh-TW" kern="100" dirty="0">
-                <a:latin typeface="Calibri" panose="020F0502020204030204" pitchFamily="34" charset="0"/>
-                <a:cs typeface="Times New Roman" panose="02020603050405020304" pitchFamily="18" charset="0"/>
-              </a:rPr>
-              <a:t>抑郁症章节中症状的高水平重复可能反映了诊断和理解抑郁症状的复杂性</a:t>
-            </a:r>
-            <a:r>
-              <a:rPr lang="zh-CN" altLang="zh-TW" kern="100" dirty="0" smtClean="0">
-                <a:latin typeface="Calibri" panose="020F0502020204030204" pitchFamily="34" charset="0"/>
-                <a:cs typeface="Times New Roman" panose="02020603050405020304" pitchFamily="18" charset="0"/>
-              </a:rPr>
-              <a:t>。</a:t>
-            </a:r>
-            <a:endParaRPr lang="en-US" altLang="zh-CN" kern="100" dirty="0" smtClean="0">
-              <a:latin typeface="Calibri" panose="020F0502020204030204" pitchFamily="34" charset="0"/>
-              <a:cs typeface="Times New Roman" panose="02020603050405020304" pitchFamily="18" charset="0"/>
-            </a:endParaRPr>
-          </a:p>
-          <a:p>
-            <a:pPr>
-              <a:spcAft>
-                <a:spcPts val="0"/>
-              </a:spcAft>
-            </a:pPr>
-            <a:r>
-              <a:rPr lang="en-US" altLang="zh-CN" kern="100" dirty="0">
-                <a:latin typeface="Calibri" panose="020F0502020204030204" pitchFamily="34" charset="0"/>
-                <a:cs typeface="Times New Roman" panose="02020603050405020304" pitchFamily="18" charset="0"/>
-              </a:rPr>
-              <a:t>	</a:t>
-            </a:r>
-            <a:r>
-              <a:rPr lang="zh-CN" altLang="zh-TW" kern="100" dirty="0" smtClean="0">
-                <a:latin typeface="Calibri" panose="020F0502020204030204" pitchFamily="34" charset="0"/>
-                <a:cs typeface="Times New Roman" panose="02020603050405020304" pitchFamily="18" charset="0"/>
-              </a:rPr>
-              <a:t> </a:t>
-            </a:r>
-            <a:r>
-              <a:rPr lang="zh-CN" altLang="zh-TW" kern="100" dirty="0">
-                <a:latin typeface="Calibri" panose="020F0502020204030204" pitchFamily="34" charset="0"/>
-                <a:cs typeface="Times New Roman" panose="02020603050405020304" pitchFamily="18" charset="0"/>
-              </a:rPr>
-              <a:t>例如，重度抑郁症和持续性抑郁症（心境恶劣）之间的区别是基于症状的持续时间和持久性，而不是独特的症状。 </a:t>
-            </a:r>
-            <a:endParaRPr lang="en-US" altLang="zh-CN" kern="100" dirty="0" smtClean="0">
-              <a:latin typeface="Calibri" panose="020F0502020204030204" pitchFamily="34" charset="0"/>
-              <a:cs typeface="Times New Roman" panose="02020603050405020304" pitchFamily="18" charset="0"/>
-            </a:endParaRPr>
-          </a:p>
-          <a:p>
-            <a:pPr>
-              <a:spcAft>
-                <a:spcPts val="0"/>
-              </a:spcAft>
-            </a:pPr>
-            <a:endParaRPr lang="en-US" altLang="zh-CN" kern="100" dirty="0">
-              <a:latin typeface="Calibri" panose="020F0502020204030204" pitchFamily="34" charset="0"/>
-              <a:cs typeface="Times New Roman" panose="02020603050405020304" pitchFamily="18" charset="0"/>
-            </a:endParaRPr>
-          </a:p>
-          <a:p>
-            <a:pPr>
-              <a:spcAft>
-                <a:spcPts val="0"/>
-              </a:spcAft>
-            </a:pPr>
-            <a:r>
-              <a:rPr lang="zh-CN" altLang="zh-TW" kern="100" dirty="0" smtClean="0">
-                <a:latin typeface="Calibri" panose="020F0502020204030204" pitchFamily="34" charset="0"/>
-                <a:cs typeface="Times New Roman" panose="02020603050405020304" pitchFamily="18" charset="0"/>
-              </a:rPr>
-              <a:t>此外</a:t>
-            </a:r>
-            <a:r>
-              <a:rPr lang="zh-CN" altLang="zh-TW" kern="100" dirty="0">
-                <a:latin typeface="Calibri" panose="020F0502020204030204" pitchFamily="34" charset="0"/>
-                <a:cs typeface="Times New Roman" panose="02020603050405020304" pitchFamily="18" charset="0"/>
-              </a:rPr>
-              <a:t>，抑郁症状与其他疾病的症状之间可能存在显着重叠，例如焦虑症、躯体症状和相关疾病以及神经认知障碍</a:t>
-            </a:r>
-            <a:r>
-              <a:rPr lang="zh-CN" altLang="zh-TW" kern="100" dirty="0" smtClean="0">
-                <a:latin typeface="Calibri" panose="020F0502020204030204" pitchFamily="34" charset="0"/>
-                <a:cs typeface="Times New Roman" panose="02020603050405020304" pitchFamily="18" charset="0"/>
-              </a:rPr>
-              <a:t>。</a:t>
-            </a:r>
-            <a:endParaRPr lang="en-US" altLang="zh-CN" kern="100" dirty="0" smtClean="0">
-              <a:latin typeface="Calibri" panose="020F0502020204030204" pitchFamily="34" charset="0"/>
-              <a:cs typeface="Times New Roman" panose="02020603050405020304" pitchFamily="18" charset="0"/>
-            </a:endParaRPr>
-          </a:p>
-          <a:p>
-            <a:pPr>
-              <a:spcAft>
-                <a:spcPts val="0"/>
-              </a:spcAft>
-            </a:pPr>
-            <a:endParaRPr lang="en-US" altLang="zh-CN" kern="100" dirty="0">
-              <a:latin typeface="Calibri" panose="020F0502020204030204" pitchFamily="34" charset="0"/>
-              <a:cs typeface="Times New Roman" panose="02020603050405020304" pitchFamily="18" charset="0"/>
-            </a:endParaRPr>
-          </a:p>
-          <a:p>
-            <a:pPr>
-              <a:spcAft>
-                <a:spcPts val="0"/>
-              </a:spcAft>
-            </a:pPr>
-            <a:r>
-              <a:rPr lang="zh-CN" altLang="zh-TW" kern="100" dirty="0" smtClean="0">
-                <a:latin typeface="Calibri" panose="020F0502020204030204" pitchFamily="34" charset="0"/>
-                <a:cs typeface="Times New Roman" panose="02020603050405020304" pitchFamily="18" charset="0"/>
-              </a:rPr>
-              <a:t> </a:t>
-            </a:r>
-            <a:r>
-              <a:rPr lang="zh-CN" altLang="zh-TW" kern="100" dirty="0">
-                <a:latin typeface="Calibri" panose="020F0502020204030204" pitchFamily="34" charset="0"/>
-                <a:cs typeface="Times New Roman" panose="02020603050405020304" pitchFamily="18" charset="0"/>
-              </a:rPr>
-              <a:t>因此，抑郁症章节中症状的高水平重复可能反映了准确诊断和治疗抑郁症的挑战。</a:t>
-            </a:r>
-            <a:endParaRPr lang="zh-TW" altLang="zh-TW" kern="100" dirty="0">
-              <a:effectLst/>
-              <a:latin typeface="Calibri" panose="020F0502020204030204" pitchFamily="34" charset="0"/>
-              <a:ea typeface="PMingLiU" panose="02020500000000000000" pitchFamily="18" charset="-120"/>
-              <a:cs typeface="Times New Roman" panose="02020603050405020304" pitchFamily="18" charset="0"/>
-            </a:endParaRPr>
-          </a:p>
-        </p:txBody>
-      </p:sp>
+              <a:rPr lang="en-US" altLang="zh-CN" smtClean="0"/>
+              <a:t>75</a:t>
+            </a:r>
+            <a:r>
+              <a:rPr lang="zh-CN" altLang="en-US"/>
+              <a:t>个诊断标准（</a:t>
+            </a:r>
+            <a:r>
+              <a:rPr lang="en-US" altLang="zh-CN"/>
+              <a:t>37.1%</a:t>
+            </a:r>
+            <a:r>
+              <a:rPr lang="zh-CN" altLang="en-US"/>
+              <a:t>）的每个症状都在至少另一个诊断中重复出现</a:t>
+            </a:r>
+            <a:endParaRPr lang="en-US" altLang="zh-CN"/>
+          </a:p>
+        </p:txBody>
+      </p:sp>
+      <p:pic>
+        <p:nvPicPr>
+          <p:cNvPr id="8" name="图片 7"/>
+          <p:cNvPicPr>
+            <a:picLocks noChangeAspect="1"/>
+          </p:cNvPicPr>
+          <p:nvPr/>
+        </p:nvPicPr>
+        <p:blipFill rotWithShape="1">
+          <a:blip r:embed="rId3">
+            <a:clrChange>
+              <a:clrFrom>
+                <a:srgbClr val="FFFFFF"/>
+              </a:clrFrom>
+              <a:clrTo>
+                <a:srgbClr val="FFFFFF">
+                  <a:alpha val="0"/>
+                </a:srgbClr>
+              </a:clrTo>
+            </a:clrChange>
+          </a:blip>
+          <a:srcRect b="6197"/>
+          <a:stretch/>
+        </p:blipFill>
+        <p:spPr>
+          <a:xfrm>
+            <a:off x="895271" y="664106"/>
+            <a:ext cx="7188866" cy="5528168"/>
+          </a:xfrm>
+          <a:prstGeom prst="rect">
+            <a:avLst/>
+          </a:prstGeom>
+        </p:spPr>
+      </p:pic>
     </p:spTree>
     <p:extLst>
       <p:ext uri="{BB962C8B-B14F-4D97-AF65-F5344CB8AC3E}">
-        <p14:creationId xmlns:p14="http://schemas.microsoft.com/office/powerpoint/2010/main" val="880999260"/>
+        <p14:creationId xmlns:p14="http://schemas.microsoft.com/office/powerpoint/2010/main" val="959465728"/>
       </p:ext>
     </p:extLst>
   </p:cSld>
   <p:clrMapOvr>
     <a:masterClrMapping/>
   </p:clrMapOvr>
+  <p:timing>
+    <p:tnLst>
+      <p:par>
+        <p:cTn id="1" dur="indefinite" restart="never" nodeType="tmRoot"/>
+      </p:par>
+    </p:tnLst>
+  </p:timing>
 </p:sld>
 </file>
 
@@ -5879,14 +7948,240 @@
       </p:grpSpPr>
       <p:sp>
         <p:nvSpPr>
-          <p:cNvPr id="2" name="矩形 1"/>
+          <p:cNvPr id="8" name="矩形 7"/>
           <p:cNvSpPr/>
           <p:nvPr/>
         </p:nvSpPr>
         <p:spPr>
           <a:xfrm>
-            <a:off x="1140372" y="896457"/>
-            <a:ext cx="9911255" cy="2308324"/>
+            <a:off x="0" y="0"/>
+            <a:ext cx="8979408" cy="6858000"/>
+          </a:xfrm>
+          <a:prstGeom prst="rect">
+            <a:avLst/>
+          </a:prstGeom>
+          <a:solidFill>
+            <a:schemeClr val="bg1">
+              <a:alpha val="50196"/>
+            </a:schemeClr>
+          </a:solidFill>
+          <a:ln>
+            <a:noFill/>
+          </a:ln>
+        </p:spPr>
+        <p:style>
+          <a:lnRef idx="2">
+            <a:schemeClr val="accent1">
+              <a:shade val="50000"/>
+            </a:schemeClr>
+          </a:lnRef>
+          <a:fillRef idx="1">
+            <a:schemeClr val="accent1"/>
+          </a:fillRef>
+          <a:effectRef idx="0">
+            <a:schemeClr val="accent1"/>
+          </a:effectRef>
+          <a:fontRef idx="minor">
+            <a:schemeClr val="lt1"/>
+          </a:fontRef>
+        </p:style>
+        <p:txBody>
+          <a:bodyPr rtlCol="0" anchor="ctr"/>
+          <a:lstStyle/>
+          <a:p>
+            <a:pPr algn="ctr"/>
+            <a:endParaRPr lang="zh-CN" altLang="en-US"/>
+          </a:p>
+        </p:txBody>
+      </p:sp>
+      <p:sp>
+        <p:nvSpPr>
+          <p:cNvPr id="4" name="矩形 3"/>
+          <p:cNvSpPr/>
+          <p:nvPr/>
+        </p:nvSpPr>
+        <p:spPr>
+          <a:xfrm>
+            <a:off x="8979408" y="0"/>
+            <a:ext cx="3212592" cy="6858000"/>
+          </a:xfrm>
+          <a:prstGeom prst="rect">
+            <a:avLst/>
+          </a:prstGeom>
+          <a:gradFill flip="none" rotWithShape="1">
+            <a:gsLst>
+              <a:gs pos="0">
+                <a:srgbClr val="005B70"/>
+              </a:gs>
+              <a:gs pos="100000">
+                <a:srgbClr val="74AA9C"/>
+              </a:gs>
+            </a:gsLst>
+            <a:lin ang="2700000" scaled="1"/>
+            <a:tileRect/>
+          </a:gradFill>
+          <a:ln>
+            <a:noFill/>
+          </a:ln>
+        </p:spPr>
+        <p:style>
+          <a:lnRef idx="2">
+            <a:schemeClr val="accent1">
+              <a:shade val="50000"/>
+            </a:schemeClr>
+          </a:lnRef>
+          <a:fillRef idx="1">
+            <a:schemeClr val="accent1"/>
+          </a:fillRef>
+          <a:effectRef idx="0">
+            <a:schemeClr val="accent1"/>
+          </a:effectRef>
+          <a:fontRef idx="minor">
+            <a:schemeClr val="lt1"/>
+          </a:fontRef>
+        </p:style>
+        <p:txBody>
+          <a:bodyPr rtlCol="0" anchor="ctr"/>
+          <a:lstStyle/>
+          <a:p>
+            <a:pPr algn="ctr"/>
+            <a:r>
+              <a:rPr lang="en-US" altLang="zh-TW" sz="6000" dirty="0" smtClean="0"/>
+              <a:t>DSM - 5</a:t>
+            </a:r>
+            <a:endParaRPr lang="zh-TW" altLang="en-US" sz="6000" dirty="0"/>
+          </a:p>
+        </p:txBody>
+      </p:sp>
+      <p:sp>
+        <p:nvSpPr>
+          <p:cNvPr id="9" name="矩形 8"/>
+          <p:cNvSpPr/>
+          <p:nvPr/>
+        </p:nvSpPr>
+        <p:spPr>
+          <a:xfrm>
+            <a:off x="0" y="6291072"/>
+            <a:ext cx="1054608" cy="566928"/>
+          </a:xfrm>
+          <a:prstGeom prst="rect">
+            <a:avLst/>
+          </a:prstGeom>
+          <a:gradFill flip="none" rotWithShape="1">
+            <a:gsLst>
+              <a:gs pos="0">
+                <a:srgbClr val="005B70"/>
+              </a:gs>
+              <a:gs pos="100000">
+                <a:srgbClr val="74AA9C"/>
+              </a:gs>
+            </a:gsLst>
+            <a:lin ang="2700000" scaled="1"/>
+            <a:tileRect/>
+          </a:gradFill>
+          <a:ln>
+            <a:noFill/>
+          </a:ln>
+        </p:spPr>
+        <p:style>
+          <a:lnRef idx="2">
+            <a:schemeClr val="accent1">
+              <a:shade val="50000"/>
+            </a:schemeClr>
+          </a:lnRef>
+          <a:fillRef idx="1">
+            <a:schemeClr val="accent1"/>
+          </a:fillRef>
+          <a:effectRef idx="0">
+            <a:schemeClr val="accent1"/>
+          </a:effectRef>
+          <a:fontRef idx="minor">
+            <a:schemeClr val="lt1"/>
+          </a:fontRef>
+        </p:style>
+        <p:txBody>
+          <a:bodyPr rtlCol="0" anchor="ctr"/>
+          <a:lstStyle/>
+          <a:p>
+            <a:pPr algn="ctr"/>
+            <a:endParaRPr lang="zh-TW" altLang="en-US"/>
+          </a:p>
+        </p:txBody>
+      </p:sp>
+      <p:sp>
+        <p:nvSpPr>
+          <p:cNvPr id="7" name="矩形 6"/>
+          <p:cNvSpPr/>
+          <p:nvPr/>
+        </p:nvSpPr>
+        <p:spPr>
+          <a:xfrm>
+            <a:off x="0" y="0"/>
+            <a:ext cx="3941064" cy="566928"/>
+          </a:xfrm>
+          <a:prstGeom prst="rect">
+            <a:avLst/>
+          </a:prstGeom>
+          <a:gradFill flip="none" rotWithShape="1">
+            <a:gsLst>
+              <a:gs pos="0">
+                <a:srgbClr val="005B70"/>
+              </a:gs>
+              <a:gs pos="100000">
+                <a:srgbClr val="74AA9C"/>
+              </a:gs>
+            </a:gsLst>
+            <a:lin ang="2700000" scaled="1"/>
+            <a:tileRect/>
+          </a:gradFill>
+          <a:ln>
+            <a:noFill/>
+          </a:ln>
+        </p:spPr>
+        <p:style>
+          <a:lnRef idx="2">
+            <a:schemeClr val="accent1">
+              <a:shade val="50000"/>
+            </a:schemeClr>
+          </a:lnRef>
+          <a:fillRef idx="1">
+            <a:schemeClr val="accent1"/>
+          </a:fillRef>
+          <a:effectRef idx="0">
+            <a:schemeClr val="accent1"/>
+          </a:effectRef>
+          <a:fontRef idx="minor">
+            <a:schemeClr val="lt1"/>
+          </a:fontRef>
+        </p:style>
+        <p:txBody>
+          <a:bodyPr rtlCol="0" anchor="ctr"/>
+          <a:lstStyle/>
+          <a:p>
+            <a:r>
+              <a:rPr lang="en-US" altLang="zh-CN" sz="3600" b="1" smtClean="0">
+                <a:latin typeface="Times New Roman" panose="02020603050405020304" pitchFamily="18" charset="0"/>
+                <a:cs typeface="Times New Roman" panose="02020603050405020304" pitchFamily="18" charset="0"/>
+              </a:rPr>
+              <a:t>Result</a:t>
+            </a:r>
+            <a:endParaRPr lang="zh-TW" altLang="en-US" sz="3600" b="1" dirty="0">
+              <a:latin typeface="Times New Roman" panose="02020603050405020304" pitchFamily="18" charset="0"/>
+              <a:cs typeface="Times New Roman" panose="02020603050405020304" pitchFamily="18" charset="0"/>
+            </a:endParaRPr>
+          </a:p>
+        </p:txBody>
+      </p:sp>
+      <p:sp>
+        <p:nvSpPr>
+          <p:cNvPr id="6" name="矩形 5"/>
+          <p:cNvSpPr/>
+          <p:nvPr/>
+        </p:nvSpPr>
+        <p:spPr>
+          <a:xfrm>
+            <a:off x="1228922" y="6389870"/>
+            <a:ext cx="7576172" cy="369332"/>
           </a:xfrm>
           <a:prstGeom prst="rect">
             <a:avLst/>
@@ -5898,217 +8193,82 @@
           </a:bodyPr>
           <a:lstStyle/>
           <a:p>
-            <a:r>
-              <a:rPr lang="zh-CN" altLang="zh-TW" dirty="0">
-                <a:latin typeface="Calibri" panose="020F0502020204030204" pitchFamily="34" charset="0"/>
-                <a:cs typeface="Times New Roman" panose="02020603050405020304" pitchFamily="18" charset="0"/>
-              </a:rPr>
-              <a:t>重复通常是有意的</a:t>
-            </a:r>
-            <a:r>
-              <a:rPr lang="zh-CN" altLang="zh-TW" dirty="0" smtClean="0">
-                <a:latin typeface="Calibri" panose="020F0502020204030204" pitchFamily="34" charset="0"/>
-                <a:cs typeface="Times New Roman" panose="02020603050405020304" pitchFamily="18" charset="0"/>
-              </a:rPr>
-              <a:t>，</a:t>
-            </a:r>
-            <a:endParaRPr lang="en-US" altLang="zh-CN" dirty="0" smtClean="0">
-              <a:latin typeface="Calibri" panose="020F0502020204030204" pitchFamily="34" charset="0"/>
-              <a:cs typeface="Times New Roman" panose="02020603050405020304" pitchFamily="18" charset="0"/>
-            </a:endParaRPr>
-          </a:p>
-          <a:p>
-            <a:r>
-              <a:rPr lang="en-US" altLang="zh-CN" dirty="0">
-                <a:latin typeface="Calibri" panose="020F0502020204030204" pitchFamily="34" charset="0"/>
-                <a:cs typeface="Times New Roman" panose="02020603050405020304" pitchFamily="18" charset="0"/>
-              </a:rPr>
-              <a:t>	</a:t>
-            </a:r>
-            <a:r>
-              <a:rPr lang="zh-CN" altLang="zh-TW" dirty="0" smtClean="0">
-                <a:latin typeface="Calibri" panose="020F0502020204030204" pitchFamily="34" charset="0"/>
-                <a:cs typeface="Times New Roman" panose="02020603050405020304" pitchFamily="18" charset="0"/>
-              </a:rPr>
-              <a:t>反映</a:t>
-            </a:r>
-            <a:r>
-              <a:rPr lang="zh-CN" altLang="zh-TW" dirty="0">
-                <a:latin typeface="Calibri" panose="020F0502020204030204" pitchFamily="34" charset="0"/>
-                <a:cs typeface="Times New Roman" panose="02020603050405020304" pitchFamily="18" charset="0"/>
-              </a:rPr>
-              <a:t>了章节内疾病的共同特征</a:t>
-            </a:r>
-            <a:r>
-              <a:rPr lang="zh-CN" altLang="zh-TW" dirty="0" smtClean="0">
-                <a:latin typeface="Calibri" panose="020F0502020204030204" pitchFamily="34" charset="0"/>
-                <a:cs typeface="Times New Roman" panose="02020603050405020304" pitchFamily="18" charset="0"/>
-              </a:rPr>
-              <a:t>，</a:t>
-            </a:r>
-            <a:endParaRPr lang="en-US" altLang="zh-CN" dirty="0" smtClean="0">
-              <a:latin typeface="Calibri" panose="020F0502020204030204" pitchFamily="34" charset="0"/>
-              <a:cs typeface="Times New Roman" panose="02020603050405020304" pitchFamily="18" charset="0"/>
-            </a:endParaRPr>
-          </a:p>
-          <a:p>
-            <a:r>
-              <a:rPr lang="en-US" altLang="zh-CN" dirty="0">
-                <a:latin typeface="Calibri" panose="020F0502020204030204" pitchFamily="34" charset="0"/>
-                <a:cs typeface="Times New Roman" panose="02020603050405020304" pitchFamily="18" charset="0"/>
-              </a:rPr>
-              <a:t>	</a:t>
-            </a:r>
-            <a:r>
-              <a:rPr lang="zh-CN" altLang="zh-TW" dirty="0" smtClean="0">
-                <a:latin typeface="Calibri" panose="020F0502020204030204" pitchFamily="34" charset="0"/>
-                <a:cs typeface="Times New Roman" panose="02020603050405020304" pitchFamily="18" charset="0"/>
-              </a:rPr>
-              <a:t>例如</a:t>
-            </a:r>
-            <a:r>
-              <a:rPr lang="zh-CN" altLang="zh-TW" dirty="0">
-                <a:latin typeface="Calibri" panose="020F0502020204030204" pitchFamily="34" charset="0"/>
-                <a:cs typeface="Times New Roman" panose="02020603050405020304" pitchFamily="18" charset="0"/>
-              </a:rPr>
-              <a:t>相似的核心症状或共同的潜在机制。</a:t>
-            </a:r>
-            <a:r>
-              <a:rPr lang="zh-CN" altLang="zh-TW" dirty="0" smtClean="0">
-                <a:effectLst/>
-                <a:ea typeface="Calibri" panose="020F0502020204030204" pitchFamily="34" charset="0"/>
-                <a:cs typeface="Times New Roman" panose="02020603050405020304" pitchFamily="18" charset="0"/>
-              </a:rPr>
-              <a:t> </a:t>
-            </a:r>
-            <a:endParaRPr lang="en-US" altLang="zh-CN" dirty="0" smtClean="0">
-              <a:effectLst/>
-              <a:ea typeface="Calibri" panose="020F0502020204030204" pitchFamily="34" charset="0"/>
-              <a:cs typeface="Times New Roman" panose="02020603050405020304" pitchFamily="18" charset="0"/>
-            </a:endParaRPr>
-          </a:p>
-          <a:p>
-            <a:endParaRPr lang="en-US" altLang="zh-CN" dirty="0">
-              <a:latin typeface="Calibri" panose="020F0502020204030204" pitchFamily="34" charset="0"/>
-              <a:cs typeface="Times New Roman" panose="02020603050405020304" pitchFamily="18" charset="0"/>
-            </a:endParaRPr>
-          </a:p>
-          <a:p>
-            <a:r>
-              <a:rPr lang="zh-CN" altLang="zh-TW" dirty="0" smtClean="0">
-                <a:latin typeface="Calibri" panose="020F0502020204030204" pitchFamily="34" charset="0"/>
-                <a:cs typeface="Times New Roman" panose="02020603050405020304" pitchFamily="18" charset="0"/>
-              </a:rPr>
-              <a:t>然而</a:t>
-            </a:r>
-            <a:r>
-              <a:rPr lang="zh-CN" altLang="zh-TW" dirty="0">
-                <a:latin typeface="Calibri" panose="020F0502020204030204" pitchFamily="34" charset="0"/>
-                <a:cs typeface="Times New Roman" panose="02020603050405020304" pitchFamily="18" charset="0"/>
-              </a:rPr>
-              <a:t>，各章中症状的大量重复表明</a:t>
-            </a:r>
-            <a:r>
-              <a:rPr lang="zh-CN" altLang="zh-TW" dirty="0" smtClean="0">
-                <a:latin typeface="Calibri" panose="020F0502020204030204" pitchFamily="34" charset="0"/>
-                <a:cs typeface="Times New Roman" panose="02020603050405020304" pitchFamily="18" charset="0"/>
-              </a:rPr>
-              <a:t>，</a:t>
-            </a:r>
-            <a:endParaRPr lang="en-US" altLang="zh-CN" dirty="0" smtClean="0">
-              <a:latin typeface="Calibri" panose="020F0502020204030204" pitchFamily="34" charset="0"/>
-              <a:cs typeface="Times New Roman" panose="02020603050405020304" pitchFamily="18" charset="0"/>
-            </a:endParaRPr>
-          </a:p>
-          <a:p>
-            <a:r>
-              <a:rPr lang="en-US" altLang="zh-CN" dirty="0">
-                <a:latin typeface="Calibri" panose="020F0502020204030204" pitchFamily="34" charset="0"/>
-                <a:cs typeface="Times New Roman" panose="02020603050405020304" pitchFamily="18" charset="0"/>
-              </a:rPr>
-              <a:t>	</a:t>
-            </a:r>
-            <a:r>
-              <a:rPr lang="zh-CN" altLang="zh-TW" dirty="0" smtClean="0">
-                <a:latin typeface="Calibri" panose="020F0502020204030204" pitchFamily="34" charset="0"/>
-                <a:cs typeface="Times New Roman" panose="02020603050405020304" pitchFamily="18" charset="0"/>
-              </a:rPr>
-              <a:t>不同</a:t>
-            </a:r>
-            <a:r>
-              <a:rPr lang="zh-CN" altLang="zh-TW" dirty="0">
-                <a:latin typeface="Calibri" panose="020F0502020204030204" pitchFamily="34" charset="0"/>
-                <a:cs typeface="Times New Roman" panose="02020603050405020304" pitchFamily="18" charset="0"/>
-              </a:rPr>
-              <a:t>类别的精神病理学之间可能存在一些重叠和缺乏明确的界限</a:t>
-            </a:r>
-            <a:r>
-              <a:rPr lang="zh-CN" altLang="zh-TW" dirty="0" smtClean="0">
-                <a:latin typeface="Calibri" panose="020F0502020204030204" pitchFamily="34" charset="0"/>
-                <a:cs typeface="Times New Roman" panose="02020603050405020304" pitchFamily="18" charset="0"/>
-              </a:rPr>
-              <a:t>。</a:t>
-            </a:r>
-            <a:endParaRPr lang="en-US" altLang="zh-CN" dirty="0" smtClean="0">
-              <a:latin typeface="Calibri" panose="020F0502020204030204" pitchFamily="34" charset="0"/>
-              <a:cs typeface="Times New Roman" panose="02020603050405020304" pitchFamily="18" charset="0"/>
-            </a:endParaRPr>
-          </a:p>
-          <a:p>
-            <a:r>
-              <a:rPr lang="en-US" altLang="zh-CN" dirty="0">
-                <a:effectLst/>
-                <a:latin typeface="Calibri" panose="020F0502020204030204" pitchFamily="34" charset="0"/>
-                <a:ea typeface="Calibri" panose="020F0502020204030204" pitchFamily="34" charset="0"/>
-                <a:cs typeface="Times New Roman" panose="02020603050405020304" pitchFamily="18" charset="0"/>
-              </a:rPr>
-              <a:t>	</a:t>
-            </a:r>
-            <a:r>
-              <a:rPr lang="zh-CN" altLang="zh-TW" dirty="0" smtClean="0">
-                <a:effectLst/>
-                <a:ea typeface="Calibri" panose="020F0502020204030204" pitchFamily="34" charset="0"/>
-                <a:cs typeface="Times New Roman" panose="02020603050405020304" pitchFamily="18" charset="0"/>
-              </a:rPr>
-              <a:t> </a:t>
-            </a:r>
-            <a:r>
-              <a:rPr lang="zh-CN" altLang="zh-TW" dirty="0">
-                <a:latin typeface="Calibri" panose="020F0502020204030204" pitchFamily="34" charset="0"/>
-                <a:cs typeface="Times New Roman" panose="02020603050405020304" pitchFamily="18" charset="0"/>
-              </a:rPr>
-              <a:t>这可能是由于</a:t>
-            </a:r>
-            <a:r>
-              <a:rPr lang="en-US" altLang="zh-TW" dirty="0" smtClean="0">
-                <a:effectLst/>
-                <a:latin typeface="Calibri" panose="020F0502020204030204" pitchFamily="34" charset="0"/>
-                <a:ea typeface="宋体" panose="02010600030101010101" pitchFamily="2" charset="-122"/>
-                <a:cs typeface="Times New Roman" panose="02020603050405020304" pitchFamily="18" charset="0"/>
-              </a:rPr>
-              <a:t> DSM-5 </a:t>
-            </a:r>
-            <a:r>
-              <a:rPr lang="zh-CN" altLang="zh-TW" dirty="0">
-                <a:latin typeface="Calibri" panose="020F0502020204030204" pitchFamily="34" charset="0"/>
-                <a:cs typeface="Times New Roman" panose="02020603050405020304" pitchFamily="18" charset="0"/>
-              </a:rPr>
-              <a:t>中不同章节之间缺乏协调或一致性，并强调需要继续完善和改进精神障碍的分类。</a:t>
-            </a:r>
-            <a:endParaRPr lang="zh-TW" altLang="en-US" dirty="0"/>
-          </a:p>
-        </p:txBody>
-      </p:sp>
+            <a:pPr marL="285750" indent="-285750">
+              <a:buFont typeface="Wingdings" panose="05000000000000000000" pitchFamily="2" charset="2"/>
+              <a:buChar char="n"/>
+            </a:pPr>
+            <a:r>
+              <a:rPr lang="en-US" altLang="zh-CN" smtClean="0"/>
+              <a:t>47</a:t>
+            </a:r>
+            <a:r>
+              <a:rPr lang="zh-CN" altLang="en-US"/>
+              <a:t>个诊断标准（</a:t>
+            </a:r>
+            <a:r>
+              <a:rPr lang="en-US" altLang="zh-CN"/>
+              <a:t>23.3%</a:t>
+            </a:r>
+            <a:r>
+              <a:rPr lang="zh-CN" altLang="en-US"/>
+              <a:t>）的每个症状都在其他章节中重复出现</a:t>
+            </a:r>
+            <a:endParaRPr lang="en-US" altLang="zh-CN"/>
+          </a:p>
+        </p:txBody>
+      </p:sp>
+      <p:pic>
+        <p:nvPicPr>
+          <p:cNvPr id="3" name="图片 2"/>
+          <p:cNvPicPr>
+            <a:picLocks noChangeAspect="1"/>
+          </p:cNvPicPr>
+          <p:nvPr/>
+        </p:nvPicPr>
+        <p:blipFill>
+          <a:blip r:embed="rId3">
+            <a:clrChange>
+              <a:clrFrom>
+                <a:srgbClr val="FFFFFF"/>
+              </a:clrFrom>
+              <a:clrTo>
+                <a:srgbClr val="FFFFFF">
+                  <a:alpha val="0"/>
+                </a:srgbClr>
+              </a:clrTo>
+            </a:clrChange>
+          </a:blip>
+          <a:stretch>
+            <a:fillRect/>
+          </a:stretch>
+        </p:blipFill>
+        <p:spPr>
+          <a:xfrm>
+            <a:off x="1054608" y="616327"/>
+            <a:ext cx="7104072" cy="5724144"/>
+          </a:xfrm>
+          <a:prstGeom prst="rect">
+            <a:avLst/>
+          </a:prstGeom>
+        </p:spPr>
+      </p:pic>
     </p:spTree>
     <p:extLst>
       <p:ext uri="{BB962C8B-B14F-4D97-AF65-F5344CB8AC3E}">
-        <p14:creationId xmlns:p14="http://schemas.microsoft.com/office/powerpoint/2010/main" val="2333006914"/>
+        <p14:creationId xmlns:p14="http://schemas.microsoft.com/office/powerpoint/2010/main" val="2865065056"/>
       </p:ext>
     </p:extLst>
   </p:cSld>
   <p:clrMapOvr>
     <a:masterClrMapping/>
   </p:clrMapOvr>
+  <p:timing>
+    <p:tnLst>
+      <p:par>
+        <p:cTn id="1" dur="indefinite" restart="never" nodeType="tmRoot"/>
+      </p:par>
+    </p:tnLst>
+  </p:timing>
 </p:sld>
 </file>
 
@@ -6131,14 +8291,240 @@
       </p:grpSpPr>
       <p:sp>
         <p:nvSpPr>
-          <p:cNvPr id="2" name="矩形 1"/>
+          <p:cNvPr id="8" name="矩形 7"/>
           <p:cNvSpPr/>
           <p:nvPr/>
         </p:nvSpPr>
         <p:spPr>
           <a:xfrm>
-            <a:off x="620109" y="3116006"/>
-            <a:ext cx="10809889" cy="1754326"/>
+            <a:off x="0" y="0"/>
+            <a:ext cx="8979408" cy="6858000"/>
+          </a:xfrm>
+          <a:prstGeom prst="rect">
+            <a:avLst/>
+          </a:prstGeom>
+          <a:solidFill>
+            <a:schemeClr val="bg1">
+              <a:alpha val="50196"/>
+            </a:schemeClr>
+          </a:solidFill>
+          <a:ln>
+            <a:noFill/>
+          </a:ln>
+        </p:spPr>
+        <p:style>
+          <a:lnRef idx="2">
+            <a:schemeClr val="accent1">
+              <a:shade val="50000"/>
+            </a:schemeClr>
+          </a:lnRef>
+          <a:fillRef idx="1">
+            <a:schemeClr val="accent1"/>
+          </a:fillRef>
+          <a:effectRef idx="0">
+            <a:schemeClr val="accent1"/>
+          </a:effectRef>
+          <a:fontRef idx="minor">
+            <a:schemeClr val="lt1"/>
+          </a:fontRef>
+        </p:style>
+        <p:txBody>
+          <a:bodyPr rtlCol="0" anchor="ctr"/>
+          <a:lstStyle/>
+          <a:p>
+            <a:pPr algn="ctr"/>
+            <a:endParaRPr lang="zh-CN" altLang="en-US"/>
+          </a:p>
+        </p:txBody>
+      </p:sp>
+      <p:sp>
+        <p:nvSpPr>
+          <p:cNvPr id="4" name="矩形 3"/>
+          <p:cNvSpPr/>
+          <p:nvPr/>
+        </p:nvSpPr>
+        <p:spPr>
+          <a:xfrm>
+            <a:off x="8979408" y="0"/>
+            <a:ext cx="3212592" cy="6858000"/>
+          </a:xfrm>
+          <a:prstGeom prst="rect">
+            <a:avLst/>
+          </a:prstGeom>
+          <a:gradFill flip="none" rotWithShape="1">
+            <a:gsLst>
+              <a:gs pos="0">
+                <a:srgbClr val="005B70"/>
+              </a:gs>
+              <a:gs pos="100000">
+                <a:srgbClr val="74AA9C"/>
+              </a:gs>
+            </a:gsLst>
+            <a:lin ang="2700000" scaled="1"/>
+            <a:tileRect/>
+          </a:gradFill>
+          <a:ln>
+            <a:noFill/>
+          </a:ln>
+        </p:spPr>
+        <p:style>
+          <a:lnRef idx="2">
+            <a:schemeClr val="accent1">
+              <a:shade val="50000"/>
+            </a:schemeClr>
+          </a:lnRef>
+          <a:fillRef idx="1">
+            <a:schemeClr val="accent1"/>
+          </a:fillRef>
+          <a:effectRef idx="0">
+            <a:schemeClr val="accent1"/>
+          </a:effectRef>
+          <a:fontRef idx="minor">
+            <a:schemeClr val="lt1"/>
+          </a:fontRef>
+        </p:style>
+        <p:txBody>
+          <a:bodyPr rtlCol="0" anchor="ctr"/>
+          <a:lstStyle/>
+          <a:p>
+            <a:pPr algn="ctr"/>
+            <a:r>
+              <a:rPr lang="en-US" altLang="zh-TW" sz="6000" dirty="0" smtClean="0"/>
+              <a:t>DSM - 5</a:t>
+            </a:r>
+            <a:endParaRPr lang="zh-TW" altLang="en-US" sz="6000" dirty="0"/>
+          </a:p>
+        </p:txBody>
+      </p:sp>
+      <p:sp>
+        <p:nvSpPr>
+          <p:cNvPr id="9" name="矩形 8"/>
+          <p:cNvSpPr/>
+          <p:nvPr/>
+        </p:nvSpPr>
+        <p:spPr>
+          <a:xfrm>
+            <a:off x="0" y="6291072"/>
+            <a:ext cx="1054608" cy="566928"/>
+          </a:xfrm>
+          <a:prstGeom prst="rect">
+            <a:avLst/>
+          </a:prstGeom>
+          <a:gradFill flip="none" rotWithShape="1">
+            <a:gsLst>
+              <a:gs pos="0">
+                <a:srgbClr val="005B70"/>
+              </a:gs>
+              <a:gs pos="100000">
+                <a:srgbClr val="74AA9C"/>
+              </a:gs>
+            </a:gsLst>
+            <a:lin ang="2700000" scaled="1"/>
+            <a:tileRect/>
+          </a:gradFill>
+          <a:ln>
+            <a:noFill/>
+          </a:ln>
+        </p:spPr>
+        <p:style>
+          <a:lnRef idx="2">
+            <a:schemeClr val="accent1">
+              <a:shade val="50000"/>
+            </a:schemeClr>
+          </a:lnRef>
+          <a:fillRef idx="1">
+            <a:schemeClr val="accent1"/>
+          </a:fillRef>
+          <a:effectRef idx="0">
+            <a:schemeClr val="accent1"/>
+          </a:effectRef>
+          <a:fontRef idx="minor">
+            <a:schemeClr val="lt1"/>
+          </a:fontRef>
+        </p:style>
+        <p:txBody>
+          <a:bodyPr rtlCol="0" anchor="ctr"/>
+          <a:lstStyle/>
+          <a:p>
+            <a:pPr algn="ctr"/>
+            <a:endParaRPr lang="zh-TW" altLang="en-US"/>
+          </a:p>
+        </p:txBody>
+      </p:sp>
+      <p:sp>
+        <p:nvSpPr>
+          <p:cNvPr id="7" name="矩形 6"/>
+          <p:cNvSpPr/>
+          <p:nvPr/>
+        </p:nvSpPr>
+        <p:spPr>
+          <a:xfrm>
+            <a:off x="0" y="0"/>
+            <a:ext cx="3941064" cy="566928"/>
+          </a:xfrm>
+          <a:prstGeom prst="rect">
+            <a:avLst/>
+          </a:prstGeom>
+          <a:gradFill flip="none" rotWithShape="1">
+            <a:gsLst>
+              <a:gs pos="0">
+                <a:srgbClr val="005B70"/>
+              </a:gs>
+              <a:gs pos="100000">
+                <a:srgbClr val="74AA9C"/>
+              </a:gs>
+            </a:gsLst>
+            <a:lin ang="2700000" scaled="1"/>
+            <a:tileRect/>
+          </a:gradFill>
+          <a:ln>
+            <a:noFill/>
+          </a:ln>
+        </p:spPr>
+        <p:style>
+          <a:lnRef idx="2">
+            <a:schemeClr val="accent1">
+              <a:shade val="50000"/>
+            </a:schemeClr>
+          </a:lnRef>
+          <a:fillRef idx="1">
+            <a:schemeClr val="accent1"/>
+          </a:fillRef>
+          <a:effectRef idx="0">
+            <a:schemeClr val="accent1"/>
+          </a:effectRef>
+          <a:fontRef idx="minor">
+            <a:schemeClr val="lt1"/>
+          </a:fontRef>
+        </p:style>
+        <p:txBody>
+          <a:bodyPr rtlCol="0" anchor="ctr"/>
+          <a:lstStyle/>
+          <a:p>
+            <a:r>
+              <a:rPr lang="en-US" altLang="zh-CN" sz="3600" b="1" smtClean="0">
+                <a:latin typeface="Times New Roman" panose="02020603050405020304" pitchFamily="18" charset="0"/>
+                <a:cs typeface="Times New Roman" panose="02020603050405020304" pitchFamily="18" charset="0"/>
+              </a:rPr>
+              <a:t>Result</a:t>
+            </a:r>
+            <a:endParaRPr lang="zh-TW" altLang="en-US" sz="3600" b="1" dirty="0">
+              <a:latin typeface="Times New Roman" panose="02020603050405020304" pitchFamily="18" charset="0"/>
+              <a:cs typeface="Times New Roman" panose="02020603050405020304" pitchFamily="18" charset="0"/>
+            </a:endParaRPr>
+          </a:p>
+        </p:txBody>
+      </p:sp>
+      <p:sp>
+        <p:nvSpPr>
+          <p:cNvPr id="6" name="矩形 5"/>
+          <p:cNvSpPr/>
+          <p:nvPr/>
+        </p:nvSpPr>
+        <p:spPr>
+          <a:xfrm>
+            <a:off x="1228922" y="6389870"/>
+            <a:ext cx="7576172" cy="369332"/>
           </a:xfrm>
           <a:prstGeom prst="rect">
             <a:avLst/>
@@ -6150,267 +8536,102 @@
           </a:bodyPr>
           <a:lstStyle/>
           <a:p>
-            <a:pPr>
-              <a:spcAft>
-                <a:spcPts val="0"/>
-              </a:spcAft>
+            <a:pPr marL="285750" indent="-285750">
+              <a:buFont typeface="Wingdings" panose="05000000000000000000" pitchFamily="2" charset="2"/>
+              <a:buChar char="n"/>
             </a:pPr>
             <a:r>
-              <a:rPr lang="en-US" altLang="zh-TW" kern="100" dirty="0" smtClean="0">
-                <a:effectLst/>
-                <a:latin typeface="Calibri" panose="020F0502020204030204" pitchFamily="34" charset="0"/>
-                <a:ea typeface="宋体" panose="02010600030101010101" pitchFamily="2" charset="-122"/>
-                <a:cs typeface="Times New Roman" panose="02020603050405020304" pitchFamily="18" charset="0"/>
-              </a:rPr>
-              <a:t>MDD </a:t>
-            </a:r>
-            <a:r>
-              <a:rPr lang="zh-CN" altLang="zh-TW" kern="100" dirty="0">
-                <a:latin typeface="Calibri" panose="020F0502020204030204" pitchFamily="34" charset="0"/>
-                <a:cs typeface="Times New Roman" panose="02020603050405020304" pitchFamily="18" charset="0"/>
-              </a:rPr>
-              <a:t>的症状似乎是最不具体的，并且在大多数章节中重复出现</a:t>
-            </a:r>
-            <a:r>
-              <a:rPr lang="zh-CN" altLang="zh-TW" kern="100" dirty="0" smtClean="0">
-                <a:latin typeface="Calibri" panose="020F0502020204030204" pitchFamily="34" charset="0"/>
-                <a:cs typeface="Times New Roman" panose="02020603050405020304" pitchFamily="18" charset="0"/>
-              </a:rPr>
-              <a:t>，</a:t>
-            </a:r>
-            <a:endParaRPr lang="en-US" altLang="zh-CN" kern="100" dirty="0" smtClean="0">
-              <a:latin typeface="Calibri" panose="020F0502020204030204" pitchFamily="34" charset="0"/>
+              <a:rPr lang="en-US" altLang="zh-CN" smtClean="0"/>
+              <a:t>62</a:t>
+            </a:r>
+            <a:r>
+              <a:rPr lang="zh-CN" altLang="en-US"/>
+              <a:t>个诊断标准（</a:t>
+            </a:r>
+            <a:r>
+              <a:rPr lang="en-US" altLang="zh-CN"/>
+              <a:t>30.7%</a:t>
+            </a:r>
+            <a:r>
+              <a:rPr lang="zh-CN" altLang="en-US"/>
+              <a:t>）没有</a:t>
+            </a:r>
+            <a:r>
+              <a:rPr lang="zh-CN" altLang="en-US"/>
+              <a:t>症状</a:t>
+            </a:r>
+            <a:r>
+              <a:rPr lang="zh-CN" altLang="en-US" smtClean="0"/>
+              <a:t>重叠，</a:t>
+            </a:r>
+            <a:r>
+              <a:rPr lang="en-US" altLang="zh-CN" smtClean="0"/>
+              <a:t>35</a:t>
+            </a:r>
+            <a:r>
+              <a:rPr lang="zh-CN" altLang="en-US"/>
+              <a:t>个诊断标准仅包括单个症状</a:t>
+            </a:r>
+            <a:endParaRPr lang="en-US" altLang="zh-CN" dirty="0">
+              <a:latin typeface="楷体" panose="02010609060101010101" pitchFamily="49" charset="-122"/>
+              <a:ea typeface="楷体" panose="02010609060101010101" pitchFamily="49" charset="-122"/>
               <a:cs typeface="Times New Roman" panose="02020603050405020304" pitchFamily="18" charset="0"/>
             </a:endParaRPr>
           </a:p>
-          <a:p>
-            <a:pPr>
-              <a:spcAft>
-                <a:spcPts val="0"/>
-              </a:spcAft>
-            </a:pPr>
-            <a:endParaRPr lang="en-US" altLang="zh-CN" kern="100" dirty="0">
-              <a:latin typeface="Calibri" panose="020F0502020204030204" pitchFamily="34" charset="0"/>
-              <a:cs typeface="Times New Roman" panose="02020603050405020304" pitchFamily="18" charset="0"/>
-            </a:endParaRPr>
-          </a:p>
-          <a:p>
-            <a:pPr>
-              <a:spcAft>
-                <a:spcPts val="0"/>
-              </a:spcAft>
-            </a:pPr>
-            <a:r>
-              <a:rPr lang="zh-CN" altLang="zh-TW" kern="100" dirty="0" smtClean="0">
-                <a:latin typeface="Calibri" panose="020F0502020204030204" pitchFamily="34" charset="0"/>
-                <a:cs typeface="Times New Roman" panose="02020603050405020304" pitchFamily="18" charset="0"/>
-              </a:rPr>
-              <a:t>这</a:t>
-            </a:r>
-            <a:r>
-              <a:rPr lang="zh-CN" altLang="zh-TW" kern="100" dirty="0">
-                <a:latin typeface="Calibri" panose="020F0502020204030204" pitchFamily="34" charset="0"/>
-                <a:cs typeface="Times New Roman" panose="02020603050405020304" pitchFamily="18" charset="0"/>
-              </a:rPr>
-              <a:t>引发了对将</a:t>
-            </a:r>
-            <a:r>
-              <a:rPr lang="en-US" altLang="zh-TW" kern="100" dirty="0" smtClean="0">
-                <a:effectLst/>
-                <a:latin typeface="Calibri" panose="020F0502020204030204" pitchFamily="34" charset="0"/>
-                <a:ea typeface="宋体" panose="02010600030101010101" pitchFamily="2" charset="-122"/>
-                <a:cs typeface="Times New Roman" panose="02020603050405020304" pitchFamily="18" charset="0"/>
-              </a:rPr>
-              <a:t> MDD </a:t>
-            </a:r>
-            <a:r>
-              <a:rPr lang="zh-CN" altLang="zh-TW" kern="100" dirty="0">
-                <a:latin typeface="Calibri" panose="020F0502020204030204" pitchFamily="34" charset="0"/>
-                <a:cs typeface="Times New Roman" panose="02020603050405020304" pitchFamily="18" charset="0"/>
-              </a:rPr>
-              <a:t>作为单一结构进行研究的有效性的质疑。 </a:t>
-            </a:r>
-            <a:endParaRPr lang="en-US" altLang="zh-CN" kern="100" dirty="0" smtClean="0">
-              <a:latin typeface="Calibri" panose="020F0502020204030204" pitchFamily="34" charset="0"/>
-              <a:cs typeface="Times New Roman" panose="02020603050405020304" pitchFamily="18" charset="0"/>
-            </a:endParaRPr>
-          </a:p>
-          <a:p>
-            <a:pPr>
-              <a:spcAft>
-                <a:spcPts val="0"/>
-              </a:spcAft>
-            </a:pPr>
-            <a:endParaRPr lang="en-US" altLang="zh-CN" kern="100" dirty="0">
-              <a:latin typeface="Calibri" panose="020F0502020204030204" pitchFamily="34" charset="0"/>
-              <a:cs typeface="Times New Roman" panose="02020603050405020304" pitchFamily="18" charset="0"/>
-            </a:endParaRPr>
-          </a:p>
-          <a:p>
-            <a:pPr>
-              <a:spcAft>
-                <a:spcPts val="0"/>
-              </a:spcAft>
-            </a:pPr>
-            <a:r>
-              <a:rPr lang="zh-CN" altLang="zh-TW" kern="100" dirty="0" smtClean="0">
-                <a:latin typeface="Calibri" panose="020F0502020204030204" pitchFamily="34" charset="0"/>
-                <a:cs typeface="Times New Roman" panose="02020603050405020304" pitchFamily="18" charset="0"/>
-              </a:rPr>
-              <a:t>重要</a:t>
-            </a:r>
-            <a:r>
-              <a:rPr lang="zh-CN" altLang="zh-TW" kern="100" dirty="0">
-                <a:latin typeface="Calibri" panose="020F0502020204030204" pitchFamily="34" charset="0"/>
-                <a:cs typeface="Times New Roman" panose="02020603050405020304" pitchFamily="18" charset="0"/>
-              </a:rPr>
-              <a:t>的是要注意，该研究的结果是基于对</a:t>
-            </a:r>
-            <a:r>
-              <a:rPr lang="en-US" altLang="zh-TW" kern="100" dirty="0" smtClean="0">
-                <a:effectLst/>
-                <a:latin typeface="Calibri" panose="020F0502020204030204" pitchFamily="34" charset="0"/>
-                <a:ea typeface="宋体" panose="02010600030101010101" pitchFamily="2" charset="-122"/>
-                <a:cs typeface="Times New Roman" panose="02020603050405020304" pitchFamily="18" charset="0"/>
-              </a:rPr>
-              <a:t> DSM-5 </a:t>
-            </a:r>
-            <a:r>
-              <a:rPr lang="zh-CN" altLang="zh-TW" kern="100" dirty="0">
-                <a:latin typeface="Calibri" panose="020F0502020204030204" pitchFamily="34" charset="0"/>
-                <a:cs typeface="Times New Roman" panose="02020603050405020304" pitchFamily="18" charset="0"/>
-              </a:rPr>
-              <a:t>的描述性分析，并且在确定症状重叠时会受到主观决定的影响。</a:t>
-            </a:r>
-            <a:endParaRPr lang="zh-TW" altLang="zh-TW" kern="100" dirty="0">
-              <a:effectLst/>
-              <a:latin typeface="Calibri" panose="020F0502020204030204" pitchFamily="34" charset="0"/>
-              <a:ea typeface="PMingLiU" panose="02020500000000000000" pitchFamily="18" charset="-120"/>
-              <a:cs typeface="Times New Roman" panose="02020603050405020304" pitchFamily="18" charset="0"/>
-            </a:endParaRPr>
-          </a:p>
-        </p:txBody>
-      </p:sp>
-      <p:sp>
-        <p:nvSpPr>
-          <p:cNvPr id="3" name="矩形 2"/>
-          <p:cNvSpPr/>
+        </p:txBody>
+      </p:sp>
+      <p:pic>
+        <p:nvPicPr>
+          <p:cNvPr id="3" name="图片 2"/>
+          <p:cNvPicPr>
+            <a:picLocks noChangeAspect="1"/>
+          </p:cNvPicPr>
           <p:nvPr/>
-        </p:nvSpPr>
+        </p:nvPicPr>
+        <p:blipFill>
+          <a:blip r:embed="rId3">
+            <a:clrChange>
+              <a:clrFrom>
+                <a:srgbClr val="FFFFFF"/>
+              </a:clrFrom>
+              <a:clrTo>
+                <a:srgbClr val="FFFFFF">
+                  <a:alpha val="0"/>
+                </a:srgbClr>
+              </a:clrTo>
+            </a:clrChange>
+          </a:blip>
+          <a:stretch>
+            <a:fillRect/>
+          </a:stretch>
+        </p:blipFill>
         <p:spPr>
           <a:xfrm>
-            <a:off x="620109" y="1000035"/>
-            <a:ext cx="9722069" cy="1200329"/>
+            <a:off x="527304" y="679652"/>
+            <a:ext cx="7946746" cy="5498696"/>
           </a:xfrm>
           <a:prstGeom prst="rect">
             <a:avLst/>
           </a:prstGeom>
         </p:spPr>
-        <p:txBody>
-          <a:bodyPr wrap="square">
-            <a:spAutoFit/>
-          </a:bodyPr>
-          <a:lstStyle/>
-          <a:p>
-            <a:r>
-              <a:rPr lang="zh-CN" altLang="zh-TW" dirty="0">
-                <a:latin typeface="Calibri" panose="020F0502020204030204" pitchFamily="34" charset="0"/>
-                <a:cs typeface="Times New Roman" panose="02020603050405020304" pitchFamily="18" charset="0"/>
-              </a:rPr>
-              <a:t>该研究发现</a:t>
-            </a:r>
-            <a:r>
-              <a:rPr lang="en-US" altLang="zh-TW" dirty="0" smtClean="0">
-                <a:effectLst/>
-                <a:latin typeface="Calibri" panose="020F0502020204030204" pitchFamily="34" charset="0"/>
-                <a:ea typeface="宋体" panose="02010600030101010101" pitchFamily="2" charset="-122"/>
-                <a:cs typeface="Times New Roman" panose="02020603050405020304" pitchFamily="18" charset="0"/>
-              </a:rPr>
-              <a:t> DSM-5 </a:t>
-            </a:r>
-            <a:r>
-              <a:rPr lang="zh-CN" altLang="zh-TW" dirty="0">
-                <a:latin typeface="Calibri" panose="020F0502020204030204" pitchFamily="34" charset="0"/>
-                <a:cs typeface="Times New Roman" panose="02020603050405020304" pitchFamily="18" charset="0"/>
-              </a:rPr>
-              <a:t>中存在重复症状，无论是在章节内还是章节之间</a:t>
-            </a:r>
-            <a:r>
-              <a:rPr lang="zh-CN" altLang="zh-TW" dirty="0" smtClean="0">
-                <a:latin typeface="Calibri" panose="020F0502020204030204" pitchFamily="34" charset="0"/>
-                <a:cs typeface="Times New Roman" panose="02020603050405020304" pitchFamily="18" charset="0"/>
-              </a:rPr>
-              <a:t>。</a:t>
-            </a:r>
-            <a:endParaRPr lang="en-US" altLang="zh-CN" dirty="0" smtClean="0">
-              <a:latin typeface="Calibri" panose="020F0502020204030204" pitchFamily="34" charset="0"/>
-              <a:cs typeface="Times New Roman" panose="02020603050405020304" pitchFamily="18" charset="0"/>
-            </a:endParaRPr>
-          </a:p>
-          <a:p>
-            <a:endParaRPr lang="en-US" altLang="zh-CN" dirty="0">
-              <a:effectLst/>
-              <a:latin typeface="Calibri" panose="020F0502020204030204" pitchFamily="34" charset="0"/>
-              <a:ea typeface="Calibri" panose="020F0502020204030204" pitchFamily="34" charset="0"/>
-              <a:cs typeface="Times New Roman" panose="02020603050405020304" pitchFamily="18" charset="0"/>
-            </a:endParaRPr>
-          </a:p>
-          <a:p>
-            <a:r>
-              <a:rPr lang="zh-CN" altLang="zh-TW" dirty="0" smtClean="0">
-                <a:latin typeface="Calibri" panose="020F0502020204030204" pitchFamily="34" charset="0"/>
-                <a:cs typeface="Times New Roman" panose="02020603050405020304" pitchFamily="18" charset="0"/>
-              </a:rPr>
-              <a:t>章节</a:t>
-            </a:r>
-            <a:r>
-              <a:rPr lang="zh-CN" altLang="zh-TW" dirty="0">
-                <a:latin typeface="Calibri" panose="020F0502020204030204" pitchFamily="34" charset="0"/>
-                <a:cs typeface="Times New Roman" panose="02020603050405020304" pitchFamily="18" charset="0"/>
-              </a:rPr>
-              <a:t>内的重复似乎更有目的性，反映了所描述疾病的性质</a:t>
-            </a:r>
-            <a:r>
-              <a:rPr lang="zh-CN" altLang="zh-TW" dirty="0" smtClean="0">
-                <a:latin typeface="Calibri" panose="020F0502020204030204" pitchFamily="34" charset="0"/>
-                <a:cs typeface="Times New Roman" panose="02020603050405020304" pitchFamily="18" charset="0"/>
-              </a:rPr>
-              <a:t>，</a:t>
-            </a:r>
-            <a:endParaRPr lang="en-US" altLang="zh-CN" dirty="0" smtClean="0">
-              <a:latin typeface="Calibri" panose="020F0502020204030204" pitchFamily="34" charset="0"/>
-              <a:cs typeface="Times New Roman" panose="02020603050405020304" pitchFamily="18" charset="0"/>
-            </a:endParaRPr>
-          </a:p>
-          <a:p>
-            <a:r>
-              <a:rPr lang="zh-CN" altLang="zh-TW" dirty="0" smtClean="0">
-                <a:latin typeface="Calibri" panose="020F0502020204030204" pitchFamily="34" charset="0"/>
-                <a:cs typeface="Times New Roman" panose="02020603050405020304" pitchFamily="18" charset="0"/>
-              </a:rPr>
-              <a:t>章节</a:t>
-            </a:r>
-            <a:r>
-              <a:rPr lang="zh-CN" altLang="zh-TW" dirty="0">
-                <a:latin typeface="Calibri" panose="020F0502020204030204" pitchFamily="34" charset="0"/>
-                <a:cs typeface="Times New Roman" panose="02020603050405020304" pitchFamily="18" charset="0"/>
-              </a:rPr>
-              <a:t>间的重复似乎目的性较小，反映出诊断之间缺乏明确的界限</a:t>
-            </a:r>
-            <a:endParaRPr lang="zh-TW" altLang="en-US" dirty="0"/>
-          </a:p>
-        </p:txBody>
-      </p:sp>
+      </p:pic>
     </p:spTree>
     <p:extLst>
       <p:ext uri="{BB962C8B-B14F-4D97-AF65-F5344CB8AC3E}">
-        <p14:creationId xmlns:p14="http://schemas.microsoft.com/office/powerpoint/2010/main" val="2286519300"/>
+        <p14:creationId xmlns:p14="http://schemas.microsoft.com/office/powerpoint/2010/main" val="2533693577"/>
       </p:ext>
     </p:extLst>
   </p:cSld>
   <p:clrMapOvr>
     <a:masterClrMapping/>
   </p:clrMapOvr>
+  <p:timing>
+    <p:tnLst>
+      <p:par>
+        <p:cTn id="1" dur="indefinite" restart="never" nodeType="tmRoot"/>
+      </p:par>
+    </p:tnLst>
+  </p:timing>
 </p:sld>
 </file>
 
@@ -6433,78 +8654,264 @@
       </p:grpSpPr>
       <p:sp>
         <p:nvSpPr>
-          <p:cNvPr id="2" name="矩形 1"/>
+          <p:cNvPr id="8" name="矩形 7"/>
           <p:cNvSpPr/>
           <p:nvPr/>
         </p:nvSpPr>
         <p:spPr>
           <a:xfrm>
-            <a:off x="793531" y="1387393"/>
-            <a:ext cx="10857186" cy="646331"/>
+            <a:off x="0" y="0"/>
+            <a:ext cx="8979408" cy="6858000"/>
+          </a:xfrm>
+          <a:prstGeom prst="rect">
+            <a:avLst/>
+          </a:prstGeom>
+          <a:solidFill>
+            <a:schemeClr val="bg1">
+              <a:alpha val="50196"/>
+            </a:schemeClr>
+          </a:solidFill>
+          <a:ln>
+            <a:noFill/>
+          </a:ln>
+        </p:spPr>
+        <p:style>
+          <a:lnRef idx="2">
+            <a:schemeClr val="accent1">
+              <a:shade val="50000"/>
+            </a:schemeClr>
+          </a:lnRef>
+          <a:fillRef idx="1">
+            <a:schemeClr val="accent1"/>
+          </a:fillRef>
+          <a:effectRef idx="0">
+            <a:schemeClr val="accent1"/>
+          </a:effectRef>
+          <a:fontRef idx="minor">
+            <a:schemeClr val="lt1"/>
+          </a:fontRef>
+        </p:style>
+        <p:txBody>
+          <a:bodyPr rtlCol="0" anchor="ctr"/>
+          <a:lstStyle/>
+          <a:p>
+            <a:pPr algn="ctr"/>
+            <a:endParaRPr lang="zh-CN" altLang="en-US"/>
+          </a:p>
+        </p:txBody>
+      </p:sp>
+      <p:sp>
+        <p:nvSpPr>
+          <p:cNvPr id="4" name="矩形 3"/>
+          <p:cNvSpPr/>
+          <p:nvPr/>
+        </p:nvSpPr>
+        <p:spPr>
+          <a:xfrm>
+            <a:off x="8979408" y="0"/>
+            <a:ext cx="3212592" cy="6858000"/>
+          </a:xfrm>
+          <a:prstGeom prst="rect">
+            <a:avLst/>
+          </a:prstGeom>
+          <a:gradFill flip="none" rotWithShape="1">
+            <a:gsLst>
+              <a:gs pos="0">
+                <a:srgbClr val="005B70"/>
+              </a:gs>
+              <a:gs pos="100000">
+                <a:srgbClr val="74AA9C"/>
+              </a:gs>
+            </a:gsLst>
+            <a:lin ang="2700000" scaled="1"/>
+            <a:tileRect/>
+          </a:gradFill>
+          <a:ln>
+            <a:noFill/>
+          </a:ln>
+        </p:spPr>
+        <p:style>
+          <a:lnRef idx="2">
+            <a:schemeClr val="accent1">
+              <a:shade val="50000"/>
+            </a:schemeClr>
+          </a:lnRef>
+          <a:fillRef idx="1">
+            <a:schemeClr val="accent1"/>
+          </a:fillRef>
+          <a:effectRef idx="0">
+            <a:schemeClr val="accent1"/>
+          </a:effectRef>
+          <a:fontRef idx="minor">
+            <a:schemeClr val="lt1"/>
+          </a:fontRef>
+        </p:style>
+        <p:txBody>
+          <a:bodyPr rtlCol="0" anchor="ctr"/>
+          <a:lstStyle/>
+          <a:p>
+            <a:pPr algn="ctr"/>
+            <a:r>
+              <a:rPr lang="en-US" altLang="zh-TW" sz="6000" dirty="0" smtClean="0"/>
+              <a:t>DSM - 5</a:t>
+            </a:r>
+            <a:endParaRPr lang="zh-TW" altLang="en-US" sz="6000" dirty="0"/>
+          </a:p>
+        </p:txBody>
+      </p:sp>
+      <p:sp>
+        <p:nvSpPr>
+          <p:cNvPr id="9" name="矩形 8"/>
+          <p:cNvSpPr/>
+          <p:nvPr/>
+        </p:nvSpPr>
+        <p:spPr>
+          <a:xfrm>
+            <a:off x="0" y="6291072"/>
+            <a:ext cx="1054608" cy="566928"/>
+          </a:xfrm>
+          <a:prstGeom prst="rect">
+            <a:avLst/>
+          </a:prstGeom>
+          <a:gradFill flip="none" rotWithShape="1">
+            <a:gsLst>
+              <a:gs pos="0">
+                <a:srgbClr val="005B70"/>
+              </a:gs>
+              <a:gs pos="100000">
+                <a:srgbClr val="74AA9C"/>
+              </a:gs>
+            </a:gsLst>
+            <a:lin ang="2700000" scaled="1"/>
+            <a:tileRect/>
+          </a:gradFill>
+          <a:ln>
+            <a:noFill/>
+          </a:ln>
+        </p:spPr>
+        <p:style>
+          <a:lnRef idx="2">
+            <a:schemeClr val="accent1">
+              <a:shade val="50000"/>
+            </a:schemeClr>
+          </a:lnRef>
+          <a:fillRef idx="1">
+            <a:schemeClr val="accent1"/>
+          </a:fillRef>
+          <a:effectRef idx="0">
+            <a:schemeClr val="accent1"/>
+          </a:effectRef>
+          <a:fontRef idx="minor">
+            <a:schemeClr val="lt1"/>
+          </a:fontRef>
+        </p:style>
+        <p:txBody>
+          <a:bodyPr rtlCol="0" anchor="ctr"/>
+          <a:lstStyle/>
+          <a:p>
+            <a:pPr algn="ctr"/>
+            <a:endParaRPr lang="zh-TW" altLang="en-US"/>
+          </a:p>
+        </p:txBody>
+      </p:sp>
+      <p:sp>
+        <p:nvSpPr>
+          <p:cNvPr id="7" name="矩形 6"/>
+          <p:cNvSpPr/>
+          <p:nvPr/>
+        </p:nvSpPr>
+        <p:spPr>
+          <a:xfrm>
+            <a:off x="0" y="0"/>
+            <a:ext cx="3941064" cy="566928"/>
+          </a:xfrm>
+          <a:prstGeom prst="rect">
+            <a:avLst/>
+          </a:prstGeom>
+          <a:gradFill flip="none" rotWithShape="1">
+            <a:gsLst>
+              <a:gs pos="0">
+                <a:srgbClr val="005B70"/>
+              </a:gs>
+              <a:gs pos="100000">
+                <a:srgbClr val="74AA9C"/>
+              </a:gs>
+            </a:gsLst>
+            <a:lin ang="2700000" scaled="1"/>
+            <a:tileRect/>
+          </a:gradFill>
+          <a:ln>
+            <a:noFill/>
+          </a:ln>
+        </p:spPr>
+        <p:style>
+          <a:lnRef idx="2">
+            <a:schemeClr val="accent1">
+              <a:shade val="50000"/>
+            </a:schemeClr>
+          </a:lnRef>
+          <a:fillRef idx="1">
+            <a:schemeClr val="accent1"/>
+          </a:fillRef>
+          <a:effectRef idx="0">
+            <a:schemeClr val="accent1"/>
+          </a:effectRef>
+          <a:fontRef idx="minor">
+            <a:schemeClr val="lt1"/>
+          </a:fontRef>
+        </p:style>
+        <p:txBody>
+          <a:bodyPr rtlCol="0" anchor="ctr"/>
+          <a:lstStyle/>
+          <a:p>
+            <a:r>
+              <a:rPr lang="en-US" altLang="zh-CN" sz="3600" b="1" smtClean="0">
+                <a:latin typeface="Times New Roman" panose="02020603050405020304" pitchFamily="18" charset="0"/>
+                <a:cs typeface="Times New Roman" panose="02020603050405020304" pitchFamily="18" charset="0"/>
+              </a:rPr>
+              <a:t>Result</a:t>
+            </a:r>
+            <a:endParaRPr lang="zh-TW" altLang="en-US" sz="3600" b="1" dirty="0">
+              <a:latin typeface="Times New Roman" panose="02020603050405020304" pitchFamily="18" charset="0"/>
+              <a:cs typeface="Times New Roman" panose="02020603050405020304" pitchFamily="18" charset="0"/>
+            </a:endParaRPr>
+          </a:p>
+        </p:txBody>
+      </p:sp>
+      <p:pic>
+        <p:nvPicPr>
+          <p:cNvPr id="5" name="图片 4"/>
+          <p:cNvPicPr>
+            <a:picLocks noChangeAspect="1"/>
+          </p:cNvPicPr>
+          <p:nvPr/>
+        </p:nvPicPr>
+        <p:blipFill>
+          <a:blip r:embed="rId3"/>
+          <a:stretch>
+            <a:fillRect/>
+          </a:stretch>
+        </p:blipFill>
+        <p:spPr>
+          <a:xfrm>
+            <a:off x="2537579" y="866817"/>
+            <a:ext cx="6195506" cy="5691294"/>
           </a:xfrm>
           <a:prstGeom prst="rect">
             <a:avLst/>
           </a:prstGeom>
         </p:spPr>
-        <p:txBody>
-          <a:bodyPr wrap="square">
-            <a:spAutoFit/>
-          </a:bodyPr>
-          <a:lstStyle/>
-          <a:p>
-            <a:r>
-              <a:rPr lang="zh-CN" altLang="zh-TW" smtClean="0">
-                <a:latin typeface="Calibri" panose="020F0502020204030204" pitchFamily="34" charset="0"/>
-                <a:cs typeface="Times New Roman" panose="02020603050405020304" pitchFamily="18" charset="0"/>
-              </a:rPr>
-              <a:t>本文讨论了</a:t>
-            </a:r>
-            <a:r>
-              <a:rPr lang="en-US" altLang="zh-TW" smtClean="0">
-                <a:effectLst/>
-                <a:latin typeface="Calibri" panose="020F0502020204030204" pitchFamily="34" charset="0"/>
-                <a:ea typeface="宋体" panose="02010600030101010101" pitchFamily="2" charset="-122"/>
-                <a:cs typeface="Times New Roman" panose="02020603050405020304" pitchFamily="18" charset="0"/>
-              </a:rPr>
-              <a:t> DSM-5 </a:t>
-            </a:r>
-            <a:r>
-              <a:rPr lang="zh-CN" altLang="zh-TW" smtClean="0">
-                <a:latin typeface="Calibri" panose="020F0502020204030204" pitchFamily="34" charset="0"/>
-                <a:cs typeface="Times New Roman" panose="02020603050405020304" pitchFamily="18" charset="0"/>
-              </a:rPr>
-              <a:t>诊断类别内和跨诊断类别的症状重复问题，特别关注整个手册中重度抑郁症</a:t>
-            </a:r>
-            <a:r>
-              <a:rPr lang="en-US" altLang="zh-TW" smtClean="0">
-                <a:effectLst/>
-                <a:latin typeface="Calibri" panose="020F0502020204030204" pitchFamily="34" charset="0"/>
-                <a:ea typeface="宋体" panose="02010600030101010101" pitchFamily="2" charset="-122"/>
-                <a:cs typeface="Times New Roman" panose="02020603050405020304" pitchFamily="18" charset="0"/>
-              </a:rPr>
-              <a:t> (MDD) </a:t>
-            </a:r>
-            <a:r>
-              <a:rPr lang="zh-CN" altLang="zh-TW" smtClean="0">
-                <a:latin typeface="Calibri" panose="020F0502020204030204" pitchFamily="34" charset="0"/>
-                <a:cs typeface="Times New Roman" panose="02020603050405020304" pitchFamily="18" charset="0"/>
-              </a:rPr>
-              <a:t>症状的普遍性</a:t>
-            </a:r>
-            <a:endParaRPr lang="zh-TW" altLang="en-US" dirty="0"/>
-          </a:p>
-        </p:txBody>
-      </p:sp>
-      <p:sp>
-        <p:nvSpPr>
-          <p:cNvPr id="3" name="矩形 2"/>
+      </p:pic>
+      <p:sp>
+        <p:nvSpPr>
+          <p:cNvPr id="2" name="矩形 1"/>
           <p:cNvSpPr/>
           <p:nvPr/>
         </p:nvSpPr>
         <p:spPr>
           <a:xfrm>
-            <a:off x="793531" y="2637445"/>
-            <a:ext cx="10857186" cy="2031325"/>
+            <a:off x="123162" y="3250799"/>
+            <a:ext cx="2291256" cy="923330"/>
           </a:xfrm>
           <a:prstGeom prst="rect">
             <a:avLst/>
@@ -6516,143 +8923,30 @@
           </a:bodyPr>
           <a:lstStyle/>
           <a:p>
-            <a:pPr>
-              <a:spcAft>
-                <a:spcPts val="0"/>
-              </a:spcAft>
+            <a:pPr marL="285750" indent="-285750">
+              <a:buFont typeface="Wingdings" panose="05000000000000000000" pitchFamily="2" charset="2"/>
+              <a:buChar char="n"/>
             </a:pPr>
             <a:r>
-              <a:rPr lang="zh-CN" altLang="zh-TW" kern="100" dirty="0">
-                <a:latin typeface="Calibri" panose="020F0502020204030204" pitchFamily="34" charset="0"/>
-                <a:cs typeface="Times New Roman" panose="02020603050405020304" pitchFamily="18" charset="0"/>
-              </a:rPr>
-              <a:t>作者认为，</a:t>
-            </a:r>
-            <a:r>
-              <a:rPr lang="en-US" altLang="zh-TW" kern="100" dirty="0" smtClean="0">
-                <a:effectLst/>
-                <a:latin typeface="Calibri" panose="020F0502020204030204" pitchFamily="34" charset="0"/>
-                <a:ea typeface="宋体" panose="02010600030101010101" pitchFamily="2" charset="-122"/>
-                <a:cs typeface="Times New Roman" panose="02020603050405020304" pitchFamily="18" charset="0"/>
-              </a:rPr>
-              <a:t>MDD </a:t>
-            </a:r>
-            <a:r>
-              <a:rPr lang="zh-CN" altLang="zh-TW" kern="100" dirty="0">
-                <a:latin typeface="Calibri" panose="020F0502020204030204" pitchFamily="34" charset="0"/>
-                <a:cs typeface="Times New Roman" panose="02020603050405020304" pitchFamily="18" charset="0"/>
-              </a:rPr>
-              <a:t>症状的非特异性可能反映了对压力的更普遍的心理反应，而不是与特定原因、机制或治疗需求相对应的连贯综合症</a:t>
-            </a:r>
-            <a:r>
-              <a:rPr lang="zh-CN" altLang="zh-TW" kern="100" dirty="0" smtClean="0">
-                <a:latin typeface="Calibri" panose="020F0502020204030204" pitchFamily="34" charset="0"/>
-                <a:cs typeface="Times New Roman" panose="02020603050405020304" pitchFamily="18" charset="0"/>
-              </a:rPr>
-              <a:t>。</a:t>
-            </a:r>
-            <a:endParaRPr lang="en-US" altLang="zh-CN" kern="100" dirty="0" smtClean="0">
-              <a:latin typeface="Calibri" panose="020F0502020204030204" pitchFamily="34" charset="0"/>
-              <a:cs typeface="Times New Roman" panose="02020603050405020304" pitchFamily="18" charset="0"/>
-            </a:endParaRPr>
-          </a:p>
-          <a:p>
-            <a:pPr>
-              <a:spcAft>
-                <a:spcPts val="0"/>
-              </a:spcAft>
-            </a:pPr>
-            <a:endParaRPr lang="en-US" altLang="zh-CN" kern="100" dirty="0">
-              <a:latin typeface="Calibri" panose="020F0502020204030204" pitchFamily="34" charset="0"/>
-              <a:cs typeface="Times New Roman" panose="02020603050405020304" pitchFamily="18" charset="0"/>
-            </a:endParaRPr>
-          </a:p>
-          <a:p>
-            <a:pPr>
-              <a:spcAft>
-                <a:spcPts val="0"/>
-              </a:spcAft>
-            </a:pPr>
-            <a:r>
-              <a:rPr lang="zh-CN" altLang="zh-TW" kern="100" dirty="0" smtClean="0">
-                <a:latin typeface="Calibri" panose="020F0502020204030204" pitchFamily="34" charset="0"/>
-                <a:cs typeface="Times New Roman" panose="02020603050405020304" pitchFamily="18" charset="0"/>
-              </a:rPr>
-              <a:t> </a:t>
-            </a:r>
-            <a:r>
-              <a:rPr lang="zh-CN" altLang="zh-TW" kern="100" dirty="0">
-                <a:latin typeface="Calibri" panose="020F0502020204030204" pitchFamily="34" charset="0"/>
-                <a:cs typeface="Times New Roman" panose="02020603050405020304" pitchFamily="18" charset="0"/>
-              </a:rPr>
-              <a:t>这可能导致将其他诊断中的症状错误归因于</a:t>
-            </a:r>
-            <a:r>
-              <a:rPr lang="en-US" altLang="zh-TW" kern="100" dirty="0" smtClean="0">
-                <a:effectLst/>
-                <a:latin typeface="Calibri" panose="020F0502020204030204" pitchFamily="34" charset="0"/>
-                <a:ea typeface="宋体" panose="02010600030101010101" pitchFamily="2" charset="-122"/>
-                <a:cs typeface="Times New Roman" panose="02020603050405020304" pitchFamily="18" charset="0"/>
-              </a:rPr>
-              <a:t> MDD</a:t>
-            </a:r>
-            <a:r>
-              <a:rPr lang="zh-CN" altLang="zh-TW" kern="100" dirty="0">
-                <a:latin typeface="Calibri" panose="020F0502020204030204" pitchFamily="34" charset="0"/>
-                <a:cs typeface="Times New Roman" panose="02020603050405020304" pitchFamily="18" charset="0"/>
-              </a:rPr>
-              <a:t>，反之亦然，并增加合并症的发生率。 </a:t>
-            </a:r>
-            <a:endParaRPr lang="en-US" altLang="zh-CN" kern="100" dirty="0" smtClean="0">
-              <a:latin typeface="Calibri" panose="020F0502020204030204" pitchFamily="34" charset="0"/>
-              <a:cs typeface="Times New Roman" panose="02020603050405020304" pitchFamily="18" charset="0"/>
-            </a:endParaRPr>
-          </a:p>
-          <a:p>
-            <a:pPr>
-              <a:spcAft>
-                <a:spcPts val="0"/>
-              </a:spcAft>
-            </a:pPr>
-            <a:endParaRPr lang="en-US" altLang="zh-CN" kern="100" dirty="0">
-              <a:latin typeface="Calibri" panose="020F0502020204030204" pitchFamily="34" charset="0"/>
-              <a:cs typeface="Times New Roman" panose="02020603050405020304" pitchFamily="18" charset="0"/>
-            </a:endParaRPr>
-          </a:p>
-          <a:p>
-            <a:pPr>
-              <a:spcAft>
-                <a:spcPts val="0"/>
-              </a:spcAft>
-            </a:pPr>
-            <a:r>
-              <a:rPr lang="zh-CN" altLang="zh-TW" kern="100" dirty="0" smtClean="0">
-                <a:latin typeface="Calibri" panose="020F0502020204030204" pitchFamily="34" charset="0"/>
-                <a:cs typeface="Times New Roman" panose="02020603050405020304" pitchFamily="18" charset="0"/>
-              </a:rPr>
-              <a:t>作者</a:t>
-            </a:r>
-            <a:r>
-              <a:rPr lang="zh-CN" altLang="zh-TW" kern="100" dirty="0">
-                <a:latin typeface="Calibri" panose="020F0502020204030204" pitchFamily="34" charset="0"/>
-                <a:cs typeface="Times New Roman" panose="02020603050405020304" pitchFamily="18" charset="0"/>
-              </a:rPr>
-              <a:t>呼吁进行更多的实证研究，以确定症状协变模式是否反映了观察到的（非）特异性，并确定可以为精神病理学诊断和分类的研究、实践和重新概念化提供更好框架的交叉症状或集群</a:t>
-            </a:r>
-            <a:r>
-              <a:rPr lang="en-US" altLang="zh-TW" kern="100" dirty="0" smtClean="0">
-                <a:effectLst/>
-                <a:latin typeface="Calibri" panose="020F0502020204030204" pitchFamily="34" charset="0"/>
-                <a:ea typeface="宋体" panose="02010600030101010101" pitchFamily="2" charset="-122"/>
-                <a:cs typeface="Times New Roman" panose="02020603050405020304" pitchFamily="18" charset="0"/>
-              </a:rPr>
-              <a:t> .</a:t>
-            </a:r>
-            <a:endParaRPr lang="zh-TW" altLang="zh-TW" kern="100" dirty="0">
-              <a:effectLst/>
-              <a:latin typeface="Calibri" panose="020F0502020204030204" pitchFamily="34" charset="0"/>
-              <a:ea typeface="PMingLiU" panose="02020500000000000000" pitchFamily="18" charset="-120"/>
-              <a:cs typeface="Times New Roman" panose="02020603050405020304" pitchFamily="18" charset="0"/>
+              <a:rPr lang="zh-CN" altLang="en-US">
+                <a:latin typeface="Söhne"/>
+              </a:rPr>
+              <a:t>一些领域比其他领域更容易出现</a:t>
+            </a:r>
+            <a:r>
+              <a:rPr lang="zh-CN" altLang="en-US">
+                <a:latin typeface="Söhne"/>
+              </a:rPr>
+              <a:t>症状</a:t>
+            </a:r>
+            <a:r>
+              <a:rPr lang="zh-CN" altLang="en-US" smtClean="0">
+                <a:latin typeface="Söhne"/>
+              </a:rPr>
+              <a:t>重复</a:t>
+            </a:r>
+            <a:endParaRPr lang="en-US" altLang="zh-CN" smtClean="0">
+              <a:latin typeface="Söhne"/>
             </a:endParaRPr>
           </a:p>
         </p:txBody>
@@ -6660,13 +8954,365 @@
     </p:spTree>
     <p:extLst>
       <p:ext uri="{BB962C8B-B14F-4D97-AF65-F5344CB8AC3E}">
-        <p14:creationId xmlns:p14="http://schemas.microsoft.com/office/powerpoint/2010/main" val="2093691416"/>
+        <p14:creationId xmlns:p14="http://schemas.microsoft.com/office/powerpoint/2010/main" val="342869927"/>
       </p:ext>
     </p:extLst>
   </p:cSld>
   <p:clrMapOvr>
     <a:masterClrMapping/>
   </p:clrMapOvr>
+  <p:timing>
+    <p:tnLst>
+      <p:par>
+        <p:cTn id="1" dur="indefinite" restart="never" nodeType="tmRoot"/>
+      </p:par>
+    </p:tnLst>
+  </p:timing>
+</p:sld>
+</file>
+
+<file path=ppt/slides/slide19.xml><?xml version="1.0" encoding="utf-8"?>
+<p:sld xmlns:a="http://schemas.openxmlformats.org/drawingml/2006/main" xmlns:r="http://schemas.openxmlformats.org/officeDocument/2006/relationships" xmlns:p="http://schemas.openxmlformats.org/presentationml/2006/main">
+  <p:cSld>
+    <p:spTree>
+      <p:nvGrpSpPr>
+        <p:cNvPr id="1" name=""/>
+        <p:cNvGrpSpPr/>
+        <p:nvPr/>
+      </p:nvGrpSpPr>
+      <p:grpSpPr>
+        <a:xfrm>
+          <a:off x="0" y="0"/>
+          <a:ext cx="0" cy="0"/>
+          <a:chOff x="0" y="0"/>
+          <a:chExt cx="0" cy="0"/>
+        </a:xfrm>
+      </p:grpSpPr>
+      <p:sp>
+        <p:nvSpPr>
+          <p:cNvPr id="8" name="矩形 7"/>
+          <p:cNvSpPr/>
+          <p:nvPr/>
+        </p:nvSpPr>
+        <p:spPr>
+          <a:xfrm>
+            <a:off x="0" y="0"/>
+            <a:ext cx="8979408" cy="6858000"/>
+          </a:xfrm>
+          <a:prstGeom prst="rect">
+            <a:avLst/>
+          </a:prstGeom>
+          <a:solidFill>
+            <a:schemeClr val="bg1">
+              <a:alpha val="50196"/>
+            </a:schemeClr>
+          </a:solidFill>
+          <a:ln>
+            <a:noFill/>
+          </a:ln>
+        </p:spPr>
+        <p:style>
+          <a:lnRef idx="2">
+            <a:schemeClr val="accent1">
+              <a:shade val="50000"/>
+            </a:schemeClr>
+          </a:lnRef>
+          <a:fillRef idx="1">
+            <a:schemeClr val="accent1"/>
+          </a:fillRef>
+          <a:effectRef idx="0">
+            <a:schemeClr val="accent1"/>
+          </a:effectRef>
+          <a:fontRef idx="minor">
+            <a:schemeClr val="lt1"/>
+          </a:fontRef>
+        </p:style>
+        <p:txBody>
+          <a:bodyPr rtlCol="0" anchor="ctr"/>
+          <a:lstStyle/>
+          <a:p>
+            <a:pPr algn="ctr"/>
+            <a:endParaRPr lang="zh-CN" altLang="en-US"/>
+          </a:p>
+        </p:txBody>
+      </p:sp>
+      <p:sp>
+        <p:nvSpPr>
+          <p:cNvPr id="4" name="矩形 3"/>
+          <p:cNvSpPr/>
+          <p:nvPr/>
+        </p:nvSpPr>
+        <p:spPr>
+          <a:xfrm>
+            <a:off x="8979408" y="0"/>
+            <a:ext cx="3212592" cy="6858000"/>
+          </a:xfrm>
+          <a:prstGeom prst="rect">
+            <a:avLst/>
+          </a:prstGeom>
+          <a:gradFill flip="none" rotWithShape="1">
+            <a:gsLst>
+              <a:gs pos="0">
+                <a:srgbClr val="005B70"/>
+              </a:gs>
+              <a:gs pos="100000">
+                <a:srgbClr val="74AA9C"/>
+              </a:gs>
+            </a:gsLst>
+            <a:lin ang="2700000" scaled="1"/>
+            <a:tileRect/>
+          </a:gradFill>
+          <a:ln>
+            <a:noFill/>
+          </a:ln>
+        </p:spPr>
+        <p:style>
+          <a:lnRef idx="2">
+            <a:schemeClr val="accent1">
+              <a:shade val="50000"/>
+            </a:schemeClr>
+          </a:lnRef>
+          <a:fillRef idx="1">
+            <a:schemeClr val="accent1"/>
+          </a:fillRef>
+          <a:effectRef idx="0">
+            <a:schemeClr val="accent1"/>
+          </a:effectRef>
+          <a:fontRef idx="minor">
+            <a:schemeClr val="lt1"/>
+          </a:fontRef>
+        </p:style>
+        <p:txBody>
+          <a:bodyPr rtlCol="0" anchor="ctr"/>
+          <a:lstStyle/>
+          <a:p>
+            <a:pPr algn="ctr"/>
+            <a:r>
+              <a:rPr lang="en-US" altLang="zh-TW" sz="6000" dirty="0" smtClean="0"/>
+              <a:t>DSM - 5</a:t>
+            </a:r>
+            <a:endParaRPr lang="zh-TW" altLang="en-US" sz="6000" dirty="0"/>
+          </a:p>
+        </p:txBody>
+      </p:sp>
+      <p:sp>
+        <p:nvSpPr>
+          <p:cNvPr id="9" name="矩形 8"/>
+          <p:cNvSpPr/>
+          <p:nvPr/>
+        </p:nvSpPr>
+        <p:spPr>
+          <a:xfrm>
+            <a:off x="0" y="6291072"/>
+            <a:ext cx="1054608" cy="566928"/>
+          </a:xfrm>
+          <a:prstGeom prst="rect">
+            <a:avLst/>
+          </a:prstGeom>
+          <a:gradFill flip="none" rotWithShape="1">
+            <a:gsLst>
+              <a:gs pos="0">
+                <a:srgbClr val="005B70"/>
+              </a:gs>
+              <a:gs pos="100000">
+                <a:srgbClr val="74AA9C"/>
+              </a:gs>
+            </a:gsLst>
+            <a:lin ang="2700000" scaled="1"/>
+            <a:tileRect/>
+          </a:gradFill>
+          <a:ln>
+            <a:noFill/>
+          </a:ln>
+        </p:spPr>
+        <p:style>
+          <a:lnRef idx="2">
+            <a:schemeClr val="accent1">
+              <a:shade val="50000"/>
+            </a:schemeClr>
+          </a:lnRef>
+          <a:fillRef idx="1">
+            <a:schemeClr val="accent1"/>
+          </a:fillRef>
+          <a:effectRef idx="0">
+            <a:schemeClr val="accent1"/>
+          </a:effectRef>
+          <a:fontRef idx="minor">
+            <a:schemeClr val="lt1"/>
+          </a:fontRef>
+        </p:style>
+        <p:txBody>
+          <a:bodyPr rtlCol="0" anchor="ctr"/>
+          <a:lstStyle/>
+          <a:p>
+            <a:pPr algn="ctr"/>
+            <a:endParaRPr lang="zh-TW" altLang="en-US"/>
+          </a:p>
+        </p:txBody>
+      </p:sp>
+      <p:sp>
+        <p:nvSpPr>
+          <p:cNvPr id="7" name="矩形 6"/>
+          <p:cNvSpPr/>
+          <p:nvPr/>
+        </p:nvSpPr>
+        <p:spPr>
+          <a:xfrm>
+            <a:off x="0" y="0"/>
+            <a:ext cx="3941064" cy="566928"/>
+          </a:xfrm>
+          <a:prstGeom prst="rect">
+            <a:avLst/>
+          </a:prstGeom>
+          <a:gradFill flip="none" rotWithShape="1">
+            <a:gsLst>
+              <a:gs pos="0">
+                <a:srgbClr val="005B70"/>
+              </a:gs>
+              <a:gs pos="100000">
+                <a:srgbClr val="74AA9C"/>
+              </a:gs>
+            </a:gsLst>
+            <a:lin ang="2700000" scaled="1"/>
+            <a:tileRect/>
+          </a:gradFill>
+          <a:ln>
+            <a:noFill/>
+          </a:ln>
+        </p:spPr>
+        <p:style>
+          <a:lnRef idx="2">
+            <a:schemeClr val="accent1">
+              <a:shade val="50000"/>
+            </a:schemeClr>
+          </a:lnRef>
+          <a:fillRef idx="1">
+            <a:schemeClr val="accent1"/>
+          </a:fillRef>
+          <a:effectRef idx="0">
+            <a:schemeClr val="accent1"/>
+          </a:effectRef>
+          <a:fontRef idx="minor">
+            <a:schemeClr val="lt1"/>
+          </a:fontRef>
+        </p:style>
+        <p:txBody>
+          <a:bodyPr rtlCol="0" anchor="ctr"/>
+          <a:lstStyle/>
+          <a:p>
+            <a:r>
+              <a:rPr lang="en-US" altLang="zh-CN" sz="3600" b="1" smtClean="0">
+                <a:latin typeface="Times New Roman" panose="02020603050405020304" pitchFamily="18" charset="0"/>
+                <a:cs typeface="Times New Roman" panose="02020603050405020304" pitchFamily="18" charset="0"/>
+              </a:rPr>
+              <a:t>Result</a:t>
+            </a:r>
+            <a:endParaRPr lang="zh-TW" altLang="en-US" sz="3600" b="1" dirty="0">
+              <a:latin typeface="Times New Roman" panose="02020603050405020304" pitchFamily="18" charset="0"/>
+              <a:cs typeface="Times New Roman" panose="02020603050405020304" pitchFamily="18" charset="0"/>
+            </a:endParaRPr>
+          </a:p>
+        </p:txBody>
+      </p:sp>
+      <p:pic>
+        <p:nvPicPr>
+          <p:cNvPr id="5" name="图片 4"/>
+          <p:cNvPicPr>
+            <a:picLocks noChangeAspect="1"/>
+          </p:cNvPicPr>
+          <p:nvPr/>
+        </p:nvPicPr>
+        <p:blipFill>
+          <a:blip r:embed="rId3"/>
+          <a:stretch>
+            <a:fillRect/>
+          </a:stretch>
+        </p:blipFill>
+        <p:spPr>
+          <a:xfrm>
+            <a:off x="2537579" y="866817"/>
+            <a:ext cx="6195506" cy="5691294"/>
+          </a:xfrm>
+          <a:prstGeom prst="rect">
+            <a:avLst/>
+          </a:prstGeom>
+        </p:spPr>
+      </p:pic>
+      <p:sp>
+        <p:nvSpPr>
+          <p:cNvPr id="2" name="矩形 1"/>
+          <p:cNvSpPr/>
+          <p:nvPr/>
+        </p:nvSpPr>
+        <p:spPr>
+          <a:xfrm>
+            <a:off x="123162" y="2697699"/>
+            <a:ext cx="2291256" cy="2031325"/>
+          </a:xfrm>
+          <a:prstGeom prst="rect">
+            <a:avLst/>
+          </a:prstGeom>
+        </p:spPr>
+        <p:txBody>
+          <a:bodyPr wrap="square">
+            <a:spAutoFit/>
+          </a:bodyPr>
+          <a:lstStyle/>
+          <a:p>
+            <a:pPr marL="285750" indent="-285750">
+              <a:buFont typeface="Wingdings" panose="05000000000000000000" pitchFamily="2" charset="2"/>
+              <a:buChar char="p"/>
+            </a:pPr>
+            <a:r>
+              <a:rPr lang="zh-CN" altLang="en-US" smtClean="0"/>
+              <a:t>有的章节中涉及的症状完全不在其他诊断标准中出现</a:t>
+            </a:r>
+            <a:endParaRPr lang="en-US" altLang="zh-CN" smtClean="0"/>
+          </a:p>
+          <a:p>
+            <a:pPr marL="285750" indent="-285750">
+              <a:buFont typeface="Wingdings" panose="05000000000000000000" pitchFamily="2" charset="2"/>
+              <a:buChar char="ü"/>
+            </a:pPr>
+            <a:r>
+              <a:rPr lang="zh-CN" altLang="en-US" smtClean="0"/>
+              <a:t>比如，消除</a:t>
+            </a:r>
+            <a:r>
+              <a:rPr lang="zh-CN" altLang="en-US"/>
+              <a:t>障碍、性别焦虑症或偏离</a:t>
+            </a:r>
+            <a:r>
+              <a:rPr lang="zh-CN" altLang="en-US"/>
+              <a:t>性行为</a:t>
+            </a:r>
+            <a:r>
+              <a:rPr lang="zh-CN" altLang="en-US" smtClean="0"/>
+              <a:t>障碍</a:t>
+            </a:r>
+            <a:endParaRPr lang="en-US" altLang="zh-CN" smtClean="0">
+              <a:latin typeface="Söhne"/>
+            </a:endParaRPr>
+          </a:p>
+        </p:txBody>
+      </p:sp>
+    </p:spTree>
+    <p:extLst>
+      <p:ext uri="{BB962C8B-B14F-4D97-AF65-F5344CB8AC3E}">
+        <p14:creationId xmlns:p14="http://schemas.microsoft.com/office/powerpoint/2010/main" val="445406151"/>
+      </p:ext>
+    </p:extLst>
+  </p:cSld>
+  <p:clrMapOvr>
+    <a:masterClrMapping/>
+  </p:clrMapOvr>
+  <p:timing>
+    <p:tnLst>
+      <p:par>
+        <p:cTn id="1" dur="indefinite" restart="never" nodeType="tmRoot"/>
+      </p:par>
+    </p:tnLst>
+  </p:timing>
 </p:sld>
 </file>
 
@@ -6687,6 +9333,54 @@
           <a:chExt cx="0" cy="0"/>
         </a:xfrm>
       </p:grpSpPr>
+      <p:sp>
+        <p:nvSpPr>
+          <p:cNvPr id="6" name="矩形 5"/>
+          <p:cNvSpPr/>
+          <p:nvPr/>
+        </p:nvSpPr>
+        <p:spPr>
+          <a:xfrm>
+            <a:off x="0" y="0"/>
+            <a:ext cx="8979408" cy="6858000"/>
+          </a:xfrm>
+          <a:prstGeom prst="rect">
+            <a:avLst/>
+          </a:prstGeom>
+          <a:solidFill>
+            <a:schemeClr val="bg1">
+              <a:alpha val="50196"/>
+            </a:schemeClr>
+          </a:solidFill>
+          <a:ln>
+            <a:noFill/>
+          </a:ln>
+        </p:spPr>
+        <p:style>
+          <a:lnRef idx="2">
+            <a:schemeClr val="accent1">
+              <a:shade val="50000"/>
+            </a:schemeClr>
+          </a:lnRef>
+          <a:fillRef idx="1">
+            <a:schemeClr val="accent1"/>
+          </a:fillRef>
+          <a:effectRef idx="0">
+            <a:schemeClr val="accent1"/>
+          </a:effectRef>
+          <a:fontRef idx="minor">
+            <a:schemeClr val="lt1"/>
+          </a:fontRef>
+        </p:style>
+        <p:txBody>
+          <a:bodyPr rtlCol="0" anchor="ctr"/>
+          <a:lstStyle/>
+          <a:p>
+            <a:pPr algn="ctr"/>
+            <a:endParaRPr lang="zh-CN" altLang="en-US"/>
+          </a:p>
+        </p:txBody>
+      </p:sp>
       <p:sp>
         <p:nvSpPr>
           <p:cNvPr id="9" name="矩形 8"/>
@@ -7136,7 +9830,7 @@
 </p:sld>
 </file>
 
-<file path=ppt/slides/slide3.xml><?xml version="1.0" encoding="utf-8"?>
+<file path=ppt/slides/slide20.xml><?xml version="1.0" encoding="utf-8"?>
 <p:sld xmlns:a="http://schemas.openxmlformats.org/drawingml/2006/main" xmlns:r="http://schemas.openxmlformats.org/officeDocument/2006/relationships" xmlns:p="http://schemas.openxmlformats.org/presentationml/2006/main">
   <p:cSld>
     <p:spTree>
@@ -7153,6 +9847,54 @@
           <a:chExt cx="0" cy="0"/>
         </a:xfrm>
       </p:grpSpPr>
+      <p:sp>
+        <p:nvSpPr>
+          <p:cNvPr id="8" name="矩形 7"/>
+          <p:cNvSpPr/>
+          <p:nvPr/>
+        </p:nvSpPr>
+        <p:spPr>
+          <a:xfrm>
+            <a:off x="0" y="0"/>
+            <a:ext cx="8979408" cy="6858000"/>
+          </a:xfrm>
+          <a:prstGeom prst="rect">
+            <a:avLst/>
+          </a:prstGeom>
+          <a:solidFill>
+            <a:schemeClr val="bg1">
+              <a:alpha val="50196"/>
+            </a:schemeClr>
+          </a:solidFill>
+          <a:ln>
+            <a:noFill/>
+          </a:ln>
+        </p:spPr>
+        <p:style>
+          <a:lnRef idx="2">
+            <a:schemeClr val="accent1">
+              <a:shade val="50000"/>
+            </a:schemeClr>
+          </a:lnRef>
+          <a:fillRef idx="1">
+            <a:schemeClr val="accent1"/>
+          </a:fillRef>
+          <a:effectRef idx="0">
+            <a:schemeClr val="accent1"/>
+          </a:effectRef>
+          <a:fontRef idx="minor">
+            <a:schemeClr val="lt1"/>
+          </a:fontRef>
+        </p:style>
+        <p:txBody>
+          <a:bodyPr rtlCol="0" anchor="ctr"/>
+          <a:lstStyle/>
+          <a:p>
+            <a:pPr algn="ctr"/>
+            <a:endParaRPr lang="zh-CN" altLang="en-US"/>
+          </a:p>
+        </p:txBody>
+      </p:sp>
       <p:sp>
         <p:nvSpPr>
           <p:cNvPr id="4" name="矩形 3"/>
@@ -7205,6 +9947,1734 @@
           <a:p>
             <a:pPr algn="ctr"/>
             <a:r>
+              <a:rPr lang="en-US" altLang="zh-TW" sz="6000" dirty="0" smtClean="0"/>
+              <a:t>DSM - 5</a:t>
+            </a:r>
+            <a:endParaRPr lang="zh-TW" altLang="en-US" sz="6000" dirty="0"/>
+          </a:p>
+        </p:txBody>
+      </p:sp>
+      <p:sp>
+        <p:nvSpPr>
+          <p:cNvPr id="9" name="矩形 8"/>
+          <p:cNvSpPr/>
+          <p:nvPr/>
+        </p:nvSpPr>
+        <p:spPr>
+          <a:xfrm>
+            <a:off x="0" y="6291072"/>
+            <a:ext cx="1054608" cy="566928"/>
+          </a:xfrm>
+          <a:prstGeom prst="rect">
+            <a:avLst/>
+          </a:prstGeom>
+          <a:gradFill flip="none" rotWithShape="1">
+            <a:gsLst>
+              <a:gs pos="0">
+                <a:srgbClr val="005B70"/>
+              </a:gs>
+              <a:gs pos="100000">
+                <a:srgbClr val="74AA9C"/>
+              </a:gs>
+            </a:gsLst>
+            <a:lin ang="2700000" scaled="1"/>
+            <a:tileRect/>
+          </a:gradFill>
+          <a:ln>
+            <a:noFill/>
+          </a:ln>
+        </p:spPr>
+        <p:style>
+          <a:lnRef idx="2">
+            <a:schemeClr val="accent1">
+              <a:shade val="50000"/>
+            </a:schemeClr>
+          </a:lnRef>
+          <a:fillRef idx="1">
+            <a:schemeClr val="accent1"/>
+          </a:fillRef>
+          <a:effectRef idx="0">
+            <a:schemeClr val="accent1"/>
+          </a:effectRef>
+          <a:fontRef idx="minor">
+            <a:schemeClr val="lt1"/>
+          </a:fontRef>
+        </p:style>
+        <p:txBody>
+          <a:bodyPr rtlCol="0" anchor="ctr"/>
+          <a:lstStyle/>
+          <a:p>
+            <a:pPr algn="ctr"/>
+            <a:endParaRPr lang="zh-TW" altLang="en-US"/>
+          </a:p>
+        </p:txBody>
+      </p:sp>
+      <p:sp>
+        <p:nvSpPr>
+          <p:cNvPr id="7" name="矩形 6"/>
+          <p:cNvSpPr/>
+          <p:nvPr/>
+        </p:nvSpPr>
+        <p:spPr>
+          <a:xfrm>
+            <a:off x="0" y="0"/>
+            <a:ext cx="3941064" cy="566928"/>
+          </a:xfrm>
+          <a:prstGeom prst="rect">
+            <a:avLst/>
+          </a:prstGeom>
+          <a:gradFill flip="none" rotWithShape="1">
+            <a:gsLst>
+              <a:gs pos="0">
+                <a:srgbClr val="005B70"/>
+              </a:gs>
+              <a:gs pos="100000">
+                <a:srgbClr val="74AA9C"/>
+              </a:gs>
+            </a:gsLst>
+            <a:lin ang="2700000" scaled="1"/>
+            <a:tileRect/>
+          </a:gradFill>
+          <a:ln>
+            <a:noFill/>
+          </a:ln>
+        </p:spPr>
+        <p:style>
+          <a:lnRef idx="2">
+            <a:schemeClr val="accent1">
+              <a:shade val="50000"/>
+            </a:schemeClr>
+          </a:lnRef>
+          <a:fillRef idx="1">
+            <a:schemeClr val="accent1"/>
+          </a:fillRef>
+          <a:effectRef idx="0">
+            <a:schemeClr val="accent1"/>
+          </a:effectRef>
+          <a:fontRef idx="minor">
+            <a:schemeClr val="lt1"/>
+          </a:fontRef>
+        </p:style>
+        <p:txBody>
+          <a:bodyPr rtlCol="0" anchor="ctr"/>
+          <a:lstStyle/>
+          <a:p>
+            <a:r>
+              <a:rPr lang="en-US" altLang="zh-CN" sz="3600" b="1" smtClean="0">
+                <a:latin typeface="Times New Roman" panose="02020603050405020304" pitchFamily="18" charset="0"/>
+                <a:cs typeface="Times New Roman" panose="02020603050405020304" pitchFamily="18" charset="0"/>
+              </a:rPr>
+              <a:t>Result</a:t>
+            </a:r>
+            <a:endParaRPr lang="zh-TW" altLang="en-US" sz="3600" b="1" dirty="0">
+              <a:latin typeface="Times New Roman" panose="02020603050405020304" pitchFamily="18" charset="0"/>
+              <a:cs typeface="Times New Roman" panose="02020603050405020304" pitchFamily="18" charset="0"/>
+            </a:endParaRPr>
+          </a:p>
+        </p:txBody>
+      </p:sp>
+      <p:pic>
+        <p:nvPicPr>
+          <p:cNvPr id="5" name="图片 4"/>
+          <p:cNvPicPr>
+            <a:picLocks noChangeAspect="1"/>
+          </p:cNvPicPr>
+          <p:nvPr/>
+        </p:nvPicPr>
+        <p:blipFill>
+          <a:blip r:embed="rId3"/>
+          <a:stretch>
+            <a:fillRect/>
+          </a:stretch>
+        </p:blipFill>
+        <p:spPr>
+          <a:xfrm>
+            <a:off x="2537579" y="866817"/>
+            <a:ext cx="6195506" cy="5691294"/>
+          </a:xfrm>
+          <a:prstGeom prst="rect">
+            <a:avLst/>
+          </a:prstGeom>
+        </p:spPr>
+      </p:pic>
+      <p:sp>
+        <p:nvSpPr>
+          <p:cNvPr id="2" name="矩形 1"/>
+          <p:cNvSpPr/>
+          <p:nvPr/>
+        </p:nvSpPr>
+        <p:spPr>
+          <a:xfrm>
+            <a:off x="123162" y="2281303"/>
+            <a:ext cx="2291256" cy="2862322"/>
+          </a:xfrm>
+          <a:prstGeom prst="rect">
+            <a:avLst/>
+          </a:prstGeom>
+        </p:spPr>
+        <p:txBody>
+          <a:bodyPr wrap="square">
+            <a:spAutoFit/>
+          </a:bodyPr>
+          <a:lstStyle/>
+          <a:p>
+            <a:pPr marL="285750" indent="-285750">
+              <a:buFont typeface="Wingdings" panose="05000000000000000000" pitchFamily="2" charset="2"/>
+              <a:buChar char="p"/>
+            </a:pPr>
+            <a:r>
+              <a:rPr lang="zh-CN" altLang="en-US" smtClean="0"/>
+              <a:t>有的章节中涉及的症状都至少有一个出现在了其他诊断标准中</a:t>
+            </a:r>
+            <a:endParaRPr lang="en-US" altLang="zh-CN" smtClean="0"/>
+          </a:p>
+          <a:p>
+            <a:pPr marL="285750" indent="-285750">
+              <a:buFont typeface="Wingdings" panose="05000000000000000000" pitchFamily="2" charset="2"/>
+              <a:buChar char="ü"/>
+            </a:pPr>
+            <a:r>
+              <a:rPr lang="zh-CN" altLang="en-US"/>
+              <a:t>比如，躁郁症及相关障碍、创伤与应激相关障碍、解离性障碍、神经认知障碍和人格障碍</a:t>
+            </a:r>
+            <a:endParaRPr lang="en-US" altLang="zh-CN" smtClean="0">
+              <a:latin typeface="Söhne"/>
+            </a:endParaRPr>
+          </a:p>
+        </p:txBody>
+      </p:sp>
+    </p:spTree>
+    <p:extLst>
+      <p:ext uri="{BB962C8B-B14F-4D97-AF65-F5344CB8AC3E}">
+        <p14:creationId xmlns:p14="http://schemas.microsoft.com/office/powerpoint/2010/main" val="315142112"/>
+      </p:ext>
+    </p:extLst>
+  </p:cSld>
+  <p:clrMapOvr>
+    <a:masterClrMapping/>
+  </p:clrMapOvr>
+  <p:timing>
+    <p:tnLst>
+      <p:par>
+        <p:cTn id="1" dur="indefinite" restart="never" nodeType="tmRoot"/>
+      </p:par>
+    </p:tnLst>
+  </p:timing>
+</p:sld>
+</file>
+
+<file path=ppt/slides/slide21.xml><?xml version="1.0" encoding="utf-8"?>
+<p:sld xmlns:a="http://schemas.openxmlformats.org/drawingml/2006/main" xmlns:r="http://schemas.openxmlformats.org/officeDocument/2006/relationships" xmlns:p="http://schemas.openxmlformats.org/presentationml/2006/main">
+  <p:cSld>
+    <p:spTree>
+      <p:nvGrpSpPr>
+        <p:cNvPr id="1" name=""/>
+        <p:cNvGrpSpPr/>
+        <p:nvPr/>
+      </p:nvGrpSpPr>
+      <p:grpSpPr>
+        <a:xfrm>
+          <a:off x="0" y="0"/>
+          <a:ext cx="0" cy="0"/>
+          <a:chOff x="0" y="0"/>
+          <a:chExt cx="0" cy="0"/>
+        </a:xfrm>
+      </p:grpSpPr>
+      <p:sp>
+        <p:nvSpPr>
+          <p:cNvPr id="2" name="矩形 1"/>
+          <p:cNvSpPr/>
+          <p:nvPr/>
+        </p:nvSpPr>
+        <p:spPr>
+          <a:xfrm>
+            <a:off x="1061545" y="1987669"/>
+            <a:ext cx="8586952" cy="2585323"/>
+          </a:xfrm>
+          <a:prstGeom prst="rect">
+            <a:avLst/>
+          </a:prstGeom>
+        </p:spPr>
+        <p:txBody>
+          <a:bodyPr wrap="square">
+            <a:spAutoFit/>
+          </a:bodyPr>
+          <a:lstStyle/>
+          <a:p>
+            <a:r>
+              <a:rPr lang="en-US" altLang="zh-TW" dirty="0" smtClean="0">
+                <a:effectLst/>
+                <a:latin typeface="Calibri" panose="020F0502020204030204" pitchFamily="34" charset="0"/>
+                <a:ea typeface="宋体" panose="02010600030101010101" pitchFamily="2" charset="-122"/>
+                <a:cs typeface="Times New Roman" panose="02020603050405020304" pitchFamily="18" charset="0"/>
+              </a:rPr>
+              <a:t> DSM-5 </a:t>
+            </a:r>
+            <a:r>
+              <a:rPr lang="zh-CN" altLang="zh-TW" dirty="0">
+                <a:latin typeface="Calibri" panose="020F0502020204030204" pitchFamily="34" charset="0"/>
+                <a:cs typeface="Times New Roman" panose="02020603050405020304" pitchFamily="18" charset="0"/>
+              </a:rPr>
+              <a:t>中</a:t>
+            </a:r>
+            <a:r>
+              <a:rPr lang="en-US" altLang="zh-TW" dirty="0" smtClean="0">
+                <a:effectLst/>
+                <a:latin typeface="Calibri" panose="020F0502020204030204" pitchFamily="34" charset="0"/>
+                <a:ea typeface="宋体" panose="02010600030101010101" pitchFamily="2" charset="-122"/>
+                <a:cs typeface="Times New Roman" panose="02020603050405020304" pitchFamily="18" charset="0"/>
+              </a:rPr>
+              <a:t> 202 </a:t>
+            </a:r>
+            <a:r>
+              <a:rPr lang="zh-CN" altLang="zh-TW" dirty="0">
+                <a:latin typeface="Calibri" panose="020F0502020204030204" pitchFamily="34" charset="0"/>
+                <a:cs typeface="Times New Roman" panose="02020603050405020304" pitchFamily="18" charset="0"/>
+              </a:rPr>
+              <a:t>种诊断的症状重叠和重复。</a:t>
+            </a:r>
+            <a:r>
+              <a:rPr lang="zh-CN" altLang="zh-TW" dirty="0" smtClean="0">
+                <a:effectLst/>
+                <a:ea typeface="Calibri" panose="020F0502020204030204" pitchFamily="34" charset="0"/>
+                <a:cs typeface="Times New Roman" panose="02020603050405020304" pitchFamily="18" charset="0"/>
+              </a:rPr>
+              <a:t> </a:t>
+            </a:r>
+            <a:endParaRPr lang="en-US" altLang="zh-CN" dirty="0" smtClean="0">
+              <a:latin typeface="Calibri" panose="020F0502020204030204" pitchFamily="34" charset="0"/>
+              <a:cs typeface="Times New Roman" panose="02020603050405020304" pitchFamily="18" charset="0"/>
+            </a:endParaRPr>
+          </a:p>
+          <a:p>
+            <a:r>
+              <a:rPr lang="zh-CN" altLang="zh-TW" dirty="0" smtClean="0">
+                <a:latin typeface="Calibri" panose="020F0502020204030204" pitchFamily="34" charset="0"/>
+                <a:cs typeface="Times New Roman" panose="02020603050405020304" pitchFamily="18" charset="0"/>
+              </a:rPr>
+              <a:t>虽然</a:t>
+            </a:r>
+            <a:r>
+              <a:rPr lang="zh-CN" altLang="zh-TW" dirty="0">
+                <a:latin typeface="Calibri" panose="020F0502020204030204" pitchFamily="34" charset="0"/>
+                <a:cs typeface="Times New Roman" panose="02020603050405020304" pitchFamily="18" charset="0"/>
+              </a:rPr>
+              <a:t>重复很普遍，但大多数不同的症状都是单一诊断所独有的</a:t>
+            </a:r>
+            <a:r>
+              <a:rPr lang="zh-CN" altLang="zh-TW" dirty="0" smtClean="0">
+                <a:latin typeface="Calibri" panose="020F0502020204030204" pitchFamily="34" charset="0"/>
+                <a:cs typeface="Times New Roman" panose="02020603050405020304" pitchFamily="18" charset="0"/>
+              </a:rPr>
+              <a:t>。</a:t>
+            </a:r>
+            <a:endParaRPr lang="en-US" altLang="zh-CN" dirty="0" smtClean="0">
+              <a:latin typeface="Calibri" panose="020F0502020204030204" pitchFamily="34" charset="0"/>
+              <a:cs typeface="Times New Roman" panose="02020603050405020304" pitchFamily="18" charset="0"/>
+            </a:endParaRPr>
+          </a:p>
+          <a:p>
+            <a:endParaRPr lang="en-US" altLang="zh-CN" dirty="0">
+              <a:effectLst/>
+              <a:latin typeface="Calibri" panose="020F0502020204030204" pitchFamily="34" charset="0"/>
+              <a:ea typeface="Calibri" panose="020F0502020204030204" pitchFamily="34" charset="0"/>
+              <a:cs typeface="Times New Roman" panose="02020603050405020304" pitchFamily="18" charset="0"/>
+            </a:endParaRPr>
+          </a:p>
+          <a:p>
+            <a:r>
+              <a:rPr lang="en-US" altLang="zh-CN" dirty="0" smtClean="0">
+                <a:latin typeface="Calibri" panose="020F0502020204030204" pitchFamily="34" charset="0"/>
+                <a:ea typeface="Calibri" panose="020F0502020204030204" pitchFamily="34" charset="0"/>
+                <a:cs typeface="Times New Roman" panose="02020603050405020304" pitchFamily="18" charset="0"/>
+              </a:rPr>
+              <a:t>	</a:t>
+            </a:r>
+            <a:r>
+              <a:rPr lang="zh-CN" altLang="zh-TW" dirty="0" smtClean="0">
+                <a:effectLst/>
+                <a:ea typeface="Calibri" panose="020F0502020204030204" pitchFamily="34" charset="0"/>
+                <a:cs typeface="Times New Roman" panose="02020603050405020304" pitchFamily="18" charset="0"/>
+              </a:rPr>
+              <a:t> </a:t>
+            </a:r>
+            <a:r>
+              <a:rPr lang="zh-CN" altLang="zh-TW" dirty="0">
+                <a:latin typeface="Calibri" panose="020F0502020204030204" pitchFamily="34" charset="0"/>
+                <a:cs typeface="Times New Roman" panose="02020603050405020304" pitchFamily="18" charset="0"/>
+              </a:rPr>
+              <a:t>某些领域，例如双相情感障碍和相关障碍、创伤和压力源相关障碍以及神经认知障碍，在章节内和章节之间有更多的症状重复。</a:t>
+            </a:r>
+            <a:r>
+              <a:rPr lang="zh-CN" altLang="zh-TW" dirty="0" smtClean="0">
+                <a:effectLst/>
+                <a:ea typeface="Calibri" panose="020F0502020204030204" pitchFamily="34" charset="0"/>
+                <a:cs typeface="Times New Roman" panose="02020603050405020304" pitchFamily="18" charset="0"/>
+              </a:rPr>
+              <a:t> </a:t>
+            </a:r>
+            <a:endParaRPr lang="en-US" altLang="zh-CN" dirty="0" smtClean="0">
+              <a:effectLst/>
+              <a:ea typeface="Calibri" panose="020F0502020204030204" pitchFamily="34" charset="0"/>
+              <a:cs typeface="Times New Roman" panose="02020603050405020304" pitchFamily="18" charset="0"/>
+            </a:endParaRPr>
+          </a:p>
+          <a:p>
+            <a:r>
+              <a:rPr lang="en-US" altLang="zh-CN" dirty="0">
+                <a:latin typeface="Calibri" panose="020F0502020204030204" pitchFamily="34" charset="0"/>
+                <a:cs typeface="Times New Roman" panose="02020603050405020304" pitchFamily="18" charset="0"/>
+              </a:rPr>
+              <a:t>	</a:t>
+            </a:r>
+            <a:r>
+              <a:rPr lang="zh-CN" altLang="zh-TW" dirty="0" smtClean="0">
+                <a:latin typeface="Calibri" panose="020F0502020204030204" pitchFamily="34" charset="0"/>
+                <a:cs typeface="Times New Roman" panose="02020603050405020304" pitchFamily="18" charset="0"/>
+              </a:rPr>
+              <a:t>相比之下</a:t>
+            </a:r>
+            <a:r>
+              <a:rPr lang="zh-CN" altLang="zh-TW" dirty="0">
+                <a:latin typeface="Calibri" panose="020F0502020204030204" pitchFamily="34" charset="0"/>
+                <a:cs typeface="Times New Roman" panose="02020603050405020304" pitchFamily="18" charset="0"/>
+              </a:rPr>
+              <a:t>，消除障碍、性别不安和性欲障碍等章节在其他诊断中几乎没有重复的症状。</a:t>
+            </a:r>
+            <a:r>
+              <a:rPr lang="zh-CN" altLang="zh-TW" dirty="0" smtClean="0">
+                <a:effectLst/>
+                <a:ea typeface="Calibri" panose="020F0502020204030204" pitchFamily="34" charset="0"/>
+                <a:cs typeface="Times New Roman" panose="02020603050405020304" pitchFamily="18" charset="0"/>
+              </a:rPr>
+              <a:t> </a:t>
+            </a:r>
+            <a:endParaRPr lang="en-US" altLang="zh-CN" dirty="0" smtClean="0">
+              <a:effectLst/>
+              <a:ea typeface="Calibri" panose="020F0502020204030204" pitchFamily="34" charset="0"/>
+              <a:cs typeface="Times New Roman" panose="02020603050405020304" pitchFamily="18" charset="0"/>
+            </a:endParaRPr>
+          </a:p>
+          <a:p>
+            <a:endParaRPr lang="en-US" altLang="zh-CN" dirty="0">
+              <a:latin typeface="Calibri" panose="020F0502020204030204" pitchFamily="34" charset="0"/>
+              <a:cs typeface="Times New Roman" panose="02020603050405020304" pitchFamily="18" charset="0"/>
+            </a:endParaRPr>
+          </a:p>
+          <a:p>
+            <a:r>
+              <a:rPr lang="zh-CN" altLang="zh-TW" dirty="0" smtClean="0">
+                <a:latin typeface="Calibri" panose="020F0502020204030204" pitchFamily="34" charset="0"/>
+                <a:cs typeface="Times New Roman" panose="02020603050405020304" pitchFamily="18" charset="0"/>
+              </a:rPr>
+              <a:t>总的来说</a:t>
+            </a:r>
+            <a:r>
+              <a:rPr lang="zh-CN" altLang="zh-TW" dirty="0">
+                <a:latin typeface="Calibri" panose="020F0502020204030204" pitchFamily="34" charset="0"/>
+                <a:cs typeface="Times New Roman" panose="02020603050405020304" pitchFamily="18" charset="0"/>
+              </a:rPr>
+              <a:t>，这项研究提供了对</a:t>
+            </a:r>
+            <a:r>
+              <a:rPr lang="en-US" altLang="zh-TW" dirty="0" smtClean="0">
+                <a:effectLst/>
+                <a:latin typeface="Calibri" panose="020F0502020204030204" pitchFamily="34" charset="0"/>
+                <a:ea typeface="宋体" panose="02010600030101010101" pitchFamily="2" charset="-122"/>
+                <a:cs typeface="Times New Roman" panose="02020603050405020304" pitchFamily="18" charset="0"/>
+              </a:rPr>
+              <a:t> DSM-5 </a:t>
+            </a:r>
+            <a:r>
+              <a:rPr lang="zh-CN" altLang="zh-TW" dirty="0">
+                <a:latin typeface="Calibri" panose="020F0502020204030204" pitchFamily="34" charset="0"/>
+                <a:cs typeface="Times New Roman" panose="02020603050405020304" pitchFamily="18" charset="0"/>
+              </a:rPr>
+              <a:t>诊断标准的结构和组织的见解。</a:t>
+            </a:r>
+            <a:endParaRPr lang="zh-TW" altLang="en-US" dirty="0"/>
+          </a:p>
+        </p:txBody>
+      </p:sp>
+    </p:spTree>
+    <p:extLst>
+      <p:ext uri="{BB962C8B-B14F-4D97-AF65-F5344CB8AC3E}">
+        <p14:creationId xmlns:p14="http://schemas.microsoft.com/office/powerpoint/2010/main" val="1987596642"/>
+      </p:ext>
+    </p:extLst>
+  </p:cSld>
+  <p:clrMapOvr>
+    <a:masterClrMapping/>
+  </p:clrMapOvr>
+</p:sld>
+</file>
+
+<file path=ppt/slides/slide22.xml><?xml version="1.0" encoding="utf-8"?>
+<p:sld xmlns:a="http://schemas.openxmlformats.org/drawingml/2006/main" xmlns:r="http://schemas.openxmlformats.org/officeDocument/2006/relationships" xmlns:p="http://schemas.openxmlformats.org/presentationml/2006/main">
+  <p:cSld>
+    <p:spTree>
+      <p:nvGrpSpPr>
+        <p:cNvPr id="1" name=""/>
+        <p:cNvGrpSpPr/>
+        <p:nvPr/>
+      </p:nvGrpSpPr>
+      <p:grpSpPr>
+        <a:xfrm>
+          <a:off x="0" y="0"/>
+          <a:ext cx="0" cy="0"/>
+          <a:chOff x="0" y="0"/>
+          <a:chExt cx="0" cy="0"/>
+        </a:xfrm>
+      </p:grpSpPr>
+      <p:sp>
+        <p:nvSpPr>
+          <p:cNvPr id="2" name="矩形 1"/>
+          <p:cNvSpPr/>
+          <p:nvPr/>
+        </p:nvSpPr>
+        <p:spPr>
+          <a:xfrm>
+            <a:off x="3048000" y="2551837"/>
+            <a:ext cx="6096000" cy="2031325"/>
+          </a:xfrm>
+          <a:prstGeom prst="rect">
+            <a:avLst/>
+          </a:prstGeom>
+        </p:spPr>
+        <p:txBody>
+          <a:bodyPr>
+            <a:spAutoFit/>
+          </a:bodyPr>
+          <a:lstStyle/>
+          <a:p>
+            <a:r>
+              <a:rPr lang="zh-TW" altLang="en-US" dirty="0" smtClean="0"/>
+              <a:t>该研究确定了 202 项诊断和总共 1,419 种组成症状，并发现大多数不同的症状都是单一诊断所特有的。</a:t>
+            </a:r>
+            <a:endParaRPr lang="en-US" altLang="zh-TW" dirty="0" smtClean="0"/>
+          </a:p>
+          <a:p>
+            <a:endParaRPr lang="en-US" altLang="zh-TW" dirty="0"/>
+          </a:p>
+          <a:p>
+            <a:r>
+              <a:rPr lang="zh-TW" altLang="en-US" dirty="0" smtClean="0"/>
+              <a:t> 但是，某些章节在其他章节中重复出现的症状多于其他章节。 该研究还检查了哪些症状表现出</a:t>
+            </a:r>
+            <a:r>
+              <a:rPr lang="zh-TW" altLang="en-US" b="1" dirty="0" smtClean="0"/>
+              <a:t>最大的非特异性</a:t>
+            </a:r>
+            <a:r>
+              <a:rPr lang="zh-TW" altLang="en-US" dirty="0" smtClean="0"/>
+              <a:t>，并发现 DSM-5 中重复频率最高且跨越大多数章节的症状是重度抑郁症的症状。</a:t>
+            </a:r>
+            <a:endParaRPr lang="zh-TW" altLang="en-US" dirty="0"/>
+          </a:p>
+        </p:txBody>
+      </p:sp>
+      <p:sp>
+        <p:nvSpPr>
+          <p:cNvPr id="3" name="文本框 2"/>
+          <p:cNvSpPr txBox="1"/>
+          <p:nvPr/>
+        </p:nvSpPr>
+        <p:spPr>
+          <a:xfrm>
+            <a:off x="3058510" y="5360276"/>
+            <a:ext cx="4950373" cy="369332"/>
+          </a:xfrm>
+          <a:prstGeom prst="rect">
+            <a:avLst/>
+          </a:prstGeom>
+          <a:noFill/>
+        </p:spPr>
+        <p:txBody>
+          <a:bodyPr wrap="square" rtlCol="0">
+            <a:spAutoFit/>
+          </a:bodyPr>
+          <a:lstStyle/>
+          <a:p>
+            <a:r>
+              <a:rPr lang="zh-CN" altLang="en-US" dirty="0" smtClean="0"/>
+              <a:t>表</a:t>
+            </a:r>
+            <a:r>
+              <a:rPr lang="en-US" altLang="zh-CN" dirty="0" smtClean="0"/>
+              <a:t>2 </a:t>
+            </a:r>
+            <a:r>
+              <a:rPr lang="zh-CN" altLang="en-US" dirty="0" smtClean="0"/>
+              <a:t>图</a:t>
+            </a:r>
+            <a:r>
+              <a:rPr lang="en-US" altLang="zh-CN" dirty="0" smtClean="0"/>
+              <a:t>3</a:t>
+            </a:r>
+            <a:endParaRPr lang="zh-TW" altLang="en-US" dirty="0"/>
+          </a:p>
+        </p:txBody>
+      </p:sp>
+    </p:spTree>
+    <p:extLst>
+      <p:ext uri="{BB962C8B-B14F-4D97-AF65-F5344CB8AC3E}">
+        <p14:creationId xmlns:p14="http://schemas.microsoft.com/office/powerpoint/2010/main" val="990406258"/>
+      </p:ext>
+    </p:extLst>
+  </p:cSld>
+  <p:clrMapOvr>
+    <a:masterClrMapping/>
+  </p:clrMapOvr>
+</p:sld>
+</file>
+
+<file path=ppt/slides/slide23.xml><?xml version="1.0" encoding="utf-8"?>
+<p:sld xmlns:a="http://schemas.openxmlformats.org/drawingml/2006/main" xmlns:r="http://schemas.openxmlformats.org/officeDocument/2006/relationships" xmlns:p="http://schemas.openxmlformats.org/presentationml/2006/main">
+  <p:cSld>
+    <p:spTree>
+      <p:nvGrpSpPr>
+        <p:cNvPr id="1" name=""/>
+        <p:cNvGrpSpPr/>
+        <p:nvPr/>
+      </p:nvGrpSpPr>
+      <p:grpSpPr>
+        <a:xfrm>
+          <a:off x="0" y="0"/>
+          <a:ext cx="0" cy="0"/>
+          <a:chOff x="0" y="0"/>
+          <a:chExt cx="0" cy="0"/>
+        </a:xfrm>
+      </p:grpSpPr>
+      <p:sp>
+        <p:nvSpPr>
+          <p:cNvPr id="2" name="文本框 1"/>
+          <p:cNvSpPr txBox="1"/>
+          <p:nvPr/>
+        </p:nvSpPr>
+        <p:spPr>
+          <a:xfrm>
+            <a:off x="157655" y="173421"/>
+            <a:ext cx="2107324" cy="369332"/>
+          </a:xfrm>
+          <a:prstGeom prst="rect">
+            <a:avLst/>
+          </a:prstGeom>
+          <a:noFill/>
+        </p:spPr>
+        <p:txBody>
+          <a:bodyPr wrap="square" rtlCol="0">
+            <a:spAutoFit/>
+          </a:bodyPr>
+          <a:lstStyle/>
+          <a:p>
+            <a:r>
+              <a:rPr lang="zh-CN" altLang="en-US" dirty="0" smtClean="0"/>
+              <a:t>讨论</a:t>
+            </a:r>
+            <a:endParaRPr lang="zh-TW" altLang="en-US" dirty="0"/>
+          </a:p>
+        </p:txBody>
+      </p:sp>
+      <p:sp>
+        <p:nvSpPr>
+          <p:cNvPr id="3" name="矩形 2"/>
+          <p:cNvSpPr/>
+          <p:nvPr/>
+        </p:nvSpPr>
+        <p:spPr>
+          <a:xfrm>
+            <a:off x="1211316" y="1397675"/>
+            <a:ext cx="9761483" cy="2308324"/>
+          </a:xfrm>
+          <a:prstGeom prst="rect">
+            <a:avLst/>
+          </a:prstGeom>
+        </p:spPr>
+        <p:txBody>
+          <a:bodyPr wrap="square">
+            <a:spAutoFit/>
+          </a:bodyPr>
+          <a:lstStyle/>
+          <a:p>
+            <a:pPr>
+              <a:spcAft>
+                <a:spcPts val="0"/>
+              </a:spcAft>
+            </a:pPr>
+            <a:r>
+              <a:rPr lang="zh-CN" altLang="zh-TW" kern="100" dirty="0">
+                <a:latin typeface="Calibri" panose="020F0502020204030204" pitchFamily="34" charset="0"/>
+                <a:cs typeface="Times New Roman" panose="02020603050405020304" pitchFamily="18" charset="0"/>
+              </a:rPr>
+              <a:t>抑郁症章节中症状的高水平重复可能反映了诊断和理解抑郁症状的复杂性</a:t>
+            </a:r>
+            <a:r>
+              <a:rPr lang="zh-CN" altLang="zh-TW" kern="100" dirty="0" smtClean="0">
+                <a:latin typeface="Calibri" panose="020F0502020204030204" pitchFamily="34" charset="0"/>
+                <a:cs typeface="Times New Roman" panose="02020603050405020304" pitchFamily="18" charset="0"/>
+              </a:rPr>
+              <a:t>。</a:t>
+            </a:r>
+            <a:endParaRPr lang="en-US" altLang="zh-CN" kern="100" dirty="0" smtClean="0">
+              <a:latin typeface="Calibri" panose="020F0502020204030204" pitchFamily="34" charset="0"/>
+              <a:cs typeface="Times New Roman" panose="02020603050405020304" pitchFamily="18" charset="0"/>
+            </a:endParaRPr>
+          </a:p>
+          <a:p>
+            <a:pPr>
+              <a:spcAft>
+                <a:spcPts val="0"/>
+              </a:spcAft>
+            </a:pPr>
+            <a:r>
+              <a:rPr lang="en-US" altLang="zh-CN" kern="100" dirty="0">
+                <a:latin typeface="Calibri" panose="020F0502020204030204" pitchFamily="34" charset="0"/>
+                <a:cs typeface="Times New Roman" panose="02020603050405020304" pitchFamily="18" charset="0"/>
+              </a:rPr>
+              <a:t>	</a:t>
+            </a:r>
+            <a:r>
+              <a:rPr lang="zh-CN" altLang="zh-TW" kern="100" dirty="0" smtClean="0">
+                <a:latin typeface="Calibri" panose="020F0502020204030204" pitchFamily="34" charset="0"/>
+                <a:cs typeface="Times New Roman" panose="02020603050405020304" pitchFamily="18" charset="0"/>
+              </a:rPr>
+              <a:t> </a:t>
+            </a:r>
+            <a:r>
+              <a:rPr lang="zh-CN" altLang="zh-TW" kern="100" dirty="0">
+                <a:latin typeface="Calibri" panose="020F0502020204030204" pitchFamily="34" charset="0"/>
+                <a:cs typeface="Times New Roman" panose="02020603050405020304" pitchFamily="18" charset="0"/>
+              </a:rPr>
+              <a:t>例如，重度抑郁症和持续性抑郁症（心境恶劣）之间的区别是基于症状的持续时间和持久性，而不是独特的症状。 </a:t>
+            </a:r>
+            <a:endParaRPr lang="en-US" altLang="zh-CN" kern="100" dirty="0" smtClean="0">
+              <a:latin typeface="Calibri" panose="020F0502020204030204" pitchFamily="34" charset="0"/>
+              <a:cs typeface="Times New Roman" panose="02020603050405020304" pitchFamily="18" charset="0"/>
+            </a:endParaRPr>
+          </a:p>
+          <a:p>
+            <a:pPr>
+              <a:spcAft>
+                <a:spcPts val="0"/>
+              </a:spcAft>
+            </a:pPr>
+            <a:endParaRPr lang="en-US" altLang="zh-CN" kern="100" dirty="0">
+              <a:latin typeface="Calibri" panose="020F0502020204030204" pitchFamily="34" charset="0"/>
+              <a:cs typeface="Times New Roman" panose="02020603050405020304" pitchFamily="18" charset="0"/>
+            </a:endParaRPr>
+          </a:p>
+          <a:p>
+            <a:pPr>
+              <a:spcAft>
+                <a:spcPts val="0"/>
+              </a:spcAft>
+            </a:pPr>
+            <a:r>
+              <a:rPr lang="zh-CN" altLang="zh-TW" kern="100" dirty="0" smtClean="0">
+                <a:latin typeface="Calibri" panose="020F0502020204030204" pitchFamily="34" charset="0"/>
+                <a:cs typeface="Times New Roman" panose="02020603050405020304" pitchFamily="18" charset="0"/>
+              </a:rPr>
+              <a:t>此外</a:t>
+            </a:r>
+            <a:r>
+              <a:rPr lang="zh-CN" altLang="zh-TW" kern="100" dirty="0">
+                <a:latin typeface="Calibri" panose="020F0502020204030204" pitchFamily="34" charset="0"/>
+                <a:cs typeface="Times New Roman" panose="02020603050405020304" pitchFamily="18" charset="0"/>
+              </a:rPr>
+              <a:t>，抑郁症状与其他疾病的症状之间可能存在显着重叠，例如焦虑症、躯体症状和相关疾病以及神经认知障碍</a:t>
+            </a:r>
+            <a:r>
+              <a:rPr lang="zh-CN" altLang="zh-TW" kern="100" dirty="0" smtClean="0">
+                <a:latin typeface="Calibri" panose="020F0502020204030204" pitchFamily="34" charset="0"/>
+                <a:cs typeface="Times New Roman" panose="02020603050405020304" pitchFamily="18" charset="0"/>
+              </a:rPr>
+              <a:t>。</a:t>
+            </a:r>
+            <a:endParaRPr lang="en-US" altLang="zh-CN" kern="100" dirty="0" smtClean="0">
+              <a:latin typeface="Calibri" panose="020F0502020204030204" pitchFamily="34" charset="0"/>
+              <a:cs typeface="Times New Roman" panose="02020603050405020304" pitchFamily="18" charset="0"/>
+            </a:endParaRPr>
+          </a:p>
+          <a:p>
+            <a:pPr>
+              <a:spcAft>
+                <a:spcPts val="0"/>
+              </a:spcAft>
+            </a:pPr>
+            <a:endParaRPr lang="en-US" altLang="zh-CN" kern="100" dirty="0">
+              <a:latin typeface="Calibri" panose="020F0502020204030204" pitchFamily="34" charset="0"/>
+              <a:cs typeface="Times New Roman" panose="02020603050405020304" pitchFamily="18" charset="0"/>
+            </a:endParaRPr>
+          </a:p>
+          <a:p>
+            <a:pPr>
+              <a:spcAft>
+                <a:spcPts val="0"/>
+              </a:spcAft>
+            </a:pPr>
+            <a:r>
+              <a:rPr lang="zh-CN" altLang="zh-TW" kern="100" dirty="0" smtClean="0">
+                <a:latin typeface="Calibri" panose="020F0502020204030204" pitchFamily="34" charset="0"/>
+                <a:cs typeface="Times New Roman" panose="02020603050405020304" pitchFamily="18" charset="0"/>
+              </a:rPr>
+              <a:t> </a:t>
+            </a:r>
+            <a:r>
+              <a:rPr lang="zh-CN" altLang="zh-TW" kern="100" dirty="0">
+                <a:latin typeface="Calibri" panose="020F0502020204030204" pitchFamily="34" charset="0"/>
+                <a:cs typeface="Times New Roman" panose="02020603050405020304" pitchFamily="18" charset="0"/>
+              </a:rPr>
+              <a:t>因此，抑郁症章节中症状的高水平重复可能反映了准确诊断和治疗抑郁症的挑战。</a:t>
+            </a:r>
+            <a:endParaRPr lang="zh-TW" altLang="zh-TW" kern="100" dirty="0">
+              <a:effectLst/>
+              <a:latin typeface="Calibri" panose="020F0502020204030204" pitchFamily="34" charset="0"/>
+              <a:ea typeface="PMingLiU" panose="02020500000000000000" pitchFamily="18" charset="-120"/>
+              <a:cs typeface="Times New Roman" panose="02020603050405020304" pitchFamily="18" charset="0"/>
+            </a:endParaRPr>
+          </a:p>
+        </p:txBody>
+      </p:sp>
+    </p:spTree>
+    <p:extLst>
+      <p:ext uri="{BB962C8B-B14F-4D97-AF65-F5344CB8AC3E}">
+        <p14:creationId xmlns:p14="http://schemas.microsoft.com/office/powerpoint/2010/main" val="880999260"/>
+      </p:ext>
+    </p:extLst>
+  </p:cSld>
+  <p:clrMapOvr>
+    <a:masterClrMapping/>
+  </p:clrMapOvr>
+</p:sld>
+</file>
+
+<file path=ppt/slides/slide24.xml><?xml version="1.0" encoding="utf-8"?>
+<p:sld xmlns:a="http://schemas.openxmlformats.org/drawingml/2006/main" xmlns:r="http://schemas.openxmlformats.org/officeDocument/2006/relationships" xmlns:p="http://schemas.openxmlformats.org/presentationml/2006/main">
+  <p:cSld>
+    <p:spTree>
+      <p:nvGrpSpPr>
+        <p:cNvPr id="1" name=""/>
+        <p:cNvGrpSpPr/>
+        <p:nvPr/>
+      </p:nvGrpSpPr>
+      <p:grpSpPr>
+        <a:xfrm>
+          <a:off x="0" y="0"/>
+          <a:ext cx="0" cy="0"/>
+          <a:chOff x="0" y="0"/>
+          <a:chExt cx="0" cy="0"/>
+        </a:xfrm>
+      </p:grpSpPr>
+      <p:sp>
+        <p:nvSpPr>
+          <p:cNvPr id="2" name="矩形 1"/>
+          <p:cNvSpPr/>
+          <p:nvPr/>
+        </p:nvSpPr>
+        <p:spPr>
+          <a:xfrm>
+            <a:off x="1140372" y="896457"/>
+            <a:ext cx="9911255" cy="2308324"/>
+          </a:xfrm>
+          <a:prstGeom prst="rect">
+            <a:avLst/>
+          </a:prstGeom>
+        </p:spPr>
+        <p:txBody>
+          <a:bodyPr wrap="square">
+            <a:spAutoFit/>
+          </a:bodyPr>
+          <a:lstStyle/>
+          <a:p>
+            <a:r>
+              <a:rPr lang="zh-CN" altLang="zh-TW" dirty="0">
+                <a:latin typeface="Calibri" panose="020F0502020204030204" pitchFamily="34" charset="0"/>
+                <a:cs typeface="Times New Roman" panose="02020603050405020304" pitchFamily="18" charset="0"/>
+              </a:rPr>
+              <a:t>重复通常是有意的</a:t>
+            </a:r>
+            <a:r>
+              <a:rPr lang="zh-CN" altLang="zh-TW" dirty="0" smtClean="0">
+                <a:latin typeface="Calibri" panose="020F0502020204030204" pitchFamily="34" charset="0"/>
+                <a:cs typeface="Times New Roman" panose="02020603050405020304" pitchFamily="18" charset="0"/>
+              </a:rPr>
+              <a:t>，</a:t>
+            </a:r>
+            <a:endParaRPr lang="en-US" altLang="zh-CN" dirty="0" smtClean="0">
+              <a:latin typeface="Calibri" panose="020F0502020204030204" pitchFamily="34" charset="0"/>
+              <a:cs typeface="Times New Roman" panose="02020603050405020304" pitchFamily="18" charset="0"/>
+            </a:endParaRPr>
+          </a:p>
+          <a:p>
+            <a:r>
+              <a:rPr lang="en-US" altLang="zh-CN" dirty="0">
+                <a:latin typeface="Calibri" panose="020F0502020204030204" pitchFamily="34" charset="0"/>
+                <a:cs typeface="Times New Roman" panose="02020603050405020304" pitchFamily="18" charset="0"/>
+              </a:rPr>
+              <a:t>	</a:t>
+            </a:r>
+            <a:r>
+              <a:rPr lang="zh-CN" altLang="zh-TW" dirty="0" smtClean="0">
+                <a:latin typeface="Calibri" panose="020F0502020204030204" pitchFamily="34" charset="0"/>
+                <a:cs typeface="Times New Roman" panose="02020603050405020304" pitchFamily="18" charset="0"/>
+              </a:rPr>
+              <a:t>反映</a:t>
+            </a:r>
+            <a:r>
+              <a:rPr lang="zh-CN" altLang="zh-TW" dirty="0">
+                <a:latin typeface="Calibri" panose="020F0502020204030204" pitchFamily="34" charset="0"/>
+                <a:cs typeface="Times New Roman" panose="02020603050405020304" pitchFamily="18" charset="0"/>
+              </a:rPr>
+              <a:t>了章节内疾病的共同特征</a:t>
+            </a:r>
+            <a:r>
+              <a:rPr lang="zh-CN" altLang="zh-TW" dirty="0" smtClean="0">
+                <a:latin typeface="Calibri" panose="020F0502020204030204" pitchFamily="34" charset="0"/>
+                <a:cs typeface="Times New Roman" panose="02020603050405020304" pitchFamily="18" charset="0"/>
+              </a:rPr>
+              <a:t>，</a:t>
+            </a:r>
+            <a:endParaRPr lang="en-US" altLang="zh-CN" dirty="0" smtClean="0">
+              <a:latin typeface="Calibri" panose="020F0502020204030204" pitchFamily="34" charset="0"/>
+              <a:cs typeface="Times New Roman" panose="02020603050405020304" pitchFamily="18" charset="0"/>
+            </a:endParaRPr>
+          </a:p>
+          <a:p>
+            <a:r>
+              <a:rPr lang="en-US" altLang="zh-CN" dirty="0">
+                <a:latin typeface="Calibri" panose="020F0502020204030204" pitchFamily="34" charset="0"/>
+                <a:cs typeface="Times New Roman" panose="02020603050405020304" pitchFamily="18" charset="0"/>
+              </a:rPr>
+              <a:t>	</a:t>
+            </a:r>
+            <a:r>
+              <a:rPr lang="zh-CN" altLang="zh-TW" dirty="0" smtClean="0">
+                <a:latin typeface="Calibri" panose="020F0502020204030204" pitchFamily="34" charset="0"/>
+                <a:cs typeface="Times New Roman" panose="02020603050405020304" pitchFamily="18" charset="0"/>
+              </a:rPr>
+              <a:t>例如</a:t>
+            </a:r>
+            <a:r>
+              <a:rPr lang="zh-CN" altLang="zh-TW" dirty="0">
+                <a:latin typeface="Calibri" panose="020F0502020204030204" pitchFamily="34" charset="0"/>
+                <a:cs typeface="Times New Roman" panose="02020603050405020304" pitchFamily="18" charset="0"/>
+              </a:rPr>
+              <a:t>相似的核心症状或共同的潜在机制。</a:t>
+            </a:r>
+            <a:r>
+              <a:rPr lang="zh-CN" altLang="zh-TW" dirty="0" smtClean="0">
+                <a:effectLst/>
+                <a:ea typeface="Calibri" panose="020F0502020204030204" pitchFamily="34" charset="0"/>
+                <a:cs typeface="Times New Roman" panose="02020603050405020304" pitchFamily="18" charset="0"/>
+              </a:rPr>
+              <a:t> </a:t>
+            </a:r>
+            <a:endParaRPr lang="en-US" altLang="zh-CN" dirty="0" smtClean="0">
+              <a:effectLst/>
+              <a:ea typeface="Calibri" panose="020F0502020204030204" pitchFamily="34" charset="0"/>
+              <a:cs typeface="Times New Roman" panose="02020603050405020304" pitchFamily="18" charset="0"/>
+            </a:endParaRPr>
+          </a:p>
+          <a:p>
+            <a:endParaRPr lang="en-US" altLang="zh-CN" dirty="0">
+              <a:latin typeface="Calibri" panose="020F0502020204030204" pitchFamily="34" charset="0"/>
+              <a:cs typeface="Times New Roman" panose="02020603050405020304" pitchFamily="18" charset="0"/>
+            </a:endParaRPr>
+          </a:p>
+          <a:p>
+            <a:r>
+              <a:rPr lang="zh-CN" altLang="zh-TW" dirty="0" smtClean="0">
+                <a:latin typeface="Calibri" panose="020F0502020204030204" pitchFamily="34" charset="0"/>
+                <a:cs typeface="Times New Roman" panose="02020603050405020304" pitchFamily="18" charset="0"/>
+              </a:rPr>
+              <a:t>然而</a:t>
+            </a:r>
+            <a:r>
+              <a:rPr lang="zh-CN" altLang="zh-TW" dirty="0">
+                <a:latin typeface="Calibri" panose="020F0502020204030204" pitchFamily="34" charset="0"/>
+                <a:cs typeface="Times New Roman" panose="02020603050405020304" pitchFamily="18" charset="0"/>
+              </a:rPr>
+              <a:t>，各章中症状的大量重复表明</a:t>
+            </a:r>
+            <a:r>
+              <a:rPr lang="zh-CN" altLang="zh-TW" dirty="0" smtClean="0">
+                <a:latin typeface="Calibri" panose="020F0502020204030204" pitchFamily="34" charset="0"/>
+                <a:cs typeface="Times New Roman" panose="02020603050405020304" pitchFamily="18" charset="0"/>
+              </a:rPr>
+              <a:t>，</a:t>
+            </a:r>
+            <a:endParaRPr lang="en-US" altLang="zh-CN" dirty="0" smtClean="0">
+              <a:latin typeface="Calibri" panose="020F0502020204030204" pitchFamily="34" charset="0"/>
+              <a:cs typeface="Times New Roman" panose="02020603050405020304" pitchFamily="18" charset="0"/>
+            </a:endParaRPr>
+          </a:p>
+          <a:p>
+            <a:r>
+              <a:rPr lang="en-US" altLang="zh-CN" dirty="0">
+                <a:latin typeface="Calibri" panose="020F0502020204030204" pitchFamily="34" charset="0"/>
+                <a:cs typeface="Times New Roman" panose="02020603050405020304" pitchFamily="18" charset="0"/>
+              </a:rPr>
+              <a:t>	</a:t>
+            </a:r>
+            <a:r>
+              <a:rPr lang="zh-CN" altLang="zh-TW" dirty="0" smtClean="0">
+                <a:latin typeface="Calibri" panose="020F0502020204030204" pitchFamily="34" charset="0"/>
+                <a:cs typeface="Times New Roman" panose="02020603050405020304" pitchFamily="18" charset="0"/>
+              </a:rPr>
+              <a:t>不同</a:t>
+            </a:r>
+            <a:r>
+              <a:rPr lang="zh-CN" altLang="zh-TW" dirty="0">
+                <a:latin typeface="Calibri" panose="020F0502020204030204" pitchFamily="34" charset="0"/>
+                <a:cs typeface="Times New Roman" panose="02020603050405020304" pitchFamily="18" charset="0"/>
+              </a:rPr>
+              <a:t>类别的精神病理学之间可能存在一些重叠和缺乏明确的界限</a:t>
+            </a:r>
+            <a:r>
+              <a:rPr lang="zh-CN" altLang="zh-TW" dirty="0" smtClean="0">
+                <a:latin typeface="Calibri" panose="020F0502020204030204" pitchFamily="34" charset="0"/>
+                <a:cs typeface="Times New Roman" panose="02020603050405020304" pitchFamily="18" charset="0"/>
+              </a:rPr>
+              <a:t>。</a:t>
+            </a:r>
+            <a:endParaRPr lang="en-US" altLang="zh-CN" dirty="0" smtClean="0">
+              <a:latin typeface="Calibri" panose="020F0502020204030204" pitchFamily="34" charset="0"/>
+              <a:cs typeface="Times New Roman" panose="02020603050405020304" pitchFamily="18" charset="0"/>
+            </a:endParaRPr>
+          </a:p>
+          <a:p>
+            <a:r>
+              <a:rPr lang="en-US" altLang="zh-CN" dirty="0">
+                <a:effectLst/>
+                <a:latin typeface="Calibri" panose="020F0502020204030204" pitchFamily="34" charset="0"/>
+                <a:ea typeface="Calibri" panose="020F0502020204030204" pitchFamily="34" charset="0"/>
+                <a:cs typeface="Times New Roman" panose="02020603050405020304" pitchFamily="18" charset="0"/>
+              </a:rPr>
+              <a:t>	</a:t>
+            </a:r>
+            <a:r>
+              <a:rPr lang="zh-CN" altLang="zh-TW" dirty="0" smtClean="0">
+                <a:effectLst/>
+                <a:ea typeface="Calibri" panose="020F0502020204030204" pitchFamily="34" charset="0"/>
+                <a:cs typeface="Times New Roman" panose="02020603050405020304" pitchFamily="18" charset="0"/>
+              </a:rPr>
+              <a:t> </a:t>
+            </a:r>
+            <a:r>
+              <a:rPr lang="zh-CN" altLang="zh-TW" dirty="0">
+                <a:latin typeface="Calibri" panose="020F0502020204030204" pitchFamily="34" charset="0"/>
+                <a:cs typeface="Times New Roman" panose="02020603050405020304" pitchFamily="18" charset="0"/>
+              </a:rPr>
+              <a:t>这可能是由于</a:t>
+            </a:r>
+            <a:r>
+              <a:rPr lang="en-US" altLang="zh-TW" dirty="0" smtClean="0">
+                <a:effectLst/>
+                <a:latin typeface="Calibri" panose="020F0502020204030204" pitchFamily="34" charset="0"/>
+                <a:ea typeface="宋体" panose="02010600030101010101" pitchFamily="2" charset="-122"/>
+                <a:cs typeface="Times New Roman" panose="02020603050405020304" pitchFamily="18" charset="0"/>
+              </a:rPr>
+              <a:t> DSM-5 </a:t>
+            </a:r>
+            <a:r>
+              <a:rPr lang="zh-CN" altLang="zh-TW" dirty="0">
+                <a:latin typeface="Calibri" panose="020F0502020204030204" pitchFamily="34" charset="0"/>
+                <a:cs typeface="Times New Roman" panose="02020603050405020304" pitchFamily="18" charset="0"/>
+              </a:rPr>
+              <a:t>中不同章节之间缺乏协调或一致性，并强调需要继续完善和改进精神障碍的分类。</a:t>
+            </a:r>
+            <a:endParaRPr lang="zh-TW" altLang="en-US" dirty="0"/>
+          </a:p>
+        </p:txBody>
+      </p:sp>
+    </p:spTree>
+    <p:extLst>
+      <p:ext uri="{BB962C8B-B14F-4D97-AF65-F5344CB8AC3E}">
+        <p14:creationId xmlns:p14="http://schemas.microsoft.com/office/powerpoint/2010/main" val="2333006914"/>
+      </p:ext>
+    </p:extLst>
+  </p:cSld>
+  <p:clrMapOvr>
+    <a:masterClrMapping/>
+  </p:clrMapOvr>
+</p:sld>
+</file>
+
+<file path=ppt/slides/slide25.xml><?xml version="1.0" encoding="utf-8"?>
+<p:sld xmlns:a="http://schemas.openxmlformats.org/drawingml/2006/main" xmlns:r="http://schemas.openxmlformats.org/officeDocument/2006/relationships" xmlns:p="http://schemas.openxmlformats.org/presentationml/2006/main">
+  <p:cSld>
+    <p:spTree>
+      <p:nvGrpSpPr>
+        <p:cNvPr id="1" name=""/>
+        <p:cNvGrpSpPr/>
+        <p:nvPr/>
+      </p:nvGrpSpPr>
+      <p:grpSpPr>
+        <a:xfrm>
+          <a:off x="0" y="0"/>
+          <a:ext cx="0" cy="0"/>
+          <a:chOff x="0" y="0"/>
+          <a:chExt cx="0" cy="0"/>
+        </a:xfrm>
+      </p:grpSpPr>
+      <p:sp>
+        <p:nvSpPr>
+          <p:cNvPr id="2" name="矩形 1"/>
+          <p:cNvSpPr/>
+          <p:nvPr/>
+        </p:nvSpPr>
+        <p:spPr>
+          <a:xfrm>
+            <a:off x="620109" y="3116006"/>
+            <a:ext cx="10809889" cy="1754326"/>
+          </a:xfrm>
+          <a:prstGeom prst="rect">
+            <a:avLst/>
+          </a:prstGeom>
+        </p:spPr>
+        <p:txBody>
+          <a:bodyPr wrap="square">
+            <a:spAutoFit/>
+          </a:bodyPr>
+          <a:lstStyle/>
+          <a:p>
+            <a:pPr>
+              <a:spcAft>
+                <a:spcPts val="0"/>
+              </a:spcAft>
+            </a:pPr>
+            <a:r>
+              <a:rPr lang="en-US" altLang="zh-TW" kern="100" dirty="0" smtClean="0">
+                <a:effectLst/>
+                <a:latin typeface="Calibri" panose="020F0502020204030204" pitchFamily="34" charset="0"/>
+                <a:ea typeface="宋体" panose="02010600030101010101" pitchFamily="2" charset="-122"/>
+                <a:cs typeface="Times New Roman" panose="02020603050405020304" pitchFamily="18" charset="0"/>
+              </a:rPr>
+              <a:t>MDD </a:t>
+            </a:r>
+            <a:r>
+              <a:rPr lang="zh-CN" altLang="zh-TW" kern="100" dirty="0">
+                <a:latin typeface="Calibri" panose="020F0502020204030204" pitchFamily="34" charset="0"/>
+                <a:cs typeface="Times New Roman" panose="02020603050405020304" pitchFamily="18" charset="0"/>
+              </a:rPr>
+              <a:t>的症状似乎是最不具体的，并且在大多数章节中重复出现</a:t>
+            </a:r>
+            <a:r>
+              <a:rPr lang="zh-CN" altLang="zh-TW" kern="100" dirty="0" smtClean="0">
+                <a:latin typeface="Calibri" panose="020F0502020204030204" pitchFamily="34" charset="0"/>
+                <a:cs typeface="Times New Roman" panose="02020603050405020304" pitchFamily="18" charset="0"/>
+              </a:rPr>
+              <a:t>，</a:t>
+            </a:r>
+            <a:endParaRPr lang="en-US" altLang="zh-CN" kern="100" dirty="0" smtClean="0">
+              <a:latin typeface="Calibri" panose="020F0502020204030204" pitchFamily="34" charset="0"/>
+              <a:cs typeface="Times New Roman" panose="02020603050405020304" pitchFamily="18" charset="0"/>
+            </a:endParaRPr>
+          </a:p>
+          <a:p>
+            <a:pPr>
+              <a:spcAft>
+                <a:spcPts val="0"/>
+              </a:spcAft>
+            </a:pPr>
+            <a:endParaRPr lang="en-US" altLang="zh-CN" kern="100" dirty="0">
+              <a:latin typeface="Calibri" panose="020F0502020204030204" pitchFamily="34" charset="0"/>
+              <a:cs typeface="Times New Roman" panose="02020603050405020304" pitchFamily="18" charset="0"/>
+            </a:endParaRPr>
+          </a:p>
+          <a:p>
+            <a:pPr>
+              <a:spcAft>
+                <a:spcPts val="0"/>
+              </a:spcAft>
+            </a:pPr>
+            <a:r>
+              <a:rPr lang="zh-CN" altLang="zh-TW" kern="100" dirty="0" smtClean="0">
+                <a:latin typeface="Calibri" panose="020F0502020204030204" pitchFamily="34" charset="0"/>
+                <a:cs typeface="Times New Roman" panose="02020603050405020304" pitchFamily="18" charset="0"/>
+              </a:rPr>
+              <a:t>这</a:t>
+            </a:r>
+            <a:r>
+              <a:rPr lang="zh-CN" altLang="zh-TW" kern="100" dirty="0">
+                <a:latin typeface="Calibri" panose="020F0502020204030204" pitchFamily="34" charset="0"/>
+                <a:cs typeface="Times New Roman" panose="02020603050405020304" pitchFamily="18" charset="0"/>
+              </a:rPr>
+              <a:t>引发了对将</a:t>
+            </a:r>
+            <a:r>
+              <a:rPr lang="en-US" altLang="zh-TW" kern="100" dirty="0" smtClean="0">
+                <a:effectLst/>
+                <a:latin typeface="Calibri" panose="020F0502020204030204" pitchFamily="34" charset="0"/>
+                <a:ea typeface="宋体" panose="02010600030101010101" pitchFamily="2" charset="-122"/>
+                <a:cs typeface="Times New Roman" panose="02020603050405020304" pitchFamily="18" charset="0"/>
+              </a:rPr>
+              <a:t> MDD </a:t>
+            </a:r>
+            <a:r>
+              <a:rPr lang="zh-CN" altLang="zh-TW" kern="100" dirty="0">
+                <a:latin typeface="Calibri" panose="020F0502020204030204" pitchFamily="34" charset="0"/>
+                <a:cs typeface="Times New Roman" panose="02020603050405020304" pitchFamily="18" charset="0"/>
+              </a:rPr>
+              <a:t>作为单一结构进行研究的有效性的质疑。 </a:t>
+            </a:r>
+            <a:endParaRPr lang="en-US" altLang="zh-CN" kern="100" dirty="0" smtClean="0">
+              <a:latin typeface="Calibri" panose="020F0502020204030204" pitchFamily="34" charset="0"/>
+              <a:cs typeface="Times New Roman" panose="02020603050405020304" pitchFamily="18" charset="0"/>
+            </a:endParaRPr>
+          </a:p>
+          <a:p>
+            <a:pPr>
+              <a:spcAft>
+                <a:spcPts val="0"/>
+              </a:spcAft>
+            </a:pPr>
+            <a:endParaRPr lang="en-US" altLang="zh-CN" kern="100" dirty="0">
+              <a:latin typeface="Calibri" panose="020F0502020204030204" pitchFamily="34" charset="0"/>
+              <a:cs typeface="Times New Roman" panose="02020603050405020304" pitchFamily="18" charset="0"/>
+            </a:endParaRPr>
+          </a:p>
+          <a:p>
+            <a:pPr>
+              <a:spcAft>
+                <a:spcPts val="0"/>
+              </a:spcAft>
+            </a:pPr>
+            <a:r>
+              <a:rPr lang="zh-CN" altLang="zh-TW" kern="100" dirty="0" smtClean="0">
+                <a:latin typeface="Calibri" panose="020F0502020204030204" pitchFamily="34" charset="0"/>
+                <a:cs typeface="Times New Roman" panose="02020603050405020304" pitchFamily="18" charset="0"/>
+              </a:rPr>
+              <a:t>重要</a:t>
+            </a:r>
+            <a:r>
+              <a:rPr lang="zh-CN" altLang="zh-TW" kern="100" dirty="0">
+                <a:latin typeface="Calibri" panose="020F0502020204030204" pitchFamily="34" charset="0"/>
+                <a:cs typeface="Times New Roman" panose="02020603050405020304" pitchFamily="18" charset="0"/>
+              </a:rPr>
+              <a:t>的是要注意，该研究的结果是基于对</a:t>
+            </a:r>
+            <a:r>
+              <a:rPr lang="en-US" altLang="zh-TW" kern="100" dirty="0" smtClean="0">
+                <a:effectLst/>
+                <a:latin typeface="Calibri" panose="020F0502020204030204" pitchFamily="34" charset="0"/>
+                <a:ea typeface="宋体" panose="02010600030101010101" pitchFamily="2" charset="-122"/>
+                <a:cs typeface="Times New Roman" panose="02020603050405020304" pitchFamily="18" charset="0"/>
+              </a:rPr>
+              <a:t> DSM-5 </a:t>
+            </a:r>
+            <a:r>
+              <a:rPr lang="zh-CN" altLang="zh-TW" kern="100" dirty="0">
+                <a:latin typeface="Calibri" panose="020F0502020204030204" pitchFamily="34" charset="0"/>
+                <a:cs typeface="Times New Roman" panose="02020603050405020304" pitchFamily="18" charset="0"/>
+              </a:rPr>
+              <a:t>的描述性分析，并且在确定症状重叠时会受到主观决定的影响。</a:t>
+            </a:r>
+            <a:endParaRPr lang="zh-TW" altLang="zh-TW" kern="100" dirty="0">
+              <a:effectLst/>
+              <a:latin typeface="Calibri" panose="020F0502020204030204" pitchFamily="34" charset="0"/>
+              <a:ea typeface="PMingLiU" panose="02020500000000000000" pitchFamily="18" charset="-120"/>
+              <a:cs typeface="Times New Roman" panose="02020603050405020304" pitchFamily="18" charset="0"/>
+            </a:endParaRPr>
+          </a:p>
+        </p:txBody>
+      </p:sp>
+      <p:sp>
+        <p:nvSpPr>
+          <p:cNvPr id="3" name="矩形 2"/>
+          <p:cNvSpPr/>
+          <p:nvPr/>
+        </p:nvSpPr>
+        <p:spPr>
+          <a:xfrm>
+            <a:off x="620109" y="1000035"/>
+            <a:ext cx="9722069" cy="1200329"/>
+          </a:xfrm>
+          <a:prstGeom prst="rect">
+            <a:avLst/>
+          </a:prstGeom>
+        </p:spPr>
+        <p:txBody>
+          <a:bodyPr wrap="square">
+            <a:spAutoFit/>
+          </a:bodyPr>
+          <a:lstStyle/>
+          <a:p>
+            <a:r>
+              <a:rPr lang="zh-CN" altLang="zh-TW" dirty="0">
+                <a:latin typeface="Calibri" panose="020F0502020204030204" pitchFamily="34" charset="0"/>
+                <a:cs typeface="Times New Roman" panose="02020603050405020304" pitchFamily="18" charset="0"/>
+              </a:rPr>
+              <a:t>该研究发现</a:t>
+            </a:r>
+            <a:r>
+              <a:rPr lang="en-US" altLang="zh-TW" dirty="0" smtClean="0">
+                <a:effectLst/>
+                <a:latin typeface="Calibri" panose="020F0502020204030204" pitchFamily="34" charset="0"/>
+                <a:ea typeface="宋体" panose="02010600030101010101" pitchFamily="2" charset="-122"/>
+                <a:cs typeface="Times New Roman" panose="02020603050405020304" pitchFamily="18" charset="0"/>
+              </a:rPr>
+              <a:t> DSM-5 </a:t>
+            </a:r>
+            <a:r>
+              <a:rPr lang="zh-CN" altLang="zh-TW" dirty="0">
+                <a:latin typeface="Calibri" panose="020F0502020204030204" pitchFamily="34" charset="0"/>
+                <a:cs typeface="Times New Roman" panose="02020603050405020304" pitchFamily="18" charset="0"/>
+              </a:rPr>
+              <a:t>中存在重复症状，无论是在章节内还是章节之间</a:t>
+            </a:r>
+            <a:r>
+              <a:rPr lang="zh-CN" altLang="zh-TW" dirty="0" smtClean="0">
+                <a:latin typeface="Calibri" panose="020F0502020204030204" pitchFamily="34" charset="0"/>
+                <a:cs typeface="Times New Roman" panose="02020603050405020304" pitchFamily="18" charset="0"/>
+              </a:rPr>
+              <a:t>。</a:t>
+            </a:r>
+            <a:endParaRPr lang="en-US" altLang="zh-CN" dirty="0" smtClean="0">
+              <a:latin typeface="Calibri" panose="020F0502020204030204" pitchFamily="34" charset="0"/>
+              <a:cs typeface="Times New Roman" panose="02020603050405020304" pitchFamily="18" charset="0"/>
+            </a:endParaRPr>
+          </a:p>
+          <a:p>
+            <a:endParaRPr lang="en-US" altLang="zh-CN" dirty="0">
+              <a:effectLst/>
+              <a:latin typeface="Calibri" panose="020F0502020204030204" pitchFamily="34" charset="0"/>
+              <a:ea typeface="Calibri" panose="020F0502020204030204" pitchFamily="34" charset="0"/>
+              <a:cs typeface="Times New Roman" panose="02020603050405020304" pitchFamily="18" charset="0"/>
+            </a:endParaRPr>
+          </a:p>
+          <a:p>
+            <a:r>
+              <a:rPr lang="zh-CN" altLang="zh-TW" dirty="0" smtClean="0">
+                <a:latin typeface="Calibri" panose="020F0502020204030204" pitchFamily="34" charset="0"/>
+                <a:cs typeface="Times New Roman" panose="02020603050405020304" pitchFamily="18" charset="0"/>
+              </a:rPr>
+              <a:t>章节</a:t>
+            </a:r>
+            <a:r>
+              <a:rPr lang="zh-CN" altLang="zh-TW" dirty="0">
+                <a:latin typeface="Calibri" panose="020F0502020204030204" pitchFamily="34" charset="0"/>
+                <a:cs typeface="Times New Roman" panose="02020603050405020304" pitchFamily="18" charset="0"/>
+              </a:rPr>
+              <a:t>内的重复似乎更有目的性，反映了所描述疾病的性质</a:t>
+            </a:r>
+            <a:r>
+              <a:rPr lang="zh-CN" altLang="zh-TW" dirty="0" smtClean="0">
+                <a:latin typeface="Calibri" panose="020F0502020204030204" pitchFamily="34" charset="0"/>
+                <a:cs typeface="Times New Roman" panose="02020603050405020304" pitchFamily="18" charset="0"/>
+              </a:rPr>
+              <a:t>，</a:t>
+            </a:r>
+            <a:endParaRPr lang="en-US" altLang="zh-CN" dirty="0" smtClean="0">
+              <a:latin typeface="Calibri" panose="020F0502020204030204" pitchFamily="34" charset="0"/>
+              <a:cs typeface="Times New Roman" panose="02020603050405020304" pitchFamily="18" charset="0"/>
+            </a:endParaRPr>
+          </a:p>
+          <a:p>
+            <a:r>
+              <a:rPr lang="zh-CN" altLang="zh-TW" dirty="0" smtClean="0">
+                <a:latin typeface="Calibri" panose="020F0502020204030204" pitchFamily="34" charset="0"/>
+                <a:cs typeface="Times New Roman" panose="02020603050405020304" pitchFamily="18" charset="0"/>
+              </a:rPr>
+              <a:t>章节</a:t>
+            </a:r>
+            <a:r>
+              <a:rPr lang="zh-CN" altLang="zh-TW" dirty="0">
+                <a:latin typeface="Calibri" panose="020F0502020204030204" pitchFamily="34" charset="0"/>
+                <a:cs typeface="Times New Roman" panose="02020603050405020304" pitchFamily="18" charset="0"/>
+              </a:rPr>
+              <a:t>间的重复似乎目的性较小，反映出诊断之间缺乏明确的界限</a:t>
+            </a:r>
+            <a:endParaRPr lang="zh-TW" altLang="en-US" dirty="0"/>
+          </a:p>
+        </p:txBody>
+      </p:sp>
+    </p:spTree>
+    <p:extLst>
+      <p:ext uri="{BB962C8B-B14F-4D97-AF65-F5344CB8AC3E}">
+        <p14:creationId xmlns:p14="http://schemas.microsoft.com/office/powerpoint/2010/main" val="2286519300"/>
+      </p:ext>
+    </p:extLst>
+  </p:cSld>
+  <p:clrMapOvr>
+    <a:masterClrMapping/>
+  </p:clrMapOvr>
+</p:sld>
+</file>
+
+<file path=ppt/slides/slide26.xml><?xml version="1.0" encoding="utf-8"?>
+<p:sld xmlns:a="http://schemas.openxmlformats.org/drawingml/2006/main" xmlns:r="http://schemas.openxmlformats.org/officeDocument/2006/relationships" xmlns:p="http://schemas.openxmlformats.org/presentationml/2006/main">
+  <p:cSld>
+    <p:spTree>
+      <p:nvGrpSpPr>
+        <p:cNvPr id="1" name=""/>
+        <p:cNvGrpSpPr/>
+        <p:nvPr/>
+      </p:nvGrpSpPr>
+      <p:grpSpPr>
+        <a:xfrm>
+          <a:off x="0" y="0"/>
+          <a:ext cx="0" cy="0"/>
+          <a:chOff x="0" y="0"/>
+          <a:chExt cx="0" cy="0"/>
+        </a:xfrm>
+      </p:grpSpPr>
+      <p:sp>
+        <p:nvSpPr>
+          <p:cNvPr id="2" name="矩形 1"/>
+          <p:cNvSpPr/>
+          <p:nvPr/>
+        </p:nvSpPr>
+        <p:spPr>
+          <a:xfrm>
+            <a:off x="793531" y="1387393"/>
+            <a:ext cx="10857186" cy="646331"/>
+          </a:xfrm>
+          <a:prstGeom prst="rect">
+            <a:avLst/>
+          </a:prstGeom>
+        </p:spPr>
+        <p:txBody>
+          <a:bodyPr wrap="square">
+            <a:spAutoFit/>
+          </a:bodyPr>
+          <a:lstStyle/>
+          <a:p>
+            <a:r>
+              <a:rPr lang="zh-CN" altLang="zh-TW" smtClean="0">
+                <a:latin typeface="Calibri" panose="020F0502020204030204" pitchFamily="34" charset="0"/>
+                <a:cs typeface="Times New Roman" panose="02020603050405020304" pitchFamily="18" charset="0"/>
+              </a:rPr>
+              <a:t>本文讨论了</a:t>
+            </a:r>
+            <a:r>
+              <a:rPr lang="en-US" altLang="zh-TW" smtClean="0">
+                <a:effectLst/>
+                <a:latin typeface="Calibri" panose="020F0502020204030204" pitchFamily="34" charset="0"/>
+                <a:ea typeface="宋体" panose="02010600030101010101" pitchFamily="2" charset="-122"/>
+                <a:cs typeface="Times New Roman" panose="02020603050405020304" pitchFamily="18" charset="0"/>
+              </a:rPr>
+              <a:t> DSM-5 </a:t>
+            </a:r>
+            <a:r>
+              <a:rPr lang="zh-CN" altLang="zh-TW" smtClean="0">
+                <a:latin typeface="Calibri" panose="020F0502020204030204" pitchFamily="34" charset="0"/>
+                <a:cs typeface="Times New Roman" panose="02020603050405020304" pitchFamily="18" charset="0"/>
+              </a:rPr>
+              <a:t>诊断类别内和跨诊断类别的症状重复问题，特别关注整个手册中重度抑郁症</a:t>
+            </a:r>
+            <a:r>
+              <a:rPr lang="en-US" altLang="zh-TW" smtClean="0">
+                <a:effectLst/>
+                <a:latin typeface="Calibri" panose="020F0502020204030204" pitchFamily="34" charset="0"/>
+                <a:ea typeface="宋体" panose="02010600030101010101" pitchFamily="2" charset="-122"/>
+                <a:cs typeface="Times New Roman" panose="02020603050405020304" pitchFamily="18" charset="0"/>
+              </a:rPr>
+              <a:t> (MDD) </a:t>
+            </a:r>
+            <a:r>
+              <a:rPr lang="zh-CN" altLang="zh-TW" smtClean="0">
+                <a:latin typeface="Calibri" panose="020F0502020204030204" pitchFamily="34" charset="0"/>
+                <a:cs typeface="Times New Roman" panose="02020603050405020304" pitchFamily="18" charset="0"/>
+              </a:rPr>
+              <a:t>症状的普遍性</a:t>
+            </a:r>
+            <a:endParaRPr lang="zh-TW" altLang="en-US" dirty="0"/>
+          </a:p>
+        </p:txBody>
+      </p:sp>
+      <p:sp>
+        <p:nvSpPr>
+          <p:cNvPr id="3" name="矩形 2"/>
+          <p:cNvSpPr/>
+          <p:nvPr/>
+        </p:nvSpPr>
+        <p:spPr>
+          <a:xfrm>
+            <a:off x="793531" y="2637445"/>
+            <a:ext cx="10857186" cy="2031325"/>
+          </a:xfrm>
+          <a:prstGeom prst="rect">
+            <a:avLst/>
+          </a:prstGeom>
+        </p:spPr>
+        <p:txBody>
+          <a:bodyPr wrap="square">
+            <a:spAutoFit/>
+          </a:bodyPr>
+          <a:lstStyle/>
+          <a:p>
+            <a:pPr>
+              <a:spcAft>
+                <a:spcPts val="0"/>
+              </a:spcAft>
+            </a:pPr>
+            <a:r>
+              <a:rPr lang="zh-CN" altLang="zh-TW" kern="100" dirty="0">
+                <a:latin typeface="Calibri" panose="020F0502020204030204" pitchFamily="34" charset="0"/>
+                <a:cs typeface="Times New Roman" panose="02020603050405020304" pitchFamily="18" charset="0"/>
+              </a:rPr>
+              <a:t>作者认为，</a:t>
+            </a:r>
+            <a:r>
+              <a:rPr lang="en-US" altLang="zh-TW" kern="100" dirty="0" smtClean="0">
+                <a:effectLst/>
+                <a:latin typeface="Calibri" panose="020F0502020204030204" pitchFamily="34" charset="0"/>
+                <a:ea typeface="宋体" panose="02010600030101010101" pitchFamily="2" charset="-122"/>
+                <a:cs typeface="Times New Roman" panose="02020603050405020304" pitchFamily="18" charset="0"/>
+              </a:rPr>
+              <a:t>MDD </a:t>
+            </a:r>
+            <a:r>
+              <a:rPr lang="zh-CN" altLang="zh-TW" kern="100" dirty="0">
+                <a:latin typeface="Calibri" panose="020F0502020204030204" pitchFamily="34" charset="0"/>
+                <a:cs typeface="Times New Roman" panose="02020603050405020304" pitchFamily="18" charset="0"/>
+              </a:rPr>
+              <a:t>症状的非特异性可能反映了对压力的更普遍的心理反应，而不是与特定原因、机制或治疗需求相对应的连贯综合症</a:t>
+            </a:r>
+            <a:r>
+              <a:rPr lang="zh-CN" altLang="zh-TW" kern="100" dirty="0" smtClean="0">
+                <a:latin typeface="Calibri" panose="020F0502020204030204" pitchFamily="34" charset="0"/>
+                <a:cs typeface="Times New Roman" panose="02020603050405020304" pitchFamily="18" charset="0"/>
+              </a:rPr>
+              <a:t>。</a:t>
+            </a:r>
+            <a:endParaRPr lang="en-US" altLang="zh-CN" kern="100" dirty="0" smtClean="0">
+              <a:latin typeface="Calibri" panose="020F0502020204030204" pitchFamily="34" charset="0"/>
+              <a:cs typeface="Times New Roman" panose="02020603050405020304" pitchFamily="18" charset="0"/>
+            </a:endParaRPr>
+          </a:p>
+          <a:p>
+            <a:pPr>
+              <a:spcAft>
+                <a:spcPts val="0"/>
+              </a:spcAft>
+            </a:pPr>
+            <a:endParaRPr lang="en-US" altLang="zh-CN" kern="100" dirty="0">
+              <a:latin typeface="Calibri" panose="020F0502020204030204" pitchFamily="34" charset="0"/>
+              <a:cs typeface="Times New Roman" panose="02020603050405020304" pitchFamily="18" charset="0"/>
+            </a:endParaRPr>
+          </a:p>
+          <a:p>
+            <a:pPr>
+              <a:spcAft>
+                <a:spcPts val="0"/>
+              </a:spcAft>
+            </a:pPr>
+            <a:r>
+              <a:rPr lang="zh-CN" altLang="zh-TW" kern="100" dirty="0" smtClean="0">
+                <a:latin typeface="Calibri" panose="020F0502020204030204" pitchFamily="34" charset="0"/>
+                <a:cs typeface="Times New Roman" panose="02020603050405020304" pitchFamily="18" charset="0"/>
+              </a:rPr>
+              <a:t> </a:t>
+            </a:r>
+            <a:r>
+              <a:rPr lang="zh-CN" altLang="zh-TW" kern="100" dirty="0">
+                <a:latin typeface="Calibri" panose="020F0502020204030204" pitchFamily="34" charset="0"/>
+                <a:cs typeface="Times New Roman" panose="02020603050405020304" pitchFamily="18" charset="0"/>
+              </a:rPr>
+              <a:t>这可能导致将其他诊断中的症状错误归因于</a:t>
+            </a:r>
+            <a:r>
+              <a:rPr lang="en-US" altLang="zh-TW" kern="100" dirty="0" smtClean="0">
+                <a:effectLst/>
+                <a:latin typeface="Calibri" panose="020F0502020204030204" pitchFamily="34" charset="0"/>
+                <a:ea typeface="宋体" panose="02010600030101010101" pitchFamily="2" charset="-122"/>
+                <a:cs typeface="Times New Roman" panose="02020603050405020304" pitchFamily="18" charset="0"/>
+              </a:rPr>
+              <a:t> MDD</a:t>
+            </a:r>
+            <a:r>
+              <a:rPr lang="zh-CN" altLang="zh-TW" kern="100" dirty="0">
+                <a:latin typeface="Calibri" panose="020F0502020204030204" pitchFamily="34" charset="0"/>
+                <a:cs typeface="Times New Roman" panose="02020603050405020304" pitchFamily="18" charset="0"/>
+              </a:rPr>
+              <a:t>，反之亦然，并增加合并症的发生率。 </a:t>
+            </a:r>
+            <a:endParaRPr lang="en-US" altLang="zh-CN" kern="100" dirty="0" smtClean="0">
+              <a:latin typeface="Calibri" panose="020F0502020204030204" pitchFamily="34" charset="0"/>
+              <a:cs typeface="Times New Roman" panose="02020603050405020304" pitchFamily="18" charset="0"/>
+            </a:endParaRPr>
+          </a:p>
+          <a:p>
+            <a:pPr>
+              <a:spcAft>
+                <a:spcPts val="0"/>
+              </a:spcAft>
+            </a:pPr>
+            <a:endParaRPr lang="en-US" altLang="zh-CN" kern="100" dirty="0">
+              <a:latin typeface="Calibri" panose="020F0502020204030204" pitchFamily="34" charset="0"/>
+              <a:cs typeface="Times New Roman" panose="02020603050405020304" pitchFamily="18" charset="0"/>
+            </a:endParaRPr>
+          </a:p>
+          <a:p>
+            <a:pPr>
+              <a:spcAft>
+                <a:spcPts val="0"/>
+              </a:spcAft>
+            </a:pPr>
+            <a:r>
+              <a:rPr lang="zh-CN" altLang="zh-TW" kern="100" dirty="0" smtClean="0">
+                <a:latin typeface="Calibri" panose="020F0502020204030204" pitchFamily="34" charset="0"/>
+                <a:cs typeface="Times New Roman" panose="02020603050405020304" pitchFamily="18" charset="0"/>
+              </a:rPr>
+              <a:t>作者</a:t>
+            </a:r>
+            <a:r>
+              <a:rPr lang="zh-CN" altLang="zh-TW" kern="100" dirty="0">
+                <a:latin typeface="Calibri" panose="020F0502020204030204" pitchFamily="34" charset="0"/>
+                <a:cs typeface="Times New Roman" panose="02020603050405020304" pitchFamily="18" charset="0"/>
+              </a:rPr>
+              <a:t>呼吁进行更多的实证研究，以确定症状协变模式是否反映了观察到的（非）特异性，并确定可以为精神病理学诊断和分类的研究、实践和重新概念化提供更好框架的交叉症状或集群</a:t>
+            </a:r>
+            <a:r>
+              <a:rPr lang="en-US" altLang="zh-TW" kern="100" dirty="0" smtClean="0">
+                <a:effectLst/>
+                <a:latin typeface="Calibri" panose="020F0502020204030204" pitchFamily="34" charset="0"/>
+                <a:ea typeface="宋体" panose="02010600030101010101" pitchFamily="2" charset="-122"/>
+                <a:cs typeface="Times New Roman" panose="02020603050405020304" pitchFamily="18" charset="0"/>
+              </a:rPr>
+              <a:t> .</a:t>
+            </a:r>
+            <a:endParaRPr lang="zh-TW" altLang="zh-TW" kern="100" dirty="0">
+              <a:effectLst/>
+              <a:latin typeface="Calibri" panose="020F0502020204030204" pitchFamily="34" charset="0"/>
+              <a:ea typeface="PMingLiU" panose="02020500000000000000" pitchFamily="18" charset="-120"/>
+              <a:cs typeface="Times New Roman" panose="02020603050405020304" pitchFamily="18" charset="0"/>
+            </a:endParaRPr>
+          </a:p>
+        </p:txBody>
+      </p:sp>
+    </p:spTree>
+    <p:extLst>
+      <p:ext uri="{BB962C8B-B14F-4D97-AF65-F5344CB8AC3E}">
+        <p14:creationId xmlns:p14="http://schemas.microsoft.com/office/powerpoint/2010/main" val="2093691416"/>
+      </p:ext>
+    </p:extLst>
+  </p:cSld>
+  <p:clrMapOvr>
+    <a:masterClrMapping/>
+  </p:clrMapOvr>
+</p:sld>
+</file>
+
+<file path=ppt/slides/slide3.xml><?xml version="1.0" encoding="utf-8"?>
+<p:sld xmlns:a="http://schemas.openxmlformats.org/drawingml/2006/main" xmlns:r="http://schemas.openxmlformats.org/officeDocument/2006/relationships" xmlns:p="http://schemas.openxmlformats.org/presentationml/2006/main">
+  <p:cSld>
+    <p:spTree>
+      <p:nvGrpSpPr>
+        <p:cNvPr id="1" name=""/>
+        <p:cNvGrpSpPr/>
+        <p:nvPr/>
+      </p:nvGrpSpPr>
+      <p:grpSpPr>
+        <a:xfrm>
+          <a:off x="0" y="0"/>
+          <a:ext cx="0" cy="0"/>
+          <a:chOff x="0" y="0"/>
+          <a:chExt cx="0" cy="0"/>
+        </a:xfrm>
+      </p:grpSpPr>
+      <p:sp>
+        <p:nvSpPr>
+          <p:cNvPr id="7" name="矩形 6"/>
+          <p:cNvSpPr/>
+          <p:nvPr/>
+        </p:nvSpPr>
+        <p:spPr>
+          <a:xfrm>
+            <a:off x="0" y="0"/>
+            <a:ext cx="8979408" cy="6858000"/>
+          </a:xfrm>
+          <a:prstGeom prst="rect">
+            <a:avLst/>
+          </a:prstGeom>
+          <a:solidFill>
+            <a:schemeClr val="bg1">
+              <a:alpha val="50196"/>
+            </a:schemeClr>
+          </a:solidFill>
+          <a:ln>
+            <a:noFill/>
+          </a:ln>
+        </p:spPr>
+        <p:style>
+          <a:lnRef idx="2">
+            <a:schemeClr val="accent1">
+              <a:shade val="50000"/>
+            </a:schemeClr>
+          </a:lnRef>
+          <a:fillRef idx="1">
+            <a:schemeClr val="accent1"/>
+          </a:fillRef>
+          <a:effectRef idx="0">
+            <a:schemeClr val="accent1"/>
+          </a:effectRef>
+          <a:fontRef idx="minor">
+            <a:schemeClr val="lt1"/>
+          </a:fontRef>
+        </p:style>
+        <p:txBody>
+          <a:bodyPr rtlCol="0" anchor="ctr"/>
+          <a:lstStyle/>
+          <a:p>
+            <a:pPr algn="ctr"/>
+            <a:endParaRPr lang="zh-CN" altLang="en-US"/>
+          </a:p>
+        </p:txBody>
+      </p:sp>
+      <p:sp>
+        <p:nvSpPr>
+          <p:cNvPr id="4" name="矩形 3"/>
+          <p:cNvSpPr/>
+          <p:nvPr/>
+        </p:nvSpPr>
+        <p:spPr>
+          <a:xfrm>
+            <a:off x="8979408" y="0"/>
+            <a:ext cx="3212592" cy="6858000"/>
+          </a:xfrm>
+          <a:prstGeom prst="rect">
+            <a:avLst/>
+          </a:prstGeom>
+          <a:gradFill flip="none" rotWithShape="1">
+            <a:gsLst>
+              <a:gs pos="0">
+                <a:srgbClr val="005B70"/>
+              </a:gs>
+              <a:gs pos="100000">
+                <a:srgbClr val="74AA9C"/>
+              </a:gs>
+            </a:gsLst>
+            <a:lin ang="2700000" scaled="1"/>
+            <a:tileRect/>
+          </a:gradFill>
+          <a:ln>
+            <a:noFill/>
+          </a:ln>
+        </p:spPr>
+        <p:style>
+          <a:lnRef idx="2">
+            <a:schemeClr val="accent1">
+              <a:shade val="50000"/>
+            </a:schemeClr>
+          </a:lnRef>
+          <a:fillRef idx="1">
+            <a:schemeClr val="accent1"/>
+          </a:fillRef>
+          <a:effectRef idx="0">
+            <a:schemeClr val="accent1"/>
+          </a:effectRef>
+          <a:fontRef idx="minor">
+            <a:schemeClr val="lt1"/>
+          </a:fontRef>
+        </p:style>
+        <p:txBody>
+          <a:bodyPr rtlCol="0" anchor="ctr"/>
+          <a:lstStyle/>
+          <a:p>
+            <a:pPr algn="ctr"/>
+            <a:r>
               <a:rPr lang="en-US" altLang="zh-TW" sz="6000" b="1" dirty="0" smtClean="0">
                 <a:latin typeface="Times New Roman" panose="02020603050405020304" pitchFamily="18" charset="0"/>
                 <a:cs typeface="Times New Roman" panose="02020603050405020304" pitchFamily="18" charset="0"/>
@@ -7618,39 +12088,7 @@
                 <a:ea typeface="楷体" panose="02010609060101010101" pitchFamily="49" charset="-122"/>
                 <a:cs typeface="Times New Roman" panose="02020603050405020304" pitchFamily="18" charset="0"/>
               </a:rPr>
-              <a:t>症状是否仅仅是由于疾病之间的共病性或相关性导致的，还是它们确实在某些疾病中</a:t>
-            </a:r>
-            <a:r>
-              <a:rPr lang="zh-CN" altLang="en-US" kern="100" dirty="0" smtClean="0">
-                <a:latin typeface="楷体" panose="02010609060101010101" pitchFamily="49" charset="-122"/>
-                <a:ea typeface="楷体" panose="02010609060101010101" pitchFamily="49" charset="-122"/>
-                <a:cs typeface="Times New Roman" panose="02020603050405020304" pitchFamily="18" charset="0"/>
-              </a:rPr>
-              <a:t>具有</a:t>
-            </a:r>
-            <a:r>
-              <a:rPr lang="zh-CN" altLang="en-US" kern="100" dirty="0" smtClean="0">
-                <a:latin typeface="楷体" panose="02010609060101010101" pitchFamily="49" charset="-122"/>
-                <a:ea typeface="楷体" panose="02010609060101010101" pitchFamily="49" charset="-122"/>
-                <a:cs typeface="Times New Roman" panose="02020603050405020304" pitchFamily="18" charset="0"/>
-              </a:rPr>
-              <a:t>特别的</a:t>
-            </a:r>
-            <a:r>
-              <a:rPr lang="zh-CN" altLang="en-US" kern="100" dirty="0" smtClean="0">
-                <a:latin typeface="楷体" panose="02010609060101010101" pitchFamily="49" charset="-122"/>
-                <a:ea typeface="楷体" panose="02010609060101010101" pitchFamily="49" charset="-122"/>
-                <a:cs typeface="Times New Roman" panose="02020603050405020304" pitchFamily="18" charset="0"/>
-              </a:rPr>
-              <a:t>表现</a:t>
-            </a:r>
-            <a:r>
-              <a:rPr lang="zh-CN" altLang="en-US" kern="100" dirty="0" smtClean="0">
-                <a:latin typeface="楷体" panose="02010609060101010101" pitchFamily="49" charset="-122"/>
-                <a:ea typeface="楷体" panose="02010609060101010101" pitchFamily="49" charset="-122"/>
-                <a:cs typeface="Times New Roman" panose="02020603050405020304" pitchFamily="18" charset="0"/>
-              </a:rPr>
-              <a:t>方式。</a:t>
+              <a:t>症状是否仅仅是由于疾病之间的共病性或相关性导致的，还是它们确实在某些疾病中具有特别的表现方式。</a:t>
             </a:r>
             <a:endParaRPr lang="en-US" altLang="zh-CN" kern="100" dirty="0" smtClean="0">
               <a:latin typeface="楷体" panose="02010609060101010101" pitchFamily="49" charset="-122"/>
@@ -7812,6 +12250,54 @@
           <a:chExt cx="0" cy="0"/>
         </a:xfrm>
       </p:grpSpPr>
+      <p:sp>
+        <p:nvSpPr>
+          <p:cNvPr id="8" name="矩形 7"/>
+          <p:cNvSpPr/>
+          <p:nvPr/>
+        </p:nvSpPr>
+        <p:spPr>
+          <a:xfrm>
+            <a:off x="0" y="0"/>
+            <a:ext cx="8979408" cy="6858000"/>
+          </a:xfrm>
+          <a:prstGeom prst="rect">
+            <a:avLst/>
+          </a:prstGeom>
+          <a:solidFill>
+            <a:schemeClr val="bg1">
+              <a:alpha val="50196"/>
+            </a:schemeClr>
+          </a:solidFill>
+          <a:ln>
+            <a:noFill/>
+          </a:ln>
+        </p:spPr>
+        <p:style>
+          <a:lnRef idx="2">
+            <a:schemeClr val="accent1">
+              <a:shade val="50000"/>
+            </a:schemeClr>
+          </a:lnRef>
+          <a:fillRef idx="1">
+            <a:schemeClr val="accent1"/>
+          </a:fillRef>
+          <a:effectRef idx="0">
+            <a:schemeClr val="accent1"/>
+          </a:effectRef>
+          <a:fontRef idx="minor">
+            <a:schemeClr val="lt1"/>
+          </a:fontRef>
+        </p:style>
+        <p:txBody>
+          <a:bodyPr rtlCol="0" anchor="ctr"/>
+          <a:lstStyle/>
+          <a:p>
+            <a:pPr algn="ctr"/>
+            <a:endParaRPr lang="zh-CN" altLang="en-US"/>
+          </a:p>
+        </p:txBody>
+      </p:sp>
       <p:sp>
         <p:nvSpPr>
           <p:cNvPr id="4" name="矩形 3"/>
@@ -8290,15 +12776,7 @@
                 <a:ea typeface="楷体" panose="02010609060101010101" pitchFamily="49" charset="-122"/>
                 <a:cs typeface="Times New Roman" panose="02020603050405020304" pitchFamily="18" charset="0"/>
               </a:rPr>
-              <a:t>重复</a:t>
-            </a:r>
-            <a:r>
-              <a:rPr lang="zh-CN" altLang="zh-TW" dirty="0" smtClean="0">
-                <a:latin typeface="楷体" panose="02010609060101010101" pitchFamily="49" charset="-122"/>
-                <a:ea typeface="楷体" panose="02010609060101010101" pitchFamily="49" charset="-122"/>
-                <a:cs typeface="Times New Roman" panose="02020603050405020304" pitchFamily="18" charset="0"/>
-              </a:rPr>
-              <a:t>，</a:t>
+              <a:t>重复，</a:t>
             </a:r>
             <a:endParaRPr lang="en-US" altLang="zh-CN" dirty="0" smtClean="0">
               <a:latin typeface="楷体" panose="02010609060101010101" pitchFamily="49" charset="-122"/>
@@ -8438,6 +12916,54 @@
       </p:grpSpPr>
       <p:sp>
         <p:nvSpPr>
+          <p:cNvPr id="6" name="矩形 5"/>
+          <p:cNvSpPr/>
+          <p:nvPr/>
+        </p:nvSpPr>
+        <p:spPr>
+          <a:xfrm>
+            <a:off x="0" y="0"/>
+            <a:ext cx="8979408" cy="6858000"/>
+          </a:xfrm>
+          <a:prstGeom prst="rect">
+            <a:avLst/>
+          </a:prstGeom>
+          <a:solidFill>
+            <a:schemeClr val="bg1">
+              <a:alpha val="50196"/>
+            </a:schemeClr>
+          </a:solidFill>
+          <a:ln>
+            <a:noFill/>
+          </a:ln>
+        </p:spPr>
+        <p:style>
+          <a:lnRef idx="2">
+            <a:schemeClr val="accent1">
+              <a:shade val="50000"/>
+            </a:schemeClr>
+          </a:lnRef>
+          <a:fillRef idx="1">
+            <a:schemeClr val="accent1"/>
+          </a:fillRef>
+          <a:effectRef idx="0">
+            <a:schemeClr val="accent1"/>
+          </a:effectRef>
+          <a:fontRef idx="minor">
+            <a:schemeClr val="lt1"/>
+          </a:fontRef>
+        </p:style>
+        <p:txBody>
+          <a:bodyPr rtlCol="0" anchor="ctr"/>
+          <a:lstStyle/>
+          <a:p>
+            <a:pPr algn="ctr"/>
+            <a:endParaRPr lang="zh-CN" altLang="en-US"/>
+          </a:p>
+        </p:txBody>
+      </p:sp>
+      <p:sp>
+        <p:nvSpPr>
           <p:cNvPr id="4" name="矩形 3"/>
           <p:cNvSpPr/>
           <p:nvPr/>
@@ -8725,7 +13251,55 @@
                 <a:ea typeface="楷体" panose="02010609060101010101" pitchFamily="49" charset="-122"/>
                 <a:cs typeface="Times New Roman" panose="02020603050405020304" pitchFamily="18" charset="0"/>
               </a:rPr>
-              <a:t>的方法</a:t>
+              <a:t>的方法将</a:t>
+            </a:r>
+            <a:r>
+              <a:rPr lang="en-US" altLang="zh-TW" kern="100" dirty="0" smtClean="0">
+                <a:latin typeface="Times New Roman" panose="02020603050405020304" pitchFamily="18" charset="0"/>
+                <a:ea typeface="楷体" panose="02010609060101010101" pitchFamily="49" charset="-122"/>
+                <a:cs typeface="Times New Roman" panose="02020603050405020304" pitchFamily="18" charset="0"/>
+              </a:rPr>
+              <a:t>DSM-5 </a:t>
+            </a:r>
+            <a:r>
+              <a:rPr lang="zh-CN" altLang="zh-TW" kern="100" dirty="0">
+                <a:latin typeface="Times New Roman" panose="02020603050405020304" pitchFamily="18" charset="0"/>
+                <a:ea typeface="楷体" panose="02010609060101010101" pitchFamily="49" charset="-122"/>
+                <a:cs typeface="Times New Roman" panose="02020603050405020304" pitchFamily="18" charset="0"/>
+              </a:rPr>
+              <a:t>第</a:t>
+            </a:r>
+            <a:r>
+              <a:rPr lang="en-US" altLang="zh-TW" kern="100" dirty="0">
+                <a:latin typeface="Times New Roman" panose="02020603050405020304" pitchFamily="18" charset="0"/>
+                <a:ea typeface="楷体" panose="02010609060101010101" pitchFamily="49" charset="-122"/>
+                <a:cs typeface="Times New Roman" panose="02020603050405020304" pitchFamily="18" charset="0"/>
+              </a:rPr>
+              <a:t> II </a:t>
+            </a:r>
+            <a:r>
+              <a:rPr lang="zh-CN" altLang="zh-TW" kern="100" dirty="0">
+                <a:latin typeface="Times New Roman" panose="02020603050405020304" pitchFamily="18" charset="0"/>
+                <a:ea typeface="楷体" panose="02010609060101010101" pitchFamily="49" charset="-122"/>
+                <a:cs typeface="Times New Roman" panose="02020603050405020304" pitchFamily="18" charset="0"/>
+              </a:rPr>
+              <a:t>部分第</a:t>
+            </a:r>
+            <a:r>
+              <a:rPr lang="en-US" altLang="zh-TW" kern="100" dirty="0">
+                <a:latin typeface="Times New Roman" panose="02020603050405020304" pitchFamily="18" charset="0"/>
+                <a:ea typeface="楷体" panose="02010609060101010101" pitchFamily="49" charset="-122"/>
+                <a:cs typeface="Times New Roman" panose="02020603050405020304" pitchFamily="18" charset="0"/>
+              </a:rPr>
+              <a:t> 1-19 </a:t>
+            </a:r>
+            <a:r>
+              <a:rPr lang="zh-CN" altLang="zh-TW" kern="100" dirty="0">
+                <a:latin typeface="Times New Roman" panose="02020603050405020304" pitchFamily="18" charset="0"/>
+                <a:ea typeface="楷体" panose="02010609060101010101" pitchFamily="49" charset="-122"/>
+                <a:cs typeface="Times New Roman" panose="02020603050405020304" pitchFamily="18" charset="0"/>
+              </a:rPr>
+              <a:t>章中所有</a:t>
             </a:r>
             <a:r>
               <a:rPr lang="zh-CN" altLang="en-US" kern="100" dirty="0" smtClean="0">
@@ -8733,71 +13307,7 @@
                 <a:ea typeface="楷体" panose="02010609060101010101" pitchFamily="49" charset="-122"/>
                 <a:cs typeface="Times New Roman" panose="02020603050405020304" pitchFamily="18" charset="0"/>
               </a:rPr>
-              <a:t>将</a:t>
-            </a:r>
-            <a:r>
-              <a:rPr lang="en-US" altLang="zh-TW" kern="100" dirty="0" smtClean="0">
-                <a:latin typeface="Times New Roman" panose="02020603050405020304" pitchFamily="18" charset="0"/>
-                <a:ea typeface="楷体" panose="02010609060101010101" pitchFamily="49" charset="-122"/>
-                <a:cs typeface="Times New Roman" panose="02020603050405020304" pitchFamily="18" charset="0"/>
-              </a:rPr>
-              <a:t>DSM-5 </a:t>
-            </a:r>
-            <a:r>
-              <a:rPr lang="zh-CN" altLang="zh-TW" kern="100" dirty="0">
-                <a:latin typeface="Times New Roman" panose="02020603050405020304" pitchFamily="18" charset="0"/>
-                <a:ea typeface="楷体" panose="02010609060101010101" pitchFamily="49" charset="-122"/>
-                <a:cs typeface="Times New Roman" panose="02020603050405020304" pitchFamily="18" charset="0"/>
-              </a:rPr>
-              <a:t>第</a:t>
-            </a:r>
-            <a:r>
-              <a:rPr lang="en-US" altLang="zh-TW" kern="100" dirty="0">
-                <a:latin typeface="Times New Roman" panose="02020603050405020304" pitchFamily="18" charset="0"/>
-                <a:ea typeface="楷体" panose="02010609060101010101" pitchFamily="49" charset="-122"/>
-                <a:cs typeface="Times New Roman" panose="02020603050405020304" pitchFamily="18" charset="0"/>
-              </a:rPr>
-              <a:t> II </a:t>
-            </a:r>
-            <a:r>
-              <a:rPr lang="zh-CN" altLang="zh-TW" kern="100" dirty="0">
-                <a:latin typeface="Times New Roman" panose="02020603050405020304" pitchFamily="18" charset="0"/>
-                <a:ea typeface="楷体" panose="02010609060101010101" pitchFamily="49" charset="-122"/>
-                <a:cs typeface="Times New Roman" panose="02020603050405020304" pitchFamily="18" charset="0"/>
-              </a:rPr>
-              <a:t>部分第</a:t>
-            </a:r>
-            <a:r>
-              <a:rPr lang="en-US" altLang="zh-TW" kern="100" dirty="0">
-                <a:latin typeface="Times New Roman" panose="02020603050405020304" pitchFamily="18" charset="0"/>
-                <a:ea typeface="楷体" panose="02010609060101010101" pitchFamily="49" charset="-122"/>
-                <a:cs typeface="Times New Roman" panose="02020603050405020304" pitchFamily="18" charset="0"/>
-              </a:rPr>
-              <a:t> 1-19 </a:t>
-            </a:r>
-            <a:r>
-              <a:rPr lang="zh-CN" altLang="zh-TW" kern="100" dirty="0">
-                <a:latin typeface="Times New Roman" panose="02020603050405020304" pitchFamily="18" charset="0"/>
-                <a:ea typeface="楷体" panose="02010609060101010101" pitchFamily="49" charset="-122"/>
-                <a:cs typeface="Times New Roman" panose="02020603050405020304" pitchFamily="18" charset="0"/>
-              </a:rPr>
-              <a:t>章中所有</a:t>
-            </a:r>
-            <a:r>
-              <a:rPr lang="zh-CN" altLang="en-US" kern="100" dirty="0" smtClean="0">
-                <a:latin typeface="Times New Roman" panose="02020603050405020304" pitchFamily="18" charset="0"/>
-                <a:ea typeface="楷体" panose="02010609060101010101" pitchFamily="49" charset="-122"/>
-                <a:cs typeface="Times New Roman" panose="02020603050405020304" pitchFamily="18" charset="0"/>
-              </a:rPr>
-              <a:t>诊断的特异性诊断标准按照以下规则</a:t>
-            </a:r>
-            <a:r>
-              <a:rPr lang="zh-CN" altLang="en-US" kern="100" dirty="0" smtClean="0">
-                <a:latin typeface="Times New Roman" panose="02020603050405020304" pitchFamily="18" charset="0"/>
-                <a:ea typeface="楷体" panose="02010609060101010101" pitchFamily="49" charset="-122"/>
-                <a:cs typeface="Times New Roman" panose="02020603050405020304" pitchFamily="18" charset="0"/>
-              </a:rPr>
-              <a:t>简化</a:t>
+              <a:t>诊断的特异性诊断标准按照以下规则简化</a:t>
             </a:r>
             <a:r>
               <a:rPr lang="zh-CN" altLang="en-US" kern="100" dirty="0">
@@ -9183,6 +13693,54 @@
           <a:chExt cx="0" cy="0"/>
         </a:xfrm>
       </p:grpSpPr>
+      <p:sp>
+        <p:nvSpPr>
+          <p:cNvPr id="10" name="矩形 9"/>
+          <p:cNvSpPr/>
+          <p:nvPr/>
+        </p:nvSpPr>
+        <p:spPr>
+          <a:xfrm>
+            <a:off x="0" y="0"/>
+            <a:ext cx="8979408" cy="6858000"/>
+          </a:xfrm>
+          <a:prstGeom prst="rect">
+            <a:avLst/>
+          </a:prstGeom>
+          <a:solidFill>
+            <a:schemeClr val="bg1">
+              <a:alpha val="50196"/>
+            </a:schemeClr>
+          </a:solidFill>
+          <a:ln>
+            <a:noFill/>
+          </a:ln>
+        </p:spPr>
+        <p:style>
+          <a:lnRef idx="2">
+            <a:schemeClr val="accent1">
+              <a:shade val="50000"/>
+            </a:schemeClr>
+          </a:lnRef>
+          <a:fillRef idx="1">
+            <a:schemeClr val="accent1"/>
+          </a:fillRef>
+          <a:effectRef idx="0">
+            <a:schemeClr val="accent1"/>
+          </a:effectRef>
+          <a:fontRef idx="minor">
+            <a:schemeClr val="lt1"/>
+          </a:fontRef>
+        </p:style>
+        <p:txBody>
+          <a:bodyPr rtlCol="0" anchor="ctr"/>
+          <a:lstStyle/>
+          <a:p>
+            <a:pPr algn="ctr"/>
+            <a:endParaRPr lang="zh-CN" altLang="en-US"/>
+          </a:p>
+        </p:txBody>
+      </p:sp>
       <p:sp>
         <p:nvSpPr>
           <p:cNvPr id="4" name="矩形 3"/>
@@ -9543,6 +14101,54 @@
       </p:grpSpPr>
       <p:sp>
         <p:nvSpPr>
+          <p:cNvPr id="6" name="矩形 5"/>
+          <p:cNvSpPr/>
+          <p:nvPr/>
+        </p:nvSpPr>
+        <p:spPr>
+          <a:xfrm>
+            <a:off x="0" y="0"/>
+            <a:ext cx="8979408" cy="6858000"/>
+          </a:xfrm>
+          <a:prstGeom prst="rect">
+            <a:avLst/>
+          </a:prstGeom>
+          <a:solidFill>
+            <a:schemeClr val="bg1">
+              <a:alpha val="50196"/>
+            </a:schemeClr>
+          </a:solidFill>
+          <a:ln>
+            <a:noFill/>
+          </a:ln>
+        </p:spPr>
+        <p:style>
+          <a:lnRef idx="2">
+            <a:schemeClr val="accent1">
+              <a:shade val="50000"/>
+            </a:schemeClr>
+          </a:lnRef>
+          <a:fillRef idx="1">
+            <a:schemeClr val="accent1"/>
+          </a:fillRef>
+          <a:effectRef idx="0">
+            <a:schemeClr val="accent1"/>
+          </a:effectRef>
+          <a:fontRef idx="minor">
+            <a:schemeClr val="lt1"/>
+          </a:fontRef>
+        </p:style>
+        <p:txBody>
+          <a:bodyPr rtlCol="0" anchor="ctr"/>
+          <a:lstStyle/>
+          <a:p>
+            <a:pPr algn="ctr"/>
+            <a:endParaRPr lang="zh-CN" altLang="en-US"/>
+          </a:p>
+        </p:txBody>
+      </p:sp>
+      <p:sp>
+        <p:nvSpPr>
           <p:cNvPr id="4" name="矩形 3"/>
           <p:cNvSpPr/>
           <p:nvPr/>
@@ -9750,55 +14356,7 @@
                 <a:latin typeface="楷体" panose="02010609060101010101" pitchFamily="49" charset="-122"/>
                 <a:ea typeface="楷体" panose="02010609060101010101" pitchFamily="49" charset="-122"/>
               </a:rPr>
-              <a:t>在定义某些</a:t>
-            </a:r>
-            <a:r>
-              <a:rPr lang="zh-CN" altLang="en-US" b="0" i="0" dirty="0" smtClean="0">
-                <a:effectLst/>
-                <a:latin typeface="楷体" panose="02010609060101010101" pitchFamily="49" charset="-122"/>
-                <a:ea typeface="楷体" panose="02010609060101010101" pitchFamily="49" charset="-122"/>
-              </a:rPr>
-              <a:t>诊断标准时</a:t>
-            </a:r>
-            <a:r>
-              <a:rPr lang="zh-CN" altLang="en-US" b="0" i="0" dirty="0" smtClean="0">
-                <a:effectLst/>
-                <a:latin typeface="楷体" panose="02010609060101010101" pitchFamily="49" charset="-122"/>
-                <a:ea typeface="楷体" panose="02010609060101010101" pitchFamily="49" charset="-122"/>
-              </a:rPr>
-              <a:t>存在的模糊或不确定性</a:t>
-            </a:r>
-            <a:r>
-              <a:rPr lang="zh-CN" altLang="en-US" b="0" i="0" dirty="0" smtClean="0">
-                <a:effectLst/>
-                <a:latin typeface="楷体" panose="02010609060101010101" pitchFamily="49" charset="-122"/>
-                <a:ea typeface="楷体" panose="02010609060101010101" pitchFamily="49" charset="-122"/>
-              </a:rPr>
-              <a:t>。因为</a:t>
-            </a:r>
-            <a:r>
-              <a:rPr lang="zh-CN" altLang="en-US" b="0" i="0" dirty="0" smtClean="0">
-                <a:effectLst/>
-                <a:latin typeface="楷体" panose="02010609060101010101" pitchFamily="49" charset="-122"/>
-                <a:ea typeface="楷体" panose="02010609060101010101" pitchFamily="49" charset="-122"/>
-              </a:rPr>
-              <a:t>某些诊断标准描述的症状可能很宽泛</a:t>
-            </a:r>
-            <a:r>
-              <a:rPr lang="zh-CN" altLang="en-US" b="0" i="0" dirty="0" smtClean="0">
-                <a:effectLst/>
-                <a:latin typeface="楷体" panose="02010609060101010101" pitchFamily="49" charset="-122"/>
-                <a:ea typeface="楷体" panose="02010609060101010101" pitchFamily="49" charset="-122"/>
-              </a:rPr>
-              <a:t>或狠抽象</a:t>
-            </a:r>
-            <a:r>
-              <a:rPr lang="zh-CN" altLang="en-US" b="0" i="0" dirty="0" smtClean="0">
-                <a:effectLst/>
-                <a:latin typeface="楷体" panose="02010609060101010101" pitchFamily="49" charset="-122"/>
-                <a:ea typeface="楷体" panose="02010609060101010101" pitchFamily="49" charset="-122"/>
-              </a:rPr>
-              <a:t>，</a:t>
+              <a:t>在定义某些诊断标准时存在的模糊或不确定性。因为某些诊断标准描述的症状可能很宽泛或狠抽象，</a:t>
             </a:r>
             <a:r>
               <a:rPr lang="zh-CN" altLang="en-US" dirty="0">
@@ -9884,63 +14442,7 @@
                 <a:latin typeface="楷体" panose="02010609060101010101" pitchFamily="49" charset="-122"/>
                 <a:ea typeface="楷体" panose="02010609060101010101" pitchFamily="49" charset="-122"/>
               </a:rPr>
-              <a:t>因此，在这个项目中</a:t>
-            </a:r>
-            <a:r>
-              <a:rPr lang="zh-CN" altLang="en-US" b="0" i="0" dirty="0" smtClean="0">
-                <a:effectLst/>
-                <a:latin typeface="楷体" panose="02010609060101010101" pitchFamily="49" charset="-122"/>
-                <a:ea typeface="楷体" panose="02010609060101010101" pitchFamily="49" charset="-122"/>
-              </a:rPr>
-              <a:t>，我们需要</a:t>
-            </a:r>
-            <a:r>
-              <a:rPr lang="zh-CN" altLang="en-US" b="0" i="0" dirty="0" smtClean="0">
-                <a:effectLst/>
-                <a:latin typeface="楷体" panose="02010609060101010101" pitchFamily="49" charset="-122"/>
-                <a:ea typeface="楷体" panose="02010609060101010101" pitchFamily="49" charset="-122"/>
-              </a:rPr>
-              <a:t>通过参考其他相关的</a:t>
-            </a:r>
-            <a:r>
-              <a:rPr lang="zh-CN" altLang="en-US" b="0" i="0" dirty="0" smtClean="0">
-                <a:effectLst/>
-                <a:latin typeface="楷体" panose="02010609060101010101" pitchFamily="49" charset="-122"/>
-                <a:ea typeface="楷体" panose="02010609060101010101" pitchFamily="49" charset="-122"/>
-              </a:rPr>
-              <a:t>症状，以及其具体的诊断标准，</a:t>
-            </a:r>
-            <a:r>
-              <a:rPr lang="zh-CN" altLang="en-US" b="0" i="0" dirty="0" smtClean="0">
-                <a:effectLst/>
-                <a:latin typeface="楷体" panose="02010609060101010101" pitchFamily="49" charset="-122"/>
-                <a:ea typeface="楷体" panose="02010609060101010101" pitchFamily="49" charset="-122"/>
-              </a:rPr>
-              <a:t>来</a:t>
-            </a:r>
-            <a:r>
-              <a:rPr lang="zh-CN" altLang="en-US" b="0" i="0" dirty="0" smtClean="0">
-                <a:effectLst/>
-                <a:latin typeface="楷体" panose="02010609060101010101" pitchFamily="49" charset="-122"/>
-                <a:ea typeface="楷体" panose="02010609060101010101" pitchFamily="49" charset="-122"/>
-              </a:rPr>
-              <a:t>确定某个诊断标准的</a:t>
-            </a:r>
-            <a:r>
-              <a:rPr lang="zh-CN" altLang="en-US" b="0" i="0" dirty="0" smtClean="0">
-                <a:effectLst/>
-                <a:latin typeface="楷体" panose="02010609060101010101" pitchFamily="49" charset="-122"/>
-                <a:ea typeface="楷体" panose="02010609060101010101" pitchFamily="49" charset="-122"/>
-              </a:rPr>
-              <a:t>具体内容，以保证分析的一致性</a:t>
-            </a:r>
-            <a:r>
-              <a:rPr lang="zh-CN" altLang="en-US" b="0" i="0" dirty="0" smtClean="0">
-                <a:effectLst/>
-                <a:latin typeface="楷体" panose="02010609060101010101" pitchFamily="49" charset="-122"/>
-                <a:ea typeface="楷体" panose="02010609060101010101" pitchFamily="49" charset="-122"/>
-              </a:rPr>
-              <a:t>。</a:t>
+              <a:t>因此，在这个项目中，我们需要通过参考其他相关的症状，以及其具体的诊断标准，来确定某个诊断标准的具体内容，以保证分析的一致性。</a:t>
             </a:r>
             <a:endParaRPr lang="en-US" altLang="zh-CN" b="0" i="0" dirty="0" smtClean="0">
               <a:effectLst/>
@@ -10072,6 +14574,54 @@
           <a:chExt cx="0" cy="0"/>
         </a:xfrm>
       </p:grpSpPr>
+      <p:sp>
+        <p:nvSpPr>
+          <p:cNvPr id="6" name="矩形 5"/>
+          <p:cNvSpPr/>
+          <p:nvPr/>
+        </p:nvSpPr>
+        <p:spPr>
+          <a:xfrm>
+            <a:off x="0" y="0"/>
+            <a:ext cx="8979408" cy="6858000"/>
+          </a:xfrm>
+          <a:prstGeom prst="rect">
+            <a:avLst/>
+          </a:prstGeom>
+          <a:solidFill>
+            <a:schemeClr val="bg1">
+              <a:alpha val="50196"/>
+            </a:schemeClr>
+          </a:solidFill>
+          <a:ln>
+            <a:noFill/>
+          </a:ln>
+        </p:spPr>
+        <p:style>
+          <a:lnRef idx="2">
+            <a:schemeClr val="accent1">
+              <a:shade val="50000"/>
+            </a:schemeClr>
+          </a:lnRef>
+          <a:fillRef idx="1">
+            <a:schemeClr val="accent1"/>
+          </a:fillRef>
+          <a:effectRef idx="0">
+            <a:schemeClr val="accent1"/>
+          </a:effectRef>
+          <a:fontRef idx="minor">
+            <a:schemeClr val="lt1"/>
+          </a:fontRef>
+        </p:style>
+        <p:txBody>
+          <a:bodyPr rtlCol="0" anchor="ctr"/>
+          <a:lstStyle/>
+          <a:p>
+            <a:pPr algn="ctr"/>
+            <a:endParaRPr lang="zh-CN" altLang="en-US"/>
+          </a:p>
+        </p:txBody>
+      </p:sp>
       <p:sp>
         <p:nvSpPr>
           <p:cNvPr id="4" name="矩形 3"/>
@@ -10689,6 +15239,54 @@
       </p:grpSpPr>
       <p:sp>
         <p:nvSpPr>
+          <p:cNvPr id="8" name="矩形 7"/>
+          <p:cNvSpPr/>
+          <p:nvPr/>
+        </p:nvSpPr>
+        <p:spPr>
+          <a:xfrm>
+            <a:off x="0" y="0"/>
+            <a:ext cx="8979408" cy="6858000"/>
+          </a:xfrm>
+          <a:prstGeom prst="rect">
+            <a:avLst/>
+          </a:prstGeom>
+          <a:solidFill>
+            <a:schemeClr val="bg1">
+              <a:alpha val="50196"/>
+            </a:schemeClr>
+          </a:solidFill>
+          <a:ln>
+            <a:noFill/>
+          </a:ln>
+        </p:spPr>
+        <p:style>
+          <a:lnRef idx="2">
+            <a:schemeClr val="accent1">
+              <a:shade val="50000"/>
+            </a:schemeClr>
+          </a:lnRef>
+          <a:fillRef idx="1">
+            <a:schemeClr val="accent1"/>
+          </a:fillRef>
+          <a:effectRef idx="0">
+            <a:schemeClr val="accent1"/>
+          </a:effectRef>
+          <a:fontRef idx="minor">
+            <a:schemeClr val="lt1"/>
+          </a:fontRef>
+        </p:style>
+        <p:txBody>
+          <a:bodyPr rtlCol="0" anchor="ctr"/>
+          <a:lstStyle/>
+          <a:p>
+            <a:pPr algn="ctr"/>
+            <a:endParaRPr lang="zh-CN" altLang="en-US"/>
+          </a:p>
+        </p:txBody>
+      </p:sp>
+      <p:sp>
+        <p:nvSpPr>
           <p:cNvPr id="4" name="矩形 3"/>
           <p:cNvSpPr/>
           <p:nvPr/>
@@ -10913,16 +15511,7 @@
                 <a:ea typeface="楷体" panose="02010609060101010101" pitchFamily="49" charset="-122"/>
                 <a:cs typeface="Times New Roman" panose="02020603050405020304" pitchFamily="18" charset="0"/>
               </a:rPr>
-              <a:t> </a:t>
-            </a:r>
-            <a:r>
-              <a:rPr lang="en-US" altLang="zh-TW" b="1" dirty="0" smtClean="0">
-                <a:effectLst/>
-                <a:latin typeface="楷体" panose="02010609060101010101" pitchFamily="49" charset="-122"/>
-                <a:ea typeface="楷体" panose="02010609060101010101" pitchFamily="49" charset="-122"/>
-                <a:cs typeface="Times New Roman" panose="02020603050405020304" pitchFamily="18" charset="0"/>
-              </a:rPr>
-              <a:t>(NLP) </a:t>
+              <a:t> (NLP) </a:t>
             </a:r>
             <a:r>
               <a:rPr lang="zh-CN" altLang="zh-TW" dirty="0">
@@ -11023,15 +15612,7 @@
                 <a:ea typeface="楷体" panose="02010609060101010101" pitchFamily="49" charset="-122"/>
                 <a:cs typeface="Times New Roman" panose="02020603050405020304" pitchFamily="18" charset="0"/>
               </a:rPr>
-              <a:t>中的相对</a:t>
-            </a:r>
-            <a:r>
-              <a:rPr lang="zh-CN" altLang="en-US" dirty="0" smtClean="0">
-                <a:latin typeface="楷体" panose="02010609060101010101" pitchFamily="49" charset="-122"/>
-                <a:ea typeface="楷体" panose="02010609060101010101" pitchFamily="49" charset="-122"/>
-                <a:cs typeface="Times New Roman" panose="02020603050405020304" pitchFamily="18" charset="0"/>
-              </a:rPr>
-              <a:t>距离</a:t>
+              <a:t>中的相对距离</a:t>
             </a:r>
             <a:r>
               <a:rPr lang="zh-CN" altLang="zh-TW" dirty="0" smtClean="0">
